--- a/PHASE TWO NON _TECH.pptx
+++ b/PHASE TWO NON _TECH.pptx
@@ -1,40 +1,40 @@
 
 <file path=ppt/presentation.xml><?xml version="1.0" encoding="utf-8"?>
-<p:presentation xmlns:a="http://schemas.openxmlformats.org/drawingml/2006/main" xmlns:r="http://schemas.openxmlformats.org/officeDocument/2006/relationships" xmlns:p="http://schemas.openxmlformats.org/presentationml/2006/main" saveSubsetFonts="1">
+<p:presentation xmlns:a="http://schemas.openxmlformats.org/drawingml/2006/main" xmlns:r="http://schemas.openxmlformats.org/officeDocument/2006/relationships" xmlns:p="http://schemas.openxmlformats.org/presentationml/2006/main">
   <p:sldMasterIdLst>
-    <p:sldMasterId id="2147483803" r:id="rId1"/>
+    <p:sldMasterId id="2147483648" r:id="rId1"/>
   </p:sldMasterIdLst>
   <p:notesMasterIdLst>
-    <p:notesMasterId r:id="rId29"/>
+    <p:notesMasterId r:id="rId4"/>
   </p:notesMasterIdLst>
   <p:sldIdLst>
-    <p:sldId id="265" r:id="rId2"/>
-    <p:sldId id="260" r:id="rId3"/>
-    <p:sldId id="286" r:id="rId4"/>
-    <p:sldId id="302" r:id="rId5"/>
-    <p:sldId id="301" r:id="rId6"/>
-    <p:sldId id="303" r:id="rId7"/>
-    <p:sldId id="263" r:id="rId8"/>
-    <p:sldId id="294" r:id="rId9"/>
-    <p:sldId id="262" r:id="rId10"/>
-    <p:sldId id="277" r:id="rId11"/>
-    <p:sldId id="278" r:id="rId12"/>
-    <p:sldId id="284" r:id="rId13"/>
-    <p:sldId id="281" r:id="rId14"/>
-    <p:sldId id="280" r:id="rId15"/>
-    <p:sldId id="258" r:id="rId16"/>
-    <p:sldId id="285" r:id="rId17"/>
-    <p:sldId id="275" r:id="rId18"/>
-    <p:sldId id="264" r:id="rId19"/>
-    <p:sldId id="305" r:id="rId20"/>
-    <p:sldId id="306" r:id="rId21"/>
-    <p:sldId id="304" r:id="rId22"/>
-    <p:sldId id="300" r:id="rId23"/>
-    <p:sldId id="295" r:id="rId24"/>
-    <p:sldId id="274" r:id="rId25"/>
-    <p:sldId id="298" r:id="rId26"/>
-    <p:sldId id="299" r:id="rId27"/>
-    <p:sldId id="297" r:id="rId28"/>
+    <p:sldId id="265" r:id="rId3"/>
+    <p:sldId id="260" r:id="rId5"/>
+    <p:sldId id="286" r:id="rId6"/>
+    <p:sldId id="302" r:id="rId7"/>
+    <p:sldId id="301" r:id="rId8"/>
+    <p:sldId id="303" r:id="rId9"/>
+    <p:sldId id="263" r:id="rId10"/>
+    <p:sldId id="294" r:id="rId11"/>
+    <p:sldId id="262" r:id="rId12"/>
+    <p:sldId id="277" r:id="rId13"/>
+    <p:sldId id="278" r:id="rId14"/>
+    <p:sldId id="284" r:id="rId15"/>
+    <p:sldId id="281" r:id="rId16"/>
+    <p:sldId id="280" r:id="rId17"/>
+    <p:sldId id="258" r:id="rId18"/>
+    <p:sldId id="285" r:id="rId19"/>
+    <p:sldId id="275" r:id="rId20"/>
+    <p:sldId id="264" r:id="rId21"/>
+    <p:sldId id="305" r:id="rId22"/>
+    <p:sldId id="306" r:id="rId23"/>
+    <p:sldId id="304" r:id="rId24"/>
+    <p:sldId id="300" r:id="rId25"/>
+    <p:sldId id="295" r:id="rId26"/>
+    <p:sldId id="274" r:id="rId27"/>
+    <p:sldId id="298" r:id="rId28"/>
+    <p:sldId id="299" r:id="rId29"/>
+    <p:sldId id="297" r:id="rId30"/>
   </p:sldIdLst>
   <p:sldSz cx="12192000" cy="6858000"/>
   <p:notesSz cx="6858000" cy="9144000"/>
@@ -133,11 +133,6 @@
       </a:defRPr>
     </a:lvl9pPr>
   </p:defaultTextStyle>
-  <p:extLst>
-    <p:ext uri="{EFAFB233-063F-42B5-8137-9DF3F51BA10A}">
-      <p15:sldGuideLst xmlns:p15="http://schemas.microsoft.com/office/powerpoint/2012/main"/>
-    </p:ext>
-  </p:extLst>
 </p:presentation>
 </file>
 
@@ -190,7 +185,7 @@
             </a:lvl1pPr>
           </a:lstStyle>
           <a:p>
-            <a:endParaRPr lang="en-KE"/>
+            <a:endParaRPr lang="en-US"/>
           </a:p>
         </p:txBody>
       </p:sp>
@@ -222,10 +217,9 @@
           </a:lstStyle>
           <a:p>
             <a:fld id="{3C8DC98E-0935-450B-8735-8E0C5EDF216B}" type="datetimeFigureOut">
-              <a:rPr lang="en-KE" smtClean="0"/>
-              <a:t>17/01/2025</a:t>
+              <a:rPr lang="en-US" smtClean="0"/>
             </a:fld>
-            <a:endParaRPr lang="en-KE"/>
+            <a:endParaRPr lang="en-US"/>
           </a:p>
         </p:txBody>
       </p:sp>
@@ -258,7 +252,7 @@
           <a:bodyPr vert="horz" lIns="91440" tIns="45720" rIns="91440" bIns="45720" rtlCol="0" anchor="ctr"/>
           <a:lstStyle/>
           <a:p>
-            <a:endParaRPr lang="en-KE"/>
+            <a:endParaRPr lang="en-US"/>
           </a:p>
         </p:txBody>
       </p:sp>
@@ -290,6 +284,7 @@
               <a:rPr lang="en-US"/>
               <a:t>Click to edit Master text styles</a:t>
             </a:r>
+            <a:endParaRPr lang="en-US"/>
           </a:p>
           <a:p>
             <a:pPr lvl="1"/>
@@ -297,6 +292,7 @@
               <a:rPr lang="en-US"/>
               <a:t>Second level</a:t>
             </a:r>
+            <a:endParaRPr lang="en-US"/>
           </a:p>
           <a:p>
             <a:pPr lvl="2"/>
@@ -304,6 +300,7 @@
               <a:rPr lang="en-US"/>
               <a:t>Third level</a:t>
             </a:r>
+            <a:endParaRPr lang="en-US"/>
           </a:p>
           <a:p>
             <a:pPr lvl="3"/>
@@ -311,6 +308,7 @@
               <a:rPr lang="en-US"/>
               <a:t>Fourth level</a:t>
             </a:r>
+            <a:endParaRPr lang="en-US"/>
           </a:p>
           <a:p>
             <a:pPr lvl="4"/>
@@ -318,7 +316,7 @@
               <a:rPr lang="en-US"/>
               <a:t>Fifth level</a:t>
             </a:r>
-            <a:endParaRPr lang="en-KE"/>
+            <a:endParaRPr lang="en-US"/>
           </a:p>
         </p:txBody>
       </p:sp>
@@ -349,7 +347,7 @@
             </a:lvl1pPr>
           </a:lstStyle>
           <a:p>
-            <a:endParaRPr lang="en-KE"/>
+            <a:endParaRPr lang="en-US"/>
           </a:p>
         </p:txBody>
       </p:sp>
@@ -381,19 +379,13 @@
           </a:lstStyle>
           <a:p>
             <a:fld id="{B6AC3967-BB65-4606-A24D-E6ADEBE089F7}" type="slidenum">
-              <a:rPr lang="en-KE" smtClean="0"/>
-              <a:t>‹#›</a:t>
+              <a:rPr lang="en-US" smtClean="0"/>
             </a:fld>
-            <a:endParaRPr lang="en-KE"/>
+            <a:endParaRPr lang="en-US"/>
           </a:p>
         </p:txBody>
       </p:sp>
     </p:spTree>
-    <p:extLst>
-      <p:ext uri="{BB962C8B-B14F-4D97-AF65-F5344CB8AC3E}">
-        <p14:creationId xmlns:p14="http://schemas.microsoft.com/office/powerpoint/2010/main" val="874213086"/>
-      </p:ext>
-    </p:extLst>
   </p:cSld>
   <p:clrMap bg1="lt1" tx1="dk1" bg2="lt2" tx2="dk2" accent1="accent1" accent2="accent2" accent3="accent3" accent4="accent4" accent5="accent5" accent6="accent6" hlink="hlink" folHlink="folHlink"/>
   <p:notesStyle>
@@ -556,7 +548,6 @@
           <a:p>
             <a:fld id="{9268FF88-4020-46A2-AED2-9D5F0886B732}" type="slidenum">
               <a:rPr lang="en-US" smtClean="0"/>
-              <a:t>1</a:t>
             </a:fld>
             <a:endParaRPr lang="en-US"/>
           </a:p>
@@ -626,7 +617,7 @@
               <a:rPr lang="en-US" dirty="0"/>
               <a:t> showed an increasing trend in terms of gross profits.</a:t>
             </a:r>
-            <a:endParaRPr lang="en-KE" dirty="0"/>
+            <a:endParaRPr lang="en-US" dirty="0"/>
           </a:p>
         </p:txBody>
       </p:sp>
@@ -646,19 +637,13 @@
           <a:lstStyle/>
           <a:p>
             <a:fld id="{B6AC3967-BB65-4606-A24D-E6ADEBE089F7}" type="slidenum">
-              <a:rPr lang="en-KE" smtClean="0"/>
-              <a:t>18</a:t>
+              <a:rPr lang="en-US" smtClean="0"/>
             </a:fld>
-            <a:endParaRPr lang="en-KE"/>
+            <a:endParaRPr lang="en-US"/>
           </a:p>
         </p:txBody>
       </p:sp>
     </p:spTree>
-    <p:extLst>
-      <p:ext uri="{BB962C8B-B14F-4D97-AF65-F5344CB8AC3E}">
-        <p14:creationId xmlns:p14="http://schemas.microsoft.com/office/powerpoint/2010/main" val="4234086531"/>
-      </p:ext>
-    </p:extLst>
   </p:cSld>
   <p:clrMapOvr>
     <a:masterClrMapping/>
@@ -710,7 +695,7 @@
           <a:bodyPr/>
           <a:lstStyle/>
           <a:p>
-            <a:endParaRPr lang="en-KE" dirty="0"/>
+            <a:endParaRPr lang="en-US" dirty="0"/>
           </a:p>
         </p:txBody>
       </p:sp>
@@ -730,19 +715,13 @@
           <a:lstStyle/>
           <a:p>
             <a:fld id="{B6AC3967-BB65-4606-A24D-E6ADEBE089F7}" type="slidenum">
-              <a:rPr lang="en-KE" smtClean="0"/>
-              <a:t>19</a:t>
+              <a:rPr lang="en-US" smtClean="0"/>
             </a:fld>
-            <a:endParaRPr lang="en-KE"/>
+            <a:endParaRPr lang="en-US"/>
           </a:p>
         </p:txBody>
       </p:sp>
     </p:spTree>
-    <p:extLst>
-      <p:ext uri="{BB962C8B-B14F-4D97-AF65-F5344CB8AC3E}">
-        <p14:creationId xmlns:p14="http://schemas.microsoft.com/office/powerpoint/2010/main" val="2644459741"/>
-      </p:ext>
-    </p:extLst>
   </p:cSld>
   <p:clrMapOvr>
     <a:masterClrMapping/>
@@ -794,7 +773,7 @@
           <a:bodyPr/>
           <a:lstStyle/>
           <a:p>
-            <a:endParaRPr lang="en-KE" dirty="0"/>
+            <a:endParaRPr lang="en-US" dirty="0"/>
           </a:p>
         </p:txBody>
       </p:sp>
@@ -814,19 +793,13 @@
           <a:lstStyle/>
           <a:p>
             <a:fld id="{B6AC3967-BB65-4606-A24D-E6ADEBE089F7}" type="slidenum">
-              <a:rPr lang="en-KE" smtClean="0"/>
-              <a:t>20</a:t>
+              <a:rPr lang="en-US" smtClean="0"/>
             </a:fld>
-            <a:endParaRPr lang="en-KE"/>
+            <a:endParaRPr lang="en-US"/>
           </a:p>
         </p:txBody>
       </p:sp>
     </p:spTree>
-    <p:extLst>
-      <p:ext uri="{BB962C8B-B14F-4D97-AF65-F5344CB8AC3E}">
-        <p14:creationId xmlns:p14="http://schemas.microsoft.com/office/powerpoint/2010/main" val="4222625589"/>
-      </p:ext>
-    </p:extLst>
   </p:cSld>
   <p:clrMapOvr>
     <a:masterClrMapping/>
@@ -882,7 +855,7 @@
               <a:rPr lang="en-US" dirty="0"/>
               <a:t>FIG 10:CORRELLATION HEATMAP</a:t>
             </a:r>
-            <a:endParaRPr lang="en-KE" dirty="0"/>
+            <a:endParaRPr lang="en-US" dirty="0"/>
           </a:p>
         </p:txBody>
       </p:sp>
@@ -902,19 +875,13 @@
           <a:lstStyle/>
           <a:p>
             <a:fld id="{B6AC3967-BB65-4606-A24D-E6ADEBE089F7}" type="slidenum">
-              <a:rPr lang="en-KE" smtClean="0"/>
-              <a:t>24</a:t>
+              <a:rPr lang="en-US" smtClean="0"/>
             </a:fld>
-            <a:endParaRPr lang="en-KE"/>
+            <a:endParaRPr lang="en-US"/>
           </a:p>
         </p:txBody>
       </p:sp>
     </p:spTree>
-    <p:extLst>
-      <p:ext uri="{BB962C8B-B14F-4D97-AF65-F5344CB8AC3E}">
-        <p14:creationId xmlns:p14="http://schemas.microsoft.com/office/powerpoint/2010/main" val="1337978711"/>
-      </p:ext>
-    </p:extLst>
   </p:cSld>
   <p:clrMapOvr>
     <a:masterClrMapping/>
@@ -970,7 +937,7 @@
               <a:rPr lang="en-US" dirty="0"/>
               <a:t>fig1:The highly rated genre is drama.</a:t>
             </a:r>
-            <a:endParaRPr lang="en-KE" dirty="0"/>
+            <a:endParaRPr lang="en-US" dirty="0"/>
           </a:p>
         </p:txBody>
       </p:sp>
@@ -990,19 +957,13 @@
           <a:lstStyle/>
           <a:p>
             <a:fld id="{B6AC3967-BB65-4606-A24D-E6ADEBE089F7}" type="slidenum">
-              <a:rPr lang="en-KE" smtClean="0"/>
-              <a:t>10</a:t>
+              <a:rPr lang="en-US" smtClean="0"/>
             </a:fld>
-            <a:endParaRPr lang="en-KE"/>
+            <a:endParaRPr lang="en-US"/>
           </a:p>
         </p:txBody>
       </p:sp>
     </p:spTree>
-    <p:extLst>
-      <p:ext uri="{BB962C8B-B14F-4D97-AF65-F5344CB8AC3E}">
-        <p14:creationId xmlns:p14="http://schemas.microsoft.com/office/powerpoint/2010/main" val="759010384"/>
-      </p:ext>
-    </p:extLst>
   </p:cSld>
   <p:clrMapOvr>
     <a:masterClrMapping/>
@@ -1066,7 +1027,7 @@
               <a:rPr lang="en-US" dirty="0"/>
               <a:t> by drama.</a:t>
             </a:r>
-            <a:endParaRPr lang="en-KE" dirty="0"/>
+            <a:endParaRPr lang="en-US" dirty="0"/>
           </a:p>
         </p:txBody>
       </p:sp>
@@ -1086,19 +1047,13 @@
           <a:lstStyle/>
           <a:p>
             <a:fld id="{B6AC3967-BB65-4606-A24D-E6ADEBE089F7}" type="slidenum">
-              <a:rPr lang="en-KE" smtClean="0"/>
-              <a:t>11</a:t>
+              <a:rPr lang="en-US" smtClean="0"/>
             </a:fld>
-            <a:endParaRPr lang="en-KE"/>
+            <a:endParaRPr lang="en-US"/>
           </a:p>
         </p:txBody>
       </p:sp>
     </p:spTree>
-    <p:extLst>
-      <p:ext uri="{BB962C8B-B14F-4D97-AF65-F5344CB8AC3E}">
-        <p14:creationId xmlns:p14="http://schemas.microsoft.com/office/powerpoint/2010/main" val="168977574"/>
-      </p:ext>
-    </p:extLst>
   </p:cSld>
   <p:clrMapOvr>
     <a:masterClrMapping/>
@@ -1154,7 +1109,7 @@
               <a:rPr lang="en-US" dirty="0"/>
               <a:t>Fig 3:movies and films from Jay roach made highest sales followed by Mel Gibson and Sam Mendes.</a:t>
             </a:r>
-            <a:endParaRPr lang="en-KE" dirty="0"/>
+            <a:endParaRPr lang="en-US" dirty="0"/>
           </a:p>
         </p:txBody>
       </p:sp>
@@ -1174,19 +1129,13 @@
           <a:lstStyle/>
           <a:p>
             <a:fld id="{B6AC3967-BB65-4606-A24D-E6ADEBE089F7}" type="slidenum">
-              <a:rPr lang="en-KE" smtClean="0"/>
-              <a:t>12</a:t>
+              <a:rPr lang="en-US" smtClean="0"/>
             </a:fld>
-            <a:endParaRPr lang="en-KE"/>
+            <a:endParaRPr lang="en-US"/>
           </a:p>
         </p:txBody>
       </p:sp>
     </p:spTree>
-    <p:extLst>
-      <p:ext uri="{BB962C8B-B14F-4D97-AF65-F5344CB8AC3E}">
-        <p14:creationId xmlns:p14="http://schemas.microsoft.com/office/powerpoint/2010/main" val="557454297"/>
-      </p:ext>
-    </p:extLst>
   </p:cSld>
   <p:clrMapOvr>
     <a:masterClrMapping/>
@@ -1250,7 +1199,7 @@
               <a:rPr lang="en-US" dirty="0"/>
               <a:t> from Eden Movies.</a:t>
             </a:r>
-            <a:endParaRPr lang="en-KE" dirty="0"/>
+            <a:endParaRPr lang="en-US" dirty="0"/>
           </a:p>
         </p:txBody>
       </p:sp>
@@ -1270,19 +1219,13 @@
           <a:lstStyle/>
           <a:p>
             <a:fld id="{B6AC3967-BB65-4606-A24D-E6ADEBE089F7}" type="slidenum">
-              <a:rPr lang="en-KE" smtClean="0"/>
-              <a:t>13</a:t>
+              <a:rPr lang="en-US" smtClean="0"/>
             </a:fld>
-            <a:endParaRPr lang="en-KE"/>
+            <a:endParaRPr lang="en-US"/>
           </a:p>
         </p:txBody>
       </p:sp>
     </p:spTree>
-    <p:extLst>
-      <p:ext uri="{BB962C8B-B14F-4D97-AF65-F5344CB8AC3E}">
-        <p14:creationId xmlns:p14="http://schemas.microsoft.com/office/powerpoint/2010/main" val="2770074709"/>
-      </p:ext>
-    </p:extLst>
   </p:cSld>
   <p:clrMapOvr>
     <a:masterClrMapping/>
@@ -1338,7 +1281,7 @@
               <a:rPr lang="en-US" dirty="0"/>
               <a:t>Fig 5:Drama was the most popular genre doubling the other categories.</a:t>
             </a:r>
-            <a:endParaRPr lang="en-KE" dirty="0"/>
+            <a:endParaRPr lang="en-US" dirty="0"/>
           </a:p>
         </p:txBody>
       </p:sp>
@@ -1358,19 +1301,13 @@
           <a:lstStyle/>
           <a:p>
             <a:fld id="{B6AC3967-BB65-4606-A24D-E6ADEBE089F7}" type="slidenum">
-              <a:rPr lang="en-KE" smtClean="0"/>
-              <a:t>14</a:t>
+              <a:rPr lang="en-US" smtClean="0"/>
             </a:fld>
-            <a:endParaRPr lang="en-KE"/>
+            <a:endParaRPr lang="en-US"/>
           </a:p>
         </p:txBody>
       </p:sp>
     </p:spTree>
-    <p:extLst>
-      <p:ext uri="{BB962C8B-B14F-4D97-AF65-F5344CB8AC3E}">
-        <p14:creationId xmlns:p14="http://schemas.microsoft.com/office/powerpoint/2010/main" val="2324059881"/>
-      </p:ext>
-    </p:extLst>
   </p:cSld>
   <p:clrMapOvr>
     <a:masterClrMapping/>
@@ -1434,7 +1371,7 @@
               <a:rPr lang="en-US" dirty="0"/>
               <a:t> on investment.</a:t>
             </a:r>
-            <a:endParaRPr lang="en-KE" dirty="0"/>
+            <a:endParaRPr lang="en-US" dirty="0"/>
           </a:p>
         </p:txBody>
       </p:sp>
@@ -1454,19 +1391,13 @@
           <a:lstStyle/>
           <a:p>
             <a:fld id="{B6AC3967-BB65-4606-A24D-E6ADEBE089F7}" type="slidenum">
-              <a:rPr lang="en-KE" smtClean="0"/>
-              <a:t>15</a:t>
+              <a:rPr lang="en-US" smtClean="0"/>
             </a:fld>
-            <a:endParaRPr lang="en-KE"/>
+            <a:endParaRPr lang="en-US"/>
           </a:p>
         </p:txBody>
       </p:sp>
     </p:spTree>
-    <p:extLst>
-      <p:ext uri="{BB962C8B-B14F-4D97-AF65-F5344CB8AC3E}">
-        <p14:creationId xmlns:p14="http://schemas.microsoft.com/office/powerpoint/2010/main" val="1117193742"/>
-      </p:ext>
-    </p:extLst>
   </p:cSld>
   <p:clrMapOvr>
     <a:masterClrMapping/>
@@ -1522,7 +1453,7 @@
               <a:rPr lang="en-US" dirty="0"/>
               <a:t>Fig 7:R,PG-13,PG IN Descending order of popularity.</a:t>
             </a:r>
-            <a:endParaRPr lang="en-KE" dirty="0"/>
+            <a:endParaRPr lang="en-US" dirty="0"/>
           </a:p>
         </p:txBody>
       </p:sp>
@@ -1542,19 +1473,13 @@
           <a:lstStyle/>
           <a:p>
             <a:fld id="{B6AC3967-BB65-4606-A24D-E6ADEBE089F7}" type="slidenum">
-              <a:rPr lang="en-KE" smtClean="0"/>
-              <a:t>16</a:t>
+              <a:rPr lang="en-US" smtClean="0"/>
             </a:fld>
-            <a:endParaRPr lang="en-KE"/>
+            <a:endParaRPr lang="en-US"/>
           </a:p>
         </p:txBody>
       </p:sp>
     </p:spTree>
-    <p:extLst>
-      <p:ext uri="{BB962C8B-B14F-4D97-AF65-F5344CB8AC3E}">
-        <p14:creationId xmlns:p14="http://schemas.microsoft.com/office/powerpoint/2010/main" val="3388975265"/>
-      </p:ext>
-    </p:extLst>
   </p:cSld>
   <p:clrMapOvr>
     <a:masterClrMapping/>
@@ -1618,7 +1543,7 @@
               <a:rPr lang="en-US" dirty="0"/>
               <a:t> investing.</a:t>
             </a:r>
-            <a:endParaRPr lang="en-KE" dirty="0"/>
+            <a:endParaRPr lang="en-US" dirty="0"/>
           </a:p>
         </p:txBody>
       </p:sp>
@@ -1638,19 +1563,13 @@
           <a:lstStyle/>
           <a:p>
             <a:fld id="{B6AC3967-BB65-4606-A24D-E6ADEBE089F7}" type="slidenum">
-              <a:rPr lang="en-KE" smtClean="0"/>
-              <a:t>17</a:t>
+              <a:rPr lang="en-US" smtClean="0"/>
             </a:fld>
-            <a:endParaRPr lang="en-KE"/>
+            <a:endParaRPr lang="en-US"/>
           </a:p>
         </p:txBody>
       </p:sp>
     </p:spTree>
-    <p:extLst>
-      <p:ext uri="{BB962C8B-B14F-4D97-AF65-F5344CB8AC3E}">
-        <p14:creationId xmlns:p14="http://schemas.microsoft.com/office/powerpoint/2010/main" val="2397205724"/>
-      </p:ext>
-    </p:extLst>
   </p:cSld>
   <p:clrMapOvr>
     <a:masterClrMapping/>
@@ -1659,7 +1578,7 @@
 </file>
 
 <file path=ppt/slideLayouts/slideLayout1.xml><?xml version="1.0" encoding="utf-8"?>
-<p:sldLayout xmlns:a="http://schemas.openxmlformats.org/drawingml/2006/main" xmlns:r="http://schemas.openxmlformats.org/officeDocument/2006/relationships" xmlns:p="http://schemas.openxmlformats.org/presentationml/2006/main" showMasterSp="0" type="title" preserve="1">
+<p:sldLayout xmlns:a="http://schemas.openxmlformats.org/drawingml/2006/main" xmlns:r="http://schemas.openxmlformats.org/officeDocument/2006/relationships" xmlns:p="http://schemas.openxmlformats.org/presentationml/2006/main" type="title" preserve="1" showMasterSp="0">
   <p:cSld name="Title Slide">
     <p:spTree>
       <p:nvGrpSpPr>
@@ -2402,10 +2321,9 @@
           <a:lstStyle/>
           <a:p>
             <a:fld id="{B6C044C0-9916-4112-8D28-631360530F20}" type="datetime8">
-              <a:rPr lang="en-KE" smtClean="0"/>
-              <a:t>17/01/2025 12:57</a:t>
+              <a:rPr lang="en-US" smtClean="0"/>
             </a:fld>
-            <a:endParaRPr lang="en-KE"/>
+            <a:endParaRPr lang="en-US"/>
           </a:p>
         </p:txBody>
       </p:sp>
@@ -2428,7 +2346,7 @@
               <a:rPr lang="en-GB"/>
               <a:t>GROUP ONE  PHASE TWO PROJECT</a:t>
             </a:r>
-            <a:endParaRPr lang="en-KE"/>
+            <a:endParaRPr lang="en-US"/>
           </a:p>
         </p:txBody>
       </p:sp>
@@ -2448,19 +2366,13 @@
           <a:lstStyle/>
           <a:p>
             <a:fld id="{C4C7283F-616F-4503-ABBD-21FFB2848302}" type="slidenum">
-              <a:rPr lang="en-KE" smtClean="0"/>
-              <a:t>‹#›</a:t>
+              <a:rPr lang="en-US" smtClean="0"/>
             </a:fld>
-            <a:endParaRPr lang="en-KE"/>
+            <a:endParaRPr lang="en-US"/>
           </a:p>
         </p:txBody>
       </p:sp>
     </p:spTree>
-    <p:extLst>
-      <p:ext uri="{BB962C8B-B14F-4D97-AF65-F5344CB8AC3E}">
-        <p14:creationId xmlns:p14="http://schemas.microsoft.com/office/powerpoint/2010/main" val="3251568382"/>
-      </p:ext>
-    </p:extLst>
   </p:cSld>
   <p:clrMapOvr>
     <a:masterClrMapping/>
@@ -2638,6 +2550,7 @@
               <a:rPr lang="en-US"/>
               <a:t>Click to edit Master text styles</a:t>
             </a:r>
+            <a:endParaRPr lang="en-US"/>
           </a:p>
         </p:txBody>
       </p:sp>
@@ -2657,10 +2570,9 @@
           <a:lstStyle/>
           <a:p>
             <a:fld id="{D2102445-0A49-423B-9D83-53E1553DDBB8}" type="datetime8">
-              <a:rPr lang="en-KE" smtClean="0"/>
-              <a:t>17/01/2025 12:57</a:t>
+              <a:rPr lang="en-US" smtClean="0"/>
             </a:fld>
-            <a:endParaRPr lang="en-KE"/>
+            <a:endParaRPr lang="en-US"/>
           </a:p>
         </p:txBody>
       </p:sp>
@@ -2683,7 +2595,7 @@
               <a:rPr lang="en-GB"/>
               <a:t>GROUP ONE  PHASE TWO PROJECT</a:t>
             </a:r>
-            <a:endParaRPr lang="en-KE"/>
+            <a:endParaRPr lang="en-US"/>
           </a:p>
         </p:txBody>
       </p:sp>
@@ -2703,19 +2615,13 @@
           <a:lstStyle/>
           <a:p>
             <a:fld id="{C4C7283F-616F-4503-ABBD-21FFB2848302}" type="slidenum">
-              <a:rPr lang="en-KE" smtClean="0"/>
-              <a:t>‹#›</a:t>
+              <a:rPr lang="en-US" smtClean="0"/>
             </a:fld>
-            <a:endParaRPr lang="en-KE"/>
+            <a:endParaRPr lang="en-US"/>
           </a:p>
         </p:txBody>
       </p:sp>
     </p:spTree>
-    <p:extLst>
-      <p:ext uri="{BB962C8B-B14F-4D97-AF65-F5344CB8AC3E}">
-        <p14:creationId xmlns:p14="http://schemas.microsoft.com/office/powerpoint/2010/main" val="2290725071"/>
-      </p:ext>
-    </p:extLst>
   </p:cSld>
   <p:clrMapOvr>
     <a:masterClrMapping/>
@@ -2834,6 +2740,7 @@
               <a:rPr lang="en-US"/>
               <a:t>Click to edit Master text styles</a:t>
             </a:r>
+            <a:endParaRPr lang="en-US"/>
           </a:p>
         </p:txBody>
       </p:sp>
@@ -2956,6 +2863,7 @@
               <a:rPr lang="en-US"/>
               <a:t>Click to edit Master text styles</a:t>
             </a:r>
+            <a:endParaRPr lang="en-US"/>
           </a:p>
         </p:txBody>
       </p:sp>
@@ -2975,10 +2883,9 @@
           <a:lstStyle/>
           <a:p>
             <a:fld id="{C3921CA2-459C-431F-9285-946548AA4FB4}" type="datetime8">
-              <a:rPr lang="en-KE" smtClean="0"/>
-              <a:t>17/01/2025 12:57</a:t>
+              <a:rPr lang="en-US" smtClean="0"/>
             </a:fld>
-            <a:endParaRPr lang="en-KE"/>
+            <a:endParaRPr lang="en-US"/>
           </a:p>
         </p:txBody>
       </p:sp>
@@ -3001,7 +2908,7 @@
               <a:rPr lang="en-GB"/>
               <a:t>GROUP ONE  PHASE TWO PROJECT</a:t>
             </a:r>
-            <a:endParaRPr lang="en-KE"/>
+            <a:endParaRPr lang="en-US"/>
           </a:p>
         </p:txBody>
       </p:sp>
@@ -3021,10 +2928,9 @@
           <a:lstStyle/>
           <a:p>
             <a:fld id="{C4C7283F-616F-4503-ABBD-21FFB2848302}" type="slidenum">
-              <a:rPr lang="en-KE" smtClean="0"/>
-              <a:t>‹#›</a:t>
+              <a:rPr lang="en-US" smtClean="0"/>
             </a:fld>
-            <a:endParaRPr lang="en-KE"/>
+            <a:endParaRPr lang="en-US"/>
           </a:p>
         </p:txBody>
       </p:sp>
@@ -3062,10 +2968,23 @@
                   </a:schemeClr>
                 </a:solidFill>
                 <a:effectLst/>
-                <a:latin typeface="Arial"/>
+                <a:latin typeface="Arial" panose="020B0604020202020204"/>
               </a:rPr>
               <a:t>“</a:t>
             </a:r>
+            <a:endParaRPr lang="en-US" sz="8000" baseline="0" dirty="0">
+              <a:ln w="3175" cmpd="sng">
+                <a:noFill/>
+              </a:ln>
+              <a:solidFill>
+                <a:schemeClr val="accent1">
+                  <a:lumMod val="60000"/>
+                  <a:lumOff val="40000"/>
+                </a:schemeClr>
+              </a:solidFill>
+              <a:effectLst/>
+              <a:latin typeface="Arial" panose="020B0604020202020204"/>
+            </a:endParaRPr>
           </a:p>
         </p:txBody>
       </p:sp>
@@ -3103,19 +3022,27 @@
                   </a:schemeClr>
                 </a:solidFill>
                 <a:effectLst/>
-                <a:latin typeface="Arial"/>
+                <a:latin typeface="Arial" panose="020B0604020202020204"/>
               </a:rPr>
               <a:t>”</a:t>
             </a:r>
+            <a:endParaRPr lang="en-US" sz="8000" baseline="0" dirty="0">
+              <a:ln w="3175" cmpd="sng">
+                <a:noFill/>
+              </a:ln>
+              <a:solidFill>
+                <a:schemeClr val="accent1">
+                  <a:lumMod val="60000"/>
+                  <a:lumOff val="40000"/>
+                </a:schemeClr>
+              </a:solidFill>
+              <a:effectLst/>
+              <a:latin typeface="Arial" panose="020B0604020202020204"/>
+            </a:endParaRPr>
           </a:p>
         </p:txBody>
       </p:sp>
     </p:spTree>
-    <p:extLst>
-      <p:ext uri="{BB962C8B-B14F-4D97-AF65-F5344CB8AC3E}">
-        <p14:creationId xmlns:p14="http://schemas.microsoft.com/office/powerpoint/2010/main" val="394412037"/>
-      </p:ext>
-    </p:extLst>
   </p:cSld>
   <p:clrMapOvr>
     <a:masterClrMapping/>
@@ -3293,6 +3220,7 @@
               <a:rPr lang="en-US"/>
               <a:t>Click to edit Master text styles</a:t>
             </a:r>
+            <a:endParaRPr lang="en-US"/>
           </a:p>
         </p:txBody>
       </p:sp>
@@ -3312,10 +3240,9 @@
           <a:lstStyle/>
           <a:p>
             <a:fld id="{E4BF1266-03E0-45A9-B1E3-D5422494BD60}" type="datetime8">
-              <a:rPr lang="en-KE" smtClean="0"/>
-              <a:t>17/01/2025 12:57</a:t>
+              <a:rPr lang="en-US" smtClean="0"/>
             </a:fld>
-            <a:endParaRPr lang="en-KE"/>
+            <a:endParaRPr lang="en-US"/>
           </a:p>
         </p:txBody>
       </p:sp>
@@ -3338,7 +3265,7 @@
               <a:rPr lang="en-GB"/>
               <a:t>GROUP ONE  PHASE TWO PROJECT</a:t>
             </a:r>
-            <a:endParaRPr lang="en-KE"/>
+            <a:endParaRPr lang="en-US"/>
           </a:p>
         </p:txBody>
       </p:sp>
@@ -3358,19 +3285,13 @@
           <a:lstStyle/>
           <a:p>
             <a:fld id="{C4C7283F-616F-4503-ABBD-21FFB2848302}" type="slidenum">
-              <a:rPr lang="en-KE" smtClean="0"/>
-              <a:t>‹#›</a:t>
+              <a:rPr lang="en-US" smtClean="0"/>
             </a:fld>
-            <a:endParaRPr lang="en-KE"/>
+            <a:endParaRPr lang="en-US"/>
           </a:p>
         </p:txBody>
       </p:sp>
     </p:spTree>
-    <p:extLst>
-      <p:ext uri="{BB962C8B-B14F-4D97-AF65-F5344CB8AC3E}">
-        <p14:creationId xmlns:p14="http://schemas.microsoft.com/office/powerpoint/2010/main" val="2029662110"/>
-      </p:ext>
-    </p:extLst>
   </p:cSld>
   <p:clrMapOvr>
     <a:masterClrMapping/>
@@ -3489,6 +3410,7 @@
               <a:rPr lang="en-US"/>
               <a:t>Click to edit Master text styles</a:t>
             </a:r>
+            <a:endParaRPr lang="en-US"/>
           </a:p>
         </p:txBody>
       </p:sp>
@@ -3611,6 +3533,7 @@
               <a:rPr lang="en-US"/>
               <a:t>Click to edit Master text styles</a:t>
             </a:r>
+            <a:endParaRPr lang="en-US"/>
           </a:p>
         </p:txBody>
       </p:sp>
@@ -3630,10 +3553,9 @@
           <a:lstStyle/>
           <a:p>
             <a:fld id="{C8FADDD5-B153-4219-94B0-1FF50A6816A5}" type="datetime8">
-              <a:rPr lang="en-KE" smtClean="0"/>
-              <a:t>17/01/2025 12:57</a:t>
+              <a:rPr lang="en-US" smtClean="0"/>
             </a:fld>
-            <a:endParaRPr lang="en-KE"/>
+            <a:endParaRPr lang="en-US"/>
           </a:p>
         </p:txBody>
       </p:sp>
@@ -3656,7 +3578,7 @@
               <a:rPr lang="en-GB"/>
               <a:t>GROUP ONE  PHASE TWO PROJECT</a:t>
             </a:r>
-            <a:endParaRPr lang="en-KE"/>
+            <a:endParaRPr lang="en-US"/>
           </a:p>
         </p:txBody>
       </p:sp>
@@ -3676,10 +3598,9 @@
           <a:lstStyle/>
           <a:p>
             <a:fld id="{C4C7283F-616F-4503-ABBD-21FFB2848302}" type="slidenum">
-              <a:rPr lang="en-KE" smtClean="0"/>
-              <a:t>‹#›</a:t>
+              <a:rPr lang="en-US" smtClean="0"/>
             </a:fld>
-            <a:endParaRPr lang="en-KE"/>
+            <a:endParaRPr lang="en-US"/>
           </a:p>
         </p:txBody>
       </p:sp>
@@ -3717,10 +3638,23 @@
                   </a:schemeClr>
                 </a:solidFill>
                 <a:effectLst/>
-                <a:latin typeface="Arial"/>
+                <a:latin typeface="Arial" panose="020B0604020202020204"/>
               </a:rPr>
               <a:t>“</a:t>
             </a:r>
+            <a:endParaRPr lang="en-US" sz="8000" baseline="0" dirty="0">
+              <a:ln w="3175" cmpd="sng">
+                <a:noFill/>
+              </a:ln>
+              <a:solidFill>
+                <a:schemeClr val="accent1">
+                  <a:lumMod val="60000"/>
+                  <a:lumOff val="40000"/>
+                </a:schemeClr>
+              </a:solidFill>
+              <a:effectLst/>
+              <a:latin typeface="Arial" panose="020B0604020202020204"/>
+            </a:endParaRPr>
           </a:p>
         </p:txBody>
       </p:sp>
@@ -3758,19 +3692,27 @@
                   </a:schemeClr>
                 </a:solidFill>
                 <a:effectLst/>
-                <a:latin typeface="Arial"/>
+                <a:latin typeface="Arial" panose="020B0604020202020204"/>
               </a:rPr>
               <a:t>”</a:t>
             </a:r>
+            <a:endParaRPr lang="en-US" sz="8000" baseline="0" dirty="0">
+              <a:ln w="3175" cmpd="sng">
+                <a:noFill/>
+              </a:ln>
+              <a:solidFill>
+                <a:schemeClr val="accent1">
+                  <a:lumMod val="60000"/>
+                  <a:lumOff val="40000"/>
+                </a:schemeClr>
+              </a:solidFill>
+              <a:effectLst/>
+              <a:latin typeface="Arial" panose="020B0604020202020204"/>
+            </a:endParaRPr>
           </a:p>
         </p:txBody>
       </p:sp>
     </p:spTree>
-    <p:extLst>
-      <p:ext uri="{BB962C8B-B14F-4D97-AF65-F5344CB8AC3E}">
-        <p14:creationId xmlns:p14="http://schemas.microsoft.com/office/powerpoint/2010/main" val="2913893336"/>
-      </p:ext>
-    </p:extLst>
   </p:cSld>
   <p:clrMapOvr>
     <a:masterClrMapping/>
@@ -3886,6 +3828,7 @@
               <a:rPr lang="en-US"/>
               <a:t>Click to edit Master text styles</a:t>
             </a:r>
+            <a:endParaRPr lang="en-US"/>
           </a:p>
         </p:txBody>
       </p:sp>
@@ -4008,6 +3951,7 @@
               <a:rPr lang="en-US"/>
               <a:t>Click to edit Master text styles</a:t>
             </a:r>
+            <a:endParaRPr lang="en-US"/>
           </a:p>
         </p:txBody>
       </p:sp>
@@ -4027,10 +3971,9 @@
           <a:lstStyle/>
           <a:p>
             <a:fld id="{FFBC6F1A-280C-41CB-A477-07CA795B893F}" type="datetime8">
-              <a:rPr lang="en-KE" smtClean="0"/>
-              <a:t>17/01/2025 12:57</a:t>
+              <a:rPr lang="en-US" smtClean="0"/>
             </a:fld>
-            <a:endParaRPr lang="en-KE"/>
+            <a:endParaRPr lang="en-US"/>
           </a:p>
         </p:txBody>
       </p:sp>
@@ -4053,7 +3996,7 @@
               <a:rPr lang="en-GB"/>
               <a:t>GROUP ONE  PHASE TWO PROJECT</a:t>
             </a:r>
-            <a:endParaRPr lang="en-KE"/>
+            <a:endParaRPr lang="en-US"/>
           </a:p>
         </p:txBody>
       </p:sp>
@@ -4073,19 +4016,13 @@
           <a:lstStyle/>
           <a:p>
             <a:fld id="{C4C7283F-616F-4503-ABBD-21FFB2848302}" type="slidenum">
-              <a:rPr lang="en-KE" smtClean="0"/>
-              <a:t>‹#›</a:t>
+              <a:rPr lang="en-US" smtClean="0"/>
             </a:fld>
-            <a:endParaRPr lang="en-KE"/>
+            <a:endParaRPr lang="en-US"/>
           </a:p>
         </p:txBody>
       </p:sp>
     </p:spTree>
-    <p:extLst>
-      <p:ext uri="{BB962C8B-B14F-4D97-AF65-F5344CB8AC3E}">
-        <p14:creationId xmlns:p14="http://schemas.microsoft.com/office/powerpoint/2010/main" val="1425662005"/>
-      </p:ext>
-    </p:extLst>
   </p:cSld>
   <p:clrMapOvr>
     <a:masterClrMapping/>
@@ -4153,6 +4090,7 @@
               <a:rPr lang="en-US"/>
               <a:t>Click to edit Master text styles</a:t>
             </a:r>
+            <a:endParaRPr lang="en-US"/>
           </a:p>
           <a:p>
             <a:pPr lvl="1"/>
@@ -4160,6 +4098,7 @@
               <a:rPr lang="en-US"/>
               <a:t>Second level</a:t>
             </a:r>
+            <a:endParaRPr lang="en-US"/>
           </a:p>
           <a:p>
             <a:pPr lvl="2"/>
@@ -4167,6 +4106,7 @@
               <a:rPr lang="en-US"/>
               <a:t>Third level</a:t>
             </a:r>
+            <a:endParaRPr lang="en-US"/>
           </a:p>
           <a:p>
             <a:pPr lvl="3"/>
@@ -4174,6 +4114,7 @@
               <a:rPr lang="en-US"/>
               <a:t>Fourth level</a:t>
             </a:r>
+            <a:endParaRPr lang="en-US"/>
           </a:p>
           <a:p>
             <a:pPr lvl="4"/>
@@ -4201,10 +4142,9 @@
           <a:lstStyle/>
           <a:p>
             <a:fld id="{10D0E147-E127-4D87-84FF-83AF777D57B0}" type="datetime8">
-              <a:rPr lang="en-KE" smtClean="0"/>
-              <a:t>17/01/2025 12:57</a:t>
+              <a:rPr lang="en-US" smtClean="0"/>
             </a:fld>
-            <a:endParaRPr lang="en-KE"/>
+            <a:endParaRPr lang="en-US"/>
           </a:p>
         </p:txBody>
       </p:sp>
@@ -4227,7 +4167,7 @@
               <a:rPr lang="en-GB"/>
               <a:t>GROUP ONE  PHASE TWO PROJECT</a:t>
             </a:r>
-            <a:endParaRPr lang="en-KE"/>
+            <a:endParaRPr lang="en-US"/>
           </a:p>
         </p:txBody>
       </p:sp>
@@ -4247,19 +4187,13 @@
           <a:lstStyle/>
           <a:p>
             <a:fld id="{C4C7283F-616F-4503-ABBD-21FFB2848302}" type="slidenum">
-              <a:rPr lang="en-KE" smtClean="0"/>
-              <a:t>‹#›</a:t>
+              <a:rPr lang="en-US" smtClean="0"/>
             </a:fld>
-            <a:endParaRPr lang="en-KE"/>
+            <a:endParaRPr lang="en-US"/>
           </a:p>
         </p:txBody>
       </p:sp>
     </p:spTree>
-    <p:extLst>
-      <p:ext uri="{BB962C8B-B14F-4D97-AF65-F5344CB8AC3E}">
-        <p14:creationId xmlns:p14="http://schemas.microsoft.com/office/powerpoint/2010/main" val="1364294227"/>
-      </p:ext>
-    </p:extLst>
   </p:cSld>
   <p:clrMapOvr>
     <a:masterClrMapping/>
@@ -4337,6 +4271,7 @@
               <a:rPr lang="en-US"/>
               <a:t>Click to edit Master text styles</a:t>
             </a:r>
+            <a:endParaRPr lang="en-US"/>
           </a:p>
           <a:p>
             <a:pPr lvl="1"/>
@@ -4344,6 +4279,7 @@
               <a:rPr lang="en-US"/>
               <a:t>Second level</a:t>
             </a:r>
+            <a:endParaRPr lang="en-US"/>
           </a:p>
           <a:p>
             <a:pPr lvl="2"/>
@@ -4351,6 +4287,7 @@
               <a:rPr lang="en-US"/>
               <a:t>Third level</a:t>
             </a:r>
+            <a:endParaRPr lang="en-US"/>
           </a:p>
           <a:p>
             <a:pPr lvl="3"/>
@@ -4358,6 +4295,7 @@
               <a:rPr lang="en-US"/>
               <a:t>Fourth level</a:t>
             </a:r>
+            <a:endParaRPr lang="en-US"/>
           </a:p>
           <a:p>
             <a:pPr lvl="4"/>
@@ -4385,10 +4323,9 @@
           <a:lstStyle/>
           <a:p>
             <a:fld id="{AE720A3F-507D-4EC9-B968-56BE774C5C3F}" type="datetime8">
-              <a:rPr lang="en-KE" smtClean="0"/>
-              <a:t>17/01/2025 12:57</a:t>
+              <a:rPr lang="en-US" smtClean="0"/>
             </a:fld>
-            <a:endParaRPr lang="en-KE"/>
+            <a:endParaRPr lang="en-US"/>
           </a:p>
         </p:txBody>
       </p:sp>
@@ -4411,7 +4348,7 @@
               <a:rPr lang="en-GB"/>
               <a:t>GROUP ONE  PHASE TWO PROJECT</a:t>
             </a:r>
-            <a:endParaRPr lang="en-KE"/>
+            <a:endParaRPr lang="en-US"/>
           </a:p>
         </p:txBody>
       </p:sp>
@@ -4431,19 +4368,13 @@
           <a:lstStyle/>
           <a:p>
             <a:fld id="{C4C7283F-616F-4503-ABBD-21FFB2848302}" type="slidenum">
-              <a:rPr lang="en-KE" smtClean="0"/>
-              <a:t>‹#›</a:t>
+              <a:rPr lang="en-US" smtClean="0"/>
             </a:fld>
-            <a:endParaRPr lang="en-KE"/>
+            <a:endParaRPr lang="en-US"/>
           </a:p>
         </p:txBody>
       </p:sp>
     </p:spTree>
-    <p:extLst>
-      <p:ext uri="{BB962C8B-B14F-4D97-AF65-F5344CB8AC3E}">
-        <p14:creationId xmlns:p14="http://schemas.microsoft.com/office/powerpoint/2010/main" val="354276902"/>
-      </p:ext>
-    </p:extLst>
   </p:cSld>
   <p:clrMapOvr>
     <a:masterClrMapping/>
@@ -4511,6 +4442,7 @@
               <a:rPr lang="en-US"/>
               <a:t>Click to edit Master text styles</a:t>
             </a:r>
+            <a:endParaRPr lang="en-US"/>
           </a:p>
           <a:p>
             <a:pPr lvl="1"/>
@@ -4518,6 +4450,7 @@
               <a:rPr lang="en-US"/>
               <a:t>Second level</a:t>
             </a:r>
+            <a:endParaRPr lang="en-US"/>
           </a:p>
           <a:p>
             <a:pPr lvl="2"/>
@@ -4525,6 +4458,7 @@
               <a:rPr lang="en-US"/>
               <a:t>Third level</a:t>
             </a:r>
+            <a:endParaRPr lang="en-US"/>
           </a:p>
           <a:p>
             <a:pPr lvl="3"/>
@@ -4532,6 +4466,7 @@
               <a:rPr lang="en-US"/>
               <a:t>Fourth level</a:t>
             </a:r>
+            <a:endParaRPr lang="en-US"/>
           </a:p>
           <a:p>
             <a:pPr lvl="4"/>
@@ -4559,10 +4494,9 @@
           <a:lstStyle/>
           <a:p>
             <a:fld id="{70EC282A-B492-45B7-A20C-B47B480682FB}" type="datetime8">
-              <a:rPr lang="en-KE" smtClean="0"/>
-              <a:t>17/01/2025 12:57</a:t>
+              <a:rPr lang="en-US" smtClean="0"/>
             </a:fld>
-            <a:endParaRPr lang="en-KE"/>
+            <a:endParaRPr lang="en-US"/>
           </a:p>
         </p:txBody>
       </p:sp>
@@ -4585,7 +4519,7 @@
               <a:rPr lang="en-GB"/>
               <a:t>GROUP ONE  PHASE TWO PROJECT</a:t>
             </a:r>
-            <a:endParaRPr lang="en-KE"/>
+            <a:endParaRPr lang="en-US"/>
           </a:p>
         </p:txBody>
       </p:sp>
@@ -4605,19 +4539,13 @@
           <a:lstStyle/>
           <a:p>
             <a:fld id="{C4C7283F-616F-4503-ABBD-21FFB2848302}" type="slidenum">
-              <a:rPr lang="en-KE" smtClean="0"/>
-              <a:t>‹#›</a:t>
+              <a:rPr lang="en-US" smtClean="0"/>
             </a:fld>
-            <a:endParaRPr lang="en-KE"/>
+            <a:endParaRPr lang="en-US"/>
           </a:p>
         </p:txBody>
       </p:sp>
     </p:spTree>
-    <p:extLst>
-      <p:ext uri="{BB962C8B-B14F-4D97-AF65-F5344CB8AC3E}">
-        <p14:creationId xmlns:p14="http://schemas.microsoft.com/office/powerpoint/2010/main" val="438793127"/>
-      </p:ext>
-    </p:extLst>
   </p:cSld>
   <p:clrMapOvr>
     <a:masterClrMapping/>
@@ -4791,6 +4719,7 @@
               <a:rPr lang="en-US"/>
               <a:t>Click to edit Master text styles</a:t>
             </a:r>
+            <a:endParaRPr lang="en-US"/>
           </a:p>
         </p:txBody>
       </p:sp>
@@ -4810,10 +4739,9 @@
           <a:lstStyle/>
           <a:p>
             <a:fld id="{22ED6867-56C6-420B-BF33-E2323BB11E2C}" type="datetime8">
-              <a:rPr lang="en-KE" smtClean="0"/>
-              <a:t>17/01/2025 12:57</a:t>
+              <a:rPr lang="en-US" smtClean="0"/>
             </a:fld>
-            <a:endParaRPr lang="en-KE"/>
+            <a:endParaRPr lang="en-US"/>
           </a:p>
         </p:txBody>
       </p:sp>
@@ -4836,7 +4764,7 @@
               <a:rPr lang="en-GB"/>
               <a:t>GROUP ONE  PHASE TWO PROJECT</a:t>
             </a:r>
-            <a:endParaRPr lang="en-KE"/>
+            <a:endParaRPr lang="en-US"/>
           </a:p>
         </p:txBody>
       </p:sp>
@@ -4856,19 +4784,13 @@
           <a:lstStyle/>
           <a:p>
             <a:fld id="{C4C7283F-616F-4503-ABBD-21FFB2848302}" type="slidenum">
-              <a:rPr lang="en-KE" smtClean="0"/>
-              <a:t>‹#›</a:t>
+              <a:rPr lang="en-US" smtClean="0"/>
             </a:fld>
-            <a:endParaRPr lang="en-KE"/>
+            <a:endParaRPr lang="en-US"/>
           </a:p>
         </p:txBody>
       </p:sp>
     </p:spTree>
-    <p:extLst>
-      <p:ext uri="{BB962C8B-B14F-4D97-AF65-F5344CB8AC3E}">
-        <p14:creationId xmlns:p14="http://schemas.microsoft.com/office/powerpoint/2010/main" val="1347503990"/>
-      </p:ext>
-    </p:extLst>
   </p:cSld>
   <p:clrMapOvr>
     <a:masterClrMapping/>
@@ -4941,6 +4863,7 @@
               <a:rPr lang="en-US"/>
               <a:t>Click to edit Master text styles</a:t>
             </a:r>
+            <a:endParaRPr lang="en-US"/>
           </a:p>
           <a:p>
             <a:pPr lvl="1"/>
@@ -4948,6 +4871,7 @@
               <a:rPr lang="en-US"/>
               <a:t>Second level</a:t>
             </a:r>
+            <a:endParaRPr lang="en-US"/>
           </a:p>
           <a:p>
             <a:pPr lvl="2"/>
@@ -4955,6 +4879,7 @@
               <a:rPr lang="en-US"/>
               <a:t>Third level</a:t>
             </a:r>
+            <a:endParaRPr lang="en-US"/>
           </a:p>
           <a:p>
             <a:pPr lvl="3"/>
@@ -4962,6 +4887,7 @@
               <a:rPr lang="en-US"/>
               <a:t>Fourth level</a:t>
             </a:r>
+            <a:endParaRPr lang="en-US"/>
           </a:p>
           <a:p>
             <a:pPr lvl="4"/>
@@ -4998,6 +4924,7 @@
               <a:rPr lang="en-US"/>
               <a:t>Click to edit Master text styles</a:t>
             </a:r>
+            <a:endParaRPr lang="en-US"/>
           </a:p>
           <a:p>
             <a:pPr lvl="1"/>
@@ -5005,6 +4932,7 @@
               <a:rPr lang="en-US"/>
               <a:t>Second level</a:t>
             </a:r>
+            <a:endParaRPr lang="en-US"/>
           </a:p>
           <a:p>
             <a:pPr lvl="2"/>
@@ -5012,6 +4940,7 @@
               <a:rPr lang="en-US"/>
               <a:t>Third level</a:t>
             </a:r>
+            <a:endParaRPr lang="en-US"/>
           </a:p>
           <a:p>
             <a:pPr lvl="3"/>
@@ -5019,6 +4948,7 @@
               <a:rPr lang="en-US"/>
               <a:t>Fourth level</a:t>
             </a:r>
+            <a:endParaRPr lang="en-US"/>
           </a:p>
           <a:p>
             <a:pPr lvl="4"/>
@@ -5046,10 +4976,9 @@
           <a:lstStyle/>
           <a:p>
             <a:fld id="{A607E069-8BF9-4C5D-AE63-557D18EFCB98}" type="datetime8">
-              <a:rPr lang="en-KE" smtClean="0"/>
-              <a:t>17/01/2025 12:57</a:t>
+              <a:rPr lang="en-US" smtClean="0"/>
             </a:fld>
-            <a:endParaRPr lang="en-KE"/>
+            <a:endParaRPr lang="en-US"/>
           </a:p>
         </p:txBody>
       </p:sp>
@@ -5072,7 +5001,7 @@
               <a:rPr lang="en-GB"/>
               <a:t>GROUP ONE  PHASE TWO PROJECT</a:t>
             </a:r>
-            <a:endParaRPr lang="en-KE"/>
+            <a:endParaRPr lang="en-US"/>
           </a:p>
         </p:txBody>
       </p:sp>
@@ -5092,19 +5021,13 @@
           <a:lstStyle/>
           <a:p>
             <a:fld id="{C4C7283F-616F-4503-ABBD-21FFB2848302}" type="slidenum">
-              <a:rPr lang="en-KE" smtClean="0"/>
-              <a:t>‹#›</a:t>
+              <a:rPr lang="en-US" smtClean="0"/>
             </a:fld>
-            <a:endParaRPr lang="en-KE"/>
+            <a:endParaRPr lang="en-US"/>
           </a:p>
         </p:txBody>
       </p:sp>
     </p:spTree>
-    <p:extLst>
-      <p:ext uri="{BB962C8B-B14F-4D97-AF65-F5344CB8AC3E}">
-        <p14:creationId xmlns:p14="http://schemas.microsoft.com/office/powerpoint/2010/main" val="1672817863"/>
-      </p:ext>
-    </p:extLst>
   </p:cSld>
   <p:clrMapOvr>
     <a:masterClrMapping/>
@@ -5220,6 +5143,7 @@
               <a:rPr lang="en-US"/>
               <a:t>Click to edit Master text styles</a:t>
             </a:r>
+            <a:endParaRPr lang="en-US"/>
           </a:p>
         </p:txBody>
       </p:sp>
@@ -5250,6 +5174,7 @@
               <a:rPr lang="en-US"/>
               <a:t>Click to edit Master text styles</a:t>
             </a:r>
+            <a:endParaRPr lang="en-US"/>
           </a:p>
           <a:p>
             <a:pPr lvl="1"/>
@@ -5257,6 +5182,7 @@
               <a:rPr lang="en-US"/>
               <a:t>Second level</a:t>
             </a:r>
+            <a:endParaRPr lang="en-US"/>
           </a:p>
           <a:p>
             <a:pPr lvl="2"/>
@@ -5264,6 +5190,7 @@
               <a:rPr lang="en-US"/>
               <a:t>Third level</a:t>
             </a:r>
+            <a:endParaRPr lang="en-US"/>
           </a:p>
           <a:p>
             <a:pPr lvl="3"/>
@@ -5271,6 +5198,7 @@
               <a:rPr lang="en-US"/>
               <a:t>Fourth level</a:t>
             </a:r>
+            <a:endParaRPr lang="en-US"/>
           </a:p>
           <a:p>
             <a:pPr lvl="4"/>
@@ -5346,6 +5274,7 @@
               <a:rPr lang="en-US"/>
               <a:t>Click to edit Master text styles</a:t>
             </a:r>
+            <a:endParaRPr lang="en-US"/>
           </a:p>
         </p:txBody>
       </p:sp>
@@ -5376,6 +5305,7 @@
               <a:rPr lang="en-US"/>
               <a:t>Click to edit Master text styles</a:t>
             </a:r>
+            <a:endParaRPr lang="en-US"/>
           </a:p>
           <a:p>
             <a:pPr lvl="1"/>
@@ -5383,6 +5313,7 @@
               <a:rPr lang="en-US"/>
               <a:t>Second level</a:t>
             </a:r>
+            <a:endParaRPr lang="en-US"/>
           </a:p>
           <a:p>
             <a:pPr lvl="2"/>
@@ -5390,6 +5321,7 @@
               <a:rPr lang="en-US"/>
               <a:t>Third level</a:t>
             </a:r>
+            <a:endParaRPr lang="en-US"/>
           </a:p>
           <a:p>
             <a:pPr lvl="3"/>
@@ -5397,6 +5329,7 @@
               <a:rPr lang="en-US"/>
               <a:t>Fourth level</a:t>
             </a:r>
+            <a:endParaRPr lang="en-US"/>
           </a:p>
           <a:p>
             <a:pPr lvl="4"/>
@@ -5424,10 +5357,9 @@
           <a:lstStyle/>
           <a:p>
             <a:fld id="{1E5FBD63-573C-4E06-9569-363F3C494C3D}" type="datetime8">
-              <a:rPr lang="en-KE" smtClean="0"/>
-              <a:t>17/01/2025 12:57</a:t>
+              <a:rPr lang="en-US" smtClean="0"/>
             </a:fld>
-            <a:endParaRPr lang="en-KE"/>
+            <a:endParaRPr lang="en-US"/>
           </a:p>
         </p:txBody>
       </p:sp>
@@ -5450,7 +5382,7 @@
               <a:rPr lang="en-GB"/>
               <a:t>GROUP ONE  PHASE TWO PROJECT</a:t>
             </a:r>
-            <a:endParaRPr lang="en-KE"/>
+            <a:endParaRPr lang="en-US"/>
           </a:p>
         </p:txBody>
       </p:sp>
@@ -5470,19 +5402,13 @@
           <a:lstStyle/>
           <a:p>
             <a:fld id="{C4C7283F-616F-4503-ABBD-21FFB2848302}" type="slidenum">
-              <a:rPr lang="en-KE" smtClean="0"/>
-              <a:t>‹#›</a:t>
+              <a:rPr lang="en-US" smtClean="0"/>
             </a:fld>
-            <a:endParaRPr lang="en-KE"/>
+            <a:endParaRPr lang="en-US"/>
           </a:p>
         </p:txBody>
       </p:sp>
     </p:spTree>
-    <p:extLst>
-      <p:ext uri="{BB962C8B-B14F-4D97-AF65-F5344CB8AC3E}">
-        <p14:creationId xmlns:p14="http://schemas.microsoft.com/office/powerpoint/2010/main" val="1385530428"/>
-      </p:ext>
-    </p:extLst>
   </p:cSld>
   <p:clrMapOvr>
     <a:masterClrMapping/>
@@ -5551,10 +5477,9 @@
           <a:lstStyle/>
           <a:p>
             <a:fld id="{B6D13991-E6B6-4F87-BE91-DE86F2D18115}" type="datetime8">
-              <a:rPr lang="en-KE" smtClean="0"/>
-              <a:t>17/01/2025 12:57</a:t>
+              <a:rPr lang="en-US" smtClean="0"/>
             </a:fld>
-            <a:endParaRPr lang="en-KE"/>
+            <a:endParaRPr lang="en-US"/>
           </a:p>
         </p:txBody>
       </p:sp>
@@ -5577,7 +5502,7 @@
               <a:rPr lang="en-GB"/>
               <a:t>GROUP ONE  PHASE TWO PROJECT</a:t>
             </a:r>
-            <a:endParaRPr lang="en-KE"/>
+            <a:endParaRPr lang="en-US"/>
           </a:p>
         </p:txBody>
       </p:sp>
@@ -5597,19 +5522,13 @@
           <a:lstStyle/>
           <a:p>
             <a:fld id="{C4C7283F-616F-4503-ABBD-21FFB2848302}" type="slidenum">
-              <a:rPr lang="en-KE" smtClean="0"/>
-              <a:t>‹#›</a:t>
+              <a:rPr lang="en-US" smtClean="0"/>
             </a:fld>
-            <a:endParaRPr lang="en-KE"/>
+            <a:endParaRPr lang="en-US"/>
           </a:p>
         </p:txBody>
       </p:sp>
     </p:spTree>
-    <p:extLst>
-      <p:ext uri="{BB962C8B-B14F-4D97-AF65-F5344CB8AC3E}">
-        <p14:creationId xmlns:p14="http://schemas.microsoft.com/office/powerpoint/2010/main" val="255661489"/>
-      </p:ext>
-    </p:extLst>
   </p:cSld>
   <p:clrMapOvr>
     <a:masterClrMapping/>
@@ -5650,10 +5569,9 @@
           <a:lstStyle/>
           <a:p>
             <a:fld id="{E8E64E3B-1E9C-45AC-B5D2-2EB786A4C096}" type="datetime8">
-              <a:rPr lang="en-KE" smtClean="0"/>
-              <a:t>17/01/2025 12:57</a:t>
+              <a:rPr lang="en-US" smtClean="0"/>
             </a:fld>
-            <a:endParaRPr lang="en-KE"/>
+            <a:endParaRPr lang="en-US"/>
           </a:p>
         </p:txBody>
       </p:sp>
@@ -5676,7 +5594,7 @@
               <a:rPr lang="en-GB"/>
               <a:t>GROUP ONE  PHASE TWO PROJECT</a:t>
             </a:r>
-            <a:endParaRPr lang="en-KE"/>
+            <a:endParaRPr lang="en-US"/>
           </a:p>
         </p:txBody>
       </p:sp>
@@ -5696,19 +5614,13 @@
           <a:lstStyle/>
           <a:p>
             <a:fld id="{C4C7283F-616F-4503-ABBD-21FFB2848302}" type="slidenum">
-              <a:rPr lang="en-KE" smtClean="0"/>
-              <a:t>‹#›</a:t>
+              <a:rPr lang="en-US" smtClean="0"/>
             </a:fld>
-            <a:endParaRPr lang="en-KE"/>
+            <a:endParaRPr lang="en-US"/>
           </a:p>
         </p:txBody>
       </p:sp>
     </p:spTree>
-    <p:extLst>
-      <p:ext uri="{BB962C8B-B14F-4D97-AF65-F5344CB8AC3E}">
-        <p14:creationId xmlns:p14="http://schemas.microsoft.com/office/powerpoint/2010/main" val="3880884667"/>
-      </p:ext>
-    </p:extLst>
   </p:cSld>
   <p:clrMapOvr>
     <a:masterClrMapping/>
@@ -5794,6 +5706,7 @@
               <a:rPr lang="en-US"/>
               <a:t>Click to edit Master text styles</a:t>
             </a:r>
+            <a:endParaRPr lang="en-US"/>
           </a:p>
           <a:p>
             <a:pPr lvl="1"/>
@@ -5801,6 +5714,7 @@
               <a:rPr lang="en-US"/>
               <a:t>Second level</a:t>
             </a:r>
+            <a:endParaRPr lang="en-US"/>
           </a:p>
           <a:p>
             <a:pPr lvl="2"/>
@@ -5808,6 +5722,7 @@
               <a:rPr lang="en-US"/>
               <a:t>Third level</a:t>
             </a:r>
+            <a:endParaRPr lang="en-US"/>
           </a:p>
           <a:p>
             <a:pPr lvl="3"/>
@@ -5815,6 +5730,7 @@
               <a:rPr lang="en-US"/>
               <a:t>Fourth level</a:t>
             </a:r>
+            <a:endParaRPr lang="en-US"/>
           </a:p>
           <a:p>
             <a:pPr lvl="4"/>
@@ -5851,35 +5767,35 @@
               <a:buNone/>
               <a:defRPr sz="1400"/>
             </a:lvl1pPr>
-            <a:lvl2pPr marL="457063" indent="0">
+            <a:lvl2pPr marL="457200" indent="0">
               <a:buNone/>
               <a:defRPr sz="1400"/>
             </a:lvl2pPr>
-            <a:lvl3pPr marL="914126" indent="0">
+            <a:lvl3pPr marL="914400" indent="0">
               <a:buNone/>
               <a:defRPr sz="1200"/>
             </a:lvl3pPr>
-            <a:lvl4pPr marL="1371189" indent="0">
+            <a:lvl4pPr marL="1370965" indent="0">
               <a:buNone/>
               <a:defRPr sz="1000"/>
             </a:lvl4pPr>
-            <a:lvl5pPr marL="1828251" indent="0">
+            <a:lvl5pPr marL="1828165" indent="0">
               <a:buNone/>
               <a:defRPr sz="1000"/>
             </a:lvl5pPr>
-            <a:lvl6pPr marL="2285314" indent="0">
+            <a:lvl6pPr marL="2285365" indent="0">
               <a:buNone/>
               <a:defRPr sz="1000"/>
             </a:lvl6pPr>
-            <a:lvl7pPr marL="2742377" indent="0">
+            <a:lvl7pPr marL="2742565" indent="0">
               <a:buNone/>
               <a:defRPr sz="1000"/>
             </a:lvl7pPr>
-            <a:lvl8pPr marL="3199440" indent="0">
+            <a:lvl8pPr marL="3199130" indent="0">
               <a:buNone/>
               <a:defRPr sz="1000"/>
             </a:lvl8pPr>
-            <a:lvl9pPr marL="3656503" indent="0">
+            <a:lvl9pPr marL="3656330" indent="0">
               <a:buNone/>
               <a:defRPr sz="1000"/>
             </a:lvl9pPr>
@@ -5890,6 +5806,7 @@
               <a:rPr lang="en-US"/>
               <a:t>Click to edit Master text styles</a:t>
             </a:r>
+            <a:endParaRPr lang="en-US"/>
           </a:p>
         </p:txBody>
       </p:sp>
@@ -5909,10 +5826,9 @@
           <a:lstStyle/>
           <a:p>
             <a:fld id="{ECA93773-089F-4535-A246-EBAAB41DAF3A}" type="datetime8">
-              <a:rPr lang="en-KE" smtClean="0"/>
-              <a:t>17/01/2025 12:57</a:t>
+              <a:rPr lang="en-US" smtClean="0"/>
             </a:fld>
-            <a:endParaRPr lang="en-KE"/>
+            <a:endParaRPr lang="en-US"/>
           </a:p>
         </p:txBody>
       </p:sp>
@@ -5935,7 +5851,7 @@
               <a:rPr lang="en-GB"/>
               <a:t>GROUP ONE  PHASE TWO PROJECT</a:t>
             </a:r>
-            <a:endParaRPr lang="en-KE"/>
+            <a:endParaRPr lang="en-US"/>
           </a:p>
         </p:txBody>
       </p:sp>
@@ -5955,19 +5871,13 @@
           <a:lstStyle/>
           <a:p>
             <a:fld id="{C4C7283F-616F-4503-ABBD-21FFB2848302}" type="slidenum">
-              <a:rPr lang="en-KE" smtClean="0"/>
-              <a:t>‹#›</a:t>
+              <a:rPr lang="en-US" smtClean="0"/>
             </a:fld>
-            <a:endParaRPr lang="en-KE"/>
+            <a:endParaRPr lang="en-US"/>
           </a:p>
         </p:txBody>
       </p:sp>
     </p:spTree>
-    <p:extLst>
-      <p:ext uri="{BB962C8B-B14F-4D97-AF65-F5344CB8AC3E}">
-        <p14:creationId xmlns:p14="http://schemas.microsoft.com/office/powerpoint/2010/main" val="1482531782"/>
-      </p:ext>
-    </p:extLst>
   </p:cSld>
   <p:clrMapOvr>
     <a:masterClrMapping/>
@@ -6157,6 +6067,7 @@
               <a:rPr lang="en-US"/>
               <a:t>Click to edit Master text styles</a:t>
             </a:r>
+            <a:endParaRPr lang="en-US"/>
           </a:p>
         </p:txBody>
       </p:sp>
@@ -6179,7 +6090,7 @@
               <a:rPr lang="en-GB"/>
               <a:t>GROUP ONE  PHASE TWO PROJECT</a:t>
             </a:r>
-            <a:endParaRPr lang="en-KE"/>
+            <a:endParaRPr lang="en-US"/>
           </a:p>
         </p:txBody>
       </p:sp>
@@ -6199,10 +6110,9 @@
           <a:lstStyle/>
           <a:p>
             <a:fld id="{C4C7283F-616F-4503-ABBD-21FFB2848302}" type="slidenum">
-              <a:rPr lang="en-KE" smtClean="0"/>
-              <a:t>‹#›</a:t>
+              <a:rPr lang="en-US" smtClean="0"/>
             </a:fld>
-            <a:endParaRPr lang="en-KE"/>
+            <a:endParaRPr lang="en-US"/>
           </a:p>
         </p:txBody>
       </p:sp>
@@ -6222,19 +6132,13 @@
           <a:lstStyle/>
           <a:p>
             <a:fld id="{509537D5-94C9-4CB2-9673-B6F009DE731B}" type="datetime8">
-              <a:rPr lang="en-KE" smtClean="0"/>
-              <a:t>17/01/2025 12:57</a:t>
+              <a:rPr lang="en-US" smtClean="0"/>
             </a:fld>
-            <a:endParaRPr lang="en-KE"/>
+            <a:endParaRPr lang="en-US"/>
           </a:p>
         </p:txBody>
       </p:sp>
     </p:spTree>
-    <p:extLst>
-      <p:ext uri="{BB962C8B-B14F-4D97-AF65-F5344CB8AC3E}">
-        <p14:creationId xmlns:p14="http://schemas.microsoft.com/office/powerpoint/2010/main" val="1502320891"/>
-      </p:ext>
-    </p:extLst>
   </p:cSld>
   <p:clrMapOvr>
     <a:masterClrMapping/>
@@ -6858,6 +6762,7 @@
               <a:rPr lang="en-US"/>
               <a:t>Click to edit Master text styles</a:t>
             </a:r>
+            <a:endParaRPr lang="en-US"/>
           </a:p>
           <a:p>
             <a:pPr lvl="1"/>
@@ -6865,6 +6770,7 @@
               <a:rPr lang="en-US"/>
               <a:t>Second level</a:t>
             </a:r>
+            <a:endParaRPr lang="en-US"/>
           </a:p>
           <a:p>
             <a:pPr lvl="2"/>
@@ -6872,6 +6778,7 @@
               <a:rPr lang="en-US"/>
               <a:t>Third level</a:t>
             </a:r>
+            <a:endParaRPr lang="en-US"/>
           </a:p>
           <a:p>
             <a:pPr lvl="3"/>
@@ -6879,6 +6786,7 @@
               <a:rPr lang="en-US"/>
               <a:t>Fourth level</a:t>
             </a:r>
+            <a:endParaRPr lang="en-US"/>
           </a:p>
           <a:p>
             <a:pPr lvl="4"/>
@@ -6924,10 +6832,9 @@
           </a:lstStyle>
           <a:p>
             <a:fld id="{69D0E751-3CC6-4AC8-BFD8-B111550C4052}" type="datetime8">
-              <a:rPr lang="en-KE" smtClean="0"/>
-              <a:t>17/01/2025 12:57</a:t>
+              <a:rPr lang="en-US" smtClean="0"/>
             </a:fld>
-            <a:endParaRPr lang="en-KE"/>
+            <a:endParaRPr lang="en-US"/>
           </a:p>
         </p:txBody>
       </p:sp>
@@ -6968,7 +6875,7 @@
               <a:rPr lang="en-GB"/>
               <a:t>GROUP ONE  PHASE TWO PROJECT</a:t>
             </a:r>
-            <a:endParaRPr lang="en-KE"/>
+            <a:endParaRPr lang="en-US"/>
           </a:p>
         </p:txBody>
       </p:sp>
@@ -7004,38 +6911,32 @@
           </a:lstStyle>
           <a:p>
             <a:fld id="{C4C7283F-616F-4503-ABBD-21FFB2848302}" type="slidenum">
-              <a:rPr lang="en-KE" smtClean="0"/>
-              <a:t>‹#›</a:t>
+              <a:rPr lang="en-US" smtClean="0"/>
             </a:fld>
-            <a:endParaRPr lang="en-KE"/>
+            <a:endParaRPr lang="en-US"/>
           </a:p>
         </p:txBody>
       </p:sp>
     </p:spTree>
-    <p:extLst>
-      <p:ext uri="{BB962C8B-B14F-4D97-AF65-F5344CB8AC3E}">
-        <p14:creationId xmlns:p14="http://schemas.microsoft.com/office/powerpoint/2010/main" val="4073437000"/>
-      </p:ext>
-    </p:extLst>
   </p:cSld>
   <p:clrMap bg1="lt1" tx1="dk1" bg2="lt2" tx2="dk2" accent1="accent1" accent2="accent2" accent3="accent3" accent4="accent4" accent5="accent5" accent6="accent6" hlink="hlink" folHlink="folHlink"/>
   <p:sldLayoutIdLst>
-    <p:sldLayoutId id="2147483804" r:id="rId1"/>
-    <p:sldLayoutId id="2147483805" r:id="rId2"/>
-    <p:sldLayoutId id="2147483806" r:id="rId3"/>
-    <p:sldLayoutId id="2147483807" r:id="rId4"/>
-    <p:sldLayoutId id="2147483808" r:id="rId5"/>
-    <p:sldLayoutId id="2147483809" r:id="rId6"/>
-    <p:sldLayoutId id="2147483810" r:id="rId7"/>
-    <p:sldLayoutId id="2147483811" r:id="rId8"/>
-    <p:sldLayoutId id="2147483812" r:id="rId9"/>
-    <p:sldLayoutId id="2147483813" r:id="rId10"/>
-    <p:sldLayoutId id="2147483814" r:id="rId11"/>
-    <p:sldLayoutId id="2147483815" r:id="rId12"/>
-    <p:sldLayoutId id="2147483816" r:id="rId13"/>
-    <p:sldLayoutId id="2147483817" r:id="rId14"/>
-    <p:sldLayoutId id="2147483818" r:id="rId15"/>
-    <p:sldLayoutId id="2147483819" r:id="rId16"/>
+    <p:sldLayoutId id="2147483649" r:id="rId1"/>
+    <p:sldLayoutId id="2147483650" r:id="rId2"/>
+    <p:sldLayoutId id="2147483651" r:id="rId3"/>
+    <p:sldLayoutId id="2147483652" r:id="rId4"/>
+    <p:sldLayoutId id="2147483653" r:id="rId5"/>
+    <p:sldLayoutId id="2147483654" r:id="rId6"/>
+    <p:sldLayoutId id="2147483655" r:id="rId7"/>
+    <p:sldLayoutId id="2147483656" r:id="rId8"/>
+    <p:sldLayoutId id="2147483657" r:id="rId9"/>
+    <p:sldLayoutId id="2147483658" r:id="rId10"/>
+    <p:sldLayoutId id="2147483659" r:id="rId11"/>
+    <p:sldLayoutId id="2147483660" r:id="rId12"/>
+    <p:sldLayoutId id="2147483661" r:id="rId13"/>
+    <p:sldLayoutId id="2147483662" r:id="rId14"/>
+    <p:sldLayoutId id="2147483663" r:id="rId15"/>
+    <p:sldLayoutId id="2147483664" r:id="rId16"/>
   </p:sldLayoutIdLst>
   <p:hf hdr="0" dt="0"/>
   <p:txStyles>
@@ -7123,7 +7024,7 @@
           <a:schemeClr val="accent1"/>
         </a:buClr>
         <a:buSzPct val="80000"/>
-        <a:buFont typeface="Wingdings 3" charset="2"/>
+        <a:buFont typeface="Wingdings 3" panose="05040102010807070707" charset="2"/>
         <a:buChar char=""/>
         <a:defRPr sz="1800" kern="1200">
           <a:solidFill>
@@ -7148,7 +7049,7 @@
           <a:schemeClr val="accent1"/>
         </a:buClr>
         <a:buSzPct val="80000"/>
-        <a:buFont typeface="Wingdings 3" charset="2"/>
+        <a:buFont typeface="Wingdings 3" panose="05040102010807070707" charset="2"/>
         <a:buChar char=""/>
         <a:defRPr sz="1600" kern="1200">
           <a:solidFill>
@@ -7173,7 +7074,7 @@
           <a:schemeClr val="accent1"/>
         </a:buClr>
         <a:buSzPct val="80000"/>
-        <a:buFont typeface="Wingdings 3" charset="2"/>
+        <a:buFont typeface="Wingdings 3" panose="05040102010807070707" charset="2"/>
         <a:buChar char=""/>
         <a:defRPr sz="1400" kern="1200">
           <a:solidFill>
@@ -7198,7 +7099,7 @@
           <a:schemeClr val="accent1"/>
         </a:buClr>
         <a:buSzPct val="80000"/>
-        <a:buFont typeface="Wingdings 3" charset="2"/>
+        <a:buFont typeface="Wingdings 3" panose="05040102010807070707" charset="2"/>
         <a:buChar char=""/>
         <a:defRPr sz="1200" kern="1200">
           <a:solidFill>
@@ -7223,7 +7124,7 @@
           <a:schemeClr val="accent1"/>
         </a:buClr>
         <a:buSzPct val="80000"/>
-        <a:buFont typeface="Wingdings 3" charset="2"/>
+        <a:buFont typeface="Wingdings 3" panose="05040102010807070707" charset="2"/>
         <a:buChar char=""/>
         <a:defRPr sz="1200" kern="1200">
           <a:solidFill>
@@ -7248,7 +7149,7 @@
           <a:schemeClr val="accent1"/>
         </a:buClr>
         <a:buSzPct val="80000"/>
-        <a:buFont typeface="Wingdings 3" charset="2"/>
+        <a:buFont typeface="Wingdings 3" panose="05040102010807070707" charset="2"/>
         <a:buChar char=""/>
         <a:defRPr sz="1200" kern="1200">
           <a:solidFill>
@@ -7273,7 +7174,7 @@
           <a:schemeClr val="accent1"/>
         </a:buClr>
         <a:buSzPct val="80000"/>
-        <a:buFont typeface="Wingdings 3" charset="2"/>
+        <a:buFont typeface="Wingdings 3" panose="05040102010807070707" charset="2"/>
         <a:buChar char=""/>
         <a:defRPr sz="1200" kern="1200">
           <a:solidFill>
@@ -7298,7 +7199,7 @@
           <a:schemeClr val="accent1"/>
         </a:buClr>
         <a:buSzPct val="80000"/>
-        <a:buFont typeface="Wingdings 3" charset="2"/>
+        <a:buFont typeface="Wingdings 3" panose="05040102010807070707" charset="2"/>
         <a:buChar char=""/>
         <a:defRPr sz="1200" kern="1200">
           <a:solidFill>
@@ -7323,7 +7224,7 @@
           <a:schemeClr val="accent1"/>
         </a:buClr>
         <a:buSzPct val="80000"/>
-        <a:buFont typeface="Wingdings 3" charset="2"/>
+        <a:buFont typeface="Wingdings 3" panose="05040102010807070707" charset="2"/>
         <a:buChar char=""/>
         <a:defRPr sz="1200" kern="1200">
           <a:solidFill>
@@ -7473,6 +7374,7 @@
               <a:rPr lang="en-US" b="1" dirty="0"/>
               <a:t>PROJECT TITLE</a:t>
             </a:r>
+            <a:endParaRPr lang="en-US" b="1" dirty="0"/>
           </a:p>
         </p:txBody>
       </p:sp>
@@ -7497,24 +7399,20 @@
               <a:rPr lang="en-US" i="1" dirty="0"/>
               <a:t>REAP BIG IN THE SKY!</a:t>
             </a:r>
+            <a:endParaRPr lang="en-US" i="1" dirty="0"/>
           </a:p>
           <a:p>
             <a:r>
               <a:rPr lang="en-US" i="1" dirty="0"/>
               <a:t>DIVE INTO FILMS AND MOVIES!!!!</a:t>
             </a:r>
-          </a:p>
-        </p:txBody>
-      </p:sp>
-      <p:sp>
-        <p:nvSpPr>
-          <p:cNvPr id="4" name="Footer Placeholder 3">
-            <a:extLst>
-              <a:ext uri="{FF2B5EF4-FFF2-40B4-BE49-F238E27FC236}">
-                <a16:creationId xmlns:a16="http://schemas.microsoft.com/office/drawing/2014/main" id="{64CF7DD1-01FC-36B1-4B36-45CB9E5B1A8A}"/>
-              </a:ext>
-            </a:extLst>
-          </p:cNvPr>
+            <a:endParaRPr lang="en-US" i="1" dirty="0"/>
+          </a:p>
+        </p:txBody>
+      </p:sp>
+      <p:sp>
+        <p:nvSpPr>
+          <p:cNvPr id="4" name="Footer Placeholder 3"/>
           <p:cNvSpPr>
             <a:spLocks noGrp="1"/>
           </p:cNvSpPr>
@@ -7531,19 +7429,13 @@
               <a:rPr lang="en-GB"/>
               <a:t>GROUP ONE  PHASE TWO PROJECT</a:t>
             </a:r>
-            <a:endParaRPr lang="en-KE"/>
-          </a:p>
-        </p:txBody>
-      </p:sp>
-      <p:sp>
-        <p:nvSpPr>
-          <p:cNvPr id="5" name="Slide Number Placeholder 4">
-            <a:extLst>
-              <a:ext uri="{FF2B5EF4-FFF2-40B4-BE49-F238E27FC236}">
-                <a16:creationId xmlns:a16="http://schemas.microsoft.com/office/drawing/2014/main" id="{97A75BF4-E771-93D8-583B-695271DD884D}"/>
-              </a:ext>
-            </a:extLst>
-          </p:cNvPr>
+            <a:endParaRPr lang="en-US"/>
+          </a:p>
+        </p:txBody>
+      </p:sp>
+      <p:sp>
+        <p:nvSpPr>
+          <p:cNvPr id="5" name="Slide Number Placeholder 4"/>
           <p:cNvSpPr>
             <a:spLocks noGrp="1"/>
           </p:cNvSpPr>
@@ -7557,10 +7449,9 @@
           <a:lstStyle/>
           <a:p>
             <a:fld id="{C4C7283F-616F-4503-ABBD-21FFB2848302}" type="slidenum">
-              <a:rPr lang="en-KE" smtClean="0"/>
-              <a:t>1</a:t>
+              <a:rPr lang="en-US" smtClean="0"/>
             </a:fld>
-            <a:endParaRPr lang="en-KE"/>
+            <a:endParaRPr lang="en-US"/>
           </a:p>
         </p:txBody>
       </p:sp>
@@ -7591,13 +7482,7 @@
       </p:grpSpPr>
       <p:sp>
         <p:nvSpPr>
-          <p:cNvPr id="2" name="Title 1">
-            <a:extLst>
-              <a:ext uri="{FF2B5EF4-FFF2-40B4-BE49-F238E27FC236}">
-                <a16:creationId xmlns:a16="http://schemas.microsoft.com/office/drawing/2014/main" id="{BB805CBB-A62A-9541-5623-58324A9E9036}"/>
-              </a:ext>
-            </a:extLst>
-          </p:cNvPr>
+          <p:cNvPr id="2" name="Title 1"/>
           <p:cNvSpPr>
             <a:spLocks noGrp="1"/>
           </p:cNvSpPr>
@@ -7614,19 +7499,13 @@
               <a:rPr lang="en-US" dirty="0"/>
               <a:t>visual</a:t>
             </a:r>
-            <a:endParaRPr lang="en-KE" dirty="0"/>
-          </a:p>
-        </p:txBody>
-      </p:sp>
-      <p:sp>
-        <p:nvSpPr>
-          <p:cNvPr id="3" name="Subtitle 2">
-            <a:extLst>
-              <a:ext uri="{FF2B5EF4-FFF2-40B4-BE49-F238E27FC236}">
-                <a16:creationId xmlns:a16="http://schemas.microsoft.com/office/drawing/2014/main" id="{B0F9C03B-83F4-15BB-478C-77DF8BBE95CD}"/>
-              </a:ext>
-            </a:extLst>
-          </p:cNvPr>
+            <a:endParaRPr lang="en-US" dirty="0"/>
+          </a:p>
+        </p:txBody>
+      </p:sp>
+      <p:sp>
+        <p:nvSpPr>
+          <p:cNvPr id="3" name="Subtitle 2"/>
           <p:cNvSpPr>
             <a:spLocks noGrp="1"/>
           </p:cNvSpPr>
@@ -7639,19 +7518,13 @@
           <a:bodyPr/>
           <a:lstStyle/>
           <a:p>
-            <a:endParaRPr lang="en-KE" dirty="0"/>
-          </a:p>
-        </p:txBody>
-      </p:sp>
-      <p:sp>
-        <p:nvSpPr>
-          <p:cNvPr id="4" name="Footer Placeholder 3">
-            <a:extLst>
-              <a:ext uri="{FF2B5EF4-FFF2-40B4-BE49-F238E27FC236}">
-                <a16:creationId xmlns:a16="http://schemas.microsoft.com/office/drawing/2014/main" id="{DD19E04B-ACCB-1415-CCFA-3BCDC4B090C6}"/>
-              </a:ext>
-            </a:extLst>
-          </p:cNvPr>
+            <a:endParaRPr lang="en-US" dirty="0"/>
+          </a:p>
+        </p:txBody>
+      </p:sp>
+      <p:sp>
+        <p:nvSpPr>
+          <p:cNvPr id="4" name="Footer Placeholder 3"/>
           <p:cNvSpPr>
             <a:spLocks noGrp="1"/>
           </p:cNvSpPr>
@@ -7668,19 +7541,13 @@
               <a:rPr lang="en-GB"/>
               <a:t>GROUP ONE  PHASE TWO PROJECT</a:t>
             </a:r>
-            <a:endParaRPr lang="en-KE"/>
-          </a:p>
-        </p:txBody>
-      </p:sp>
-      <p:sp>
-        <p:nvSpPr>
-          <p:cNvPr id="6" name="Slide Number Placeholder 5">
-            <a:extLst>
-              <a:ext uri="{FF2B5EF4-FFF2-40B4-BE49-F238E27FC236}">
-                <a16:creationId xmlns:a16="http://schemas.microsoft.com/office/drawing/2014/main" id="{D3F277D9-55D5-FB02-90C7-EDF873B5DA6D}"/>
-              </a:ext>
-            </a:extLst>
-          </p:cNvPr>
+            <a:endParaRPr lang="en-US"/>
+          </a:p>
+        </p:txBody>
+      </p:sp>
+      <p:sp>
+        <p:nvSpPr>
+          <p:cNvPr id="6" name="Slide Number Placeholder 5"/>
           <p:cNvSpPr>
             <a:spLocks noGrp="1"/>
           </p:cNvSpPr>
@@ -7694,29 +7561,22 @@
           <a:lstStyle/>
           <a:p>
             <a:fld id="{C4C7283F-616F-4503-ABBD-21FFB2848302}" type="slidenum">
-              <a:rPr lang="en-KE" smtClean="0"/>
-              <a:t>10</a:t>
+              <a:rPr lang="en-US" smtClean="0"/>
             </a:fld>
-            <a:endParaRPr lang="en-KE"/>
+            <a:endParaRPr lang="en-US"/>
           </a:p>
         </p:txBody>
       </p:sp>
       <p:pic>
         <p:nvPicPr>
-          <p:cNvPr id="5" name="Picture 4">
-            <a:extLst>
-              <a:ext uri="{FF2B5EF4-FFF2-40B4-BE49-F238E27FC236}">
-                <a16:creationId xmlns:a16="http://schemas.microsoft.com/office/drawing/2014/main" id="{9226A0DD-3B74-A06C-E862-27A51D915F24}"/>
-              </a:ext>
-            </a:extLst>
-          </p:cNvPr>
+          <p:cNvPr id="5" name="Picture 4"/>
           <p:cNvPicPr>
             <a:picLocks noChangeAspect="1"/>
           </p:cNvPicPr>
           <p:nvPr/>
         </p:nvPicPr>
         <p:blipFill>
-          <a:blip r:embed="rId3"/>
+          <a:blip r:embed="rId1"/>
           <a:stretch>
             <a:fillRect/>
           </a:stretch>
@@ -7732,11 +7592,6 @@
         </p:spPr>
       </p:pic>
     </p:spTree>
-    <p:extLst>
-      <p:ext uri="{BB962C8B-B14F-4D97-AF65-F5344CB8AC3E}">
-        <p14:creationId xmlns:p14="http://schemas.microsoft.com/office/powerpoint/2010/main" val="2322492700"/>
-      </p:ext>
-    </p:extLst>
   </p:cSld>
   <p:clrMapOvr>
     <a:masterClrMapping/>
@@ -7763,13 +7618,7 @@
       </p:grpSpPr>
       <p:sp>
         <p:nvSpPr>
-          <p:cNvPr id="2" name="Title 1">
-            <a:extLst>
-              <a:ext uri="{FF2B5EF4-FFF2-40B4-BE49-F238E27FC236}">
-                <a16:creationId xmlns:a16="http://schemas.microsoft.com/office/drawing/2014/main" id="{46507127-2DA5-A21C-350E-B4442926BE31}"/>
-              </a:ext>
-            </a:extLst>
-          </p:cNvPr>
+          <p:cNvPr id="2" name="Title 1"/>
           <p:cNvSpPr>
             <a:spLocks noGrp="1"/>
           </p:cNvSpPr>
@@ -7786,19 +7635,13 @@
               <a:rPr lang="en-US" dirty="0"/>
               <a:t>VISUAL</a:t>
             </a:r>
-            <a:endParaRPr lang="en-KE" dirty="0"/>
-          </a:p>
-        </p:txBody>
-      </p:sp>
-      <p:sp>
-        <p:nvSpPr>
-          <p:cNvPr id="3" name="Subtitle 2">
-            <a:extLst>
-              <a:ext uri="{FF2B5EF4-FFF2-40B4-BE49-F238E27FC236}">
-                <a16:creationId xmlns:a16="http://schemas.microsoft.com/office/drawing/2014/main" id="{7B956C96-FE96-A261-2CD6-60F408BA8AA9}"/>
-              </a:ext>
-            </a:extLst>
-          </p:cNvPr>
+            <a:endParaRPr lang="en-US" dirty="0"/>
+          </a:p>
+        </p:txBody>
+      </p:sp>
+      <p:sp>
+        <p:nvSpPr>
+          <p:cNvPr id="3" name="Subtitle 2"/>
           <p:cNvSpPr>
             <a:spLocks noGrp="1"/>
           </p:cNvSpPr>
@@ -7811,19 +7654,13 @@
           <a:bodyPr/>
           <a:lstStyle/>
           <a:p>
-            <a:endParaRPr lang="en-KE" dirty="0"/>
-          </a:p>
-        </p:txBody>
-      </p:sp>
-      <p:sp>
-        <p:nvSpPr>
-          <p:cNvPr id="4" name="Footer Placeholder 3">
-            <a:extLst>
-              <a:ext uri="{FF2B5EF4-FFF2-40B4-BE49-F238E27FC236}">
-                <a16:creationId xmlns:a16="http://schemas.microsoft.com/office/drawing/2014/main" id="{BE7E5390-4143-044D-20D6-931547E5795F}"/>
-              </a:ext>
-            </a:extLst>
-          </p:cNvPr>
+            <a:endParaRPr lang="en-US" dirty="0"/>
+          </a:p>
+        </p:txBody>
+      </p:sp>
+      <p:sp>
+        <p:nvSpPr>
+          <p:cNvPr id="4" name="Footer Placeholder 3"/>
           <p:cNvSpPr>
             <a:spLocks noGrp="1"/>
           </p:cNvSpPr>
@@ -7840,19 +7677,13 @@
               <a:rPr lang="en-GB"/>
               <a:t>GROUP ONE  PHASE TWO PROJECT</a:t>
             </a:r>
-            <a:endParaRPr lang="en-KE"/>
-          </a:p>
-        </p:txBody>
-      </p:sp>
-      <p:sp>
-        <p:nvSpPr>
-          <p:cNvPr id="6" name="Slide Number Placeholder 5">
-            <a:extLst>
-              <a:ext uri="{FF2B5EF4-FFF2-40B4-BE49-F238E27FC236}">
-                <a16:creationId xmlns:a16="http://schemas.microsoft.com/office/drawing/2014/main" id="{EA0A50C3-6204-E87C-F97F-FD3532B42FE4}"/>
-              </a:ext>
-            </a:extLst>
-          </p:cNvPr>
+            <a:endParaRPr lang="en-US"/>
+          </a:p>
+        </p:txBody>
+      </p:sp>
+      <p:sp>
+        <p:nvSpPr>
+          <p:cNvPr id="6" name="Slide Number Placeholder 5"/>
           <p:cNvSpPr>
             <a:spLocks noGrp="1"/>
           </p:cNvSpPr>
@@ -7866,29 +7697,22 @@
           <a:lstStyle/>
           <a:p>
             <a:fld id="{C4C7283F-616F-4503-ABBD-21FFB2848302}" type="slidenum">
-              <a:rPr lang="en-KE" smtClean="0"/>
-              <a:t>11</a:t>
+              <a:rPr lang="en-US" smtClean="0"/>
             </a:fld>
-            <a:endParaRPr lang="en-KE"/>
+            <a:endParaRPr lang="en-US"/>
           </a:p>
         </p:txBody>
       </p:sp>
       <p:pic>
         <p:nvPicPr>
-          <p:cNvPr id="5" name="Picture 4">
-            <a:extLst>
-              <a:ext uri="{FF2B5EF4-FFF2-40B4-BE49-F238E27FC236}">
-                <a16:creationId xmlns:a16="http://schemas.microsoft.com/office/drawing/2014/main" id="{6C79E2D9-38BF-5DF2-C3AA-E04052EB3E67}"/>
-              </a:ext>
-            </a:extLst>
-          </p:cNvPr>
+          <p:cNvPr id="5" name="Picture 4"/>
           <p:cNvPicPr>
             <a:picLocks noChangeAspect="1"/>
           </p:cNvPicPr>
           <p:nvPr/>
         </p:nvPicPr>
         <p:blipFill>
-          <a:blip r:embed="rId3"/>
+          <a:blip r:embed="rId1"/>
           <a:stretch>
             <a:fillRect/>
           </a:stretch>
@@ -7904,11 +7728,6 @@
         </p:spPr>
       </p:pic>
     </p:spTree>
-    <p:extLst>
-      <p:ext uri="{BB962C8B-B14F-4D97-AF65-F5344CB8AC3E}">
-        <p14:creationId xmlns:p14="http://schemas.microsoft.com/office/powerpoint/2010/main" val="3675654059"/>
-      </p:ext>
-    </p:extLst>
   </p:cSld>
   <p:clrMapOvr>
     <a:masterClrMapping/>
@@ -7935,13 +7754,7 @@
       </p:grpSpPr>
       <p:sp>
         <p:nvSpPr>
-          <p:cNvPr id="2" name="Title 1">
-            <a:extLst>
-              <a:ext uri="{FF2B5EF4-FFF2-40B4-BE49-F238E27FC236}">
-                <a16:creationId xmlns:a16="http://schemas.microsoft.com/office/drawing/2014/main" id="{A8D36FE8-28FE-8489-F07C-F733EBF093B1}"/>
-              </a:ext>
-            </a:extLst>
-          </p:cNvPr>
+          <p:cNvPr id="2" name="Title 1"/>
           <p:cNvSpPr>
             <a:spLocks noGrp="1"/>
           </p:cNvSpPr>
@@ -7958,19 +7771,13 @@
               <a:rPr lang="en-US" dirty="0"/>
               <a:t>VISUAL</a:t>
             </a:r>
-            <a:endParaRPr lang="en-KE" dirty="0"/>
-          </a:p>
-        </p:txBody>
-      </p:sp>
-      <p:sp>
-        <p:nvSpPr>
-          <p:cNvPr id="3" name="Subtitle 2">
-            <a:extLst>
-              <a:ext uri="{FF2B5EF4-FFF2-40B4-BE49-F238E27FC236}">
-                <a16:creationId xmlns:a16="http://schemas.microsoft.com/office/drawing/2014/main" id="{C67796B4-16C1-A3A2-4126-DAFFC8028FDD}"/>
-              </a:ext>
-            </a:extLst>
-          </p:cNvPr>
+            <a:endParaRPr lang="en-US" dirty="0"/>
+          </a:p>
+        </p:txBody>
+      </p:sp>
+      <p:sp>
+        <p:nvSpPr>
+          <p:cNvPr id="3" name="Subtitle 2"/>
           <p:cNvSpPr>
             <a:spLocks noGrp="1"/>
           </p:cNvSpPr>
@@ -7983,19 +7790,13 @@
           <a:bodyPr/>
           <a:lstStyle/>
           <a:p>
-            <a:endParaRPr lang="en-KE" dirty="0"/>
-          </a:p>
-        </p:txBody>
-      </p:sp>
-      <p:sp>
-        <p:nvSpPr>
-          <p:cNvPr id="4" name="Footer Placeholder 3">
-            <a:extLst>
-              <a:ext uri="{FF2B5EF4-FFF2-40B4-BE49-F238E27FC236}">
-                <a16:creationId xmlns:a16="http://schemas.microsoft.com/office/drawing/2014/main" id="{11663B03-8937-CA0A-B912-517C130DFF42}"/>
-              </a:ext>
-            </a:extLst>
-          </p:cNvPr>
+            <a:endParaRPr lang="en-US" dirty="0"/>
+          </a:p>
+        </p:txBody>
+      </p:sp>
+      <p:sp>
+        <p:nvSpPr>
+          <p:cNvPr id="4" name="Footer Placeholder 3"/>
           <p:cNvSpPr>
             <a:spLocks noGrp="1"/>
           </p:cNvSpPr>
@@ -8012,19 +7813,13 @@
               <a:rPr lang="en-GB"/>
               <a:t>GROUP ONE  PHASE TWO PROJECT</a:t>
             </a:r>
-            <a:endParaRPr lang="en-KE"/>
-          </a:p>
-        </p:txBody>
-      </p:sp>
-      <p:sp>
-        <p:nvSpPr>
-          <p:cNvPr id="6" name="Slide Number Placeholder 5">
-            <a:extLst>
-              <a:ext uri="{FF2B5EF4-FFF2-40B4-BE49-F238E27FC236}">
-                <a16:creationId xmlns:a16="http://schemas.microsoft.com/office/drawing/2014/main" id="{DBA96389-F00F-36BE-4BDB-6ADE7AB5D6BB}"/>
-              </a:ext>
-            </a:extLst>
-          </p:cNvPr>
+            <a:endParaRPr lang="en-US"/>
+          </a:p>
+        </p:txBody>
+      </p:sp>
+      <p:sp>
+        <p:nvSpPr>
+          <p:cNvPr id="6" name="Slide Number Placeholder 5"/>
           <p:cNvSpPr>
             <a:spLocks noGrp="1"/>
           </p:cNvSpPr>
@@ -8038,29 +7833,22 @@
           <a:lstStyle/>
           <a:p>
             <a:fld id="{C4C7283F-616F-4503-ABBD-21FFB2848302}" type="slidenum">
-              <a:rPr lang="en-KE" smtClean="0"/>
-              <a:t>12</a:t>
+              <a:rPr lang="en-US" smtClean="0"/>
             </a:fld>
-            <a:endParaRPr lang="en-KE"/>
+            <a:endParaRPr lang="en-US"/>
           </a:p>
         </p:txBody>
       </p:sp>
       <p:pic>
         <p:nvPicPr>
-          <p:cNvPr id="5" name="Picture 4">
-            <a:extLst>
-              <a:ext uri="{FF2B5EF4-FFF2-40B4-BE49-F238E27FC236}">
-                <a16:creationId xmlns:a16="http://schemas.microsoft.com/office/drawing/2014/main" id="{B807B1B1-CE0D-EED9-D69D-7DF82FAD0E93}"/>
-              </a:ext>
-            </a:extLst>
-          </p:cNvPr>
+          <p:cNvPr id="5" name="Picture 4"/>
           <p:cNvPicPr>
             <a:picLocks noChangeAspect="1"/>
           </p:cNvPicPr>
           <p:nvPr/>
         </p:nvPicPr>
         <p:blipFill>
-          <a:blip r:embed="rId3"/>
+          <a:blip r:embed="rId1"/>
           <a:stretch>
             <a:fillRect/>
           </a:stretch>
@@ -8076,11 +7864,6 @@
         </p:spPr>
       </p:pic>
     </p:spTree>
-    <p:extLst>
-      <p:ext uri="{BB962C8B-B14F-4D97-AF65-F5344CB8AC3E}">
-        <p14:creationId xmlns:p14="http://schemas.microsoft.com/office/powerpoint/2010/main" val="3765499317"/>
-      </p:ext>
-    </p:extLst>
   </p:cSld>
   <p:clrMapOvr>
     <a:masterClrMapping/>
@@ -8107,13 +7890,7 @@
       </p:grpSpPr>
       <p:sp>
         <p:nvSpPr>
-          <p:cNvPr id="2" name="Title 1">
-            <a:extLst>
-              <a:ext uri="{FF2B5EF4-FFF2-40B4-BE49-F238E27FC236}">
-                <a16:creationId xmlns:a16="http://schemas.microsoft.com/office/drawing/2014/main" id="{FEE486AF-47D7-7192-32D2-E56E4DEFA1F6}"/>
-              </a:ext>
-            </a:extLst>
-          </p:cNvPr>
+          <p:cNvPr id="2" name="Title 1"/>
           <p:cNvSpPr>
             <a:spLocks noGrp="1"/>
           </p:cNvSpPr>
@@ -8130,19 +7907,13 @@
               <a:rPr lang="en-US" dirty="0"/>
               <a:t>VISUAL</a:t>
             </a:r>
-            <a:endParaRPr lang="en-KE" dirty="0"/>
-          </a:p>
-        </p:txBody>
-      </p:sp>
-      <p:sp>
-        <p:nvSpPr>
-          <p:cNvPr id="3" name="Subtitle 2">
-            <a:extLst>
-              <a:ext uri="{FF2B5EF4-FFF2-40B4-BE49-F238E27FC236}">
-                <a16:creationId xmlns:a16="http://schemas.microsoft.com/office/drawing/2014/main" id="{991B858B-4088-4CB6-4EDE-AECF4AA848B8}"/>
-              </a:ext>
-            </a:extLst>
-          </p:cNvPr>
+            <a:endParaRPr lang="en-US" dirty="0"/>
+          </a:p>
+        </p:txBody>
+      </p:sp>
+      <p:sp>
+        <p:nvSpPr>
+          <p:cNvPr id="3" name="Subtitle 2"/>
           <p:cNvSpPr>
             <a:spLocks noGrp="1"/>
           </p:cNvSpPr>
@@ -8155,19 +7926,13 @@
           <a:bodyPr/>
           <a:lstStyle/>
           <a:p>
-            <a:endParaRPr lang="en-KE" dirty="0"/>
-          </a:p>
-        </p:txBody>
-      </p:sp>
-      <p:sp>
-        <p:nvSpPr>
-          <p:cNvPr id="4" name="Footer Placeholder 3">
-            <a:extLst>
-              <a:ext uri="{FF2B5EF4-FFF2-40B4-BE49-F238E27FC236}">
-                <a16:creationId xmlns:a16="http://schemas.microsoft.com/office/drawing/2014/main" id="{652CF4FB-479F-24E5-CB85-7E68BAD77165}"/>
-              </a:ext>
-            </a:extLst>
-          </p:cNvPr>
+            <a:endParaRPr lang="en-US" dirty="0"/>
+          </a:p>
+        </p:txBody>
+      </p:sp>
+      <p:sp>
+        <p:nvSpPr>
+          <p:cNvPr id="4" name="Footer Placeholder 3"/>
           <p:cNvSpPr>
             <a:spLocks noGrp="1"/>
           </p:cNvSpPr>
@@ -8184,19 +7949,13 @@
               <a:rPr lang="en-GB"/>
               <a:t>GROUP ONE  PHASE TWO PROJECT</a:t>
             </a:r>
-            <a:endParaRPr lang="en-KE"/>
-          </a:p>
-        </p:txBody>
-      </p:sp>
-      <p:sp>
-        <p:nvSpPr>
-          <p:cNvPr id="6" name="Slide Number Placeholder 5">
-            <a:extLst>
-              <a:ext uri="{FF2B5EF4-FFF2-40B4-BE49-F238E27FC236}">
-                <a16:creationId xmlns:a16="http://schemas.microsoft.com/office/drawing/2014/main" id="{9CE044E2-119C-3B6A-EE83-AFC670A2C730}"/>
-              </a:ext>
-            </a:extLst>
-          </p:cNvPr>
+            <a:endParaRPr lang="en-US"/>
+          </a:p>
+        </p:txBody>
+      </p:sp>
+      <p:sp>
+        <p:nvSpPr>
+          <p:cNvPr id="6" name="Slide Number Placeholder 5"/>
           <p:cNvSpPr>
             <a:spLocks noGrp="1"/>
           </p:cNvSpPr>
@@ -8210,29 +7969,22 @@
           <a:lstStyle/>
           <a:p>
             <a:fld id="{C4C7283F-616F-4503-ABBD-21FFB2848302}" type="slidenum">
-              <a:rPr lang="en-KE" smtClean="0"/>
-              <a:t>13</a:t>
+              <a:rPr lang="en-US" smtClean="0"/>
             </a:fld>
-            <a:endParaRPr lang="en-KE"/>
+            <a:endParaRPr lang="en-US"/>
           </a:p>
         </p:txBody>
       </p:sp>
       <p:pic>
         <p:nvPicPr>
-          <p:cNvPr id="5" name="Picture 4">
-            <a:extLst>
-              <a:ext uri="{FF2B5EF4-FFF2-40B4-BE49-F238E27FC236}">
-                <a16:creationId xmlns:a16="http://schemas.microsoft.com/office/drawing/2014/main" id="{D7D8472D-F7B0-0B9B-E4DE-8776E075FC7A}"/>
-              </a:ext>
-            </a:extLst>
-          </p:cNvPr>
+          <p:cNvPr id="5" name="Picture 4"/>
           <p:cNvPicPr>
             <a:picLocks noChangeAspect="1"/>
           </p:cNvPicPr>
           <p:nvPr/>
         </p:nvPicPr>
         <p:blipFill>
-          <a:blip r:embed="rId3"/>
+          <a:blip r:embed="rId1"/>
           <a:stretch>
             <a:fillRect/>
           </a:stretch>
@@ -8248,11 +8000,6 @@
         </p:spPr>
       </p:pic>
     </p:spTree>
-    <p:extLst>
-      <p:ext uri="{BB962C8B-B14F-4D97-AF65-F5344CB8AC3E}">
-        <p14:creationId xmlns:p14="http://schemas.microsoft.com/office/powerpoint/2010/main" val="40387418"/>
-      </p:ext>
-    </p:extLst>
   </p:cSld>
   <p:clrMapOvr>
     <a:masterClrMapping/>
@@ -8279,13 +8026,7 @@
       </p:grpSpPr>
       <p:sp>
         <p:nvSpPr>
-          <p:cNvPr id="2" name="Title 1">
-            <a:extLst>
-              <a:ext uri="{FF2B5EF4-FFF2-40B4-BE49-F238E27FC236}">
-                <a16:creationId xmlns:a16="http://schemas.microsoft.com/office/drawing/2014/main" id="{0C6F1F37-B0EE-4F75-6098-33ED0A0AE2D9}"/>
-              </a:ext>
-            </a:extLst>
-          </p:cNvPr>
+          <p:cNvPr id="2" name="Title 1"/>
           <p:cNvSpPr>
             <a:spLocks noGrp="1"/>
           </p:cNvSpPr>
@@ -8302,19 +8043,13 @@
               <a:rPr lang="en-US" dirty="0"/>
               <a:t>VISUAL</a:t>
             </a:r>
-            <a:endParaRPr lang="en-KE" dirty="0"/>
-          </a:p>
-        </p:txBody>
-      </p:sp>
-      <p:sp>
-        <p:nvSpPr>
-          <p:cNvPr id="3" name="Subtitle 2">
-            <a:extLst>
-              <a:ext uri="{FF2B5EF4-FFF2-40B4-BE49-F238E27FC236}">
-                <a16:creationId xmlns:a16="http://schemas.microsoft.com/office/drawing/2014/main" id="{3A55AAF9-FFF8-3050-CE76-D865A91D2B8B}"/>
-              </a:ext>
-            </a:extLst>
-          </p:cNvPr>
+            <a:endParaRPr lang="en-US" dirty="0"/>
+          </a:p>
+        </p:txBody>
+      </p:sp>
+      <p:sp>
+        <p:nvSpPr>
+          <p:cNvPr id="3" name="Subtitle 2"/>
           <p:cNvSpPr>
             <a:spLocks noGrp="1"/>
           </p:cNvSpPr>
@@ -8327,19 +8062,13 @@
           <a:bodyPr/>
           <a:lstStyle/>
           <a:p>
-            <a:endParaRPr lang="en-KE" dirty="0"/>
-          </a:p>
-        </p:txBody>
-      </p:sp>
-      <p:sp>
-        <p:nvSpPr>
-          <p:cNvPr id="4" name="Footer Placeholder 3">
-            <a:extLst>
-              <a:ext uri="{FF2B5EF4-FFF2-40B4-BE49-F238E27FC236}">
-                <a16:creationId xmlns:a16="http://schemas.microsoft.com/office/drawing/2014/main" id="{80D1C8C8-3025-887B-6C5D-14EEA2497504}"/>
-              </a:ext>
-            </a:extLst>
-          </p:cNvPr>
+            <a:endParaRPr lang="en-US" dirty="0"/>
+          </a:p>
+        </p:txBody>
+      </p:sp>
+      <p:sp>
+        <p:nvSpPr>
+          <p:cNvPr id="4" name="Footer Placeholder 3"/>
           <p:cNvSpPr>
             <a:spLocks noGrp="1"/>
           </p:cNvSpPr>
@@ -8356,19 +8085,13 @@
               <a:rPr lang="en-GB"/>
               <a:t>GROUP ONE  PHASE TWO PROJECT</a:t>
             </a:r>
-            <a:endParaRPr lang="en-KE"/>
-          </a:p>
-        </p:txBody>
-      </p:sp>
-      <p:sp>
-        <p:nvSpPr>
-          <p:cNvPr id="6" name="Slide Number Placeholder 5">
-            <a:extLst>
-              <a:ext uri="{FF2B5EF4-FFF2-40B4-BE49-F238E27FC236}">
-                <a16:creationId xmlns:a16="http://schemas.microsoft.com/office/drawing/2014/main" id="{F8F0BCD7-7EF6-074A-157D-0D0EC2008FCA}"/>
-              </a:ext>
-            </a:extLst>
-          </p:cNvPr>
+            <a:endParaRPr lang="en-US"/>
+          </a:p>
+        </p:txBody>
+      </p:sp>
+      <p:sp>
+        <p:nvSpPr>
+          <p:cNvPr id="6" name="Slide Number Placeholder 5"/>
           <p:cNvSpPr>
             <a:spLocks noGrp="1"/>
           </p:cNvSpPr>
@@ -8382,29 +8105,22 @@
           <a:lstStyle/>
           <a:p>
             <a:fld id="{C4C7283F-616F-4503-ABBD-21FFB2848302}" type="slidenum">
-              <a:rPr lang="en-KE" smtClean="0"/>
-              <a:t>14</a:t>
+              <a:rPr lang="en-US" smtClean="0"/>
             </a:fld>
-            <a:endParaRPr lang="en-KE"/>
+            <a:endParaRPr lang="en-US"/>
           </a:p>
         </p:txBody>
       </p:sp>
       <p:pic>
         <p:nvPicPr>
-          <p:cNvPr id="5" name="Picture 4">
-            <a:extLst>
-              <a:ext uri="{FF2B5EF4-FFF2-40B4-BE49-F238E27FC236}">
-                <a16:creationId xmlns:a16="http://schemas.microsoft.com/office/drawing/2014/main" id="{10F06E5E-9748-6D4A-4155-357B39B70CA1}"/>
-              </a:ext>
-            </a:extLst>
-          </p:cNvPr>
+          <p:cNvPr id="5" name="Picture 4"/>
           <p:cNvPicPr>
             <a:picLocks noChangeAspect="1"/>
           </p:cNvPicPr>
           <p:nvPr/>
         </p:nvPicPr>
         <p:blipFill>
-          <a:blip r:embed="rId3"/>
+          <a:blip r:embed="rId1"/>
           <a:stretch>
             <a:fillRect/>
           </a:stretch>
@@ -8420,11 +8136,6 @@
         </p:spPr>
       </p:pic>
     </p:spTree>
-    <p:extLst>
-      <p:ext uri="{BB962C8B-B14F-4D97-AF65-F5344CB8AC3E}">
-        <p14:creationId xmlns:p14="http://schemas.microsoft.com/office/powerpoint/2010/main" val="3849465181"/>
-      </p:ext>
-    </p:extLst>
   </p:cSld>
   <p:clrMapOvr>
     <a:masterClrMapping/>
@@ -8451,13 +8162,7 @@
       </p:grpSpPr>
       <p:sp>
         <p:nvSpPr>
-          <p:cNvPr id="2" name="Title 1">
-            <a:extLst>
-              <a:ext uri="{FF2B5EF4-FFF2-40B4-BE49-F238E27FC236}">
-                <a16:creationId xmlns:a16="http://schemas.microsoft.com/office/drawing/2014/main" id="{0DBCDBB7-D659-D7B8-938B-4A7BCB4E1B1C}"/>
-              </a:ext>
-            </a:extLst>
-          </p:cNvPr>
+          <p:cNvPr id="2" name="Title 1"/>
           <p:cNvSpPr>
             <a:spLocks noGrp="1"/>
           </p:cNvSpPr>
@@ -8474,19 +8179,13 @@
               <a:rPr lang="en-US" b="1" dirty="0"/>
               <a:t>VISUAL TWO</a:t>
             </a:r>
-            <a:endParaRPr lang="en-KE" b="1" dirty="0"/>
-          </a:p>
-        </p:txBody>
-      </p:sp>
-      <p:sp>
-        <p:nvSpPr>
-          <p:cNvPr id="3" name="Text Placeholder 2">
-            <a:extLst>
-              <a:ext uri="{FF2B5EF4-FFF2-40B4-BE49-F238E27FC236}">
-                <a16:creationId xmlns:a16="http://schemas.microsoft.com/office/drawing/2014/main" id="{12517249-89A0-F2FA-3FD3-78B7DE08081F}"/>
-              </a:ext>
-            </a:extLst>
-          </p:cNvPr>
+            <a:endParaRPr lang="en-US" b="1" dirty="0"/>
+          </a:p>
+        </p:txBody>
+      </p:sp>
+      <p:sp>
+        <p:nvSpPr>
+          <p:cNvPr id="3" name="Text Placeholder 2"/>
           <p:cNvSpPr>
             <a:spLocks noGrp="1"/>
           </p:cNvSpPr>
@@ -8499,19 +8198,13 @@
           <a:bodyPr/>
           <a:lstStyle/>
           <a:p>
-            <a:endParaRPr lang="en-KE" dirty="0"/>
-          </a:p>
-        </p:txBody>
-      </p:sp>
-      <p:sp>
-        <p:nvSpPr>
-          <p:cNvPr id="4" name="Footer Placeholder 3">
-            <a:extLst>
-              <a:ext uri="{FF2B5EF4-FFF2-40B4-BE49-F238E27FC236}">
-                <a16:creationId xmlns:a16="http://schemas.microsoft.com/office/drawing/2014/main" id="{C05E56EA-A629-6985-3922-2F4F36F31B66}"/>
-              </a:ext>
-            </a:extLst>
-          </p:cNvPr>
+            <a:endParaRPr lang="en-US" dirty="0"/>
+          </a:p>
+        </p:txBody>
+      </p:sp>
+      <p:sp>
+        <p:nvSpPr>
+          <p:cNvPr id="4" name="Footer Placeholder 3"/>
           <p:cNvSpPr>
             <a:spLocks noGrp="1"/>
           </p:cNvSpPr>
@@ -8528,19 +8221,13 @@
               <a:rPr lang="en-GB"/>
               <a:t>GROUP ONE  PHASE TWO PROJECT</a:t>
             </a:r>
-            <a:endParaRPr lang="en-KE"/>
-          </a:p>
-        </p:txBody>
-      </p:sp>
-      <p:sp>
-        <p:nvSpPr>
-          <p:cNvPr id="6" name="Slide Number Placeholder 5">
-            <a:extLst>
-              <a:ext uri="{FF2B5EF4-FFF2-40B4-BE49-F238E27FC236}">
-                <a16:creationId xmlns:a16="http://schemas.microsoft.com/office/drawing/2014/main" id="{76BAA4E9-9813-3F43-FDAE-B6C545311906}"/>
-              </a:ext>
-            </a:extLst>
-          </p:cNvPr>
+            <a:endParaRPr lang="en-US"/>
+          </a:p>
+        </p:txBody>
+      </p:sp>
+      <p:sp>
+        <p:nvSpPr>
+          <p:cNvPr id="6" name="Slide Number Placeholder 5"/>
           <p:cNvSpPr>
             <a:spLocks noGrp="1"/>
           </p:cNvSpPr>
@@ -8554,29 +8241,22 @@
           <a:lstStyle/>
           <a:p>
             <a:fld id="{C4C7283F-616F-4503-ABBD-21FFB2848302}" type="slidenum">
-              <a:rPr lang="en-KE" smtClean="0"/>
-              <a:t>15</a:t>
+              <a:rPr lang="en-US" smtClean="0"/>
             </a:fld>
-            <a:endParaRPr lang="en-KE"/>
+            <a:endParaRPr lang="en-US"/>
           </a:p>
         </p:txBody>
       </p:sp>
       <p:pic>
         <p:nvPicPr>
-          <p:cNvPr id="5" name="Picture 4">
-            <a:extLst>
-              <a:ext uri="{FF2B5EF4-FFF2-40B4-BE49-F238E27FC236}">
-                <a16:creationId xmlns:a16="http://schemas.microsoft.com/office/drawing/2014/main" id="{8A4F9548-F908-4F82-A9D9-81CEE1098485}"/>
-              </a:ext>
-            </a:extLst>
-          </p:cNvPr>
+          <p:cNvPr id="5" name="Picture 4"/>
           <p:cNvPicPr>
             <a:picLocks noChangeAspect="1"/>
           </p:cNvPicPr>
           <p:nvPr/>
         </p:nvPicPr>
         <p:blipFill>
-          <a:blip r:embed="rId3"/>
+          <a:blip r:embed="rId1"/>
           <a:stretch>
             <a:fillRect/>
           </a:stretch>
@@ -8592,11 +8272,6 @@
         </p:spPr>
       </p:pic>
     </p:spTree>
-    <p:extLst>
-      <p:ext uri="{BB962C8B-B14F-4D97-AF65-F5344CB8AC3E}">
-        <p14:creationId xmlns:p14="http://schemas.microsoft.com/office/powerpoint/2010/main" val="351810246"/>
-      </p:ext>
-    </p:extLst>
   </p:cSld>
   <p:clrMapOvr>
     <a:masterClrMapping/>
@@ -8623,13 +8298,7 @@
       </p:grpSpPr>
       <p:sp>
         <p:nvSpPr>
-          <p:cNvPr id="2" name="Title 1">
-            <a:extLst>
-              <a:ext uri="{FF2B5EF4-FFF2-40B4-BE49-F238E27FC236}">
-                <a16:creationId xmlns:a16="http://schemas.microsoft.com/office/drawing/2014/main" id="{983F7411-3924-FFA8-09D2-2379499EE032}"/>
-              </a:ext>
-            </a:extLst>
-          </p:cNvPr>
+          <p:cNvPr id="2" name="Title 1"/>
           <p:cNvSpPr>
             <a:spLocks noGrp="1"/>
           </p:cNvSpPr>
@@ -8646,19 +8315,13 @@
               <a:rPr lang="en-US" dirty="0"/>
               <a:t>VISUAL</a:t>
             </a:r>
-            <a:endParaRPr lang="en-KE" dirty="0"/>
-          </a:p>
-        </p:txBody>
-      </p:sp>
-      <p:sp>
-        <p:nvSpPr>
-          <p:cNvPr id="3" name="Subtitle 2">
-            <a:extLst>
-              <a:ext uri="{FF2B5EF4-FFF2-40B4-BE49-F238E27FC236}">
-                <a16:creationId xmlns:a16="http://schemas.microsoft.com/office/drawing/2014/main" id="{D8A8D56A-F9FB-C69E-5B3B-8D9725C489E6}"/>
-              </a:ext>
-            </a:extLst>
-          </p:cNvPr>
+            <a:endParaRPr lang="en-US" dirty="0"/>
+          </a:p>
+        </p:txBody>
+      </p:sp>
+      <p:sp>
+        <p:nvSpPr>
+          <p:cNvPr id="3" name="Subtitle 2"/>
           <p:cNvSpPr>
             <a:spLocks noGrp="1"/>
           </p:cNvSpPr>
@@ -8671,19 +8334,13 @@
           <a:bodyPr/>
           <a:lstStyle/>
           <a:p>
-            <a:endParaRPr lang="en-KE" dirty="0"/>
-          </a:p>
-        </p:txBody>
-      </p:sp>
-      <p:sp>
-        <p:nvSpPr>
-          <p:cNvPr id="4" name="Footer Placeholder 3">
-            <a:extLst>
-              <a:ext uri="{FF2B5EF4-FFF2-40B4-BE49-F238E27FC236}">
-                <a16:creationId xmlns:a16="http://schemas.microsoft.com/office/drawing/2014/main" id="{E357B6F4-11C8-CB68-A283-BEADDD798B01}"/>
-              </a:ext>
-            </a:extLst>
-          </p:cNvPr>
+            <a:endParaRPr lang="en-US" dirty="0"/>
+          </a:p>
+        </p:txBody>
+      </p:sp>
+      <p:sp>
+        <p:nvSpPr>
+          <p:cNvPr id="4" name="Footer Placeholder 3"/>
           <p:cNvSpPr>
             <a:spLocks noGrp="1"/>
           </p:cNvSpPr>
@@ -8700,19 +8357,13 @@
               <a:rPr lang="en-GB"/>
               <a:t>GROUP ONE  PHASE TWO PROJECT</a:t>
             </a:r>
-            <a:endParaRPr lang="en-KE"/>
-          </a:p>
-        </p:txBody>
-      </p:sp>
-      <p:sp>
-        <p:nvSpPr>
-          <p:cNvPr id="6" name="Slide Number Placeholder 5">
-            <a:extLst>
-              <a:ext uri="{FF2B5EF4-FFF2-40B4-BE49-F238E27FC236}">
-                <a16:creationId xmlns:a16="http://schemas.microsoft.com/office/drawing/2014/main" id="{E422EAC4-F017-671E-5F45-626DFB5B3DCC}"/>
-              </a:ext>
-            </a:extLst>
-          </p:cNvPr>
+            <a:endParaRPr lang="en-US"/>
+          </a:p>
+        </p:txBody>
+      </p:sp>
+      <p:sp>
+        <p:nvSpPr>
+          <p:cNvPr id="6" name="Slide Number Placeholder 5"/>
           <p:cNvSpPr>
             <a:spLocks noGrp="1"/>
           </p:cNvSpPr>
@@ -8726,29 +8377,22 @@
           <a:lstStyle/>
           <a:p>
             <a:fld id="{C4C7283F-616F-4503-ABBD-21FFB2848302}" type="slidenum">
-              <a:rPr lang="en-KE" smtClean="0"/>
-              <a:t>16</a:t>
+              <a:rPr lang="en-US" smtClean="0"/>
             </a:fld>
-            <a:endParaRPr lang="en-KE"/>
+            <a:endParaRPr lang="en-US"/>
           </a:p>
         </p:txBody>
       </p:sp>
       <p:pic>
         <p:nvPicPr>
-          <p:cNvPr id="5" name="Picture 4">
-            <a:extLst>
-              <a:ext uri="{FF2B5EF4-FFF2-40B4-BE49-F238E27FC236}">
-                <a16:creationId xmlns:a16="http://schemas.microsoft.com/office/drawing/2014/main" id="{186E3D8D-692F-6F65-9DB7-2857482CB439}"/>
-              </a:ext>
-            </a:extLst>
-          </p:cNvPr>
+          <p:cNvPr id="5" name="Picture 4"/>
           <p:cNvPicPr>
             <a:picLocks noChangeAspect="1"/>
           </p:cNvPicPr>
           <p:nvPr/>
         </p:nvPicPr>
         <p:blipFill>
-          <a:blip r:embed="rId3"/>
+          <a:blip r:embed="rId1"/>
           <a:stretch>
             <a:fillRect/>
           </a:stretch>
@@ -8764,11 +8408,6 @@
         </p:spPr>
       </p:pic>
     </p:spTree>
-    <p:extLst>
-      <p:ext uri="{BB962C8B-B14F-4D97-AF65-F5344CB8AC3E}">
-        <p14:creationId xmlns:p14="http://schemas.microsoft.com/office/powerpoint/2010/main" val="1810628925"/>
-      </p:ext>
-    </p:extLst>
   </p:cSld>
   <p:clrMapOvr>
     <a:masterClrMapping/>
@@ -8795,13 +8434,7 @@
       </p:grpSpPr>
       <p:sp>
         <p:nvSpPr>
-          <p:cNvPr id="2" name="Title 1">
-            <a:extLst>
-              <a:ext uri="{FF2B5EF4-FFF2-40B4-BE49-F238E27FC236}">
-                <a16:creationId xmlns:a16="http://schemas.microsoft.com/office/drawing/2014/main" id="{9F3DFA03-A67D-DA85-3969-620BEECC9A9E}"/>
-              </a:ext>
-            </a:extLst>
-          </p:cNvPr>
+          <p:cNvPr id="2" name="Title 1"/>
           <p:cNvSpPr>
             <a:spLocks noGrp="1"/>
           </p:cNvSpPr>
@@ -8818,19 +8451,13 @@
               <a:rPr lang="en-GB" dirty="0"/>
               <a:t>visual</a:t>
             </a:r>
-            <a:endParaRPr lang="en-KE" dirty="0"/>
-          </a:p>
-        </p:txBody>
-      </p:sp>
-      <p:sp>
-        <p:nvSpPr>
-          <p:cNvPr id="3" name="Subtitle 2">
-            <a:extLst>
-              <a:ext uri="{FF2B5EF4-FFF2-40B4-BE49-F238E27FC236}">
-                <a16:creationId xmlns:a16="http://schemas.microsoft.com/office/drawing/2014/main" id="{7D9455CB-C196-6F70-4E6F-2DF8A81A5D64}"/>
-              </a:ext>
-            </a:extLst>
-          </p:cNvPr>
+            <a:endParaRPr lang="en-US" dirty="0"/>
+          </a:p>
+        </p:txBody>
+      </p:sp>
+      <p:sp>
+        <p:nvSpPr>
+          <p:cNvPr id="3" name="Subtitle 2"/>
           <p:cNvSpPr>
             <a:spLocks noGrp="1"/>
           </p:cNvSpPr>
@@ -8843,19 +8470,13 @@
           <a:bodyPr/>
           <a:lstStyle/>
           <a:p>
-            <a:endParaRPr lang="en-KE" dirty="0"/>
-          </a:p>
-        </p:txBody>
-      </p:sp>
-      <p:sp>
-        <p:nvSpPr>
-          <p:cNvPr id="4" name="Footer Placeholder 3">
-            <a:extLst>
-              <a:ext uri="{FF2B5EF4-FFF2-40B4-BE49-F238E27FC236}">
-                <a16:creationId xmlns:a16="http://schemas.microsoft.com/office/drawing/2014/main" id="{E7F850FB-D40F-6B1F-433B-314D5800AB0A}"/>
-              </a:ext>
-            </a:extLst>
-          </p:cNvPr>
+            <a:endParaRPr lang="en-US" dirty="0"/>
+          </a:p>
+        </p:txBody>
+      </p:sp>
+      <p:sp>
+        <p:nvSpPr>
+          <p:cNvPr id="4" name="Footer Placeholder 3"/>
           <p:cNvSpPr>
             <a:spLocks noGrp="1"/>
           </p:cNvSpPr>
@@ -8872,19 +8493,13 @@
               <a:rPr lang="en-GB"/>
               <a:t>GROUP ONE  PHASE TWO PROJECT</a:t>
             </a:r>
-            <a:endParaRPr lang="en-KE"/>
-          </a:p>
-        </p:txBody>
-      </p:sp>
-      <p:sp>
-        <p:nvSpPr>
-          <p:cNvPr id="6" name="Slide Number Placeholder 5">
-            <a:extLst>
-              <a:ext uri="{FF2B5EF4-FFF2-40B4-BE49-F238E27FC236}">
-                <a16:creationId xmlns:a16="http://schemas.microsoft.com/office/drawing/2014/main" id="{8F74795D-FDD5-C13A-FBA1-AC8C0515032B}"/>
-              </a:ext>
-            </a:extLst>
-          </p:cNvPr>
+            <a:endParaRPr lang="en-US"/>
+          </a:p>
+        </p:txBody>
+      </p:sp>
+      <p:sp>
+        <p:nvSpPr>
+          <p:cNvPr id="6" name="Slide Number Placeholder 5"/>
           <p:cNvSpPr>
             <a:spLocks noGrp="1"/>
           </p:cNvSpPr>
@@ -8898,29 +8513,22 @@
           <a:lstStyle/>
           <a:p>
             <a:fld id="{C4C7283F-616F-4503-ABBD-21FFB2848302}" type="slidenum">
-              <a:rPr lang="en-KE" smtClean="0"/>
-              <a:t>17</a:t>
+              <a:rPr lang="en-US" smtClean="0"/>
             </a:fld>
-            <a:endParaRPr lang="en-KE"/>
+            <a:endParaRPr lang="en-US"/>
           </a:p>
         </p:txBody>
       </p:sp>
       <p:pic>
         <p:nvPicPr>
-          <p:cNvPr id="5" name="Picture 4">
-            <a:extLst>
-              <a:ext uri="{FF2B5EF4-FFF2-40B4-BE49-F238E27FC236}">
-                <a16:creationId xmlns:a16="http://schemas.microsoft.com/office/drawing/2014/main" id="{D52BAE51-602C-876B-3087-D7237A3D4062}"/>
-              </a:ext>
-            </a:extLst>
-          </p:cNvPr>
+          <p:cNvPr id="5" name="Picture 4"/>
           <p:cNvPicPr>
             <a:picLocks noChangeAspect="1"/>
           </p:cNvPicPr>
           <p:nvPr/>
         </p:nvPicPr>
         <p:blipFill>
-          <a:blip r:embed="rId3"/>
+          <a:blip r:embed="rId1"/>
           <a:stretch>
             <a:fillRect/>
           </a:stretch>
@@ -8936,11 +8544,6 @@
         </p:spPr>
       </p:pic>
     </p:spTree>
-    <p:extLst>
-      <p:ext uri="{BB962C8B-B14F-4D97-AF65-F5344CB8AC3E}">
-        <p14:creationId xmlns:p14="http://schemas.microsoft.com/office/powerpoint/2010/main" val="84837856"/>
-      </p:ext>
-    </p:extLst>
   </p:cSld>
   <p:clrMapOvr>
     <a:masterClrMapping/>
@@ -8967,13 +8570,7 @@
       </p:grpSpPr>
       <p:sp>
         <p:nvSpPr>
-          <p:cNvPr id="2" name="Title 1">
-            <a:extLst>
-              <a:ext uri="{FF2B5EF4-FFF2-40B4-BE49-F238E27FC236}">
-                <a16:creationId xmlns:a16="http://schemas.microsoft.com/office/drawing/2014/main" id="{CD76887E-DB38-95EB-8C73-0C4BB5C593DA}"/>
-              </a:ext>
-            </a:extLst>
-          </p:cNvPr>
+          <p:cNvPr id="2" name="Title 1"/>
           <p:cNvSpPr>
             <a:spLocks noGrp="1"/>
           </p:cNvSpPr>
@@ -8990,19 +8587,13 @@
               <a:rPr lang="en-US" b="1" i="1" u="sng" dirty="0"/>
               <a:t>VISUAL ONE</a:t>
             </a:r>
-            <a:endParaRPr lang="en-KE" dirty="0"/>
-          </a:p>
-        </p:txBody>
-      </p:sp>
-      <p:sp>
-        <p:nvSpPr>
-          <p:cNvPr id="3" name="Subtitle 2">
-            <a:extLst>
-              <a:ext uri="{FF2B5EF4-FFF2-40B4-BE49-F238E27FC236}">
-                <a16:creationId xmlns:a16="http://schemas.microsoft.com/office/drawing/2014/main" id="{0F350269-01F1-E093-5743-802D21407557}"/>
-              </a:ext>
-            </a:extLst>
-          </p:cNvPr>
+            <a:endParaRPr lang="en-US" dirty="0"/>
+          </a:p>
+        </p:txBody>
+      </p:sp>
+      <p:sp>
+        <p:nvSpPr>
+          <p:cNvPr id="3" name="Subtitle 2"/>
           <p:cNvSpPr>
             <a:spLocks noGrp="1"/>
           </p:cNvSpPr>
@@ -9015,19 +8606,13 @@
           <a:bodyPr/>
           <a:lstStyle/>
           <a:p>
-            <a:endParaRPr lang="en-KE" dirty="0"/>
-          </a:p>
-        </p:txBody>
-      </p:sp>
-      <p:sp>
-        <p:nvSpPr>
-          <p:cNvPr id="4" name="Footer Placeholder 3">
-            <a:extLst>
-              <a:ext uri="{FF2B5EF4-FFF2-40B4-BE49-F238E27FC236}">
-                <a16:creationId xmlns:a16="http://schemas.microsoft.com/office/drawing/2014/main" id="{26FA6B4E-845E-32B1-ABF8-2A092FEB75ED}"/>
-              </a:ext>
-            </a:extLst>
-          </p:cNvPr>
+            <a:endParaRPr lang="en-US" dirty="0"/>
+          </a:p>
+        </p:txBody>
+      </p:sp>
+      <p:sp>
+        <p:nvSpPr>
+          <p:cNvPr id="4" name="Footer Placeholder 3"/>
           <p:cNvSpPr>
             <a:spLocks noGrp="1"/>
           </p:cNvSpPr>
@@ -9044,19 +8629,13 @@
               <a:rPr lang="en-GB"/>
               <a:t>GROUP ONE  PHASE TWO PROJECT</a:t>
             </a:r>
-            <a:endParaRPr lang="en-KE"/>
-          </a:p>
-        </p:txBody>
-      </p:sp>
-      <p:sp>
-        <p:nvSpPr>
-          <p:cNvPr id="6" name="Slide Number Placeholder 5">
-            <a:extLst>
-              <a:ext uri="{FF2B5EF4-FFF2-40B4-BE49-F238E27FC236}">
-                <a16:creationId xmlns:a16="http://schemas.microsoft.com/office/drawing/2014/main" id="{99D0B4C9-4DDF-1247-1F72-3AE58EA89548}"/>
-              </a:ext>
-            </a:extLst>
-          </p:cNvPr>
+            <a:endParaRPr lang="en-US"/>
+          </a:p>
+        </p:txBody>
+      </p:sp>
+      <p:sp>
+        <p:nvSpPr>
+          <p:cNvPr id="6" name="Slide Number Placeholder 5"/>
           <p:cNvSpPr>
             <a:spLocks noGrp="1"/>
           </p:cNvSpPr>
@@ -9070,29 +8649,22 @@
           <a:lstStyle/>
           <a:p>
             <a:fld id="{C4C7283F-616F-4503-ABBD-21FFB2848302}" type="slidenum">
-              <a:rPr lang="en-KE" smtClean="0"/>
-              <a:t>18</a:t>
+              <a:rPr lang="en-US" smtClean="0"/>
             </a:fld>
-            <a:endParaRPr lang="en-KE"/>
+            <a:endParaRPr lang="en-US"/>
           </a:p>
         </p:txBody>
       </p:sp>
       <p:pic>
         <p:nvPicPr>
-          <p:cNvPr id="5" name="Picture 4">
-            <a:extLst>
-              <a:ext uri="{FF2B5EF4-FFF2-40B4-BE49-F238E27FC236}">
-                <a16:creationId xmlns:a16="http://schemas.microsoft.com/office/drawing/2014/main" id="{864AAB14-B70C-C406-705D-4A2BA6CA0BCA}"/>
-              </a:ext>
-            </a:extLst>
-          </p:cNvPr>
+          <p:cNvPr id="5" name="Picture 4"/>
           <p:cNvPicPr>
             <a:picLocks noChangeAspect="1"/>
           </p:cNvPicPr>
           <p:nvPr/>
         </p:nvPicPr>
         <p:blipFill>
-          <a:blip r:embed="rId3"/>
+          <a:blip r:embed="rId1"/>
           <a:stretch>
             <a:fillRect/>
           </a:stretch>
@@ -9108,11 +8680,6 @@
         </p:spPr>
       </p:pic>
     </p:spTree>
-    <p:extLst>
-      <p:ext uri="{BB962C8B-B14F-4D97-AF65-F5344CB8AC3E}">
-        <p14:creationId xmlns:p14="http://schemas.microsoft.com/office/powerpoint/2010/main" val="2462937933"/>
-      </p:ext>
-    </p:extLst>
   </p:cSld>
   <p:clrMapOvr>
     <a:masterClrMapping/>
@@ -9139,13 +8706,7 @@
       </p:grpSpPr>
       <p:sp>
         <p:nvSpPr>
-          <p:cNvPr id="2" name="Title 1">
-            <a:extLst>
-              <a:ext uri="{FF2B5EF4-FFF2-40B4-BE49-F238E27FC236}">
-                <a16:creationId xmlns:a16="http://schemas.microsoft.com/office/drawing/2014/main" id="{2D364E1F-A2B8-36BD-E0AC-8B79464B7323}"/>
-              </a:ext>
-            </a:extLst>
-          </p:cNvPr>
+          <p:cNvPr id="2" name="Title 1"/>
           <p:cNvSpPr>
             <a:spLocks noGrp="1"/>
           </p:cNvSpPr>
@@ -9162,19 +8723,13 @@
               <a:rPr lang="en-US" dirty="0"/>
               <a:t>RESULTS/FINDINGS</a:t>
             </a:r>
-            <a:endParaRPr lang="en-KE" dirty="0"/>
-          </a:p>
-        </p:txBody>
-      </p:sp>
-      <p:sp>
-        <p:nvSpPr>
-          <p:cNvPr id="3" name="Content Placeholder 2">
-            <a:extLst>
-              <a:ext uri="{FF2B5EF4-FFF2-40B4-BE49-F238E27FC236}">
-                <a16:creationId xmlns:a16="http://schemas.microsoft.com/office/drawing/2014/main" id="{3D38FCBB-7F29-D3A2-EFE7-81DA543C1216}"/>
-              </a:ext>
-            </a:extLst>
-          </p:cNvPr>
+            <a:endParaRPr lang="en-US" dirty="0"/>
+          </a:p>
+        </p:txBody>
+      </p:sp>
+      <p:sp>
+        <p:nvSpPr>
+          <p:cNvPr id="3" name="Content Placeholder 2"/>
           <p:cNvSpPr>
             <a:spLocks noGrp="1"/>
           </p:cNvSpPr>
@@ -9191,76 +8746,77 @@
           <a:p>
             <a:pPr lvl="0"/>
             <a:r>
-              <a:rPr lang="en-KE" dirty="0"/>
+              <a:rPr lang="en-US" dirty="0"/>
               <a:t>ROI Leaders: Action and Adventure genres lead in return on investment (ROI), making them highly profitable.</a:t>
             </a:r>
+            <a:endParaRPr lang="en-US" dirty="0"/>
           </a:p>
           <a:p>
             <a:pPr lvl="0"/>
             <a:r>
-              <a:rPr lang="en-KE" dirty="0"/>
+              <a:rPr lang="en-US" dirty="0"/>
               <a:t>Budget Allocation: Production budgets are highest for Comedy and Drama, reflecting their revenue potential.</a:t>
             </a:r>
+            <a:endParaRPr lang="en-US" dirty="0"/>
           </a:p>
           <a:p>
             <a:pPr lvl="0"/>
             <a:r>
-              <a:rPr lang="en-KE" dirty="0"/>
+              <a:rPr lang="en-US" dirty="0"/>
               <a:t>Studio Performance: Universal Pictures has the highest average ratings, showcasing its strong audience appeal.</a:t>
             </a:r>
+            <a:endParaRPr lang="en-US" dirty="0"/>
           </a:p>
           <a:p>
             <a:pPr lvl="0"/>
             <a:r>
-              <a:rPr lang="en-KE" dirty="0"/>
+              <a:rPr lang="en-US" dirty="0"/>
               <a:t>Release Timing: Average ratings peaked in recent years, suggesting growing audience satisfaction with newer movies. ROI Leaders: Action and Adventure genres lead in return on investment (ROI), making them highly profitable.</a:t>
             </a:r>
+            <a:endParaRPr lang="en-US" dirty="0"/>
           </a:p>
           <a:p>
             <a:pPr lvl="0"/>
             <a:r>
-              <a:rPr lang="en-KE" dirty="0"/>
+              <a:rPr lang="en-US" dirty="0"/>
               <a:t>Budget Allocation: Production budgets are highest for Comedy and Drama, reflecting their revenue potential.</a:t>
             </a:r>
+            <a:endParaRPr lang="en-US" dirty="0"/>
           </a:p>
           <a:p>
             <a:pPr lvl="0"/>
             <a:r>
-              <a:rPr lang="en-KE" dirty="0"/>
+              <a:rPr lang="en-US" dirty="0"/>
               <a:t>Studio Performance: Universal Pictures has the highest average ratings, showcasing its strong audience appeal.</a:t>
             </a:r>
+            <a:endParaRPr lang="en-US" dirty="0"/>
           </a:p>
           <a:p>
             <a:pPr lvl="0"/>
             <a:r>
-              <a:rPr lang="en-KE" dirty="0"/>
+              <a:rPr lang="en-US" dirty="0"/>
               <a:t>Release Timing: Average ratings peaked in recent years, suggesting growing audience satisfaction with newer movies.</a:t>
             </a:r>
-          </a:p>
-          <a:p>
-            <a:endParaRPr lang="en-KE" dirty="0"/>
+            <a:endParaRPr lang="en-US" dirty="0"/>
+          </a:p>
+          <a:p>
+            <a:endParaRPr lang="en-US" dirty="0"/>
           </a:p>
           <a:p>
             <a:pPr lvl="0"/>
-            <a:endParaRPr lang="en-KE" dirty="0"/>
-          </a:p>
-          <a:p>
-            <a:endParaRPr lang="en-KE" dirty="0"/>
-          </a:p>
-          <a:p>
-            <a:endParaRPr lang="en-KE" dirty="0"/>
-          </a:p>
-        </p:txBody>
-      </p:sp>
-      <p:sp>
-        <p:nvSpPr>
-          <p:cNvPr id="4" name="Footer Placeholder 3">
-            <a:extLst>
-              <a:ext uri="{FF2B5EF4-FFF2-40B4-BE49-F238E27FC236}">
-                <a16:creationId xmlns:a16="http://schemas.microsoft.com/office/drawing/2014/main" id="{ABACB4D2-70BB-1C39-33E4-AA839D431EFA}"/>
-              </a:ext>
-            </a:extLst>
-          </p:cNvPr>
+            <a:endParaRPr lang="en-US" dirty="0"/>
+          </a:p>
+          <a:p>
+            <a:endParaRPr lang="en-US" dirty="0"/>
+          </a:p>
+          <a:p>
+            <a:endParaRPr lang="en-US" dirty="0"/>
+          </a:p>
+        </p:txBody>
+      </p:sp>
+      <p:sp>
+        <p:nvSpPr>
+          <p:cNvPr id="4" name="Footer Placeholder 3"/>
           <p:cNvSpPr>
             <a:spLocks noGrp="1"/>
           </p:cNvSpPr>
@@ -9277,19 +8833,13 @@
               <a:rPr lang="en-GB"/>
               <a:t>GROUP ONE  PHASE TWO PROJECT</a:t>
             </a:r>
-            <a:endParaRPr lang="en-KE"/>
-          </a:p>
-        </p:txBody>
-      </p:sp>
-      <p:sp>
-        <p:nvSpPr>
-          <p:cNvPr id="5" name="Slide Number Placeholder 4">
-            <a:extLst>
-              <a:ext uri="{FF2B5EF4-FFF2-40B4-BE49-F238E27FC236}">
-                <a16:creationId xmlns:a16="http://schemas.microsoft.com/office/drawing/2014/main" id="{E7AE76FA-5FE1-B39C-EFDC-5A26DF33BEDD}"/>
-              </a:ext>
-            </a:extLst>
-          </p:cNvPr>
+            <a:endParaRPr lang="en-US"/>
+          </a:p>
+        </p:txBody>
+      </p:sp>
+      <p:sp>
+        <p:nvSpPr>
+          <p:cNvPr id="5" name="Slide Number Placeholder 4"/>
           <p:cNvSpPr>
             <a:spLocks noGrp="1"/>
           </p:cNvSpPr>
@@ -9303,19 +8853,13 @@
           <a:lstStyle/>
           <a:p>
             <a:fld id="{C4C7283F-616F-4503-ABBD-21FFB2848302}" type="slidenum">
-              <a:rPr lang="en-KE" smtClean="0"/>
-              <a:t>19</a:t>
+              <a:rPr lang="en-US" smtClean="0"/>
             </a:fld>
-            <a:endParaRPr lang="en-KE"/>
+            <a:endParaRPr lang="en-US"/>
           </a:p>
         </p:txBody>
       </p:sp>
     </p:spTree>
-    <p:extLst>
-      <p:ext uri="{BB962C8B-B14F-4D97-AF65-F5344CB8AC3E}">
-        <p14:creationId xmlns:p14="http://schemas.microsoft.com/office/powerpoint/2010/main" val="1167959874"/>
-      </p:ext>
-    </p:extLst>
   </p:cSld>
   <p:clrMapOvr>
     <a:masterClrMapping/>
@@ -9342,13 +8886,7 @@
       </p:grpSpPr>
       <p:sp>
         <p:nvSpPr>
-          <p:cNvPr id="2" name="Title 1">
-            <a:extLst>
-              <a:ext uri="{FF2B5EF4-FFF2-40B4-BE49-F238E27FC236}">
-                <a16:creationId xmlns:a16="http://schemas.microsoft.com/office/drawing/2014/main" id="{BAED23E6-85F3-CCC8-D2AB-6D7A7C176C05}"/>
-              </a:ext>
-            </a:extLst>
-          </p:cNvPr>
+          <p:cNvPr id="2" name="Title 1"/>
           <p:cNvSpPr>
             <a:spLocks noGrp="1"/>
           </p:cNvSpPr>
@@ -9367,19 +8905,13 @@
               <a:rPr lang="en-US" b="1" dirty="0"/>
               <a:t>OVERVIEW/OUTLINE OF THE PROJECT</a:t>
             </a:r>
-            <a:endParaRPr lang="en-KE" b="1" dirty="0"/>
-          </a:p>
-        </p:txBody>
-      </p:sp>
-      <p:sp>
-        <p:nvSpPr>
-          <p:cNvPr id="3" name="Subtitle 2">
-            <a:extLst>
-              <a:ext uri="{FF2B5EF4-FFF2-40B4-BE49-F238E27FC236}">
-                <a16:creationId xmlns:a16="http://schemas.microsoft.com/office/drawing/2014/main" id="{D701507A-A69B-268E-D2A8-7CB394681377}"/>
-              </a:ext>
-            </a:extLst>
-          </p:cNvPr>
+            <a:endParaRPr lang="en-US" b="1" dirty="0"/>
+          </a:p>
+        </p:txBody>
+      </p:sp>
+      <p:sp>
+        <p:nvSpPr>
+          <p:cNvPr id="3" name="Subtitle 2"/>
           <p:cNvSpPr>
             <a:spLocks noGrp="1"/>
           </p:cNvSpPr>
@@ -9402,6 +8934,7 @@
               <a:rPr lang="en-US" dirty="0"/>
               <a:t>In this project I seek to solve a business stakeholder problem who has been in aviation business but wants to expand it.</a:t>
             </a:r>
+            <a:endParaRPr lang="en-US" dirty="0"/>
           </a:p>
           <a:p>
             <a:pPr>
@@ -9412,6 +8945,7 @@
               <a:rPr lang="en-US" dirty="0"/>
               <a:t>The main task is to help the head of aviation department on choice of aircraft to buy.</a:t>
             </a:r>
+            <a:endParaRPr lang="en-US" dirty="0"/>
           </a:p>
           <a:p>
             <a:pPr>
@@ -9422,6 +8956,7 @@
               <a:rPr lang="en-US" dirty="0"/>
               <a:t>The aircraft should be safe and less risky to the company as well as well as its customers.</a:t>
             </a:r>
+            <a:endParaRPr lang="en-US" dirty="0"/>
           </a:p>
           <a:p>
             <a:pPr>
@@ -9435,22 +8970,16 @@
               <a:buFont typeface="Wingdings" panose="05000000000000000000" pitchFamily="2" charset="2"/>
               <a:buChar char="v"/>
             </a:pPr>
-            <a:endParaRPr lang="en-KE" dirty="0"/>
-          </a:p>
-          <a:p>
-            <a:endParaRPr lang="en-KE" dirty="0"/>
-          </a:p>
-        </p:txBody>
-      </p:sp>
-      <p:sp>
-        <p:nvSpPr>
-          <p:cNvPr id="4" name="Footer Placeholder 3">
-            <a:extLst>
-              <a:ext uri="{FF2B5EF4-FFF2-40B4-BE49-F238E27FC236}">
-                <a16:creationId xmlns:a16="http://schemas.microsoft.com/office/drawing/2014/main" id="{BBA6D555-175F-38C0-9A37-EEE0C6EC0BDA}"/>
-              </a:ext>
-            </a:extLst>
-          </p:cNvPr>
+            <a:endParaRPr lang="en-US" dirty="0"/>
+          </a:p>
+          <a:p>
+            <a:endParaRPr lang="en-US" dirty="0"/>
+          </a:p>
+        </p:txBody>
+      </p:sp>
+      <p:sp>
+        <p:nvSpPr>
+          <p:cNvPr id="4" name="Footer Placeholder 3"/>
           <p:cNvSpPr>
             <a:spLocks noGrp="1"/>
           </p:cNvSpPr>
@@ -9467,19 +8996,13 @@
               <a:rPr lang="en-GB"/>
               <a:t>GROUP ONE  PHASE TWO PROJECT</a:t>
             </a:r>
-            <a:endParaRPr lang="en-KE"/>
-          </a:p>
-        </p:txBody>
-      </p:sp>
-      <p:sp>
-        <p:nvSpPr>
-          <p:cNvPr id="5" name="Slide Number Placeholder 4">
-            <a:extLst>
-              <a:ext uri="{FF2B5EF4-FFF2-40B4-BE49-F238E27FC236}">
-                <a16:creationId xmlns:a16="http://schemas.microsoft.com/office/drawing/2014/main" id="{C2719187-5229-FB9D-80CD-4575354B87EB}"/>
-              </a:ext>
-            </a:extLst>
-          </p:cNvPr>
+            <a:endParaRPr lang="en-US"/>
+          </a:p>
+        </p:txBody>
+      </p:sp>
+      <p:sp>
+        <p:nvSpPr>
+          <p:cNvPr id="5" name="Slide Number Placeholder 4"/>
           <p:cNvSpPr>
             <a:spLocks noGrp="1"/>
           </p:cNvSpPr>
@@ -9493,19 +9016,13 @@
           <a:lstStyle/>
           <a:p>
             <a:fld id="{C4C7283F-616F-4503-ABBD-21FFB2848302}" type="slidenum">
-              <a:rPr lang="en-KE" smtClean="0"/>
-              <a:t>2</a:t>
+              <a:rPr lang="en-US" smtClean="0"/>
             </a:fld>
-            <a:endParaRPr lang="en-KE"/>
+            <a:endParaRPr lang="en-US"/>
           </a:p>
         </p:txBody>
       </p:sp>
     </p:spTree>
-    <p:extLst>
-      <p:ext uri="{BB962C8B-B14F-4D97-AF65-F5344CB8AC3E}">
-        <p14:creationId xmlns:p14="http://schemas.microsoft.com/office/powerpoint/2010/main" val="2802438004"/>
-      </p:ext>
-    </p:extLst>
   </p:cSld>
   <p:clrMapOvr>
     <a:masterClrMapping/>
@@ -9532,13 +9049,7 @@
       </p:grpSpPr>
       <p:sp>
         <p:nvSpPr>
-          <p:cNvPr id="2" name="Title 1">
-            <a:extLst>
-              <a:ext uri="{FF2B5EF4-FFF2-40B4-BE49-F238E27FC236}">
-                <a16:creationId xmlns:a16="http://schemas.microsoft.com/office/drawing/2014/main" id="{E345FF85-BB3A-52C4-524E-57067192E814}"/>
-              </a:ext>
-            </a:extLst>
-          </p:cNvPr>
+          <p:cNvPr id="2" name="Title 1"/>
           <p:cNvSpPr>
             <a:spLocks noGrp="1"/>
           </p:cNvSpPr>
@@ -9555,19 +9066,13 @@
               <a:rPr lang="en-US" b="1" dirty="0"/>
               <a:t>ACKNOWLEDGEMENT</a:t>
             </a:r>
-            <a:endParaRPr lang="en-KE" dirty="0"/>
-          </a:p>
-        </p:txBody>
-      </p:sp>
-      <p:sp>
-        <p:nvSpPr>
-          <p:cNvPr id="3" name="Content Placeholder 2">
-            <a:extLst>
-              <a:ext uri="{FF2B5EF4-FFF2-40B4-BE49-F238E27FC236}">
-                <a16:creationId xmlns:a16="http://schemas.microsoft.com/office/drawing/2014/main" id="{A2E5F683-8287-E039-C46A-093F10DEB783}"/>
-              </a:ext>
-            </a:extLst>
-          </p:cNvPr>
+            <a:endParaRPr lang="en-US" dirty="0"/>
+          </a:p>
+        </p:txBody>
+      </p:sp>
+      <p:sp>
+        <p:nvSpPr>
+          <p:cNvPr id="3" name="Content Placeholder 2"/>
           <p:cNvSpPr>
             <a:spLocks noGrp="1"/>
           </p:cNvSpPr>
@@ -9584,6 +9089,7 @@
               <a:rPr lang="en-US" dirty="0"/>
               <a:t>We would like to acknowledge all the group one members for working tirelessly to contribute to this project:</a:t>
             </a:r>
+            <a:endParaRPr lang="en-US" dirty="0"/>
           </a:p>
           <a:p>
             <a:r>
@@ -9606,7 +9112,7 @@
               <a:rPr lang="en-US" dirty="0"/>
               <a:t> having shaped our journey of learning  data science. </a:t>
             </a:r>
-            <a:endParaRPr lang="en-KE" dirty="0"/>
+            <a:endParaRPr lang="en-US" dirty="0"/>
           </a:p>
           <a:p>
             <a:r>
@@ -9629,19 +9135,13 @@
               <a:rPr lang="en-US" dirty="0"/>
               <a:t> whenever in need.</a:t>
             </a:r>
-            <a:endParaRPr lang="en-KE" dirty="0"/>
-          </a:p>
-        </p:txBody>
-      </p:sp>
-      <p:sp>
-        <p:nvSpPr>
-          <p:cNvPr id="4" name="Footer Placeholder 3">
-            <a:extLst>
-              <a:ext uri="{FF2B5EF4-FFF2-40B4-BE49-F238E27FC236}">
-                <a16:creationId xmlns:a16="http://schemas.microsoft.com/office/drawing/2014/main" id="{1799BC4C-90D4-FEA4-7063-995FE1B09605}"/>
-              </a:ext>
-            </a:extLst>
-          </p:cNvPr>
+            <a:endParaRPr lang="en-US" dirty="0"/>
+          </a:p>
+        </p:txBody>
+      </p:sp>
+      <p:sp>
+        <p:nvSpPr>
+          <p:cNvPr id="4" name="Footer Placeholder 3"/>
           <p:cNvSpPr>
             <a:spLocks noGrp="1"/>
           </p:cNvSpPr>
@@ -9658,19 +9158,13 @@
               <a:rPr lang="en-GB"/>
               <a:t>GROUP ONE  PHASE TWO PROJECT</a:t>
             </a:r>
-            <a:endParaRPr lang="en-KE"/>
-          </a:p>
-        </p:txBody>
-      </p:sp>
-      <p:sp>
-        <p:nvSpPr>
-          <p:cNvPr id="5" name="Slide Number Placeholder 4">
-            <a:extLst>
-              <a:ext uri="{FF2B5EF4-FFF2-40B4-BE49-F238E27FC236}">
-                <a16:creationId xmlns:a16="http://schemas.microsoft.com/office/drawing/2014/main" id="{7DD27291-FC8B-5547-6A7A-A47482D1CA8A}"/>
-              </a:ext>
-            </a:extLst>
-          </p:cNvPr>
+            <a:endParaRPr lang="en-US"/>
+          </a:p>
+        </p:txBody>
+      </p:sp>
+      <p:sp>
+        <p:nvSpPr>
+          <p:cNvPr id="5" name="Slide Number Placeholder 4"/>
           <p:cNvSpPr>
             <a:spLocks noGrp="1"/>
           </p:cNvSpPr>
@@ -9684,19 +9178,13 @@
           <a:lstStyle/>
           <a:p>
             <a:fld id="{C4C7283F-616F-4503-ABBD-21FFB2848302}" type="slidenum">
-              <a:rPr lang="en-KE" smtClean="0"/>
-              <a:t>20</a:t>
+              <a:rPr lang="en-US" smtClean="0"/>
             </a:fld>
-            <a:endParaRPr lang="en-KE"/>
+            <a:endParaRPr lang="en-US"/>
           </a:p>
         </p:txBody>
       </p:sp>
     </p:spTree>
-    <p:extLst>
-      <p:ext uri="{BB962C8B-B14F-4D97-AF65-F5344CB8AC3E}">
-        <p14:creationId xmlns:p14="http://schemas.microsoft.com/office/powerpoint/2010/main" val="1897556806"/>
-      </p:ext>
-    </p:extLst>
   </p:cSld>
   <p:clrMapOvr>
     <a:masterClrMapping/>
@@ -9723,13 +9211,7 @@
       </p:grpSpPr>
       <p:sp>
         <p:nvSpPr>
-          <p:cNvPr id="2" name="Title 1">
-            <a:extLst>
-              <a:ext uri="{FF2B5EF4-FFF2-40B4-BE49-F238E27FC236}">
-                <a16:creationId xmlns:a16="http://schemas.microsoft.com/office/drawing/2014/main" id="{A85C0A6D-2EDD-6490-8520-B6502A6F5BE2}"/>
-              </a:ext>
-            </a:extLst>
-          </p:cNvPr>
+          <p:cNvPr id="2" name="Title 1"/>
           <p:cNvSpPr>
             <a:spLocks noGrp="1"/>
           </p:cNvSpPr>
@@ -9746,19 +9228,13 @@
               <a:rPr lang="en-US" dirty="0"/>
               <a:t>CONCLUSION</a:t>
             </a:r>
-            <a:endParaRPr lang="en-KE" dirty="0"/>
-          </a:p>
-        </p:txBody>
-      </p:sp>
-      <p:sp>
-        <p:nvSpPr>
-          <p:cNvPr id="3" name="Content Placeholder 2">
-            <a:extLst>
-              <a:ext uri="{FF2B5EF4-FFF2-40B4-BE49-F238E27FC236}">
-                <a16:creationId xmlns:a16="http://schemas.microsoft.com/office/drawing/2014/main" id="{CB134904-4E21-8316-D275-D3A18AD61DC3}"/>
-              </a:ext>
-            </a:extLst>
-          </p:cNvPr>
+            <a:endParaRPr lang="en-US" dirty="0"/>
+          </a:p>
+        </p:txBody>
+      </p:sp>
+      <p:sp>
+        <p:nvSpPr>
+          <p:cNvPr id="3" name="Content Placeholder 2"/>
           <p:cNvSpPr>
             <a:spLocks noGrp="1"/>
           </p:cNvSpPr>
@@ -9769,107 +9245,25 @@
         <p:spPr/>
         <p:txBody>
           <a:bodyPr>
-            <a:normAutofit fontScale="92500" lnSpcReduction="10000"/>
+            <a:normAutofit/>
           </a:bodyPr>
           <a:lstStyle/>
           <a:p>
-            <a:pPr algn="l">
+            <a:pPr marL="0" indent="0" algn="l">
               <a:buFont typeface="+mj-lt"/>
-              <a:buAutoNum type="arabicPeriod"/>
+              <a:buNone/>
             </a:pPr>
             <a:r>
-              <a:rPr lang="en-GB" b="0" i="0" dirty="0">
-                <a:solidFill>
-                  <a:srgbClr val="1F2328"/>
-                </a:solidFill>
-                <a:effectLst/>
-                <a:latin typeface="-apple-system"/>
+              <a:rPr lang="en-US" altLang="en-GB" dirty="0">
+                <a:latin typeface="+mj-lt"/>
+                <a:cs typeface="+mj-lt"/>
               </a:rPr>
-              <a:t>Revenue Drivers: Comedy and Action genres generate the highest total box office revenues, with Comedy grossing over $262 billion and Action and Adventure closely following.</a:t>
-            </a:r>
-          </a:p>
-          <a:p>
-            <a:pPr algn="l">
-              <a:buFont typeface="+mj-lt"/>
-              <a:buAutoNum type="arabicPeriod"/>
-            </a:pPr>
-            <a:r>
-              <a:rPr lang="en-GB" b="0" i="0" dirty="0">
-                <a:solidFill>
-                  <a:srgbClr val="1F2328"/>
-                </a:solidFill>
-                <a:effectLst/>
-                <a:latin typeface="-apple-system"/>
-              </a:rPr>
-              <a:t>Director Influence: Directors like Clint Eastwood and Steven Spielberg consistently produce movies with high average ratings.</a:t>
-            </a:r>
-          </a:p>
-          <a:p>
-            <a:pPr algn="l">
-              <a:buFont typeface="+mj-lt"/>
-              <a:buAutoNum type="arabicPeriod"/>
-            </a:pPr>
-            <a:r>
-              <a:rPr lang="en-GB" b="0" i="0" dirty="0">
-                <a:solidFill>
-                  <a:srgbClr val="1F2328"/>
-                </a:solidFill>
-                <a:effectLst/>
-                <a:latin typeface="-apple-system"/>
-              </a:rPr>
-              <a:t>Writer Impact: Writers like Woody Allen and Jim Jarmusch are associated with above-average ratings. ROI Leaders: Action and Adventure genres lead in return on investment (ROI), making them highly profitable.</a:t>
-            </a:r>
-          </a:p>
-          <a:p>
-            <a:pPr algn="l">
-              <a:buFont typeface="+mj-lt"/>
-              <a:buAutoNum type="arabicPeriod"/>
-            </a:pPr>
-            <a:r>
-              <a:rPr lang="en-GB" b="0" i="0" dirty="0">
-                <a:solidFill>
-                  <a:srgbClr val="1F2328"/>
-                </a:solidFill>
-                <a:effectLst/>
-                <a:latin typeface="-apple-system"/>
-              </a:rPr>
-              <a:t>Budget Allocation: Production budgets are highest for Comedy and Drama, reflecting their revenue potential.</a:t>
-            </a:r>
-          </a:p>
-          <a:p>
-            <a:pPr algn="l">
-              <a:buFont typeface="+mj-lt"/>
-              <a:buAutoNum type="arabicPeriod"/>
-            </a:pPr>
-            <a:r>
-              <a:rPr lang="en-GB" b="0" i="0" dirty="0">
-                <a:solidFill>
-                  <a:srgbClr val="1F2328"/>
-                </a:solidFill>
-                <a:effectLst/>
-                <a:latin typeface="-apple-system"/>
-              </a:rPr>
-              <a:t>Studio Performance: Universal Pictures has the highest average ratings, showcasing its strong audience appeal.</a:t>
-            </a:r>
-          </a:p>
-          <a:p>
-            <a:pPr algn="l">
-              <a:buFont typeface="+mj-lt"/>
-              <a:buAutoNum type="arabicPeriod"/>
-            </a:pPr>
-            <a:r>
-              <a:rPr lang="en-GB" b="0" i="0" dirty="0">
-                <a:solidFill>
-                  <a:srgbClr val="1F2328"/>
-                </a:solidFill>
-                <a:effectLst/>
-                <a:latin typeface="-apple-system"/>
-              </a:rPr>
-              <a:t>Release Timing: Average ratings peaked in recent years, suggesting growing audience satisfaction with newer movies.</a:t>
-            </a:r>
-          </a:p>
-          <a:p>
-            <a:endParaRPr lang="en-KE" dirty="0"/>
+              <a:t>From the analysis, it is clear that the Drama genre enjoys the highest ratings, but its box office success fluctuates over time. While the Adventure, Comedy, and Sci-Fi genres remain the highest-selling genres, this is likely due to their broad appeal and entertainment value. Directors like Clint Eastwood and Jay Roach contribute significantly to the sales, with their strong reputations and professional standards. The ratings analysis also highlights the R rating's popularity, reflecting the tastes of adult audiences. Overall, the variability in movie sales and ratings over the years is likely driven by factors such as market dynamics, audience preferences, and the quality of direction and production.</a:t>
+            </a:r>
+            <a:endParaRPr lang="en-US" altLang="en-GB" dirty="0">
+              <a:latin typeface="+mj-lt"/>
+              <a:cs typeface="+mj-lt"/>
+            </a:endParaRPr>
           </a:p>
           <a:p>
             <a:pPr algn="l">
@@ -9881,26 +9275,27 @@
                 <a:srgbClr val="1F2328"/>
               </a:solidFill>
               <a:effectLst/>
-              <a:latin typeface="-apple-system"/>
+              <a:latin typeface="+mj-lt"/>
+              <a:cs typeface="+mj-lt"/>
             </a:endParaRPr>
           </a:p>
           <a:p>
-            <a:endParaRPr lang="en-KE" sz="4000" dirty="0"/>
-          </a:p>
-          <a:p>
-            <a:endParaRPr lang="en-KE" dirty="0"/>
-          </a:p>
-        </p:txBody>
-      </p:sp>
-      <p:sp>
-        <p:nvSpPr>
-          <p:cNvPr id="4" name="Footer Placeholder 3">
-            <a:extLst>
-              <a:ext uri="{FF2B5EF4-FFF2-40B4-BE49-F238E27FC236}">
-                <a16:creationId xmlns:a16="http://schemas.microsoft.com/office/drawing/2014/main" id="{E9D04FE2-0EB0-2F1B-76F3-6E083664882B}"/>
-              </a:ext>
-            </a:extLst>
-          </p:cNvPr>
+            <a:endParaRPr lang="en-US" sz="4000" dirty="0">
+              <a:latin typeface="+mj-lt"/>
+              <a:cs typeface="+mj-lt"/>
+            </a:endParaRPr>
+          </a:p>
+          <a:p>
+            <a:endParaRPr lang="en-US" dirty="0">
+              <a:latin typeface="+mj-lt"/>
+              <a:cs typeface="+mj-lt"/>
+            </a:endParaRPr>
+          </a:p>
+        </p:txBody>
+      </p:sp>
+      <p:sp>
+        <p:nvSpPr>
+          <p:cNvPr id="4" name="Footer Placeholder 3"/>
           <p:cNvSpPr>
             <a:spLocks noGrp="1"/>
           </p:cNvSpPr>
@@ -9917,19 +9312,13 @@
               <a:rPr lang="en-GB"/>
               <a:t>GROUP ONE  PHASE TWO PROJECT</a:t>
             </a:r>
-            <a:endParaRPr lang="en-KE"/>
-          </a:p>
-        </p:txBody>
-      </p:sp>
-      <p:sp>
-        <p:nvSpPr>
-          <p:cNvPr id="5" name="Slide Number Placeholder 4">
-            <a:extLst>
-              <a:ext uri="{FF2B5EF4-FFF2-40B4-BE49-F238E27FC236}">
-                <a16:creationId xmlns:a16="http://schemas.microsoft.com/office/drawing/2014/main" id="{E7CB0A54-D5DA-FCBF-B1C9-1FAE3D8FF5C5}"/>
-              </a:ext>
-            </a:extLst>
-          </p:cNvPr>
+            <a:endParaRPr lang="en-US"/>
+          </a:p>
+        </p:txBody>
+      </p:sp>
+      <p:sp>
+        <p:nvSpPr>
+          <p:cNvPr id="5" name="Slide Number Placeholder 4"/>
           <p:cNvSpPr>
             <a:spLocks noGrp="1"/>
           </p:cNvSpPr>
@@ -9943,19 +9332,13 @@
           <a:lstStyle/>
           <a:p>
             <a:fld id="{C4C7283F-616F-4503-ABBD-21FFB2848302}" type="slidenum">
-              <a:rPr lang="en-KE" smtClean="0"/>
-              <a:t>21</a:t>
+              <a:rPr lang="en-US" smtClean="0"/>
             </a:fld>
-            <a:endParaRPr lang="en-KE"/>
+            <a:endParaRPr lang="en-US"/>
           </a:p>
         </p:txBody>
       </p:sp>
     </p:spTree>
-    <p:extLst>
-      <p:ext uri="{BB962C8B-B14F-4D97-AF65-F5344CB8AC3E}">
-        <p14:creationId xmlns:p14="http://schemas.microsoft.com/office/powerpoint/2010/main" val="517390768"/>
-      </p:ext>
-    </p:extLst>
   </p:cSld>
   <p:clrMapOvr>
     <a:masterClrMapping/>
@@ -9982,13 +9365,7 @@
       </p:grpSpPr>
       <p:sp>
         <p:nvSpPr>
-          <p:cNvPr id="2" name="Title 1">
-            <a:extLst>
-              <a:ext uri="{FF2B5EF4-FFF2-40B4-BE49-F238E27FC236}">
-                <a16:creationId xmlns:a16="http://schemas.microsoft.com/office/drawing/2014/main" id="{6F97FE0D-42FE-0F9C-1948-324332BD1BA8}"/>
-              </a:ext>
-            </a:extLst>
-          </p:cNvPr>
+          <p:cNvPr id="2" name="Title 1"/>
           <p:cNvSpPr>
             <a:spLocks noGrp="1"/>
           </p:cNvSpPr>
@@ -10005,19 +9382,13 @@
               <a:rPr lang="en-US" b="1" dirty="0"/>
               <a:t>HYPOTHESIS TESTING REPORT</a:t>
             </a:r>
-            <a:endParaRPr lang="en-KE" dirty="0"/>
-          </a:p>
-        </p:txBody>
-      </p:sp>
-      <p:sp>
-        <p:nvSpPr>
-          <p:cNvPr id="3" name="Content Placeholder 2">
-            <a:extLst>
-              <a:ext uri="{FF2B5EF4-FFF2-40B4-BE49-F238E27FC236}">
-                <a16:creationId xmlns:a16="http://schemas.microsoft.com/office/drawing/2014/main" id="{35E88293-8A7B-D164-4844-A5E674DC4ECF}"/>
-              </a:ext>
-            </a:extLst>
-          </p:cNvPr>
+            <a:endParaRPr lang="en-US" dirty="0"/>
+          </a:p>
+        </p:txBody>
+      </p:sp>
+      <p:sp>
+        <p:nvSpPr>
+          <p:cNvPr id="3" name="Content Placeholder 2"/>
           <p:cNvSpPr>
             <a:spLocks noGrp="1"/>
           </p:cNvSpPr>
@@ -10034,12 +9405,14 @@
               <a:rPr lang="en-US" dirty="0"/>
               <a:t>1.Testing the nature of the data</a:t>
             </a:r>
+            <a:endParaRPr lang="en-US" dirty="0"/>
           </a:p>
           <a:p>
             <a:r>
               <a:rPr lang="en-US" dirty="0"/>
               <a:t>2.Setting confidence interval</a:t>
             </a:r>
+            <a:endParaRPr lang="en-US" dirty="0"/>
           </a:p>
           <a:p>
             <a:r>
@@ -10054,36 +9427,32 @@
               <a:rPr lang="en-US" dirty="0"/>
               <a:t> of the runtime</a:t>
             </a:r>
+            <a:endParaRPr lang="en-US" dirty="0"/>
           </a:p>
           <a:p>
             <a:r>
               <a:rPr lang="en-US" dirty="0"/>
               <a:t>4.Stating the Null and alternative hypothesis</a:t>
             </a:r>
-          </a:p>
-          <a:p>
-            <a:endParaRPr lang="en-US" dirty="0"/>
-          </a:p>
-          <a:p>
-            <a:endParaRPr lang="en-KE" dirty="0"/>
+            <a:endParaRPr lang="en-US" dirty="0"/>
+          </a:p>
+          <a:p>
+            <a:endParaRPr lang="en-US" dirty="0"/>
+          </a:p>
+          <a:p>
+            <a:endParaRPr lang="en-US" dirty="0"/>
           </a:p>
           <a:p>
             <a:pPr marL="0" indent="0">
               <a:buNone/>
             </a:pPr>
-            <a:endParaRPr lang="en-KE" dirty="0"/>
-          </a:p>
-        </p:txBody>
-      </p:sp>
-      <p:sp>
-        <p:nvSpPr>
-          <p:cNvPr id="4" name="Footer Placeholder 3">
-            <a:extLst>
-              <a:ext uri="{FF2B5EF4-FFF2-40B4-BE49-F238E27FC236}">
-                <a16:creationId xmlns:a16="http://schemas.microsoft.com/office/drawing/2014/main" id="{1A7F0930-F444-5C4D-13E5-2777EFA3575A}"/>
-              </a:ext>
-            </a:extLst>
-          </p:cNvPr>
+            <a:endParaRPr lang="en-US" dirty="0"/>
+          </a:p>
+        </p:txBody>
+      </p:sp>
+      <p:sp>
+        <p:nvSpPr>
+          <p:cNvPr id="4" name="Footer Placeholder 3"/>
           <p:cNvSpPr>
             <a:spLocks noGrp="1"/>
           </p:cNvSpPr>
@@ -10100,19 +9469,13 @@
               <a:rPr lang="en-GB"/>
               <a:t>GROUP ONE  PHASE TWO PROJECT</a:t>
             </a:r>
-            <a:endParaRPr lang="en-KE"/>
-          </a:p>
-        </p:txBody>
-      </p:sp>
-      <p:sp>
-        <p:nvSpPr>
-          <p:cNvPr id="5" name="Slide Number Placeholder 4">
-            <a:extLst>
-              <a:ext uri="{FF2B5EF4-FFF2-40B4-BE49-F238E27FC236}">
-                <a16:creationId xmlns:a16="http://schemas.microsoft.com/office/drawing/2014/main" id="{4BF7266A-B247-116B-A2AD-80538BF48856}"/>
-              </a:ext>
-            </a:extLst>
-          </p:cNvPr>
+            <a:endParaRPr lang="en-US"/>
+          </a:p>
+        </p:txBody>
+      </p:sp>
+      <p:sp>
+        <p:nvSpPr>
+          <p:cNvPr id="5" name="Slide Number Placeholder 4"/>
           <p:cNvSpPr>
             <a:spLocks noGrp="1"/>
           </p:cNvSpPr>
@@ -10126,19 +9489,13 @@
           <a:lstStyle/>
           <a:p>
             <a:fld id="{C4C7283F-616F-4503-ABBD-21FFB2848302}" type="slidenum">
-              <a:rPr lang="en-KE" smtClean="0"/>
-              <a:t>22</a:t>
+              <a:rPr lang="en-US" smtClean="0"/>
             </a:fld>
-            <a:endParaRPr lang="en-KE"/>
+            <a:endParaRPr lang="en-US"/>
           </a:p>
         </p:txBody>
       </p:sp>
     </p:spTree>
-    <p:extLst>
-      <p:ext uri="{BB962C8B-B14F-4D97-AF65-F5344CB8AC3E}">
-        <p14:creationId xmlns:p14="http://schemas.microsoft.com/office/powerpoint/2010/main" val="3779455345"/>
-      </p:ext>
-    </p:extLst>
   </p:cSld>
   <p:clrMapOvr>
     <a:masterClrMapping/>
@@ -10165,13 +9522,7 @@
       </p:grpSpPr>
       <p:sp>
         <p:nvSpPr>
-          <p:cNvPr id="2" name="Title 1">
-            <a:extLst>
-              <a:ext uri="{FF2B5EF4-FFF2-40B4-BE49-F238E27FC236}">
-                <a16:creationId xmlns:a16="http://schemas.microsoft.com/office/drawing/2014/main" id="{E198D4BD-01BC-B142-8865-65DCB93BB210}"/>
-              </a:ext>
-            </a:extLst>
-          </p:cNvPr>
+          <p:cNvPr id="2" name="Title 1"/>
           <p:cNvSpPr>
             <a:spLocks noGrp="1"/>
           </p:cNvSpPr>
@@ -10188,19 +9539,13 @@
               <a:rPr lang="en-US" dirty="0"/>
               <a:t>MODELING REPORT</a:t>
             </a:r>
-            <a:endParaRPr lang="en-KE" dirty="0"/>
-          </a:p>
-        </p:txBody>
-      </p:sp>
-      <p:sp>
-        <p:nvSpPr>
-          <p:cNvPr id="3" name="Subtitle 2">
-            <a:extLst>
-              <a:ext uri="{FF2B5EF4-FFF2-40B4-BE49-F238E27FC236}">
-                <a16:creationId xmlns:a16="http://schemas.microsoft.com/office/drawing/2014/main" id="{BE801323-1A72-133B-BE03-D095A968D187}"/>
-              </a:ext>
-            </a:extLst>
-          </p:cNvPr>
+            <a:endParaRPr lang="en-US" dirty="0"/>
+          </a:p>
+        </p:txBody>
+      </p:sp>
+      <p:sp>
+        <p:nvSpPr>
+          <p:cNvPr id="3" name="Subtitle 2"/>
           <p:cNvSpPr>
             <a:spLocks noGrp="1"/>
           </p:cNvSpPr>
@@ -10236,6 +9581,10 @@
               </a:rPr>
               <a:t> (uncentered) since the model does not contain a constant.</a:t>
             </a:r>
+            <a:endParaRPr lang="en-GB" b="0" i="0" dirty="0">
+              <a:effectLst/>
+              <a:latin typeface="system-ui"/>
+            </a:endParaRPr>
           </a:p>
           <a:p>
             <a:r>
@@ -10265,19 +9614,13 @@
               </a:rPr>
               <a:t>strong multicollinearity or other numerical problems.</a:t>
             </a:r>
-            <a:endParaRPr lang="en-KE" dirty="0"/>
-          </a:p>
-        </p:txBody>
-      </p:sp>
-      <p:sp>
-        <p:nvSpPr>
-          <p:cNvPr id="4" name="Footer Placeholder 3">
-            <a:extLst>
-              <a:ext uri="{FF2B5EF4-FFF2-40B4-BE49-F238E27FC236}">
-                <a16:creationId xmlns:a16="http://schemas.microsoft.com/office/drawing/2014/main" id="{5C3678C0-80EB-0E25-1271-069C212CCE66}"/>
-              </a:ext>
-            </a:extLst>
-          </p:cNvPr>
+            <a:endParaRPr lang="en-US" dirty="0"/>
+          </a:p>
+        </p:txBody>
+      </p:sp>
+      <p:sp>
+        <p:nvSpPr>
+          <p:cNvPr id="4" name="Footer Placeholder 3"/>
           <p:cNvSpPr>
             <a:spLocks noGrp="1"/>
           </p:cNvSpPr>
@@ -10294,19 +9637,13 @@
               <a:rPr lang="en-GB"/>
               <a:t>GROUP ONE  PHASE TWO PROJECT</a:t>
             </a:r>
-            <a:endParaRPr lang="en-KE"/>
-          </a:p>
-        </p:txBody>
-      </p:sp>
-      <p:sp>
-        <p:nvSpPr>
-          <p:cNvPr id="5" name="Slide Number Placeholder 4">
-            <a:extLst>
-              <a:ext uri="{FF2B5EF4-FFF2-40B4-BE49-F238E27FC236}">
-                <a16:creationId xmlns:a16="http://schemas.microsoft.com/office/drawing/2014/main" id="{8FC22BCB-AEE6-78D8-D197-44D714C01E9E}"/>
-              </a:ext>
-            </a:extLst>
-          </p:cNvPr>
+            <a:endParaRPr lang="en-US"/>
+          </a:p>
+        </p:txBody>
+      </p:sp>
+      <p:sp>
+        <p:nvSpPr>
+          <p:cNvPr id="5" name="Slide Number Placeholder 4"/>
           <p:cNvSpPr>
             <a:spLocks noGrp="1"/>
           </p:cNvSpPr>
@@ -10320,19 +9657,13 @@
           <a:lstStyle/>
           <a:p>
             <a:fld id="{C4C7283F-616F-4503-ABBD-21FFB2848302}" type="slidenum">
-              <a:rPr lang="en-KE" smtClean="0"/>
-              <a:t>23</a:t>
+              <a:rPr lang="en-US" smtClean="0"/>
             </a:fld>
-            <a:endParaRPr lang="en-KE"/>
+            <a:endParaRPr lang="en-US"/>
           </a:p>
         </p:txBody>
       </p:sp>
     </p:spTree>
-    <p:extLst>
-      <p:ext uri="{BB962C8B-B14F-4D97-AF65-F5344CB8AC3E}">
-        <p14:creationId xmlns:p14="http://schemas.microsoft.com/office/powerpoint/2010/main" val="1875525908"/>
-      </p:ext>
-    </p:extLst>
   </p:cSld>
   <p:clrMapOvr>
     <a:masterClrMapping/>
@@ -10359,13 +9690,7 @@
       </p:grpSpPr>
       <p:sp>
         <p:nvSpPr>
-          <p:cNvPr id="2" name="Title 1">
-            <a:extLst>
-              <a:ext uri="{FF2B5EF4-FFF2-40B4-BE49-F238E27FC236}">
-                <a16:creationId xmlns:a16="http://schemas.microsoft.com/office/drawing/2014/main" id="{754FB1D1-8751-DF9C-2C3E-DE43F01CED91}"/>
-              </a:ext>
-            </a:extLst>
-          </p:cNvPr>
+          <p:cNvPr id="2" name="Title 1"/>
           <p:cNvSpPr>
             <a:spLocks noGrp="1"/>
           </p:cNvSpPr>
@@ -10382,19 +9707,13 @@
               <a:rPr lang="en-US" b="1" dirty="0"/>
               <a:t>MODELING AND EVALUATION</a:t>
             </a:r>
-            <a:endParaRPr lang="en-KE" b="1" dirty="0"/>
-          </a:p>
-        </p:txBody>
-      </p:sp>
-      <p:sp>
-        <p:nvSpPr>
-          <p:cNvPr id="3" name="Subtitle 2">
-            <a:extLst>
-              <a:ext uri="{FF2B5EF4-FFF2-40B4-BE49-F238E27FC236}">
-                <a16:creationId xmlns:a16="http://schemas.microsoft.com/office/drawing/2014/main" id="{84BF62FB-8D19-6209-E03A-8732DF968EFE}"/>
-              </a:ext>
-            </a:extLst>
-          </p:cNvPr>
+            <a:endParaRPr lang="en-US" b="1" dirty="0"/>
+          </a:p>
+        </p:txBody>
+      </p:sp>
+      <p:sp>
+        <p:nvSpPr>
+          <p:cNvPr id="3" name="Subtitle 2"/>
           <p:cNvSpPr>
             <a:spLocks noGrp="1"/>
           </p:cNvSpPr>
@@ -10407,19 +9726,13 @@
           <a:bodyPr/>
           <a:lstStyle/>
           <a:p>
-            <a:endParaRPr lang="en-KE" dirty="0"/>
-          </a:p>
-        </p:txBody>
-      </p:sp>
-      <p:sp>
-        <p:nvSpPr>
-          <p:cNvPr id="6" name="Footer Placeholder 5">
-            <a:extLst>
-              <a:ext uri="{FF2B5EF4-FFF2-40B4-BE49-F238E27FC236}">
-                <a16:creationId xmlns:a16="http://schemas.microsoft.com/office/drawing/2014/main" id="{F8983B8A-6A89-28DC-3214-9CFF38C057BF}"/>
-              </a:ext>
-            </a:extLst>
-          </p:cNvPr>
+            <a:endParaRPr lang="en-US" dirty="0"/>
+          </a:p>
+        </p:txBody>
+      </p:sp>
+      <p:sp>
+        <p:nvSpPr>
+          <p:cNvPr id="6" name="Footer Placeholder 5"/>
           <p:cNvSpPr>
             <a:spLocks noGrp="1"/>
           </p:cNvSpPr>
@@ -10436,19 +9749,13 @@
               <a:rPr lang="en-GB"/>
               <a:t>GROUP ONE  PHASE TWO PROJECT</a:t>
             </a:r>
-            <a:endParaRPr lang="en-KE"/>
-          </a:p>
-        </p:txBody>
-      </p:sp>
-      <p:sp>
-        <p:nvSpPr>
-          <p:cNvPr id="7" name="Slide Number Placeholder 6">
-            <a:extLst>
-              <a:ext uri="{FF2B5EF4-FFF2-40B4-BE49-F238E27FC236}">
-                <a16:creationId xmlns:a16="http://schemas.microsoft.com/office/drawing/2014/main" id="{D3748527-7333-7D7C-BEF8-F87E53B978B5}"/>
-              </a:ext>
-            </a:extLst>
-          </p:cNvPr>
+            <a:endParaRPr lang="en-US"/>
+          </a:p>
+        </p:txBody>
+      </p:sp>
+      <p:sp>
+        <p:nvSpPr>
+          <p:cNvPr id="7" name="Slide Number Placeholder 6"/>
           <p:cNvSpPr>
             <a:spLocks noGrp="1"/>
           </p:cNvSpPr>
@@ -10462,29 +9769,22 @@
           <a:lstStyle/>
           <a:p>
             <a:fld id="{C4C7283F-616F-4503-ABBD-21FFB2848302}" type="slidenum">
-              <a:rPr lang="en-KE" smtClean="0"/>
-              <a:t>24</a:t>
+              <a:rPr lang="en-US" smtClean="0"/>
             </a:fld>
-            <a:endParaRPr lang="en-KE"/>
+            <a:endParaRPr lang="en-US"/>
           </a:p>
         </p:txBody>
       </p:sp>
       <p:pic>
         <p:nvPicPr>
-          <p:cNvPr id="5" name="Picture 4">
-            <a:extLst>
-              <a:ext uri="{FF2B5EF4-FFF2-40B4-BE49-F238E27FC236}">
-                <a16:creationId xmlns:a16="http://schemas.microsoft.com/office/drawing/2014/main" id="{4FD92CEC-F72B-ED06-A2BB-16A4F933EAE1}"/>
-              </a:ext>
-            </a:extLst>
-          </p:cNvPr>
+          <p:cNvPr id="5" name="Picture 4"/>
           <p:cNvPicPr>
             <a:picLocks noChangeAspect="1"/>
           </p:cNvPicPr>
           <p:nvPr/>
         </p:nvPicPr>
         <p:blipFill>
-          <a:blip r:embed="rId3"/>
+          <a:blip r:embed="rId1"/>
           <a:stretch>
             <a:fillRect/>
           </a:stretch>
@@ -10500,11 +9800,6 @@
         </p:spPr>
       </p:pic>
     </p:spTree>
-    <p:extLst>
-      <p:ext uri="{BB962C8B-B14F-4D97-AF65-F5344CB8AC3E}">
-        <p14:creationId xmlns:p14="http://schemas.microsoft.com/office/powerpoint/2010/main" val="899340111"/>
-      </p:ext>
-    </p:extLst>
   </p:cSld>
   <p:clrMapOvr>
     <a:masterClrMapping/>
@@ -10531,13 +9826,7 @@
       </p:grpSpPr>
       <p:sp>
         <p:nvSpPr>
-          <p:cNvPr id="2" name="Title 1">
-            <a:extLst>
-              <a:ext uri="{FF2B5EF4-FFF2-40B4-BE49-F238E27FC236}">
-                <a16:creationId xmlns:a16="http://schemas.microsoft.com/office/drawing/2014/main" id="{DDBA26C8-1EF2-611A-CBB5-4EB24122E8B5}"/>
-              </a:ext>
-            </a:extLst>
-          </p:cNvPr>
+          <p:cNvPr id="2" name="Title 1"/>
           <p:cNvSpPr>
             <a:spLocks noGrp="1"/>
           </p:cNvSpPr>
@@ -10554,19 +9843,13 @@
               <a:rPr lang="en-US" b="1" dirty="0"/>
               <a:t>RECCOMMENDATIONS</a:t>
             </a:r>
-            <a:endParaRPr lang="en-KE" dirty="0"/>
-          </a:p>
-        </p:txBody>
-      </p:sp>
-      <p:sp>
-        <p:nvSpPr>
-          <p:cNvPr id="3" name="Content Placeholder 2">
-            <a:extLst>
-              <a:ext uri="{FF2B5EF4-FFF2-40B4-BE49-F238E27FC236}">
-                <a16:creationId xmlns:a16="http://schemas.microsoft.com/office/drawing/2014/main" id="{BFA0EAFD-EF6E-8918-D4E4-300AD8B678F9}"/>
-              </a:ext>
-            </a:extLst>
-          </p:cNvPr>
+            <a:endParaRPr lang="en-US" dirty="0"/>
+          </a:p>
+        </p:txBody>
+      </p:sp>
+      <p:sp>
+        <p:nvSpPr>
+          <p:cNvPr id="3" name="Content Placeholder 2"/>
           <p:cNvSpPr>
             <a:spLocks noGrp="1"/>
           </p:cNvSpPr>
@@ -10593,7 +9876,7 @@
               </a:tabLst>
             </a:pPr>
             <a:r>
-              <a:rPr lang="en-KE" sz="1800" kern="100" dirty="0">
+              <a:rPr lang="en-US" sz="1800" kern="100" dirty="0">
                 <a:effectLst/>
                 <a:latin typeface="Calibri" panose="020F0502020204030204" pitchFamily="34" charset="0"/>
                 <a:ea typeface="Calibri" panose="020F0502020204030204" pitchFamily="34" charset="0"/>
@@ -10601,6 +9884,12 @@
               </a:rPr>
               <a:t>Prioritize Action and Comedy genres for future productions, as they have proven to be the most lucrative and widely appreciated.</a:t>
             </a:r>
+            <a:endParaRPr lang="en-US" sz="1800" kern="100" dirty="0">
+              <a:effectLst/>
+              <a:latin typeface="Calibri" panose="020F0502020204030204" pitchFamily="34" charset="0"/>
+              <a:ea typeface="Calibri" panose="020F0502020204030204" pitchFamily="34" charset="0"/>
+              <a:cs typeface="Times New Roman" panose="02020603050405020304" pitchFamily="18" charset="0"/>
+            </a:endParaRPr>
           </a:p>
           <a:p>
             <a:pPr marL="342900" lvl="0" indent="-342900">
@@ -10617,7 +9906,7 @@
               </a:tabLst>
             </a:pPr>
             <a:r>
-              <a:rPr lang="en-KE" sz="1800" kern="100" dirty="0">
+              <a:rPr lang="en-US" sz="1800" kern="100" dirty="0">
                 <a:effectLst/>
                 <a:latin typeface="Calibri" panose="020F0502020204030204" pitchFamily="34" charset="0"/>
                 <a:ea typeface="Calibri" panose="020F0502020204030204" pitchFamily="34" charset="0"/>
@@ -10625,6 +9914,12 @@
               </a:rPr>
               <a:t>Partner with top-rated directors (e.g., Steven Spielberg, Clint Eastwood) and writers (e.g., Woody Allen) to enhance critical and audience reception.</a:t>
             </a:r>
+            <a:endParaRPr lang="en-US" sz="1800" kern="100" dirty="0">
+              <a:effectLst/>
+              <a:latin typeface="Calibri" panose="020F0502020204030204" pitchFamily="34" charset="0"/>
+              <a:ea typeface="Calibri" panose="020F0502020204030204" pitchFamily="34" charset="0"/>
+              <a:cs typeface="Times New Roman" panose="02020603050405020304" pitchFamily="18" charset="0"/>
+            </a:endParaRPr>
           </a:p>
           <a:p>
             <a:pPr marL="342900" lvl="0" indent="-342900">
@@ -10641,7 +9936,7 @@
               </a:tabLst>
             </a:pPr>
             <a:r>
-              <a:rPr lang="en-KE" sz="1800" kern="100" dirty="0">
+              <a:rPr lang="en-US" sz="1800" kern="100" dirty="0">
                 <a:effectLst/>
                 <a:latin typeface="Calibri" panose="020F0502020204030204" pitchFamily="34" charset="0"/>
                 <a:ea typeface="Calibri" panose="020F0502020204030204" pitchFamily="34" charset="0"/>
@@ -10649,6 +9944,12 @@
               </a:rPr>
               <a:t>Optimize movie runtimes based on audience preferences; longer runtimes for Action and Adventure, and shorter runtimes for genres like Animation.</a:t>
             </a:r>
+            <a:endParaRPr lang="en-US" sz="1800" kern="100" dirty="0">
+              <a:effectLst/>
+              <a:latin typeface="Calibri" panose="020F0502020204030204" pitchFamily="34" charset="0"/>
+              <a:ea typeface="Calibri" panose="020F0502020204030204" pitchFamily="34" charset="0"/>
+              <a:cs typeface="Times New Roman" panose="02020603050405020304" pitchFamily="18" charset="0"/>
+            </a:endParaRPr>
           </a:p>
           <a:p>
             <a:pPr marL="342900" lvl="0" indent="-342900">
@@ -10665,7 +9966,7 @@
               </a:tabLst>
             </a:pPr>
             <a:r>
-              <a:rPr lang="en-KE" sz="1800" kern="100" dirty="0">
+              <a:rPr lang="en-US" sz="1800" kern="100" dirty="0">
                 <a:effectLst/>
                 <a:latin typeface="Calibri" panose="020F0502020204030204" pitchFamily="34" charset="0"/>
                 <a:ea typeface="Calibri" panose="020F0502020204030204" pitchFamily="34" charset="0"/>
@@ -10673,21 +9974,21 @@
               </a:rPr>
               <a:t>Leverage Universal Pictures for distribution due to their strong track record in generating high ratings.</a:t>
             </a:r>
-          </a:p>
-          <a:p>
-            <a:endParaRPr lang="en-KE" dirty="0"/>
-          </a:p>
-        </p:txBody>
-      </p:sp>
-      <p:sp>
-        <p:nvSpPr>
-          <p:cNvPr id="4" name="Footer Placeholder 3">
-            <a:extLst>
-              <a:ext uri="{FF2B5EF4-FFF2-40B4-BE49-F238E27FC236}">
-                <a16:creationId xmlns:a16="http://schemas.microsoft.com/office/drawing/2014/main" id="{54354447-C7CF-B20D-1B56-F8779B4B44E7}"/>
-              </a:ext>
-            </a:extLst>
-          </p:cNvPr>
+            <a:endParaRPr lang="en-US" sz="1800" kern="100" dirty="0">
+              <a:effectLst/>
+              <a:latin typeface="Calibri" panose="020F0502020204030204" pitchFamily="34" charset="0"/>
+              <a:ea typeface="Calibri" panose="020F0502020204030204" pitchFamily="34" charset="0"/>
+              <a:cs typeface="Times New Roman" panose="02020603050405020304" pitchFamily="18" charset="0"/>
+            </a:endParaRPr>
+          </a:p>
+          <a:p>
+            <a:endParaRPr lang="en-US" dirty="0"/>
+          </a:p>
+        </p:txBody>
+      </p:sp>
+      <p:sp>
+        <p:nvSpPr>
+          <p:cNvPr id="4" name="Footer Placeholder 3"/>
           <p:cNvSpPr>
             <a:spLocks noGrp="1"/>
           </p:cNvSpPr>
@@ -10704,19 +10005,13 @@
               <a:rPr lang="en-GB"/>
               <a:t>GROUP ONE  PHASE TWO PROJECT</a:t>
             </a:r>
-            <a:endParaRPr lang="en-KE"/>
-          </a:p>
-        </p:txBody>
-      </p:sp>
-      <p:sp>
-        <p:nvSpPr>
-          <p:cNvPr id="5" name="Slide Number Placeholder 4">
-            <a:extLst>
-              <a:ext uri="{FF2B5EF4-FFF2-40B4-BE49-F238E27FC236}">
-                <a16:creationId xmlns:a16="http://schemas.microsoft.com/office/drawing/2014/main" id="{FE2CEE2B-300C-5F37-37AE-8A7B0DDFF4E3}"/>
-              </a:ext>
-            </a:extLst>
-          </p:cNvPr>
+            <a:endParaRPr lang="en-US"/>
+          </a:p>
+        </p:txBody>
+      </p:sp>
+      <p:sp>
+        <p:nvSpPr>
+          <p:cNvPr id="5" name="Slide Number Placeholder 4"/>
           <p:cNvSpPr>
             <a:spLocks noGrp="1"/>
           </p:cNvSpPr>
@@ -10730,19 +10025,13 @@
           <a:lstStyle/>
           <a:p>
             <a:fld id="{C4C7283F-616F-4503-ABBD-21FFB2848302}" type="slidenum">
-              <a:rPr lang="en-KE" smtClean="0"/>
-              <a:t>25</a:t>
+              <a:rPr lang="en-US" smtClean="0"/>
             </a:fld>
-            <a:endParaRPr lang="en-KE"/>
+            <a:endParaRPr lang="en-US"/>
           </a:p>
         </p:txBody>
       </p:sp>
     </p:spTree>
-    <p:extLst>
-      <p:ext uri="{BB962C8B-B14F-4D97-AF65-F5344CB8AC3E}">
-        <p14:creationId xmlns:p14="http://schemas.microsoft.com/office/powerpoint/2010/main" val="1261356276"/>
-      </p:ext>
-    </p:extLst>
   </p:cSld>
   <p:clrMapOvr>
     <a:masterClrMapping/>
@@ -10769,13 +10058,7 @@
       </p:grpSpPr>
       <p:sp>
         <p:nvSpPr>
-          <p:cNvPr id="2" name="Title 1">
-            <a:extLst>
-              <a:ext uri="{FF2B5EF4-FFF2-40B4-BE49-F238E27FC236}">
-                <a16:creationId xmlns:a16="http://schemas.microsoft.com/office/drawing/2014/main" id="{50B40A10-83D3-29F5-8BA3-8E6D7786E8C2}"/>
-              </a:ext>
-            </a:extLst>
-          </p:cNvPr>
+          <p:cNvPr id="2" name="Title 1"/>
           <p:cNvSpPr>
             <a:spLocks noGrp="1"/>
           </p:cNvSpPr>
@@ -10792,19 +10075,13 @@
               <a:rPr lang="en-US" b="1" dirty="0"/>
               <a:t>DATA PREPROCCESSING REPORT</a:t>
             </a:r>
-            <a:endParaRPr lang="en-KE" dirty="0"/>
-          </a:p>
-        </p:txBody>
-      </p:sp>
-      <p:sp>
-        <p:nvSpPr>
-          <p:cNvPr id="3" name="Content Placeholder 2">
-            <a:extLst>
-              <a:ext uri="{FF2B5EF4-FFF2-40B4-BE49-F238E27FC236}">
-                <a16:creationId xmlns:a16="http://schemas.microsoft.com/office/drawing/2014/main" id="{C77F2140-8A92-62CF-0918-9C6CABE42664}"/>
-              </a:ext>
-            </a:extLst>
-          </p:cNvPr>
+            <a:endParaRPr lang="en-US" dirty="0"/>
+          </a:p>
+        </p:txBody>
+      </p:sp>
+      <p:sp>
+        <p:nvSpPr>
+          <p:cNvPr id="3" name="Content Placeholder 2"/>
           <p:cNvSpPr>
             <a:spLocks noGrp="1"/>
           </p:cNvSpPr>
@@ -10817,19 +10094,13 @@
           <a:bodyPr/>
           <a:lstStyle/>
           <a:p>
-            <a:endParaRPr lang="en-KE" dirty="0"/>
-          </a:p>
-        </p:txBody>
-      </p:sp>
-      <p:sp>
-        <p:nvSpPr>
-          <p:cNvPr id="4" name="Footer Placeholder 3">
-            <a:extLst>
-              <a:ext uri="{FF2B5EF4-FFF2-40B4-BE49-F238E27FC236}">
-                <a16:creationId xmlns:a16="http://schemas.microsoft.com/office/drawing/2014/main" id="{73501FEC-7686-6D9E-EFC6-B9945729F287}"/>
-              </a:ext>
-            </a:extLst>
-          </p:cNvPr>
+            <a:endParaRPr lang="en-US" dirty="0"/>
+          </a:p>
+        </p:txBody>
+      </p:sp>
+      <p:sp>
+        <p:nvSpPr>
+          <p:cNvPr id="4" name="Footer Placeholder 3"/>
           <p:cNvSpPr>
             <a:spLocks noGrp="1"/>
           </p:cNvSpPr>
@@ -10846,19 +10117,13 @@
               <a:rPr lang="en-GB"/>
               <a:t>GROUP ONE  PHASE TWO PROJECT</a:t>
             </a:r>
-            <a:endParaRPr lang="en-KE"/>
-          </a:p>
-        </p:txBody>
-      </p:sp>
-      <p:sp>
-        <p:nvSpPr>
-          <p:cNvPr id="5" name="Slide Number Placeholder 4">
-            <a:extLst>
-              <a:ext uri="{FF2B5EF4-FFF2-40B4-BE49-F238E27FC236}">
-                <a16:creationId xmlns:a16="http://schemas.microsoft.com/office/drawing/2014/main" id="{627725EC-5915-9CFD-F050-83057F2928C9}"/>
-              </a:ext>
-            </a:extLst>
-          </p:cNvPr>
+            <a:endParaRPr lang="en-US"/>
+          </a:p>
+        </p:txBody>
+      </p:sp>
+      <p:sp>
+        <p:nvSpPr>
+          <p:cNvPr id="5" name="Slide Number Placeholder 4"/>
           <p:cNvSpPr>
             <a:spLocks noGrp="1"/>
           </p:cNvSpPr>
@@ -10872,19 +10137,13 @@
           <a:lstStyle/>
           <a:p>
             <a:fld id="{C4C7283F-616F-4503-ABBD-21FFB2848302}" type="slidenum">
-              <a:rPr lang="en-KE" smtClean="0"/>
-              <a:t>26</a:t>
+              <a:rPr lang="en-US" smtClean="0"/>
             </a:fld>
-            <a:endParaRPr lang="en-KE"/>
+            <a:endParaRPr lang="en-US"/>
           </a:p>
         </p:txBody>
       </p:sp>
     </p:spTree>
-    <p:extLst>
-      <p:ext uri="{BB962C8B-B14F-4D97-AF65-F5344CB8AC3E}">
-        <p14:creationId xmlns:p14="http://schemas.microsoft.com/office/powerpoint/2010/main" val="1446517326"/>
-      </p:ext>
-    </p:extLst>
   </p:cSld>
   <p:clrMapOvr>
     <a:masterClrMapping/>
@@ -10911,13 +10170,7 @@
       </p:grpSpPr>
       <p:sp>
         <p:nvSpPr>
-          <p:cNvPr id="2" name="Title 1">
-            <a:extLst>
-              <a:ext uri="{FF2B5EF4-FFF2-40B4-BE49-F238E27FC236}">
-                <a16:creationId xmlns:a16="http://schemas.microsoft.com/office/drawing/2014/main" id="{81B9C0C8-AB8E-E531-E6C9-FC1EEB8743C3}"/>
-              </a:ext>
-            </a:extLst>
-          </p:cNvPr>
+          <p:cNvPr id="2" name="Title 1"/>
           <p:cNvSpPr>
             <a:spLocks noGrp="1"/>
           </p:cNvSpPr>
@@ -10934,19 +10187,13 @@
               <a:rPr lang="en-US" b="1" dirty="0"/>
               <a:t>CONTACT INFORMATION</a:t>
             </a:r>
-            <a:endParaRPr lang="en-KE" dirty="0"/>
-          </a:p>
-        </p:txBody>
-      </p:sp>
-      <p:sp>
-        <p:nvSpPr>
-          <p:cNvPr id="3" name="Content Placeholder 2">
-            <a:extLst>
-              <a:ext uri="{FF2B5EF4-FFF2-40B4-BE49-F238E27FC236}">
-                <a16:creationId xmlns:a16="http://schemas.microsoft.com/office/drawing/2014/main" id="{D4FA4D27-63D5-DA60-FBFC-6835B1D3C7BC}"/>
-              </a:ext>
-            </a:extLst>
-          </p:cNvPr>
+            <a:endParaRPr lang="en-US" dirty="0"/>
+          </a:p>
+        </p:txBody>
+      </p:sp>
+      <p:sp>
+        <p:nvSpPr>
+          <p:cNvPr id="3" name="Content Placeholder 2"/>
           <p:cNvSpPr>
             <a:spLocks noGrp="1"/>
           </p:cNvSpPr>
@@ -10964,7 +10211,7 @@
             </a:pPr>
             <a:r>
               <a:rPr lang="en-US" dirty="0">
-                <a:hlinkClick r:id="rId2"/>
+                <a:hlinkClick r:id="rId1"/>
               </a:rPr>
               <a:t>catherine.kiptui@student.moringaschool.com</a:t>
             </a:r>
@@ -10976,7 +10223,7 @@
             </a:pPr>
             <a:r>
               <a:rPr lang="en-US" dirty="0">
-                <a:hlinkClick r:id="rId3"/>
+                <a:hlinkClick r:id="rId2"/>
               </a:rPr>
               <a:t>michellekavetza@gmail.com</a:t>
             </a:r>
@@ -10988,9 +10235,21 @@
             </a:pPr>
             <a:r>
               <a:rPr lang="en-US" dirty="0">
+                <a:hlinkClick r:id="rId3"/>
+              </a:rPr>
+              <a:t>gateromichael@gmail.com</a:t>
+            </a:r>
+            <a:endParaRPr lang="en-US" dirty="0"/>
+          </a:p>
+          <a:p>
+            <a:pPr marL="0" indent="0">
+              <a:buNone/>
+            </a:pPr>
+            <a:r>
+              <a:rPr lang="en-US" dirty="0">
                 <a:hlinkClick r:id="rId4"/>
               </a:rPr>
-              <a:t>gateromichael@gmail.com</a:t>
+              <a:t>4.noordinoordino470@gmail.com</a:t>
             </a:r>
             <a:endParaRPr lang="en-US" dirty="0"/>
           </a:p>
@@ -10998,25 +10257,13 @@
             <a:pPr marL="0" indent="0">
               <a:buNone/>
             </a:pPr>
+            <a:r>
+              <a:rPr lang="en-US" dirty="0"/>
+              <a:t>5. </a:t>
+            </a:r>
             <a:r>
               <a:rPr lang="en-US" dirty="0">
                 <a:hlinkClick r:id="rId5"/>
-              </a:rPr>
-              <a:t>4.noordinoordino470@gmail.com</a:t>
-            </a:r>
-            <a:endParaRPr lang="en-US" dirty="0"/>
-          </a:p>
-          <a:p>
-            <a:pPr marL="0" indent="0">
-              <a:buNone/>
-            </a:pPr>
-            <a:r>
-              <a:rPr lang="en-US" dirty="0"/>
-              <a:t>5. </a:t>
-            </a:r>
-            <a:r>
-              <a:rPr lang="en-US" dirty="0">
-                <a:hlinkClick r:id="rId6"/>
               </a:rPr>
               <a:t>kennethnyangweso99@gmail.com</a:t>
             </a:r>
@@ -11050,6 +10297,7 @@
               <a:rPr lang="en-US" dirty="0"/>
               <a:t>7.segomich227@gmail.com</a:t>
             </a:r>
+            <a:endParaRPr lang="en-US" dirty="0"/>
           </a:p>
           <a:p>
             <a:pPr marL="342900" indent="-342900">
@@ -11058,19 +10306,13 @@
             <a:endParaRPr lang="en-US" dirty="0"/>
           </a:p>
           <a:p>
-            <a:endParaRPr lang="en-KE" dirty="0"/>
-          </a:p>
-        </p:txBody>
-      </p:sp>
-      <p:sp>
-        <p:nvSpPr>
-          <p:cNvPr id="4" name="Footer Placeholder 3">
-            <a:extLst>
-              <a:ext uri="{FF2B5EF4-FFF2-40B4-BE49-F238E27FC236}">
-                <a16:creationId xmlns:a16="http://schemas.microsoft.com/office/drawing/2014/main" id="{0853B40D-C0B3-4F85-692C-F7451BA3BDF1}"/>
-              </a:ext>
-            </a:extLst>
-          </p:cNvPr>
+            <a:endParaRPr lang="en-US" dirty="0"/>
+          </a:p>
+        </p:txBody>
+      </p:sp>
+      <p:sp>
+        <p:nvSpPr>
+          <p:cNvPr id="4" name="Footer Placeholder 3"/>
           <p:cNvSpPr>
             <a:spLocks noGrp="1"/>
           </p:cNvSpPr>
@@ -11087,19 +10329,13 @@
               <a:rPr lang="en-GB"/>
               <a:t>GROUP ONE  PHASE TWO PROJECT</a:t>
             </a:r>
-            <a:endParaRPr lang="en-KE"/>
-          </a:p>
-        </p:txBody>
-      </p:sp>
-      <p:sp>
-        <p:nvSpPr>
-          <p:cNvPr id="5" name="Slide Number Placeholder 4">
-            <a:extLst>
-              <a:ext uri="{FF2B5EF4-FFF2-40B4-BE49-F238E27FC236}">
-                <a16:creationId xmlns:a16="http://schemas.microsoft.com/office/drawing/2014/main" id="{5B42DA3B-E3DF-FAD8-8629-F6DEA6AB61B6}"/>
-              </a:ext>
-            </a:extLst>
-          </p:cNvPr>
+            <a:endParaRPr lang="en-US"/>
+          </a:p>
+        </p:txBody>
+      </p:sp>
+      <p:sp>
+        <p:nvSpPr>
+          <p:cNvPr id="5" name="Slide Number Placeholder 4"/>
           <p:cNvSpPr>
             <a:spLocks noGrp="1"/>
           </p:cNvSpPr>
@@ -11113,19 +10349,13 @@
           <a:lstStyle/>
           <a:p>
             <a:fld id="{C4C7283F-616F-4503-ABBD-21FFB2848302}" type="slidenum">
-              <a:rPr lang="en-KE" smtClean="0"/>
-              <a:t>27</a:t>
+              <a:rPr lang="en-US" smtClean="0"/>
             </a:fld>
-            <a:endParaRPr lang="en-KE"/>
+            <a:endParaRPr lang="en-US"/>
           </a:p>
         </p:txBody>
       </p:sp>
     </p:spTree>
-    <p:extLst>
-      <p:ext uri="{BB962C8B-B14F-4D97-AF65-F5344CB8AC3E}">
-        <p14:creationId xmlns:p14="http://schemas.microsoft.com/office/powerpoint/2010/main" val="4267028111"/>
-      </p:ext>
-    </p:extLst>
   </p:cSld>
   <p:clrMapOvr>
     <a:masterClrMapping/>
@@ -11162,13 +10392,7 @@
       </p:grpSpPr>
       <p:sp>
         <p:nvSpPr>
-          <p:cNvPr id="2" name="Title 1">
-            <a:extLst>
-              <a:ext uri="{FF2B5EF4-FFF2-40B4-BE49-F238E27FC236}">
-                <a16:creationId xmlns:a16="http://schemas.microsoft.com/office/drawing/2014/main" id="{4C20B5AD-4448-C655-2ED3-743296ED5FFC}"/>
-              </a:ext>
-            </a:extLst>
-          </p:cNvPr>
+          <p:cNvPr id="2" name="Title 1"/>
           <p:cNvSpPr>
             <a:spLocks noGrp="1"/>
           </p:cNvSpPr>
@@ -11185,19 +10409,13 @@
               <a:rPr lang="en-US" dirty="0"/>
               <a:t>BUSINESS UNDERSTANDING</a:t>
             </a:r>
-            <a:endParaRPr lang="en-KE" dirty="0"/>
-          </a:p>
-        </p:txBody>
-      </p:sp>
-      <p:sp>
-        <p:nvSpPr>
-          <p:cNvPr id="3" name="Subtitle 2">
-            <a:extLst>
-              <a:ext uri="{FF2B5EF4-FFF2-40B4-BE49-F238E27FC236}">
-                <a16:creationId xmlns:a16="http://schemas.microsoft.com/office/drawing/2014/main" id="{E0EDD53E-49B0-37FE-20A3-E3328FDD3C54}"/>
-              </a:ext>
-            </a:extLst>
-          </p:cNvPr>
+            <a:endParaRPr lang="en-US" dirty="0"/>
+          </a:p>
+        </p:txBody>
+      </p:sp>
+      <p:sp>
+        <p:nvSpPr>
+          <p:cNvPr id="3" name="Subtitle 2"/>
           <p:cNvSpPr>
             <a:spLocks noGrp="1"/>
           </p:cNvSpPr>
@@ -11225,19 +10443,13 @@
               </a:rPr>
               <a:t> company now sees all the big companies creating original video content and they want to get in on the fun. They have decided to create a new movie studio, but they don’t know anything about creating movies. You are charged with exploring what types of films are currently doing the best at the box office. You must then translate those findings into actionable insights that the head of your company's new movie studio can use to help decide what type of films to create.</a:t>
             </a:r>
-            <a:endParaRPr lang="en-KE" dirty="0"/>
-          </a:p>
-        </p:txBody>
-      </p:sp>
-      <p:sp>
-        <p:nvSpPr>
-          <p:cNvPr id="4" name="Footer Placeholder 3">
-            <a:extLst>
-              <a:ext uri="{FF2B5EF4-FFF2-40B4-BE49-F238E27FC236}">
-                <a16:creationId xmlns:a16="http://schemas.microsoft.com/office/drawing/2014/main" id="{0FD9D069-2633-2EED-6D48-FF4270F1A314}"/>
-              </a:ext>
-            </a:extLst>
-          </p:cNvPr>
+            <a:endParaRPr lang="en-US" dirty="0"/>
+          </a:p>
+        </p:txBody>
+      </p:sp>
+      <p:sp>
+        <p:nvSpPr>
+          <p:cNvPr id="4" name="Footer Placeholder 3"/>
           <p:cNvSpPr>
             <a:spLocks noGrp="1"/>
           </p:cNvSpPr>
@@ -11254,19 +10466,13 @@
               <a:rPr lang="en-GB"/>
               <a:t>GROUP ONE  PHASE TWO PROJECT</a:t>
             </a:r>
-            <a:endParaRPr lang="en-KE"/>
-          </a:p>
-        </p:txBody>
-      </p:sp>
-      <p:sp>
-        <p:nvSpPr>
-          <p:cNvPr id="5" name="Slide Number Placeholder 4">
-            <a:extLst>
-              <a:ext uri="{FF2B5EF4-FFF2-40B4-BE49-F238E27FC236}">
-                <a16:creationId xmlns:a16="http://schemas.microsoft.com/office/drawing/2014/main" id="{B1DCFE2B-8D40-E1B7-C70C-6C8371F28D5B}"/>
-              </a:ext>
-            </a:extLst>
-          </p:cNvPr>
+            <a:endParaRPr lang="en-US"/>
+          </a:p>
+        </p:txBody>
+      </p:sp>
+      <p:sp>
+        <p:nvSpPr>
+          <p:cNvPr id="5" name="Slide Number Placeholder 4"/>
           <p:cNvSpPr>
             <a:spLocks noGrp="1"/>
           </p:cNvSpPr>
@@ -11280,19 +10486,13 @@
           <a:lstStyle/>
           <a:p>
             <a:fld id="{C4C7283F-616F-4503-ABBD-21FFB2848302}" type="slidenum">
-              <a:rPr lang="en-KE" smtClean="0"/>
-              <a:t>3</a:t>
+              <a:rPr lang="en-US" smtClean="0"/>
             </a:fld>
-            <a:endParaRPr lang="en-KE"/>
+            <a:endParaRPr lang="en-US"/>
           </a:p>
         </p:txBody>
       </p:sp>
     </p:spTree>
-    <p:extLst>
-      <p:ext uri="{BB962C8B-B14F-4D97-AF65-F5344CB8AC3E}">
-        <p14:creationId xmlns:p14="http://schemas.microsoft.com/office/powerpoint/2010/main" val="2518441108"/>
-      </p:ext>
-    </p:extLst>
   </p:cSld>
   <p:clrMapOvr>
     <a:masterClrMapping/>
@@ -11319,13 +10519,7 @@
       </p:grpSpPr>
       <p:sp>
         <p:nvSpPr>
-          <p:cNvPr id="2" name="Title 1">
-            <a:extLst>
-              <a:ext uri="{FF2B5EF4-FFF2-40B4-BE49-F238E27FC236}">
-                <a16:creationId xmlns:a16="http://schemas.microsoft.com/office/drawing/2014/main" id="{58C7F1A4-8927-B389-B676-C85A67B6CC2A}"/>
-              </a:ext>
-            </a:extLst>
-          </p:cNvPr>
+          <p:cNvPr id="2" name="Title 1"/>
           <p:cNvSpPr>
             <a:spLocks noGrp="1"/>
           </p:cNvSpPr>
@@ -11342,19 +10536,13 @@
               <a:rPr lang="en-US" dirty="0"/>
               <a:t>DATA UNDERSTANDING</a:t>
             </a:r>
-            <a:endParaRPr lang="en-KE" dirty="0"/>
-          </a:p>
-        </p:txBody>
-      </p:sp>
-      <p:sp>
-        <p:nvSpPr>
-          <p:cNvPr id="3" name="Content Placeholder 2">
-            <a:extLst>
-              <a:ext uri="{FF2B5EF4-FFF2-40B4-BE49-F238E27FC236}">
-                <a16:creationId xmlns:a16="http://schemas.microsoft.com/office/drawing/2014/main" id="{654BEAA5-D6BF-1F3D-4D32-6A8C80A19E22}"/>
-              </a:ext>
-            </a:extLst>
-          </p:cNvPr>
+            <a:endParaRPr lang="en-US" dirty="0"/>
+          </a:p>
+        </p:txBody>
+      </p:sp>
+      <p:sp>
+        <p:nvSpPr>
+          <p:cNvPr id="3" name="Content Placeholder 2"/>
           <p:cNvSpPr>
             <a:spLocks noGrp="1"/>
           </p:cNvSpPr>
@@ -11375,6 +10563,10 @@
               </a:rPr>
               <a:t>Here will need to understand our data. This involves getting the relevant information from each dataset crucial for our analysis.</a:t>
             </a:r>
+            <a:endParaRPr lang="en-GB" sz="1800" b="0" i="0" dirty="0">
+              <a:effectLst/>
+              <a:latin typeface="system-ui"/>
+            </a:endParaRPr>
           </a:p>
           <a:p>
             <a:pPr algn="l"/>
@@ -11385,6 +10577,10 @@
               </a:rPr>
               <a:t>We start by loading the various datasets reviewing their various information based on the columns and check which information is necessary for our analysis before beginning the data cleaning.</a:t>
             </a:r>
+            <a:endParaRPr lang="en-GB" sz="1800" b="0" i="0" dirty="0">
+              <a:effectLst/>
+              <a:latin typeface="system-ui"/>
+            </a:endParaRPr>
           </a:p>
           <a:p>
             <a:pPr>
@@ -11396,7 +10592,7 @@
               </a:spcAft>
             </a:pPr>
             <a:r>
-              <a:rPr lang="en-KE" sz="1800" b="1" kern="100" dirty="0">
+              <a:rPr lang="en-US" sz="1800" b="1" kern="100" dirty="0">
                 <a:effectLst/>
                 <a:latin typeface="Calibri" panose="020F0502020204030204" pitchFamily="34" charset="0"/>
                 <a:ea typeface="Calibri" panose="020F0502020204030204" pitchFamily="34" charset="0"/>
@@ -11404,7 +10600,7 @@
               </a:rPr>
               <a:t>. Movie Performance Data</a:t>
             </a:r>
-            <a:endParaRPr lang="en-KE" sz="1800" kern="100" dirty="0">
+            <a:endParaRPr lang="en-US" sz="1800" kern="100" dirty="0">
               <a:effectLst/>
               <a:latin typeface="Calibri" panose="020F0502020204030204" pitchFamily="34" charset="0"/>
               <a:ea typeface="Calibri" panose="020F0502020204030204" pitchFamily="34" charset="0"/>
@@ -11427,7 +10623,7 @@
               </a:tabLst>
             </a:pPr>
             <a:r>
-              <a:rPr lang="en-KE" sz="1800" b="1" kern="100" dirty="0">
+              <a:rPr lang="en-US" sz="1800" b="1" kern="100" dirty="0">
                 <a:effectLst/>
                 <a:latin typeface="Calibri" panose="020F0502020204030204" pitchFamily="34" charset="0"/>
                 <a:ea typeface="Calibri" panose="020F0502020204030204" pitchFamily="34" charset="0"/>
@@ -11436,7 +10632,7 @@
               <a:t>Box Office Data</a:t>
             </a:r>
             <a:r>
-              <a:rPr lang="en-KE" sz="1800" kern="100" dirty="0">
+              <a:rPr lang="en-US" sz="1800" kern="100" dirty="0">
                 <a:effectLst/>
                 <a:latin typeface="Calibri" panose="020F0502020204030204" pitchFamily="34" charset="0"/>
                 <a:ea typeface="Calibri" panose="020F0502020204030204" pitchFamily="34" charset="0"/>
@@ -11445,7 +10641,7 @@
               <a:t>: Includes revenue by day, week, or year for individual movies. Useful for </a:t>
             </a:r>
             <a:r>
-              <a:rPr lang="en-KE" sz="1800" kern="100" dirty="0" err="1">
+              <a:rPr lang="en-US" sz="1800" kern="100" dirty="0" err="1">
                 <a:effectLst/>
                 <a:latin typeface="Calibri" panose="020F0502020204030204" pitchFamily="34" charset="0"/>
                 <a:ea typeface="Calibri" panose="020F0502020204030204" pitchFamily="34" charset="0"/>
@@ -11454,7 +10650,7 @@
               <a:t>analyzing</a:t>
             </a:r>
             <a:r>
-              <a:rPr lang="en-KE" sz="1800" kern="100" dirty="0">
+              <a:rPr lang="en-US" sz="1800" kern="100" dirty="0">
                 <a:effectLst/>
                 <a:latin typeface="Calibri" panose="020F0502020204030204" pitchFamily="34" charset="0"/>
                 <a:ea typeface="Calibri" panose="020F0502020204030204" pitchFamily="34" charset="0"/>
@@ -11462,21 +10658,21 @@
               </a:rPr>
               <a:t> trends in revenue over time.</a:t>
             </a:r>
-          </a:p>
-          <a:p>
-            <a:endParaRPr lang="en-KE" dirty="0"/>
-          </a:p>
-        </p:txBody>
-      </p:sp>
-      <p:sp>
-        <p:nvSpPr>
-          <p:cNvPr id="4" name="Footer Placeholder 3">
-            <a:extLst>
-              <a:ext uri="{FF2B5EF4-FFF2-40B4-BE49-F238E27FC236}">
-                <a16:creationId xmlns:a16="http://schemas.microsoft.com/office/drawing/2014/main" id="{8000B797-B878-DF92-B436-3B14AA3FF242}"/>
-              </a:ext>
-            </a:extLst>
-          </p:cNvPr>
+            <a:endParaRPr lang="en-US" sz="1800" kern="100" dirty="0">
+              <a:effectLst/>
+              <a:latin typeface="Calibri" panose="020F0502020204030204" pitchFamily="34" charset="0"/>
+              <a:ea typeface="Calibri" panose="020F0502020204030204" pitchFamily="34" charset="0"/>
+              <a:cs typeface="Times New Roman" panose="02020603050405020304" pitchFamily="18" charset="0"/>
+            </a:endParaRPr>
+          </a:p>
+          <a:p>
+            <a:endParaRPr lang="en-US" dirty="0"/>
+          </a:p>
+        </p:txBody>
+      </p:sp>
+      <p:sp>
+        <p:nvSpPr>
+          <p:cNvPr id="4" name="Footer Placeholder 3"/>
           <p:cNvSpPr>
             <a:spLocks noGrp="1"/>
           </p:cNvSpPr>
@@ -11493,19 +10689,13 @@
               <a:rPr lang="en-GB"/>
               <a:t>GROUP ONE  PHASE TWO PROJECT</a:t>
             </a:r>
-            <a:endParaRPr lang="en-KE"/>
-          </a:p>
-        </p:txBody>
-      </p:sp>
-      <p:sp>
-        <p:nvSpPr>
-          <p:cNvPr id="5" name="Slide Number Placeholder 4">
-            <a:extLst>
-              <a:ext uri="{FF2B5EF4-FFF2-40B4-BE49-F238E27FC236}">
-                <a16:creationId xmlns:a16="http://schemas.microsoft.com/office/drawing/2014/main" id="{0E52AB50-CFB7-40FA-D997-B9A98798AF63}"/>
-              </a:ext>
-            </a:extLst>
-          </p:cNvPr>
+            <a:endParaRPr lang="en-US"/>
+          </a:p>
+        </p:txBody>
+      </p:sp>
+      <p:sp>
+        <p:nvSpPr>
+          <p:cNvPr id="5" name="Slide Number Placeholder 4"/>
           <p:cNvSpPr>
             <a:spLocks noGrp="1"/>
           </p:cNvSpPr>
@@ -11519,19 +10709,13 @@
           <a:lstStyle/>
           <a:p>
             <a:fld id="{C4C7283F-616F-4503-ABBD-21FFB2848302}" type="slidenum">
-              <a:rPr lang="en-KE" smtClean="0"/>
-              <a:t>4</a:t>
+              <a:rPr lang="en-US" smtClean="0"/>
             </a:fld>
-            <a:endParaRPr lang="en-KE"/>
+            <a:endParaRPr lang="en-US"/>
           </a:p>
         </p:txBody>
       </p:sp>
     </p:spTree>
-    <p:extLst>
-      <p:ext uri="{BB962C8B-B14F-4D97-AF65-F5344CB8AC3E}">
-        <p14:creationId xmlns:p14="http://schemas.microsoft.com/office/powerpoint/2010/main" val="3157837953"/>
-      </p:ext>
-    </p:extLst>
   </p:cSld>
   <p:clrMapOvr>
     <a:masterClrMapping/>
@@ -11558,13 +10742,7 @@
       </p:grpSpPr>
       <p:sp>
         <p:nvSpPr>
-          <p:cNvPr id="2" name="Title 1">
-            <a:extLst>
-              <a:ext uri="{FF2B5EF4-FFF2-40B4-BE49-F238E27FC236}">
-                <a16:creationId xmlns:a16="http://schemas.microsoft.com/office/drawing/2014/main" id="{89FAAC2A-8CC0-EEF3-B4FD-B0C5019CA84B}"/>
-              </a:ext>
-            </a:extLst>
-          </p:cNvPr>
+          <p:cNvPr id="2" name="Title 1"/>
           <p:cNvSpPr>
             <a:spLocks noGrp="1"/>
           </p:cNvSpPr>
@@ -11589,19 +10767,13 @@
               <a:rPr lang="en-US" b="1" dirty="0"/>
               <a:t>……1.</a:t>
             </a:r>
-            <a:endParaRPr lang="en-KE" dirty="0"/>
-          </a:p>
-        </p:txBody>
-      </p:sp>
-      <p:sp>
-        <p:nvSpPr>
-          <p:cNvPr id="3" name="Content Placeholder 2">
-            <a:extLst>
-              <a:ext uri="{FF2B5EF4-FFF2-40B4-BE49-F238E27FC236}">
-                <a16:creationId xmlns:a16="http://schemas.microsoft.com/office/drawing/2014/main" id="{7823504F-7018-FDFB-7E86-9DF9D551BA4D}"/>
-              </a:ext>
-            </a:extLst>
-          </p:cNvPr>
+            <a:endParaRPr lang="en-US" dirty="0"/>
+          </a:p>
+        </p:txBody>
+      </p:sp>
+      <p:sp>
+        <p:nvSpPr>
+          <p:cNvPr id="3" name="Content Placeholder 2"/>
           <p:cNvSpPr>
             <a:spLocks noGrp="1"/>
           </p:cNvSpPr>
@@ -11631,7 +10803,7 @@
               </a:tabLst>
             </a:pPr>
             <a:r>
-              <a:rPr lang="en-KE" sz="2400" b="1" kern="100" dirty="0">
+              <a:rPr lang="en-US" sz="2400" b="1" kern="100" dirty="0">
                 <a:effectLst/>
                 <a:latin typeface="Calibri" panose="020F0502020204030204" pitchFamily="34" charset="0"/>
                 <a:ea typeface="Calibri" panose="020F0502020204030204" pitchFamily="34" charset="0"/>
@@ -11640,7 +10812,7 @@
               <a:t>Weekend Box Office Data</a:t>
             </a:r>
             <a:r>
-              <a:rPr lang="en-KE" sz="2400" kern="100" dirty="0">
+              <a:rPr lang="en-US" sz="2400" kern="100" dirty="0">
                 <a:effectLst/>
                 <a:latin typeface="Calibri" panose="020F0502020204030204" pitchFamily="34" charset="0"/>
                 <a:ea typeface="Calibri" panose="020F0502020204030204" pitchFamily="34" charset="0"/>
@@ -11648,6 +10820,12 @@
               </a:rPr>
               <a:t>: Aggregated weekend earnings, helpful for identifying peaks in movie viewership.</a:t>
             </a:r>
+            <a:endParaRPr lang="en-US" sz="2400" kern="100" dirty="0">
+              <a:effectLst/>
+              <a:latin typeface="Calibri" panose="020F0502020204030204" pitchFamily="34" charset="0"/>
+              <a:ea typeface="Calibri" panose="020F0502020204030204" pitchFamily="34" charset="0"/>
+              <a:cs typeface="Times New Roman" panose="02020603050405020304" pitchFamily="18" charset="0"/>
+            </a:endParaRPr>
           </a:p>
           <a:p>
             <a:pPr marL="342900" lvl="0" indent="-342900">
@@ -11665,7 +10843,7 @@
               </a:tabLst>
             </a:pPr>
             <a:r>
-              <a:rPr lang="en-KE" sz="2400" b="1" kern="100" dirty="0">
+              <a:rPr lang="en-US" sz="2400" b="1" kern="100" dirty="0">
                 <a:effectLst/>
                 <a:latin typeface="Calibri" panose="020F0502020204030204" pitchFamily="34" charset="0"/>
                 <a:ea typeface="Calibri" panose="020F0502020204030204" pitchFamily="34" charset="0"/>
@@ -11674,7 +10852,7 @@
               <a:t>Cumulative Box Office</a:t>
             </a:r>
             <a:r>
-              <a:rPr lang="en-KE" sz="2400" kern="100" dirty="0">
+              <a:rPr lang="en-US" sz="2400" kern="100" dirty="0">
                 <a:effectLst/>
                 <a:latin typeface="Calibri" panose="020F0502020204030204" pitchFamily="34" charset="0"/>
                 <a:ea typeface="Calibri" panose="020F0502020204030204" pitchFamily="34" charset="0"/>
@@ -11682,6 +10860,12 @@
               </a:rPr>
               <a:t>: Total earnings over time for each movie.</a:t>
             </a:r>
+            <a:endParaRPr lang="en-US" sz="2400" kern="100" dirty="0">
+              <a:effectLst/>
+              <a:latin typeface="Calibri" panose="020F0502020204030204" pitchFamily="34" charset="0"/>
+              <a:ea typeface="Calibri" panose="020F0502020204030204" pitchFamily="34" charset="0"/>
+              <a:cs typeface="Times New Roman" panose="02020603050405020304" pitchFamily="18" charset="0"/>
+            </a:endParaRPr>
           </a:p>
           <a:p>
             <a:pPr>
@@ -11693,7 +10877,7 @@
               </a:spcAft>
             </a:pPr>
             <a:r>
-              <a:rPr lang="en-KE" sz="2400" b="1" kern="100" dirty="0">
+              <a:rPr lang="en-US" sz="2400" b="1" kern="100" dirty="0">
                 <a:effectLst/>
                 <a:latin typeface="Calibri" panose="020F0502020204030204" pitchFamily="34" charset="0"/>
                 <a:ea typeface="Calibri" panose="020F0502020204030204" pitchFamily="34" charset="0"/>
@@ -11701,7 +10885,7 @@
               </a:rPr>
               <a:t>2. Movie Metadata</a:t>
             </a:r>
-            <a:endParaRPr lang="en-KE" sz="2400" kern="100" dirty="0">
+            <a:endParaRPr lang="en-US" sz="2400" kern="100" dirty="0">
               <a:effectLst/>
               <a:latin typeface="Calibri" panose="020F0502020204030204" pitchFamily="34" charset="0"/>
               <a:ea typeface="Calibri" panose="020F0502020204030204" pitchFamily="34" charset="0"/>
@@ -11724,7 +10908,7 @@
               </a:tabLst>
             </a:pPr>
             <a:r>
-              <a:rPr lang="en-KE" sz="2400" b="1" kern="100" dirty="0">
+              <a:rPr lang="en-US" sz="2400" b="1" kern="100" dirty="0">
                 <a:effectLst/>
                 <a:latin typeface="Calibri" panose="020F0502020204030204" pitchFamily="34" charset="0"/>
                 <a:ea typeface="Calibri" panose="020F0502020204030204" pitchFamily="34" charset="0"/>
@@ -11733,7 +10917,7 @@
               <a:t>Movie Titles and Release Dates</a:t>
             </a:r>
             <a:r>
-              <a:rPr lang="en-KE" sz="2400" kern="100" dirty="0">
+              <a:rPr lang="en-US" sz="2400" kern="100" dirty="0">
                 <a:effectLst/>
                 <a:latin typeface="Calibri" panose="020F0502020204030204" pitchFamily="34" charset="0"/>
                 <a:ea typeface="Calibri" panose="020F0502020204030204" pitchFamily="34" charset="0"/>
@@ -11741,6 +10925,12 @@
               </a:rPr>
               <a:t>: Basic information about movies, such as title, genre, release date, and distributor.</a:t>
             </a:r>
+            <a:endParaRPr lang="en-US" sz="2400" kern="100" dirty="0">
+              <a:effectLst/>
+              <a:latin typeface="Calibri" panose="020F0502020204030204" pitchFamily="34" charset="0"/>
+              <a:ea typeface="Calibri" panose="020F0502020204030204" pitchFamily="34" charset="0"/>
+              <a:cs typeface="Times New Roman" panose="02020603050405020304" pitchFamily="18" charset="0"/>
+            </a:endParaRPr>
           </a:p>
           <a:p>
             <a:pPr marL="342900" lvl="0" indent="-342900">
@@ -11758,7 +10948,7 @@
               </a:tabLst>
             </a:pPr>
             <a:r>
-              <a:rPr lang="en-KE" sz="2400" b="1" kern="100" dirty="0">
+              <a:rPr lang="en-US" sz="2400" b="1" kern="100" dirty="0">
                 <a:effectLst/>
                 <a:latin typeface="Calibri" panose="020F0502020204030204" pitchFamily="34" charset="0"/>
                 <a:ea typeface="Calibri" panose="020F0502020204030204" pitchFamily="34" charset="0"/>
@@ -11767,7 +10957,7 @@
               <a:t>Genre and Ratings</a:t>
             </a:r>
             <a:r>
-              <a:rPr lang="en-KE" sz="2400" kern="100" dirty="0">
+              <a:rPr lang="en-US" sz="2400" kern="100" dirty="0">
                 <a:effectLst/>
                 <a:latin typeface="Calibri" panose="020F0502020204030204" pitchFamily="34" charset="0"/>
                 <a:ea typeface="Calibri" panose="020F0502020204030204" pitchFamily="34" charset="0"/>
@@ -11776,7 +10966,7 @@
               <a:t>: Helps in </a:t>
             </a:r>
             <a:r>
-              <a:rPr lang="en-KE" sz="2400" kern="100" dirty="0" err="1">
+              <a:rPr lang="en-US" sz="2400" kern="100" dirty="0" err="1">
                 <a:effectLst/>
                 <a:latin typeface="Calibri" panose="020F0502020204030204" pitchFamily="34" charset="0"/>
                 <a:ea typeface="Calibri" panose="020F0502020204030204" pitchFamily="34" charset="0"/>
@@ -11785,7 +10975,7 @@
               <a:t>analyzing</a:t>
             </a:r>
             <a:r>
-              <a:rPr lang="en-KE" sz="2400" kern="100" dirty="0">
+              <a:rPr lang="en-US" sz="2400" kern="100" dirty="0">
                 <a:effectLst/>
                 <a:latin typeface="Calibri" panose="020F0502020204030204" pitchFamily="34" charset="0"/>
                 <a:ea typeface="Calibri" panose="020F0502020204030204" pitchFamily="34" charset="0"/>
@@ -11793,6 +10983,12 @@
               </a:rPr>
               <a:t> how genres or ratings affect performance</a:t>
             </a:r>
+            <a:endParaRPr lang="en-US" sz="2400" kern="100" dirty="0">
+              <a:effectLst/>
+              <a:latin typeface="Calibri" panose="020F0502020204030204" pitchFamily="34" charset="0"/>
+              <a:ea typeface="Calibri" panose="020F0502020204030204" pitchFamily="34" charset="0"/>
+              <a:cs typeface="Times New Roman" panose="02020603050405020304" pitchFamily="18" charset="0"/>
+            </a:endParaRPr>
           </a:p>
           <a:p>
             <a:pPr>
@@ -11804,7 +11000,7 @@
               </a:spcAft>
             </a:pPr>
             <a:r>
-              <a:rPr lang="en-KE" sz="2400" b="1" kern="100" dirty="0">
+              <a:rPr lang="en-US" sz="2400" b="1" kern="100" dirty="0">
                 <a:effectLst/>
                 <a:latin typeface="Calibri" panose="020F0502020204030204" pitchFamily="34" charset="0"/>
                 <a:ea typeface="Calibri" panose="020F0502020204030204" pitchFamily="34" charset="0"/>
@@ -11812,7 +11008,7 @@
               </a:rPr>
               <a:t>3. Home Entertainment Data</a:t>
             </a:r>
-            <a:endParaRPr lang="en-KE" sz="2400" kern="100" dirty="0">
+            <a:endParaRPr lang="en-US" sz="2400" kern="100" dirty="0">
               <a:effectLst/>
               <a:latin typeface="Calibri" panose="020F0502020204030204" pitchFamily="34" charset="0"/>
               <a:ea typeface="Calibri" panose="020F0502020204030204" pitchFamily="34" charset="0"/>
@@ -11835,7 +11031,7 @@
               </a:tabLst>
             </a:pPr>
             <a:r>
-              <a:rPr lang="en-KE" sz="2400" b="1" kern="100" dirty="0">
+              <a:rPr lang="en-US" sz="2400" b="1" kern="100" dirty="0">
                 <a:effectLst/>
                 <a:latin typeface="Calibri" panose="020F0502020204030204" pitchFamily="34" charset="0"/>
                 <a:ea typeface="Calibri" panose="020F0502020204030204" pitchFamily="34" charset="0"/>
@@ -11844,7 +11040,7 @@
               <a:t>DVD/Blu-ray Sales</a:t>
             </a:r>
             <a:r>
-              <a:rPr lang="en-KE" sz="2400" kern="100" dirty="0">
+              <a:rPr lang="en-US" sz="2400" kern="100" dirty="0">
                 <a:effectLst/>
                 <a:latin typeface="Calibri" panose="020F0502020204030204" pitchFamily="34" charset="0"/>
                 <a:ea typeface="Calibri" panose="020F0502020204030204" pitchFamily="34" charset="0"/>
@@ -11853,7 +11049,7 @@
               <a:t>: Useful for understanding post-</a:t>
             </a:r>
             <a:r>
-              <a:rPr lang="en-KE" sz="2400" kern="100" dirty="0" err="1">
+              <a:rPr lang="en-US" sz="2400" kern="100" dirty="0" err="1">
                 <a:effectLst/>
                 <a:latin typeface="Calibri" panose="020F0502020204030204" pitchFamily="34" charset="0"/>
                 <a:ea typeface="Calibri" panose="020F0502020204030204" pitchFamily="34" charset="0"/>
@@ -11862,7 +11058,7 @@
               <a:t>theater</a:t>
             </a:r>
             <a:r>
-              <a:rPr lang="en-KE" sz="2400" kern="100" dirty="0">
+              <a:rPr lang="en-US" sz="2400" kern="100" dirty="0">
                 <a:effectLst/>
                 <a:latin typeface="Calibri" panose="020F0502020204030204" pitchFamily="34" charset="0"/>
                 <a:ea typeface="Calibri" panose="020F0502020204030204" pitchFamily="34" charset="0"/>
@@ -11870,6 +11066,12 @@
               </a:rPr>
               <a:t> revenue streams.</a:t>
             </a:r>
+            <a:endParaRPr lang="en-US" sz="2400" kern="100" dirty="0">
+              <a:effectLst/>
+              <a:latin typeface="Calibri" panose="020F0502020204030204" pitchFamily="34" charset="0"/>
+              <a:ea typeface="Calibri" panose="020F0502020204030204" pitchFamily="34" charset="0"/>
+              <a:cs typeface="Times New Roman" panose="02020603050405020304" pitchFamily="18" charset="0"/>
+            </a:endParaRPr>
           </a:p>
           <a:p>
             <a:pPr marL="342900" lvl="0" indent="-342900">
@@ -11887,7 +11089,7 @@
               </a:tabLst>
             </a:pPr>
             <a:r>
-              <a:rPr lang="en-KE" sz="2400" b="1" kern="100" dirty="0">
+              <a:rPr lang="en-US" sz="2400" b="1" kern="100" dirty="0">
                 <a:effectLst/>
                 <a:latin typeface="Calibri" panose="020F0502020204030204" pitchFamily="34" charset="0"/>
                 <a:ea typeface="Calibri" panose="020F0502020204030204" pitchFamily="34" charset="0"/>
@@ -11896,7 +11098,7 @@
               <a:t>Digital Sales/Streaming Revenue</a:t>
             </a:r>
             <a:r>
-              <a:rPr lang="en-KE" sz="2400" kern="100" dirty="0">
+              <a:rPr lang="en-US" sz="2400" kern="100" dirty="0">
                 <a:effectLst/>
                 <a:latin typeface="Calibri" panose="020F0502020204030204" pitchFamily="34" charset="0"/>
                 <a:ea typeface="Calibri" panose="020F0502020204030204" pitchFamily="34" charset="0"/>
@@ -11904,6 +11106,12 @@
               </a:rPr>
               <a:t>: Can show trends in digital distribution.</a:t>
             </a:r>
+            <a:endParaRPr lang="en-US" sz="2400" kern="100" dirty="0">
+              <a:effectLst/>
+              <a:latin typeface="Calibri" panose="020F0502020204030204" pitchFamily="34" charset="0"/>
+              <a:ea typeface="Calibri" panose="020F0502020204030204" pitchFamily="34" charset="0"/>
+              <a:cs typeface="Times New Roman" panose="02020603050405020304" pitchFamily="18" charset="0"/>
+            </a:endParaRPr>
           </a:p>
           <a:p>
             <a:pPr>
@@ -11915,7 +11123,7 @@
               </a:spcAft>
             </a:pPr>
             <a:r>
-              <a:rPr lang="en-KE" sz="2400" b="1" kern="100" dirty="0">
+              <a:rPr lang="en-US" sz="2400" b="1" kern="100" dirty="0">
                 <a:effectLst/>
                 <a:latin typeface="Calibri" panose="020F0502020204030204" pitchFamily="34" charset="0"/>
                 <a:ea typeface="Calibri" panose="020F0502020204030204" pitchFamily="34" charset="0"/>
@@ -11923,7 +11131,7 @@
               </a:rPr>
               <a:t>4. Market-Level Data</a:t>
             </a:r>
-            <a:endParaRPr lang="en-KE" sz="2400" kern="100" dirty="0">
+            <a:endParaRPr lang="en-US" sz="2400" kern="100" dirty="0">
               <a:effectLst/>
               <a:latin typeface="Calibri" panose="020F0502020204030204" pitchFamily="34" charset="0"/>
               <a:ea typeface="Calibri" panose="020F0502020204030204" pitchFamily="34" charset="0"/>
@@ -11946,7 +11154,7 @@
               </a:tabLst>
             </a:pPr>
             <a:r>
-              <a:rPr lang="en-KE" sz="2400" b="1" kern="100" dirty="0">
+              <a:rPr lang="en-US" sz="2400" b="1" kern="100" dirty="0">
                 <a:effectLst/>
                 <a:latin typeface="Calibri" panose="020F0502020204030204" pitchFamily="34" charset="0"/>
                 <a:ea typeface="Calibri" panose="020F0502020204030204" pitchFamily="34" charset="0"/>
@@ -11955,7 +11163,7 @@
               <a:t>Market Share by Studio</a:t>
             </a:r>
             <a:r>
-              <a:rPr lang="en-KE" sz="2400" kern="100" dirty="0">
+              <a:rPr lang="en-US" sz="2400" kern="100" dirty="0">
                 <a:effectLst/>
                 <a:latin typeface="Calibri" panose="020F0502020204030204" pitchFamily="34" charset="0"/>
                 <a:ea typeface="Calibri" panose="020F0502020204030204" pitchFamily="34" charset="0"/>
@@ -11964,7 +11172,7 @@
               <a:t>: Helps </a:t>
             </a:r>
             <a:r>
-              <a:rPr lang="en-KE" sz="2400" kern="100" dirty="0" err="1">
+              <a:rPr lang="en-US" sz="2400" kern="100" dirty="0" err="1">
                 <a:effectLst/>
                 <a:latin typeface="Calibri" panose="020F0502020204030204" pitchFamily="34" charset="0"/>
                 <a:ea typeface="Calibri" panose="020F0502020204030204" pitchFamily="34" charset="0"/>
@@ -11973,7 +11181,7 @@
               <a:t>analyze</a:t>
             </a:r>
             <a:r>
-              <a:rPr lang="en-KE" sz="2400" kern="100" dirty="0">
+              <a:rPr lang="en-US" sz="2400" kern="100" dirty="0">
                 <a:effectLst/>
                 <a:latin typeface="Calibri" panose="020F0502020204030204" pitchFamily="34" charset="0"/>
                 <a:ea typeface="Calibri" panose="020F0502020204030204" pitchFamily="34" charset="0"/>
@@ -11981,6 +11189,12 @@
               </a:rPr>
               <a:t> how different studios perform over time.</a:t>
             </a:r>
+            <a:endParaRPr lang="en-US" sz="2400" kern="100" dirty="0">
+              <a:effectLst/>
+              <a:latin typeface="Calibri" panose="020F0502020204030204" pitchFamily="34" charset="0"/>
+              <a:ea typeface="Calibri" panose="020F0502020204030204" pitchFamily="34" charset="0"/>
+              <a:cs typeface="Times New Roman" panose="02020603050405020304" pitchFamily="18" charset="0"/>
+            </a:endParaRPr>
           </a:p>
           <a:p>
             <a:pPr marL="342900" lvl="0" indent="-342900">
@@ -11998,7 +11212,7 @@
               </a:tabLst>
             </a:pPr>
             <a:r>
-              <a:rPr lang="en-KE" sz="2400" b="1" kern="100" dirty="0">
+              <a:rPr lang="en-US" sz="2400" b="1" kern="100" dirty="0">
                 <a:effectLst/>
                 <a:latin typeface="Calibri" panose="020F0502020204030204" pitchFamily="34" charset="0"/>
                 <a:ea typeface="Calibri" panose="020F0502020204030204" pitchFamily="34" charset="0"/>
@@ -12007,7 +11221,7 @@
               <a:t>International Box Office</a:t>
             </a:r>
             <a:r>
-              <a:rPr lang="en-KE" sz="2400" kern="100" dirty="0">
+              <a:rPr lang="en-US" sz="2400" kern="100" dirty="0">
                 <a:effectLst/>
                 <a:latin typeface="Calibri" panose="020F0502020204030204" pitchFamily="34" charset="0"/>
                 <a:ea typeface="Calibri" panose="020F0502020204030204" pitchFamily="34" charset="0"/>
@@ -12015,21 +11229,21 @@
               </a:rPr>
               <a:t>: Useful for cross-region comparison and global trends.</a:t>
             </a:r>
-          </a:p>
-          <a:p>
-            <a:endParaRPr lang="en-KE" sz="2400" dirty="0"/>
-          </a:p>
-        </p:txBody>
-      </p:sp>
-      <p:sp>
-        <p:nvSpPr>
-          <p:cNvPr id="4" name="Footer Placeholder 3">
-            <a:extLst>
-              <a:ext uri="{FF2B5EF4-FFF2-40B4-BE49-F238E27FC236}">
-                <a16:creationId xmlns:a16="http://schemas.microsoft.com/office/drawing/2014/main" id="{CE70F351-C6C7-3DFA-9273-B31D22423A42}"/>
-              </a:ext>
-            </a:extLst>
-          </p:cNvPr>
+            <a:endParaRPr lang="en-US" sz="2400" kern="100" dirty="0">
+              <a:effectLst/>
+              <a:latin typeface="Calibri" panose="020F0502020204030204" pitchFamily="34" charset="0"/>
+              <a:ea typeface="Calibri" panose="020F0502020204030204" pitchFamily="34" charset="0"/>
+              <a:cs typeface="Times New Roman" panose="02020603050405020304" pitchFamily="18" charset="0"/>
+            </a:endParaRPr>
+          </a:p>
+          <a:p>
+            <a:endParaRPr lang="en-US" sz="2400" dirty="0"/>
+          </a:p>
+        </p:txBody>
+      </p:sp>
+      <p:sp>
+        <p:nvSpPr>
+          <p:cNvPr id="4" name="Footer Placeholder 3"/>
           <p:cNvSpPr>
             <a:spLocks noGrp="1"/>
           </p:cNvSpPr>
@@ -12046,19 +11260,13 @@
               <a:rPr lang="en-GB"/>
               <a:t>GROUP ONE  PHASE TWO PROJECT</a:t>
             </a:r>
-            <a:endParaRPr lang="en-KE"/>
-          </a:p>
-        </p:txBody>
-      </p:sp>
-      <p:sp>
-        <p:nvSpPr>
-          <p:cNvPr id="5" name="Slide Number Placeholder 4">
-            <a:extLst>
-              <a:ext uri="{FF2B5EF4-FFF2-40B4-BE49-F238E27FC236}">
-                <a16:creationId xmlns:a16="http://schemas.microsoft.com/office/drawing/2014/main" id="{A7570671-E506-DE6C-9CE4-9354D6374E20}"/>
-              </a:ext>
-            </a:extLst>
-          </p:cNvPr>
+            <a:endParaRPr lang="en-US"/>
+          </a:p>
+        </p:txBody>
+      </p:sp>
+      <p:sp>
+        <p:nvSpPr>
+          <p:cNvPr id="5" name="Slide Number Placeholder 4"/>
           <p:cNvSpPr>
             <a:spLocks noGrp="1"/>
           </p:cNvSpPr>
@@ -12072,19 +11280,13 @@
           <a:lstStyle/>
           <a:p>
             <a:fld id="{C4C7283F-616F-4503-ABBD-21FFB2848302}" type="slidenum">
-              <a:rPr lang="en-KE" smtClean="0"/>
-              <a:t>5</a:t>
+              <a:rPr lang="en-US" smtClean="0"/>
             </a:fld>
-            <a:endParaRPr lang="en-KE"/>
+            <a:endParaRPr lang="en-US"/>
           </a:p>
         </p:txBody>
       </p:sp>
     </p:spTree>
-    <p:extLst>
-      <p:ext uri="{BB962C8B-B14F-4D97-AF65-F5344CB8AC3E}">
-        <p14:creationId xmlns:p14="http://schemas.microsoft.com/office/powerpoint/2010/main" val="985186599"/>
-      </p:ext>
-    </p:extLst>
   </p:cSld>
   <p:clrMapOvr>
     <a:masterClrMapping/>
@@ -12111,13 +11313,7 @@
       </p:grpSpPr>
       <p:sp>
         <p:nvSpPr>
-          <p:cNvPr id="2" name="Title 1">
-            <a:extLst>
-              <a:ext uri="{FF2B5EF4-FFF2-40B4-BE49-F238E27FC236}">
-                <a16:creationId xmlns:a16="http://schemas.microsoft.com/office/drawing/2014/main" id="{A793A6EE-EA56-9C2B-5C44-03AD616535A7}"/>
-              </a:ext>
-            </a:extLst>
-          </p:cNvPr>
+          <p:cNvPr id="2" name="Title 1"/>
           <p:cNvSpPr>
             <a:spLocks noGrp="1"/>
           </p:cNvSpPr>
@@ -12134,19 +11330,13 @@
               <a:rPr lang="en-US" dirty="0"/>
               <a:t>DATA UNDERSTANDING  CONT…….2</a:t>
             </a:r>
-            <a:endParaRPr lang="en-KE" dirty="0"/>
-          </a:p>
-        </p:txBody>
-      </p:sp>
-      <p:sp>
-        <p:nvSpPr>
-          <p:cNvPr id="3" name="Content Placeholder 2">
-            <a:extLst>
-              <a:ext uri="{FF2B5EF4-FFF2-40B4-BE49-F238E27FC236}">
-                <a16:creationId xmlns:a16="http://schemas.microsoft.com/office/drawing/2014/main" id="{1C61E10E-8D8D-B897-BA55-CCC2BA98F41F}"/>
-              </a:ext>
-            </a:extLst>
-          </p:cNvPr>
+            <a:endParaRPr lang="en-US" dirty="0"/>
+          </a:p>
+        </p:txBody>
+      </p:sp>
+      <p:sp>
+        <p:nvSpPr>
+          <p:cNvPr id="3" name="Content Placeholder 2"/>
           <p:cNvSpPr>
             <a:spLocks noGrp="1"/>
           </p:cNvSpPr>
@@ -12168,7 +11358,7 @@
               </a:spcAft>
             </a:pPr>
             <a:r>
-              <a:rPr lang="en-KE" sz="1800" b="1" kern="100" dirty="0">
+              <a:rPr lang="en-US" sz="1800" b="1" kern="100" dirty="0">
                 <a:effectLst/>
                 <a:latin typeface="Calibri" panose="020F0502020204030204" pitchFamily="34" charset="0"/>
                 <a:ea typeface="Calibri" panose="020F0502020204030204" pitchFamily="34" charset="0"/>
@@ -12176,7 +11366,7 @@
               </a:rPr>
               <a:t>3. Home Entertainment Data</a:t>
             </a:r>
-            <a:endParaRPr lang="en-KE" sz="1800" kern="100" dirty="0">
+            <a:endParaRPr lang="en-US" sz="1800" kern="100" dirty="0">
               <a:effectLst/>
               <a:latin typeface="Calibri" panose="020F0502020204030204" pitchFamily="34" charset="0"/>
               <a:ea typeface="Calibri" panose="020F0502020204030204" pitchFamily="34" charset="0"/>
@@ -12199,7 +11389,7 @@
               </a:tabLst>
             </a:pPr>
             <a:r>
-              <a:rPr lang="en-KE" sz="1800" b="1" kern="100" dirty="0">
+              <a:rPr lang="en-US" sz="1800" b="1" kern="100" dirty="0">
                 <a:effectLst/>
                 <a:latin typeface="Calibri" panose="020F0502020204030204" pitchFamily="34" charset="0"/>
                 <a:ea typeface="Calibri" panose="020F0502020204030204" pitchFamily="34" charset="0"/>
@@ -12208,7 +11398,7 @@
               <a:t>DVD/Blu-ray Sales</a:t>
             </a:r>
             <a:r>
-              <a:rPr lang="en-KE" sz="1800" kern="100" dirty="0">
+              <a:rPr lang="en-US" sz="1800" kern="100" dirty="0">
                 <a:effectLst/>
                 <a:latin typeface="Calibri" panose="020F0502020204030204" pitchFamily="34" charset="0"/>
                 <a:ea typeface="Calibri" panose="020F0502020204030204" pitchFamily="34" charset="0"/>
@@ -12217,7 +11407,7 @@
               <a:t>: Useful for understanding post-</a:t>
             </a:r>
             <a:r>
-              <a:rPr lang="en-KE" sz="1800" kern="100" dirty="0" err="1">
+              <a:rPr lang="en-US" sz="1800" kern="100" dirty="0" err="1">
                 <a:effectLst/>
                 <a:latin typeface="Calibri" panose="020F0502020204030204" pitchFamily="34" charset="0"/>
                 <a:ea typeface="Calibri" panose="020F0502020204030204" pitchFamily="34" charset="0"/>
@@ -12226,7 +11416,7 @@
               <a:t>theater</a:t>
             </a:r>
             <a:r>
-              <a:rPr lang="en-KE" sz="1800" kern="100" dirty="0">
+              <a:rPr lang="en-US" sz="1800" kern="100" dirty="0">
                 <a:effectLst/>
                 <a:latin typeface="Calibri" panose="020F0502020204030204" pitchFamily="34" charset="0"/>
                 <a:ea typeface="Calibri" panose="020F0502020204030204" pitchFamily="34" charset="0"/>
@@ -12234,6 +11424,12 @@
               </a:rPr>
               <a:t> revenue streams.</a:t>
             </a:r>
+            <a:endParaRPr lang="en-US" sz="1800" kern="100" dirty="0">
+              <a:effectLst/>
+              <a:latin typeface="Calibri" panose="020F0502020204030204" pitchFamily="34" charset="0"/>
+              <a:ea typeface="Calibri" panose="020F0502020204030204" pitchFamily="34" charset="0"/>
+              <a:cs typeface="Times New Roman" panose="02020603050405020304" pitchFamily="18" charset="0"/>
+            </a:endParaRPr>
           </a:p>
           <a:p>
             <a:pPr marL="342900" lvl="0" indent="-342900">
@@ -12251,7 +11447,7 @@
               </a:tabLst>
             </a:pPr>
             <a:r>
-              <a:rPr lang="en-KE" sz="1800" b="1" kern="100" dirty="0">
+              <a:rPr lang="en-US" sz="1800" b="1" kern="100" dirty="0">
                 <a:effectLst/>
                 <a:latin typeface="Calibri" panose="020F0502020204030204" pitchFamily="34" charset="0"/>
                 <a:ea typeface="Calibri" panose="020F0502020204030204" pitchFamily="34" charset="0"/>
@@ -12260,7 +11456,7 @@
               <a:t>Digital Sales/Streaming Revenue</a:t>
             </a:r>
             <a:r>
-              <a:rPr lang="en-KE" sz="1800" kern="100" dirty="0">
+              <a:rPr lang="en-US" sz="1800" kern="100" dirty="0">
                 <a:effectLst/>
                 <a:latin typeface="Calibri" panose="020F0502020204030204" pitchFamily="34" charset="0"/>
                 <a:ea typeface="Calibri" panose="020F0502020204030204" pitchFamily="34" charset="0"/>
@@ -12268,6 +11464,12 @@
               </a:rPr>
               <a:t>: Can show trends in digital distribution.</a:t>
             </a:r>
+            <a:endParaRPr lang="en-US" sz="1800" kern="100" dirty="0">
+              <a:effectLst/>
+              <a:latin typeface="Calibri" panose="020F0502020204030204" pitchFamily="34" charset="0"/>
+              <a:ea typeface="Calibri" panose="020F0502020204030204" pitchFamily="34" charset="0"/>
+              <a:cs typeface="Times New Roman" panose="02020603050405020304" pitchFamily="18" charset="0"/>
+            </a:endParaRPr>
           </a:p>
           <a:p>
             <a:pPr>
@@ -12279,7 +11481,7 @@
               </a:spcAft>
             </a:pPr>
             <a:r>
-              <a:rPr lang="en-KE" sz="1800" b="1" kern="100" dirty="0">
+              <a:rPr lang="en-US" sz="1800" b="1" kern="100" dirty="0">
                 <a:effectLst/>
                 <a:latin typeface="Calibri" panose="020F0502020204030204" pitchFamily="34" charset="0"/>
                 <a:ea typeface="Calibri" panose="020F0502020204030204" pitchFamily="34" charset="0"/>
@@ -12287,7 +11489,7 @@
               </a:rPr>
               <a:t>4. Market-Level Data</a:t>
             </a:r>
-            <a:endParaRPr lang="en-KE" sz="1800" kern="100" dirty="0">
+            <a:endParaRPr lang="en-US" sz="1800" kern="100" dirty="0">
               <a:effectLst/>
               <a:latin typeface="Calibri" panose="020F0502020204030204" pitchFamily="34" charset="0"/>
               <a:ea typeface="Calibri" panose="020F0502020204030204" pitchFamily="34" charset="0"/>
@@ -12310,7 +11512,7 @@
               </a:tabLst>
             </a:pPr>
             <a:r>
-              <a:rPr lang="en-KE" sz="1800" b="1" kern="100" dirty="0">
+              <a:rPr lang="en-US" sz="1800" b="1" kern="100" dirty="0">
                 <a:effectLst/>
                 <a:latin typeface="Calibri" panose="020F0502020204030204" pitchFamily="34" charset="0"/>
                 <a:ea typeface="Calibri" panose="020F0502020204030204" pitchFamily="34" charset="0"/>
@@ -12319,7 +11521,7 @@
               <a:t>Market Share by Studio</a:t>
             </a:r>
             <a:r>
-              <a:rPr lang="en-KE" sz="1800" kern="100" dirty="0">
+              <a:rPr lang="en-US" sz="1800" kern="100" dirty="0">
                 <a:effectLst/>
                 <a:latin typeface="Calibri" panose="020F0502020204030204" pitchFamily="34" charset="0"/>
                 <a:ea typeface="Calibri" panose="020F0502020204030204" pitchFamily="34" charset="0"/>
@@ -12328,7 +11530,7 @@
               <a:t>: Helps </a:t>
             </a:r>
             <a:r>
-              <a:rPr lang="en-KE" sz="1800" kern="100" dirty="0" err="1">
+              <a:rPr lang="en-US" sz="1800" kern="100" dirty="0" err="1">
                 <a:effectLst/>
                 <a:latin typeface="Calibri" panose="020F0502020204030204" pitchFamily="34" charset="0"/>
                 <a:ea typeface="Calibri" panose="020F0502020204030204" pitchFamily="34" charset="0"/>
@@ -12337,7 +11539,7 @@
               <a:t>analyze</a:t>
             </a:r>
             <a:r>
-              <a:rPr lang="en-KE" sz="1800" kern="100" dirty="0">
+              <a:rPr lang="en-US" sz="1800" kern="100" dirty="0">
                 <a:effectLst/>
                 <a:latin typeface="Calibri" panose="020F0502020204030204" pitchFamily="34" charset="0"/>
                 <a:ea typeface="Calibri" panose="020F0502020204030204" pitchFamily="34" charset="0"/>
@@ -12345,6 +11547,12 @@
               </a:rPr>
               <a:t> how different studios perform over time.</a:t>
             </a:r>
+            <a:endParaRPr lang="en-US" sz="1800" kern="100" dirty="0">
+              <a:effectLst/>
+              <a:latin typeface="Calibri" panose="020F0502020204030204" pitchFamily="34" charset="0"/>
+              <a:ea typeface="Calibri" panose="020F0502020204030204" pitchFamily="34" charset="0"/>
+              <a:cs typeface="Times New Roman" panose="02020603050405020304" pitchFamily="18" charset="0"/>
+            </a:endParaRPr>
           </a:p>
           <a:p>
             <a:pPr marL="342900" lvl="0" indent="-342900">
@@ -12362,7 +11570,7 @@
               </a:tabLst>
             </a:pPr>
             <a:r>
-              <a:rPr lang="en-KE" sz="1800" b="1" kern="100" dirty="0">
+              <a:rPr lang="en-US" sz="1800" b="1" kern="100" dirty="0">
                 <a:effectLst/>
                 <a:latin typeface="Calibri" panose="020F0502020204030204" pitchFamily="34" charset="0"/>
                 <a:ea typeface="Calibri" panose="020F0502020204030204" pitchFamily="34" charset="0"/>
@@ -12371,7 +11579,7 @@
               <a:t>International Box Office</a:t>
             </a:r>
             <a:r>
-              <a:rPr lang="en-KE" sz="1800" kern="100" dirty="0">
+              <a:rPr lang="en-US" sz="1800" kern="100" dirty="0">
                 <a:effectLst/>
                 <a:latin typeface="Calibri" panose="020F0502020204030204" pitchFamily="34" charset="0"/>
                 <a:ea typeface="Calibri" panose="020F0502020204030204" pitchFamily="34" charset="0"/>
@@ -12379,21 +11587,21 @@
               </a:rPr>
               <a:t>: Useful for cross-region comparison and global trends.</a:t>
             </a:r>
-          </a:p>
-          <a:p>
-            <a:endParaRPr lang="en-KE" dirty="0"/>
-          </a:p>
-        </p:txBody>
-      </p:sp>
-      <p:sp>
-        <p:nvSpPr>
-          <p:cNvPr id="4" name="Footer Placeholder 3">
-            <a:extLst>
-              <a:ext uri="{FF2B5EF4-FFF2-40B4-BE49-F238E27FC236}">
-                <a16:creationId xmlns:a16="http://schemas.microsoft.com/office/drawing/2014/main" id="{6791F205-0073-CC0B-ADF2-6FBCA8578AD8}"/>
-              </a:ext>
-            </a:extLst>
-          </p:cNvPr>
+            <a:endParaRPr lang="en-US" sz="1800" kern="100" dirty="0">
+              <a:effectLst/>
+              <a:latin typeface="Calibri" panose="020F0502020204030204" pitchFamily="34" charset="0"/>
+              <a:ea typeface="Calibri" panose="020F0502020204030204" pitchFamily="34" charset="0"/>
+              <a:cs typeface="Times New Roman" panose="02020603050405020304" pitchFamily="18" charset="0"/>
+            </a:endParaRPr>
+          </a:p>
+          <a:p>
+            <a:endParaRPr lang="en-US" dirty="0"/>
+          </a:p>
+        </p:txBody>
+      </p:sp>
+      <p:sp>
+        <p:nvSpPr>
+          <p:cNvPr id="4" name="Footer Placeholder 3"/>
           <p:cNvSpPr>
             <a:spLocks noGrp="1"/>
           </p:cNvSpPr>
@@ -12410,19 +11618,13 @@
               <a:rPr lang="en-GB"/>
               <a:t>GROUP ONE  PHASE TWO PROJECT</a:t>
             </a:r>
-            <a:endParaRPr lang="en-KE"/>
-          </a:p>
-        </p:txBody>
-      </p:sp>
-      <p:sp>
-        <p:nvSpPr>
-          <p:cNvPr id="5" name="Slide Number Placeholder 4">
-            <a:extLst>
-              <a:ext uri="{FF2B5EF4-FFF2-40B4-BE49-F238E27FC236}">
-                <a16:creationId xmlns:a16="http://schemas.microsoft.com/office/drawing/2014/main" id="{A3A6F30B-FE57-5931-A3AF-FF761AC00963}"/>
-              </a:ext>
-            </a:extLst>
-          </p:cNvPr>
+            <a:endParaRPr lang="en-US"/>
+          </a:p>
+        </p:txBody>
+      </p:sp>
+      <p:sp>
+        <p:nvSpPr>
+          <p:cNvPr id="5" name="Slide Number Placeholder 4"/>
           <p:cNvSpPr>
             <a:spLocks noGrp="1"/>
           </p:cNvSpPr>
@@ -12436,19 +11638,13 @@
           <a:lstStyle/>
           <a:p>
             <a:fld id="{C4C7283F-616F-4503-ABBD-21FFB2848302}" type="slidenum">
-              <a:rPr lang="en-KE" smtClean="0"/>
-              <a:t>6</a:t>
+              <a:rPr lang="en-US" smtClean="0"/>
             </a:fld>
-            <a:endParaRPr lang="en-KE"/>
+            <a:endParaRPr lang="en-US"/>
           </a:p>
         </p:txBody>
       </p:sp>
     </p:spTree>
-    <p:extLst>
-      <p:ext uri="{BB962C8B-B14F-4D97-AF65-F5344CB8AC3E}">
-        <p14:creationId xmlns:p14="http://schemas.microsoft.com/office/powerpoint/2010/main" val="681669845"/>
-      </p:ext>
-    </p:extLst>
   </p:cSld>
   <p:clrMapOvr>
     <a:masterClrMapping/>
@@ -12475,13 +11671,7 @@
       </p:grpSpPr>
       <p:sp>
         <p:nvSpPr>
-          <p:cNvPr id="2" name="Title 1">
-            <a:extLst>
-              <a:ext uri="{FF2B5EF4-FFF2-40B4-BE49-F238E27FC236}">
-                <a16:creationId xmlns:a16="http://schemas.microsoft.com/office/drawing/2014/main" id="{801787DD-29B1-3CA8-B6CB-2AF60A15AEA3}"/>
-              </a:ext>
-            </a:extLst>
-          </p:cNvPr>
+          <p:cNvPr id="2" name="Title 1"/>
           <p:cNvSpPr>
             <a:spLocks noGrp="1"/>
           </p:cNvSpPr>
@@ -12498,19 +11688,13 @@
               <a:rPr lang="en-US" b="1" dirty="0"/>
               <a:t>OBJECTIVES/GOALS</a:t>
             </a:r>
-            <a:endParaRPr lang="en-KE" b="1" dirty="0"/>
-          </a:p>
-        </p:txBody>
-      </p:sp>
-      <p:sp>
-        <p:nvSpPr>
-          <p:cNvPr id="3" name="Subtitle 2">
-            <a:extLst>
-              <a:ext uri="{FF2B5EF4-FFF2-40B4-BE49-F238E27FC236}">
-                <a16:creationId xmlns:a16="http://schemas.microsoft.com/office/drawing/2014/main" id="{5EDDC94D-B677-0D59-BE22-9BF3DC3737AE}"/>
-              </a:ext>
-            </a:extLst>
-          </p:cNvPr>
+            <a:endParaRPr lang="en-US" b="1" dirty="0"/>
+          </a:p>
+        </p:txBody>
+      </p:sp>
+      <p:sp>
+        <p:nvSpPr>
+          <p:cNvPr id="3" name="Subtitle 2"/>
           <p:cNvSpPr>
             <a:spLocks noGrp="1"/>
           </p:cNvSpPr>
@@ -12526,7 +11710,7 @@
           <a:lstStyle/>
           <a:p>
             <a:r>
-              <a:rPr lang="en-KE" sz="1800" kern="100" dirty="0">
+              <a:rPr lang="en-US" sz="1800" kern="100" dirty="0">
                 <a:effectLst/>
                 <a:latin typeface="Calibri" panose="020F0502020204030204" pitchFamily="34" charset="0"/>
                 <a:ea typeface="Calibri" panose="020F0502020204030204" pitchFamily="34" charset="0"/>
@@ -12535,7 +11719,7 @@
               <a:t>To </a:t>
             </a:r>
             <a:r>
-              <a:rPr lang="en-KE" sz="1800" kern="100" dirty="0" err="1">
+              <a:rPr lang="en-US" sz="1800" kern="100" dirty="0" err="1">
                 <a:effectLst/>
                 <a:latin typeface="Calibri" panose="020F0502020204030204" pitchFamily="34" charset="0"/>
                 <a:ea typeface="Calibri" panose="020F0502020204030204" pitchFamily="34" charset="0"/>
@@ -12544,7 +11728,7 @@
               <a:t>analyze</a:t>
             </a:r>
             <a:r>
-              <a:rPr lang="en-KE" sz="1800" kern="100" dirty="0">
+              <a:rPr lang="en-US" sz="1800" kern="100" dirty="0">
                 <a:effectLst/>
                 <a:latin typeface="Calibri" panose="020F0502020204030204" pitchFamily="34" charset="0"/>
                 <a:ea typeface="Calibri" panose="020F0502020204030204" pitchFamily="34" charset="0"/>
@@ -12552,21 +11736,21 @@
               </a:rPr>
               <a:t> movie data and uncover key patterns in revenue, popularity, ratings, and director influence across genres, providing actionable insights for business growth and strategic decision-making.</a:t>
             </a:r>
-          </a:p>
-          <a:p>
-            <a:endParaRPr lang="en-KE" dirty="0"/>
-          </a:p>
-        </p:txBody>
-      </p:sp>
-      <p:sp>
-        <p:nvSpPr>
-          <p:cNvPr id="4" name="Footer Placeholder 3">
-            <a:extLst>
-              <a:ext uri="{FF2B5EF4-FFF2-40B4-BE49-F238E27FC236}">
-                <a16:creationId xmlns:a16="http://schemas.microsoft.com/office/drawing/2014/main" id="{DBEB5539-8EFC-6841-A753-BEB79F13F38D}"/>
-              </a:ext>
-            </a:extLst>
-          </p:cNvPr>
+            <a:endParaRPr lang="en-US" sz="1800" kern="100" dirty="0">
+              <a:effectLst/>
+              <a:latin typeface="Calibri" panose="020F0502020204030204" pitchFamily="34" charset="0"/>
+              <a:ea typeface="Calibri" panose="020F0502020204030204" pitchFamily="34" charset="0"/>
+              <a:cs typeface="Times New Roman" panose="02020603050405020304" pitchFamily="18" charset="0"/>
+            </a:endParaRPr>
+          </a:p>
+          <a:p>
+            <a:endParaRPr lang="en-US" dirty="0"/>
+          </a:p>
+        </p:txBody>
+      </p:sp>
+      <p:sp>
+        <p:nvSpPr>
+          <p:cNvPr id="4" name="Footer Placeholder 3"/>
           <p:cNvSpPr>
             <a:spLocks noGrp="1"/>
           </p:cNvSpPr>
@@ -12583,19 +11767,13 @@
               <a:rPr lang="en-GB"/>
               <a:t>GROUP ONE  PHASE TWO PROJECT</a:t>
             </a:r>
-            <a:endParaRPr lang="en-KE"/>
-          </a:p>
-        </p:txBody>
-      </p:sp>
-      <p:sp>
-        <p:nvSpPr>
-          <p:cNvPr id="5" name="Slide Number Placeholder 4">
-            <a:extLst>
-              <a:ext uri="{FF2B5EF4-FFF2-40B4-BE49-F238E27FC236}">
-                <a16:creationId xmlns:a16="http://schemas.microsoft.com/office/drawing/2014/main" id="{4B2A7149-22D1-DB91-F1B2-1970704D9279}"/>
-              </a:ext>
-            </a:extLst>
-          </p:cNvPr>
+            <a:endParaRPr lang="en-US"/>
+          </a:p>
+        </p:txBody>
+      </p:sp>
+      <p:sp>
+        <p:nvSpPr>
+          <p:cNvPr id="5" name="Slide Number Placeholder 4"/>
           <p:cNvSpPr>
             <a:spLocks noGrp="1"/>
           </p:cNvSpPr>
@@ -12609,19 +11787,13 @@
           <a:lstStyle/>
           <a:p>
             <a:fld id="{C4C7283F-616F-4503-ABBD-21FFB2848302}" type="slidenum">
-              <a:rPr lang="en-KE" smtClean="0"/>
-              <a:t>7</a:t>
+              <a:rPr lang="en-US" smtClean="0"/>
             </a:fld>
-            <a:endParaRPr lang="en-KE"/>
+            <a:endParaRPr lang="en-US"/>
           </a:p>
         </p:txBody>
       </p:sp>
     </p:spTree>
-    <p:extLst>
-      <p:ext uri="{BB962C8B-B14F-4D97-AF65-F5344CB8AC3E}">
-        <p14:creationId xmlns:p14="http://schemas.microsoft.com/office/powerpoint/2010/main" val="65170766"/>
-      </p:ext>
-    </p:extLst>
   </p:cSld>
   <p:clrMapOvr>
     <a:masterClrMapping/>
@@ -12648,13 +11820,7 @@
       </p:grpSpPr>
       <p:sp>
         <p:nvSpPr>
-          <p:cNvPr id="2" name="Title 1">
-            <a:extLst>
-              <a:ext uri="{FF2B5EF4-FFF2-40B4-BE49-F238E27FC236}">
-                <a16:creationId xmlns:a16="http://schemas.microsoft.com/office/drawing/2014/main" id="{350ADEF8-57FF-7762-7CB3-201E8BFA8E23}"/>
-              </a:ext>
-            </a:extLst>
-          </p:cNvPr>
+          <p:cNvPr id="2" name="Title 1"/>
           <p:cNvSpPr>
             <a:spLocks noGrp="1"/>
           </p:cNvSpPr>
@@ -12671,19 +11837,13 @@
               <a:rPr lang="en-US" dirty="0"/>
               <a:t>METHODOLOGY</a:t>
             </a:r>
-            <a:endParaRPr lang="en-KE" dirty="0"/>
-          </a:p>
-        </p:txBody>
-      </p:sp>
-      <p:sp>
-        <p:nvSpPr>
-          <p:cNvPr id="3" name="Content Placeholder 2">
-            <a:extLst>
-              <a:ext uri="{FF2B5EF4-FFF2-40B4-BE49-F238E27FC236}">
-                <a16:creationId xmlns:a16="http://schemas.microsoft.com/office/drawing/2014/main" id="{1B44CB7B-C291-2751-5FEE-48716DFFDD33}"/>
-              </a:ext>
-            </a:extLst>
-          </p:cNvPr>
+            <a:endParaRPr lang="en-US" dirty="0"/>
+          </a:p>
+        </p:txBody>
+      </p:sp>
+      <p:sp>
+        <p:nvSpPr>
+          <p:cNvPr id="3" name="Content Placeholder 2"/>
           <p:cNvSpPr>
             <a:spLocks noGrp="1"/>
           </p:cNvSpPr>
@@ -12734,6 +11894,7 @@
               <a:rPr lang="en-US" dirty="0"/>
               <a:t> data .this prompted for dropping them, for security reasons.</a:t>
             </a:r>
+            <a:endParaRPr lang="en-US" dirty="0"/>
           </a:p>
           <a:p>
             <a:r>
@@ -12748,6 +11909,7 @@
               <a:rPr lang="en-US" dirty="0"/>
               <a:t> values and logical consistency.</a:t>
             </a:r>
+            <a:endParaRPr lang="en-US" dirty="0"/>
           </a:p>
           <a:p>
             <a:r>
@@ -12762,60 +11924,70 @@
               <a:rPr lang="en-US" dirty="0"/>
               <a:t>.</a:t>
             </a:r>
+            <a:endParaRPr lang="en-US" dirty="0"/>
           </a:p>
           <a:p>
             <a:r>
               <a:rPr lang="en-US" dirty="0"/>
               <a:t>Checking data uniformity.</a:t>
             </a:r>
+            <a:endParaRPr lang="en-US" dirty="0"/>
           </a:p>
           <a:p>
             <a:r>
               <a:rPr lang="en-US" dirty="0"/>
               <a:t>Imputing using the median and Q3.</a:t>
             </a:r>
+            <a:endParaRPr lang="en-US" dirty="0"/>
           </a:p>
           <a:p>
             <a:r>
               <a:rPr lang="en-US" dirty="0"/>
               <a:t>Checking categorical columns.</a:t>
             </a:r>
+            <a:endParaRPr lang="en-US" dirty="0"/>
           </a:p>
           <a:p>
             <a:r>
               <a:rPr lang="en-US" dirty="0"/>
               <a:t>Checking duplicates.(none).</a:t>
             </a:r>
+            <a:endParaRPr lang="en-US" dirty="0"/>
           </a:p>
           <a:p>
             <a:r>
               <a:rPr lang="en-US" dirty="0"/>
               <a:t>Checking for outliers.</a:t>
             </a:r>
+            <a:endParaRPr lang="en-US" dirty="0"/>
           </a:p>
           <a:p>
             <a:r>
               <a:rPr lang="en-US" dirty="0"/>
               <a:t>Convert names in ‘make’ to lower case</a:t>
             </a:r>
+            <a:endParaRPr lang="en-US" dirty="0"/>
           </a:p>
           <a:p>
             <a:r>
               <a:rPr lang="en-US" dirty="0"/>
               <a:t>Saving the clean data.</a:t>
             </a:r>
+            <a:endParaRPr lang="en-US" dirty="0"/>
           </a:p>
           <a:p>
             <a:r>
               <a:rPr lang="en-US" dirty="0"/>
               <a:t>Hypothesis testing and modeling.</a:t>
             </a:r>
+            <a:endParaRPr lang="en-US" dirty="0"/>
           </a:p>
           <a:p>
             <a:r>
               <a:rPr lang="en-US" dirty="0"/>
               <a:t>Connect clean data to tableau.</a:t>
             </a:r>
+            <a:endParaRPr lang="en-US" dirty="0"/>
           </a:p>
           <a:p>
             <a:r>
@@ -12838,36 +12010,32 @@
               <a:rPr lang="en-US" dirty="0"/>
               <a:t>.</a:t>
             </a:r>
+            <a:endParaRPr lang="en-US" dirty="0"/>
           </a:p>
           <a:p>
             <a:r>
               <a:rPr lang="en-US" dirty="0"/>
               <a:t>Conclusion</a:t>
             </a:r>
-          </a:p>
-          <a:p>
-            <a:endParaRPr lang="en-US" dirty="0"/>
-          </a:p>
-          <a:p>
-            <a:endParaRPr lang="en-US" dirty="0"/>
-          </a:p>
-          <a:p>
-            <a:endParaRPr lang="en-KE" dirty="0"/>
-          </a:p>
-          <a:p>
-            <a:endParaRPr lang="en-KE" dirty="0"/>
-          </a:p>
-        </p:txBody>
-      </p:sp>
-      <p:sp>
-        <p:nvSpPr>
-          <p:cNvPr id="4" name="Footer Placeholder 3">
-            <a:extLst>
-              <a:ext uri="{FF2B5EF4-FFF2-40B4-BE49-F238E27FC236}">
-                <a16:creationId xmlns:a16="http://schemas.microsoft.com/office/drawing/2014/main" id="{AFB69856-357D-35E7-1D36-F5BE2CF4844D}"/>
-              </a:ext>
-            </a:extLst>
-          </p:cNvPr>
+            <a:endParaRPr lang="en-US" dirty="0"/>
+          </a:p>
+          <a:p>
+            <a:endParaRPr lang="en-US" dirty="0"/>
+          </a:p>
+          <a:p>
+            <a:endParaRPr lang="en-US" dirty="0"/>
+          </a:p>
+          <a:p>
+            <a:endParaRPr lang="en-US" dirty="0"/>
+          </a:p>
+          <a:p>
+            <a:endParaRPr lang="en-US" dirty="0"/>
+          </a:p>
+        </p:txBody>
+      </p:sp>
+      <p:sp>
+        <p:nvSpPr>
+          <p:cNvPr id="4" name="Footer Placeholder 3"/>
           <p:cNvSpPr>
             <a:spLocks noGrp="1"/>
           </p:cNvSpPr>
@@ -12884,19 +12052,13 @@
               <a:rPr lang="en-GB"/>
               <a:t>GROUP ONE  PHASE TWO PROJECT</a:t>
             </a:r>
-            <a:endParaRPr lang="en-KE"/>
-          </a:p>
-        </p:txBody>
-      </p:sp>
-      <p:sp>
-        <p:nvSpPr>
-          <p:cNvPr id="5" name="Slide Number Placeholder 4">
-            <a:extLst>
-              <a:ext uri="{FF2B5EF4-FFF2-40B4-BE49-F238E27FC236}">
-                <a16:creationId xmlns:a16="http://schemas.microsoft.com/office/drawing/2014/main" id="{7703BB30-1CF4-2590-2556-778513D75594}"/>
-              </a:ext>
-            </a:extLst>
-          </p:cNvPr>
+            <a:endParaRPr lang="en-US"/>
+          </a:p>
+        </p:txBody>
+      </p:sp>
+      <p:sp>
+        <p:nvSpPr>
+          <p:cNvPr id="5" name="Slide Number Placeholder 4"/>
           <p:cNvSpPr>
             <a:spLocks noGrp="1"/>
           </p:cNvSpPr>
@@ -12910,19 +12072,13 @@
           <a:lstStyle/>
           <a:p>
             <a:fld id="{C4C7283F-616F-4503-ABBD-21FFB2848302}" type="slidenum">
-              <a:rPr lang="en-KE" smtClean="0"/>
-              <a:t>8</a:t>
+              <a:rPr lang="en-US" smtClean="0"/>
             </a:fld>
-            <a:endParaRPr lang="en-KE"/>
+            <a:endParaRPr lang="en-US"/>
           </a:p>
         </p:txBody>
       </p:sp>
     </p:spTree>
-    <p:extLst>
-      <p:ext uri="{BB962C8B-B14F-4D97-AF65-F5344CB8AC3E}">
-        <p14:creationId xmlns:p14="http://schemas.microsoft.com/office/powerpoint/2010/main" val="1184299866"/>
-      </p:ext>
-    </p:extLst>
   </p:cSld>
   <p:clrMapOvr>
     <a:masterClrMapping/>
@@ -12949,13 +12105,7 @@
       </p:grpSpPr>
       <p:sp>
         <p:nvSpPr>
-          <p:cNvPr id="2" name="Title 1">
-            <a:extLst>
-              <a:ext uri="{FF2B5EF4-FFF2-40B4-BE49-F238E27FC236}">
-                <a16:creationId xmlns:a16="http://schemas.microsoft.com/office/drawing/2014/main" id="{0E80EF40-C7F1-B57A-B6C9-8F9063E9D89B}"/>
-              </a:ext>
-            </a:extLst>
-          </p:cNvPr>
+          <p:cNvPr id="2" name="Title 1"/>
           <p:cNvSpPr>
             <a:spLocks noGrp="1"/>
           </p:cNvSpPr>
@@ -12979,19 +12129,13 @@
               <a:rPr lang="en-US" b="1" dirty="0"/>
               <a:t>REPORT</a:t>
             </a:r>
-            <a:endParaRPr lang="en-KE" b="1" dirty="0"/>
-          </a:p>
-        </p:txBody>
-      </p:sp>
-      <p:sp>
-        <p:nvSpPr>
-          <p:cNvPr id="3" name="Subtitle 2">
-            <a:extLst>
-              <a:ext uri="{FF2B5EF4-FFF2-40B4-BE49-F238E27FC236}">
-                <a16:creationId xmlns:a16="http://schemas.microsoft.com/office/drawing/2014/main" id="{3CD3258D-BC3F-2574-D306-DA7672D2D72D}"/>
-              </a:ext>
-            </a:extLst>
-          </p:cNvPr>
+            <a:endParaRPr lang="en-US" b="1" dirty="0"/>
+          </a:p>
+        </p:txBody>
+      </p:sp>
+      <p:sp>
+        <p:nvSpPr>
+          <p:cNvPr id="3" name="Subtitle 2"/>
           <p:cNvSpPr>
             <a:spLocks noGrp="1"/>
           </p:cNvSpPr>
@@ -13010,19 +12154,13 @@
               <a:rPr lang="en-US" dirty="0"/>
               <a:t>The data cleaning involved: renaming of columns ,checking duplicates ,removing outliers , feature engineering and saving the datasets for re-use.</a:t>
             </a:r>
-            <a:endParaRPr lang="en-KE" dirty="0"/>
-          </a:p>
-        </p:txBody>
-      </p:sp>
-      <p:sp>
-        <p:nvSpPr>
-          <p:cNvPr id="4" name="Footer Placeholder 3">
-            <a:extLst>
-              <a:ext uri="{FF2B5EF4-FFF2-40B4-BE49-F238E27FC236}">
-                <a16:creationId xmlns:a16="http://schemas.microsoft.com/office/drawing/2014/main" id="{8C7F0C7F-B475-E6D3-A34C-80E5DFEBCAE3}"/>
-              </a:ext>
-            </a:extLst>
-          </p:cNvPr>
+            <a:endParaRPr lang="en-US" dirty="0"/>
+          </a:p>
+        </p:txBody>
+      </p:sp>
+      <p:sp>
+        <p:nvSpPr>
+          <p:cNvPr id="4" name="Footer Placeholder 3"/>
           <p:cNvSpPr>
             <a:spLocks noGrp="1"/>
           </p:cNvSpPr>
@@ -13039,19 +12177,13 @@
               <a:rPr lang="en-GB"/>
               <a:t>GROUP ONE  PHASE TWO PROJECT</a:t>
             </a:r>
-            <a:endParaRPr lang="en-KE"/>
-          </a:p>
-        </p:txBody>
-      </p:sp>
-      <p:sp>
-        <p:nvSpPr>
-          <p:cNvPr id="5" name="Slide Number Placeholder 4">
-            <a:extLst>
-              <a:ext uri="{FF2B5EF4-FFF2-40B4-BE49-F238E27FC236}">
-                <a16:creationId xmlns:a16="http://schemas.microsoft.com/office/drawing/2014/main" id="{2E92D4E6-46AB-01BE-F09E-BEA6C7A9B2C3}"/>
-              </a:ext>
-            </a:extLst>
-          </p:cNvPr>
+            <a:endParaRPr lang="en-US"/>
+          </a:p>
+        </p:txBody>
+      </p:sp>
+      <p:sp>
+        <p:nvSpPr>
+          <p:cNvPr id="5" name="Slide Number Placeholder 4"/>
           <p:cNvSpPr>
             <a:spLocks noGrp="1"/>
           </p:cNvSpPr>
@@ -13065,19 +12197,13 @@
           <a:lstStyle/>
           <a:p>
             <a:fld id="{C4C7283F-616F-4503-ABBD-21FFB2848302}" type="slidenum">
-              <a:rPr lang="en-KE" smtClean="0"/>
-              <a:t>9</a:t>
+              <a:rPr lang="en-US" smtClean="0"/>
             </a:fld>
-            <a:endParaRPr lang="en-KE"/>
+            <a:endParaRPr lang="en-US"/>
           </a:p>
         </p:txBody>
       </p:sp>
     </p:spTree>
-    <p:extLst>
-      <p:ext uri="{BB962C8B-B14F-4D97-AF65-F5344CB8AC3E}">
-        <p14:creationId xmlns:p14="http://schemas.microsoft.com/office/powerpoint/2010/main" val="3992488839"/>
-      </p:ext>
-    </p:extLst>
   </p:cSld>
   <p:clrMapOvr>
     <a:masterClrMapping/>
@@ -13128,7 +12254,7 @@
     </a:clrScheme>
     <a:fontScheme name="Facet">
       <a:majorFont>
-        <a:latin typeface="Trebuchet MS" panose="020B0603020202020204"/>
+        <a:latin typeface="Trebuchet MS"/>
         <a:ea typeface=""/>
         <a:cs typeface=""/>
         <a:font script="Jpan" typeface="メイリオ"/>
@@ -13163,7 +12289,7 @@
         <a:font script="Geor" typeface="Sylfaen"/>
       </a:majorFont>
       <a:minorFont>
-        <a:latin typeface="Trebuchet MS" panose="020B0603020202020204"/>
+        <a:latin typeface="Trebuchet MS"/>
         <a:ea typeface=""/>
         <a:cs typeface=""/>
         <a:font script="Jpan" typeface="メイリオ"/>
@@ -13332,11 +12458,9 @@
       </a:bgFillStyleLst>
     </a:fmtScheme>
   </a:themeElements>
-  <a:objectDefaults/>
-  <a:extraClrSchemeLst/>
   <a:extLst>
     <a:ext uri="{05A4C25C-085E-4340-85A3-A5531E510DB2}">
-      <thm15:themeFamily xmlns:thm15="http://schemas.microsoft.com/office/thememl/2012/main" name="Facet" id="{C0C680CD-088A-49FC-A102-D699147F32B2}" vid="{0B5AB586-D108-4FC1-8368-649FE654B894}"/>
+      <thm15:themeFamily xmlns:thm15="http://schemas.microsoft.com/office/thememl/2012/main" name="Office Theme" id="{62F939B6-93AF-4DB8-9C6B-D6C7DFDC589F}" vid="{4A3C46E8-61CC-4603-A589-7422A47A8E4A}"/>
     </a:ext>
   </a:extLst>
 </a:theme>
@@ -13385,7 +12509,7 @@
     </a:clrScheme>
     <a:fontScheme name="Office">
       <a:majorFont>
-        <a:latin typeface="Calibri Light" panose="020F0302020204030204"/>
+        <a:latin typeface="Calibri Light"/>
         <a:ea typeface=""/>
         <a:cs typeface=""/>
         <a:font script="Jpan" typeface="游ゴシック Light"/>
@@ -13418,26 +12542,9 @@
         <a:font script="Viet" typeface="Times New Roman"/>
         <a:font script="Uigh" typeface="Microsoft Uighur"/>
         <a:font script="Geor" typeface="Sylfaen"/>
-        <a:font script="Armn" typeface="Arial"/>
-        <a:font script="Bugi" typeface="Leelawadee UI"/>
-        <a:font script="Bopo" typeface="Microsoft JhengHei"/>
-        <a:font script="Java" typeface="Javanese Text"/>
-        <a:font script="Lisu" typeface="Segoe UI"/>
-        <a:font script="Mymr" typeface="Myanmar Text"/>
-        <a:font script="Nkoo" typeface="Ebrima"/>
-        <a:font script="Olck" typeface="Nirmala UI"/>
-        <a:font script="Osma" typeface="Ebrima"/>
-        <a:font script="Phag" typeface="Phagspa"/>
-        <a:font script="Syrn" typeface="Estrangelo Edessa"/>
-        <a:font script="Syrj" typeface="Estrangelo Edessa"/>
-        <a:font script="Syre" typeface="Estrangelo Edessa"/>
-        <a:font script="Sora" typeface="Nirmala UI"/>
-        <a:font script="Tale" typeface="Microsoft Tai Le"/>
-        <a:font script="Talu" typeface="Microsoft New Tai Lue"/>
-        <a:font script="Tfng" typeface="Ebrima"/>
       </a:majorFont>
       <a:minorFont>
-        <a:latin typeface="Calibri" panose="020F0502020204030204"/>
+        <a:latin typeface="Calibri"/>
         <a:ea typeface=""/>
         <a:cs typeface=""/>
         <a:font script="Jpan" typeface="游ゴシック"/>
@@ -13470,23 +12577,6 @@
         <a:font script="Viet" typeface="Arial"/>
         <a:font script="Uigh" typeface="Microsoft Uighur"/>
         <a:font script="Geor" typeface="Sylfaen"/>
-        <a:font script="Armn" typeface="Arial"/>
-        <a:font script="Bugi" typeface="Leelawadee UI"/>
-        <a:font script="Bopo" typeface="Microsoft JhengHei"/>
-        <a:font script="Java" typeface="Javanese Text"/>
-        <a:font script="Lisu" typeface="Segoe UI"/>
-        <a:font script="Mymr" typeface="Myanmar Text"/>
-        <a:font script="Nkoo" typeface="Ebrima"/>
-        <a:font script="Olck" typeface="Nirmala UI"/>
-        <a:font script="Osma" typeface="Ebrima"/>
-        <a:font script="Phag" typeface="Phagspa"/>
-        <a:font script="Syrn" typeface="Estrangelo Edessa"/>
-        <a:font script="Syrj" typeface="Estrangelo Edessa"/>
-        <a:font script="Syre" typeface="Estrangelo Edessa"/>
-        <a:font script="Sora" typeface="Nirmala UI"/>
-        <a:font script="Tale" typeface="Microsoft Tai Le"/>
-        <a:font script="Talu" typeface="Microsoft New Tai Lue"/>
-        <a:font script="Tfng" typeface="Ebrima"/>
       </a:minorFont>
     </a:fontScheme>
     <a:fmtScheme name="Office">
@@ -13627,8 +12717,6 @@
       </a:bgFillStyleLst>
     </a:fmtScheme>
   </a:themeElements>
-  <a:objectDefaults/>
-  <a:extraClrSchemeLst/>
   <a:extLst>
     <a:ext uri="{05A4C25C-085E-4340-85A3-A5531E510DB2}">
       <thm15:themeFamily xmlns:thm15="http://schemas.microsoft.com/office/thememl/2012/main" name="Office Theme" id="{62F939B6-93AF-4DB8-9C6B-D6C7DFDC589F}" vid="{4A3C46E8-61CC-4603-A589-7422A47A8E4A}"/>

--- a/PHASE TWO NON _TECH.pptx
+++ b/PHASE TWO NON _TECH.pptx
@@ -5,36 +5,39 @@
     <p:sldMasterId id="2147483648" r:id="rId1"/>
   </p:sldMasterIdLst>
   <p:notesMasterIdLst>
-    <p:notesMasterId r:id="rId4"/>
+    <p:notesMasterId r:id="rId32"/>
   </p:notesMasterIdLst>
   <p:sldIdLst>
-    <p:sldId id="265" r:id="rId3"/>
-    <p:sldId id="260" r:id="rId5"/>
-    <p:sldId id="286" r:id="rId6"/>
-    <p:sldId id="302" r:id="rId7"/>
-    <p:sldId id="301" r:id="rId8"/>
-    <p:sldId id="303" r:id="rId9"/>
-    <p:sldId id="263" r:id="rId10"/>
+    <p:sldId id="265" r:id="rId2"/>
+    <p:sldId id="260" r:id="rId3"/>
+    <p:sldId id="286" r:id="rId4"/>
+    <p:sldId id="302" r:id="rId5"/>
+    <p:sldId id="301" r:id="rId6"/>
+    <p:sldId id="307" r:id="rId7"/>
+    <p:sldId id="303" r:id="rId8"/>
+    <p:sldId id="263" r:id="rId9"/>
+    <p:sldId id="308" r:id="rId10"/>
     <p:sldId id="294" r:id="rId11"/>
-    <p:sldId id="262" r:id="rId12"/>
-    <p:sldId id="277" r:id="rId13"/>
-    <p:sldId id="278" r:id="rId14"/>
-    <p:sldId id="284" r:id="rId15"/>
-    <p:sldId id="281" r:id="rId16"/>
-    <p:sldId id="280" r:id="rId17"/>
-    <p:sldId id="258" r:id="rId18"/>
-    <p:sldId id="285" r:id="rId19"/>
-    <p:sldId id="275" r:id="rId20"/>
-    <p:sldId id="264" r:id="rId21"/>
-    <p:sldId id="305" r:id="rId22"/>
-    <p:sldId id="306" r:id="rId23"/>
-    <p:sldId id="304" r:id="rId24"/>
-    <p:sldId id="300" r:id="rId25"/>
-    <p:sldId id="295" r:id="rId26"/>
-    <p:sldId id="274" r:id="rId27"/>
-    <p:sldId id="298" r:id="rId28"/>
-    <p:sldId id="299" r:id="rId29"/>
-    <p:sldId id="297" r:id="rId30"/>
+    <p:sldId id="277" r:id="rId12"/>
+    <p:sldId id="309" r:id="rId13"/>
+    <p:sldId id="284" r:id="rId14"/>
+    <p:sldId id="281" r:id="rId15"/>
+    <p:sldId id="280" r:id="rId16"/>
+    <p:sldId id="258" r:id="rId17"/>
+    <p:sldId id="285" r:id="rId18"/>
+    <p:sldId id="275" r:id="rId19"/>
+    <p:sldId id="264" r:id="rId20"/>
+    <p:sldId id="305" r:id="rId21"/>
+    <p:sldId id="306" r:id="rId22"/>
+    <p:sldId id="300" r:id="rId23"/>
+    <p:sldId id="311" r:id="rId24"/>
+    <p:sldId id="312" r:id="rId25"/>
+    <p:sldId id="313" r:id="rId26"/>
+    <p:sldId id="314" r:id="rId27"/>
+    <p:sldId id="295" r:id="rId28"/>
+    <p:sldId id="304" r:id="rId29"/>
+    <p:sldId id="298" r:id="rId30"/>
+    <p:sldId id="297" r:id="rId31"/>
   </p:sldIdLst>
   <p:sldSz cx="12192000" cy="6858000"/>
   <p:notesSz cx="6858000" cy="9144000"/>
@@ -133,6 +136,11 @@
       </a:defRPr>
     </a:lvl9pPr>
   </p:defaultTextStyle>
+  <p:extLst>
+    <p:ext uri="{EFAFB233-063F-42B5-8137-9DF3F51BA10A}">
+      <p15:sldGuideLst xmlns:p15="http://schemas.microsoft.com/office/powerpoint/2012/main"/>
+    </p:ext>
+  </p:extLst>
 </p:presentation>
 </file>
 
@@ -218,6 +226,7 @@
           <a:p>
             <a:fld id="{3C8DC98E-0935-450B-8735-8E0C5EDF216B}" type="datetimeFigureOut">
               <a:rPr lang="en-US" smtClean="0"/>
+              <a:t>1/18/2025</a:t>
             </a:fld>
             <a:endParaRPr lang="en-US"/>
           </a:p>
@@ -284,7 +293,6 @@
               <a:rPr lang="en-US"/>
               <a:t>Click to edit Master text styles</a:t>
             </a:r>
-            <a:endParaRPr lang="en-US"/>
           </a:p>
           <a:p>
             <a:pPr lvl="1"/>
@@ -292,7 +300,6 @@
               <a:rPr lang="en-US"/>
               <a:t>Second level</a:t>
             </a:r>
-            <a:endParaRPr lang="en-US"/>
           </a:p>
           <a:p>
             <a:pPr lvl="2"/>
@@ -300,7 +307,6 @@
               <a:rPr lang="en-US"/>
               <a:t>Third level</a:t>
             </a:r>
-            <a:endParaRPr lang="en-US"/>
           </a:p>
           <a:p>
             <a:pPr lvl="3"/>
@@ -308,7 +314,6 @@
               <a:rPr lang="en-US"/>
               <a:t>Fourth level</a:t>
             </a:r>
-            <a:endParaRPr lang="en-US"/>
           </a:p>
           <a:p>
             <a:pPr lvl="4"/>
@@ -316,7 +321,6 @@
               <a:rPr lang="en-US"/>
               <a:t>Fifth level</a:t>
             </a:r>
-            <a:endParaRPr lang="en-US"/>
           </a:p>
         </p:txBody>
       </p:sp>
@@ -380,6 +384,7 @@
           <a:p>
             <a:fld id="{B6AC3967-BB65-4606-A24D-E6ADEBE089F7}" type="slidenum">
               <a:rPr lang="en-US" smtClean="0"/>
+              <a:t>‹#›</a:t>
             </a:fld>
             <a:endParaRPr lang="en-US"/>
           </a:p>
@@ -548,6 +553,7 @@
           <a:p>
             <a:fld id="{9268FF88-4020-46A2-AED2-9D5F0886B732}" type="slidenum">
               <a:rPr lang="en-US" smtClean="0"/>
+              <a:t>1</a:t>
             </a:fld>
             <a:endParaRPr lang="en-US"/>
           </a:p>
@@ -605,18 +611,6 @@
           <a:bodyPr/>
           <a:lstStyle/>
           <a:p>
-            <a:r>
-              <a:rPr lang="en-US" dirty="0"/>
-              <a:t>FIG 9:Drama,ACTION And </a:t>
-            </a:r>
-            <a:r>
-              <a:rPr lang="en-US" dirty="0" err="1"/>
-              <a:t>Adventure,comedy</a:t>
-            </a:r>
-            <a:r>
-              <a:rPr lang="en-US" dirty="0"/>
-              <a:t> showed an increasing trend in terms of gross profits.</a:t>
-            </a:r>
             <a:endParaRPr lang="en-US" dirty="0"/>
           </a:p>
         </p:txBody>
@@ -638,6 +632,7 @@
           <a:p>
             <a:fld id="{B6AC3967-BB65-4606-A24D-E6ADEBE089F7}" type="slidenum">
               <a:rPr lang="en-US" smtClean="0"/>
+              <a:t>19</a:t>
             </a:fld>
             <a:endParaRPr lang="en-US"/>
           </a:p>
@@ -716,6 +711,7 @@
           <a:p>
             <a:fld id="{B6AC3967-BB65-4606-A24D-E6ADEBE089F7}" type="slidenum">
               <a:rPr lang="en-US" smtClean="0"/>
+              <a:t>20</a:t>
             </a:fld>
             <a:endParaRPr lang="en-US"/>
           </a:p>
@@ -794,6 +790,7 @@
           <a:p>
             <a:fld id="{B6AC3967-BB65-4606-A24D-E6ADEBE089F7}" type="slidenum">
               <a:rPr lang="en-US" smtClean="0"/>
+              <a:t>21</a:t>
             </a:fld>
             <a:endParaRPr lang="en-US"/>
           </a:p>
@@ -812,7 +809,13 @@
   <p:cSld>
     <p:spTree>
       <p:nvGrpSpPr>
-        <p:cNvPr id="1" name=""/>
+        <p:cNvPr id="1" name="">
+          <a:extLst>
+            <a:ext uri="{FF2B5EF4-FFF2-40B4-BE49-F238E27FC236}">
+              <a16:creationId xmlns:a16="http://schemas.microsoft.com/office/drawing/2014/main" id="{27F6634D-EE06-B5D3-051F-D39F9EF166A4}"/>
+            </a:ext>
+          </a:extLst>
+        </p:cNvPr>
         <p:cNvGrpSpPr/>
         <p:nvPr/>
       </p:nvGrpSpPr>
@@ -826,7 +829,13 @@
       </p:grpSpPr>
       <p:sp>
         <p:nvSpPr>
-          <p:cNvPr id="2" name="Slide Image Placeholder 1"/>
+          <p:cNvPr id="2" name="Slide Image Placeholder 1">
+            <a:extLst>
+              <a:ext uri="{FF2B5EF4-FFF2-40B4-BE49-F238E27FC236}">
+                <a16:creationId xmlns:a16="http://schemas.microsoft.com/office/drawing/2014/main" id="{244EF6AA-8012-763E-AAA7-D341D140579E}"/>
+              </a:ext>
+            </a:extLst>
+          </p:cNvPr>
           <p:cNvSpPr>
             <a:spLocks noGrp="1" noRot="1" noChangeAspect="1"/>
           </p:cNvSpPr>
@@ -838,7 +847,13 @@
       </p:sp>
       <p:sp>
         <p:nvSpPr>
-          <p:cNvPr id="3" name="Notes Placeholder 2"/>
+          <p:cNvPr id="3" name="Notes Placeholder 2">
+            <a:extLst>
+              <a:ext uri="{FF2B5EF4-FFF2-40B4-BE49-F238E27FC236}">
+                <a16:creationId xmlns:a16="http://schemas.microsoft.com/office/drawing/2014/main" id="{F11A5544-4E41-0C9D-47FB-85CA5C177EB5}"/>
+              </a:ext>
+            </a:extLst>
+          </p:cNvPr>
           <p:cNvSpPr>
             <a:spLocks noGrp="1"/>
           </p:cNvSpPr>
@@ -851,17 +866,19 @@
           <a:bodyPr/>
           <a:lstStyle/>
           <a:p>
-            <a:r>
-              <a:rPr lang="en-US" dirty="0"/>
-              <a:t>FIG 10:CORRELLATION HEATMAP</a:t>
-            </a:r>
             <a:endParaRPr lang="en-US" dirty="0"/>
           </a:p>
         </p:txBody>
       </p:sp>
       <p:sp>
         <p:nvSpPr>
-          <p:cNvPr id="4" name="Slide Number Placeholder 3"/>
+          <p:cNvPr id="4" name="Slide Number Placeholder 3">
+            <a:extLst>
+              <a:ext uri="{FF2B5EF4-FFF2-40B4-BE49-F238E27FC236}">
+                <a16:creationId xmlns:a16="http://schemas.microsoft.com/office/drawing/2014/main" id="{5D4B264F-7656-2E6C-FE5E-4E895E61672F}"/>
+              </a:ext>
+            </a:extLst>
+          </p:cNvPr>
           <p:cNvSpPr>
             <a:spLocks noGrp="1"/>
           </p:cNvSpPr>
@@ -876,12 +893,342 @@
           <a:p>
             <a:fld id="{B6AC3967-BB65-4606-A24D-E6ADEBE089F7}" type="slidenum">
               <a:rPr lang="en-US" smtClean="0"/>
+              <a:t>23</a:t>
             </a:fld>
             <a:endParaRPr lang="en-US"/>
           </a:p>
         </p:txBody>
       </p:sp>
     </p:spTree>
+    <p:extLst>
+      <p:ext uri="{BB962C8B-B14F-4D97-AF65-F5344CB8AC3E}">
+        <p14:creationId xmlns:p14="http://schemas.microsoft.com/office/powerpoint/2010/main" val="1942347624"/>
+      </p:ext>
+    </p:extLst>
+  </p:cSld>
+  <p:clrMapOvr>
+    <a:masterClrMapping/>
+  </p:clrMapOvr>
+</p:notes>
+</file>
+
+<file path=ppt/notesSlides/notesSlide14.xml><?xml version="1.0" encoding="utf-8"?>
+<p:notes xmlns:a="http://schemas.openxmlformats.org/drawingml/2006/main" xmlns:r="http://schemas.openxmlformats.org/officeDocument/2006/relationships" xmlns:p="http://schemas.openxmlformats.org/presentationml/2006/main">
+  <p:cSld>
+    <p:spTree>
+      <p:nvGrpSpPr>
+        <p:cNvPr id="1" name="">
+          <a:extLst>
+            <a:ext uri="{FF2B5EF4-FFF2-40B4-BE49-F238E27FC236}">
+              <a16:creationId xmlns:a16="http://schemas.microsoft.com/office/drawing/2014/main" id="{0562A8CA-D482-1407-FE98-2FDBAE66EAE6}"/>
+            </a:ext>
+          </a:extLst>
+        </p:cNvPr>
+        <p:cNvGrpSpPr/>
+        <p:nvPr/>
+      </p:nvGrpSpPr>
+      <p:grpSpPr>
+        <a:xfrm>
+          <a:off x="0" y="0"/>
+          <a:ext cx="0" cy="0"/>
+          <a:chOff x="0" y="0"/>
+          <a:chExt cx="0" cy="0"/>
+        </a:xfrm>
+      </p:grpSpPr>
+      <p:sp>
+        <p:nvSpPr>
+          <p:cNvPr id="2" name="Slide Image Placeholder 1">
+            <a:extLst>
+              <a:ext uri="{FF2B5EF4-FFF2-40B4-BE49-F238E27FC236}">
+                <a16:creationId xmlns:a16="http://schemas.microsoft.com/office/drawing/2014/main" id="{819857A9-CF97-45BE-425E-C594B4C72EE2}"/>
+              </a:ext>
+            </a:extLst>
+          </p:cNvPr>
+          <p:cNvSpPr>
+            <a:spLocks noGrp="1" noRot="1" noChangeAspect="1"/>
+          </p:cNvSpPr>
+          <p:nvPr>
+            <p:ph type="sldImg"/>
+          </p:nvPr>
+        </p:nvSpPr>
+        <p:spPr/>
+      </p:sp>
+      <p:sp>
+        <p:nvSpPr>
+          <p:cNvPr id="3" name="Notes Placeholder 2">
+            <a:extLst>
+              <a:ext uri="{FF2B5EF4-FFF2-40B4-BE49-F238E27FC236}">
+                <a16:creationId xmlns:a16="http://schemas.microsoft.com/office/drawing/2014/main" id="{8841AD49-291E-5B89-4865-0C2D77B7D1BB}"/>
+              </a:ext>
+            </a:extLst>
+          </p:cNvPr>
+          <p:cNvSpPr>
+            <a:spLocks noGrp="1"/>
+          </p:cNvSpPr>
+          <p:nvPr>
+            <p:ph type="body" idx="1"/>
+          </p:nvPr>
+        </p:nvSpPr>
+        <p:spPr/>
+        <p:txBody>
+          <a:bodyPr/>
+          <a:lstStyle/>
+          <a:p>
+            <a:endParaRPr lang="en-US" dirty="0"/>
+          </a:p>
+        </p:txBody>
+      </p:sp>
+      <p:sp>
+        <p:nvSpPr>
+          <p:cNvPr id="4" name="Slide Number Placeholder 3">
+            <a:extLst>
+              <a:ext uri="{FF2B5EF4-FFF2-40B4-BE49-F238E27FC236}">
+                <a16:creationId xmlns:a16="http://schemas.microsoft.com/office/drawing/2014/main" id="{3F78A475-40F9-A223-6065-F609B77FF4EC}"/>
+              </a:ext>
+            </a:extLst>
+          </p:cNvPr>
+          <p:cNvSpPr>
+            <a:spLocks noGrp="1"/>
+          </p:cNvSpPr>
+          <p:nvPr>
+            <p:ph type="sldNum" sz="quarter" idx="5"/>
+          </p:nvPr>
+        </p:nvSpPr>
+        <p:spPr/>
+        <p:txBody>
+          <a:bodyPr/>
+          <a:lstStyle/>
+          <a:p>
+            <a:fld id="{B6AC3967-BB65-4606-A24D-E6ADEBE089F7}" type="slidenum">
+              <a:rPr lang="en-US" smtClean="0"/>
+              <a:t>24</a:t>
+            </a:fld>
+            <a:endParaRPr lang="en-US"/>
+          </a:p>
+        </p:txBody>
+      </p:sp>
+    </p:spTree>
+    <p:extLst>
+      <p:ext uri="{BB962C8B-B14F-4D97-AF65-F5344CB8AC3E}">
+        <p14:creationId xmlns:p14="http://schemas.microsoft.com/office/powerpoint/2010/main" val="3766970320"/>
+      </p:ext>
+    </p:extLst>
+  </p:cSld>
+  <p:clrMapOvr>
+    <a:masterClrMapping/>
+  </p:clrMapOvr>
+</p:notes>
+</file>
+
+<file path=ppt/notesSlides/notesSlide15.xml><?xml version="1.0" encoding="utf-8"?>
+<p:notes xmlns:a="http://schemas.openxmlformats.org/drawingml/2006/main" xmlns:r="http://schemas.openxmlformats.org/officeDocument/2006/relationships" xmlns:p="http://schemas.openxmlformats.org/presentationml/2006/main">
+  <p:cSld>
+    <p:spTree>
+      <p:nvGrpSpPr>
+        <p:cNvPr id="1" name="">
+          <a:extLst>
+            <a:ext uri="{FF2B5EF4-FFF2-40B4-BE49-F238E27FC236}">
+              <a16:creationId xmlns:a16="http://schemas.microsoft.com/office/drawing/2014/main" id="{EBF8E403-6F23-0C9F-F4CF-67E697473AEC}"/>
+            </a:ext>
+          </a:extLst>
+        </p:cNvPr>
+        <p:cNvGrpSpPr/>
+        <p:nvPr/>
+      </p:nvGrpSpPr>
+      <p:grpSpPr>
+        <a:xfrm>
+          <a:off x="0" y="0"/>
+          <a:ext cx="0" cy="0"/>
+          <a:chOff x="0" y="0"/>
+          <a:chExt cx="0" cy="0"/>
+        </a:xfrm>
+      </p:grpSpPr>
+      <p:sp>
+        <p:nvSpPr>
+          <p:cNvPr id="2" name="Slide Image Placeholder 1">
+            <a:extLst>
+              <a:ext uri="{FF2B5EF4-FFF2-40B4-BE49-F238E27FC236}">
+                <a16:creationId xmlns:a16="http://schemas.microsoft.com/office/drawing/2014/main" id="{7838735E-A275-E4D8-C04D-70EC53C4E765}"/>
+              </a:ext>
+            </a:extLst>
+          </p:cNvPr>
+          <p:cNvSpPr>
+            <a:spLocks noGrp="1" noRot="1" noChangeAspect="1"/>
+          </p:cNvSpPr>
+          <p:nvPr>
+            <p:ph type="sldImg"/>
+          </p:nvPr>
+        </p:nvSpPr>
+        <p:spPr/>
+      </p:sp>
+      <p:sp>
+        <p:nvSpPr>
+          <p:cNvPr id="3" name="Notes Placeholder 2">
+            <a:extLst>
+              <a:ext uri="{FF2B5EF4-FFF2-40B4-BE49-F238E27FC236}">
+                <a16:creationId xmlns:a16="http://schemas.microsoft.com/office/drawing/2014/main" id="{4ACF7705-8594-DB2F-B9EF-140042C08E40}"/>
+              </a:ext>
+            </a:extLst>
+          </p:cNvPr>
+          <p:cNvSpPr>
+            <a:spLocks noGrp="1"/>
+          </p:cNvSpPr>
+          <p:nvPr>
+            <p:ph type="body" idx="1"/>
+          </p:nvPr>
+        </p:nvSpPr>
+        <p:spPr/>
+        <p:txBody>
+          <a:bodyPr/>
+          <a:lstStyle/>
+          <a:p>
+            <a:endParaRPr lang="en-US" dirty="0"/>
+          </a:p>
+        </p:txBody>
+      </p:sp>
+      <p:sp>
+        <p:nvSpPr>
+          <p:cNvPr id="4" name="Slide Number Placeholder 3">
+            <a:extLst>
+              <a:ext uri="{FF2B5EF4-FFF2-40B4-BE49-F238E27FC236}">
+                <a16:creationId xmlns:a16="http://schemas.microsoft.com/office/drawing/2014/main" id="{94C29DC1-07E1-3B78-62EA-2EBE6F64D483}"/>
+              </a:ext>
+            </a:extLst>
+          </p:cNvPr>
+          <p:cNvSpPr>
+            <a:spLocks noGrp="1"/>
+          </p:cNvSpPr>
+          <p:nvPr>
+            <p:ph type="sldNum" sz="quarter" idx="5"/>
+          </p:nvPr>
+        </p:nvSpPr>
+        <p:spPr/>
+        <p:txBody>
+          <a:bodyPr/>
+          <a:lstStyle/>
+          <a:p>
+            <a:fld id="{B6AC3967-BB65-4606-A24D-E6ADEBE089F7}" type="slidenum">
+              <a:rPr lang="en-US" smtClean="0"/>
+              <a:t>25</a:t>
+            </a:fld>
+            <a:endParaRPr lang="en-US"/>
+          </a:p>
+        </p:txBody>
+      </p:sp>
+    </p:spTree>
+    <p:extLst>
+      <p:ext uri="{BB962C8B-B14F-4D97-AF65-F5344CB8AC3E}">
+        <p14:creationId xmlns:p14="http://schemas.microsoft.com/office/powerpoint/2010/main" val="3284945310"/>
+      </p:ext>
+    </p:extLst>
+  </p:cSld>
+  <p:clrMapOvr>
+    <a:masterClrMapping/>
+  </p:clrMapOvr>
+</p:notes>
+</file>
+
+<file path=ppt/notesSlides/notesSlide16.xml><?xml version="1.0" encoding="utf-8"?>
+<p:notes xmlns:a="http://schemas.openxmlformats.org/drawingml/2006/main" xmlns:r="http://schemas.openxmlformats.org/officeDocument/2006/relationships" xmlns:p="http://schemas.openxmlformats.org/presentationml/2006/main">
+  <p:cSld>
+    <p:spTree>
+      <p:nvGrpSpPr>
+        <p:cNvPr id="1" name="">
+          <a:extLst>
+            <a:ext uri="{FF2B5EF4-FFF2-40B4-BE49-F238E27FC236}">
+              <a16:creationId xmlns:a16="http://schemas.microsoft.com/office/drawing/2014/main" id="{6056EA2C-25F8-DCEC-8765-58C3DFF3C7B3}"/>
+            </a:ext>
+          </a:extLst>
+        </p:cNvPr>
+        <p:cNvGrpSpPr/>
+        <p:nvPr/>
+      </p:nvGrpSpPr>
+      <p:grpSpPr>
+        <a:xfrm>
+          <a:off x="0" y="0"/>
+          <a:ext cx="0" cy="0"/>
+          <a:chOff x="0" y="0"/>
+          <a:chExt cx="0" cy="0"/>
+        </a:xfrm>
+      </p:grpSpPr>
+      <p:sp>
+        <p:nvSpPr>
+          <p:cNvPr id="2" name="Slide Image Placeholder 1">
+            <a:extLst>
+              <a:ext uri="{FF2B5EF4-FFF2-40B4-BE49-F238E27FC236}">
+                <a16:creationId xmlns:a16="http://schemas.microsoft.com/office/drawing/2014/main" id="{00B043D0-BAF1-73F0-0057-899C8082CAE9}"/>
+              </a:ext>
+            </a:extLst>
+          </p:cNvPr>
+          <p:cNvSpPr>
+            <a:spLocks noGrp="1" noRot="1" noChangeAspect="1"/>
+          </p:cNvSpPr>
+          <p:nvPr>
+            <p:ph type="sldImg"/>
+          </p:nvPr>
+        </p:nvSpPr>
+        <p:spPr/>
+      </p:sp>
+      <p:sp>
+        <p:nvSpPr>
+          <p:cNvPr id="3" name="Notes Placeholder 2">
+            <a:extLst>
+              <a:ext uri="{FF2B5EF4-FFF2-40B4-BE49-F238E27FC236}">
+                <a16:creationId xmlns:a16="http://schemas.microsoft.com/office/drawing/2014/main" id="{B5DC4187-4A82-CB61-FA31-14209C5F013D}"/>
+              </a:ext>
+            </a:extLst>
+          </p:cNvPr>
+          <p:cNvSpPr>
+            <a:spLocks noGrp="1"/>
+          </p:cNvSpPr>
+          <p:nvPr>
+            <p:ph type="body" idx="1"/>
+          </p:nvPr>
+        </p:nvSpPr>
+        <p:spPr/>
+        <p:txBody>
+          <a:bodyPr/>
+          <a:lstStyle/>
+          <a:p>
+            <a:endParaRPr lang="en-US" dirty="0"/>
+          </a:p>
+        </p:txBody>
+      </p:sp>
+      <p:sp>
+        <p:nvSpPr>
+          <p:cNvPr id="4" name="Slide Number Placeholder 3">
+            <a:extLst>
+              <a:ext uri="{FF2B5EF4-FFF2-40B4-BE49-F238E27FC236}">
+                <a16:creationId xmlns:a16="http://schemas.microsoft.com/office/drawing/2014/main" id="{508FD2C4-99FD-4FDC-B7C3-CC387D830FAA}"/>
+              </a:ext>
+            </a:extLst>
+          </p:cNvPr>
+          <p:cNvSpPr>
+            <a:spLocks noGrp="1"/>
+          </p:cNvSpPr>
+          <p:nvPr>
+            <p:ph type="sldNum" sz="quarter" idx="5"/>
+          </p:nvPr>
+        </p:nvSpPr>
+        <p:spPr/>
+        <p:txBody>
+          <a:bodyPr/>
+          <a:lstStyle/>
+          <a:p>
+            <a:fld id="{B6AC3967-BB65-4606-A24D-E6ADEBE089F7}" type="slidenum">
+              <a:rPr lang="en-US" smtClean="0"/>
+              <a:t>26</a:t>
+            </a:fld>
+            <a:endParaRPr lang="en-US"/>
+          </a:p>
+        </p:txBody>
+      </p:sp>
+    </p:spTree>
+    <p:extLst>
+      <p:ext uri="{BB962C8B-B14F-4D97-AF65-F5344CB8AC3E}">
+        <p14:creationId xmlns:p14="http://schemas.microsoft.com/office/powerpoint/2010/main" val="1352218743"/>
+      </p:ext>
+    </p:extLst>
   </p:cSld>
   <p:clrMapOvr>
     <a:masterClrMapping/>
@@ -937,7 +1284,6 @@
               <a:rPr lang="en-US" dirty="0"/>
               <a:t>fig1:The highly rated genre is drama.</a:t>
             </a:r>
-            <a:endParaRPr lang="en-US" dirty="0"/>
           </a:p>
         </p:txBody>
       </p:sp>
@@ -958,6 +1304,7 @@
           <a:p>
             <a:fld id="{B6AC3967-BB65-4606-A24D-E6ADEBE089F7}" type="slidenum">
               <a:rPr lang="en-US" smtClean="0"/>
+              <a:t>11</a:t>
             </a:fld>
             <a:endParaRPr lang="en-US"/>
           </a:p>
@@ -976,7 +1323,13 @@
   <p:cSld>
     <p:spTree>
       <p:nvGrpSpPr>
-        <p:cNvPr id="1" name=""/>
+        <p:cNvPr id="1" name="">
+          <a:extLst>
+            <a:ext uri="{FF2B5EF4-FFF2-40B4-BE49-F238E27FC236}">
+              <a16:creationId xmlns:a16="http://schemas.microsoft.com/office/drawing/2014/main" id="{E8F2403C-CA6D-0D4F-B4A8-BBFDA65241B2}"/>
+            </a:ext>
+          </a:extLst>
+        </p:cNvPr>
         <p:cNvGrpSpPr/>
         <p:nvPr/>
       </p:nvGrpSpPr>
@@ -990,7 +1343,13 @@
       </p:grpSpPr>
       <p:sp>
         <p:nvSpPr>
-          <p:cNvPr id="2" name="Slide Image Placeholder 1"/>
+          <p:cNvPr id="2" name="Slide Image Placeholder 1">
+            <a:extLst>
+              <a:ext uri="{FF2B5EF4-FFF2-40B4-BE49-F238E27FC236}">
+                <a16:creationId xmlns:a16="http://schemas.microsoft.com/office/drawing/2014/main" id="{B85D1AA8-5BEA-B14F-7605-D00303FFD102}"/>
+              </a:ext>
+            </a:extLst>
+          </p:cNvPr>
           <p:cNvSpPr>
             <a:spLocks noGrp="1" noRot="1" noChangeAspect="1"/>
           </p:cNvSpPr>
@@ -1002,7 +1361,13 @@
       </p:sp>
       <p:sp>
         <p:nvSpPr>
-          <p:cNvPr id="3" name="Notes Placeholder 2"/>
+          <p:cNvPr id="3" name="Notes Placeholder 2">
+            <a:extLst>
+              <a:ext uri="{FF2B5EF4-FFF2-40B4-BE49-F238E27FC236}">
+                <a16:creationId xmlns:a16="http://schemas.microsoft.com/office/drawing/2014/main" id="{2D6763DC-880F-C079-08B2-D412DEB13CA7}"/>
+              </a:ext>
+            </a:extLst>
+          </p:cNvPr>
           <p:cNvSpPr>
             <a:spLocks noGrp="1"/>
           </p:cNvSpPr>
@@ -1017,23 +1382,20 @@
           <a:p>
             <a:r>
               <a:rPr lang="en-US" dirty="0"/>
-              <a:t>Fig 2:Highest sales were from </a:t>
-            </a:r>
-            <a:r>
-              <a:rPr lang="en-US" dirty="0" err="1"/>
-              <a:t>comedy,followed</a:t>
-            </a:r>
-            <a:r>
-              <a:rPr lang="en-US" dirty="0"/>
-              <a:t> by drama.</a:t>
-            </a:r>
-            <a:endParaRPr lang="en-US" dirty="0"/>
-          </a:p>
-        </p:txBody>
-      </p:sp>
-      <p:sp>
-        <p:nvSpPr>
-          <p:cNvPr id="4" name="Slide Number Placeholder 3"/>
+              <a:t>fig1:The highly rated genre is drama.</a:t>
+            </a:r>
+          </a:p>
+        </p:txBody>
+      </p:sp>
+      <p:sp>
+        <p:nvSpPr>
+          <p:cNvPr id="4" name="Slide Number Placeholder 3">
+            <a:extLst>
+              <a:ext uri="{FF2B5EF4-FFF2-40B4-BE49-F238E27FC236}">
+                <a16:creationId xmlns:a16="http://schemas.microsoft.com/office/drawing/2014/main" id="{FA5E6995-D32B-C2C5-3A20-1EAF6B65F540}"/>
+              </a:ext>
+            </a:extLst>
+          </p:cNvPr>
           <p:cNvSpPr>
             <a:spLocks noGrp="1"/>
           </p:cNvSpPr>
@@ -1048,12 +1410,18 @@
           <a:p>
             <a:fld id="{B6AC3967-BB65-4606-A24D-E6ADEBE089F7}" type="slidenum">
               <a:rPr lang="en-US" smtClean="0"/>
+              <a:t>12</a:t>
             </a:fld>
             <a:endParaRPr lang="en-US"/>
           </a:p>
         </p:txBody>
       </p:sp>
     </p:spTree>
+    <p:extLst>
+      <p:ext uri="{BB962C8B-B14F-4D97-AF65-F5344CB8AC3E}">
+        <p14:creationId xmlns:p14="http://schemas.microsoft.com/office/powerpoint/2010/main" val="1069777650"/>
+      </p:ext>
+    </p:extLst>
   </p:cSld>
   <p:clrMapOvr>
     <a:masterClrMapping/>
@@ -1109,7 +1477,6 @@
               <a:rPr lang="en-US" dirty="0"/>
               <a:t>Fig 3:movies and films from Jay roach made highest sales followed by Mel Gibson and Sam Mendes.</a:t>
             </a:r>
-            <a:endParaRPr lang="en-US" dirty="0"/>
           </a:p>
         </p:txBody>
       </p:sp>
@@ -1130,6 +1497,7 @@
           <a:p>
             <a:fld id="{B6AC3967-BB65-4606-A24D-E6ADEBE089F7}" type="slidenum">
               <a:rPr lang="en-US" smtClean="0"/>
+              <a:t>13</a:t>
             </a:fld>
             <a:endParaRPr lang="en-US"/>
           </a:p>
@@ -1199,7 +1567,6 @@
               <a:rPr lang="en-US" dirty="0"/>
               <a:t> from Eden Movies.</a:t>
             </a:r>
-            <a:endParaRPr lang="en-US" dirty="0"/>
           </a:p>
         </p:txBody>
       </p:sp>
@@ -1220,6 +1587,7 @@
           <a:p>
             <a:fld id="{B6AC3967-BB65-4606-A24D-E6ADEBE089F7}" type="slidenum">
               <a:rPr lang="en-US" smtClean="0"/>
+              <a:t>14</a:t>
             </a:fld>
             <a:endParaRPr lang="en-US"/>
           </a:p>
@@ -1281,7 +1649,6 @@
               <a:rPr lang="en-US" dirty="0"/>
               <a:t>Fig 5:Drama was the most popular genre doubling the other categories.</a:t>
             </a:r>
-            <a:endParaRPr lang="en-US" dirty="0"/>
           </a:p>
         </p:txBody>
       </p:sp>
@@ -1302,6 +1669,7 @@
           <a:p>
             <a:fld id="{B6AC3967-BB65-4606-A24D-E6ADEBE089F7}" type="slidenum">
               <a:rPr lang="en-US" smtClean="0"/>
+              <a:t>15</a:t>
             </a:fld>
             <a:endParaRPr lang="en-US"/>
           </a:p>
@@ -1359,18 +1727,6 @@
           <a:bodyPr/>
           <a:lstStyle/>
           <a:p>
-            <a:r>
-              <a:rPr lang="en-US" dirty="0"/>
-              <a:t>Fig 6:comedy ,drama  were costly in budget but gave the highest </a:t>
-            </a:r>
-            <a:r>
-              <a:rPr lang="en-US" dirty="0" err="1"/>
-              <a:t>retuns</a:t>
-            </a:r>
-            <a:r>
-              <a:rPr lang="en-US" dirty="0"/>
-              <a:t> on investment.</a:t>
-            </a:r>
             <a:endParaRPr lang="en-US" dirty="0"/>
           </a:p>
         </p:txBody>
@@ -1392,6 +1748,7 @@
           <a:p>
             <a:fld id="{B6AC3967-BB65-4606-A24D-E6ADEBE089F7}" type="slidenum">
               <a:rPr lang="en-US" smtClean="0"/>
+              <a:t>16</a:t>
             </a:fld>
             <a:endParaRPr lang="en-US"/>
           </a:p>
@@ -1453,7 +1810,6 @@
               <a:rPr lang="en-US" dirty="0"/>
               <a:t>Fig 7:R,PG-13,PG IN Descending order of popularity.</a:t>
             </a:r>
-            <a:endParaRPr lang="en-US" dirty="0"/>
           </a:p>
         </p:txBody>
       </p:sp>
@@ -1474,6 +1830,7 @@
           <a:p>
             <a:fld id="{B6AC3967-BB65-4606-A24D-E6ADEBE089F7}" type="slidenum">
               <a:rPr lang="en-US" smtClean="0"/>
+              <a:t>17</a:t>
             </a:fld>
             <a:endParaRPr lang="en-US"/>
           </a:p>
@@ -1531,18 +1888,6 @@
           <a:bodyPr/>
           <a:lstStyle/>
           <a:p>
-            <a:r>
-              <a:rPr lang="en-US" dirty="0"/>
-              <a:t>Fig 8:Time series showed an upward trend in terms of </a:t>
-            </a:r>
-            <a:r>
-              <a:rPr lang="en-US" dirty="0" err="1"/>
-              <a:t>Rating.Worth</a:t>
-            </a:r>
-            <a:r>
-              <a:rPr lang="en-US" dirty="0"/>
-              <a:t> investing.</a:t>
-            </a:r>
             <a:endParaRPr lang="en-US" dirty="0"/>
           </a:p>
         </p:txBody>
@@ -1564,6 +1909,7 @@
           <a:p>
             <a:fld id="{B6AC3967-BB65-4606-A24D-E6ADEBE089F7}" type="slidenum">
               <a:rPr lang="en-US" smtClean="0"/>
+              <a:t>18</a:t>
             </a:fld>
             <a:endParaRPr lang="en-US"/>
           </a:p>
@@ -1578,7 +1924,7 @@
 </file>
 
 <file path=ppt/slideLayouts/slideLayout1.xml><?xml version="1.0" encoding="utf-8"?>
-<p:sldLayout xmlns:a="http://schemas.openxmlformats.org/drawingml/2006/main" xmlns:r="http://schemas.openxmlformats.org/officeDocument/2006/relationships" xmlns:p="http://schemas.openxmlformats.org/presentationml/2006/main" type="title" preserve="1" showMasterSp="0">
+<p:sldLayout xmlns:a="http://schemas.openxmlformats.org/drawingml/2006/main" xmlns:r="http://schemas.openxmlformats.org/officeDocument/2006/relationships" xmlns:p="http://schemas.openxmlformats.org/presentationml/2006/main" showMasterSp="0" type="title" preserve="1">
   <p:cSld name="Title Slide">
     <p:spTree>
       <p:nvGrpSpPr>
@@ -2322,6 +2668,7 @@
           <a:p>
             <a:fld id="{B6C044C0-9916-4112-8D28-631360530F20}" type="datetime8">
               <a:rPr lang="en-US" smtClean="0"/>
+              <a:t>1/18/2025 1:19 PM</a:t>
             </a:fld>
             <a:endParaRPr lang="en-US"/>
           </a:p>
@@ -2367,6 +2714,7 @@
           <a:p>
             <a:fld id="{C4C7283F-616F-4503-ABBD-21FFB2848302}" type="slidenum">
               <a:rPr lang="en-US" smtClean="0"/>
+              <a:t>‹#›</a:t>
             </a:fld>
             <a:endParaRPr lang="en-US"/>
           </a:p>
@@ -2550,7 +2898,6 @@
               <a:rPr lang="en-US"/>
               <a:t>Click to edit Master text styles</a:t>
             </a:r>
-            <a:endParaRPr lang="en-US"/>
           </a:p>
         </p:txBody>
       </p:sp>
@@ -2571,6 +2918,7 @@
           <a:p>
             <a:fld id="{D2102445-0A49-423B-9D83-53E1553DDBB8}" type="datetime8">
               <a:rPr lang="en-US" smtClean="0"/>
+              <a:t>1/18/2025 1:19 PM</a:t>
             </a:fld>
             <a:endParaRPr lang="en-US"/>
           </a:p>
@@ -2616,6 +2964,7 @@
           <a:p>
             <a:fld id="{C4C7283F-616F-4503-ABBD-21FFB2848302}" type="slidenum">
               <a:rPr lang="en-US" smtClean="0"/>
+              <a:t>‹#›</a:t>
             </a:fld>
             <a:endParaRPr lang="en-US"/>
           </a:p>
@@ -2740,7 +3089,6 @@
               <a:rPr lang="en-US"/>
               <a:t>Click to edit Master text styles</a:t>
             </a:r>
-            <a:endParaRPr lang="en-US"/>
           </a:p>
         </p:txBody>
       </p:sp>
@@ -2863,7 +3211,6 @@
               <a:rPr lang="en-US"/>
               <a:t>Click to edit Master text styles</a:t>
             </a:r>
-            <a:endParaRPr lang="en-US"/>
           </a:p>
         </p:txBody>
       </p:sp>
@@ -2884,6 +3231,7 @@
           <a:p>
             <a:fld id="{C3921CA2-459C-431F-9285-946548AA4FB4}" type="datetime8">
               <a:rPr lang="en-US" smtClean="0"/>
+              <a:t>1/18/2025 1:19 PM</a:t>
             </a:fld>
             <a:endParaRPr lang="en-US"/>
           </a:p>
@@ -2929,6 +3277,7 @@
           <a:p>
             <a:fld id="{C4C7283F-616F-4503-ABBD-21FFB2848302}" type="slidenum">
               <a:rPr lang="en-US" smtClean="0"/>
+              <a:t>‹#›</a:t>
             </a:fld>
             <a:endParaRPr lang="en-US"/>
           </a:p>
@@ -2972,19 +3321,6 @@
               </a:rPr>
               <a:t>“</a:t>
             </a:r>
-            <a:endParaRPr lang="en-US" sz="8000" baseline="0" dirty="0">
-              <a:ln w="3175" cmpd="sng">
-                <a:noFill/>
-              </a:ln>
-              <a:solidFill>
-                <a:schemeClr val="accent1">
-                  <a:lumMod val="60000"/>
-                  <a:lumOff val="40000"/>
-                </a:schemeClr>
-              </a:solidFill>
-              <a:effectLst/>
-              <a:latin typeface="Arial" panose="020B0604020202020204"/>
-            </a:endParaRPr>
           </a:p>
         </p:txBody>
       </p:sp>
@@ -3026,19 +3362,6 @@
               </a:rPr>
               <a:t>”</a:t>
             </a:r>
-            <a:endParaRPr lang="en-US" sz="8000" baseline="0" dirty="0">
-              <a:ln w="3175" cmpd="sng">
-                <a:noFill/>
-              </a:ln>
-              <a:solidFill>
-                <a:schemeClr val="accent1">
-                  <a:lumMod val="60000"/>
-                  <a:lumOff val="40000"/>
-                </a:schemeClr>
-              </a:solidFill>
-              <a:effectLst/>
-              <a:latin typeface="Arial" panose="020B0604020202020204"/>
-            </a:endParaRPr>
           </a:p>
         </p:txBody>
       </p:sp>
@@ -3220,7 +3543,6 @@
               <a:rPr lang="en-US"/>
               <a:t>Click to edit Master text styles</a:t>
             </a:r>
-            <a:endParaRPr lang="en-US"/>
           </a:p>
         </p:txBody>
       </p:sp>
@@ -3241,6 +3563,7 @@
           <a:p>
             <a:fld id="{E4BF1266-03E0-45A9-B1E3-D5422494BD60}" type="datetime8">
               <a:rPr lang="en-US" smtClean="0"/>
+              <a:t>1/18/2025 1:19 PM</a:t>
             </a:fld>
             <a:endParaRPr lang="en-US"/>
           </a:p>
@@ -3286,6 +3609,7 @@
           <a:p>
             <a:fld id="{C4C7283F-616F-4503-ABBD-21FFB2848302}" type="slidenum">
               <a:rPr lang="en-US" smtClean="0"/>
+              <a:t>‹#›</a:t>
             </a:fld>
             <a:endParaRPr lang="en-US"/>
           </a:p>
@@ -3410,7 +3734,6 @@
               <a:rPr lang="en-US"/>
               <a:t>Click to edit Master text styles</a:t>
             </a:r>
-            <a:endParaRPr lang="en-US"/>
           </a:p>
         </p:txBody>
       </p:sp>
@@ -3533,7 +3856,6 @@
               <a:rPr lang="en-US"/>
               <a:t>Click to edit Master text styles</a:t>
             </a:r>
-            <a:endParaRPr lang="en-US"/>
           </a:p>
         </p:txBody>
       </p:sp>
@@ -3554,6 +3876,7 @@
           <a:p>
             <a:fld id="{C8FADDD5-B153-4219-94B0-1FF50A6816A5}" type="datetime8">
               <a:rPr lang="en-US" smtClean="0"/>
+              <a:t>1/18/2025 1:19 PM</a:t>
             </a:fld>
             <a:endParaRPr lang="en-US"/>
           </a:p>
@@ -3599,6 +3922,7 @@
           <a:p>
             <a:fld id="{C4C7283F-616F-4503-ABBD-21FFB2848302}" type="slidenum">
               <a:rPr lang="en-US" smtClean="0"/>
+              <a:t>‹#›</a:t>
             </a:fld>
             <a:endParaRPr lang="en-US"/>
           </a:p>
@@ -3642,19 +3966,6 @@
               </a:rPr>
               <a:t>“</a:t>
             </a:r>
-            <a:endParaRPr lang="en-US" sz="8000" baseline="0" dirty="0">
-              <a:ln w="3175" cmpd="sng">
-                <a:noFill/>
-              </a:ln>
-              <a:solidFill>
-                <a:schemeClr val="accent1">
-                  <a:lumMod val="60000"/>
-                  <a:lumOff val="40000"/>
-                </a:schemeClr>
-              </a:solidFill>
-              <a:effectLst/>
-              <a:latin typeface="Arial" panose="020B0604020202020204"/>
-            </a:endParaRPr>
           </a:p>
         </p:txBody>
       </p:sp>
@@ -3696,19 +4007,6 @@
               </a:rPr>
               <a:t>”</a:t>
             </a:r>
-            <a:endParaRPr lang="en-US" sz="8000" baseline="0" dirty="0">
-              <a:ln w="3175" cmpd="sng">
-                <a:noFill/>
-              </a:ln>
-              <a:solidFill>
-                <a:schemeClr val="accent1">
-                  <a:lumMod val="60000"/>
-                  <a:lumOff val="40000"/>
-                </a:schemeClr>
-              </a:solidFill>
-              <a:effectLst/>
-              <a:latin typeface="Arial" panose="020B0604020202020204"/>
-            </a:endParaRPr>
           </a:p>
         </p:txBody>
       </p:sp>
@@ -3828,7 +4126,6 @@
               <a:rPr lang="en-US"/>
               <a:t>Click to edit Master text styles</a:t>
             </a:r>
-            <a:endParaRPr lang="en-US"/>
           </a:p>
         </p:txBody>
       </p:sp>
@@ -3951,7 +4248,6 @@
               <a:rPr lang="en-US"/>
               <a:t>Click to edit Master text styles</a:t>
             </a:r>
-            <a:endParaRPr lang="en-US"/>
           </a:p>
         </p:txBody>
       </p:sp>
@@ -3972,6 +4268,7 @@
           <a:p>
             <a:fld id="{FFBC6F1A-280C-41CB-A477-07CA795B893F}" type="datetime8">
               <a:rPr lang="en-US" smtClean="0"/>
+              <a:t>1/18/2025 1:19 PM</a:t>
             </a:fld>
             <a:endParaRPr lang="en-US"/>
           </a:p>
@@ -4017,6 +4314,7 @@
           <a:p>
             <a:fld id="{C4C7283F-616F-4503-ABBD-21FFB2848302}" type="slidenum">
               <a:rPr lang="en-US" smtClean="0"/>
+              <a:t>‹#›</a:t>
             </a:fld>
             <a:endParaRPr lang="en-US"/>
           </a:p>
@@ -4090,7 +4388,6 @@
               <a:rPr lang="en-US"/>
               <a:t>Click to edit Master text styles</a:t>
             </a:r>
-            <a:endParaRPr lang="en-US"/>
           </a:p>
           <a:p>
             <a:pPr lvl="1"/>
@@ -4098,7 +4395,6 @@
               <a:rPr lang="en-US"/>
               <a:t>Second level</a:t>
             </a:r>
-            <a:endParaRPr lang="en-US"/>
           </a:p>
           <a:p>
             <a:pPr lvl="2"/>
@@ -4106,7 +4402,6 @@
               <a:rPr lang="en-US"/>
               <a:t>Third level</a:t>
             </a:r>
-            <a:endParaRPr lang="en-US"/>
           </a:p>
           <a:p>
             <a:pPr lvl="3"/>
@@ -4114,7 +4409,6 @@
               <a:rPr lang="en-US"/>
               <a:t>Fourth level</a:t>
             </a:r>
-            <a:endParaRPr lang="en-US"/>
           </a:p>
           <a:p>
             <a:pPr lvl="4"/>
@@ -4143,6 +4437,7 @@
           <a:p>
             <a:fld id="{10D0E147-E127-4D87-84FF-83AF777D57B0}" type="datetime8">
               <a:rPr lang="en-US" smtClean="0"/>
+              <a:t>1/18/2025 1:19 PM</a:t>
             </a:fld>
             <a:endParaRPr lang="en-US"/>
           </a:p>
@@ -4188,6 +4483,7 @@
           <a:p>
             <a:fld id="{C4C7283F-616F-4503-ABBD-21FFB2848302}" type="slidenum">
               <a:rPr lang="en-US" smtClean="0"/>
+              <a:t>‹#›</a:t>
             </a:fld>
             <a:endParaRPr lang="en-US"/>
           </a:p>
@@ -4271,7 +4567,6 @@
               <a:rPr lang="en-US"/>
               <a:t>Click to edit Master text styles</a:t>
             </a:r>
-            <a:endParaRPr lang="en-US"/>
           </a:p>
           <a:p>
             <a:pPr lvl="1"/>
@@ -4279,7 +4574,6 @@
               <a:rPr lang="en-US"/>
               <a:t>Second level</a:t>
             </a:r>
-            <a:endParaRPr lang="en-US"/>
           </a:p>
           <a:p>
             <a:pPr lvl="2"/>
@@ -4287,7 +4581,6 @@
               <a:rPr lang="en-US"/>
               <a:t>Third level</a:t>
             </a:r>
-            <a:endParaRPr lang="en-US"/>
           </a:p>
           <a:p>
             <a:pPr lvl="3"/>
@@ -4295,7 +4588,6 @@
               <a:rPr lang="en-US"/>
               <a:t>Fourth level</a:t>
             </a:r>
-            <a:endParaRPr lang="en-US"/>
           </a:p>
           <a:p>
             <a:pPr lvl="4"/>
@@ -4324,6 +4616,7 @@
           <a:p>
             <a:fld id="{AE720A3F-507D-4EC9-B968-56BE774C5C3F}" type="datetime8">
               <a:rPr lang="en-US" smtClean="0"/>
+              <a:t>1/18/2025 1:19 PM</a:t>
             </a:fld>
             <a:endParaRPr lang="en-US"/>
           </a:p>
@@ -4369,6 +4662,7 @@
           <a:p>
             <a:fld id="{C4C7283F-616F-4503-ABBD-21FFB2848302}" type="slidenum">
               <a:rPr lang="en-US" smtClean="0"/>
+              <a:t>‹#›</a:t>
             </a:fld>
             <a:endParaRPr lang="en-US"/>
           </a:p>
@@ -4442,7 +4736,6 @@
               <a:rPr lang="en-US"/>
               <a:t>Click to edit Master text styles</a:t>
             </a:r>
-            <a:endParaRPr lang="en-US"/>
           </a:p>
           <a:p>
             <a:pPr lvl="1"/>
@@ -4450,7 +4743,6 @@
               <a:rPr lang="en-US"/>
               <a:t>Second level</a:t>
             </a:r>
-            <a:endParaRPr lang="en-US"/>
           </a:p>
           <a:p>
             <a:pPr lvl="2"/>
@@ -4458,7 +4750,6 @@
               <a:rPr lang="en-US"/>
               <a:t>Third level</a:t>
             </a:r>
-            <a:endParaRPr lang="en-US"/>
           </a:p>
           <a:p>
             <a:pPr lvl="3"/>
@@ -4466,7 +4757,6 @@
               <a:rPr lang="en-US"/>
               <a:t>Fourth level</a:t>
             </a:r>
-            <a:endParaRPr lang="en-US"/>
           </a:p>
           <a:p>
             <a:pPr lvl="4"/>
@@ -4495,6 +4785,7 @@
           <a:p>
             <a:fld id="{70EC282A-B492-45B7-A20C-B47B480682FB}" type="datetime8">
               <a:rPr lang="en-US" smtClean="0"/>
+              <a:t>1/18/2025 1:19 PM</a:t>
             </a:fld>
             <a:endParaRPr lang="en-US"/>
           </a:p>
@@ -4540,6 +4831,7 @@
           <a:p>
             <a:fld id="{C4C7283F-616F-4503-ABBD-21FFB2848302}" type="slidenum">
               <a:rPr lang="en-US" smtClean="0"/>
+              <a:t>‹#›</a:t>
             </a:fld>
             <a:endParaRPr lang="en-US"/>
           </a:p>
@@ -4719,7 +5011,6 @@
               <a:rPr lang="en-US"/>
               <a:t>Click to edit Master text styles</a:t>
             </a:r>
-            <a:endParaRPr lang="en-US"/>
           </a:p>
         </p:txBody>
       </p:sp>
@@ -4740,6 +5031,7 @@
           <a:p>
             <a:fld id="{22ED6867-56C6-420B-BF33-E2323BB11E2C}" type="datetime8">
               <a:rPr lang="en-US" smtClean="0"/>
+              <a:t>1/18/2025 1:19 PM</a:t>
             </a:fld>
             <a:endParaRPr lang="en-US"/>
           </a:p>
@@ -4785,6 +5077,7 @@
           <a:p>
             <a:fld id="{C4C7283F-616F-4503-ABBD-21FFB2848302}" type="slidenum">
               <a:rPr lang="en-US" smtClean="0"/>
+              <a:t>‹#›</a:t>
             </a:fld>
             <a:endParaRPr lang="en-US"/>
           </a:p>
@@ -4863,7 +5156,6 @@
               <a:rPr lang="en-US"/>
               <a:t>Click to edit Master text styles</a:t>
             </a:r>
-            <a:endParaRPr lang="en-US"/>
           </a:p>
           <a:p>
             <a:pPr lvl="1"/>
@@ -4871,7 +5163,6 @@
               <a:rPr lang="en-US"/>
               <a:t>Second level</a:t>
             </a:r>
-            <a:endParaRPr lang="en-US"/>
           </a:p>
           <a:p>
             <a:pPr lvl="2"/>
@@ -4879,7 +5170,6 @@
               <a:rPr lang="en-US"/>
               <a:t>Third level</a:t>
             </a:r>
-            <a:endParaRPr lang="en-US"/>
           </a:p>
           <a:p>
             <a:pPr lvl="3"/>
@@ -4887,7 +5177,6 @@
               <a:rPr lang="en-US"/>
               <a:t>Fourth level</a:t>
             </a:r>
-            <a:endParaRPr lang="en-US"/>
           </a:p>
           <a:p>
             <a:pPr lvl="4"/>
@@ -4924,7 +5213,6 @@
               <a:rPr lang="en-US"/>
               <a:t>Click to edit Master text styles</a:t>
             </a:r>
-            <a:endParaRPr lang="en-US"/>
           </a:p>
           <a:p>
             <a:pPr lvl="1"/>
@@ -4932,7 +5220,6 @@
               <a:rPr lang="en-US"/>
               <a:t>Second level</a:t>
             </a:r>
-            <a:endParaRPr lang="en-US"/>
           </a:p>
           <a:p>
             <a:pPr lvl="2"/>
@@ -4940,7 +5227,6 @@
               <a:rPr lang="en-US"/>
               <a:t>Third level</a:t>
             </a:r>
-            <a:endParaRPr lang="en-US"/>
           </a:p>
           <a:p>
             <a:pPr lvl="3"/>
@@ -4948,7 +5234,6 @@
               <a:rPr lang="en-US"/>
               <a:t>Fourth level</a:t>
             </a:r>
-            <a:endParaRPr lang="en-US"/>
           </a:p>
           <a:p>
             <a:pPr lvl="4"/>
@@ -4977,6 +5262,7 @@
           <a:p>
             <a:fld id="{A607E069-8BF9-4C5D-AE63-557D18EFCB98}" type="datetime8">
               <a:rPr lang="en-US" smtClean="0"/>
+              <a:t>1/18/2025 1:19 PM</a:t>
             </a:fld>
             <a:endParaRPr lang="en-US"/>
           </a:p>
@@ -5022,6 +5308,7 @@
           <a:p>
             <a:fld id="{C4C7283F-616F-4503-ABBD-21FFB2848302}" type="slidenum">
               <a:rPr lang="en-US" smtClean="0"/>
+              <a:t>‹#›</a:t>
             </a:fld>
             <a:endParaRPr lang="en-US"/>
           </a:p>
@@ -5143,7 +5430,6 @@
               <a:rPr lang="en-US"/>
               <a:t>Click to edit Master text styles</a:t>
             </a:r>
-            <a:endParaRPr lang="en-US"/>
           </a:p>
         </p:txBody>
       </p:sp>
@@ -5174,7 +5460,6 @@
               <a:rPr lang="en-US"/>
               <a:t>Click to edit Master text styles</a:t>
             </a:r>
-            <a:endParaRPr lang="en-US"/>
           </a:p>
           <a:p>
             <a:pPr lvl="1"/>
@@ -5182,7 +5467,6 @@
               <a:rPr lang="en-US"/>
               <a:t>Second level</a:t>
             </a:r>
-            <a:endParaRPr lang="en-US"/>
           </a:p>
           <a:p>
             <a:pPr lvl="2"/>
@@ -5190,7 +5474,6 @@
               <a:rPr lang="en-US"/>
               <a:t>Third level</a:t>
             </a:r>
-            <a:endParaRPr lang="en-US"/>
           </a:p>
           <a:p>
             <a:pPr lvl="3"/>
@@ -5198,7 +5481,6 @@
               <a:rPr lang="en-US"/>
               <a:t>Fourth level</a:t>
             </a:r>
-            <a:endParaRPr lang="en-US"/>
           </a:p>
           <a:p>
             <a:pPr lvl="4"/>
@@ -5274,7 +5556,6 @@
               <a:rPr lang="en-US"/>
               <a:t>Click to edit Master text styles</a:t>
             </a:r>
-            <a:endParaRPr lang="en-US"/>
           </a:p>
         </p:txBody>
       </p:sp>
@@ -5305,7 +5586,6 @@
               <a:rPr lang="en-US"/>
               <a:t>Click to edit Master text styles</a:t>
             </a:r>
-            <a:endParaRPr lang="en-US"/>
           </a:p>
           <a:p>
             <a:pPr lvl="1"/>
@@ -5313,7 +5593,6 @@
               <a:rPr lang="en-US"/>
               <a:t>Second level</a:t>
             </a:r>
-            <a:endParaRPr lang="en-US"/>
           </a:p>
           <a:p>
             <a:pPr lvl="2"/>
@@ -5321,7 +5600,6 @@
               <a:rPr lang="en-US"/>
               <a:t>Third level</a:t>
             </a:r>
-            <a:endParaRPr lang="en-US"/>
           </a:p>
           <a:p>
             <a:pPr lvl="3"/>
@@ -5329,7 +5607,6 @@
               <a:rPr lang="en-US"/>
               <a:t>Fourth level</a:t>
             </a:r>
-            <a:endParaRPr lang="en-US"/>
           </a:p>
           <a:p>
             <a:pPr lvl="4"/>
@@ -5358,6 +5635,7 @@
           <a:p>
             <a:fld id="{1E5FBD63-573C-4E06-9569-363F3C494C3D}" type="datetime8">
               <a:rPr lang="en-US" smtClean="0"/>
+              <a:t>1/18/2025 1:19 PM</a:t>
             </a:fld>
             <a:endParaRPr lang="en-US"/>
           </a:p>
@@ -5403,6 +5681,7 @@
           <a:p>
             <a:fld id="{C4C7283F-616F-4503-ABBD-21FFB2848302}" type="slidenum">
               <a:rPr lang="en-US" smtClean="0"/>
+              <a:t>‹#›</a:t>
             </a:fld>
             <a:endParaRPr lang="en-US"/>
           </a:p>
@@ -5478,6 +5757,7 @@
           <a:p>
             <a:fld id="{B6D13991-E6B6-4F87-BE91-DE86F2D18115}" type="datetime8">
               <a:rPr lang="en-US" smtClean="0"/>
+              <a:t>1/18/2025 1:19 PM</a:t>
             </a:fld>
             <a:endParaRPr lang="en-US"/>
           </a:p>
@@ -5523,6 +5803,7 @@
           <a:p>
             <a:fld id="{C4C7283F-616F-4503-ABBD-21FFB2848302}" type="slidenum">
               <a:rPr lang="en-US" smtClean="0"/>
+              <a:t>‹#›</a:t>
             </a:fld>
             <a:endParaRPr lang="en-US"/>
           </a:p>
@@ -5570,6 +5851,7 @@
           <a:p>
             <a:fld id="{E8E64E3B-1E9C-45AC-B5D2-2EB786A4C096}" type="datetime8">
               <a:rPr lang="en-US" smtClean="0"/>
+              <a:t>1/18/2025 1:19 PM</a:t>
             </a:fld>
             <a:endParaRPr lang="en-US"/>
           </a:p>
@@ -5615,6 +5897,7 @@
           <a:p>
             <a:fld id="{C4C7283F-616F-4503-ABBD-21FFB2848302}" type="slidenum">
               <a:rPr lang="en-US" smtClean="0"/>
+              <a:t>‹#›</a:t>
             </a:fld>
             <a:endParaRPr lang="en-US"/>
           </a:p>
@@ -5706,7 +5989,6 @@
               <a:rPr lang="en-US"/>
               <a:t>Click to edit Master text styles</a:t>
             </a:r>
-            <a:endParaRPr lang="en-US"/>
           </a:p>
           <a:p>
             <a:pPr lvl="1"/>
@@ -5714,7 +5996,6 @@
               <a:rPr lang="en-US"/>
               <a:t>Second level</a:t>
             </a:r>
-            <a:endParaRPr lang="en-US"/>
           </a:p>
           <a:p>
             <a:pPr lvl="2"/>
@@ -5722,7 +6003,6 @@
               <a:rPr lang="en-US"/>
               <a:t>Third level</a:t>
             </a:r>
-            <a:endParaRPr lang="en-US"/>
           </a:p>
           <a:p>
             <a:pPr lvl="3"/>
@@ -5730,7 +6010,6 @@
               <a:rPr lang="en-US"/>
               <a:t>Fourth level</a:t>
             </a:r>
-            <a:endParaRPr lang="en-US"/>
           </a:p>
           <a:p>
             <a:pPr lvl="4"/>
@@ -5806,7 +6085,6 @@
               <a:rPr lang="en-US"/>
               <a:t>Click to edit Master text styles</a:t>
             </a:r>
-            <a:endParaRPr lang="en-US"/>
           </a:p>
         </p:txBody>
       </p:sp>
@@ -5827,6 +6105,7 @@
           <a:p>
             <a:fld id="{ECA93773-089F-4535-A246-EBAAB41DAF3A}" type="datetime8">
               <a:rPr lang="en-US" smtClean="0"/>
+              <a:t>1/18/2025 1:19 PM</a:t>
             </a:fld>
             <a:endParaRPr lang="en-US"/>
           </a:p>
@@ -5872,6 +6151,7 @@
           <a:p>
             <a:fld id="{C4C7283F-616F-4503-ABBD-21FFB2848302}" type="slidenum">
               <a:rPr lang="en-US" smtClean="0"/>
+              <a:t>‹#›</a:t>
             </a:fld>
             <a:endParaRPr lang="en-US"/>
           </a:p>
@@ -6067,7 +6347,6 @@
               <a:rPr lang="en-US"/>
               <a:t>Click to edit Master text styles</a:t>
             </a:r>
-            <a:endParaRPr lang="en-US"/>
           </a:p>
         </p:txBody>
       </p:sp>
@@ -6111,6 +6390,7 @@
           <a:p>
             <a:fld id="{C4C7283F-616F-4503-ABBD-21FFB2848302}" type="slidenum">
               <a:rPr lang="en-US" smtClean="0"/>
+              <a:t>‹#›</a:t>
             </a:fld>
             <a:endParaRPr lang="en-US"/>
           </a:p>
@@ -6133,6 +6413,7 @@
           <a:p>
             <a:fld id="{509537D5-94C9-4CB2-9673-B6F009DE731B}" type="datetime8">
               <a:rPr lang="en-US" smtClean="0"/>
+              <a:t>1/18/2025 1:19 PM</a:t>
             </a:fld>
             <a:endParaRPr lang="en-US"/>
           </a:p>
@@ -6762,7 +7043,6 @@
               <a:rPr lang="en-US"/>
               <a:t>Click to edit Master text styles</a:t>
             </a:r>
-            <a:endParaRPr lang="en-US"/>
           </a:p>
           <a:p>
             <a:pPr lvl="1"/>
@@ -6770,7 +7050,6 @@
               <a:rPr lang="en-US"/>
               <a:t>Second level</a:t>
             </a:r>
-            <a:endParaRPr lang="en-US"/>
           </a:p>
           <a:p>
             <a:pPr lvl="2"/>
@@ -6778,7 +7057,6 @@
               <a:rPr lang="en-US"/>
               <a:t>Third level</a:t>
             </a:r>
-            <a:endParaRPr lang="en-US"/>
           </a:p>
           <a:p>
             <a:pPr lvl="3"/>
@@ -6786,7 +7064,6 @@
               <a:rPr lang="en-US"/>
               <a:t>Fourth level</a:t>
             </a:r>
-            <a:endParaRPr lang="en-US"/>
           </a:p>
           <a:p>
             <a:pPr lvl="4"/>
@@ -6833,6 +7110,7 @@
           <a:p>
             <a:fld id="{69D0E751-3CC6-4AC8-BFD8-B111550C4052}" type="datetime8">
               <a:rPr lang="en-US" smtClean="0"/>
+              <a:t>1/18/2025 1:19 PM</a:t>
             </a:fld>
             <a:endParaRPr lang="en-US"/>
           </a:p>
@@ -6912,6 +7190,7 @@
           <a:p>
             <a:fld id="{C4C7283F-616F-4503-ABBD-21FFB2848302}" type="slidenum">
               <a:rPr lang="en-US" smtClean="0"/>
+              <a:t>‹#›</a:t>
             </a:fld>
             <a:endParaRPr lang="en-US"/>
           </a:p>
@@ -7365,16 +7644,21 @@
             <p:ph type="ctrTitle"/>
           </p:nvPr>
         </p:nvSpPr>
-        <p:spPr/>
-        <p:txBody>
-          <a:bodyPr/>
-          <a:lstStyle/>
-          <a:p>
-            <a:r>
-              <a:rPr lang="en-US" b="1" dirty="0"/>
-              <a:t>PROJECT TITLE</a:t>
-            </a:r>
-            <a:endParaRPr lang="en-US" b="1" dirty="0"/>
+        <p:spPr>
+          <a:xfrm>
+            <a:off x="1259174" y="1650307"/>
+            <a:ext cx="8739265" cy="1360100"/>
+          </a:xfrm>
+        </p:spPr>
+        <p:txBody>
+          <a:bodyPr/>
+          <a:lstStyle/>
+          <a:p>
+            <a:pPr algn="ctr"/>
+            <a:r>
+              <a:rPr lang="en-US" sz="6000" b="1" dirty="0"/>
+              <a:t>Movie Industry Analysis</a:t>
+            </a:r>
           </a:p>
         </p:txBody>
       </p:sp>
@@ -7388,7 +7672,12 @@
             <p:ph type="subTitle" idx="1"/>
           </p:nvPr>
         </p:nvSpPr>
-        <p:spPr/>
+        <p:spPr>
+          <a:xfrm>
+            <a:off x="1956773" y="3010407"/>
+            <a:ext cx="7766936" cy="1096899"/>
+          </a:xfrm>
+        </p:spPr>
         <p:txBody>
           <a:bodyPr>
             <a:normAutofit/>
@@ -7396,17 +7685,9 @@
           <a:lstStyle/>
           <a:p>
             <a:r>
-              <a:rPr lang="en-US" i="1" dirty="0"/>
-              <a:t>REAP BIG IN THE SKY!</a:t>
-            </a:r>
-            <a:endParaRPr lang="en-US" i="1" dirty="0"/>
-          </a:p>
-          <a:p>
-            <a:r>
-              <a:rPr lang="en-US" i="1" dirty="0"/>
-              <a:t>DIVE INTO FILMS AND MOVIES!!!!</a:t>
-            </a:r>
-            <a:endParaRPr lang="en-US" i="1" dirty="0"/>
+              <a:rPr lang="en-US" sz="4800" i="1" dirty="0"/>
+              <a:t>GROUP 1 PHASE 2 PROJECT</a:t>
+            </a:r>
           </a:p>
         </p:txBody>
       </p:sp>
@@ -7426,10 +7707,10 @@
           <a:lstStyle/>
           <a:p>
             <a:r>
-              <a:rPr lang="en-GB"/>
+              <a:rPr lang="en-GB" dirty="0"/>
               <a:t>GROUP ONE  PHASE TWO PROJECT</a:t>
             </a:r>
-            <a:endParaRPr lang="en-US"/>
+            <a:endParaRPr lang="en-US" dirty="0"/>
           </a:p>
         </p:txBody>
       </p:sp>
@@ -7450,6 +7731,7 @@
           <a:p>
             <a:fld id="{C4C7283F-616F-4503-ABBD-21FFB2848302}" type="slidenum">
               <a:rPr lang="en-US" smtClean="0"/>
+              <a:t>1</a:t>
             </a:fld>
             <a:endParaRPr lang="en-US"/>
           </a:p>
@@ -7464,7 +7746,7 @@
 </file>
 
 <file path=ppt/slides/slide10.xml><?xml version="1.0" encoding="utf-8"?>
-<p:sld xmlns:a="http://schemas.openxmlformats.org/drawingml/2006/main" xmlns:r="http://schemas.openxmlformats.org/officeDocument/2006/relationships" xmlns:p="http://schemas.openxmlformats.org/presentationml/2006/main" showMasterSp="0">
+<p:sld xmlns:a="http://schemas.openxmlformats.org/drawingml/2006/main" xmlns:r="http://schemas.openxmlformats.org/officeDocument/2006/relationships" xmlns:p="http://schemas.openxmlformats.org/presentationml/2006/main">
   <p:cSld>
     <p:spTree>
       <p:nvGrpSpPr>
@@ -7487,38 +7769,24 @@
             <a:spLocks noGrp="1"/>
           </p:cNvSpPr>
           <p:nvPr>
-            <p:ph type="ctrTitle"/>
-          </p:nvPr>
-        </p:nvSpPr>
-        <p:spPr/>
-        <p:txBody>
-          <a:bodyPr/>
-          <a:lstStyle/>
-          <a:p>
+            <p:ph type="title"/>
+          </p:nvPr>
+        </p:nvSpPr>
+        <p:spPr>
+          <a:xfrm>
+            <a:off x="514048" y="131760"/>
+            <a:ext cx="8596668" cy="1320800"/>
+          </a:xfrm>
+        </p:spPr>
+        <p:txBody>
+          <a:bodyPr/>
+          <a:lstStyle/>
+          <a:p>
+            <a:pPr algn="ctr"/>
             <a:r>
               <a:rPr lang="en-US" dirty="0"/>
-              <a:t>visual</a:t>
-            </a:r>
-            <a:endParaRPr lang="en-US" dirty="0"/>
-          </a:p>
-        </p:txBody>
-      </p:sp>
-      <p:sp>
-        <p:nvSpPr>
-          <p:cNvPr id="3" name="Subtitle 2"/>
-          <p:cNvSpPr>
-            <a:spLocks noGrp="1"/>
-          </p:cNvSpPr>
-          <p:nvPr>
-            <p:ph type="subTitle" idx="1"/>
-          </p:nvPr>
-        </p:nvSpPr>
-        <p:spPr/>
-        <p:txBody>
-          <a:bodyPr/>
-          <a:lstStyle/>
-          <a:p>
-            <a:endParaRPr lang="en-US" dirty="0"/>
+              <a:t>METHODOLOGY</a:t>
+            </a:r>
           </a:p>
         </p:txBody>
       </p:sp>
@@ -7547,7 +7815,7 @@
       </p:sp>
       <p:sp>
         <p:nvSpPr>
-          <p:cNvPr id="6" name="Slide Number Placeholder 5"/>
+          <p:cNvPr id="5" name="Slide Number Placeholder 4"/>
           <p:cNvSpPr>
             <a:spLocks noGrp="1"/>
           </p:cNvSpPr>
@@ -7562,35 +7830,64 @@
           <a:p>
             <a:fld id="{C4C7283F-616F-4503-ABBD-21FFB2848302}" type="slidenum">
               <a:rPr lang="en-US" smtClean="0"/>
+              <a:t>10</a:t>
             </a:fld>
             <a:endParaRPr lang="en-US"/>
           </a:p>
         </p:txBody>
       </p:sp>
-      <p:pic>
-        <p:nvPicPr>
-          <p:cNvPr id="5" name="Picture 4"/>
-          <p:cNvPicPr>
-            <a:picLocks noChangeAspect="1"/>
-          </p:cNvPicPr>
+      <p:sp>
+        <p:nvSpPr>
+          <p:cNvPr id="6" name="Rectangle 5">
+            <a:extLst>
+              <a:ext uri="{FF2B5EF4-FFF2-40B4-BE49-F238E27FC236}">
+                <a16:creationId xmlns:a16="http://schemas.microsoft.com/office/drawing/2014/main" id="{6B4B7EDB-5BE2-0D2E-40F1-42711DBACD06}"/>
+              </a:ext>
+            </a:extLst>
+          </p:cNvPr>
+          <p:cNvSpPr/>
           <p:nvPr/>
-        </p:nvPicPr>
-        <p:blipFill>
-          <a:blip r:embed="rId1"/>
-          <a:stretch>
-            <a:fillRect/>
-          </a:stretch>
-        </p:blipFill>
+        </p:nvSpPr>
         <p:spPr>
           <a:xfrm>
-            <a:off x="1409700" y="180975"/>
-            <a:ext cx="9372600" cy="6496050"/>
+            <a:off x="800100" y="914401"/>
+            <a:ext cx="8866413" cy="5492086"/>
           </a:xfrm>
           <a:prstGeom prst="rect">
             <a:avLst/>
           </a:prstGeom>
+          <a:blipFill>
+            <a:blip r:embed="rId2"/>
+            <a:stretch>
+              <a:fillRect/>
+            </a:stretch>
+          </a:blipFill>
         </p:spPr>
-      </p:pic>
+        <p:style>
+          <a:lnRef idx="2">
+            <a:schemeClr val="accent1">
+              <a:shade val="15000"/>
+            </a:schemeClr>
+          </a:lnRef>
+          <a:fillRef idx="1">
+            <a:schemeClr val="accent1"/>
+          </a:fillRef>
+          <a:effectRef idx="0">
+            <a:schemeClr val="accent1"/>
+          </a:effectRef>
+          <a:fontRef idx="minor">
+            <a:schemeClr val="lt1"/>
+          </a:fontRef>
+        </p:style>
+        <p:txBody>
+          <a:bodyPr rtlCol="0" anchor="ctr"/>
+          <a:lstStyle/>
+          <a:p>
+            <a:pPr algn="ctr"/>
+            <a:endParaRPr lang="en-KE" dirty="0"/>
+          </a:p>
+        </p:txBody>
+      </p:sp>
     </p:spTree>
   </p:cSld>
   <p:clrMapOvr>
@@ -7626,16 +7923,23 @@
             <p:ph type="ctrTitle"/>
           </p:nvPr>
         </p:nvSpPr>
-        <p:spPr/>
-        <p:txBody>
-          <a:bodyPr/>
-          <a:lstStyle/>
-          <a:p>
-            <a:r>
-              <a:rPr lang="en-US" dirty="0"/>
-              <a:t>VISUAL</a:t>
-            </a:r>
-            <a:endParaRPr lang="en-US" dirty="0"/>
+        <p:spPr>
+          <a:xfrm>
+            <a:off x="677334" y="58953"/>
+            <a:ext cx="9813460" cy="785120"/>
+          </a:xfrm>
+        </p:spPr>
+        <p:txBody>
+          <a:bodyPr/>
+          <a:lstStyle/>
+          <a:p>
+            <a:pPr algn="ctr"/>
+            <a:r>
+              <a:rPr lang="en-US" sz="4400" dirty="0">
+                <a:latin typeface="+mn-lt"/>
+              </a:rPr>
+              <a:t>Comparison between genre and rating</a:t>
+            </a:r>
           </a:p>
         </p:txBody>
       </p:sp>
@@ -7649,11 +7953,24 @@
             <p:ph type="subTitle" idx="1"/>
           </p:nvPr>
         </p:nvSpPr>
-        <p:spPr/>
-        <p:txBody>
-          <a:bodyPr/>
-          <a:lstStyle/>
-          <a:p>
+        <p:spPr>
+          <a:xfrm>
+            <a:off x="1061357" y="5437204"/>
+            <a:ext cx="9429437" cy="604158"/>
+          </a:xfrm>
+        </p:spPr>
+        <p:txBody>
+          <a:bodyPr/>
+          <a:lstStyle/>
+          <a:p>
+            <a:pPr algn="l"/>
+            <a:r>
+              <a:rPr lang="en-US" sz="2400" dirty="0"/>
+              <a:t>The highly rated genre is drama.</a:t>
+            </a:r>
+          </a:p>
+          <a:p>
+            <a:pPr algn="l"/>
             <a:endParaRPr lang="en-US" dirty="0"/>
           </a:p>
         </p:txBody>
@@ -7698,35 +8015,67 @@
           <a:p>
             <a:fld id="{C4C7283F-616F-4503-ABBD-21FFB2848302}" type="slidenum">
               <a:rPr lang="en-US" smtClean="0"/>
+              <a:t>11</a:t>
             </a:fld>
             <a:endParaRPr lang="en-US"/>
           </a:p>
         </p:txBody>
       </p:sp>
-      <p:pic>
-        <p:nvPicPr>
-          <p:cNvPr id="5" name="Picture 4"/>
-          <p:cNvPicPr>
-            <a:picLocks noChangeAspect="1"/>
-          </p:cNvPicPr>
+      <p:sp>
+        <p:nvSpPr>
+          <p:cNvPr id="7" name="Rectangle 6">
+            <a:extLst>
+              <a:ext uri="{FF2B5EF4-FFF2-40B4-BE49-F238E27FC236}">
+                <a16:creationId xmlns:a16="http://schemas.microsoft.com/office/drawing/2014/main" id="{7A9840DF-A309-B090-8469-8B85A8CFCCBA}"/>
+              </a:ext>
+            </a:extLst>
+          </p:cNvPr>
+          <p:cNvSpPr/>
           <p:nvPr/>
-        </p:nvPicPr>
-        <p:blipFill>
-          <a:blip r:embed="rId1"/>
-          <a:stretch>
-            <a:fillRect/>
-          </a:stretch>
-        </p:blipFill>
+        </p:nvSpPr>
         <p:spPr>
           <a:xfrm>
-            <a:off x="1824037" y="9525"/>
-            <a:ext cx="8543925" cy="6838950"/>
+            <a:off x="2071396" y="816638"/>
+            <a:ext cx="6848669" cy="4504243"/>
           </a:xfrm>
           <a:prstGeom prst="rect">
             <a:avLst/>
           </a:prstGeom>
+          <a:blipFill>
+            <a:blip r:embed="rId3"/>
+            <a:stretch>
+              <a:fillRect/>
+            </a:stretch>
+          </a:blipFill>
+          <a:ln>
+            <a:noFill/>
+          </a:ln>
         </p:spPr>
-      </p:pic>
+        <p:style>
+          <a:lnRef idx="2">
+            <a:schemeClr val="accent1">
+              <a:shade val="15000"/>
+            </a:schemeClr>
+          </a:lnRef>
+          <a:fillRef idx="1">
+            <a:schemeClr val="accent1"/>
+          </a:fillRef>
+          <a:effectRef idx="0">
+            <a:schemeClr val="accent1"/>
+          </a:effectRef>
+          <a:fontRef idx="minor">
+            <a:schemeClr val="lt1"/>
+          </a:fontRef>
+        </p:style>
+        <p:txBody>
+          <a:bodyPr rtlCol="0" anchor="ctr"/>
+          <a:lstStyle/>
+          <a:p>
+            <a:pPr algn="ctr"/>
+            <a:endParaRPr lang="en-KE"/>
+          </a:p>
+        </p:txBody>
+      </p:sp>
     </p:spTree>
   </p:cSld>
   <p:clrMapOvr>
@@ -7740,7 +8089,13 @@
   <p:cSld>
     <p:spTree>
       <p:nvGrpSpPr>
-        <p:cNvPr id="1" name=""/>
+        <p:cNvPr id="1" name="">
+          <a:extLst>
+            <a:ext uri="{FF2B5EF4-FFF2-40B4-BE49-F238E27FC236}">
+              <a16:creationId xmlns:a16="http://schemas.microsoft.com/office/drawing/2014/main" id="{53F3754E-7C0F-585B-A755-120D502FAD9C}"/>
+            </a:ext>
+          </a:extLst>
+        </p:cNvPr>
         <p:cNvGrpSpPr/>
         <p:nvPr/>
       </p:nvGrpSpPr>
@@ -7754,7 +8109,13 @@
       </p:grpSpPr>
       <p:sp>
         <p:nvSpPr>
-          <p:cNvPr id="2" name="Title 1"/>
+          <p:cNvPr id="2" name="Title 1">
+            <a:extLst>
+              <a:ext uri="{FF2B5EF4-FFF2-40B4-BE49-F238E27FC236}">
+                <a16:creationId xmlns:a16="http://schemas.microsoft.com/office/drawing/2014/main" id="{67AB1856-9EF6-2FF9-D528-56FB29A1F04E}"/>
+              </a:ext>
+            </a:extLst>
+          </p:cNvPr>
           <p:cNvSpPr>
             <a:spLocks noGrp="1"/>
           </p:cNvSpPr>
@@ -7762,22 +8123,35 @@
             <p:ph type="ctrTitle"/>
           </p:nvPr>
         </p:nvSpPr>
-        <p:spPr/>
-        <p:txBody>
-          <a:bodyPr/>
-          <a:lstStyle/>
-          <a:p>
-            <a:r>
-              <a:rPr lang="en-US" dirty="0"/>
-              <a:t>VISUAL</a:t>
-            </a:r>
-            <a:endParaRPr lang="en-US" dirty="0"/>
-          </a:p>
-        </p:txBody>
-      </p:sp>
-      <p:sp>
-        <p:nvSpPr>
-          <p:cNvPr id="3" name="Subtitle 2"/>
+        <p:spPr>
+          <a:xfrm>
+            <a:off x="677334" y="58953"/>
+            <a:ext cx="9813460" cy="785120"/>
+          </a:xfrm>
+        </p:spPr>
+        <p:txBody>
+          <a:bodyPr/>
+          <a:lstStyle/>
+          <a:p>
+            <a:pPr algn="ctr"/>
+            <a:r>
+              <a:rPr lang="en-US" sz="4400" dirty="0">
+                <a:latin typeface="+mn-lt"/>
+              </a:rPr>
+              <a:t>Comparison between genre and sales</a:t>
+            </a:r>
+          </a:p>
+        </p:txBody>
+      </p:sp>
+      <p:sp>
+        <p:nvSpPr>
+          <p:cNvPr id="3" name="Subtitle 2">
+            <a:extLst>
+              <a:ext uri="{FF2B5EF4-FFF2-40B4-BE49-F238E27FC236}">
+                <a16:creationId xmlns:a16="http://schemas.microsoft.com/office/drawing/2014/main" id="{218F712E-AA46-17E1-6F58-EE61E6B52FE1}"/>
+              </a:ext>
+            </a:extLst>
+          </p:cNvPr>
           <p:cNvSpPr>
             <a:spLocks noGrp="1"/>
           </p:cNvSpPr>
@@ -7785,18 +8159,35 @@
             <p:ph type="subTitle" idx="1"/>
           </p:nvPr>
         </p:nvSpPr>
-        <p:spPr/>
-        <p:txBody>
-          <a:bodyPr/>
-          <a:lstStyle/>
-          <a:p>
-            <a:endParaRPr lang="en-US" dirty="0"/>
-          </a:p>
-        </p:txBody>
-      </p:sp>
-      <p:sp>
-        <p:nvSpPr>
-          <p:cNvPr id="4" name="Footer Placeholder 3"/>
+        <p:spPr>
+          <a:xfrm>
+            <a:off x="1061357" y="5437204"/>
+            <a:ext cx="9429437" cy="604158"/>
+          </a:xfrm>
+        </p:spPr>
+        <p:txBody>
+          <a:bodyPr>
+            <a:normAutofit/>
+          </a:bodyPr>
+          <a:lstStyle/>
+          <a:p>
+            <a:pPr algn="l"/>
+            <a:r>
+              <a:rPr lang="en-US" sz="2400" dirty="0"/>
+              <a:t>Highest sales were from comedy, followed by drama.</a:t>
+            </a:r>
+          </a:p>
+        </p:txBody>
+      </p:sp>
+      <p:sp>
+        <p:nvSpPr>
+          <p:cNvPr id="4" name="Footer Placeholder 3">
+            <a:extLst>
+              <a:ext uri="{FF2B5EF4-FFF2-40B4-BE49-F238E27FC236}">
+                <a16:creationId xmlns:a16="http://schemas.microsoft.com/office/drawing/2014/main" id="{DA30E88E-A9DA-DE55-9CA0-A17AD8C81538}"/>
+              </a:ext>
+            </a:extLst>
+          </p:cNvPr>
           <p:cNvSpPr>
             <a:spLocks noGrp="1"/>
           </p:cNvSpPr>
@@ -7819,7 +8210,13 @@
       </p:sp>
       <p:sp>
         <p:nvSpPr>
-          <p:cNvPr id="6" name="Slide Number Placeholder 5"/>
+          <p:cNvPr id="6" name="Slide Number Placeholder 5">
+            <a:extLst>
+              <a:ext uri="{FF2B5EF4-FFF2-40B4-BE49-F238E27FC236}">
+                <a16:creationId xmlns:a16="http://schemas.microsoft.com/office/drawing/2014/main" id="{463BB677-2E22-9987-822D-7541D8BE6D3E}"/>
+              </a:ext>
+            </a:extLst>
+          </p:cNvPr>
           <p:cNvSpPr>
             <a:spLocks noGrp="1"/>
           </p:cNvSpPr>
@@ -7834,36 +8231,73 @@
           <a:p>
             <a:fld id="{C4C7283F-616F-4503-ABBD-21FFB2848302}" type="slidenum">
               <a:rPr lang="en-US" smtClean="0"/>
+              <a:t>12</a:t>
             </a:fld>
             <a:endParaRPr lang="en-US"/>
           </a:p>
         </p:txBody>
       </p:sp>
-      <p:pic>
-        <p:nvPicPr>
-          <p:cNvPr id="5" name="Picture 4"/>
-          <p:cNvPicPr>
-            <a:picLocks noChangeAspect="1"/>
-          </p:cNvPicPr>
+      <p:sp>
+        <p:nvSpPr>
+          <p:cNvPr id="7" name="Rectangle 6">
+            <a:extLst>
+              <a:ext uri="{FF2B5EF4-FFF2-40B4-BE49-F238E27FC236}">
+                <a16:creationId xmlns:a16="http://schemas.microsoft.com/office/drawing/2014/main" id="{DE71FDC5-3C4F-1DF9-1DE5-0375023E6394}"/>
+              </a:ext>
+            </a:extLst>
+          </p:cNvPr>
+          <p:cNvSpPr/>
           <p:nvPr/>
-        </p:nvPicPr>
-        <p:blipFill>
-          <a:blip r:embed="rId1"/>
-          <a:stretch>
-            <a:fillRect/>
-          </a:stretch>
-        </p:blipFill>
+        </p:nvSpPr>
         <p:spPr>
           <a:xfrm>
-            <a:off x="0" y="35637"/>
-            <a:ext cx="12192000" cy="6786725"/>
+            <a:off x="1701206" y="816638"/>
+            <a:ext cx="7797357" cy="4620566"/>
           </a:xfrm>
           <a:prstGeom prst="rect">
             <a:avLst/>
           </a:prstGeom>
+          <a:blipFill>
+            <a:blip r:embed="rId3"/>
+            <a:stretch>
+              <a:fillRect/>
+            </a:stretch>
+          </a:blipFill>
+          <a:ln>
+            <a:noFill/>
+          </a:ln>
         </p:spPr>
-      </p:pic>
+        <p:style>
+          <a:lnRef idx="2">
+            <a:schemeClr val="accent1">
+              <a:shade val="15000"/>
+            </a:schemeClr>
+          </a:lnRef>
+          <a:fillRef idx="1">
+            <a:schemeClr val="accent1"/>
+          </a:fillRef>
+          <a:effectRef idx="0">
+            <a:schemeClr val="accent1"/>
+          </a:effectRef>
+          <a:fontRef idx="minor">
+            <a:schemeClr val="lt1"/>
+          </a:fontRef>
+        </p:style>
+        <p:txBody>
+          <a:bodyPr rtlCol="0" anchor="ctr"/>
+          <a:lstStyle/>
+          <a:p>
+            <a:pPr algn="ctr"/>
+            <a:endParaRPr lang="en-KE" dirty="0"/>
+          </a:p>
+        </p:txBody>
+      </p:sp>
     </p:spTree>
+    <p:extLst>
+      <p:ext uri="{BB962C8B-B14F-4D97-AF65-F5344CB8AC3E}">
+        <p14:creationId xmlns:p14="http://schemas.microsoft.com/office/powerpoint/2010/main" val="4119880214"/>
+      </p:ext>
+    </p:extLst>
   </p:cSld>
   <p:clrMapOvr>
     <a:masterClrMapping/>
@@ -7890,66 +8324,54 @@
       </p:grpSpPr>
       <p:sp>
         <p:nvSpPr>
-          <p:cNvPr id="2" name="Title 1"/>
-          <p:cNvSpPr>
-            <a:spLocks noGrp="1"/>
-          </p:cNvSpPr>
-          <p:nvPr>
-            <p:ph type="ctrTitle"/>
-          </p:nvPr>
-        </p:nvSpPr>
-        <p:spPr/>
-        <p:txBody>
-          <a:bodyPr/>
-          <a:lstStyle/>
-          <a:p>
-            <a:r>
-              <a:rPr lang="en-US" dirty="0"/>
-              <a:t>VISUAL</a:t>
+          <p:cNvPr id="3" name="Subtitle 2"/>
+          <p:cNvSpPr>
+            <a:spLocks noGrp="1"/>
+          </p:cNvSpPr>
+          <p:nvPr>
+            <p:ph type="subTitle" idx="1"/>
+          </p:nvPr>
+        </p:nvSpPr>
+        <p:spPr>
+          <a:xfrm>
+            <a:off x="823727" y="5676237"/>
+            <a:ext cx="10988828" cy="365125"/>
+          </a:xfrm>
+        </p:spPr>
+        <p:txBody>
+          <a:bodyPr>
+            <a:noAutofit/>
+          </a:bodyPr>
+          <a:lstStyle/>
+          <a:p>
+            <a:pPr algn="l"/>
+            <a:r>
+              <a:rPr lang="en-US" sz="2000" dirty="0"/>
+              <a:t>Movies and films from Jay roach made highest sales followed by Mel Gibson and Sam Mendes.</a:t>
+            </a:r>
+          </a:p>
+        </p:txBody>
+      </p:sp>
+      <p:sp>
+        <p:nvSpPr>
+          <p:cNvPr id="4" name="Footer Placeholder 3"/>
+          <p:cNvSpPr>
+            <a:spLocks noGrp="1"/>
+          </p:cNvSpPr>
+          <p:nvPr>
+            <p:ph type="ftr" sz="quarter" idx="11"/>
+          </p:nvPr>
+        </p:nvSpPr>
+        <p:spPr/>
+        <p:txBody>
+          <a:bodyPr/>
+          <a:lstStyle/>
+          <a:p>
+            <a:r>
+              <a:rPr lang="en-GB" dirty="0"/>
+              <a:t>GROUP ONE  PHASE TWO PROJECT</a:t>
             </a:r>
             <a:endParaRPr lang="en-US" dirty="0"/>
-          </a:p>
-        </p:txBody>
-      </p:sp>
-      <p:sp>
-        <p:nvSpPr>
-          <p:cNvPr id="3" name="Subtitle 2"/>
-          <p:cNvSpPr>
-            <a:spLocks noGrp="1"/>
-          </p:cNvSpPr>
-          <p:nvPr>
-            <p:ph type="subTitle" idx="1"/>
-          </p:nvPr>
-        </p:nvSpPr>
-        <p:spPr/>
-        <p:txBody>
-          <a:bodyPr/>
-          <a:lstStyle/>
-          <a:p>
-            <a:endParaRPr lang="en-US" dirty="0"/>
-          </a:p>
-        </p:txBody>
-      </p:sp>
-      <p:sp>
-        <p:nvSpPr>
-          <p:cNvPr id="4" name="Footer Placeholder 3"/>
-          <p:cNvSpPr>
-            <a:spLocks noGrp="1"/>
-          </p:cNvSpPr>
-          <p:nvPr>
-            <p:ph type="ftr" sz="quarter" idx="11"/>
-          </p:nvPr>
-        </p:nvSpPr>
-        <p:spPr/>
-        <p:txBody>
-          <a:bodyPr/>
-          <a:lstStyle/>
-          <a:p>
-            <a:r>
-              <a:rPr lang="en-GB"/>
-              <a:t>GROUP ONE  PHASE TWO PROJECT</a:t>
-            </a:r>
-            <a:endParaRPr lang="en-US"/>
           </a:p>
         </p:txBody>
       </p:sp>
@@ -7970,29 +8392,146 @@
           <a:p>
             <a:fld id="{C4C7283F-616F-4503-ABBD-21FFB2848302}" type="slidenum">
               <a:rPr lang="en-US" smtClean="0"/>
+              <a:t>13</a:t>
             </a:fld>
             <a:endParaRPr lang="en-US"/>
           </a:p>
         </p:txBody>
       </p:sp>
+      <p:sp>
+        <p:nvSpPr>
+          <p:cNvPr id="7" name="Title 1">
+            <a:extLst>
+              <a:ext uri="{FF2B5EF4-FFF2-40B4-BE49-F238E27FC236}">
+                <a16:creationId xmlns:a16="http://schemas.microsoft.com/office/drawing/2014/main" id="{0212021C-579C-6952-049C-DC3A5A74B0AF}"/>
+              </a:ext>
+            </a:extLst>
+          </p:cNvPr>
+          <p:cNvSpPr txBox="1">
+            <a:spLocks/>
+          </p:cNvSpPr>
+          <p:nvPr/>
+        </p:nvSpPr>
+        <p:spPr>
+          <a:xfrm>
+            <a:off x="677334" y="58953"/>
+            <a:ext cx="10594046" cy="631512"/>
+          </a:xfrm>
+          <a:prstGeom prst="rect">
+            <a:avLst/>
+          </a:prstGeom>
+        </p:spPr>
+        <p:txBody>
+          <a:bodyPr vert="horz" lIns="91440" tIns="45720" rIns="91440" bIns="45720" rtlCol="0" anchor="b">
+            <a:noAutofit/>
+          </a:bodyPr>
+          <a:lstStyle>
+            <a:lvl1pPr algn="r" defTabSz="457200" rtl="0" eaLnBrk="1" latinLnBrk="0" hangingPunct="1">
+              <a:spcBef>
+                <a:spcPct val="0"/>
+              </a:spcBef>
+              <a:buNone/>
+              <a:defRPr sz="5400" kern="1200">
+                <a:solidFill>
+                  <a:schemeClr val="accent1"/>
+                </a:solidFill>
+                <a:latin typeface="+mj-lt"/>
+                <a:ea typeface="+mj-ea"/>
+                <a:cs typeface="+mj-cs"/>
+              </a:defRPr>
+            </a:lvl1pPr>
+            <a:lvl2pPr eaLnBrk="1" hangingPunct="1">
+              <a:defRPr>
+                <a:solidFill>
+                  <a:schemeClr val="tx2"/>
+                </a:solidFill>
+              </a:defRPr>
+            </a:lvl2pPr>
+            <a:lvl3pPr eaLnBrk="1" hangingPunct="1">
+              <a:defRPr>
+                <a:solidFill>
+                  <a:schemeClr val="tx2"/>
+                </a:solidFill>
+              </a:defRPr>
+            </a:lvl3pPr>
+            <a:lvl4pPr eaLnBrk="1" hangingPunct="1">
+              <a:defRPr>
+                <a:solidFill>
+                  <a:schemeClr val="tx2"/>
+                </a:solidFill>
+              </a:defRPr>
+            </a:lvl4pPr>
+            <a:lvl5pPr eaLnBrk="1" hangingPunct="1">
+              <a:defRPr>
+                <a:solidFill>
+                  <a:schemeClr val="tx2"/>
+                </a:solidFill>
+              </a:defRPr>
+            </a:lvl5pPr>
+            <a:lvl6pPr eaLnBrk="1" hangingPunct="1">
+              <a:defRPr>
+                <a:solidFill>
+                  <a:schemeClr val="tx2"/>
+                </a:solidFill>
+              </a:defRPr>
+            </a:lvl6pPr>
+            <a:lvl7pPr eaLnBrk="1" hangingPunct="1">
+              <a:defRPr>
+                <a:solidFill>
+                  <a:schemeClr val="tx2"/>
+                </a:solidFill>
+              </a:defRPr>
+            </a:lvl7pPr>
+            <a:lvl8pPr eaLnBrk="1" hangingPunct="1">
+              <a:defRPr>
+                <a:solidFill>
+                  <a:schemeClr val="tx2"/>
+                </a:solidFill>
+              </a:defRPr>
+            </a:lvl8pPr>
+            <a:lvl9pPr eaLnBrk="1" hangingPunct="1">
+              <a:defRPr>
+                <a:solidFill>
+                  <a:schemeClr val="tx2"/>
+                </a:solidFill>
+              </a:defRPr>
+            </a:lvl9pPr>
+          </a:lstStyle>
+          <a:p>
+            <a:pPr algn="ctr"/>
+            <a:r>
+              <a:rPr lang="en-US" sz="4400" dirty="0">
+                <a:latin typeface="+mn-lt"/>
+              </a:rPr>
+              <a:t>Comparison between directors and sales</a:t>
+            </a:r>
+          </a:p>
+        </p:txBody>
+      </p:sp>
       <p:pic>
         <p:nvPicPr>
-          <p:cNvPr id="5" name="Picture 4"/>
+          <p:cNvPr id="13" name="Picture 12">
+            <a:extLst>
+              <a:ext uri="{FF2B5EF4-FFF2-40B4-BE49-F238E27FC236}">
+                <a16:creationId xmlns:a16="http://schemas.microsoft.com/office/drawing/2014/main" id="{D12ED098-D414-95E1-19CF-D4B4A01A1992}"/>
+              </a:ext>
+            </a:extLst>
+          </p:cNvPr>
           <p:cNvPicPr>
             <a:picLocks noChangeAspect="1"/>
           </p:cNvPicPr>
           <p:nvPr/>
         </p:nvPicPr>
         <p:blipFill>
-          <a:blip r:embed="rId1"/>
+          <a:blip r:embed="rId3"/>
           <a:stretch>
             <a:fillRect/>
           </a:stretch>
         </p:blipFill>
         <p:spPr>
           <a:xfrm>
-            <a:off x="2214562" y="119062"/>
-            <a:ext cx="7762875" cy="6619875"/>
+            <a:off x="677334" y="690466"/>
+            <a:ext cx="9586339" cy="4985772"/>
           </a:xfrm>
           <a:prstGeom prst="rect">
             <a:avLst/>
@@ -8026,29 +8565,6 @@
       </p:grpSpPr>
       <p:sp>
         <p:nvSpPr>
-          <p:cNvPr id="2" name="Title 1"/>
-          <p:cNvSpPr>
-            <a:spLocks noGrp="1"/>
-          </p:cNvSpPr>
-          <p:nvPr>
-            <p:ph type="ctrTitle"/>
-          </p:nvPr>
-        </p:nvSpPr>
-        <p:spPr/>
-        <p:txBody>
-          <a:bodyPr/>
-          <a:lstStyle/>
-          <a:p>
-            <a:r>
-              <a:rPr lang="en-US" dirty="0"/>
-              <a:t>VISUAL</a:t>
-            </a:r>
-            <a:endParaRPr lang="en-US" dirty="0"/>
-          </a:p>
-        </p:txBody>
-      </p:sp>
-      <p:sp>
-        <p:nvSpPr>
           <p:cNvPr id="3" name="Subtitle 2"/>
           <p:cNvSpPr>
             <a:spLocks noGrp="1"/>
@@ -8057,12 +8573,23 @@
             <p:ph type="subTitle" idx="1"/>
           </p:nvPr>
         </p:nvSpPr>
-        <p:spPr/>
-        <p:txBody>
-          <a:bodyPr/>
-          <a:lstStyle/>
-          <a:p>
-            <a:endParaRPr lang="en-US" dirty="0"/>
+        <p:spPr>
+          <a:xfrm>
+            <a:off x="853924" y="5715324"/>
+            <a:ext cx="11033276" cy="691163"/>
+          </a:xfrm>
+        </p:spPr>
+        <p:txBody>
+          <a:bodyPr>
+            <a:normAutofit/>
+          </a:bodyPr>
+          <a:lstStyle/>
+          <a:p>
+            <a:pPr algn="l"/>
+            <a:r>
+              <a:rPr lang="en-US" sz="2000" dirty="0"/>
+              <a:t>Dramas from Anna were the most popular as well as crime, drama, thriller from Eden Movies.</a:t>
+            </a:r>
           </a:p>
         </p:txBody>
       </p:sp>
@@ -8106,6 +8633,7 @@
           <a:p>
             <a:fld id="{C4C7283F-616F-4503-ABBD-21FFB2848302}" type="slidenum">
               <a:rPr lang="en-US" smtClean="0"/>
+              <a:t>14</a:t>
             </a:fld>
             <a:endParaRPr lang="en-US"/>
           </a:p>
@@ -8120,21 +8648,139 @@
           <p:nvPr/>
         </p:nvPicPr>
         <p:blipFill>
-          <a:blip r:embed="rId1"/>
-          <a:stretch>
-            <a:fillRect/>
-          </a:stretch>
+          <a:blip r:embed="rId3">
+            <a:extLst>
+              <a:ext uri="{28A0092B-C50C-407E-A947-70E740481C1C}">
+                <a14:useLocalDpi xmlns:a14="http://schemas.microsoft.com/office/drawing/2010/main" val="0"/>
+              </a:ext>
+            </a:extLst>
+          </a:blip>
+          <a:srcRect/>
+          <a:stretch/>
         </p:blipFill>
         <p:spPr>
           <a:xfrm>
-            <a:off x="2124075" y="66675"/>
-            <a:ext cx="7943850" cy="6724650"/>
+            <a:off x="1169457" y="895739"/>
+            <a:ext cx="7762875" cy="4819585"/>
+          </a:xfrm>
+          <a:prstGeom prst="rect">
+            <a:avLst/>
+          </a:prstGeom>
+          <a:ln>
+            <a:noFill/>
+          </a:ln>
+        </p:spPr>
+      </p:pic>
+      <p:sp>
+        <p:nvSpPr>
+          <p:cNvPr id="9" name="Title 1">
+            <a:extLst>
+              <a:ext uri="{FF2B5EF4-FFF2-40B4-BE49-F238E27FC236}">
+                <a16:creationId xmlns:a16="http://schemas.microsoft.com/office/drawing/2014/main" id="{DAB27D95-4F06-45FD-D5E2-778DE3C72267}"/>
+              </a:ext>
+            </a:extLst>
+          </p:cNvPr>
+          <p:cNvSpPr txBox="1">
+            <a:spLocks/>
+          </p:cNvSpPr>
+          <p:nvPr/>
+        </p:nvSpPr>
+        <p:spPr>
+          <a:xfrm>
+            <a:off x="179701" y="101208"/>
+            <a:ext cx="12012299" cy="631512"/>
           </a:xfrm>
           <a:prstGeom prst="rect">
             <a:avLst/>
           </a:prstGeom>
         </p:spPr>
-      </p:pic>
+        <p:txBody>
+          <a:bodyPr vert="horz" lIns="91440" tIns="45720" rIns="91440" bIns="45720" rtlCol="0" anchor="b">
+            <a:noAutofit/>
+          </a:bodyPr>
+          <a:lstStyle>
+            <a:lvl1pPr algn="r" defTabSz="457200" rtl="0" eaLnBrk="1" latinLnBrk="0" hangingPunct="1">
+              <a:spcBef>
+                <a:spcPct val="0"/>
+              </a:spcBef>
+              <a:buNone/>
+              <a:defRPr sz="5400" kern="1200">
+                <a:solidFill>
+                  <a:schemeClr val="accent1"/>
+                </a:solidFill>
+                <a:latin typeface="+mj-lt"/>
+                <a:ea typeface="+mj-ea"/>
+                <a:cs typeface="+mj-cs"/>
+              </a:defRPr>
+            </a:lvl1pPr>
+            <a:lvl2pPr eaLnBrk="1" hangingPunct="1">
+              <a:defRPr>
+                <a:solidFill>
+                  <a:schemeClr val="tx2"/>
+                </a:solidFill>
+              </a:defRPr>
+            </a:lvl2pPr>
+            <a:lvl3pPr eaLnBrk="1" hangingPunct="1">
+              <a:defRPr>
+                <a:solidFill>
+                  <a:schemeClr val="tx2"/>
+                </a:solidFill>
+              </a:defRPr>
+            </a:lvl3pPr>
+            <a:lvl4pPr eaLnBrk="1" hangingPunct="1">
+              <a:defRPr>
+                <a:solidFill>
+                  <a:schemeClr val="tx2"/>
+                </a:solidFill>
+              </a:defRPr>
+            </a:lvl4pPr>
+            <a:lvl5pPr eaLnBrk="1" hangingPunct="1">
+              <a:defRPr>
+                <a:solidFill>
+                  <a:schemeClr val="tx2"/>
+                </a:solidFill>
+              </a:defRPr>
+            </a:lvl5pPr>
+            <a:lvl6pPr eaLnBrk="1" hangingPunct="1">
+              <a:defRPr>
+                <a:solidFill>
+                  <a:schemeClr val="tx2"/>
+                </a:solidFill>
+              </a:defRPr>
+            </a:lvl6pPr>
+            <a:lvl7pPr eaLnBrk="1" hangingPunct="1">
+              <a:defRPr>
+                <a:solidFill>
+                  <a:schemeClr val="tx2"/>
+                </a:solidFill>
+              </a:defRPr>
+            </a:lvl7pPr>
+            <a:lvl8pPr eaLnBrk="1" hangingPunct="1">
+              <a:defRPr>
+                <a:solidFill>
+                  <a:schemeClr val="tx2"/>
+                </a:solidFill>
+              </a:defRPr>
+            </a:lvl8pPr>
+            <a:lvl9pPr eaLnBrk="1" hangingPunct="1">
+              <a:defRPr>
+                <a:solidFill>
+                  <a:schemeClr val="tx2"/>
+                </a:solidFill>
+              </a:defRPr>
+            </a:lvl9pPr>
+          </a:lstStyle>
+          <a:p>
+            <a:pPr algn="ctr"/>
+            <a:r>
+              <a:rPr lang="en-US" sz="4400" dirty="0">
+                <a:latin typeface="+mn-lt"/>
+              </a:rPr>
+              <a:t>Top 3 movies with top 3 genres and popularity</a:t>
+            </a:r>
+          </a:p>
+        </p:txBody>
+      </p:sp>
     </p:spTree>
   </p:cSld>
   <p:clrMapOvr>
@@ -8162,43 +8808,30 @@
       </p:grpSpPr>
       <p:sp>
         <p:nvSpPr>
-          <p:cNvPr id="2" name="Title 1"/>
-          <p:cNvSpPr>
-            <a:spLocks noGrp="1"/>
-          </p:cNvSpPr>
-          <p:nvPr>
-            <p:ph type="title"/>
-          </p:nvPr>
-        </p:nvSpPr>
-        <p:spPr/>
-        <p:txBody>
-          <a:bodyPr/>
-          <a:lstStyle/>
-          <a:p>
-            <a:r>
-              <a:rPr lang="en-US" b="1" dirty="0"/>
-              <a:t>VISUAL TWO</a:t>
-            </a:r>
-            <a:endParaRPr lang="en-US" b="1" dirty="0"/>
-          </a:p>
-        </p:txBody>
-      </p:sp>
-      <p:sp>
-        <p:nvSpPr>
-          <p:cNvPr id="3" name="Text Placeholder 2"/>
-          <p:cNvSpPr>
-            <a:spLocks noGrp="1"/>
-          </p:cNvSpPr>
-          <p:nvPr>
-            <p:ph type="body" idx="1"/>
-          </p:nvPr>
-        </p:nvSpPr>
-        <p:spPr/>
-        <p:txBody>
-          <a:bodyPr/>
-          <a:lstStyle/>
-          <a:p>
-            <a:endParaRPr lang="en-US" dirty="0"/>
+          <p:cNvPr id="3" name="Subtitle 2"/>
+          <p:cNvSpPr>
+            <a:spLocks noGrp="1"/>
+          </p:cNvSpPr>
+          <p:nvPr>
+            <p:ph type="subTitle" idx="1"/>
+          </p:nvPr>
+        </p:nvSpPr>
+        <p:spPr>
+          <a:xfrm>
+            <a:off x="1343608" y="5721847"/>
+            <a:ext cx="7766936" cy="319515"/>
+          </a:xfrm>
+        </p:spPr>
+        <p:txBody>
+          <a:bodyPr>
+            <a:noAutofit/>
+          </a:bodyPr>
+          <a:lstStyle/>
+          <a:p>
+            <a:r>
+              <a:rPr lang="en-US" sz="2000" dirty="0"/>
+              <a:t>Drama was the most popular genre doubling the other categories.</a:t>
+            </a:r>
           </a:p>
         </p:txBody>
       </p:sp>
@@ -8242,6 +8875,7 @@
           <a:p>
             <a:fld id="{C4C7283F-616F-4503-ABBD-21FFB2848302}" type="slidenum">
               <a:rPr lang="en-US" smtClean="0"/>
+              <a:t>15</a:t>
             </a:fld>
             <a:endParaRPr lang="en-US"/>
           </a:p>
@@ -8249,28 +8883,68 @@
       </p:sp>
       <p:pic>
         <p:nvPicPr>
-          <p:cNvPr id="5" name="Picture 4"/>
+          <p:cNvPr id="8" name="Picture 7">
+            <a:extLst>
+              <a:ext uri="{FF2B5EF4-FFF2-40B4-BE49-F238E27FC236}">
+                <a16:creationId xmlns:a16="http://schemas.microsoft.com/office/drawing/2014/main" id="{D3886ADF-0BE8-2723-8374-876951300211}"/>
+              </a:ext>
+            </a:extLst>
+          </p:cNvPr>
           <p:cNvPicPr>
             <a:picLocks noChangeAspect="1"/>
           </p:cNvPicPr>
           <p:nvPr/>
         </p:nvPicPr>
         <p:blipFill>
-          <a:blip r:embed="rId1"/>
+          <a:blip r:embed="rId3"/>
           <a:stretch>
             <a:fillRect/>
           </a:stretch>
         </p:blipFill>
         <p:spPr>
           <a:xfrm>
-            <a:off x="0" y="2142211"/>
-            <a:ext cx="12192000" cy="2573578"/>
+            <a:off x="1343608" y="751719"/>
+            <a:ext cx="7930394" cy="5035047"/>
           </a:xfrm>
           <a:prstGeom prst="rect">
             <a:avLst/>
           </a:prstGeom>
         </p:spPr>
       </p:pic>
+      <p:sp>
+        <p:nvSpPr>
+          <p:cNvPr id="10" name="Title 9">
+            <a:extLst>
+              <a:ext uri="{FF2B5EF4-FFF2-40B4-BE49-F238E27FC236}">
+                <a16:creationId xmlns:a16="http://schemas.microsoft.com/office/drawing/2014/main" id="{812ED197-C011-5F09-F52C-BC0B31DE5780}"/>
+              </a:ext>
+            </a:extLst>
+          </p:cNvPr>
+          <p:cNvSpPr>
+            <a:spLocks noGrp="1"/>
+          </p:cNvSpPr>
+          <p:nvPr>
+            <p:ph type="ctrTitle"/>
+          </p:nvPr>
+        </p:nvSpPr>
+        <p:spPr>
+          <a:xfrm>
+            <a:off x="1507066" y="130629"/>
+            <a:ext cx="7766936" cy="686008"/>
+          </a:xfrm>
+        </p:spPr>
+        <p:txBody>
+          <a:bodyPr/>
+          <a:lstStyle/>
+          <a:p>
+            <a:r>
+              <a:rPr lang="en-GB" dirty="0"/>
+              <a:t>Top 5 popular genres</a:t>
+            </a:r>
+            <a:endParaRPr lang="en-KE" dirty="0"/>
+          </a:p>
+        </p:txBody>
+      </p:sp>
     </p:spTree>
   </p:cSld>
   <p:clrMapOvr>
@@ -8303,38 +8977,54 @@
             <a:spLocks noGrp="1"/>
           </p:cNvSpPr>
           <p:nvPr>
-            <p:ph type="ctrTitle"/>
-          </p:nvPr>
-        </p:nvSpPr>
-        <p:spPr/>
-        <p:txBody>
-          <a:bodyPr/>
+            <p:ph type="title"/>
+          </p:nvPr>
+        </p:nvSpPr>
+        <p:spPr>
+          <a:xfrm>
+            <a:off x="335664" y="0"/>
+            <a:ext cx="11458230" cy="816638"/>
+          </a:xfrm>
+        </p:spPr>
+        <p:txBody>
+          <a:bodyPr>
+            <a:normAutofit fontScale="90000"/>
+          </a:bodyPr>
+          <a:lstStyle/>
+          <a:p>
+            <a:r>
+              <a:rPr lang="en-US" b="1" dirty="0"/>
+              <a:t>Comparison between genre and production budget</a:t>
+            </a:r>
+          </a:p>
+        </p:txBody>
+      </p:sp>
+      <p:sp>
+        <p:nvSpPr>
+          <p:cNvPr id="3" name="Text Placeholder 2"/>
+          <p:cNvSpPr>
+            <a:spLocks noGrp="1"/>
+          </p:cNvSpPr>
+          <p:nvPr>
+            <p:ph type="body" idx="1"/>
+          </p:nvPr>
+        </p:nvSpPr>
+        <p:spPr>
+          <a:xfrm>
+            <a:off x="677334" y="5676236"/>
+            <a:ext cx="10519400" cy="365125"/>
+          </a:xfrm>
+        </p:spPr>
+        <p:txBody>
+          <a:bodyPr>
+            <a:noAutofit/>
+          </a:bodyPr>
           <a:lstStyle/>
           <a:p>
             <a:r>
               <a:rPr lang="en-US" dirty="0"/>
-              <a:t>VISUAL</a:t>
-            </a:r>
-            <a:endParaRPr lang="en-US" dirty="0"/>
-          </a:p>
-        </p:txBody>
-      </p:sp>
-      <p:sp>
-        <p:nvSpPr>
-          <p:cNvPr id="3" name="Subtitle 2"/>
-          <p:cNvSpPr>
-            <a:spLocks noGrp="1"/>
-          </p:cNvSpPr>
-          <p:nvPr>
-            <p:ph type="subTitle" idx="1"/>
-          </p:nvPr>
-        </p:nvSpPr>
-        <p:spPr/>
-        <p:txBody>
-          <a:bodyPr/>
-          <a:lstStyle/>
-          <a:p>
-            <a:endParaRPr lang="en-US" dirty="0"/>
+              <a:t>Comedy ,drama  were costly in budget but gave the highest returns on investment.</a:t>
+            </a:r>
           </a:p>
         </p:txBody>
       </p:sp>
@@ -8378,6 +9068,7 @@
           <a:p>
             <a:fld id="{C4C7283F-616F-4503-ABBD-21FFB2848302}" type="slidenum">
               <a:rPr lang="en-US" smtClean="0"/>
+              <a:t>16</a:t>
             </a:fld>
             <a:endParaRPr lang="en-US"/>
           </a:p>
@@ -8392,15 +9083,20 @@
           <p:nvPr/>
         </p:nvPicPr>
         <p:blipFill>
-          <a:blip r:embed="rId1"/>
-          <a:stretch>
-            <a:fillRect/>
-          </a:stretch>
+          <a:blip r:embed="rId3">
+            <a:extLst>
+              <a:ext uri="{28A0092B-C50C-407E-A947-70E740481C1C}">
+                <a14:useLocalDpi xmlns:a14="http://schemas.microsoft.com/office/drawing/2010/main" val="0"/>
+              </a:ext>
+            </a:extLst>
+          </a:blip>
+          <a:srcRect/>
+          <a:stretch/>
         </p:blipFill>
         <p:spPr>
           <a:xfrm>
-            <a:off x="1571625" y="180975"/>
-            <a:ext cx="9048750" cy="6496050"/>
+            <a:off x="895739" y="816638"/>
+            <a:ext cx="10300995" cy="4725746"/>
           </a:xfrm>
           <a:prstGeom prst="rect">
             <a:avLst/>
@@ -8442,16 +9138,21 @@
             <p:ph type="ctrTitle"/>
           </p:nvPr>
         </p:nvSpPr>
-        <p:spPr/>
-        <p:txBody>
-          <a:bodyPr/>
-          <a:lstStyle/>
-          <a:p>
-            <a:r>
-              <a:rPr lang="en-GB" dirty="0"/>
-              <a:t>visual</a:t>
-            </a:r>
-            <a:endParaRPr lang="en-US" dirty="0"/>
+        <p:spPr>
+          <a:xfrm>
+            <a:off x="955311" y="55984"/>
+            <a:ext cx="10412963" cy="727788"/>
+          </a:xfrm>
+        </p:spPr>
+        <p:txBody>
+          <a:bodyPr/>
+          <a:lstStyle/>
+          <a:p>
+            <a:pPr algn="l"/>
+            <a:r>
+              <a:rPr lang="en-US" dirty="0"/>
+              <a:t>Top 5 most popular movie rating</a:t>
+            </a:r>
           </a:p>
         </p:txBody>
       </p:sp>
@@ -8465,12 +9166,23 @@
             <p:ph type="subTitle" idx="1"/>
           </p:nvPr>
         </p:nvSpPr>
-        <p:spPr/>
-        <p:txBody>
-          <a:bodyPr/>
-          <a:lstStyle/>
-          <a:p>
-            <a:endParaRPr lang="en-US" dirty="0"/>
+        <p:spPr>
+          <a:xfrm>
+            <a:off x="1165396" y="5678699"/>
+            <a:ext cx="7766936" cy="451514"/>
+          </a:xfrm>
+        </p:spPr>
+        <p:txBody>
+          <a:bodyPr>
+            <a:noAutofit/>
+          </a:bodyPr>
+          <a:lstStyle/>
+          <a:p>
+            <a:pPr algn="l"/>
+            <a:r>
+              <a:rPr lang="en-US" sz="2400" dirty="0"/>
+              <a:t>R,PG-13,PG IN Descending order of popularity.</a:t>
+            </a:r>
           </a:p>
         </p:txBody>
       </p:sp>
@@ -8514,6 +9226,7 @@
           <a:p>
             <a:fld id="{C4C7283F-616F-4503-ABBD-21FFB2848302}" type="slidenum">
               <a:rPr lang="en-US" smtClean="0"/>
+              <a:t>17</a:t>
             </a:fld>
             <a:endParaRPr lang="en-US"/>
           </a:p>
@@ -8528,15 +9241,20 @@
           <p:nvPr/>
         </p:nvPicPr>
         <p:blipFill>
-          <a:blip r:embed="rId1"/>
-          <a:stretch>
-            <a:fillRect/>
-          </a:stretch>
+          <a:blip r:embed="rId3">
+            <a:extLst>
+              <a:ext uri="{28A0092B-C50C-407E-A947-70E740481C1C}">
+                <a14:useLocalDpi xmlns:a14="http://schemas.microsoft.com/office/drawing/2010/main" val="0"/>
+              </a:ext>
+            </a:extLst>
+          </a:blip>
+          <a:srcRect/>
+          <a:stretch/>
         </p:blipFill>
         <p:spPr>
           <a:xfrm>
-            <a:off x="0" y="1698159"/>
-            <a:ext cx="12192000" cy="3461681"/>
+            <a:off x="823726" y="727787"/>
+            <a:ext cx="8108606" cy="5037301"/>
           </a:xfrm>
           <a:prstGeom prst="rect">
             <a:avLst/>
@@ -8578,16 +9296,20 @@
             <p:ph type="ctrTitle"/>
           </p:nvPr>
         </p:nvSpPr>
-        <p:spPr/>
-        <p:txBody>
-          <a:bodyPr/>
-          <a:lstStyle/>
-          <a:p>
-            <a:r>
-              <a:rPr lang="en-US" b="1" i="1" u="sng" dirty="0"/>
-              <a:t>VISUAL ONE</a:t>
-            </a:r>
-            <a:endParaRPr lang="en-US" dirty="0"/>
+        <p:spPr>
+          <a:xfrm>
+            <a:off x="1133843" y="204399"/>
+            <a:ext cx="9559039" cy="858442"/>
+          </a:xfrm>
+        </p:spPr>
+        <p:txBody>
+          <a:bodyPr/>
+          <a:lstStyle/>
+          <a:p>
+            <a:r>
+              <a:rPr lang="en-US" dirty="0"/>
+              <a:t>Yearly release timing analysis</a:t>
+            </a:r>
           </a:p>
         </p:txBody>
       </p:sp>
@@ -8601,12 +9323,23 @@
             <p:ph type="subTitle" idx="1"/>
           </p:nvPr>
         </p:nvSpPr>
-        <p:spPr/>
-        <p:txBody>
-          <a:bodyPr/>
-          <a:lstStyle/>
-          <a:p>
-            <a:endParaRPr lang="en-US" dirty="0"/>
+        <p:spPr>
+          <a:xfrm>
+            <a:off x="1165396" y="5594317"/>
+            <a:ext cx="10349270" cy="629607"/>
+          </a:xfrm>
+        </p:spPr>
+        <p:txBody>
+          <a:bodyPr>
+            <a:noAutofit/>
+          </a:bodyPr>
+          <a:lstStyle/>
+          <a:p>
+            <a:pPr algn="l"/>
+            <a:r>
+              <a:rPr lang="en-US" sz="2400" dirty="0"/>
+              <a:t>Time series showed an upward trend in terms of Rating worth investing.</a:t>
+            </a:r>
           </a:p>
         </p:txBody>
       </p:sp>
@@ -8650,6 +9383,7 @@
           <a:p>
             <a:fld id="{C4C7283F-616F-4503-ABBD-21FFB2848302}" type="slidenum">
               <a:rPr lang="en-US" smtClean="0"/>
+              <a:t>18</a:t>
             </a:fld>
             <a:endParaRPr lang="en-US"/>
           </a:p>
@@ -8664,15 +9398,20 @@
           <p:nvPr/>
         </p:nvPicPr>
         <p:blipFill>
-          <a:blip r:embed="rId1"/>
-          <a:stretch>
-            <a:fillRect/>
-          </a:stretch>
+          <a:blip r:embed="rId3">
+            <a:extLst>
+              <a:ext uri="{28A0092B-C50C-407E-A947-70E740481C1C}">
+                <a14:useLocalDpi xmlns:a14="http://schemas.microsoft.com/office/drawing/2010/main" val="0"/>
+              </a:ext>
+            </a:extLst>
+          </a:blip>
+          <a:srcRect/>
+          <a:stretch/>
         </p:blipFill>
         <p:spPr>
           <a:xfrm>
-            <a:off x="0" y="2006714"/>
-            <a:ext cx="12192000" cy="2844572"/>
+            <a:off x="1786985" y="1091632"/>
+            <a:ext cx="8905897" cy="4320123"/>
           </a:xfrm>
           <a:prstGeom prst="rect">
             <a:avLst/>
@@ -8688,7 +9427,7 @@
 </file>
 
 <file path=ppt/slides/slide19.xml><?xml version="1.0" encoding="utf-8"?>
-<p:sld xmlns:a="http://schemas.openxmlformats.org/drawingml/2006/main" xmlns:r="http://schemas.openxmlformats.org/officeDocument/2006/relationships" xmlns:p="http://schemas.openxmlformats.org/presentationml/2006/main">
+<p:sld xmlns:a="http://schemas.openxmlformats.org/drawingml/2006/main" xmlns:r="http://schemas.openxmlformats.org/officeDocument/2006/relationships" xmlns:p="http://schemas.openxmlformats.org/presentationml/2006/main" showMasterSp="0">
   <p:cSld>
     <p:spTree>
       <p:nvGrpSpPr>
@@ -8711,106 +9450,54 @@
             <a:spLocks noGrp="1"/>
           </p:cNvSpPr>
           <p:nvPr>
-            <p:ph type="title"/>
-          </p:nvPr>
-        </p:nvSpPr>
-        <p:spPr/>
-        <p:txBody>
-          <a:bodyPr/>
-          <a:lstStyle/>
-          <a:p>
-            <a:r>
-              <a:rPr lang="en-US" dirty="0"/>
-              <a:t>RESULTS/FINDINGS</a:t>
-            </a:r>
-            <a:endParaRPr lang="en-US" dirty="0"/>
-          </a:p>
-        </p:txBody>
-      </p:sp>
-      <p:sp>
-        <p:nvSpPr>
-          <p:cNvPr id="3" name="Content Placeholder 2"/>
-          <p:cNvSpPr>
-            <a:spLocks noGrp="1"/>
-          </p:cNvSpPr>
-          <p:nvPr>
-            <p:ph idx="1"/>
-          </p:nvPr>
-        </p:nvSpPr>
-        <p:spPr/>
+            <p:ph type="ctrTitle"/>
+          </p:nvPr>
+        </p:nvSpPr>
+        <p:spPr>
+          <a:xfrm>
+            <a:off x="0" y="0"/>
+            <a:ext cx="12108025" cy="968466"/>
+          </a:xfrm>
+        </p:spPr>
+        <p:txBody>
+          <a:bodyPr/>
+          <a:lstStyle/>
+          <a:p>
+            <a:pPr algn="l"/>
+            <a:r>
+              <a:rPr lang="en-US" sz="4800" dirty="0"/>
+              <a:t>Comparison between genres and total gross</a:t>
+            </a:r>
+          </a:p>
+        </p:txBody>
+      </p:sp>
+      <p:sp>
+        <p:nvSpPr>
+          <p:cNvPr id="3" name="Subtitle 2"/>
+          <p:cNvSpPr>
+            <a:spLocks noGrp="1"/>
+          </p:cNvSpPr>
+          <p:nvPr>
+            <p:ph type="subTitle" idx="1"/>
+          </p:nvPr>
+        </p:nvSpPr>
+        <p:spPr>
+          <a:xfrm>
+            <a:off x="922800" y="5682139"/>
+            <a:ext cx="10740465" cy="511051"/>
+          </a:xfrm>
+        </p:spPr>
         <p:txBody>
           <a:bodyPr>
-            <a:normAutofit fontScale="85000" lnSpcReduction="20000"/>
+            <a:noAutofit/>
           </a:bodyPr>
           <a:lstStyle/>
           <a:p>
-            <a:pPr lvl="0"/>
-            <a:r>
-              <a:rPr lang="en-US" dirty="0"/>
-              <a:t>ROI Leaders: Action and Adventure genres lead in return on investment (ROI), making them highly profitable.</a:t>
-            </a:r>
-            <a:endParaRPr lang="en-US" dirty="0"/>
-          </a:p>
-          <a:p>
-            <a:pPr lvl="0"/>
-            <a:r>
-              <a:rPr lang="en-US" dirty="0"/>
-              <a:t>Budget Allocation: Production budgets are highest for Comedy and Drama, reflecting their revenue potential.</a:t>
-            </a:r>
-            <a:endParaRPr lang="en-US" dirty="0"/>
-          </a:p>
-          <a:p>
-            <a:pPr lvl="0"/>
-            <a:r>
-              <a:rPr lang="en-US" dirty="0"/>
-              <a:t>Studio Performance: Universal Pictures has the highest average ratings, showcasing its strong audience appeal.</a:t>
-            </a:r>
-            <a:endParaRPr lang="en-US" dirty="0"/>
-          </a:p>
-          <a:p>
-            <a:pPr lvl="0"/>
-            <a:r>
-              <a:rPr lang="en-US" dirty="0"/>
-              <a:t>Release Timing: Average ratings peaked in recent years, suggesting growing audience satisfaction with newer movies. ROI Leaders: Action and Adventure genres lead in return on investment (ROI), making them highly profitable.</a:t>
-            </a:r>
-            <a:endParaRPr lang="en-US" dirty="0"/>
-          </a:p>
-          <a:p>
-            <a:pPr lvl="0"/>
-            <a:r>
-              <a:rPr lang="en-US" dirty="0"/>
-              <a:t>Budget Allocation: Production budgets are highest for Comedy and Drama, reflecting their revenue potential.</a:t>
-            </a:r>
-            <a:endParaRPr lang="en-US" dirty="0"/>
-          </a:p>
-          <a:p>
-            <a:pPr lvl="0"/>
-            <a:r>
-              <a:rPr lang="en-US" dirty="0"/>
-              <a:t>Studio Performance: Universal Pictures has the highest average ratings, showcasing its strong audience appeal.</a:t>
-            </a:r>
-            <a:endParaRPr lang="en-US" dirty="0"/>
-          </a:p>
-          <a:p>
-            <a:pPr lvl="0"/>
-            <a:r>
-              <a:rPr lang="en-US" dirty="0"/>
-              <a:t>Release Timing: Average ratings peaked in recent years, suggesting growing audience satisfaction with newer movies.</a:t>
-            </a:r>
-            <a:endParaRPr lang="en-US" dirty="0"/>
-          </a:p>
-          <a:p>
-            <a:endParaRPr lang="en-US" dirty="0"/>
-          </a:p>
-          <a:p>
-            <a:pPr lvl="0"/>
-            <a:endParaRPr lang="en-US" dirty="0"/>
-          </a:p>
-          <a:p>
-            <a:endParaRPr lang="en-US" dirty="0"/>
-          </a:p>
-          <a:p>
-            <a:endParaRPr lang="en-US" dirty="0"/>
+            <a:pPr algn="l"/>
+            <a:r>
+              <a:rPr lang="en-US" sz="2000" dirty="0"/>
+              <a:t>Drama, action and adventure, comedy showed an increasing trend in terms of gross profits.</a:t>
+            </a:r>
           </a:p>
         </p:txBody>
       </p:sp>
@@ -8839,7 +9526,7 @@
       </p:sp>
       <p:sp>
         <p:nvSpPr>
-          <p:cNvPr id="5" name="Slide Number Placeholder 4"/>
+          <p:cNvPr id="6" name="Slide Number Placeholder 5"/>
           <p:cNvSpPr>
             <a:spLocks noGrp="1"/>
           </p:cNvSpPr>
@@ -8854,11 +9541,41 @@
           <a:p>
             <a:fld id="{C4C7283F-616F-4503-ABBD-21FFB2848302}" type="slidenum">
               <a:rPr lang="en-US" smtClean="0"/>
+              <a:t>19</a:t>
             </a:fld>
             <a:endParaRPr lang="en-US"/>
           </a:p>
         </p:txBody>
       </p:sp>
+      <p:pic>
+        <p:nvPicPr>
+          <p:cNvPr id="5" name="Picture 4"/>
+          <p:cNvPicPr>
+            <a:picLocks noChangeAspect="1"/>
+          </p:cNvPicPr>
+          <p:nvPr/>
+        </p:nvPicPr>
+        <p:blipFill>
+          <a:blip r:embed="rId3">
+            <a:extLst>
+              <a:ext uri="{28A0092B-C50C-407E-A947-70E740481C1C}">
+                <a14:useLocalDpi xmlns:a14="http://schemas.microsoft.com/office/drawing/2010/main" val="0"/>
+              </a:ext>
+            </a:extLst>
+          </a:blip>
+          <a:srcRect/>
+          <a:stretch/>
+        </p:blipFill>
+        <p:spPr>
+          <a:xfrm>
+            <a:off x="1418254" y="1327689"/>
+            <a:ext cx="8938726" cy="4354450"/>
+          </a:xfrm>
+          <a:prstGeom prst="rect">
+            <a:avLst/>
+          </a:prstGeom>
+        </p:spPr>
+      </p:pic>
     </p:spTree>
   </p:cSld>
   <p:clrMapOvr>
@@ -8894,18 +9611,23 @@
             <p:ph type="ctrTitle"/>
           </p:nvPr>
         </p:nvSpPr>
-        <p:spPr/>
+        <p:spPr>
+          <a:xfrm>
+            <a:off x="506186" y="63966"/>
+            <a:ext cx="11152414" cy="1646302"/>
+          </a:xfrm>
+        </p:spPr>
         <p:txBody>
           <a:bodyPr>
-            <a:normAutofit fontScale="90000"/>
+            <a:normAutofit/>
           </a:bodyPr>
           <a:lstStyle/>
           <a:p>
+            <a:pPr algn="ctr"/>
             <a:r>
               <a:rPr lang="en-US" b="1" dirty="0"/>
-              <a:t>OVERVIEW/OUTLINE OF THE PROJECT</a:t>
-            </a:r>
-            <a:endParaRPr lang="en-US" b="1" dirty="0"/>
+              <a:t>OVERVIEW OF THE PROJECT</a:t>
+            </a:r>
           </a:p>
         </p:txBody>
       </p:sp>
@@ -8919,84 +9641,77 @@
             <p:ph type="subTitle" idx="1"/>
           </p:nvPr>
         </p:nvSpPr>
-        <p:spPr/>
+        <p:spPr>
+          <a:xfrm>
+            <a:off x="1028700" y="1993433"/>
+            <a:ext cx="10189029" cy="4047929"/>
+          </a:xfrm>
+        </p:spPr>
         <p:txBody>
           <a:bodyPr>
-            <a:normAutofit fontScale="77500" lnSpcReduction="20000"/>
+            <a:noAutofit/>
           </a:bodyPr>
           <a:lstStyle/>
           <a:p>
-            <a:pPr>
+            <a:pPr algn="l">
               <a:buFont typeface="Wingdings" panose="05000000000000000000" pitchFamily="2" charset="2"/>
               <a:buChar char="v"/>
             </a:pPr>
             <a:r>
-              <a:rPr lang="en-US" dirty="0"/>
-              <a:t>In this project I seek to solve a business stakeholder problem who has been in aviation business but wants to expand it.</a:t>
-            </a:r>
-            <a:endParaRPr lang="en-US" dirty="0"/>
-          </a:p>
-          <a:p>
-            <a:pPr>
+              <a:rPr lang="en-GB" sz="2400" dirty="0"/>
+              <a:t>The project focuses on analysing movie datasets to provide actionable    insights for the creation of a new movie studio. </a:t>
+            </a:r>
+          </a:p>
+          <a:p>
+            <a:pPr algn="l">
               <a:buFont typeface="Wingdings" panose="05000000000000000000" pitchFamily="2" charset="2"/>
               <a:buChar char="v"/>
             </a:pPr>
             <a:r>
-              <a:rPr lang="en-US" dirty="0"/>
-              <a:t>The main task is to help the head of aviation department on choice of aircraft to buy.</a:t>
-            </a:r>
-            <a:endParaRPr lang="en-US" dirty="0"/>
-          </a:p>
-          <a:p>
-            <a:pPr>
+              <a:rPr lang="en-GB" sz="2400" dirty="0"/>
+              <a:t>Using data visualization and analysis tools, such as Tableau and models</a:t>
+            </a:r>
+          </a:p>
+          <a:p>
+            <a:pPr algn="l">
               <a:buFont typeface="Wingdings" panose="05000000000000000000" pitchFamily="2" charset="2"/>
               <a:buChar char="v"/>
             </a:pPr>
             <a:r>
-              <a:rPr lang="en-US" dirty="0"/>
-              <a:t>The aircraft should be safe and less risky to the company as well as well as its customers.</a:t>
+              <a:rPr lang="en-GB" sz="2400" dirty="0"/>
+              <a:t>The project aims to identify trends and patterns in the movie industry, including top-performing genres, audience preferences and revenue-driving factors.</a:t>
+            </a:r>
+            <a:endParaRPr lang="en-US" sz="2400" dirty="0"/>
+          </a:p>
+          <a:p>
+            <a:pPr algn="l"/>
+            <a:endParaRPr lang="en-US" sz="2400" dirty="0"/>
+          </a:p>
+          <a:p>
+            <a:endParaRPr lang="en-US" sz="2400" dirty="0"/>
+          </a:p>
+        </p:txBody>
+      </p:sp>
+      <p:sp>
+        <p:nvSpPr>
+          <p:cNvPr id="4" name="Footer Placeholder 3"/>
+          <p:cNvSpPr>
+            <a:spLocks noGrp="1"/>
+          </p:cNvSpPr>
+          <p:nvPr>
+            <p:ph type="ftr" sz="quarter" idx="11"/>
+          </p:nvPr>
+        </p:nvSpPr>
+        <p:spPr/>
+        <p:txBody>
+          <a:bodyPr/>
+          <a:lstStyle/>
+          <a:p>
+            <a:r>
+              <a:rPr lang="en-GB" dirty="0"/>
+              <a:t>GROUP ONE  PHASE TWO PROJECT</a:t>
             </a:r>
             <a:endParaRPr lang="en-US" dirty="0"/>
-          </a:p>
-          <a:p>
-            <a:pPr>
-              <a:buFont typeface="Wingdings" panose="05000000000000000000" pitchFamily="2" charset="2"/>
-              <a:buChar char="v"/>
-            </a:pPr>
-            <a:endParaRPr lang="en-US" dirty="0"/>
-          </a:p>
-          <a:p>
-            <a:pPr>
-              <a:buFont typeface="Wingdings" panose="05000000000000000000" pitchFamily="2" charset="2"/>
-              <a:buChar char="v"/>
-            </a:pPr>
-            <a:endParaRPr lang="en-US" dirty="0"/>
-          </a:p>
-          <a:p>
-            <a:endParaRPr lang="en-US" dirty="0"/>
-          </a:p>
-        </p:txBody>
-      </p:sp>
-      <p:sp>
-        <p:nvSpPr>
-          <p:cNvPr id="4" name="Footer Placeholder 3"/>
-          <p:cNvSpPr>
-            <a:spLocks noGrp="1"/>
-          </p:cNvSpPr>
-          <p:nvPr>
-            <p:ph type="ftr" sz="quarter" idx="11"/>
-          </p:nvPr>
-        </p:nvSpPr>
-        <p:spPr/>
-        <p:txBody>
-          <a:bodyPr/>
-          <a:lstStyle/>
-          <a:p>
-            <a:r>
-              <a:rPr lang="en-GB"/>
-              <a:t>GROUP ONE  PHASE TWO PROJECT</a:t>
-            </a:r>
-            <a:endParaRPr lang="en-US"/>
           </a:p>
         </p:txBody>
       </p:sp>
@@ -9017,6 +9732,7 @@
           <a:p>
             <a:fld id="{C4C7283F-616F-4503-ABBD-21FFB2848302}" type="slidenum">
               <a:rPr lang="en-US" smtClean="0"/>
+              <a:t>2</a:t>
             </a:fld>
             <a:endParaRPr lang="en-US"/>
           </a:p>
@@ -9057,16 +9773,22 @@
             <p:ph type="title"/>
           </p:nvPr>
         </p:nvSpPr>
-        <p:spPr/>
-        <p:txBody>
-          <a:bodyPr/>
-          <a:lstStyle/>
-          <a:p>
-            <a:r>
-              <a:rPr lang="en-US" b="1" dirty="0"/>
-              <a:t>ACKNOWLEDGEMENT</a:t>
-            </a:r>
-            <a:endParaRPr lang="en-US" dirty="0"/>
+        <p:spPr>
+          <a:xfrm>
+            <a:off x="677334" y="213257"/>
+            <a:ext cx="8596668" cy="603380"/>
+          </a:xfrm>
+        </p:spPr>
+        <p:txBody>
+          <a:bodyPr>
+            <a:normAutofit fontScale="90000"/>
+          </a:bodyPr>
+          <a:lstStyle/>
+          <a:p>
+            <a:r>
+              <a:rPr lang="en-US" dirty="0"/>
+              <a:t>				RESULTS/FINDINGS</a:t>
+            </a:r>
           </a:p>
         </p:txBody>
       </p:sp>
@@ -9080,61 +9802,109 @@
             <p:ph idx="1"/>
           </p:nvPr>
         </p:nvSpPr>
-        <p:spPr/>
-        <p:txBody>
-          <a:bodyPr/>
-          <a:lstStyle/>
-          <a:p>
-            <a:r>
-              <a:rPr lang="en-US" dirty="0"/>
-              <a:t>We would like to acknowledge all the group one members for working tirelessly to contribute to this project:</a:t>
-            </a:r>
-            <a:endParaRPr lang="en-US" dirty="0"/>
-          </a:p>
-          <a:p>
-            <a:r>
-              <a:rPr lang="en-US" dirty="0"/>
-              <a:t>We would also like to pass our regard tour technical mentor </a:t>
-            </a:r>
-            <a:r>
-              <a:rPr lang="en-US" dirty="0" err="1"/>
-              <a:t>MR.William</a:t>
-            </a:r>
-            <a:r>
-              <a:rPr lang="en-US" dirty="0"/>
-              <a:t> </a:t>
-            </a:r>
-            <a:r>
-              <a:rPr lang="en-US" dirty="0" err="1"/>
-              <a:t>Okomba</a:t>
-            </a:r>
-            <a:r>
-              <a:rPr lang="en-US" dirty="0"/>
-              <a:t> having shaped our journey of learning  data science. </a:t>
-            </a:r>
-            <a:endParaRPr lang="en-US" dirty="0"/>
-          </a:p>
-          <a:p>
-            <a:r>
-              <a:rPr lang="en-US" dirty="0"/>
-              <a:t>All our </a:t>
-            </a:r>
-            <a:r>
-              <a:rPr lang="en-US" dirty="0" err="1"/>
-              <a:t>cousemates</a:t>
-            </a:r>
-            <a:r>
-              <a:rPr lang="en-US" dirty="0"/>
-              <a:t> who have been helping us to debug and </a:t>
-            </a:r>
-            <a:r>
-              <a:rPr lang="en-US" dirty="0" err="1"/>
-              <a:t>unblog</a:t>
-            </a:r>
-            <a:r>
-              <a:rPr lang="en-US" dirty="0"/>
-              <a:t> whenever in need.</a:t>
-            </a:r>
+        <p:spPr>
+          <a:xfrm>
+            <a:off x="563034" y="998756"/>
+            <a:ext cx="8596668" cy="4846873"/>
+          </a:xfrm>
+        </p:spPr>
+        <p:txBody>
+          <a:bodyPr>
+            <a:normAutofit fontScale="25000" lnSpcReduction="20000"/>
+          </a:bodyPr>
+          <a:lstStyle/>
+          <a:p>
+            <a:pPr lvl="0">
+              <a:buFont typeface="Wingdings" panose="05000000000000000000" pitchFamily="2" charset="2"/>
+              <a:buChar char="v"/>
+            </a:pPr>
+            <a:r>
+              <a:rPr lang="en-US" sz="8000" dirty="0"/>
+              <a:t>ROI Leaders: Action and Adventure genres lead in return on investment (ROI), making them highly profitable.</a:t>
+            </a:r>
+          </a:p>
+          <a:p>
+            <a:pPr lvl="0">
+              <a:buFont typeface="Wingdings" panose="05000000000000000000" pitchFamily="2" charset="2"/>
+              <a:buChar char="v"/>
+            </a:pPr>
+            <a:r>
+              <a:rPr lang="en-US" sz="8000" dirty="0"/>
+              <a:t>Budget Allocation: Production budgets are highest for Comedy and Drama, reflecting their revenue potential.</a:t>
+            </a:r>
+          </a:p>
+          <a:p>
+            <a:pPr lvl="0">
+              <a:buFont typeface="Wingdings" panose="05000000000000000000" pitchFamily="2" charset="2"/>
+              <a:buChar char="v"/>
+            </a:pPr>
+            <a:r>
+              <a:rPr lang="en-US" sz="8000" dirty="0"/>
+              <a:t>Studio Performance: Universal Pictures has the highest average ratings, showcasing its strong audience appeal.</a:t>
+            </a:r>
+          </a:p>
+          <a:p>
+            <a:pPr lvl="0">
+              <a:buFont typeface="Wingdings" panose="05000000000000000000" pitchFamily="2" charset="2"/>
+              <a:buChar char="v"/>
+            </a:pPr>
+            <a:r>
+              <a:rPr lang="en-US" sz="8000" dirty="0"/>
+              <a:t>Release Timing: Average ratings peaked in recent years, suggesting growing audience satisfaction with newer movies. ROI Leaders: Action and Adventure genres lead in return on investment (ROI), making them highly profitable.</a:t>
+            </a:r>
+          </a:p>
+          <a:p>
+            <a:pPr lvl="0">
+              <a:buFont typeface="Wingdings" panose="05000000000000000000" pitchFamily="2" charset="2"/>
+              <a:buChar char="v"/>
+            </a:pPr>
+            <a:r>
+              <a:rPr lang="en-US" sz="8000" dirty="0"/>
+              <a:t>Budget Allocation: Production budgets are highest for Comedy and Drama, reflecting their revenue potential.</a:t>
+            </a:r>
+          </a:p>
+          <a:p>
+            <a:pPr lvl="0">
+              <a:buFont typeface="Wingdings" panose="05000000000000000000" pitchFamily="2" charset="2"/>
+              <a:buChar char="v"/>
+            </a:pPr>
+            <a:r>
+              <a:rPr lang="en-US" sz="8000" dirty="0"/>
+              <a:t>Studio Performance: Universal Pictures has the highest average ratings, showcasing its strong audience appeal.</a:t>
+            </a:r>
+          </a:p>
+          <a:p>
+            <a:pPr lvl="0">
+              <a:buFont typeface="Wingdings" panose="05000000000000000000" pitchFamily="2" charset="2"/>
+              <a:buChar char="v"/>
+            </a:pPr>
+            <a:r>
+              <a:rPr lang="en-US" sz="8000" dirty="0"/>
+              <a:t>Release Timing: Average ratings peaked in recent years, suggesting growing audience satisfaction with newer movies.</a:t>
+            </a:r>
+          </a:p>
+          <a:p>
+            <a:pPr>
+              <a:buFont typeface="Wingdings" panose="05000000000000000000" pitchFamily="2" charset="2"/>
+              <a:buChar char="v"/>
+            </a:pPr>
+            <a:endParaRPr lang="en-US" sz="4400" dirty="0"/>
+          </a:p>
+          <a:p>
+            <a:pPr lvl="0">
+              <a:buFont typeface="Wingdings" panose="05000000000000000000" pitchFamily="2" charset="2"/>
+              <a:buChar char="v"/>
+            </a:pPr>
+            <a:endParaRPr lang="en-US" sz="4400" dirty="0"/>
+          </a:p>
+          <a:p>
+            <a:pPr>
+              <a:buFont typeface="Wingdings" panose="05000000000000000000" pitchFamily="2" charset="2"/>
+              <a:buChar char="v"/>
+            </a:pPr>
+            <a:endParaRPr lang="en-US" sz="4400" dirty="0"/>
+          </a:p>
+          <a:p>
             <a:endParaRPr lang="en-US" dirty="0"/>
           </a:p>
         </p:txBody>
@@ -9179,6 +9949,7 @@
           <a:p>
             <a:fld id="{C4C7283F-616F-4503-ABBD-21FFB2848302}" type="slidenum">
               <a:rPr lang="en-US" smtClean="0"/>
+              <a:t>20</a:t>
             </a:fld>
             <a:endParaRPr lang="en-US"/>
           </a:p>
@@ -9225,8 +9996,8 @@
           <a:lstStyle/>
           <a:p>
             <a:r>
-              <a:rPr lang="en-US" dirty="0"/>
-              <a:t>CONCLUSION</a:t>
+              <a:rPr lang="en-US" b="1" dirty="0"/>
+              <a:t>ACKNOWLEDGEMENT</a:t>
             </a:r>
             <a:endParaRPr lang="en-US" dirty="0"/>
           </a:p>
@@ -9242,54 +10013,50 @@
             <p:ph idx="1"/>
           </p:nvPr>
         </p:nvSpPr>
-        <p:spPr/>
+        <p:spPr>
+          <a:xfrm>
+            <a:off x="677334" y="1270000"/>
+            <a:ext cx="8596668" cy="3880773"/>
+          </a:xfrm>
+        </p:spPr>
         <p:txBody>
           <a:bodyPr>
             <a:normAutofit/>
           </a:bodyPr>
           <a:lstStyle/>
           <a:p>
-            <a:pPr marL="0" indent="0" algn="l">
-              <a:buFont typeface="+mj-lt"/>
-              <a:buNone/>
-            </a:pPr>
-            <a:r>
-              <a:rPr lang="en-US" altLang="en-GB" dirty="0">
-                <a:latin typeface="+mj-lt"/>
-                <a:cs typeface="+mj-lt"/>
-              </a:rPr>
-              <a:t>From the analysis, it is clear that the Drama genre enjoys the highest ratings, but its box office success fluctuates over time. While the Adventure, Comedy, and Sci-Fi genres remain the highest-selling genres, this is likely due to their broad appeal and entertainment value. Directors like Clint Eastwood and Jay Roach contribute significantly to the sales, with their strong reputations and professional standards. The ratings analysis also highlights the R rating's popularity, reflecting the tastes of adult audiences. Overall, the variability in movie sales and ratings over the years is likely driven by factors such as market dynamics, audience preferences, and the quality of direction and production.</a:t>
-            </a:r>
-            <a:endParaRPr lang="en-US" altLang="en-GB" dirty="0">
-              <a:latin typeface="+mj-lt"/>
-              <a:cs typeface="+mj-lt"/>
-            </a:endParaRPr>
-          </a:p>
-          <a:p>
-            <a:pPr algn="l">
-              <a:buFont typeface="+mj-lt"/>
-              <a:buAutoNum type="arabicPeriod"/>
-            </a:pPr>
-            <a:endParaRPr lang="en-GB" b="0" i="0" dirty="0">
-              <a:solidFill>
-                <a:srgbClr val="1F2328"/>
-              </a:solidFill>
-              <a:effectLst/>
-              <a:latin typeface="+mj-lt"/>
-              <a:cs typeface="+mj-lt"/>
-            </a:endParaRPr>
-          </a:p>
-          <a:p>
-            <a:endParaRPr lang="en-US" sz="4000" dirty="0">
-              <a:latin typeface="+mj-lt"/>
-              <a:cs typeface="+mj-lt"/>
-            </a:endParaRPr>
-          </a:p>
-          <a:p>
-            <a:endParaRPr lang="en-US" dirty="0">
-              <a:latin typeface="+mj-lt"/>
-              <a:cs typeface="+mj-lt"/>
-            </a:endParaRPr>
+            <a:r>
+              <a:rPr lang="en-US" sz="2000" dirty="0"/>
+              <a:t>We would like to acknowledge all the group one members for working tirelessly to contribute to this project:</a:t>
+            </a:r>
+          </a:p>
+          <a:p>
+            <a:r>
+              <a:rPr lang="en-US" sz="2000" dirty="0"/>
+              <a:t>We would also like to pass our regard tour technical mentor </a:t>
+            </a:r>
+            <a:r>
+              <a:rPr lang="en-US" sz="2000" dirty="0" err="1"/>
+              <a:t>MR.William</a:t>
+            </a:r>
+            <a:r>
+              <a:rPr lang="en-US" sz="2000" dirty="0"/>
+              <a:t> </a:t>
+            </a:r>
+            <a:r>
+              <a:rPr lang="en-US" sz="2000" dirty="0" err="1"/>
+              <a:t>Okomba</a:t>
+            </a:r>
+            <a:r>
+              <a:rPr lang="en-US" sz="2000" dirty="0"/>
+              <a:t> having shaped our journey of learning  data science. </a:t>
+            </a:r>
+          </a:p>
+          <a:p>
+            <a:r>
+              <a:rPr lang="en-US" sz="2000" dirty="0"/>
+              <a:t>All our colleagues who have been helping us to debug whenever in need.</a:t>
+            </a:r>
           </a:p>
         </p:txBody>
       </p:sp>
@@ -9333,6 +10100,7 @@
           <a:p>
             <a:fld id="{C4C7283F-616F-4503-ABBD-21FFB2848302}" type="slidenum">
               <a:rPr lang="en-US" smtClean="0"/>
+              <a:t>21</a:t>
             </a:fld>
             <a:endParaRPr lang="en-US"/>
           </a:p>
@@ -9373,16 +10141,23 @@
             <p:ph type="title"/>
           </p:nvPr>
         </p:nvSpPr>
-        <p:spPr/>
-        <p:txBody>
-          <a:bodyPr/>
-          <a:lstStyle/>
-          <a:p>
-            <a:r>
-              <a:rPr lang="en-US" b="1" dirty="0"/>
+        <p:spPr>
+          <a:xfrm>
+            <a:off x="677334" y="609600"/>
+            <a:ext cx="8596668" cy="660400"/>
+          </a:xfrm>
+        </p:spPr>
+        <p:txBody>
+          <a:bodyPr>
+            <a:normAutofit fontScale="90000"/>
+          </a:bodyPr>
+          <a:lstStyle/>
+          <a:p>
+            <a:r>
+              <a:rPr lang="en-US" sz="4000" b="1" dirty="0"/>
               <a:t>HYPOTHESIS TESTING REPORT</a:t>
             </a:r>
-            <a:endParaRPr lang="en-US" dirty="0"/>
+            <a:endParaRPr lang="en-US" sz="4000" dirty="0"/>
           </a:p>
         </p:txBody>
       </p:sp>
@@ -9396,51 +10171,78 @@
             <p:ph idx="1"/>
           </p:nvPr>
         </p:nvSpPr>
-        <p:spPr/>
-        <p:txBody>
-          <a:bodyPr/>
-          <a:lstStyle/>
-          <a:p>
-            <a:r>
-              <a:rPr lang="en-US" dirty="0"/>
-              <a:t>1.Testing the nature of the data</a:t>
-            </a:r>
-            <a:endParaRPr lang="en-US" dirty="0"/>
-          </a:p>
-          <a:p>
-            <a:r>
-              <a:rPr lang="en-US" dirty="0"/>
-              <a:t>2.Setting confidence interval</a:t>
-            </a:r>
-            <a:endParaRPr lang="en-US" dirty="0"/>
-          </a:p>
-          <a:p>
-            <a:r>
-              <a:rPr lang="en-US" dirty="0"/>
-              <a:t>3.Checking on the </a:t>
-            </a:r>
-            <a:r>
-              <a:rPr lang="en-US" dirty="0" err="1"/>
-              <a:t>stas</a:t>
-            </a:r>
-            <a:r>
-              <a:rPr lang="en-US" dirty="0"/>
-              <a:t> of the runtime</a:t>
-            </a:r>
-            <a:endParaRPr lang="en-US" dirty="0"/>
-          </a:p>
-          <a:p>
-            <a:r>
-              <a:rPr lang="en-US" dirty="0"/>
-              <a:t>4.Stating the Null and alternative hypothesis</a:t>
-            </a:r>
-            <a:endParaRPr lang="en-US" dirty="0"/>
-          </a:p>
-          <a:p>
-            <a:endParaRPr lang="en-US" dirty="0"/>
-          </a:p>
-          <a:p>
-            <a:endParaRPr lang="en-US" dirty="0"/>
+        <p:spPr>
+          <a:xfrm>
+            <a:off x="335663" y="1270000"/>
+            <a:ext cx="9281865" cy="3880773"/>
+          </a:xfrm>
+        </p:spPr>
+        <p:txBody>
+          <a:bodyPr/>
+          <a:lstStyle/>
+          <a:p>
+            <a:pPr marL="457200" indent="-457200">
+              <a:buFont typeface="+mj-lt"/>
+              <a:buAutoNum type="arabicPeriod"/>
+            </a:pPr>
+            <a:r>
+              <a:rPr lang="en-US" sz="2400" dirty="0"/>
+              <a:t>Testing the nature of the data.</a:t>
+            </a:r>
+          </a:p>
+          <a:p>
+            <a:pPr marL="457200" indent="-457200">
+              <a:buFont typeface="+mj-lt"/>
+              <a:buAutoNum type="arabicPeriod"/>
+            </a:pPr>
+            <a:r>
+              <a:rPr lang="en-US" sz="2400" dirty="0"/>
+              <a:t>Setting confidence interval.</a:t>
+            </a:r>
+          </a:p>
+          <a:p>
+            <a:pPr marL="457200" indent="-457200">
+              <a:buFont typeface="+mj-lt"/>
+              <a:buAutoNum type="arabicPeriod"/>
+            </a:pPr>
+            <a:r>
+              <a:rPr lang="en-US" sz="2400" dirty="0"/>
+              <a:t>Checking on the statistics of the average rating and total gross.</a:t>
+            </a:r>
+          </a:p>
+          <a:p>
+            <a:pPr marL="457200" indent="-457200">
+              <a:buFont typeface="+mj-lt"/>
+              <a:buAutoNum type="arabicPeriod"/>
+            </a:pPr>
+            <a:r>
+              <a:rPr lang="en-US" sz="2400" dirty="0"/>
+              <a:t>Stating the Null and alternative hypothesis.</a:t>
+            </a:r>
+          </a:p>
+          <a:p>
+            <a:pPr marL="457200" indent="-457200">
+              <a:buFont typeface="+mj-lt"/>
+              <a:buAutoNum type="arabicPeriod"/>
+            </a:pPr>
+            <a:r>
+              <a:rPr lang="en-US" sz="2400" dirty="0"/>
+              <a:t>Fail to reject the null hypothesis or not.</a:t>
+            </a:r>
+          </a:p>
+          <a:p>
+            <a:pPr>
+              <a:buFont typeface="Wingdings" panose="05000000000000000000" pitchFamily="2" charset="2"/>
+              <a:buChar char="v"/>
+            </a:pPr>
+            <a:endParaRPr lang="en-US" sz="2400" dirty="0"/>
+          </a:p>
+          <a:p>
+            <a:pPr>
+              <a:buFont typeface="Wingdings" panose="05000000000000000000" pitchFamily="2" charset="2"/>
+              <a:buChar char="v"/>
+            </a:pPr>
+            <a:endParaRPr lang="en-US" sz="2400" dirty="0"/>
           </a:p>
           <a:p>
             <a:pPr marL="0" indent="0">
@@ -9490,6 +10292,7 @@
           <a:p>
             <a:fld id="{C4C7283F-616F-4503-ABBD-21FFB2848302}" type="slidenum">
               <a:rPr lang="en-US" smtClean="0"/>
+              <a:t>22</a:t>
             </a:fld>
             <a:endParaRPr lang="en-US"/>
           </a:p>
@@ -9504,11 +10307,17 @@
 </file>
 
 <file path=ppt/slides/slide23.xml><?xml version="1.0" encoding="utf-8"?>
-<p:sld xmlns:a="http://schemas.openxmlformats.org/drawingml/2006/main" xmlns:r="http://schemas.openxmlformats.org/officeDocument/2006/relationships" xmlns:p="http://schemas.openxmlformats.org/presentationml/2006/main">
+<p:sld xmlns:a="http://schemas.openxmlformats.org/drawingml/2006/main" xmlns:r="http://schemas.openxmlformats.org/officeDocument/2006/relationships" xmlns:p="http://schemas.openxmlformats.org/presentationml/2006/main" showMasterSp="0">
   <p:cSld>
     <p:spTree>
       <p:nvGrpSpPr>
-        <p:cNvPr id="1" name=""/>
+        <p:cNvPr id="1" name="">
+          <a:extLst>
+            <a:ext uri="{FF2B5EF4-FFF2-40B4-BE49-F238E27FC236}">
+              <a16:creationId xmlns:a16="http://schemas.microsoft.com/office/drawing/2014/main" id="{6FCC7B1A-BD10-40B4-FAB4-7C720FBD0FE0}"/>
+            </a:ext>
+          </a:extLst>
+        </p:cNvPr>
         <p:cNvGrpSpPr/>
         <p:nvPr/>
       </p:nvGrpSpPr>
@@ -9522,7 +10331,13 @@
       </p:grpSpPr>
       <p:sp>
         <p:nvSpPr>
-          <p:cNvPr id="2" name="Title 1"/>
+          <p:cNvPr id="2" name="Title 1">
+            <a:extLst>
+              <a:ext uri="{FF2B5EF4-FFF2-40B4-BE49-F238E27FC236}">
+                <a16:creationId xmlns:a16="http://schemas.microsoft.com/office/drawing/2014/main" id="{39DBFD59-DE29-5847-C150-23FA2BAE1D0B}"/>
+              </a:ext>
+            </a:extLst>
+          </p:cNvPr>
           <p:cNvSpPr>
             <a:spLocks noGrp="1"/>
           </p:cNvSpPr>
@@ -9530,97 +10345,33 @@
             <p:ph type="ctrTitle"/>
           </p:nvPr>
         </p:nvSpPr>
-        <p:spPr/>
-        <p:txBody>
-          <a:bodyPr/>
-          <a:lstStyle/>
-          <a:p>
-            <a:r>
-              <a:rPr lang="en-US" dirty="0"/>
-              <a:t>MODELING REPORT</a:t>
-            </a:r>
-            <a:endParaRPr lang="en-US" dirty="0"/>
-          </a:p>
-        </p:txBody>
-      </p:sp>
-      <p:sp>
-        <p:nvSpPr>
-          <p:cNvPr id="3" name="Subtitle 2"/>
-          <p:cNvSpPr>
-            <a:spLocks noGrp="1"/>
-          </p:cNvSpPr>
-          <p:nvPr>
-            <p:ph type="subTitle" idx="1"/>
-          </p:nvPr>
-        </p:nvSpPr>
-        <p:spPr/>
-        <p:txBody>
-          <a:bodyPr>
-            <a:normAutofit fontScale="85000" lnSpcReduction="10000"/>
-          </a:bodyPr>
-          <a:lstStyle/>
-          <a:p>
-            <a:r>
-              <a:rPr lang="en-GB" b="0" i="0" dirty="0">
-                <a:effectLst/>
-                <a:latin typeface="system-ui"/>
-              </a:rPr>
-              <a:t>1] R² is computed without </a:t>
-            </a:r>
-            <a:r>
-              <a:rPr lang="en-GB" b="0" i="0" dirty="0" err="1">
-                <a:effectLst/>
-                <a:latin typeface="system-ui"/>
-              </a:rPr>
-              <a:t>centering</a:t>
-            </a:r>
-            <a:r>
-              <a:rPr lang="en-GB" b="0" i="0" dirty="0">
-                <a:effectLst/>
-                <a:latin typeface="system-ui"/>
-              </a:rPr>
-              <a:t> (uncentered) since the model does not contain a constant.</a:t>
-            </a:r>
-            <a:endParaRPr lang="en-GB" b="0" i="0" dirty="0">
-              <a:effectLst/>
-              <a:latin typeface="system-ui"/>
-            </a:endParaRPr>
-          </a:p>
-          <a:p>
-            <a:r>
-              <a:rPr lang="en-GB" b="0" i="0" dirty="0">
-                <a:effectLst/>
-                <a:latin typeface="system-ui"/>
-              </a:rPr>
-              <a:t>[2] Standard Errors assume that the covariance matrix of the errors is correctly specified.</a:t>
-            </a:r>
-            <a:br>
-              <a:rPr lang="en-GB" dirty="0"/>
-            </a:br>
-            <a:r>
-              <a:rPr lang="en-GB" b="0" i="0" dirty="0">
-                <a:effectLst/>
-                <a:latin typeface="system-ui"/>
-              </a:rPr>
-              <a:t>[3] The condition number is large, 1.74e+04. This might indicate that there are</a:t>
-            </a:r>
-            <a:br>
-              <a:rPr lang="en-GB" dirty="0"/>
-            </a:br>
-            <a:r>
-              <a:rPr lang="en-GB" b="0" i="0" dirty="0">
-                <a:effectLst/>
-                <a:latin typeface="system-ui"/>
-              </a:rPr>
-              <a:t>strong multicollinearity or other numerical problems.</a:t>
-            </a:r>
-            <a:endParaRPr lang="en-US" dirty="0"/>
-          </a:p>
-        </p:txBody>
-      </p:sp>
-      <p:sp>
-        <p:nvSpPr>
-          <p:cNvPr id="4" name="Footer Placeholder 3"/>
+        <p:spPr>
+          <a:xfrm>
+            <a:off x="0" y="0"/>
+            <a:ext cx="12108025" cy="968466"/>
+          </a:xfrm>
+        </p:spPr>
+        <p:txBody>
+          <a:bodyPr/>
+          <a:lstStyle/>
+          <a:p>
+            <a:pPr algn="l"/>
+            <a:r>
+              <a:rPr lang="en-US" sz="4800" dirty="0"/>
+              <a:t>		Testing the nature of the data	</a:t>
+            </a:r>
+          </a:p>
+        </p:txBody>
+      </p:sp>
+      <p:sp>
+        <p:nvSpPr>
+          <p:cNvPr id="4" name="Footer Placeholder 3">
+            <a:extLst>
+              <a:ext uri="{FF2B5EF4-FFF2-40B4-BE49-F238E27FC236}">
+                <a16:creationId xmlns:a16="http://schemas.microsoft.com/office/drawing/2014/main" id="{68FDA7E6-C79D-203E-053A-719DFF8DC45E}"/>
+              </a:ext>
+            </a:extLst>
+          </p:cNvPr>
           <p:cNvSpPr>
             <a:spLocks noGrp="1"/>
           </p:cNvSpPr>
@@ -9643,7 +10394,13 @@
       </p:sp>
       <p:sp>
         <p:nvSpPr>
-          <p:cNvPr id="5" name="Slide Number Placeholder 4"/>
+          <p:cNvPr id="6" name="Slide Number Placeholder 5">
+            <a:extLst>
+              <a:ext uri="{FF2B5EF4-FFF2-40B4-BE49-F238E27FC236}">
+                <a16:creationId xmlns:a16="http://schemas.microsoft.com/office/drawing/2014/main" id="{348930E6-8F46-3891-A4EF-BA2BB960C11B}"/>
+              </a:ext>
+            </a:extLst>
+          </p:cNvPr>
           <p:cNvSpPr>
             <a:spLocks noGrp="1"/>
           </p:cNvSpPr>
@@ -9658,12 +10415,78 @@
           <a:p>
             <a:fld id="{C4C7283F-616F-4503-ABBD-21FFB2848302}" type="slidenum">
               <a:rPr lang="en-US" smtClean="0"/>
+              <a:t>23</a:t>
             </a:fld>
             <a:endParaRPr lang="en-US"/>
           </a:p>
         </p:txBody>
       </p:sp>
+      <p:pic>
+        <p:nvPicPr>
+          <p:cNvPr id="5" name="Picture 4">
+            <a:extLst>
+              <a:ext uri="{FF2B5EF4-FFF2-40B4-BE49-F238E27FC236}">
+                <a16:creationId xmlns:a16="http://schemas.microsoft.com/office/drawing/2014/main" id="{80AEDBC8-073B-764A-D616-619F072FA8A6}"/>
+              </a:ext>
+            </a:extLst>
+          </p:cNvPr>
+          <p:cNvPicPr>
+            <a:picLocks noChangeAspect="1"/>
+          </p:cNvPicPr>
+          <p:nvPr/>
+        </p:nvPicPr>
+        <p:blipFill>
+          <a:blip r:embed="rId3">
+            <a:extLst>
+              <a:ext uri="{28A0092B-C50C-407E-A947-70E740481C1C}">
+                <a14:useLocalDpi xmlns:a14="http://schemas.microsoft.com/office/drawing/2010/main" val="0"/>
+              </a:ext>
+            </a:extLst>
+          </a:blip>
+          <a:srcRect/>
+          <a:stretch/>
+        </p:blipFill>
+        <p:spPr>
+          <a:xfrm>
+            <a:off x="1734918" y="1327689"/>
+            <a:ext cx="8305397" cy="4354450"/>
+          </a:xfrm>
+          <a:prstGeom prst="rect">
+            <a:avLst/>
+          </a:prstGeom>
+        </p:spPr>
+      </p:pic>
+      <p:sp>
+        <p:nvSpPr>
+          <p:cNvPr id="12" name="Subtitle 11">
+            <a:extLst>
+              <a:ext uri="{FF2B5EF4-FFF2-40B4-BE49-F238E27FC236}">
+                <a16:creationId xmlns:a16="http://schemas.microsoft.com/office/drawing/2014/main" id="{16A4AD93-23F9-2E81-6AAB-3667DD48C060}"/>
+              </a:ext>
+            </a:extLst>
+          </p:cNvPr>
+          <p:cNvSpPr>
+            <a:spLocks noGrp="1"/>
+          </p:cNvSpPr>
+          <p:nvPr>
+            <p:ph type="subTitle" idx="1"/>
+          </p:nvPr>
+        </p:nvSpPr>
+        <p:spPr/>
+        <p:txBody>
+          <a:bodyPr/>
+          <a:lstStyle/>
+          <a:p>
+            <a:endParaRPr lang="en-KE"/>
+          </a:p>
+        </p:txBody>
+      </p:sp>
     </p:spTree>
+    <p:extLst>
+      <p:ext uri="{BB962C8B-B14F-4D97-AF65-F5344CB8AC3E}">
+        <p14:creationId xmlns:p14="http://schemas.microsoft.com/office/powerpoint/2010/main" val="3122496624"/>
+      </p:ext>
+    </p:extLst>
   </p:cSld>
   <p:clrMapOvr>
     <a:masterClrMapping/>
@@ -9676,7 +10499,13 @@
   <p:cSld>
     <p:spTree>
       <p:nvGrpSpPr>
-        <p:cNvPr id="1" name=""/>
+        <p:cNvPr id="1" name="">
+          <a:extLst>
+            <a:ext uri="{FF2B5EF4-FFF2-40B4-BE49-F238E27FC236}">
+              <a16:creationId xmlns:a16="http://schemas.microsoft.com/office/drawing/2014/main" id="{D635C11B-E14B-F8D8-C15C-8E8D4DB0A864}"/>
+            </a:ext>
+          </a:extLst>
+        </p:cNvPr>
         <p:cNvGrpSpPr/>
         <p:nvPr/>
       </p:nvGrpSpPr>
@@ -9690,7 +10519,13 @@
       </p:grpSpPr>
       <p:sp>
         <p:nvSpPr>
-          <p:cNvPr id="2" name="Title 1"/>
+          <p:cNvPr id="2" name="Title 1">
+            <a:extLst>
+              <a:ext uri="{FF2B5EF4-FFF2-40B4-BE49-F238E27FC236}">
+                <a16:creationId xmlns:a16="http://schemas.microsoft.com/office/drawing/2014/main" id="{8D6825A0-35AB-1BD1-BDA6-9EF48F673952}"/>
+              </a:ext>
+            </a:extLst>
+          </p:cNvPr>
           <p:cNvSpPr>
             <a:spLocks noGrp="1"/>
           </p:cNvSpPr>
@@ -9698,41 +10533,34 @@
             <p:ph type="ctrTitle"/>
           </p:nvPr>
         </p:nvSpPr>
-        <p:spPr/>
-        <p:txBody>
-          <a:bodyPr/>
-          <a:lstStyle/>
-          <a:p>
-            <a:r>
-              <a:rPr lang="en-US" b="1" dirty="0"/>
-              <a:t>MODELING AND EVALUATION</a:t>
-            </a:r>
-            <a:endParaRPr lang="en-US" b="1" dirty="0"/>
-          </a:p>
-        </p:txBody>
-      </p:sp>
-      <p:sp>
-        <p:nvSpPr>
-          <p:cNvPr id="3" name="Subtitle 2"/>
-          <p:cNvSpPr>
-            <a:spLocks noGrp="1"/>
-          </p:cNvSpPr>
-          <p:nvPr>
-            <p:ph type="subTitle" idx="1"/>
-          </p:nvPr>
-        </p:nvSpPr>
-        <p:spPr/>
-        <p:txBody>
-          <a:bodyPr/>
-          <a:lstStyle/>
-          <a:p>
-            <a:endParaRPr lang="en-US" dirty="0"/>
-          </a:p>
-        </p:txBody>
-      </p:sp>
-      <p:sp>
-        <p:nvSpPr>
-          <p:cNvPr id="6" name="Footer Placeholder 5"/>
+        <p:spPr>
+          <a:xfrm>
+            <a:off x="163285" y="451513"/>
+            <a:ext cx="12311743" cy="365125"/>
+          </a:xfrm>
+        </p:spPr>
+        <p:txBody>
+          <a:bodyPr/>
+          <a:lstStyle/>
+          <a:p>
+            <a:pPr algn="l"/>
+            <a:r>
+              <a:rPr lang="en-US" sz="4400" dirty="0"/>
+              <a:t>Statistics of the average rating and total gross.</a:t>
+            </a:r>
+            <a:endParaRPr lang="en-US" sz="4800" dirty="0"/>
+          </a:p>
+        </p:txBody>
+      </p:sp>
+      <p:sp>
+        <p:nvSpPr>
+          <p:cNvPr id="4" name="Footer Placeholder 3">
+            <a:extLst>
+              <a:ext uri="{FF2B5EF4-FFF2-40B4-BE49-F238E27FC236}">
+                <a16:creationId xmlns:a16="http://schemas.microsoft.com/office/drawing/2014/main" id="{F6603DF3-C916-5C82-E5A2-1145C255B064}"/>
+              </a:ext>
+            </a:extLst>
+          </p:cNvPr>
           <p:cNvSpPr>
             <a:spLocks noGrp="1"/>
           </p:cNvSpPr>
@@ -9755,7 +10583,13 @@
       </p:sp>
       <p:sp>
         <p:nvSpPr>
-          <p:cNvPr id="7" name="Slide Number Placeholder 6"/>
+          <p:cNvPr id="6" name="Slide Number Placeholder 5">
+            <a:extLst>
+              <a:ext uri="{FF2B5EF4-FFF2-40B4-BE49-F238E27FC236}">
+                <a16:creationId xmlns:a16="http://schemas.microsoft.com/office/drawing/2014/main" id="{5BB945A2-7249-2759-D95C-3DF3AB5176F6}"/>
+              </a:ext>
+            </a:extLst>
+          </p:cNvPr>
           <p:cNvSpPr>
             <a:spLocks noGrp="1"/>
           </p:cNvSpPr>
@@ -9770,6 +10604,7 @@
           <a:p>
             <a:fld id="{C4C7283F-616F-4503-ABBD-21FFB2848302}" type="slidenum">
               <a:rPr lang="en-US" smtClean="0"/>
+              <a:t>24</a:t>
             </a:fld>
             <a:endParaRPr lang="en-US"/>
           </a:p>
@@ -9777,29 +10612,373 @@
       </p:sp>
       <p:pic>
         <p:nvPicPr>
-          <p:cNvPr id="5" name="Picture 4"/>
+          <p:cNvPr id="5" name="Picture 4">
+            <a:extLst>
+              <a:ext uri="{FF2B5EF4-FFF2-40B4-BE49-F238E27FC236}">
+                <a16:creationId xmlns:a16="http://schemas.microsoft.com/office/drawing/2014/main" id="{F2101D8D-07EB-618C-2560-7F0E9BE616C9}"/>
+              </a:ext>
+            </a:extLst>
+          </p:cNvPr>
           <p:cNvPicPr>
             <a:picLocks noChangeAspect="1"/>
           </p:cNvPicPr>
           <p:nvPr/>
         </p:nvPicPr>
         <p:blipFill>
-          <a:blip r:embed="rId1"/>
-          <a:stretch>
-            <a:fillRect/>
-          </a:stretch>
+          <a:blip r:embed="rId3">
+            <a:extLst>
+              <a:ext uri="{28A0092B-C50C-407E-A947-70E740481C1C}">
+                <a14:useLocalDpi xmlns:a14="http://schemas.microsoft.com/office/drawing/2010/main" val="0"/>
+              </a:ext>
+            </a:extLst>
+          </a:blip>
+          <a:srcRect/>
+          <a:stretch/>
         </p:blipFill>
         <p:spPr>
           <a:xfrm>
-            <a:off x="808289" y="0"/>
-            <a:ext cx="10575421" cy="6858000"/>
+            <a:off x="335427" y="1986351"/>
+            <a:ext cx="5388428" cy="3755571"/>
           </a:xfrm>
           <a:prstGeom prst="rect">
             <a:avLst/>
           </a:prstGeom>
         </p:spPr>
       </p:pic>
+      <p:sp>
+        <p:nvSpPr>
+          <p:cNvPr id="12" name="Subtitle 11">
+            <a:extLst>
+              <a:ext uri="{FF2B5EF4-FFF2-40B4-BE49-F238E27FC236}">
+                <a16:creationId xmlns:a16="http://schemas.microsoft.com/office/drawing/2014/main" id="{B1F122F1-4271-758C-4D14-D62DAE31E331}"/>
+              </a:ext>
+            </a:extLst>
+          </p:cNvPr>
+          <p:cNvSpPr>
+            <a:spLocks noGrp="1"/>
+          </p:cNvSpPr>
+          <p:nvPr>
+            <p:ph type="subTitle" idx="1"/>
+          </p:nvPr>
+        </p:nvSpPr>
+        <p:spPr>
+          <a:xfrm>
+            <a:off x="163285" y="1077687"/>
+            <a:ext cx="5560570" cy="604658"/>
+          </a:xfrm>
+        </p:spPr>
+        <p:txBody>
+          <a:bodyPr>
+            <a:normAutofit/>
+          </a:bodyPr>
+          <a:lstStyle/>
+          <a:p>
+            <a:pPr algn="ctr"/>
+            <a:r>
+              <a:rPr lang="en-GB" sz="2000" b="1" dirty="0"/>
+              <a:t>Average rating</a:t>
+            </a:r>
+            <a:endParaRPr lang="en-KE" sz="2000" b="1" dirty="0"/>
+          </a:p>
+        </p:txBody>
+      </p:sp>
+      <p:pic>
+        <p:nvPicPr>
+          <p:cNvPr id="3" name="Picture 2">
+            <a:extLst>
+              <a:ext uri="{FF2B5EF4-FFF2-40B4-BE49-F238E27FC236}">
+                <a16:creationId xmlns:a16="http://schemas.microsoft.com/office/drawing/2014/main" id="{D91A44AE-F76D-70F6-232F-6F8E61EA425D}"/>
+              </a:ext>
+            </a:extLst>
+          </p:cNvPr>
+          <p:cNvPicPr>
+            <a:picLocks noChangeAspect="1"/>
+          </p:cNvPicPr>
+          <p:nvPr/>
+        </p:nvPicPr>
+        <p:blipFill>
+          <a:blip r:embed="rId4">
+            <a:extLst>
+              <a:ext uri="{28A0092B-C50C-407E-A947-70E740481C1C}">
+                <a14:useLocalDpi xmlns:a14="http://schemas.microsoft.com/office/drawing/2010/main" val="0"/>
+              </a:ext>
+            </a:extLst>
+          </a:blip>
+          <a:srcRect/>
+          <a:stretch/>
+        </p:blipFill>
+        <p:spPr>
+          <a:xfrm>
+            <a:off x="6065762" y="2006830"/>
+            <a:ext cx="5389331" cy="3710046"/>
+          </a:xfrm>
+          <a:prstGeom prst="rect">
+            <a:avLst/>
+          </a:prstGeom>
+        </p:spPr>
+      </p:pic>
+      <p:sp>
+        <p:nvSpPr>
+          <p:cNvPr id="7" name="Subtitle 11">
+            <a:extLst>
+              <a:ext uri="{FF2B5EF4-FFF2-40B4-BE49-F238E27FC236}">
+                <a16:creationId xmlns:a16="http://schemas.microsoft.com/office/drawing/2014/main" id="{AD491E7D-3582-501B-35B2-A4695D9A535D}"/>
+              </a:ext>
+            </a:extLst>
+          </p:cNvPr>
+          <p:cNvSpPr txBox="1">
+            <a:spLocks/>
+          </p:cNvSpPr>
+          <p:nvPr/>
+        </p:nvSpPr>
+        <p:spPr>
+          <a:xfrm>
+            <a:off x="5980142" y="1082254"/>
+            <a:ext cx="5560570" cy="604658"/>
+          </a:xfrm>
+          <a:prstGeom prst="rect">
+            <a:avLst/>
+          </a:prstGeom>
+        </p:spPr>
+        <p:txBody>
+          <a:bodyPr vert="horz" lIns="91440" tIns="45720" rIns="91440" bIns="45720" rtlCol="0" anchor="t">
+            <a:normAutofit/>
+          </a:bodyPr>
+          <a:lstStyle>
+            <a:lvl1pPr marL="0" indent="0" algn="r" defTabSz="457200" rtl="0" eaLnBrk="1" latinLnBrk="0" hangingPunct="1">
+              <a:spcBef>
+                <a:spcPts val="1000"/>
+              </a:spcBef>
+              <a:spcAft>
+                <a:spcPts val="0"/>
+              </a:spcAft>
+              <a:buClr>
+                <a:schemeClr val="accent1"/>
+              </a:buClr>
+              <a:buSzPct val="80000"/>
+              <a:buFont typeface="Wingdings 3" panose="05040102010807070707" charset="2"/>
+              <a:buNone/>
+              <a:defRPr sz="1800" kern="1200">
+                <a:solidFill>
+                  <a:schemeClr val="tx1">
+                    <a:lumMod val="50000"/>
+                    <a:lumOff val="50000"/>
+                  </a:schemeClr>
+                </a:solidFill>
+                <a:latin typeface="+mn-lt"/>
+                <a:ea typeface="+mn-ea"/>
+                <a:cs typeface="+mn-cs"/>
+              </a:defRPr>
+            </a:lvl1pPr>
+            <a:lvl2pPr marL="457200" indent="0" algn="ctr" defTabSz="457200" rtl="0" eaLnBrk="1" latinLnBrk="0" hangingPunct="1">
+              <a:spcBef>
+                <a:spcPts val="1000"/>
+              </a:spcBef>
+              <a:spcAft>
+                <a:spcPts val="0"/>
+              </a:spcAft>
+              <a:buClr>
+                <a:schemeClr val="accent1"/>
+              </a:buClr>
+              <a:buSzPct val="80000"/>
+              <a:buFont typeface="Wingdings 3" panose="05040102010807070707" charset="2"/>
+              <a:buNone/>
+              <a:defRPr sz="1600" kern="1200">
+                <a:solidFill>
+                  <a:schemeClr val="tx1">
+                    <a:tint val="75000"/>
+                  </a:schemeClr>
+                </a:solidFill>
+                <a:latin typeface="+mn-lt"/>
+                <a:ea typeface="+mn-ea"/>
+                <a:cs typeface="+mn-cs"/>
+              </a:defRPr>
+            </a:lvl2pPr>
+            <a:lvl3pPr marL="914400" indent="0" algn="ctr" defTabSz="457200" rtl="0" eaLnBrk="1" latinLnBrk="0" hangingPunct="1">
+              <a:spcBef>
+                <a:spcPts val="1000"/>
+              </a:spcBef>
+              <a:spcAft>
+                <a:spcPts val="0"/>
+              </a:spcAft>
+              <a:buClr>
+                <a:schemeClr val="accent1"/>
+              </a:buClr>
+              <a:buSzPct val="80000"/>
+              <a:buFont typeface="Wingdings 3" panose="05040102010807070707" charset="2"/>
+              <a:buNone/>
+              <a:defRPr sz="1400" kern="1200">
+                <a:solidFill>
+                  <a:schemeClr val="tx1">
+                    <a:tint val="75000"/>
+                  </a:schemeClr>
+                </a:solidFill>
+                <a:latin typeface="+mn-lt"/>
+                <a:ea typeface="+mn-ea"/>
+                <a:cs typeface="+mn-cs"/>
+              </a:defRPr>
+            </a:lvl3pPr>
+            <a:lvl4pPr marL="1371600" indent="0" algn="ctr" defTabSz="457200" rtl="0" eaLnBrk="1" latinLnBrk="0" hangingPunct="1">
+              <a:spcBef>
+                <a:spcPts val="1000"/>
+              </a:spcBef>
+              <a:spcAft>
+                <a:spcPts val="0"/>
+              </a:spcAft>
+              <a:buClr>
+                <a:schemeClr val="accent1"/>
+              </a:buClr>
+              <a:buSzPct val="80000"/>
+              <a:buFont typeface="Wingdings 3" panose="05040102010807070707" charset="2"/>
+              <a:buNone/>
+              <a:defRPr sz="1200" kern="1200">
+                <a:solidFill>
+                  <a:schemeClr val="tx1">
+                    <a:tint val="75000"/>
+                  </a:schemeClr>
+                </a:solidFill>
+                <a:latin typeface="+mn-lt"/>
+                <a:ea typeface="+mn-ea"/>
+                <a:cs typeface="+mn-cs"/>
+              </a:defRPr>
+            </a:lvl4pPr>
+            <a:lvl5pPr marL="1828800" indent="0" algn="ctr" defTabSz="457200" rtl="0" eaLnBrk="1" latinLnBrk="0" hangingPunct="1">
+              <a:spcBef>
+                <a:spcPts val="1000"/>
+              </a:spcBef>
+              <a:spcAft>
+                <a:spcPts val="0"/>
+              </a:spcAft>
+              <a:buClr>
+                <a:schemeClr val="accent1"/>
+              </a:buClr>
+              <a:buSzPct val="80000"/>
+              <a:buFont typeface="Wingdings 3" panose="05040102010807070707" charset="2"/>
+              <a:buNone/>
+              <a:defRPr sz="1200" kern="1200">
+                <a:solidFill>
+                  <a:schemeClr val="tx1">
+                    <a:tint val="75000"/>
+                  </a:schemeClr>
+                </a:solidFill>
+                <a:latin typeface="+mn-lt"/>
+                <a:ea typeface="+mn-ea"/>
+                <a:cs typeface="+mn-cs"/>
+              </a:defRPr>
+            </a:lvl5pPr>
+            <a:lvl6pPr marL="2286000" indent="0" algn="ctr" defTabSz="457200" rtl="0" eaLnBrk="1" latinLnBrk="0" hangingPunct="1">
+              <a:spcBef>
+                <a:spcPts val="1000"/>
+              </a:spcBef>
+              <a:spcAft>
+                <a:spcPts val="0"/>
+              </a:spcAft>
+              <a:buClr>
+                <a:schemeClr val="accent1"/>
+              </a:buClr>
+              <a:buSzPct val="80000"/>
+              <a:buFont typeface="Wingdings 3" panose="05040102010807070707" charset="2"/>
+              <a:buNone/>
+              <a:defRPr sz="1200" kern="1200">
+                <a:solidFill>
+                  <a:schemeClr val="tx1">
+                    <a:tint val="75000"/>
+                  </a:schemeClr>
+                </a:solidFill>
+                <a:latin typeface="+mn-lt"/>
+                <a:ea typeface="+mn-ea"/>
+                <a:cs typeface="+mn-cs"/>
+              </a:defRPr>
+            </a:lvl6pPr>
+            <a:lvl7pPr marL="2743200" indent="0" algn="ctr" defTabSz="457200" rtl="0" eaLnBrk="1" latinLnBrk="0" hangingPunct="1">
+              <a:spcBef>
+                <a:spcPts val="1000"/>
+              </a:spcBef>
+              <a:spcAft>
+                <a:spcPts val="0"/>
+              </a:spcAft>
+              <a:buClr>
+                <a:schemeClr val="accent1"/>
+              </a:buClr>
+              <a:buSzPct val="80000"/>
+              <a:buFont typeface="Wingdings 3" panose="05040102010807070707" charset="2"/>
+              <a:buNone/>
+              <a:defRPr sz="1200" kern="1200">
+                <a:solidFill>
+                  <a:schemeClr val="tx1">
+                    <a:tint val="75000"/>
+                  </a:schemeClr>
+                </a:solidFill>
+                <a:latin typeface="+mn-lt"/>
+                <a:ea typeface="+mn-ea"/>
+                <a:cs typeface="+mn-cs"/>
+              </a:defRPr>
+            </a:lvl7pPr>
+            <a:lvl8pPr marL="3200400" indent="0" algn="ctr" defTabSz="457200" rtl="0" eaLnBrk="1" latinLnBrk="0" hangingPunct="1">
+              <a:spcBef>
+                <a:spcPts val="1000"/>
+              </a:spcBef>
+              <a:spcAft>
+                <a:spcPts val="0"/>
+              </a:spcAft>
+              <a:buClr>
+                <a:schemeClr val="accent1"/>
+              </a:buClr>
+              <a:buSzPct val="80000"/>
+              <a:buFont typeface="Wingdings 3" panose="05040102010807070707" charset="2"/>
+              <a:buNone/>
+              <a:defRPr sz="1200" kern="1200">
+                <a:solidFill>
+                  <a:schemeClr val="tx1">
+                    <a:tint val="75000"/>
+                  </a:schemeClr>
+                </a:solidFill>
+                <a:latin typeface="+mn-lt"/>
+                <a:ea typeface="+mn-ea"/>
+                <a:cs typeface="+mn-cs"/>
+              </a:defRPr>
+            </a:lvl8pPr>
+            <a:lvl9pPr marL="3657600" indent="0" algn="ctr" defTabSz="457200" rtl="0" eaLnBrk="1" latinLnBrk="0" hangingPunct="1">
+              <a:spcBef>
+                <a:spcPts val="1000"/>
+              </a:spcBef>
+              <a:spcAft>
+                <a:spcPts val="0"/>
+              </a:spcAft>
+              <a:buClr>
+                <a:schemeClr val="accent1"/>
+              </a:buClr>
+              <a:buSzPct val="80000"/>
+              <a:buFont typeface="Wingdings 3" panose="05040102010807070707" charset="2"/>
+              <a:buNone/>
+              <a:defRPr sz="1200" kern="1200">
+                <a:solidFill>
+                  <a:schemeClr val="tx1">
+                    <a:tint val="75000"/>
+                  </a:schemeClr>
+                </a:solidFill>
+                <a:latin typeface="+mn-lt"/>
+                <a:ea typeface="+mn-ea"/>
+                <a:cs typeface="+mn-cs"/>
+              </a:defRPr>
+            </a:lvl9pPr>
+          </a:lstStyle>
+          <a:p>
+            <a:pPr algn="ctr"/>
+            <a:r>
+              <a:rPr lang="en-GB" sz="2000" b="1" dirty="0"/>
+              <a:t>Total gross</a:t>
+            </a:r>
+            <a:endParaRPr lang="en-KE" sz="2000" b="1" dirty="0"/>
+          </a:p>
+        </p:txBody>
+      </p:sp>
     </p:spTree>
+    <p:extLst>
+      <p:ext uri="{BB962C8B-B14F-4D97-AF65-F5344CB8AC3E}">
+        <p14:creationId xmlns:p14="http://schemas.microsoft.com/office/powerpoint/2010/main" val="1898261849"/>
+      </p:ext>
+    </p:extLst>
   </p:cSld>
   <p:clrMapOvr>
     <a:masterClrMapping/>
@@ -9808,11 +10987,17 @@
 </file>
 
 <file path=ppt/slides/slide25.xml><?xml version="1.0" encoding="utf-8"?>
-<p:sld xmlns:a="http://schemas.openxmlformats.org/drawingml/2006/main" xmlns:r="http://schemas.openxmlformats.org/officeDocument/2006/relationships" xmlns:p="http://schemas.openxmlformats.org/presentationml/2006/main">
+<p:sld xmlns:a="http://schemas.openxmlformats.org/drawingml/2006/main" xmlns:r="http://schemas.openxmlformats.org/officeDocument/2006/relationships" xmlns:p="http://schemas.openxmlformats.org/presentationml/2006/main" showMasterSp="0">
   <p:cSld>
     <p:spTree>
       <p:nvGrpSpPr>
-        <p:cNvPr id="1" name=""/>
+        <p:cNvPr id="1" name="">
+          <a:extLst>
+            <a:ext uri="{FF2B5EF4-FFF2-40B4-BE49-F238E27FC236}">
+              <a16:creationId xmlns:a16="http://schemas.microsoft.com/office/drawing/2014/main" id="{B6E0B431-6B61-7B15-1C6C-80702A58CB9E}"/>
+            </a:ext>
+          </a:extLst>
+        </p:cNvPr>
         <p:cNvGrpSpPr/>
         <p:nvPr/>
       </p:nvGrpSpPr>
@@ -9826,169 +11011,48 @@
       </p:grpSpPr>
       <p:sp>
         <p:nvSpPr>
-          <p:cNvPr id="2" name="Title 1"/>
-          <p:cNvSpPr>
-            <a:spLocks noGrp="1"/>
-          </p:cNvSpPr>
-          <p:nvPr>
-            <p:ph type="title"/>
-          </p:nvPr>
-        </p:nvSpPr>
-        <p:spPr/>
-        <p:txBody>
-          <a:bodyPr/>
-          <a:lstStyle/>
-          <a:p>
-            <a:r>
-              <a:rPr lang="en-US" b="1" dirty="0"/>
-              <a:t>RECCOMMENDATIONS</a:t>
-            </a:r>
-            <a:endParaRPr lang="en-US" dirty="0"/>
-          </a:p>
-        </p:txBody>
-      </p:sp>
-      <p:sp>
-        <p:nvSpPr>
-          <p:cNvPr id="3" name="Content Placeholder 2"/>
-          <p:cNvSpPr>
-            <a:spLocks noGrp="1"/>
-          </p:cNvSpPr>
-          <p:nvPr>
-            <p:ph idx="1"/>
-          </p:nvPr>
-        </p:nvSpPr>
-        <p:spPr/>
-        <p:txBody>
-          <a:bodyPr/>
-          <a:lstStyle/>
-          <a:p>
-            <a:pPr marL="342900" lvl="0" indent="-342900">
-              <a:lnSpc>
-                <a:spcPct val="107000"/>
-              </a:lnSpc>
-              <a:spcAft>
-                <a:spcPts val="800"/>
-              </a:spcAft>
-              <a:buFont typeface="+mj-lt"/>
-              <a:buAutoNum type="arabicPeriod"/>
-              <a:tabLst>
-                <a:tab pos="457200" algn="l"/>
-              </a:tabLst>
-            </a:pPr>
-            <a:r>
-              <a:rPr lang="en-US" sz="1800" kern="100" dirty="0">
-                <a:effectLst/>
-                <a:latin typeface="Calibri" panose="020F0502020204030204" pitchFamily="34" charset="0"/>
-                <a:ea typeface="Calibri" panose="020F0502020204030204" pitchFamily="34" charset="0"/>
-                <a:cs typeface="Times New Roman" panose="02020603050405020304" pitchFamily="18" charset="0"/>
-              </a:rPr>
-              <a:t>Prioritize Action and Comedy genres for future productions, as they have proven to be the most lucrative and widely appreciated.</a:t>
-            </a:r>
-            <a:endParaRPr lang="en-US" sz="1800" kern="100" dirty="0">
-              <a:effectLst/>
-              <a:latin typeface="Calibri" panose="020F0502020204030204" pitchFamily="34" charset="0"/>
-              <a:ea typeface="Calibri" panose="020F0502020204030204" pitchFamily="34" charset="0"/>
-              <a:cs typeface="Times New Roman" panose="02020603050405020304" pitchFamily="18" charset="0"/>
-            </a:endParaRPr>
-          </a:p>
-          <a:p>
-            <a:pPr marL="342900" lvl="0" indent="-342900">
-              <a:lnSpc>
-                <a:spcPct val="107000"/>
-              </a:lnSpc>
-              <a:spcAft>
-                <a:spcPts val="800"/>
-              </a:spcAft>
-              <a:buFont typeface="+mj-lt"/>
-              <a:buAutoNum type="arabicPeriod"/>
-              <a:tabLst>
-                <a:tab pos="457200" algn="l"/>
-              </a:tabLst>
-            </a:pPr>
-            <a:r>
-              <a:rPr lang="en-US" sz="1800" kern="100" dirty="0">
-                <a:effectLst/>
-                <a:latin typeface="Calibri" panose="020F0502020204030204" pitchFamily="34" charset="0"/>
-                <a:ea typeface="Calibri" panose="020F0502020204030204" pitchFamily="34" charset="0"/>
-                <a:cs typeface="Times New Roman" panose="02020603050405020304" pitchFamily="18" charset="0"/>
-              </a:rPr>
-              <a:t>Partner with top-rated directors (e.g., Steven Spielberg, Clint Eastwood) and writers (e.g., Woody Allen) to enhance critical and audience reception.</a:t>
-            </a:r>
-            <a:endParaRPr lang="en-US" sz="1800" kern="100" dirty="0">
-              <a:effectLst/>
-              <a:latin typeface="Calibri" panose="020F0502020204030204" pitchFamily="34" charset="0"/>
-              <a:ea typeface="Calibri" panose="020F0502020204030204" pitchFamily="34" charset="0"/>
-              <a:cs typeface="Times New Roman" panose="02020603050405020304" pitchFamily="18" charset="0"/>
-            </a:endParaRPr>
-          </a:p>
-          <a:p>
-            <a:pPr marL="342900" lvl="0" indent="-342900">
-              <a:lnSpc>
-                <a:spcPct val="107000"/>
-              </a:lnSpc>
-              <a:spcAft>
-                <a:spcPts val="800"/>
-              </a:spcAft>
-              <a:buFont typeface="+mj-lt"/>
-              <a:buAutoNum type="arabicPeriod"/>
-              <a:tabLst>
-                <a:tab pos="457200" algn="l"/>
-              </a:tabLst>
-            </a:pPr>
-            <a:r>
-              <a:rPr lang="en-US" sz="1800" kern="100" dirty="0">
-                <a:effectLst/>
-                <a:latin typeface="Calibri" panose="020F0502020204030204" pitchFamily="34" charset="0"/>
-                <a:ea typeface="Calibri" panose="020F0502020204030204" pitchFamily="34" charset="0"/>
-                <a:cs typeface="Times New Roman" panose="02020603050405020304" pitchFamily="18" charset="0"/>
-              </a:rPr>
-              <a:t>Optimize movie runtimes based on audience preferences; longer runtimes for Action and Adventure, and shorter runtimes for genres like Animation.</a:t>
-            </a:r>
-            <a:endParaRPr lang="en-US" sz="1800" kern="100" dirty="0">
-              <a:effectLst/>
-              <a:latin typeface="Calibri" panose="020F0502020204030204" pitchFamily="34" charset="0"/>
-              <a:ea typeface="Calibri" panose="020F0502020204030204" pitchFamily="34" charset="0"/>
-              <a:cs typeface="Times New Roman" panose="02020603050405020304" pitchFamily="18" charset="0"/>
-            </a:endParaRPr>
-          </a:p>
-          <a:p>
-            <a:pPr marL="342900" lvl="0" indent="-342900">
-              <a:lnSpc>
-                <a:spcPct val="107000"/>
-              </a:lnSpc>
-              <a:spcAft>
-                <a:spcPts val="800"/>
-              </a:spcAft>
-              <a:buFont typeface="+mj-lt"/>
-              <a:buAutoNum type="arabicPeriod"/>
-              <a:tabLst>
-                <a:tab pos="457200" algn="l"/>
-              </a:tabLst>
-            </a:pPr>
-            <a:r>
-              <a:rPr lang="en-US" sz="1800" kern="100" dirty="0">
-                <a:effectLst/>
-                <a:latin typeface="Calibri" panose="020F0502020204030204" pitchFamily="34" charset="0"/>
-                <a:ea typeface="Calibri" panose="020F0502020204030204" pitchFamily="34" charset="0"/>
-                <a:cs typeface="Times New Roman" panose="02020603050405020304" pitchFamily="18" charset="0"/>
-              </a:rPr>
-              <a:t>Leverage Universal Pictures for distribution due to their strong track record in generating high ratings.</a:t>
-            </a:r>
-            <a:endParaRPr lang="en-US" sz="1800" kern="100" dirty="0">
-              <a:effectLst/>
-              <a:latin typeface="Calibri" panose="020F0502020204030204" pitchFamily="34" charset="0"/>
-              <a:ea typeface="Calibri" panose="020F0502020204030204" pitchFamily="34" charset="0"/>
-              <a:cs typeface="Times New Roman" panose="02020603050405020304" pitchFamily="18" charset="0"/>
-            </a:endParaRPr>
-          </a:p>
-          <a:p>
-            <a:endParaRPr lang="en-US" dirty="0"/>
-          </a:p>
-        </p:txBody>
-      </p:sp>
-      <p:sp>
-        <p:nvSpPr>
-          <p:cNvPr id="4" name="Footer Placeholder 3"/>
+          <p:cNvPr id="2" name="Title 1">
+            <a:extLst>
+              <a:ext uri="{FF2B5EF4-FFF2-40B4-BE49-F238E27FC236}">
+                <a16:creationId xmlns:a16="http://schemas.microsoft.com/office/drawing/2014/main" id="{403A5981-7DE9-5CBB-DBDB-DCF126C09711}"/>
+              </a:ext>
+            </a:extLst>
+          </p:cNvPr>
+          <p:cNvSpPr>
+            <a:spLocks noGrp="1"/>
+          </p:cNvSpPr>
+          <p:nvPr>
+            <p:ph type="ctrTitle"/>
+          </p:nvPr>
+        </p:nvSpPr>
+        <p:spPr>
+          <a:xfrm>
+            <a:off x="335427" y="916668"/>
+            <a:ext cx="12311743" cy="365125"/>
+          </a:xfrm>
+        </p:spPr>
+        <p:txBody>
+          <a:bodyPr/>
+          <a:lstStyle/>
+          <a:p>
+            <a:pPr algn="l"/>
+            <a:r>
+              <a:rPr lang="en-US" sz="4400" dirty="0"/>
+              <a:t>Statistics of the average rating and total gross after log transformation and standardization.</a:t>
+            </a:r>
+            <a:endParaRPr lang="en-US" sz="4800" dirty="0"/>
+          </a:p>
+        </p:txBody>
+      </p:sp>
+      <p:sp>
+        <p:nvSpPr>
+          <p:cNvPr id="4" name="Footer Placeholder 3">
+            <a:extLst>
+              <a:ext uri="{FF2B5EF4-FFF2-40B4-BE49-F238E27FC236}">
+                <a16:creationId xmlns:a16="http://schemas.microsoft.com/office/drawing/2014/main" id="{E85CB493-109E-AD43-E865-6465594C58B6}"/>
+              </a:ext>
+            </a:extLst>
+          </p:cNvPr>
           <p:cNvSpPr>
             <a:spLocks noGrp="1"/>
           </p:cNvSpPr>
@@ -10011,7 +11075,13 @@
       </p:sp>
       <p:sp>
         <p:nvSpPr>
-          <p:cNvPr id="5" name="Slide Number Placeholder 4"/>
+          <p:cNvPr id="6" name="Slide Number Placeholder 5">
+            <a:extLst>
+              <a:ext uri="{FF2B5EF4-FFF2-40B4-BE49-F238E27FC236}">
+                <a16:creationId xmlns:a16="http://schemas.microsoft.com/office/drawing/2014/main" id="{A4C8C40D-AE18-E411-B225-9166410D8871}"/>
+              </a:ext>
+            </a:extLst>
+          </p:cNvPr>
           <p:cNvSpPr>
             <a:spLocks noGrp="1"/>
           </p:cNvSpPr>
@@ -10026,12 +11096,381 @@
           <a:p>
             <a:fld id="{C4C7283F-616F-4503-ABBD-21FFB2848302}" type="slidenum">
               <a:rPr lang="en-US" smtClean="0"/>
+              <a:t>25</a:t>
             </a:fld>
             <a:endParaRPr lang="en-US"/>
           </a:p>
         </p:txBody>
       </p:sp>
+      <p:pic>
+        <p:nvPicPr>
+          <p:cNvPr id="5" name="Picture 4">
+            <a:extLst>
+              <a:ext uri="{FF2B5EF4-FFF2-40B4-BE49-F238E27FC236}">
+                <a16:creationId xmlns:a16="http://schemas.microsoft.com/office/drawing/2014/main" id="{9989903B-4539-7C4D-CFA4-C9C78F4D9A70}"/>
+              </a:ext>
+            </a:extLst>
+          </p:cNvPr>
+          <p:cNvPicPr>
+            <a:picLocks noChangeAspect="1"/>
+          </p:cNvPicPr>
+          <p:nvPr/>
+        </p:nvPicPr>
+        <p:blipFill>
+          <a:blip r:embed="rId3">
+            <a:extLst>
+              <a:ext uri="{28A0092B-C50C-407E-A947-70E740481C1C}">
+                <a14:useLocalDpi xmlns:a14="http://schemas.microsoft.com/office/drawing/2010/main" val="0"/>
+              </a:ext>
+            </a:extLst>
+          </a:blip>
+          <a:srcRect/>
+          <a:stretch/>
+        </p:blipFill>
+        <p:spPr>
+          <a:xfrm>
+            <a:off x="335427" y="1485900"/>
+            <a:ext cx="5388428" cy="4033931"/>
+          </a:xfrm>
+          <a:prstGeom prst="rect">
+            <a:avLst/>
+          </a:prstGeom>
+        </p:spPr>
+      </p:pic>
+      <p:sp>
+        <p:nvSpPr>
+          <p:cNvPr id="12" name="Subtitle 11">
+            <a:extLst>
+              <a:ext uri="{FF2B5EF4-FFF2-40B4-BE49-F238E27FC236}">
+                <a16:creationId xmlns:a16="http://schemas.microsoft.com/office/drawing/2014/main" id="{36583669-E96D-FE3D-5EDD-3B72BEA2E5CD}"/>
+              </a:ext>
+            </a:extLst>
+          </p:cNvPr>
+          <p:cNvSpPr>
+            <a:spLocks noGrp="1"/>
+          </p:cNvSpPr>
+          <p:nvPr>
+            <p:ph type="subTitle" idx="1"/>
+          </p:nvPr>
+        </p:nvSpPr>
+        <p:spPr>
+          <a:xfrm>
+            <a:off x="163285" y="1077687"/>
+            <a:ext cx="5560570" cy="604658"/>
+          </a:xfrm>
+        </p:spPr>
+        <p:txBody>
+          <a:bodyPr>
+            <a:normAutofit/>
+          </a:bodyPr>
+          <a:lstStyle/>
+          <a:p>
+            <a:pPr algn="ctr"/>
+            <a:r>
+              <a:rPr lang="en-GB" sz="2000" b="1" dirty="0"/>
+              <a:t>Average rating</a:t>
+            </a:r>
+            <a:endParaRPr lang="en-KE" sz="2000" b="1" dirty="0"/>
+          </a:p>
+        </p:txBody>
+      </p:sp>
+      <p:pic>
+        <p:nvPicPr>
+          <p:cNvPr id="3" name="Picture 2">
+            <a:extLst>
+              <a:ext uri="{FF2B5EF4-FFF2-40B4-BE49-F238E27FC236}">
+                <a16:creationId xmlns:a16="http://schemas.microsoft.com/office/drawing/2014/main" id="{551F6056-7BE0-23F9-B26B-45B66A046727}"/>
+              </a:ext>
+            </a:extLst>
+          </p:cNvPr>
+          <p:cNvPicPr>
+            <a:picLocks noChangeAspect="1"/>
+          </p:cNvPicPr>
+          <p:nvPr/>
+        </p:nvPicPr>
+        <p:blipFill>
+          <a:blip r:embed="rId4">
+            <a:extLst>
+              <a:ext uri="{28A0092B-C50C-407E-A947-70E740481C1C}">
+                <a14:useLocalDpi xmlns:a14="http://schemas.microsoft.com/office/drawing/2010/main" val="0"/>
+              </a:ext>
+            </a:extLst>
+          </a:blip>
+          <a:srcRect/>
+          <a:stretch/>
+        </p:blipFill>
+        <p:spPr>
+          <a:xfrm>
+            <a:off x="5980142" y="1485900"/>
+            <a:ext cx="5389331" cy="4033931"/>
+          </a:xfrm>
+          <a:prstGeom prst="rect">
+            <a:avLst/>
+          </a:prstGeom>
+        </p:spPr>
+      </p:pic>
+      <p:sp>
+        <p:nvSpPr>
+          <p:cNvPr id="7" name="Subtitle 11">
+            <a:extLst>
+              <a:ext uri="{FF2B5EF4-FFF2-40B4-BE49-F238E27FC236}">
+                <a16:creationId xmlns:a16="http://schemas.microsoft.com/office/drawing/2014/main" id="{A169F4A4-FC43-D8EA-D76B-E015BEBD5817}"/>
+              </a:ext>
+            </a:extLst>
+          </p:cNvPr>
+          <p:cNvSpPr txBox="1">
+            <a:spLocks/>
+          </p:cNvSpPr>
+          <p:nvPr/>
+        </p:nvSpPr>
+        <p:spPr>
+          <a:xfrm>
+            <a:off x="5980142" y="1082254"/>
+            <a:ext cx="5560570" cy="604658"/>
+          </a:xfrm>
+          <a:prstGeom prst="rect">
+            <a:avLst/>
+          </a:prstGeom>
+        </p:spPr>
+        <p:txBody>
+          <a:bodyPr vert="horz" lIns="91440" tIns="45720" rIns="91440" bIns="45720" rtlCol="0" anchor="t">
+            <a:normAutofit/>
+          </a:bodyPr>
+          <a:lstStyle>
+            <a:lvl1pPr marL="0" indent="0" algn="r" defTabSz="457200" rtl="0" eaLnBrk="1" latinLnBrk="0" hangingPunct="1">
+              <a:spcBef>
+                <a:spcPts val="1000"/>
+              </a:spcBef>
+              <a:spcAft>
+                <a:spcPts val="0"/>
+              </a:spcAft>
+              <a:buClr>
+                <a:schemeClr val="accent1"/>
+              </a:buClr>
+              <a:buSzPct val="80000"/>
+              <a:buFont typeface="Wingdings 3" panose="05040102010807070707" charset="2"/>
+              <a:buNone/>
+              <a:defRPr sz="1800" kern="1200">
+                <a:solidFill>
+                  <a:schemeClr val="tx1">
+                    <a:lumMod val="50000"/>
+                    <a:lumOff val="50000"/>
+                  </a:schemeClr>
+                </a:solidFill>
+                <a:latin typeface="+mn-lt"/>
+                <a:ea typeface="+mn-ea"/>
+                <a:cs typeface="+mn-cs"/>
+              </a:defRPr>
+            </a:lvl1pPr>
+            <a:lvl2pPr marL="457200" indent="0" algn="ctr" defTabSz="457200" rtl="0" eaLnBrk="1" latinLnBrk="0" hangingPunct="1">
+              <a:spcBef>
+                <a:spcPts val="1000"/>
+              </a:spcBef>
+              <a:spcAft>
+                <a:spcPts val="0"/>
+              </a:spcAft>
+              <a:buClr>
+                <a:schemeClr val="accent1"/>
+              </a:buClr>
+              <a:buSzPct val="80000"/>
+              <a:buFont typeface="Wingdings 3" panose="05040102010807070707" charset="2"/>
+              <a:buNone/>
+              <a:defRPr sz="1600" kern="1200">
+                <a:solidFill>
+                  <a:schemeClr val="tx1">
+                    <a:tint val="75000"/>
+                  </a:schemeClr>
+                </a:solidFill>
+                <a:latin typeface="+mn-lt"/>
+                <a:ea typeface="+mn-ea"/>
+                <a:cs typeface="+mn-cs"/>
+              </a:defRPr>
+            </a:lvl2pPr>
+            <a:lvl3pPr marL="914400" indent="0" algn="ctr" defTabSz="457200" rtl="0" eaLnBrk="1" latinLnBrk="0" hangingPunct="1">
+              <a:spcBef>
+                <a:spcPts val="1000"/>
+              </a:spcBef>
+              <a:spcAft>
+                <a:spcPts val="0"/>
+              </a:spcAft>
+              <a:buClr>
+                <a:schemeClr val="accent1"/>
+              </a:buClr>
+              <a:buSzPct val="80000"/>
+              <a:buFont typeface="Wingdings 3" panose="05040102010807070707" charset="2"/>
+              <a:buNone/>
+              <a:defRPr sz="1400" kern="1200">
+                <a:solidFill>
+                  <a:schemeClr val="tx1">
+                    <a:tint val="75000"/>
+                  </a:schemeClr>
+                </a:solidFill>
+                <a:latin typeface="+mn-lt"/>
+                <a:ea typeface="+mn-ea"/>
+                <a:cs typeface="+mn-cs"/>
+              </a:defRPr>
+            </a:lvl3pPr>
+            <a:lvl4pPr marL="1371600" indent="0" algn="ctr" defTabSz="457200" rtl="0" eaLnBrk="1" latinLnBrk="0" hangingPunct="1">
+              <a:spcBef>
+                <a:spcPts val="1000"/>
+              </a:spcBef>
+              <a:spcAft>
+                <a:spcPts val="0"/>
+              </a:spcAft>
+              <a:buClr>
+                <a:schemeClr val="accent1"/>
+              </a:buClr>
+              <a:buSzPct val="80000"/>
+              <a:buFont typeface="Wingdings 3" panose="05040102010807070707" charset="2"/>
+              <a:buNone/>
+              <a:defRPr sz="1200" kern="1200">
+                <a:solidFill>
+                  <a:schemeClr val="tx1">
+                    <a:tint val="75000"/>
+                  </a:schemeClr>
+                </a:solidFill>
+                <a:latin typeface="+mn-lt"/>
+                <a:ea typeface="+mn-ea"/>
+                <a:cs typeface="+mn-cs"/>
+              </a:defRPr>
+            </a:lvl4pPr>
+            <a:lvl5pPr marL="1828800" indent="0" algn="ctr" defTabSz="457200" rtl="0" eaLnBrk="1" latinLnBrk="0" hangingPunct="1">
+              <a:spcBef>
+                <a:spcPts val="1000"/>
+              </a:spcBef>
+              <a:spcAft>
+                <a:spcPts val="0"/>
+              </a:spcAft>
+              <a:buClr>
+                <a:schemeClr val="accent1"/>
+              </a:buClr>
+              <a:buSzPct val="80000"/>
+              <a:buFont typeface="Wingdings 3" panose="05040102010807070707" charset="2"/>
+              <a:buNone/>
+              <a:defRPr sz="1200" kern="1200">
+                <a:solidFill>
+                  <a:schemeClr val="tx1">
+                    <a:tint val="75000"/>
+                  </a:schemeClr>
+                </a:solidFill>
+                <a:latin typeface="+mn-lt"/>
+                <a:ea typeface="+mn-ea"/>
+                <a:cs typeface="+mn-cs"/>
+              </a:defRPr>
+            </a:lvl5pPr>
+            <a:lvl6pPr marL="2286000" indent="0" algn="ctr" defTabSz="457200" rtl="0" eaLnBrk="1" latinLnBrk="0" hangingPunct="1">
+              <a:spcBef>
+                <a:spcPts val="1000"/>
+              </a:spcBef>
+              <a:spcAft>
+                <a:spcPts val="0"/>
+              </a:spcAft>
+              <a:buClr>
+                <a:schemeClr val="accent1"/>
+              </a:buClr>
+              <a:buSzPct val="80000"/>
+              <a:buFont typeface="Wingdings 3" panose="05040102010807070707" charset="2"/>
+              <a:buNone/>
+              <a:defRPr sz="1200" kern="1200">
+                <a:solidFill>
+                  <a:schemeClr val="tx1">
+                    <a:tint val="75000"/>
+                  </a:schemeClr>
+                </a:solidFill>
+                <a:latin typeface="+mn-lt"/>
+                <a:ea typeface="+mn-ea"/>
+                <a:cs typeface="+mn-cs"/>
+              </a:defRPr>
+            </a:lvl6pPr>
+            <a:lvl7pPr marL="2743200" indent="0" algn="ctr" defTabSz="457200" rtl="0" eaLnBrk="1" latinLnBrk="0" hangingPunct="1">
+              <a:spcBef>
+                <a:spcPts val="1000"/>
+              </a:spcBef>
+              <a:spcAft>
+                <a:spcPts val="0"/>
+              </a:spcAft>
+              <a:buClr>
+                <a:schemeClr val="accent1"/>
+              </a:buClr>
+              <a:buSzPct val="80000"/>
+              <a:buFont typeface="Wingdings 3" panose="05040102010807070707" charset="2"/>
+              <a:buNone/>
+              <a:defRPr sz="1200" kern="1200">
+                <a:solidFill>
+                  <a:schemeClr val="tx1">
+                    <a:tint val="75000"/>
+                  </a:schemeClr>
+                </a:solidFill>
+                <a:latin typeface="+mn-lt"/>
+                <a:ea typeface="+mn-ea"/>
+                <a:cs typeface="+mn-cs"/>
+              </a:defRPr>
+            </a:lvl7pPr>
+            <a:lvl8pPr marL="3200400" indent="0" algn="ctr" defTabSz="457200" rtl="0" eaLnBrk="1" latinLnBrk="0" hangingPunct="1">
+              <a:spcBef>
+                <a:spcPts val="1000"/>
+              </a:spcBef>
+              <a:spcAft>
+                <a:spcPts val="0"/>
+              </a:spcAft>
+              <a:buClr>
+                <a:schemeClr val="accent1"/>
+              </a:buClr>
+              <a:buSzPct val="80000"/>
+              <a:buFont typeface="Wingdings 3" panose="05040102010807070707" charset="2"/>
+              <a:buNone/>
+              <a:defRPr sz="1200" kern="1200">
+                <a:solidFill>
+                  <a:schemeClr val="tx1">
+                    <a:tint val="75000"/>
+                  </a:schemeClr>
+                </a:solidFill>
+                <a:latin typeface="+mn-lt"/>
+                <a:ea typeface="+mn-ea"/>
+                <a:cs typeface="+mn-cs"/>
+              </a:defRPr>
+            </a:lvl8pPr>
+            <a:lvl9pPr marL="3657600" indent="0" algn="ctr" defTabSz="457200" rtl="0" eaLnBrk="1" latinLnBrk="0" hangingPunct="1">
+              <a:spcBef>
+                <a:spcPts val="1000"/>
+              </a:spcBef>
+              <a:spcAft>
+                <a:spcPts val="0"/>
+              </a:spcAft>
+              <a:buClr>
+                <a:schemeClr val="accent1"/>
+              </a:buClr>
+              <a:buSzPct val="80000"/>
+              <a:buFont typeface="Wingdings 3" panose="05040102010807070707" charset="2"/>
+              <a:buNone/>
+              <a:defRPr sz="1200" kern="1200">
+                <a:solidFill>
+                  <a:schemeClr val="tx1">
+                    <a:tint val="75000"/>
+                  </a:schemeClr>
+                </a:solidFill>
+                <a:latin typeface="+mn-lt"/>
+                <a:ea typeface="+mn-ea"/>
+                <a:cs typeface="+mn-cs"/>
+              </a:defRPr>
+            </a:lvl9pPr>
+          </a:lstStyle>
+          <a:p>
+            <a:pPr algn="ctr"/>
+            <a:r>
+              <a:rPr lang="en-GB" sz="2000" b="1" dirty="0"/>
+              <a:t>Total gross</a:t>
+            </a:r>
+            <a:endParaRPr lang="en-KE" sz="2000" b="1" dirty="0"/>
+          </a:p>
+        </p:txBody>
+      </p:sp>
     </p:spTree>
+    <p:extLst>
+      <p:ext uri="{BB962C8B-B14F-4D97-AF65-F5344CB8AC3E}">
+        <p14:creationId xmlns:p14="http://schemas.microsoft.com/office/powerpoint/2010/main" val="1112941859"/>
+      </p:ext>
+    </p:extLst>
   </p:cSld>
   <p:clrMapOvr>
     <a:masterClrMapping/>
@@ -10040,11 +11479,17 @@
 </file>
 
 <file path=ppt/slides/slide26.xml><?xml version="1.0" encoding="utf-8"?>
-<p:sld xmlns:a="http://schemas.openxmlformats.org/drawingml/2006/main" xmlns:r="http://schemas.openxmlformats.org/officeDocument/2006/relationships" xmlns:p="http://schemas.openxmlformats.org/presentationml/2006/main">
+<p:sld xmlns:a="http://schemas.openxmlformats.org/drawingml/2006/main" xmlns:r="http://schemas.openxmlformats.org/officeDocument/2006/relationships" xmlns:p="http://schemas.openxmlformats.org/presentationml/2006/main" showMasterSp="0">
   <p:cSld>
     <p:spTree>
       <p:nvGrpSpPr>
-        <p:cNvPr id="1" name=""/>
+        <p:cNvPr id="1" name="">
+          <a:extLst>
+            <a:ext uri="{FF2B5EF4-FFF2-40B4-BE49-F238E27FC236}">
+              <a16:creationId xmlns:a16="http://schemas.microsoft.com/office/drawing/2014/main" id="{AB3DCAEE-A440-2448-7954-9D7C9BC762BF}"/>
+            </a:ext>
+          </a:extLst>
+        </p:cNvPr>
         <p:cNvGrpSpPr/>
         <p:nvPr/>
       </p:nvGrpSpPr>
@@ -10058,22 +11503,62 @@
       </p:grpSpPr>
       <p:sp>
         <p:nvSpPr>
-          <p:cNvPr id="2" name="Title 1"/>
-          <p:cNvSpPr>
-            <a:spLocks noGrp="1"/>
-          </p:cNvSpPr>
-          <p:nvPr>
-            <p:ph type="title"/>
-          </p:nvPr>
-        </p:nvSpPr>
-        <p:spPr/>
-        <p:txBody>
-          <a:bodyPr/>
-          <a:lstStyle/>
-          <a:p>
-            <a:r>
-              <a:rPr lang="en-US" b="1" dirty="0"/>
-              <a:t>DATA PREPROCCESSING REPORT</a:t>
+          <p:cNvPr id="2" name="Title 1">
+            <a:extLst>
+              <a:ext uri="{FF2B5EF4-FFF2-40B4-BE49-F238E27FC236}">
+                <a16:creationId xmlns:a16="http://schemas.microsoft.com/office/drawing/2014/main" id="{5301C2B0-D3E6-6911-239F-9F4229D1B78D}"/>
+              </a:ext>
+            </a:extLst>
+          </p:cNvPr>
+          <p:cNvSpPr>
+            <a:spLocks noGrp="1"/>
+          </p:cNvSpPr>
+          <p:nvPr>
+            <p:ph type="ctrTitle"/>
+          </p:nvPr>
+        </p:nvSpPr>
+        <p:spPr>
+          <a:xfrm>
+            <a:off x="498712" y="75956"/>
+            <a:ext cx="12311743" cy="830280"/>
+          </a:xfrm>
+        </p:spPr>
+        <p:txBody>
+          <a:bodyPr/>
+          <a:lstStyle/>
+          <a:p>
+            <a:pPr algn="l"/>
+            <a:r>
+              <a:rPr lang="en-US" sz="4800" dirty="0"/>
+              <a:t>Null and alternative hypothesis.</a:t>
+            </a:r>
+          </a:p>
+        </p:txBody>
+      </p:sp>
+      <p:sp>
+        <p:nvSpPr>
+          <p:cNvPr id="4" name="Footer Placeholder 3">
+            <a:extLst>
+              <a:ext uri="{FF2B5EF4-FFF2-40B4-BE49-F238E27FC236}">
+                <a16:creationId xmlns:a16="http://schemas.microsoft.com/office/drawing/2014/main" id="{BEFB2A7B-77B3-80D2-CDDB-985F1EA49DA6}"/>
+              </a:ext>
+            </a:extLst>
+          </p:cNvPr>
+          <p:cNvSpPr>
+            <a:spLocks noGrp="1"/>
+          </p:cNvSpPr>
+          <p:nvPr>
+            <p:ph type="ftr" sz="quarter" idx="11"/>
+          </p:nvPr>
+        </p:nvSpPr>
+        <p:spPr/>
+        <p:txBody>
+          <a:bodyPr/>
+          <a:lstStyle/>
+          <a:p>
+            <a:r>
+              <a:rPr lang="en-GB" dirty="0"/>
+              <a:t>GROUP ONE  PHASE TWO PROJECT</a:t>
             </a:r>
             <a:endParaRPr lang="en-US" dirty="0"/>
           </a:p>
@@ -10081,49 +11566,13 @@
       </p:sp>
       <p:sp>
         <p:nvSpPr>
-          <p:cNvPr id="3" name="Content Placeholder 2"/>
-          <p:cNvSpPr>
-            <a:spLocks noGrp="1"/>
-          </p:cNvSpPr>
-          <p:nvPr>
-            <p:ph idx="1"/>
-          </p:nvPr>
-        </p:nvSpPr>
-        <p:spPr/>
-        <p:txBody>
-          <a:bodyPr/>
-          <a:lstStyle/>
-          <a:p>
-            <a:endParaRPr lang="en-US" dirty="0"/>
-          </a:p>
-        </p:txBody>
-      </p:sp>
-      <p:sp>
-        <p:nvSpPr>
-          <p:cNvPr id="4" name="Footer Placeholder 3"/>
-          <p:cNvSpPr>
-            <a:spLocks noGrp="1"/>
-          </p:cNvSpPr>
-          <p:nvPr>
-            <p:ph type="ftr" sz="quarter" idx="11"/>
-          </p:nvPr>
-        </p:nvSpPr>
-        <p:spPr/>
-        <p:txBody>
-          <a:bodyPr/>
-          <a:lstStyle/>
-          <a:p>
-            <a:r>
-              <a:rPr lang="en-GB"/>
-              <a:t>GROUP ONE  PHASE TWO PROJECT</a:t>
-            </a:r>
-            <a:endParaRPr lang="en-US"/>
-          </a:p>
-        </p:txBody>
-      </p:sp>
-      <p:sp>
-        <p:nvSpPr>
-          <p:cNvPr id="5" name="Slide Number Placeholder 4"/>
+          <p:cNvPr id="6" name="Slide Number Placeholder 5">
+            <a:extLst>
+              <a:ext uri="{FF2B5EF4-FFF2-40B4-BE49-F238E27FC236}">
+                <a16:creationId xmlns:a16="http://schemas.microsoft.com/office/drawing/2014/main" id="{FF07E8D6-486D-D165-8D7C-BE48310D1F53}"/>
+              </a:ext>
+            </a:extLst>
+          </p:cNvPr>
           <p:cNvSpPr>
             <a:spLocks noGrp="1"/>
           </p:cNvSpPr>
@@ -10138,12 +11587,436 @@
           <a:p>
             <a:fld id="{C4C7283F-616F-4503-ABBD-21FFB2848302}" type="slidenum">
               <a:rPr lang="en-US" smtClean="0"/>
+              <a:t>26</a:t>
             </a:fld>
             <a:endParaRPr lang="en-US"/>
           </a:p>
         </p:txBody>
       </p:sp>
+      <p:sp>
+        <p:nvSpPr>
+          <p:cNvPr id="12" name="Subtitle 11">
+            <a:extLst>
+              <a:ext uri="{FF2B5EF4-FFF2-40B4-BE49-F238E27FC236}">
+                <a16:creationId xmlns:a16="http://schemas.microsoft.com/office/drawing/2014/main" id="{3A095314-98F7-857D-49F4-3E404B74FB87}"/>
+              </a:ext>
+            </a:extLst>
+          </p:cNvPr>
+          <p:cNvSpPr>
+            <a:spLocks noGrp="1"/>
+          </p:cNvSpPr>
+          <p:nvPr>
+            <p:ph type="subTitle" idx="1"/>
+          </p:nvPr>
+        </p:nvSpPr>
+        <p:spPr>
+          <a:xfrm>
+            <a:off x="163285" y="1077687"/>
+            <a:ext cx="5560570" cy="604658"/>
+          </a:xfrm>
+        </p:spPr>
+        <p:txBody>
+          <a:bodyPr>
+            <a:normAutofit/>
+          </a:bodyPr>
+          <a:lstStyle/>
+          <a:p>
+            <a:pPr algn="ctr"/>
+            <a:r>
+              <a:rPr lang="en-GB" sz="2000" b="1" dirty="0"/>
+              <a:t>Average rating</a:t>
+            </a:r>
+            <a:endParaRPr lang="en-KE" sz="2000" b="1" dirty="0"/>
+          </a:p>
+        </p:txBody>
+      </p:sp>
+      <p:sp>
+        <p:nvSpPr>
+          <p:cNvPr id="7" name="Subtitle 11">
+            <a:extLst>
+              <a:ext uri="{FF2B5EF4-FFF2-40B4-BE49-F238E27FC236}">
+                <a16:creationId xmlns:a16="http://schemas.microsoft.com/office/drawing/2014/main" id="{197FF7F9-3536-D2FF-0438-4E3EF1021697}"/>
+              </a:ext>
+            </a:extLst>
+          </p:cNvPr>
+          <p:cNvSpPr txBox="1">
+            <a:spLocks/>
+          </p:cNvSpPr>
+          <p:nvPr/>
+        </p:nvSpPr>
+        <p:spPr>
+          <a:xfrm>
+            <a:off x="5980142" y="1082254"/>
+            <a:ext cx="5560570" cy="604658"/>
+          </a:xfrm>
+          <a:prstGeom prst="rect">
+            <a:avLst/>
+          </a:prstGeom>
+        </p:spPr>
+        <p:txBody>
+          <a:bodyPr vert="horz" lIns="91440" tIns="45720" rIns="91440" bIns="45720" rtlCol="0" anchor="t">
+            <a:normAutofit/>
+          </a:bodyPr>
+          <a:lstStyle>
+            <a:lvl1pPr marL="0" indent="0" algn="r" defTabSz="457200" rtl="0" eaLnBrk="1" latinLnBrk="0" hangingPunct="1">
+              <a:spcBef>
+                <a:spcPts val="1000"/>
+              </a:spcBef>
+              <a:spcAft>
+                <a:spcPts val="0"/>
+              </a:spcAft>
+              <a:buClr>
+                <a:schemeClr val="accent1"/>
+              </a:buClr>
+              <a:buSzPct val="80000"/>
+              <a:buFont typeface="Wingdings 3" panose="05040102010807070707" charset="2"/>
+              <a:buNone/>
+              <a:defRPr sz="1800" kern="1200">
+                <a:solidFill>
+                  <a:schemeClr val="tx1">
+                    <a:lumMod val="50000"/>
+                    <a:lumOff val="50000"/>
+                  </a:schemeClr>
+                </a:solidFill>
+                <a:latin typeface="+mn-lt"/>
+                <a:ea typeface="+mn-ea"/>
+                <a:cs typeface="+mn-cs"/>
+              </a:defRPr>
+            </a:lvl1pPr>
+            <a:lvl2pPr marL="457200" indent="0" algn="ctr" defTabSz="457200" rtl="0" eaLnBrk="1" latinLnBrk="0" hangingPunct="1">
+              <a:spcBef>
+                <a:spcPts val="1000"/>
+              </a:spcBef>
+              <a:spcAft>
+                <a:spcPts val="0"/>
+              </a:spcAft>
+              <a:buClr>
+                <a:schemeClr val="accent1"/>
+              </a:buClr>
+              <a:buSzPct val="80000"/>
+              <a:buFont typeface="Wingdings 3" panose="05040102010807070707" charset="2"/>
+              <a:buNone/>
+              <a:defRPr sz="1600" kern="1200">
+                <a:solidFill>
+                  <a:schemeClr val="tx1">
+                    <a:tint val="75000"/>
+                  </a:schemeClr>
+                </a:solidFill>
+                <a:latin typeface="+mn-lt"/>
+                <a:ea typeface="+mn-ea"/>
+                <a:cs typeface="+mn-cs"/>
+              </a:defRPr>
+            </a:lvl2pPr>
+            <a:lvl3pPr marL="914400" indent="0" algn="ctr" defTabSz="457200" rtl="0" eaLnBrk="1" latinLnBrk="0" hangingPunct="1">
+              <a:spcBef>
+                <a:spcPts val="1000"/>
+              </a:spcBef>
+              <a:spcAft>
+                <a:spcPts val="0"/>
+              </a:spcAft>
+              <a:buClr>
+                <a:schemeClr val="accent1"/>
+              </a:buClr>
+              <a:buSzPct val="80000"/>
+              <a:buFont typeface="Wingdings 3" panose="05040102010807070707" charset="2"/>
+              <a:buNone/>
+              <a:defRPr sz="1400" kern="1200">
+                <a:solidFill>
+                  <a:schemeClr val="tx1">
+                    <a:tint val="75000"/>
+                  </a:schemeClr>
+                </a:solidFill>
+                <a:latin typeface="+mn-lt"/>
+                <a:ea typeface="+mn-ea"/>
+                <a:cs typeface="+mn-cs"/>
+              </a:defRPr>
+            </a:lvl3pPr>
+            <a:lvl4pPr marL="1371600" indent="0" algn="ctr" defTabSz="457200" rtl="0" eaLnBrk="1" latinLnBrk="0" hangingPunct="1">
+              <a:spcBef>
+                <a:spcPts val="1000"/>
+              </a:spcBef>
+              <a:spcAft>
+                <a:spcPts val="0"/>
+              </a:spcAft>
+              <a:buClr>
+                <a:schemeClr val="accent1"/>
+              </a:buClr>
+              <a:buSzPct val="80000"/>
+              <a:buFont typeface="Wingdings 3" panose="05040102010807070707" charset="2"/>
+              <a:buNone/>
+              <a:defRPr sz="1200" kern="1200">
+                <a:solidFill>
+                  <a:schemeClr val="tx1">
+                    <a:tint val="75000"/>
+                  </a:schemeClr>
+                </a:solidFill>
+                <a:latin typeface="+mn-lt"/>
+                <a:ea typeface="+mn-ea"/>
+                <a:cs typeface="+mn-cs"/>
+              </a:defRPr>
+            </a:lvl4pPr>
+            <a:lvl5pPr marL="1828800" indent="0" algn="ctr" defTabSz="457200" rtl="0" eaLnBrk="1" latinLnBrk="0" hangingPunct="1">
+              <a:spcBef>
+                <a:spcPts val="1000"/>
+              </a:spcBef>
+              <a:spcAft>
+                <a:spcPts val="0"/>
+              </a:spcAft>
+              <a:buClr>
+                <a:schemeClr val="accent1"/>
+              </a:buClr>
+              <a:buSzPct val="80000"/>
+              <a:buFont typeface="Wingdings 3" panose="05040102010807070707" charset="2"/>
+              <a:buNone/>
+              <a:defRPr sz="1200" kern="1200">
+                <a:solidFill>
+                  <a:schemeClr val="tx1">
+                    <a:tint val="75000"/>
+                  </a:schemeClr>
+                </a:solidFill>
+                <a:latin typeface="+mn-lt"/>
+                <a:ea typeface="+mn-ea"/>
+                <a:cs typeface="+mn-cs"/>
+              </a:defRPr>
+            </a:lvl5pPr>
+            <a:lvl6pPr marL="2286000" indent="0" algn="ctr" defTabSz="457200" rtl="0" eaLnBrk="1" latinLnBrk="0" hangingPunct="1">
+              <a:spcBef>
+                <a:spcPts val="1000"/>
+              </a:spcBef>
+              <a:spcAft>
+                <a:spcPts val="0"/>
+              </a:spcAft>
+              <a:buClr>
+                <a:schemeClr val="accent1"/>
+              </a:buClr>
+              <a:buSzPct val="80000"/>
+              <a:buFont typeface="Wingdings 3" panose="05040102010807070707" charset="2"/>
+              <a:buNone/>
+              <a:defRPr sz="1200" kern="1200">
+                <a:solidFill>
+                  <a:schemeClr val="tx1">
+                    <a:tint val="75000"/>
+                  </a:schemeClr>
+                </a:solidFill>
+                <a:latin typeface="+mn-lt"/>
+                <a:ea typeface="+mn-ea"/>
+                <a:cs typeface="+mn-cs"/>
+              </a:defRPr>
+            </a:lvl6pPr>
+            <a:lvl7pPr marL="2743200" indent="0" algn="ctr" defTabSz="457200" rtl="0" eaLnBrk="1" latinLnBrk="0" hangingPunct="1">
+              <a:spcBef>
+                <a:spcPts val="1000"/>
+              </a:spcBef>
+              <a:spcAft>
+                <a:spcPts val="0"/>
+              </a:spcAft>
+              <a:buClr>
+                <a:schemeClr val="accent1"/>
+              </a:buClr>
+              <a:buSzPct val="80000"/>
+              <a:buFont typeface="Wingdings 3" panose="05040102010807070707" charset="2"/>
+              <a:buNone/>
+              <a:defRPr sz="1200" kern="1200">
+                <a:solidFill>
+                  <a:schemeClr val="tx1">
+                    <a:tint val="75000"/>
+                  </a:schemeClr>
+                </a:solidFill>
+                <a:latin typeface="+mn-lt"/>
+                <a:ea typeface="+mn-ea"/>
+                <a:cs typeface="+mn-cs"/>
+              </a:defRPr>
+            </a:lvl7pPr>
+            <a:lvl8pPr marL="3200400" indent="0" algn="ctr" defTabSz="457200" rtl="0" eaLnBrk="1" latinLnBrk="0" hangingPunct="1">
+              <a:spcBef>
+                <a:spcPts val="1000"/>
+              </a:spcBef>
+              <a:spcAft>
+                <a:spcPts val="0"/>
+              </a:spcAft>
+              <a:buClr>
+                <a:schemeClr val="accent1"/>
+              </a:buClr>
+              <a:buSzPct val="80000"/>
+              <a:buFont typeface="Wingdings 3" panose="05040102010807070707" charset="2"/>
+              <a:buNone/>
+              <a:defRPr sz="1200" kern="1200">
+                <a:solidFill>
+                  <a:schemeClr val="tx1">
+                    <a:tint val="75000"/>
+                  </a:schemeClr>
+                </a:solidFill>
+                <a:latin typeface="+mn-lt"/>
+                <a:ea typeface="+mn-ea"/>
+                <a:cs typeface="+mn-cs"/>
+              </a:defRPr>
+            </a:lvl8pPr>
+            <a:lvl9pPr marL="3657600" indent="0" algn="ctr" defTabSz="457200" rtl="0" eaLnBrk="1" latinLnBrk="0" hangingPunct="1">
+              <a:spcBef>
+                <a:spcPts val="1000"/>
+              </a:spcBef>
+              <a:spcAft>
+                <a:spcPts val="0"/>
+              </a:spcAft>
+              <a:buClr>
+                <a:schemeClr val="accent1"/>
+              </a:buClr>
+              <a:buSzPct val="80000"/>
+              <a:buFont typeface="Wingdings 3" panose="05040102010807070707" charset="2"/>
+              <a:buNone/>
+              <a:defRPr sz="1200" kern="1200">
+                <a:solidFill>
+                  <a:schemeClr val="tx1">
+                    <a:tint val="75000"/>
+                  </a:schemeClr>
+                </a:solidFill>
+                <a:latin typeface="+mn-lt"/>
+                <a:ea typeface="+mn-ea"/>
+                <a:cs typeface="+mn-cs"/>
+              </a:defRPr>
+            </a:lvl9pPr>
+          </a:lstStyle>
+          <a:p>
+            <a:pPr algn="ctr"/>
+            <a:r>
+              <a:rPr lang="en-GB" sz="2000" b="1" dirty="0"/>
+              <a:t>Total gross</a:t>
+            </a:r>
+            <a:endParaRPr lang="en-KE" sz="2000" b="1" dirty="0"/>
+          </a:p>
+        </p:txBody>
+      </p:sp>
+      <p:pic>
+        <p:nvPicPr>
+          <p:cNvPr id="9" name="Picture 8">
+            <a:extLst>
+              <a:ext uri="{FF2B5EF4-FFF2-40B4-BE49-F238E27FC236}">
+                <a16:creationId xmlns:a16="http://schemas.microsoft.com/office/drawing/2014/main" id="{636D5011-537D-95DE-7799-91E782000C8F}"/>
+              </a:ext>
+            </a:extLst>
+          </p:cNvPr>
+          <p:cNvPicPr>
+            <a:picLocks noChangeAspect="1"/>
+          </p:cNvPicPr>
+          <p:nvPr/>
+        </p:nvPicPr>
+        <p:blipFill>
+          <a:blip r:embed="rId3"/>
+          <a:stretch>
+            <a:fillRect/>
+          </a:stretch>
+        </p:blipFill>
+        <p:spPr>
+          <a:xfrm>
+            <a:off x="350652" y="1427360"/>
+            <a:ext cx="5629490" cy="2001640"/>
+          </a:xfrm>
+          <a:prstGeom prst="rect">
+            <a:avLst/>
+          </a:prstGeom>
+        </p:spPr>
+      </p:pic>
+      <p:pic>
+        <p:nvPicPr>
+          <p:cNvPr id="14" name="Picture 13">
+            <a:extLst>
+              <a:ext uri="{FF2B5EF4-FFF2-40B4-BE49-F238E27FC236}">
+                <a16:creationId xmlns:a16="http://schemas.microsoft.com/office/drawing/2014/main" id="{EC2ADFCD-39FC-B8EC-39DD-8FA0FB07F94E}"/>
+              </a:ext>
+            </a:extLst>
+          </p:cNvPr>
+          <p:cNvPicPr>
+            <a:picLocks noChangeAspect="1"/>
+          </p:cNvPicPr>
+          <p:nvPr/>
+        </p:nvPicPr>
+        <p:blipFill>
+          <a:blip r:embed="rId4">
+            <a:extLst>
+              <a:ext uri="{28A0092B-C50C-407E-A947-70E740481C1C}">
+                <a14:useLocalDpi xmlns:a14="http://schemas.microsoft.com/office/drawing/2010/main" val="0"/>
+              </a:ext>
+            </a:extLst>
+          </a:blip>
+          <a:srcRect/>
+          <a:stretch/>
+        </p:blipFill>
+        <p:spPr>
+          <a:xfrm>
+            <a:off x="498712" y="3764209"/>
+            <a:ext cx="5037544" cy="1815724"/>
+          </a:xfrm>
+          <a:prstGeom prst="rect">
+            <a:avLst/>
+          </a:prstGeom>
+        </p:spPr>
+      </p:pic>
+      <p:pic>
+        <p:nvPicPr>
+          <p:cNvPr id="16" name="Picture 15">
+            <a:extLst>
+              <a:ext uri="{FF2B5EF4-FFF2-40B4-BE49-F238E27FC236}">
+                <a16:creationId xmlns:a16="http://schemas.microsoft.com/office/drawing/2014/main" id="{BBDD1A75-AA96-A37D-4D8A-6D7609F77ECF}"/>
+              </a:ext>
+            </a:extLst>
+          </p:cNvPr>
+          <p:cNvPicPr>
+            <a:picLocks noChangeAspect="1"/>
+          </p:cNvPicPr>
+          <p:nvPr/>
+        </p:nvPicPr>
+        <p:blipFill>
+          <a:blip r:embed="rId5"/>
+          <a:stretch>
+            <a:fillRect/>
+          </a:stretch>
+        </p:blipFill>
+        <p:spPr>
+          <a:xfrm>
+            <a:off x="6392288" y="1516958"/>
+            <a:ext cx="5449060" cy="2001640"/>
+          </a:xfrm>
+          <a:prstGeom prst="rect">
+            <a:avLst/>
+          </a:prstGeom>
+        </p:spPr>
+      </p:pic>
+      <p:pic>
+        <p:nvPicPr>
+          <p:cNvPr id="18" name="Picture 17">
+            <a:extLst>
+              <a:ext uri="{FF2B5EF4-FFF2-40B4-BE49-F238E27FC236}">
+                <a16:creationId xmlns:a16="http://schemas.microsoft.com/office/drawing/2014/main" id="{96DCC258-80AB-69F5-E57B-46C782C9862D}"/>
+              </a:ext>
+            </a:extLst>
+          </p:cNvPr>
+          <p:cNvPicPr>
+            <a:picLocks noChangeAspect="1"/>
+          </p:cNvPicPr>
+          <p:nvPr/>
+        </p:nvPicPr>
+        <p:blipFill>
+          <a:blip r:embed="rId6"/>
+          <a:stretch>
+            <a:fillRect/>
+          </a:stretch>
+        </p:blipFill>
+        <p:spPr>
+          <a:xfrm>
+            <a:off x="6392288" y="3764209"/>
+            <a:ext cx="5326868" cy="1815724"/>
+          </a:xfrm>
+          <a:prstGeom prst="rect">
+            <a:avLst/>
+          </a:prstGeom>
+        </p:spPr>
+      </p:pic>
     </p:spTree>
+    <p:extLst>
+      <p:ext uri="{BB962C8B-B14F-4D97-AF65-F5344CB8AC3E}">
+        <p14:creationId xmlns:p14="http://schemas.microsoft.com/office/powerpoint/2010/main" val="3590778099"/>
+      </p:ext>
+    </p:extLst>
   </p:cSld>
   <p:clrMapOvr>
     <a:masterClrMapping/>
@@ -10175,19 +12048,184 @@
             <a:spLocks noGrp="1"/>
           </p:cNvSpPr>
           <p:nvPr>
+            <p:ph type="ctrTitle"/>
+          </p:nvPr>
+        </p:nvSpPr>
+        <p:spPr>
+          <a:xfrm>
+            <a:off x="518022" y="78289"/>
+            <a:ext cx="7766936" cy="1646302"/>
+          </a:xfrm>
+        </p:spPr>
+        <p:txBody>
+          <a:bodyPr/>
+          <a:lstStyle/>
+          <a:p>
+            <a:pPr algn="ctr"/>
+            <a:r>
+              <a:rPr lang="en-US" dirty="0"/>
+              <a:t>MODELING REPORT</a:t>
+            </a:r>
+          </a:p>
+        </p:txBody>
+      </p:sp>
+      <p:sp>
+        <p:nvSpPr>
+          <p:cNvPr id="3" name="Subtitle 2"/>
+          <p:cNvSpPr>
+            <a:spLocks noGrp="1"/>
+          </p:cNvSpPr>
+          <p:nvPr>
+            <p:ph type="subTitle" idx="1"/>
+          </p:nvPr>
+        </p:nvSpPr>
+        <p:spPr>
+          <a:xfrm>
+            <a:off x="1339115" y="1911202"/>
+            <a:ext cx="8364721" cy="3015361"/>
+          </a:xfrm>
+        </p:spPr>
+        <p:txBody>
+          <a:bodyPr>
+            <a:noAutofit/>
+          </a:bodyPr>
+          <a:lstStyle/>
+          <a:p>
+            <a:pPr algn="l"/>
+            <a:r>
+              <a:rPr lang="en-GB" sz="2400" b="0" i="0" dirty="0">
+                <a:effectLst/>
+              </a:rPr>
+              <a:t>1] R² is computed without centering (uncentered) since the model does not contain a constant.</a:t>
+            </a:r>
+          </a:p>
+          <a:p>
+            <a:pPr algn="l"/>
+            <a:r>
+              <a:rPr lang="en-GB" sz="2400" b="0" i="0" dirty="0">
+                <a:effectLst/>
+              </a:rPr>
+              <a:t>[2] Standard Errors assume that the covariance matrix of the errors is correctly specified.</a:t>
+            </a:r>
+            <a:br>
+              <a:rPr lang="en-GB" sz="2400" dirty="0"/>
+            </a:br>
+            <a:r>
+              <a:rPr lang="en-GB" sz="2400" b="0" i="0" dirty="0">
+                <a:effectLst/>
+              </a:rPr>
+              <a:t>[3] The condition number is large, 1.74e+04. This might indicate that there are</a:t>
+            </a:r>
+            <a:br>
+              <a:rPr lang="en-GB" sz="2400" dirty="0"/>
+            </a:br>
+            <a:r>
+              <a:rPr lang="en-GB" sz="2400" b="0" i="0" dirty="0">
+                <a:effectLst/>
+              </a:rPr>
+              <a:t>strong multicollinearity or other numerical problems.</a:t>
+            </a:r>
+            <a:endParaRPr lang="en-US" sz="2400" dirty="0"/>
+          </a:p>
+        </p:txBody>
+      </p:sp>
+      <p:sp>
+        <p:nvSpPr>
+          <p:cNvPr id="4" name="Footer Placeholder 3"/>
+          <p:cNvSpPr>
+            <a:spLocks noGrp="1"/>
+          </p:cNvSpPr>
+          <p:nvPr>
+            <p:ph type="ftr" sz="quarter" idx="11"/>
+          </p:nvPr>
+        </p:nvSpPr>
+        <p:spPr/>
+        <p:txBody>
+          <a:bodyPr/>
+          <a:lstStyle/>
+          <a:p>
+            <a:r>
+              <a:rPr lang="en-GB"/>
+              <a:t>GROUP ONE  PHASE TWO PROJECT</a:t>
+            </a:r>
+            <a:endParaRPr lang="en-US"/>
+          </a:p>
+        </p:txBody>
+      </p:sp>
+      <p:sp>
+        <p:nvSpPr>
+          <p:cNvPr id="5" name="Slide Number Placeholder 4"/>
+          <p:cNvSpPr>
+            <a:spLocks noGrp="1"/>
+          </p:cNvSpPr>
+          <p:nvPr>
+            <p:ph type="sldNum" sz="quarter" idx="12"/>
+          </p:nvPr>
+        </p:nvSpPr>
+        <p:spPr/>
+        <p:txBody>
+          <a:bodyPr/>
+          <a:lstStyle/>
+          <a:p>
+            <a:fld id="{C4C7283F-616F-4503-ABBD-21FFB2848302}" type="slidenum">
+              <a:rPr lang="en-US" smtClean="0"/>
+              <a:t>27</a:t>
+            </a:fld>
+            <a:endParaRPr lang="en-US"/>
+          </a:p>
+        </p:txBody>
+      </p:sp>
+    </p:spTree>
+  </p:cSld>
+  <p:clrMapOvr>
+    <a:masterClrMapping/>
+  </p:clrMapOvr>
+</p:sld>
+</file>
+
+<file path=ppt/slides/slide28.xml><?xml version="1.0" encoding="utf-8"?>
+<p:sld xmlns:a="http://schemas.openxmlformats.org/drawingml/2006/main" xmlns:r="http://schemas.openxmlformats.org/officeDocument/2006/relationships" xmlns:p="http://schemas.openxmlformats.org/presentationml/2006/main">
+  <p:cSld>
+    <p:spTree>
+      <p:nvGrpSpPr>
+        <p:cNvPr id="1" name=""/>
+        <p:cNvGrpSpPr/>
+        <p:nvPr/>
+      </p:nvGrpSpPr>
+      <p:grpSpPr>
+        <a:xfrm>
+          <a:off x="0" y="0"/>
+          <a:ext cx="0" cy="0"/>
+          <a:chOff x="0" y="0"/>
+          <a:chExt cx="0" cy="0"/>
+        </a:xfrm>
+      </p:grpSpPr>
+      <p:sp>
+        <p:nvSpPr>
+          <p:cNvPr id="2" name="Title 1"/>
+          <p:cNvSpPr>
+            <a:spLocks noGrp="1"/>
+          </p:cNvSpPr>
+          <p:nvPr>
             <p:ph type="title"/>
           </p:nvPr>
         </p:nvSpPr>
-        <p:spPr/>
-        <p:txBody>
-          <a:bodyPr/>
-          <a:lstStyle/>
-          <a:p>
-            <a:r>
-              <a:rPr lang="en-US" b="1" dirty="0"/>
-              <a:t>CONTACT INFORMATION</a:t>
-            </a:r>
-            <a:endParaRPr lang="en-US" dirty="0"/>
+        <p:spPr>
+          <a:xfrm>
+            <a:off x="677334" y="609600"/>
+            <a:ext cx="8596668" cy="660400"/>
+          </a:xfrm>
+        </p:spPr>
+        <p:txBody>
+          <a:bodyPr>
+            <a:normAutofit fontScale="90000"/>
+          </a:bodyPr>
+          <a:lstStyle/>
+          <a:p>
+            <a:r>
+              <a:rPr lang="en-US" sz="4400" dirty="0"/>
+              <a:t>CONCLUSION</a:t>
+            </a:r>
           </a:p>
         </p:txBody>
       </p:sp>
@@ -10201,112 +12239,78 @@
             <p:ph idx="1"/>
           </p:nvPr>
         </p:nvSpPr>
-        <p:spPr/>
-        <p:txBody>
-          <a:bodyPr/>
-          <a:lstStyle/>
-          <a:p>
-            <a:pPr marL="342900" indent="-342900">
+        <p:spPr>
+          <a:xfrm>
+            <a:off x="335664" y="1270000"/>
+            <a:ext cx="8453773" cy="3880773"/>
+          </a:xfrm>
+        </p:spPr>
+        <p:txBody>
+          <a:bodyPr>
+            <a:normAutofit lnSpcReduction="10000"/>
+          </a:bodyPr>
+          <a:lstStyle/>
+          <a:p>
+            <a:pPr algn="l">
+              <a:buFont typeface="Wingdings" panose="05000000000000000000" pitchFamily="2" charset="2"/>
+              <a:buChar char="v"/>
+            </a:pPr>
+            <a:r>
+              <a:rPr lang="en-US" altLang="en-GB" sz="2000" dirty="0">
+                <a:cs typeface="+mj-lt"/>
+              </a:rPr>
+              <a:t>From the analysis, it is clear that the Drama genre enjoys the highest ratings, but its box office success fluctuates over time. While the Adventure, Comedy, and Sci-Fi genres remain the highest-selling genres, this is likely due to their broad appeal and entertainment value. </a:t>
+            </a:r>
+          </a:p>
+          <a:p>
+            <a:pPr algn="l">
+              <a:buFont typeface="Wingdings" panose="05000000000000000000" pitchFamily="2" charset="2"/>
+              <a:buChar char="v"/>
+            </a:pPr>
+            <a:r>
+              <a:rPr lang="en-US" altLang="en-GB" sz="2000" dirty="0">
+                <a:cs typeface="+mj-lt"/>
+              </a:rPr>
+              <a:t>Directors like Clint Eastwood and Jay Roach contribute significantly to the sales, with their strong reputations and professional standards. The ratings analysis also highlights the R rating's popularity, reflecting the tastes of adult audiences. </a:t>
+            </a:r>
+          </a:p>
+          <a:p>
+            <a:pPr algn="l">
+              <a:buFont typeface="Wingdings" panose="05000000000000000000" pitchFamily="2" charset="2"/>
+              <a:buChar char="v"/>
+            </a:pPr>
+            <a:r>
+              <a:rPr lang="en-US" altLang="en-GB" sz="2000" dirty="0">
+                <a:cs typeface="+mj-lt"/>
+              </a:rPr>
+              <a:t>Overall, the variability in movie sales and ratings over the years is likely driven by factors such as market dynamics, audience preferences, and the quality of direction and production.</a:t>
+            </a:r>
+          </a:p>
+          <a:p>
+            <a:pPr algn="l">
+              <a:buFont typeface="+mj-lt"/>
               <a:buAutoNum type="arabicPeriod"/>
             </a:pPr>
-            <a:r>
-              <a:rPr lang="en-US" dirty="0">
-                <a:hlinkClick r:id="rId1"/>
-              </a:rPr>
-              <a:t>catherine.kiptui@student.moringaschool.com</a:t>
-            </a:r>
-            <a:endParaRPr lang="en-US" dirty="0"/>
-          </a:p>
-          <a:p>
-            <a:pPr marL="342900" indent="-342900">
-              <a:buAutoNum type="arabicPeriod"/>
-            </a:pPr>
-            <a:r>
-              <a:rPr lang="en-US" dirty="0">
-                <a:hlinkClick r:id="rId2"/>
-              </a:rPr>
-              <a:t>michellekavetza@gmail.com</a:t>
-            </a:r>
-            <a:endParaRPr lang="en-US" dirty="0"/>
-          </a:p>
-          <a:p>
-            <a:pPr marL="342900" indent="-342900">
-              <a:buAutoNum type="arabicPeriod"/>
-            </a:pPr>
-            <a:r>
-              <a:rPr lang="en-US" dirty="0">
-                <a:hlinkClick r:id="rId3"/>
-              </a:rPr>
-              <a:t>gateromichael@gmail.com</a:t>
-            </a:r>
-            <a:endParaRPr lang="en-US" dirty="0"/>
-          </a:p>
-          <a:p>
-            <a:pPr marL="0" indent="0">
-              <a:buNone/>
-            </a:pPr>
-            <a:r>
-              <a:rPr lang="en-US" dirty="0">
-                <a:hlinkClick r:id="rId4"/>
-              </a:rPr>
-              <a:t>4.noordinoordino470@gmail.com</a:t>
-            </a:r>
-            <a:endParaRPr lang="en-US" dirty="0"/>
-          </a:p>
-          <a:p>
-            <a:pPr marL="0" indent="0">
-              <a:buNone/>
-            </a:pPr>
-            <a:r>
-              <a:rPr lang="en-US" dirty="0"/>
-              <a:t>5. </a:t>
-            </a:r>
-            <a:r>
-              <a:rPr lang="en-US" dirty="0">
-                <a:hlinkClick r:id="rId5"/>
-              </a:rPr>
-              <a:t>kennethnyangweso99@gmail.com</a:t>
-            </a:r>
-            <a:endParaRPr lang="en-US" dirty="0"/>
-          </a:p>
-          <a:p>
-            <a:pPr marL="0" indent="0">
-              <a:buNone/>
-            </a:pPr>
-            <a:r>
-              <a:rPr lang="en-US" dirty="0"/>
-              <a:t>6.</a:t>
-            </a:r>
-            <a:r>
-              <a:rPr lang="en-GB" b="0" i="0" dirty="0">
-                <a:solidFill>
-                  <a:srgbClr val="202124"/>
-                </a:solidFill>
-                <a:effectLst/>
-                <a:latin typeface="Roboto" panose="020F0502020204030204" pitchFamily="2" charset="0"/>
-              </a:rPr>
-              <a:t> aumakrystel5@gmail.com</a:t>
-            </a:r>
-            <a:endParaRPr lang="en-US" dirty="0"/>
-          </a:p>
-          <a:p>
-            <a:pPr marL="0" indent="0">
-              <a:buNone/>
-            </a:pPr>
-            <a:r>
-              <a:rPr lang="en-US" dirty="0"/>
-              <a:t>7.segomich227@gmail.com</a:t>
-            </a:r>
-            <a:endParaRPr lang="en-US" dirty="0"/>
-          </a:p>
-          <a:p>
-            <a:pPr marL="342900" indent="-342900">
-              <a:buAutoNum type="arabicPeriod"/>
-            </a:pPr>
-            <a:endParaRPr lang="en-US" dirty="0"/>
-          </a:p>
-          <a:p>
-            <a:endParaRPr lang="en-US" dirty="0"/>
+            <a:endParaRPr lang="en-GB" b="0" i="0" dirty="0">
+              <a:solidFill>
+                <a:srgbClr val="1F2328"/>
+              </a:solidFill>
+              <a:effectLst/>
+              <a:latin typeface="+mj-lt"/>
+              <a:cs typeface="+mj-lt"/>
+            </a:endParaRPr>
+          </a:p>
+          <a:p>
+            <a:endParaRPr lang="en-US" sz="4000" dirty="0">
+              <a:latin typeface="+mj-lt"/>
+              <a:cs typeface="+mj-lt"/>
+            </a:endParaRPr>
+          </a:p>
+          <a:p>
+            <a:endParaRPr lang="en-US" dirty="0">
+              <a:latin typeface="+mj-lt"/>
+              <a:cs typeface="+mj-lt"/>
+            </a:endParaRPr>
           </a:p>
         </p:txBody>
       </p:sp>
@@ -10350,6 +12354,227 @@
           <a:p>
             <a:fld id="{C4C7283F-616F-4503-ABBD-21FFB2848302}" type="slidenum">
               <a:rPr lang="en-US" smtClean="0"/>
+              <a:t>28</a:t>
+            </a:fld>
+            <a:endParaRPr lang="en-US"/>
+          </a:p>
+        </p:txBody>
+      </p:sp>
+    </p:spTree>
+  </p:cSld>
+  <p:clrMapOvr>
+    <a:masterClrMapping/>
+  </p:clrMapOvr>
+</p:sld>
+</file>
+
+<file path=ppt/slides/slide29.xml><?xml version="1.0" encoding="utf-8"?>
+<p:sld xmlns:a="http://schemas.openxmlformats.org/drawingml/2006/main" xmlns:r="http://schemas.openxmlformats.org/officeDocument/2006/relationships" xmlns:p="http://schemas.openxmlformats.org/presentationml/2006/main">
+  <p:cSld>
+    <p:spTree>
+      <p:nvGrpSpPr>
+        <p:cNvPr id="1" name=""/>
+        <p:cNvGrpSpPr/>
+        <p:nvPr/>
+      </p:nvGrpSpPr>
+      <p:grpSpPr>
+        <a:xfrm>
+          <a:off x="0" y="0"/>
+          <a:ext cx="0" cy="0"/>
+          <a:chOff x="0" y="0"/>
+          <a:chExt cx="0" cy="0"/>
+        </a:xfrm>
+      </p:grpSpPr>
+      <p:sp>
+        <p:nvSpPr>
+          <p:cNvPr id="2" name="Title 1"/>
+          <p:cNvSpPr>
+            <a:spLocks noGrp="1"/>
+          </p:cNvSpPr>
+          <p:nvPr>
+            <p:ph type="title"/>
+          </p:nvPr>
+        </p:nvSpPr>
+        <p:spPr>
+          <a:xfrm>
+            <a:off x="677334" y="451513"/>
+            <a:ext cx="8596668" cy="818487"/>
+          </a:xfrm>
+        </p:spPr>
+        <p:txBody>
+          <a:bodyPr>
+            <a:normAutofit/>
+          </a:bodyPr>
+          <a:lstStyle/>
+          <a:p>
+            <a:pPr algn="ctr"/>
+            <a:r>
+              <a:rPr lang="en-US" sz="4400" b="1" dirty="0"/>
+              <a:t>RECOMMENDATIONS</a:t>
+            </a:r>
+            <a:endParaRPr lang="en-US" sz="4400" dirty="0"/>
+          </a:p>
+        </p:txBody>
+      </p:sp>
+      <p:sp>
+        <p:nvSpPr>
+          <p:cNvPr id="3" name="Content Placeholder 2"/>
+          <p:cNvSpPr>
+            <a:spLocks noGrp="1"/>
+          </p:cNvSpPr>
+          <p:nvPr>
+            <p:ph idx="1"/>
+          </p:nvPr>
+        </p:nvSpPr>
+        <p:spPr>
+          <a:xfrm>
+            <a:off x="677334" y="1270000"/>
+            <a:ext cx="8596668" cy="3880773"/>
+          </a:xfrm>
+        </p:spPr>
+        <p:txBody>
+          <a:bodyPr>
+            <a:normAutofit fontScale="85000" lnSpcReduction="10000"/>
+          </a:bodyPr>
+          <a:lstStyle/>
+          <a:p>
+            <a:pPr marL="342900" lvl="0" indent="-342900">
+              <a:lnSpc>
+                <a:spcPct val="107000"/>
+              </a:lnSpc>
+              <a:spcAft>
+                <a:spcPts val="800"/>
+              </a:spcAft>
+              <a:buFont typeface="+mj-lt"/>
+              <a:buAutoNum type="arabicPeriod"/>
+              <a:tabLst>
+                <a:tab pos="457200" algn="l"/>
+              </a:tabLst>
+            </a:pPr>
+            <a:r>
+              <a:rPr lang="en-US" sz="2400" kern="100" dirty="0">
+                <a:effectLst/>
+                <a:ea typeface="Calibri" panose="020F0502020204030204" pitchFamily="34" charset="0"/>
+                <a:cs typeface="Times New Roman" panose="02020603050405020304" pitchFamily="18" charset="0"/>
+              </a:rPr>
+              <a:t>Prioritize Action and Comedy genres for future productions, as they have proven to be the most lucrative and widely appreciated.</a:t>
+            </a:r>
+          </a:p>
+          <a:p>
+            <a:pPr marL="342900" lvl="0" indent="-342900">
+              <a:lnSpc>
+                <a:spcPct val="107000"/>
+              </a:lnSpc>
+              <a:spcAft>
+                <a:spcPts val="800"/>
+              </a:spcAft>
+              <a:buFont typeface="+mj-lt"/>
+              <a:buAutoNum type="arabicPeriod"/>
+              <a:tabLst>
+                <a:tab pos="457200" algn="l"/>
+              </a:tabLst>
+            </a:pPr>
+            <a:r>
+              <a:rPr lang="en-US" sz="2400" kern="100" dirty="0">
+                <a:effectLst/>
+                <a:ea typeface="Calibri" panose="020F0502020204030204" pitchFamily="34" charset="0"/>
+                <a:cs typeface="Times New Roman" panose="02020603050405020304" pitchFamily="18" charset="0"/>
+              </a:rPr>
+              <a:t>Partner with top-rated directors (e.g., Steven Spielberg, Clint Eastwood) and writers (e.g., Woody Allen) to enhance critical and audience reception.</a:t>
+            </a:r>
+          </a:p>
+          <a:p>
+            <a:pPr marL="342900" lvl="0" indent="-342900">
+              <a:lnSpc>
+                <a:spcPct val="107000"/>
+              </a:lnSpc>
+              <a:spcAft>
+                <a:spcPts val="800"/>
+              </a:spcAft>
+              <a:buFont typeface="+mj-lt"/>
+              <a:buAutoNum type="arabicPeriod"/>
+              <a:tabLst>
+                <a:tab pos="457200" algn="l"/>
+              </a:tabLst>
+            </a:pPr>
+            <a:r>
+              <a:rPr lang="en-US" sz="2400" kern="100" dirty="0">
+                <a:effectLst/>
+                <a:ea typeface="Calibri" panose="020F0502020204030204" pitchFamily="34" charset="0"/>
+                <a:cs typeface="Times New Roman" panose="02020603050405020304" pitchFamily="18" charset="0"/>
+              </a:rPr>
+              <a:t>Optimize movie runtimes based on audience preferences; longer runtimes for Action and Adventure, and shorter runtimes for genres like Animation.</a:t>
+            </a:r>
+          </a:p>
+          <a:p>
+            <a:pPr marL="342900" lvl="0" indent="-342900">
+              <a:lnSpc>
+                <a:spcPct val="107000"/>
+              </a:lnSpc>
+              <a:spcAft>
+                <a:spcPts val="800"/>
+              </a:spcAft>
+              <a:buFont typeface="+mj-lt"/>
+              <a:buAutoNum type="arabicPeriod"/>
+              <a:tabLst>
+                <a:tab pos="457200" algn="l"/>
+              </a:tabLst>
+            </a:pPr>
+            <a:r>
+              <a:rPr lang="en-US" sz="2400" kern="100" dirty="0">
+                <a:effectLst/>
+                <a:ea typeface="Calibri" panose="020F0502020204030204" pitchFamily="34" charset="0"/>
+                <a:cs typeface="Times New Roman" panose="02020603050405020304" pitchFamily="18" charset="0"/>
+              </a:rPr>
+              <a:t>Leverage Universal Pictures for distribution due to their strong track record in generating high ratings.</a:t>
+            </a:r>
+          </a:p>
+          <a:p>
+            <a:endParaRPr lang="en-US" dirty="0"/>
+          </a:p>
+        </p:txBody>
+      </p:sp>
+      <p:sp>
+        <p:nvSpPr>
+          <p:cNvPr id="4" name="Footer Placeholder 3"/>
+          <p:cNvSpPr>
+            <a:spLocks noGrp="1"/>
+          </p:cNvSpPr>
+          <p:nvPr>
+            <p:ph type="ftr" sz="quarter" idx="11"/>
+          </p:nvPr>
+        </p:nvSpPr>
+        <p:spPr/>
+        <p:txBody>
+          <a:bodyPr/>
+          <a:lstStyle/>
+          <a:p>
+            <a:r>
+              <a:rPr lang="en-GB" dirty="0"/>
+              <a:t>GROUP ONE  PHASE TWO PROJECT</a:t>
+            </a:r>
+            <a:endParaRPr lang="en-US" dirty="0"/>
+          </a:p>
+        </p:txBody>
+      </p:sp>
+      <p:sp>
+        <p:nvSpPr>
+          <p:cNvPr id="5" name="Slide Number Placeholder 4"/>
+          <p:cNvSpPr>
+            <a:spLocks noGrp="1"/>
+          </p:cNvSpPr>
+          <p:nvPr>
+            <p:ph type="sldNum" sz="quarter" idx="12"/>
+          </p:nvPr>
+        </p:nvSpPr>
+        <p:spPr/>
+        <p:txBody>
+          <a:bodyPr/>
+          <a:lstStyle/>
+          <a:p>
+            <a:fld id="{C4C7283F-616F-4503-ABBD-21FFB2848302}" type="slidenum">
+              <a:rPr lang="en-US" smtClean="0"/>
+              <a:t>29</a:t>
             </a:fld>
             <a:endParaRPr lang="en-US"/>
           </a:p>
@@ -10400,16 +12625,21 @@
             <p:ph type="ctrTitle"/>
           </p:nvPr>
         </p:nvSpPr>
-        <p:spPr/>
-        <p:txBody>
-          <a:bodyPr/>
-          <a:lstStyle/>
-          <a:p>
+        <p:spPr>
+          <a:xfrm>
+            <a:off x="1165396" y="451513"/>
+            <a:ext cx="8713390" cy="1646302"/>
+          </a:xfrm>
+        </p:spPr>
+        <p:txBody>
+          <a:bodyPr/>
+          <a:lstStyle/>
+          <a:p>
+            <a:pPr algn="ctr"/>
             <a:r>
               <a:rPr lang="en-US" dirty="0"/>
               <a:t>BUSINESS UNDERSTANDING</a:t>
             </a:r>
-            <a:endParaRPr lang="en-US" dirty="0"/>
           </a:p>
         </p:txBody>
       </p:sp>
@@ -10423,27 +12653,45 @@
             <p:ph type="subTitle" idx="1"/>
           </p:nvPr>
         </p:nvSpPr>
-        <p:spPr/>
+        <p:spPr>
+          <a:xfrm>
+            <a:off x="1165395" y="2433735"/>
+            <a:ext cx="10166633" cy="3607627"/>
+          </a:xfrm>
+        </p:spPr>
         <p:txBody>
           <a:bodyPr>
             <a:noAutofit/>
           </a:bodyPr>
           <a:lstStyle/>
           <a:p>
-            <a:r>
-              <a:rPr lang="en-GB" dirty="0">
-                <a:latin typeface="system-ui"/>
+            <a:pPr marL="342900" indent="-342900" algn="l">
+              <a:buFont typeface="Wingdings" panose="05000000000000000000" pitchFamily="2" charset="2"/>
+              <a:buChar char="v"/>
+            </a:pPr>
+            <a:r>
+              <a:rPr lang="en-GB" sz="2400" dirty="0"/>
+              <a:t>The</a:t>
+            </a:r>
+            <a:r>
+              <a:rPr lang="en-GB" sz="2400" b="0" i="0" dirty="0">
+                <a:effectLst/>
               </a:rPr>
-              <a:t>The</a:t>
-            </a:r>
-            <a:r>
-              <a:rPr lang="en-GB" b="0" i="0" dirty="0">
+              <a:t> company now sees all the big companies creating original video content and they want to get in on the fun. They have decided to create a new movie studio, but they don’t know anything about creating movies. </a:t>
+            </a:r>
+          </a:p>
+          <a:p>
+            <a:pPr marL="342900" indent="-342900" algn="l">
+              <a:buFont typeface="Wingdings" panose="05000000000000000000" pitchFamily="2" charset="2"/>
+              <a:buChar char="v"/>
+            </a:pPr>
+            <a:r>
+              <a:rPr lang="en-GB" sz="2400" b="0" i="0" dirty="0">
                 <a:effectLst/>
-                <a:latin typeface="system-ui"/>
               </a:rPr>
-              <a:t> company now sees all the big companies creating original video content and they want to get in on the fun. They have decided to create a new movie studio, but they don’t know anything about creating movies. You are charged with exploring what types of films are currently doing the best at the box office. You must then translate those findings into actionable insights that the head of your company's new movie studio can use to help decide what type of films to create.</a:t>
-            </a:r>
-            <a:endParaRPr lang="en-US" dirty="0"/>
+              <a:t>You are charged with exploring what types of films are currently doing the best at the box office. You must then translate those findings into actionable insights that the head of your company's new movie studio can use to help decide what type of films to create.</a:t>
+            </a:r>
+            <a:endParaRPr lang="en-US" sz="2400" dirty="0"/>
           </a:p>
         </p:txBody>
       </p:sp>
@@ -10487,6 +12735,288 @@
           <a:p>
             <a:fld id="{C4C7283F-616F-4503-ABBD-21FFB2848302}" type="slidenum">
               <a:rPr lang="en-US" smtClean="0"/>
+              <a:t>3</a:t>
+            </a:fld>
+            <a:endParaRPr lang="en-US"/>
+          </a:p>
+        </p:txBody>
+      </p:sp>
+    </p:spTree>
+  </p:cSld>
+  <p:clrMapOvr>
+    <a:masterClrMapping/>
+  </p:clrMapOvr>
+</p:sld>
+</file>
+
+<file path=ppt/slides/slide30.xml><?xml version="1.0" encoding="utf-8"?>
+<p:sld xmlns:a="http://schemas.openxmlformats.org/drawingml/2006/main" xmlns:r="http://schemas.openxmlformats.org/officeDocument/2006/relationships" xmlns:p="http://schemas.openxmlformats.org/presentationml/2006/main">
+  <p:cSld>
+    <p:spTree>
+      <p:nvGrpSpPr>
+        <p:cNvPr id="1" name=""/>
+        <p:cNvGrpSpPr/>
+        <p:nvPr/>
+      </p:nvGrpSpPr>
+      <p:grpSpPr>
+        <a:xfrm>
+          <a:off x="0" y="0"/>
+          <a:ext cx="0" cy="0"/>
+          <a:chOff x="0" y="0"/>
+          <a:chExt cx="0" cy="0"/>
+        </a:xfrm>
+      </p:grpSpPr>
+      <p:sp>
+        <p:nvSpPr>
+          <p:cNvPr id="2" name="Title 1"/>
+          <p:cNvSpPr>
+            <a:spLocks noGrp="1"/>
+          </p:cNvSpPr>
+          <p:nvPr>
+            <p:ph type="title"/>
+          </p:nvPr>
+        </p:nvSpPr>
+        <p:spPr/>
+        <p:txBody>
+          <a:bodyPr/>
+          <a:lstStyle/>
+          <a:p>
+            <a:r>
+              <a:rPr lang="en-US" b="1" dirty="0"/>
+              <a:t>CONTACT INFORMATION</a:t>
+            </a:r>
+            <a:endParaRPr lang="en-US" dirty="0"/>
+          </a:p>
+        </p:txBody>
+      </p:sp>
+      <p:sp>
+        <p:nvSpPr>
+          <p:cNvPr id="3" name="Content Placeholder 2"/>
+          <p:cNvSpPr>
+            <a:spLocks noGrp="1"/>
+          </p:cNvSpPr>
+          <p:nvPr>
+            <p:ph idx="1"/>
+          </p:nvPr>
+        </p:nvSpPr>
+        <p:spPr/>
+        <p:txBody>
+          <a:bodyPr/>
+          <a:lstStyle/>
+          <a:p>
+            <a:pPr marL="342900" indent="-342900">
+              <a:buAutoNum type="arabicPeriod"/>
+            </a:pPr>
+            <a:r>
+              <a:rPr lang="en-US" u="sng" dirty="0">
+                <a:solidFill>
+                  <a:schemeClr val="accent1"/>
+                </a:solidFill>
+                <a:hlinkClick r:id="rId2">
+                  <a:extLst>
+                    <a:ext uri="{A12FA001-AC4F-418D-AE19-62706E023703}">
+                      <ahyp:hlinkClr xmlns:ahyp="http://schemas.microsoft.com/office/drawing/2018/hyperlinkcolor" val="tx"/>
+                    </a:ext>
+                  </a:extLst>
+                </a:hlinkClick>
+              </a:rPr>
+              <a:t>catherine.kiptui@student.moringaschool.com</a:t>
+            </a:r>
+            <a:endParaRPr lang="en-US" u="sng" dirty="0">
+              <a:solidFill>
+                <a:schemeClr val="accent1"/>
+              </a:solidFill>
+            </a:endParaRPr>
+          </a:p>
+          <a:p>
+            <a:pPr marL="342900" indent="-342900">
+              <a:buAutoNum type="arabicPeriod"/>
+            </a:pPr>
+            <a:r>
+              <a:rPr lang="en-US" u="sng" dirty="0">
+                <a:solidFill>
+                  <a:schemeClr val="accent1"/>
+                </a:solidFill>
+                <a:hlinkClick r:id="rId3">
+                  <a:extLst>
+                    <a:ext uri="{A12FA001-AC4F-418D-AE19-62706E023703}">
+                      <ahyp:hlinkClr xmlns:ahyp="http://schemas.microsoft.com/office/drawing/2018/hyperlinkcolor" val="tx"/>
+                    </a:ext>
+                  </a:extLst>
+                </a:hlinkClick>
+              </a:rPr>
+              <a:t>michellekavetza@gmail.com</a:t>
+            </a:r>
+            <a:endParaRPr lang="en-US" u="sng" dirty="0">
+              <a:solidFill>
+                <a:schemeClr val="accent1"/>
+              </a:solidFill>
+            </a:endParaRPr>
+          </a:p>
+          <a:p>
+            <a:pPr marL="342900" indent="-342900">
+              <a:buAutoNum type="arabicPeriod"/>
+            </a:pPr>
+            <a:r>
+              <a:rPr lang="en-US" u="sng" dirty="0">
+                <a:solidFill>
+                  <a:schemeClr val="accent1"/>
+                </a:solidFill>
+                <a:hlinkClick r:id="rId4">
+                  <a:extLst>
+                    <a:ext uri="{A12FA001-AC4F-418D-AE19-62706E023703}">
+                      <ahyp:hlinkClr xmlns:ahyp="http://schemas.microsoft.com/office/drawing/2018/hyperlinkcolor" val="tx"/>
+                    </a:ext>
+                  </a:extLst>
+                </a:hlinkClick>
+              </a:rPr>
+              <a:t>gateromichael@gmail.com</a:t>
+            </a:r>
+            <a:endParaRPr lang="en-US" u="sng" dirty="0">
+              <a:solidFill>
+                <a:schemeClr val="accent1"/>
+              </a:solidFill>
+            </a:endParaRPr>
+          </a:p>
+          <a:p>
+            <a:pPr>
+              <a:buFont typeface="+mj-lt"/>
+              <a:buAutoNum type="arabicPeriod"/>
+            </a:pPr>
+            <a:r>
+              <a:rPr lang="en-US" u="sng" dirty="0">
+                <a:solidFill>
+                  <a:schemeClr val="accent1"/>
+                </a:solidFill>
+                <a:hlinkClick r:id="rId5">
+                  <a:extLst>
+                    <a:ext uri="{A12FA001-AC4F-418D-AE19-62706E023703}">
+                      <ahyp:hlinkClr xmlns:ahyp="http://schemas.microsoft.com/office/drawing/2018/hyperlinkcolor" val="tx"/>
+                    </a:ext>
+                  </a:extLst>
+                </a:hlinkClick>
+              </a:rPr>
+              <a:t>noordinoordino470@gmail.com</a:t>
+            </a:r>
+            <a:endParaRPr lang="en-US" u="sng" dirty="0">
+              <a:solidFill>
+                <a:schemeClr val="accent1"/>
+              </a:solidFill>
+            </a:endParaRPr>
+          </a:p>
+          <a:p>
+            <a:pPr>
+              <a:buFont typeface="+mj-lt"/>
+              <a:buAutoNum type="arabicPeriod"/>
+            </a:pPr>
+            <a:r>
+              <a:rPr lang="en-US" u="sng" dirty="0">
+                <a:solidFill>
+                  <a:schemeClr val="accent1"/>
+                </a:solidFill>
+                <a:hlinkClick r:id="rId6">
+                  <a:extLst>
+                    <a:ext uri="{A12FA001-AC4F-418D-AE19-62706E023703}">
+                      <ahyp:hlinkClr xmlns:ahyp="http://schemas.microsoft.com/office/drawing/2018/hyperlinkcolor" val="tx"/>
+                    </a:ext>
+                  </a:extLst>
+                </a:hlinkClick>
+              </a:rPr>
+              <a:t>kennethnyangweso99@gmail.com</a:t>
+            </a:r>
+            <a:endParaRPr lang="en-US" u="sng" dirty="0">
+              <a:solidFill>
+                <a:schemeClr val="accent1"/>
+              </a:solidFill>
+            </a:endParaRPr>
+          </a:p>
+          <a:p>
+            <a:pPr>
+              <a:buFont typeface="+mj-lt"/>
+              <a:buAutoNum type="arabicPeriod"/>
+            </a:pPr>
+            <a:r>
+              <a:rPr lang="en-GB" b="0" i="0" u="sng" dirty="0">
+                <a:solidFill>
+                  <a:schemeClr val="accent1"/>
+                </a:solidFill>
+                <a:effectLst/>
+                <a:latin typeface="Roboto" panose="020F0502020204030204" pitchFamily="2" charset="0"/>
+              </a:rPr>
+              <a:t>aumakrystel5@gmail.com</a:t>
+            </a:r>
+            <a:endParaRPr lang="en-US" u="sng" dirty="0">
+              <a:solidFill>
+                <a:schemeClr val="accent1"/>
+              </a:solidFill>
+            </a:endParaRPr>
+          </a:p>
+          <a:p>
+            <a:pPr>
+              <a:buFont typeface="+mj-lt"/>
+              <a:buAutoNum type="arabicPeriod"/>
+            </a:pPr>
+            <a:r>
+              <a:rPr lang="en-US" u="sng" dirty="0">
+                <a:solidFill>
+                  <a:schemeClr val="accent1"/>
+                </a:solidFill>
+              </a:rPr>
+              <a:t>segomich227@gmail.com</a:t>
+            </a:r>
+          </a:p>
+          <a:p>
+            <a:pPr marL="342900" indent="-342900">
+              <a:buAutoNum type="arabicPeriod"/>
+            </a:pPr>
+            <a:endParaRPr lang="en-US" dirty="0"/>
+          </a:p>
+          <a:p>
+            <a:endParaRPr lang="en-US" dirty="0"/>
+          </a:p>
+        </p:txBody>
+      </p:sp>
+      <p:sp>
+        <p:nvSpPr>
+          <p:cNvPr id="4" name="Footer Placeholder 3"/>
+          <p:cNvSpPr>
+            <a:spLocks noGrp="1"/>
+          </p:cNvSpPr>
+          <p:nvPr>
+            <p:ph type="ftr" sz="quarter" idx="11"/>
+          </p:nvPr>
+        </p:nvSpPr>
+        <p:spPr/>
+        <p:txBody>
+          <a:bodyPr/>
+          <a:lstStyle/>
+          <a:p>
+            <a:r>
+              <a:rPr lang="en-GB"/>
+              <a:t>GROUP ONE  PHASE TWO PROJECT</a:t>
+            </a:r>
+            <a:endParaRPr lang="en-US"/>
+          </a:p>
+        </p:txBody>
+      </p:sp>
+      <p:sp>
+        <p:nvSpPr>
+          <p:cNvPr id="5" name="Slide Number Placeholder 4"/>
+          <p:cNvSpPr>
+            <a:spLocks noGrp="1"/>
+          </p:cNvSpPr>
+          <p:nvPr>
+            <p:ph type="sldNum" sz="quarter" idx="12"/>
+          </p:nvPr>
+        </p:nvSpPr>
+        <p:spPr/>
+        <p:txBody>
+          <a:bodyPr/>
+          <a:lstStyle/>
+          <a:p>
+            <a:fld id="{C4C7283F-616F-4503-ABBD-21FFB2848302}" type="slidenum">
+              <a:rPr lang="en-US" smtClean="0"/>
+              <a:t>30</a:t>
             </a:fld>
             <a:endParaRPr lang="en-US"/>
           </a:p>
@@ -10529,14 +13059,15 @@
         </p:nvSpPr>
         <p:spPr/>
         <p:txBody>
-          <a:bodyPr/>
-          <a:lstStyle/>
-          <a:p>
-            <a:r>
-              <a:rPr lang="en-US" dirty="0"/>
+          <a:bodyPr>
+            <a:normAutofit/>
+          </a:bodyPr>
+          <a:lstStyle/>
+          <a:p>
+            <a:r>
+              <a:rPr lang="en-US" sz="4400" dirty="0"/>
               <a:t>DATA UNDERSTANDING</a:t>
             </a:r>
-            <a:endParaRPr lang="en-US" dirty="0"/>
           </a:p>
         </p:txBody>
       </p:sp>
@@ -10550,120 +13081,138 @@
             <p:ph idx="1"/>
           </p:nvPr>
         </p:nvSpPr>
-        <p:spPr/>
-        <p:txBody>
-          <a:bodyPr/>
-          <a:lstStyle/>
-          <a:p>
-            <a:pPr algn="l"/>
-            <a:r>
-              <a:rPr lang="en-GB" sz="1800" b="0" i="0" dirty="0">
+        <p:spPr>
+          <a:xfrm>
+            <a:off x="530377" y="1638075"/>
+            <a:ext cx="8596668" cy="3880773"/>
+          </a:xfrm>
+        </p:spPr>
+        <p:txBody>
+          <a:bodyPr>
+            <a:normAutofit fontScale="85000" lnSpcReduction="20000"/>
+          </a:bodyPr>
+          <a:lstStyle/>
+          <a:p>
+            <a:pPr algn="l">
+              <a:buFont typeface="Wingdings" panose="05000000000000000000" pitchFamily="2" charset="2"/>
+              <a:buChar char="v"/>
+            </a:pPr>
+            <a:r>
+              <a:rPr lang="en-GB" sz="2600" b="0" i="0" dirty="0">
                 <a:effectLst/>
-                <a:latin typeface="system-ui"/>
               </a:rPr>
               <a:t>Here will need to understand our data. This involves getting the relevant information from each dataset crucial for our analysis.</a:t>
             </a:r>
-            <a:endParaRPr lang="en-GB" sz="1800" b="0" i="0" dirty="0">
-              <a:effectLst/>
-              <a:latin typeface="system-ui"/>
-            </a:endParaRPr>
-          </a:p>
-          <a:p>
-            <a:pPr algn="l"/>
-            <a:r>
-              <a:rPr lang="en-GB" sz="1800" b="0" i="0" dirty="0">
+          </a:p>
+          <a:p>
+            <a:pPr algn="l">
+              <a:buFont typeface="Wingdings" panose="05000000000000000000" pitchFamily="2" charset="2"/>
+              <a:buChar char="v"/>
+            </a:pPr>
+            <a:r>
+              <a:rPr lang="en-GB" sz="2600" b="0" i="0" dirty="0">
                 <a:effectLst/>
-                <a:latin typeface="system-ui"/>
               </a:rPr>
               <a:t>We start by loading the various datasets reviewing their various information based on the columns and check which information is necessary for our analysis before beginning the data cleaning.</a:t>
             </a:r>
-            <a:endParaRPr lang="en-GB" sz="1800" b="0" i="0" dirty="0">
+          </a:p>
+          <a:p>
+            <a:pPr marL="0" indent="0" algn="l">
+              <a:buNone/>
+            </a:pPr>
+            <a:endParaRPr lang="en-GB" sz="2600" b="0" i="0" dirty="0">
               <a:effectLst/>
-              <a:latin typeface="system-ui"/>
             </a:endParaRPr>
           </a:p>
           <a:p>
-            <a:pPr>
+            <a:pPr marL="0" indent="0">
               <a:lnSpc>
                 <a:spcPct val="107000"/>
               </a:lnSpc>
               <a:spcAft>
                 <a:spcPts val="800"/>
               </a:spcAft>
+              <a:buNone/>
             </a:pPr>
             <a:r>
-              <a:rPr lang="en-US" sz="1800" b="1" kern="100" dirty="0">
+              <a:rPr lang="en-US" sz="2600" b="1" kern="100" dirty="0">
                 <a:effectLst/>
-                <a:latin typeface="Calibri" panose="020F0502020204030204" pitchFamily="34" charset="0"/>
                 <a:ea typeface="Calibri" panose="020F0502020204030204" pitchFamily="34" charset="0"/>
                 <a:cs typeface="Times New Roman" panose="02020603050405020304" pitchFamily="18" charset="0"/>
               </a:rPr>
-              <a:t>. Movie Performance Data</a:t>
-            </a:r>
-            <a:endParaRPr lang="en-US" sz="1800" kern="100" dirty="0">
+              <a:t>Movie Performance Data</a:t>
+            </a:r>
+            <a:endParaRPr lang="en-US" sz="2600" kern="100" dirty="0">
               <a:effectLst/>
-              <a:latin typeface="Calibri" panose="020F0502020204030204" pitchFamily="34" charset="0"/>
               <a:ea typeface="Calibri" panose="020F0502020204030204" pitchFamily="34" charset="0"/>
               <a:cs typeface="Times New Roman" panose="02020603050405020304" pitchFamily="18" charset="0"/>
             </a:endParaRPr>
           </a:p>
           <a:p>
-            <a:pPr marL="342900" lvl="0" indent="-342900">
+            <a:pPr lvl="0">
               <a:lnSpc>
                 <a:spcPct val="107000"/>
               </a:lnSpc>
               <a:spcAft>
                 <a:spcPts val="800"/>
               </a:spcAft>
+              <a:buClr>
+                <a:schemeClr val="tx1"/>
+              </a:buClr>
               <a:buSzPts val="1000"/>
-              <a:buFont typeface="Symbol" panose="05050102010706020507" pitchFamily="18" charset="2"/>
-              <a:buChar char=""/>
+              <a:buFont typeface="Arial" panose="020B0604020202020204" pitchFamily="34" charset="0"/>
+              <a:buChar char="•"/>
               <a:tabLst>
                 <a:tab pos="457200" algn="l"/>
               </a:tabLst>
             </a:pPr>
             <a:r>
-              <a:rPr lang="en-US" sz="1800" b="1" kern="100" dirty="0">
+              <a:rPr lang="en-US" sz="2600" b="1" kern="100" dirty="0">
                 <a:effectLst/>
-                <a:latin typeface="Calibri" panose="020F0502020204030204" pitchFamily="34" charset="0"/>
                 <a:ea typeface="Calibri" panose="020F0502020204030204" pitchFamily="34" charset="0"/>
                 <a:cs typeface="Times New Roman" panose="02020603050405020304" pitchFamily="18" charset="0"/>
               </a:rPr>
               <a:t>Box Office Data</a:t>
             </a:r>
             <a:r>
-              <a:rPr lang="en-US" sz="1800" kern="100" dirty="0">
+              <a:rPr lang="en-US" sz="2600" kern="100" dirty="0">
                 <a:effectLst/>
-                <a:latin typeface="Calibri" panose="020F0502020204030204" pitchFamily="34" charset="0"/>
                 <a:ea typeface="Calibri" panose="020F0502020204030204" pitchFamily="34" charset="0"/>
                 <a:cs typeface="Times New Roman" panose="02020603050405020304" pitchFamily="18" charset="0"/>
               </a:rPr>
               <a:t>: Includes revenue by day, week, or year for individual movies. Useful for </a:t>
             </a:r>
             <a:r>
-              <a:rPr lang="en-US" sz="1800" kern="100" dirty="0" err="1">
+              <a:rPr lang="en-US" sz="2600" kern="100" dirty="0" err="1">
                 <a:effectLst/>
-                <a:latin typeface="Calibri" panose="020F0502020204030204" pitchFamily="34" charset="0"/>
                 <a:ea typeface="Calibri" panose="020F0502020204030204" pitchFamily="34" charset="0"/>
                 <a:cs typeface="Times New Roman" panose="02020603050405020304" pitchFamily="18" charset="0"/>
               </a:rPr>
-              <a:t>analyzing</a:t>
-            </a:r>
-            <a:r>
-              <a:rPr lang="en-US" sz="1800" kern="100" dirty="0">
+              <a:t>analy</a:t>
+            </a:r>
+            <a:r>
+              <a:rPr lang="en-US" sz="2600" kern="100" dirty="0" err="1">
+                <a:ea typeface="Calibri" panose="020F0502020204030204" pitchFamily="34" charset="0"/>
+                <a:cs typeface="Times New Roman" panose="02020603050405020304" pitchFamily="18" charset="0"/>
+              </a:rPr>
+              <a:t>s</a:t>
+            </a:r>
+            <a:r>
+              <a:rPr lang="en-US" sz="2600" kern="100" dirty="0" err="1">
                 <a:effectLst/>
-                <a:latin typeface="Calibri" panose="020F0502020204030204" pitchFamily="34" charset="0"/>
+                <a:ea typeface="Calibri" panose="020F0502020204030204" pitchFamily="34" charset="0"/>
+                <a:cs typeface="Times New Roman" panose="02020603050405020304" pitchFamily="18" charset="0"/>
+              </a:rPr>
+              <a:t>ing</a:t>
+            </a:r>
+            <a:r>
+              <a:rPr lang="en-US" sz="2600" kern="100" dirty="0">
+                <a:effectLst/>
                 <a:ea typeface="Calibri" panose="020F0502020204030204" pitchFamily="34" charset="0"/>
                 <a:cs typeface="Times New Roman" panose="02020603050405020304" pitchFamily="18" charset="0"/>
               </a:rPr>
               <a:t> trends in revenue over time.</a:t>
             </a:r>
-            <a:endParaRPr lang="en-US" sz="1800" kern="100" dirty="0">
-              <a:effectLst/>
-              <a:latin typeface="Calibri" panose="020F0502020204030204" pitchFamily="34" charset="0"/>
-              <a:ea typeface="Calibri" panose="020F0502020204030204" pitchFamily="34" charset="0"/>
-              <a:cs typeface="Times New Roman" panose="02020603050405020304" pitchFamily="18" charset="0"/>
-            </a:endParaRPr>
           </a:p>
           <a:p>
             <a:endParaRPr lang="en-US" dirty="0"/>
@@ -10710,6 +13259,7 @@
           <a:p>
             <a:fld id="{C4C7283F-616F-4503-ABBD-21FFB2848302}" type="slidenum">
               <a:rPr lang="en-US" smtClean="0"/>
+              <a:t>4</a:t>
             </a:fld>
             <a:endParaRPr lang="en-US"/>
           </a:p>
@@ -10781,7 +13331,12 @@
             <p:ph idx="1"/>
           </p:nvPr>
         </p:nvSpPr>
-        <p:spPr/>
+        <p:spPr>
+          <a:xfrm>
+            <a:off x="677334" y="1270000"/>
+            <a:ext cx="8596668" cy="6567714"/>
+          </a:xfrm>
+        </p:spPr>
         <p:txBody>
           <a:bodyPr>
             <a:noAutofit/>
@@ -10820,12 +13375,6 @@
               </a:rPr>
               <a:t>: Aggregated weekend earnings, helpful for identifying peaks in movie viewership.</a:t>
             </a:r>
-            <a:endParaRPr lang="en-US" sz="2400" kern="100" dirty="0">
-              <a:effectLst/>
-              <a:latin typeface="Calibri" panose="020F0502020204030204" pitchFamily="34" charset="0"/>
-              <a:ea typeface="Calibri" panose="020F0502020204030204" pitchFamily="34" charset="0"/>
-              <a:cs typeface="Times New Roman" panose="02020603050405020304" pitchFamily="18" charset="0"/>
-            </a:endParaRPr>
           </a:p>
           <a:p>
             <a:pPr marL="342900" lvl="0" indent="-342900">
@@ -10860,12 +13409,6 @@
               </a:rPr>
               <a:t>: Total earnings over time for each movie.</a:t>
             </a:r>
-            <a:endParaRPr lang="en-US" sz="2400" kern="100" dirty="0">
-              <a:effectLst/>
-              <a:latin typeface="Calibri" panose="020F0502020204030204" pitchFamily="34" charset="0"/>
-              <a:ea typeface="Calibri" panose="020F0502020204030204" pitchFamily="34" charset="0"/>
-              <a:cs typeface="Times New Roman" panose="02020603050405020304" pitchFamily="18" charset="0"/>
-            </a:endParaRPr>
           </a:p>
           <a:p>
             <a:pPr>
@@ -10925,12 +13468,6 @@
               </a:rPr>
               <a:t>: Basic information about movies, such as title, genre, release date, and distributor.</a:t>
             </a:r>
-            <a:endParaRPr lang="en-US" sz="2400" kern="100" dirty="0">
-              <a:effectLst/>
-              <a:latin typeface="Calibri" panose="020F0502020204030204" pitchFamily="34" charset="0"/>
-              <a:ea typeface="Calibri" panose="020F0502020204030204" pitchFamily="34" charset="0"/>
-              <a:cs typeface="Times New Roman" panose="02020603050405020304" pitchFamily="18" charset="0"/>
-            </a:endParaRPr>
           </a:p>
           <a:p>
             <a:pPr marL="342900" lvl="0" indent="-342900">
@@ -10983,12 +13520,6 @@
               </a:rPr>
               <a:t> how genres or ratings affect performance</a:t>
             </a:r>
-            <a:endParaRPr lang="en-US" sz="2400" kern="100" dirty="0">
-              <a:effectLst/>
-              <a:latin typeface="Calibri" panose="020F0502020204030204" pitchFamily="34" charset="0"/>
-              <a:ea typeface="Calibri" panose="020F0502020204030204" pitchFamily="34" charset="0"/>
-              <a:cs typeface="Times New Roman" panose="02020603050405020304" pitchFamily="18" charset="0"/>
-            </a:endParaRPr>
           </a:p>
           <a:p>
             <a:pPr>
@@ -11066,12 +13597,6 @@
               </a:rPr>
               <a:t> revenue streams.</a:t>
             </a:r>
-            <a:endParaRPr lang="en-US" sz="2400" kern="100" dirty="0">
-              <a:effectLst/>
-              <a:latin typeface="Calibri" panose="020F0502020204030204" pitchFamily="34" charset="0"/>
-              <a:ea typeface="Calibri" panose="020F0502020204030204" pitchFamily="34" charset="0"/>
-              <a:cs typeface="Times New Roman" panose="02020603050405020304" pitchFamily="18" charset="0"/>
-            </a:endParaRPr>
           </a:p>
           <a:p>
             <a:pPr marL="342900" lvl="0" indent="-342900">
@@ -11106,12 +13631,6 @@
               </a:rPr>
               <a:t>: Can show trends in digital distribution.</a:t>
             </a:r>
-            <a:endParaRPr lang="en-US" sz="2400" kern="100" dirty="0">
-              <a:effectLst/>
-              <a:latin typeface="Calibri" panose="020F0502020204030204" pitchFamily="34" charset="0"/>
-              <a:ea typeface="Calibri" panose="020F0502020204030204" pitchFamily="34" charset="0"/>
-              <a:cs typeface="Times New Roman" panose="02020603050405020304" pitchFamily="18" charset="0"/>
-            </a:endParaRPr>
           </a:p>
           <a:p>
             <a:pPr>
@@ -11189,12 +13708,6 @@
               </a:rPr>
               <a:t> how different studios perform over time.</a:t>
             </a:r>
-            <a:endParaRPr lang="en-US" sz="2400" kern="100" dirty="0">
-              <a:effectLst/>
-              <a:latin typeface="Calibri" panose="020F0502020204030204" pitchFamily="34" charset="0"/>
-              <a:ea typeface="Calibri" panose="020F0502020204030204" pitchFamily="34" charset="0"/>
-              <a:cs typeface="Times New Roman" panose="02020603050405020304" pitchFamily="18" charset="0"/>
-            </a:endParaRPr>
           </a:p>
           <a:p>
             <a:pPr marL="342900" lvl="0" indent="-342900">
@@ -11229,12 +13742,6 @@
               </a:rPr>
               <a:t>: Useful for cross-region comparison and global trends.</a:t>
             </a:r>
-            <a:endParaRPr lang="en-US" sz="2400" kern="100" dirty="0">
-              <a:effectLst/>
-              <a:latin typeface="Calibri" panose="020F0502020204030204" pitchFamily="34" charset="0"/>
-              <a:ea typeface="Calibri" panose="020F0502020204030204" pitchFamily="34" charset="0"/>
-              <a:cs typeface="Times New Roman" panose="02020603050405020304" pitchFamily="18" charset="0"/>
-            </a:endParaRPr>
           </a:p>
           <a:p>
             <a:endParaRPr lang="en-US" sz="2400" dirty="0"/>
@@ -11281,6 +13788,7 @@
           <a:p>
             <a:fld id="{C4C7283F-616F-4503-ABBD-21FFB2848302}" type="slidenum">
               <a:rPr lang="en-US" smtClean="0"/>
+              <a:t>5</a:t>
             </a:fld>
             <a:endParaRPr lang="en-US"/>
           </a:p>
@@ -11295,6 +13803,348 @@
 </file>
 
 <file path=ppt/slides/slide6.xml><?xml version="1.0" encoding="utf-8"?>
+<p:sld xmlns:a="http://schemas.openxmlformats.org/drawingml/2006/main" xmlns:r="http://schemas.openxmlformats.org/officeDocument/2006/relationships" xmlns:p="http://schemas.openxmlformats.org/presentationml/2006/main">
+  <p:cSld>
+    <p:spTree>
+      <p:nvGrpSpPr>
+        <p:cNvPr id="1" name="">
+          <a:extLst>
+            <a:ext uri="{FF2B5EF4-FFF2-40B4-BE49-F238E27FC236}">
+              <a16:creationId xmlns:a16="http://schemas.microsoft.com/office/drawing/2014/main" id="{5F71A741-1866-BE9D-1689-526BF1377095}"/>
+            </a:ext>
+          </a:extLst>
+        </p:cNvPr>
+        <p:cNvGrpSpPr/>
+        <p:nvPr/>
+      </p:nvGrpSpPr>
+      <p:grpSpPr>
+        <a:xfrm>
+          <a:off x="0" y="0"/>
+          <a:ext cx="0" cy="0"/>
+          <a:chOff x="0" y="0"/>
+          <a:chExt cx="0" cy="0"/>
+        </a:xfrm>
+      </p:grpSpPr>
+      <p:sp>
+        <p:nvSpPr>
+          <p:cNvPr id="2" name="Title 1">
+            <a:extLst>
+              <a:ext uri="{FF2B5EF4-FFF2-40B4-BE49-F238E27FC236}">
+                <a16:creationId xmlns:a16="http://schemas.microsoft.com/office/drawing/2014/main" id="{D10063C4-F501-0181-0B08-31F22A1144E2}"/>
+              </a:ext>
+            </a:extLst>
+          </p:cNvPr>
+          <p:cNvSpPr>
+            <a:spLocks noGrp="1"/>
+          </p:cNvSpPr>
+          <p:nvPr>
+            <p:ph type="title"/>
+          </p:nvPr>
+        </p:nvSpPr>
+        <p:spPr/>
+        <p:txBody>
+          <a:bodyPr/>
+          <a:lstStyle/>
+          <a:p>
+            <a:r>
+              <a:rPr lang="en-US" b="1" dirty="0"/>
+              <a:t>DATA UNDERSTANDING </a:t>
+            </a:r>
+            <a:r>
+              <a:rPr lang="en-US" b="1" dirty="0" err="1"/>
+              <a:t>Cont</a:t>
+            </a:r>
+            <a:r>
+              <a:rPr lang="en-US" b="1" dirty="0"/>
+              <a:t>……1.</a:t>
+            </a:r>
+            <a:endParaRPr lang="en-US" dirty="0"/>
+          </a:p>
+        </p:txBody>
+      </p:sp>
+      <p:sp>
+        <p:nvSpPr>
+          <p:cNvPr id="3" name="Content Placeholder 2">
+            <a:extLst>
+              <a:ext uri="{FF2B5EF4-FFF2-40B4-BE49-F238E27FC236}">
+                <a16:creationId xmlns:a16="http://schemas.microsoft.com/office/drawing/2014/main" id="{F1D6CB4C-100B-13FD-D923-C26B3C28BEB1}"/>
+              </a:ext>
+            </a:extLst>
+          </p:cNvPr>
+          <p:cNvSpPr>
+            <a:spLocks noGrp="1"/>
+          </p:cNvSpPr>
+          <p:nvPr>
+            <p:ph idx="1"/>
+          </p:nvPr>
+        </p:nvSpPr>
+        <p:spPr>
+          <a:xfrm>
+            <a:off x="677334" y="1270000"/>
+            <a:ext cx="8596668" cy="4771362"/>
+          </a:xfrm>
+        </p:spPr>
+        <p:txBody>
+          <a:bodyPr>
+            <a:noAutofit/>
+          </a:bodyPr>
+          <a:lstStyle/>
+          <a:p>
+            <a:pPr marL="342900" lvl="0" indent="-342900">
+              <a:lnSpc>
+                <a:spcPct val="107000"/>
+              </a:lnSpc>
+              <a:spcAft>
+                <a:spcPts val="800"/>
+              </a:spcAft>
+              <a:buSzPts val="1000"/>
+              <a:buFont typeface="Symbol" panose="05050102010706020507" pitchFamily="18" charset="2"/>
+              <a:buChar char=""/>
+              <a:tabLst>
+                <a:tab pos="457200" algn="l"/>
+              </a:tabLst>
+            </a:pPr>
+            <a:r>
+              <a:rPr lang="en-US" sz="2400" b="1" kern="100" dirty="0">
+                <a:effectLst/>
+                <a:latin typeface="Calibri" panose="020F0502020204030204" pitchFamily="34" charset="0"/>
+                <a:ea typeface="Calibri" panose="020F0502020204030204" pitchFamily="34" charset="0"/>
+                <a:cs typeface="Times New Roman" panose="02020603050405020304" pitchFamily="18" charset="0"/>
+              </a:rPr>
+              <a:t>Weekend Box Office Data</a:t>
+            </a:r>
+            <a:r>
+              <a:rPr lang="en-US" sz="2400" kern="100" dirty="0">
+                <a:effectLst/>
+                <a:latin typeface="Calibri" panose="020F0502020204030204" pitchFamily="34" charset="0"/>
+                <a:ea typeface="Calibri" panose="020F0502020204030204" pitchFamily="34" charset="0"/>
+                <a:cs typeface="Times New Roman" panose="02020603050405020304" pitchFamily="18" charset="0"/>
+              </a:rPr>
+              <a:t>: Aggregated weekend earnings, helpful for identifying peaks in movie viewership.</a:t>
+            </a:r>
+          </a:p>
+          <a:p>
+            <a:pPr marL="342900" lvl="0" indent="-342900">
+              <a:lnSpc>
+                <a:spcPct val="107000"/>
+              </a:lnSpc>
+              <a:spcAft>
+                <a:spcPts val="800"/>
+              </a:spcAft>
+              <a:buSzPts val="1000"/>
+              <a:buFont typeface="Symbol" panose="05050102010706020507" pitchFamily="18" charset="2"/>
+              <a:buChar char=""/>
+              <a:tabLst>
+                <a:tab pos="457200" algn="l"/>
+              </a:tabLst>
+            </a:pPr>
+            <a:r>
+              <a:rPr lang="en-US" sz="2400" b="1" kern="100" dirty="0">
+                <a:effectLst/>
+                <a:latin typeface="Calibri" panose="020F0502020204030204" pitchFamily="34" charset="0"/>
+                <a:ea typeface="Calibri" panose="020F0502020204030204" pitchFamily="34" charset="0"/>
+                <a:cs typeface="Times New Roman" panose="02020603050405020304" pitchFamily="18" charset="0"/>
+              </a:rPr>
+              <a:t>Cumulative Box Office</a:t>
+            </a:r>
+            <a:r>
+              <a:rPr lang="en-US" sz="2400" kern="100" dirty="0">
+                <a:effectLst/>
+                <a:latin typeface="Calibri" panose="020F0502020204030204" pitchFamily="34" charset="0"/>
+                <a:ea typeface="Calibri" panose="020F0502020204030204" pitchFamily="34" charset="0"/>
+                <a:cs typeface="Times New Roman" panose="02020603050405020304" pitchFamily="18" charset="0"/>
+              </a:rPr>
+              <a:t>: Total earnings over time for each movie.</a:t>
+            </a:r>
+          </a:p>
+          <a:p>
+            <a:pPr>
+              <a:lnSpc>
+                <a:spcPct val="107000"/>
+              </a:lnSpc>
+              <a:spcAft>
+                <a:spcPts val="800"/>
+              </a:spcAft>
+            </a:pPr>
+            <a:r>
+              <a:rPr lang="en-US" sz="2400" b="1" kern="100" dirty="0">
+                <a:effectLst/>
+                <a:latin typeface="Calibri" panose="020F0502020204030204" pitchFamily="34" charset="0"/>
+                <a:ea typeface="Calibri" panose="020F0502020204030204" pitchFamily="34" charset="0"/>
+                <a:cs typeface="Times New Roman" panose="02020603050405020304" pitchFamily="18" charset="0"/>
+              </a:rPr>
+              <a:t>2. Movie Metadata</a:t>
+            </a:r>
+            <a:endParaRPr lang="en-US" sz="2400" kern="100" dirty="0">
+              <a:effectLst/>
+              <a:latin typeface="Calibri" panose="020F0502020204030204" pitchFamily="34" charset="0"/>
+              <a:ea typeface="Calibri" panose="020F0502020204030204" pitchFamily="34" charset="0"/>
+              <a:cs typeface="Times New Roman" panose="02020603050405020304" pitchFamily="18" charset="0"/>
+            </a:endParaRPr>
+          </a:p>
+          <a:p>
+            <a:pPr marL="342900" lvl="0" indent="-342900">
+              <a:lnSpc>
+                <a:spcPct val="107000"/>
+              </a:lnSpc>
+              <a:spcAft>
+                <a:spcPts val="800"/>
+              </a:spcAft>
+              <a:buSzPts val="1000"/>
+              <a:buFont typeface="Symbol" panose="05050102010706020507" pitchFamily="18" charset="2"/>
+              <a:buChar char=""/>
+              <a:tabLst>
+                <a:tab pos="457200" algn="l"/>
+              </a:tabLst>
+            </a:pPr>
+            <a:r>
+              <a:rPr lang="en-US" sz="2400" b="1" kern="100" dirty="0">
+                <a:effectLst/>
+                <a:latin typeface="Calibri" panose="020F0502020204030204" pitchFamily="34" charset="0"/>
+                <a:ea typeface="Calibri" panose="020F0502020204030204" pitchFamily="34" charset="0"/>
+                <a:cs typeface="Times New Roman" panose="02020603050405020304" pitchFamily="18" charset="0"/>
+              </a:rPr>
+              <a:t>Movie Titles and Release Dates</a:t>
+            </a:r>
+            <a:r>
+              <a:rPr lang="en-US" sz="2400" kern="100" dirty="0">
+                <a:effectLst/>
+                <a:latin typeface="Calibri" panose="020F0502020204030204" pitchFamily="34" charset="0"/>
+                <a:ea typeface="Calibri" panose="020F0502020204030204" pitchFamily="34" charset="0"/>
+                <a:cs typeface="Times New Roman" panose="02020603050405020304" pitchFamily="18" charset="0"/>
+              </a:rPr>
+              <a:t>: Basic information about movies, such as title, genre, release date, and distributor.</a:t>
+            </a:r>
+          </a:p>
+          <a:p>
+            <a:pPr marL="342900" lvl="0" indent="-342900">
+              <a:lnSpc>
+                <a:spcPct val="107000"/>
+              </a:lnSpc>
+              <a:spcAft>
+                <a:spcPts val="800"/>
+              </a:spcAft>
+              <a:buSzPts val="1000"/>
+              <a:buFont typeface="Symbol" panose="05050102010706020507" pitchFamily="18" charset="2"/>
+              <a:buChar char=""/>
+              <a:tabLst>
+                <a:tab pos="457200" algn="l"/>
+              </a:tabLst>
+            </a:pPr>
+            <a:r>
+              <a:rPr lang="en-US" sz="2400" b="1" kern="100" dirty="0">
+                <a:effectLst/>
+                <a:latin typeface="Calibri" panose="020F0502020204030204" pitchFamily="34" charset="0"/>
+                <a:ea typeface="Calibri" panose="020F0502020204030204" pitchFamily="34" charset="0"/>
+                <a:cs typeface="Times New Roman" panose="02020603050405020304" pitchFamily="18" charset="0"/>
+              </a:rPr>
+              <a:t>Genre and Ratings</a:t>
+            </a:r>
+            <a:r>
+              <a:rPr lang="en-US" sz="2400" kern="100" dirty="0">
+                <a:effectLst/>
+                <a:latin typeface="Calibri" panose="020F0502020204030204" pitchFamily="34" charset="0"/>
+                <a:ea typeface="Calibri" panose="020F0502020204030204" pitchFamily="34" charset="0"/>
+                <a:cs typeface="Times New Roman" panose="02020603050405020304" pitchFamily="18" charset="0"/>
+              </a:rPr>
+              <a:t>: Helps in </a:t>
+            </a:r>
+            <a:r>
+              <a:rPr lang="en-US" sz="2400" kern="100" dirty="0" err="1">
+                <a:effectLst/>
+                <a:latin typeface="Calibri" panose="020F0502020204030204" pitchFamily="34" charset="0"/>
+                <a:ea typeface="Calibri" panose="020F0502020204030204" pitchFamily="34" charset="0"/>
+                <a:cs typeface="Times New Roman" panose="02020603050405020304" pitchFamily="18" charset="0"/>
+              </a:rPr>
+              <a:t>analyzing</a:t>
+            </a:r>
+            <a:r>
+              <a:rPr lang="en-US" sz="2400" kern="100" dirty="0">
+                <a:effectLst/>
+                <a:latin typeface="Calibri" panose="020F0502020204030204" pitchFamily="34" charset="0"/>
+                <a:ea typeface="Calibri" panose="020F0502020204030204" pitchFamily="34" charset="0"/>
+                <a:cs typeface="Times New Roman" panose="02020603050405020304" pitchFamily="18" charset="0"/>
+              </a:rPr>
+              <a:t> how genres or ratings affect performance</a:t>
+            </a:r>
+          </a:p>
+          <a:p>
+            <a:endParaRPr lang="en-US" sz="2400" dirty="0"/>
+          </a:p>
+        </p:txBody>
+      </p:sp>
+      <p:sp>
+        <p:nvSpPr>
+          <p:cNvPr id="4" name="Footer Placeholder 3">
+            <a:extLst>
+              <a:ext uri="{FF2B5EF4-FFF2-40B4-BE49-F238E27FC236}">
+                <a16:creationId xmlns:a16="http://schemas.microsoft.com/office/drawing/2014/main" id="{05BC2521-0F80-F607-0DFE-36A91836D3CA}"/>
+              </a:ext>
+            </a:extLst>
+          </p:cNvPr>
+          <p:cNvSpPr>
+            <a:spLocks noGrp="1"/>
+          </p:cNvSpPr>
+          <p:nvPr>
+            <p:ph type="ftr" sz="quarter" idx="11"/>
+          </p:nvPr>
+        </p:nvSpPr>
+        <p:spPr/>
+        <p:txBody>
+          <a:bodyPr/>
+          <a:lstStyle/>
+          <a:p>
+            <a:r>
+              <a:rPr lang="en-GB"/>
+              <a:t>GROUP ONE  PHASE TWO PROJECT</a:t>
+            </a:r>
+            <a:endParaRPr lang="en-US"/>
+          </a:p>
+        </p:txBody>
+      </p:sp>
+      <p:sp>
+        <p:nvSpPr>
+          <p:cNvPr id="5" name="Slide Number Placeholder 4">
+            <a:extLst>
+              <a:ext uri="{FF2B5EF4-FFF2-40B4-BE49-F238E27FC236}">
+                <a16:creationId xmlns:a16="http://schemas.microsoft.com/office/drawing/2014/main" id="{1305BB71-AAC0-0A93-BF4C-9EC17BEFDB2D}"/>
+              </a:ext>
+            </a:extLst>
+          </p:cNvPr>
+          <p:cNvSpPr>
+            <a:spLocks noGrp="1"/>
+          </p:cNvSpPr>
+          <p:nvPr>
+            <p:ph type="sldNum" sz="quarter" idx="12"/>
+          </p:nvPr>
+        </p:nvSpPr>
+        <p:spPr/>
+        <p:txBody>
+          <a:bodyPr/>
+          <a:lstStyle/>
+          <a:p>
+            <a:fld id="{C4C7283F-616F-4503-ABBD-21FFB2848302}" type="slidenum">
+              <a:rPr lang="en-US" smtClean="0"/>
+              <a:t>6</a:t>
+            </a:fld>
+            <a:endParaRPr lang="en-US"/>
+          </a:p>
+        </p:txBody>
+      </p:sp>
+    </p:spTree>
+    <p:extLst>
+      <p:ext uri="{BB962C8B-B14F-4D97-AF65-F5344CB8AC3E}">
+        <p14:creationId xmlns:p14="http://schemas.microsoft.com/office/powerpoint/2010/main" val="3489385531"/>
+      </p:ext>
+    </p:extLst>
+  </p:cSld>
+  <p:clrMapOvr>
+    <a:masterClrMapping/>
+  </p:clrMapOvr>
+</p:sld>
+</file>
+
+<file path=ppt/slides/slide7.xml><?xml version="1.0" encoding="utf-8"?>
 <p:sld xmlns:a="http://schemas.openxmlformats.org/drawingml/2006/main" xmlns:r="http://schemas.openxmlformats.org/officeDocument/2006/relationships" xmlns:p="http://schemas.openxmlformats.org/presentationml/2006/main">
   <p:cSld>
     <p:spTree>
@@ -11330,7 +14180,6 @@
               <a:rPr lang="en-US" dirty="0"/>
               <a:t>DATA UNDERSTANDING  CONT…….2</a:t>
             </a:r>
-            <a:endParaRPr lang="en-US" dirty="0"/>
           </a:p>
         </p:txBody>
       </p:sp>
@@ -11344,9 +14193,16 @@
             <p:ph idx="1"/>
           </p:nvPr>
         </p:nvSpPr>
-        <p:spPr/>
-        <p:txBody>
-          <a:bodyPr/>
+        <p:spPr>
+          <a:xfrm>
+            <a:off x="677334" y="1488613"/>
+            <a:ext cx="8596668" cy="3880773"/>
+          </a:xfrm>
+        </p:spPr>
+        <p:txBody>
+          <a:bodyPr>
+            <a:normAutofit fontScale="85000" lnSpcReduction="10000"/>
+          </a:bodyPr>
           <a:lstStyle/>
           <a:p>
             <a:pPr>
@@ -11358,19 +14214,17 @@
               </a:spcAft>
             </a:pPr>
             <a:r>
-              <a:rPr lang="en-US" sz="1800" b="1" kern="100" dirty="0">
+              <a:rPr lang="en-US" sz="2200" b="1" kern="100" dirty="0">
                 <a:effectLst/>
-                <a:latin typeface="Calibri" panose="020F0502020204030204" pitchFamily="34" charset="0"/>
                 <a:ea typeface="Calibri" panose="020F0502020204030204" pitchFamily="34" charset="0"/>
-                <a:cs typeface="Times New Roman" panose="02020603050405020304" pitchFamily="18" charset="0"/>
+                <a:cs typeface="Calibri" panose="020F0502020204030204" pitchFamily="34" charset="0"/>
               </a:rPr>
               <a:t>3. Home Entertainment Data</a:t>
             </a:r>
-            <a:endParaRPr lang="en-US" sz="1800" kern="100" dirty="0">
+            <a:endParaRPr lang="en-US" sz="2200" kern="100" dirty="0">
               <a:effectLst/>
-              <a:latin typeface="Calibri" panose="020F0502020204030204" pitchFamily="34" charset="0"/>
               <a:ea typeface="Calibri" panose="020F0502020204030204" pitchFamily="34" charset="0"/>
-              <a:cs typeface="Times New Roman" panose="02020603050405020304" pitchFamily="18" charset="0"/>
+              <a:cs typeface="Calibri" panose="020F0502020204030204" pitchFamily="34" charset="0"/>
             </a:endParaRPr>
           </a:p>
           <a:p>
@@ -11389,47 +14243,21 @@
               </a:tabLst>
             </a:pPr>
             <a:r>
-              <a:rPr lang="en-US" sz="1800" b="1" kern="100" dirty="0">
+              <a:rPr lang="en-US" sz="2200" b="1" kern="100" dirty="0">
                 <a:effectLst/>
-                <a:latin typeface="Calibri" panose="020F0502020204030204" pitchFamily="34" charset="0"/>
                 <a:ea typeface="Calibri" panose="020F0502020204030204" pitchFamily="34" charset="0"/>
-                <a:cs typeface="Times New Roman" panose="02020603050405020304" pitchFamily="18" charset="0"/>
+                <a:cs typeface="Calibri" panose="020F0502020204030204" pitchFamily="34" charset="0"/>
               </a:rPr>
               <a:t>DVD/Blu-ray Sales</a:t>
             </a:r>
             <a:r>
-              <a:rPr lang="en-US" sz="1800" kern="100" dirty="0">
+              <a:rPr lang="en-US" sz="2200" kern="100" dirty="0">
                 <a:effectLst/>
-                <a:latin typeface="Calibri" panose="020F0502020204030204" pitchFamily="34" charset="0"/>
                 <a:ea typeface="Calibri" panose="020F0502020204030204" pitchFamily="34" charset="0"/>
-                <a:cs typeface="Times New Roman" panose="02020603050405020304" pitchFamily="18" charset="0"/>
+                <a:cs typeface="Calibri" panose="020F0502020204030204" pitchFamily="34" charset="0"/>
               </a:rPr>
-              <a:t>: Useful for understanding post-</a:t>
-            </a:r>
-            <a:r>
-              <a:rPr lang="en-US" sz="1800" kern="100" dirty="0" err="1">
-                <a:effectLst/>
-                <a:latin typeface="Calibri" panose="020F0502020204030204" pitchFamily="34" charset="0"/>
-                <a:ea typeface="Calibri" panose="020F0502020204030204" pitchFamily="34" charset="0"/>
-                <a:cs typeface="Times New Roman" panose="02020603050405020304" pitchFamily="18" charset="0"/>
-              </a:rPr>
-              <a:t>theater</a:t>
-            </a:r>
-            <a:r>
-              <a:rPr lang="en-US" sz="1800" kern="100" dirty="0">
-                <a:effectLst/>
-                <a:latin typeface="Calibri" panose="020F0502020204030204" pitchFamily="34" charset="0"/>
-                <a:ea typeface="Calibri" panose="020F0502020204030204" pitchFamily="34" charset="0"/>
-                <a:cs typeface="Times New Roman" panose="02020603050405020304" pitchFamily="18" charset="0"/>
-              </a:rPr>
-              <a:t> revenue streams.</a:t>
-            </a:r>
-            <a:endParaRPr lang="en-US" sz="1800" kern="100" dirty="0">
-              <a:effectLst/>
-              <a:latin typeface="Calibri" panose="020F0502020204030204" pitchFamily="34" charset="0"/>
-              <a:ea typeface="Calibri" panose="020F0502020204030204" pitchFamily="34" charset="0"/>
-              <a:cs typeface="Times New Roman" panose="02020603050405020304" pitchFamily="18" charset="0"/>
-            </a:endParaRPr>
+              <a:t>: Useful for understanding post-theatre revenue streams.</a:t>
+            </a:r>
           </a:p>
           <a:p>
             <a:pPr marL="342900" lvl="0" indent="-342900">
@@ -11447,29 +14275,21 @@
               </a:tabLst>
             </a:pPr>
             <a:r>
-              <a:rPr lang="en-US" sz="1800" b="1" kern="100" dirty="0">
+              <a:rPr lang="en-US" sz="2200" b="1" kern="100" dirty="0">
                 <a:effectLst/>
-                <a:latin typeface="Calibri" panose="020F0502020204030204" pitchFamily="34" charset="0"/>
                 <a:ea typeface="Calibri" panose="020F0502020204030204" pitchFamily="34" charset="0"/>
-                <a:cs typeface="Times New Roman" panose="02020603050405020304" pitchFamily="18" charset="0"/>
+                <a:cs typeface="Calibri" panose="020F0502020204030204" pitchFamily="34" charset="0"/>
               </a:rPr>
               <a:t>Digital Sales/Streaming Revenue</a:t>
             </a:r>
             <a:r>
-              <a:rPr lang="en-US" sz="1800" kern="100" dirty="0">
+              <a:rPr lang="en-US" sz="2200" kern="100" dirty="0">
                 <a:effectLst/>
-                <a:latin typeface="Calibri" panose="020F0502020204030204" pitchFamily="34" charset="0"/>
                 <a:ea typeface="Calibri" panose="020F0502020204030204" pitchFamily="34" charset="0"/>
-                <a:cs typeface="Times New Roman" panose="02020603050405020304" pitchFamily="18" charset="0"/>
+                <a:cs typeface="Calibri" panose="020F0502020204030204" pitchFamily="34" charset="0"/>
               </a:rPr>
               <a:t>: Can show trends in digital distribution.</a:t>
             </a:r>
-            <a:endParaRPr lang="en-US" sz="1800" kern="100" dirty="0">
-              <a:effectLst/>
-              <a:latin typeface="Calibri" panose="020F0502020204030204" pitchFamily="34" charset="0"/>
-              <a:ea typeface="Calibri" panose="020F0502020204030204" pitchFamily="34" charset="0"/>
-              <a:cs typeface="Times New Roman" panose="02020603050405020304" pitchFamily="18" charset="0"/>
-            </a:endParaRPr>
           </a:p>
           <a:p>
             <a:pPr>
@@ -11481,19 +14301,17 @@
               </a:spcAft>
             </a:pPr>
             <a:r>
-              <a:rPr lang="en-US" sz="1800" b="1" kern="100" dirty="0">
+              <a:rPr lang="en-US" sz="2200" b="1" kern="100" dirty="0">
                 <a:effectLst/>
-                <a:latin typeface="Calibri" panose="020F0502020204030204" pitchFamily="34" charset="0"/>
                 <a:ea typeface="Calibri" panose="020F0502020204030204" pitchFamily="34" charset="0"/>
-                <a:cs typeface="Times New Roman" panose="02020603050405020304" pitchFamily="18" charset="0"/>
+                <a:cs typeface="Calibri" panose="020F0502020204030204" pitchFamily="34" charset="0"/>
               </a:rPr>
               <a:t>4. Market-Level Data</a:t>
             </a:r>
-            <a:endParaRPr lang="en-US" sz="1800" kern="100" dirty="0">
+            <a:endParaRPr lang="en-US" sz="2200" kern="100" dirty="0">
               <a:effectLst/>
-              <a:latin typeface="Calibri" panose="020F0502020204030204" pitchFamily="34" charset="0"/>
               <a:ea typeface="Calibri" panose="020F0502020204030204" pitchFamily="34" charset="0"/>
-              <a:cs typeface="Times New Roman" panose="02020603050405020304" pitchFamily="18" charset="0"/>
+              <a:cs typeface="Calibri" panose="020F0502020204030204" pitchFamily="34" charset="0"/>
             </a:endParaRPr>
           </a:p>
           <a:p>
@@ -11512,47 +14330,21 @@
               </a:tabLst>
             </a:pPr>
             <a:r>
-              <a:rPr lang="en-US" sz="1800" b="1" kern="100" dirty="0">
+              <a:rPr lang="en-US" sz="2200" b="1" kern="100" dirty="0">
                 <a:effectLst/>
-                <a:latin typeface="Calibri" panose="020F0502020204030204" pitchFamily="34" charset="0"/>
                 <a:ea typeface="Calibri" panose="020F0502020204030204" pitchFamily="34" charset="0"/>
-                <a:cs typeface="Times New Roman" panose="02020603050405020304" pitchFamily="18" charset="0"/>
+                <a:cs typeface="Calibri" panose="020F0502020204030204" pitchFamily="34" charset="0"/>
               </a:rPr>
               <a:t>Market Share by Studio</a:t>
             </a:r>
             <a:r>
-              <a:rPr lang="en-US" sz="1800" kern="100" dirty="0">
+              <a:rPr lang="en-US" sz="2200" kern="100" dirty="0">
                 <a:effectLst/>
-                <a:latin typeface="Calibri" panose="020F0502020204030204" pitchFamily="34" charset="0"/>
                 <a:ea typeface="Calibri" panose="020F0502020204030204" pitchFamily="34" charset="0"/>
-                <a:cs typeface="Times New Roman" panose="02020603050405020304" pitchFamily="18" charset="0"/>
+                <a:cs typeface="Calibri" panose="020F0502020204030204" pitchFamily="34" charset="0"/>
               </a:rPr>
-              <a:t>: Helps </a:t>
-            </a:r>
-            <a:r>
-              <a:rPr lang="en-US" sz="1800" kern="100" dirty="0" err="1">
-                <a:effectLst/>
-                <a:latin typeface="Calibri" panose="020F0502020204030204" pitchFamily="34" charset="0"/>
-                <a:ea typeface="Calibri" panose="020F0502020204030204" pitchFamily="34" charset="0"/>
-                <a:cs typeface="Times New Roman" panose="02020603050405020304" pitchFamily="18" charset="0"/>
-              </a:rPr>
-              <a:t>analyze</a:t>
-            </a:r>
-            <a:r>
-              <a:rPr lang="en-US" sz="1800" kern="100" dirty="0">
-                <a:effectLst/>
-                <a:latin typeface="Calibri" panose="020F0502020204030204" pitchFamily="34" charset="0"/>
-                <a:ea typeface="Calibri" panose="020F0502020204030204" pitchFamily="34" charset="0"/>
-                <a:cs typeface="Times New Roman" panose="02020603050405020304" pitchFamily="18" charset="0"/>
-              </a:rPr>
-              <a:t> how different studios perform over time.</a:t>
-            </a:r>
-            <a:endParaRPr lang="en-US" sz="1800" kern="100" dirty="0">
-              <a:effectLst/>
-              <a:latin typeface="Calibri" panose="020F0502020204030204" pitchFamily="34" charset="0"/>
-              <a:ea typeface="Calibri" panose="020F0502020204030204" pitchFamily="34" charset="0"/>
-              <a:cs typeface="Times New Roman" panose="02020603050405020304" pitchFamily="18" charset="0"/>
-            </a:endParaRPr>
+              <a:t>: Helps analyse how different studios perform over time.</a:t>
+            </a:r>
           </a:p>
           <a:p>
             <a:pPr marL="342900" lvl="0" indent="-342900">
@@ -11570,55 +14362,50 @@
               </a:tabLst>
             </a:pPr>
             <a:r>
-              <a:rPr lang="en-US" sz="1800" b="1" kern="100" dirty="0">
+              <a:rPr lang="en-US" sz="2200" b="1" kern="100" dirty="0">
                 <a:effectLst/>
-                <a:latin typeface="Calibri" panose="020F0502020204030204" pitchFamily="34" charset="0"/>
                 <a:ea typeface="Calibri" panose="020F0502020204030204" pitchFamily="34" charset="0"/>
-                <a:cs typeface="Times New Roman" panose="02020603050405020304" pitchFamily="18" charset="0"/>
+                <a:cs typeface="Calibri" panose="020F0502020204030204" pitchFamily="34" charset="0"/>
               </a:rPr>
               <a:t>International Box Office</a:t>
             </a:r>
             <a:r>
-              <a:rPr lang="en-US" sz="1800" kern="100" dirty="0">
+              <a:rPr lang="en-US" sz="2200" kern="100" dirty="0">
                 <a:effectLst/>
-                <a:latin typeface="Calibri" panose="020F0502020204030204" pitchFamily="34" charset="0"/>
                 <a:ea typeface="Calibri" panose="020F0502020204030204" pitchFamily="34" charset="0"/>
-                <a:cs typeface="Times New Roman" panose="02020603050405020304" pitchFamily="18" charset="0"/>
+                <a:cs typeface="Calibri" panose="020F0502020204030204" pitchFamily="34" charset="0"/>
               </a:rPr>
               <a:t>: Useful for cross-region comparison and global trends.</a:t>
             </a:r>
-            <a:endParaRPr lang="en-US" sz="1800" kern="100" dirty="0">
-              <a:effectLst/>
-              <a:latin typeface="Calibri" panose="020F0502020204030204" pitchFamily="34" charset="0"/>
+          </a:p>
+          <a:p>
+            <a:endParaRPr lang="en-US" dirty="0">
               <a:ea typeface="Calibri" panose="020F0502020204030204" pitchFamily="34" charset="0"/>
-              <a:cs typeface="Times New Roman" panose="02020603050405020304" pitchFamily="18" charset="0"/>
+              <a:cs typeface="Calibri" panose="020F0502020204030204" pitchFamily="34" charset="0"/>
             </a:endParaRPr>
           </a:p>
-          <a:p>
+        </p:txBody>
+      </p:sp>
+      <p:sp>
+        <p:nvSpPr>
+          <p:cNvPr id="4" name="Footer Placeholder 3"/>
+          <p:cNvSpPr>
+            <a:spLocks noGrp="1"/>
+          </p:cNvSpPr>
+          <p:nvPr>
+            <p:ph type="ftr" sz="quarter" idx="11"/>
+          </p:nvPr>
+        </p:nvSpPr>
+        <p:spPr/>
+        <p:txBody>
+          <a:bodyPr/>
+          <a:lstStyle/>
+          <a:p>
+            <a:r>
+              <a:rPr lang="en-GB" dirty="0"/>
+              <a:t>GROUP ONE  PHASE TWO PROJECT</a:t>
+            </a:r>
             <a:endParaRPr lang="en-US" dirty="0"/>
-          </a:p>
-        </p:txBody>
-      </p:sp>
-      <p:sp>
-        <p:nvSpPr>
-          <p:cNvPr id="4" name="Footer Placeholder 3"/>
-          <p:cNvSpPr>
-            <a:spLocks noGrp="1"/>
-          </p:cNvSpPr>
-          <p:nvPr>
-            <p:ph type="ftr" sz="quarter" idx="11"/>
-          </p:nvPr>
-        </p:nvSpPr>
-        <p:spPr/>
-        <p:txBody>
-          <a:bodyPr/>
-          <a:lstStyle/>
-          <a:p>
-            <a:r>
-              <a:rPr lang="en-GB"/>
-              <a:t>GROUP ONE  PHASE TWO PROJECT</a:t>
-            </a:r>
-            <a:endParaRPr lang="en-US"/>
           </a:p>
         </p:txBody>
       </p:sp>
@@ -11639,6 +14426,7 @@
           <a:p>
             <a:fld id="{C4C7283F-616F-4503-ABBD-21FFB2848302}" type="slidenum">
               <a:rPr lang="en-US" smtClean="0"/>
+              <a:t>7</a:t>
             </a:fld>
             <a:endParaRPr lang="en-US"/>
           </a:p>
@@ -11652,7 +14440,7 @@
 </p:sld>
 </file>
 
-<file path=ppt/slides/slide7.xml><?xml version="1.0" encoding="utf-8"?>
+<file path=ppt/slides/slide8.xml><?xml version="1.0" encoding="utf-8"?>
 <p:sld xmlns:a="http://schemas.openxmlformats.org/drawingml/2006/main" xmlns:r="http://schemas.openxmlformats.org/officeDocument/2006/relationships" xmlns:p="http://schemas.openxmlformats.org/presentationml/2006/main" showMasterSp="0">
   <p:cSld>
     <p:spTree>
@@ -11679,7 +14467,12 @@
             <p:ph type="ctrTitle"/>
           </p:nvPr>
         </p:nvSpPr>
-        <p:spPr/>
+        <p:spPr>
+          <a:xfrm>
+            <a:off x="1311124" y="63966"/>
+            <a:ext cx="7766936" cy="1646302"/>
+          </a:xfrm>
+        </p:spPr>
         <p:txBody>
           <a:bodyPr/>
           <a:lstStyle/>
@@ -11688,7 +14481,6 @@
               <a:rPr lang="en-US" b="1" dirty="0"/>
               <a:t>OBJECTIVES/GOALS</a:t>
             </a:r>
-            <a:endParaRPr lang="en-US" b="1" dirty="0"/>
           </a:p>
         </p:txBody>
       </p:sp>
@@ -11702,49 +14494,57 @@
             <p:ph type="subTitle" idx="1"/>
           </p:nvPr>
         </p:nvSpPr>
-        <p:spPr/>
+        <p:spPr>
+          <a:xfrm>
+            <a:off x="1507066" y="1710268"/>
+            <a:ext cx="7766936" cy="2208589"/>
+          </a:xfrm>
+        </p:spPr>
         <p:txBody>
           <a:bodyPr>
-            <a:normAutofit/>
+            <a:noAutofit/>
           </a:bodyPr>
           <a:lstStyle/>
           <a:p>
-            <a:r>
-              <a:rPr lang="en-US" sz="1800" kern="100" dirty="0">
+            <a:pPr algn="l"/>
+            <a:r>
+              <a:rPr lang="en-GB" sz="3200" b="1" kern="100" dirty="0">
+                <a:solidFill>
+                  <a:schemeClr val="accent1"/>
+                </a:solidFill>
                 <a:effectLst/>
-                <a:latin typeface="Calibri" panose="020F0502020204030204" pitchFamily="34" charset="0"/>
                 <a:ea typeface="Calibri" panose="020F0502020204030204" pitchFamily="34" charset="0"/>
                 <a:cs typeface="Times New Roman" panose="02020603050405020304" pitchFamily="18" charset="0"/>
               </a:rPr>
-              <a:t>To </a:t>
-            </a:r>
-            <a:r>
-              <a:rPr lang="en-US" sz="1800" kern="100" dirty="0" err="1">
+              <a:t>Main Objective</a:t>
+            </a:r>
+          </a:p>
+          <a:p>
+            <a:pPr algn="l"/>
+            <a:r>
+              <a:rPr lang="en-GB" sz="2000" kern="100" dirty="0">
                 <a:effectLst/>
-                <a:latin typeface="Calibri" panose="020F0502020204030204" pitchFamily="34" charset="0"/>
                 <a:ea typeface="Calibri" panose="020F0502020204030204" pitchFamily="34" charset="0"/>
                 <a:cs typeface="Times New Roman" panose="02020603050405020304" pitchFamily="18" charset="0"/>
               </a:rPr>
-              <a:t>analyze</a:t>
-            </a:r>
-            <a:r>
-              <a:rPr lang="en-US" sz="1800" kern="100" dirty="0">
-                <a:effectLst/>
-                <a:latin typeface="Calibri" panose="020F0502020204030204" pitchFamily="34" charset="0"/>
-                <a:ea typeface="Calibri" panose="020F0502020204030204" pitchFamily="34" charset="0"/>
-                <a:cs typeface="Times New Roman" panose="02020603050405020304" pitchFamily="18" charset="0"/>
-              </a:rPr>
-              <a:t> movie data and uncover key patterns in revenue, popularity, ratings, and director influence across genres, providing actionable insights for business growth and strategic decision-making.</a:t>
-            </a:r>
-            <a:endParaRPr lang="en-US" sz="1800" kern="100" dirty="0">
+              <a:t>- To analyse movie data and uncover key patterns in revenue, popularity, ratings, and director influence across genres, providing actionable insights for business growth and strategic decision-making.</a:t>
+            </a:r>
+          </a:p>
+          <a:p>
+            <a:pPr algn="l"/>
+            <a:endParaRPr lang="en-GB" sz="2000" kern="100" dirty="0">
               <a:effectLst/>
-              <a:latin typeface="Calibri" panose="020F0502020204030204" pitchFamily="34" charset="0"/>
               <a:ea typeface="Calibri" panose="020F0502020204030204" pitchFamily="34" charset="0"/>
               <a:cs typeface="Times New Roman" panose="02020603050405020304" pitchFamily="18" charset="0"/>
             </a:endParaRPr>
           </a:p>
           <a:p>
-            <a:endParaRPr lang="en-US" dirty="0"/>
+            <a:pPr algn="l"/>
+            <a:endParaRPr lang="en-GB" sz="2000" kern="100" dirty="0">
+              <a:effectLst/>
+              <a:ea typeface="Calibri" panose="020F0502020204030204" pitchFamily="34" charset="0"/>
+              <a:cs typeface="Times New Roman" panose="02020603050405020304" pitchFamily="18" charset="0"/>
+            </a:endParaRPr>
           </a:p>
         </p:txBody>
       </p:sp>
@@ -11788,291 +14588,7 @@
           <a:p>
             <a:fld id="{C4C7283F-616F-4503-ABBD-21FFB2848302}" type="slidenum">
               <a:rPr lang="en-US" smtClean="0"/>
-            </a:fld>
-            <a:endParaRPr lang="en-US"/>
-          </a:p>
-        </p:txBody>
-      </p:sp>
-    </p:spTree>
-  </p:cSld>
-  <p:clrMapOvr>
-    <a:masterClrMapping/>
-  </p:clrMapOvr>
-</p:sld>
-</file>
-
-<file path=ppt/slides/slide8.xml><?xml version="1.0" encoding="utf-8"?>
-<p:sld xmlns:a="http://schemas.openxmlformats.org/drawingml/2006/main" xmlns:r="http://schemas.openxmlformats.org/officeDocument/2006/relationships" xmlns:p="http://schemas.openxmlformats.org/presentationml/2006/main">
-  <p:cSld>
-    <p:spTree>
-      <p:nvGrpSpPr>
-        <p:cNvPr id="1" name=""/>
-        <p:cNvGrpSpPr/>
-        <p:nvPr/>
-      </p:nvGrpSpPr>
-      <p:grpSpPr>
-        <a:xfrm>
-          <a:off x="0" y="0"/>
-          <a:ext cx="0" cy="0"/>
-          <a:chOff x="0" y="0"/>
-          <a:chExt cx="0" cy="0"/>
-        </a:xfrm>
-      </p:grpSpPr>
-      <p:sp>
-        <p:nvSpPr>
-          <p:cNvPr id="2" name="Title 1"/>
-          <p:cNvSpPr>
-            <a:spLocks noGrp="1"/>
-          </p:cNvSpPr>
-          <p:nvPr>
-            <p:ph type="title"/>
-          </p:nvPr>
-        </p:nvSpPr>
-        <p:spPr/>
-        <p:txBody>
-          <a:bodyPr/>
-          <a:lstStyle/>
-          <a:p>
-            <a:r>
-              <a:rPr lang="en-US" dirty="0"/>
-              <a:t>METHODOLOGY</a:t>
-            </a:r>
-            <a:endParaRPr lang="en-US" dirty="0"/>
-          </a:p>
-        </p:txBody>
-      </p:sp>
-      <p:sp>
-        <p:nvSpPr>
-          <p:cNvPr id="3" name="Content Placeholder 2"/>
-          <p:cNvSpPr>
-            <a:spLocks noGrp="1"/>
-          </p:cNvSpPr>
-          <p:nvPr>
-            <p:ph idx="1"/>
-          </p:nvPr>
-        </p:nvSpPr>
-        <p:spPr/>
-        <p:txBody>
-          <a:bodyPr>
-            <a:normAutofit fontScale="55000" lnSpcReduction="20000"/>
-          </a:bodyPr>
-          <a:lstStyle/>
-          <a:p>
-            <a:r>
-              <a:rPr lang="en-US" dirty="0"/>
-              <a:t>The data cleaning was done after extracting the data from the different sources .the first step was checking through the columns to se whether there are </a:t>
-            </a:r>
-            <a:r>
-              <a:rPr lang="en-US" dirty="0" err="1"/>
-              <a:t>are</a:t>
-            </a:r>
-            <a:r>
-              <a:rPr lang="en-US" dirty="0"/>
-              <a:t> outliers in the </a:t>
-            </a:r>
-            <a:r>
-              <a:rPr lang="en-US" dirty="0" err="1"/>
-              <a:t>data.the</a:t>
-            </a:r>
-            <a:r>
-              <a:rPr lang="en-US" dirty="0"/>
-              <a:t> uniformity of the data </a:t>
-            </a:r>
-            <a:r>
-              <a:rPr lang="en-US" dirty="0" err="1"/>
-              <a:t>checkedt.some</a:t>
-            </a:r>
-            <a:r>
-              <a:rPr lang="en-US" dirty="0"/>
-              <a:t> values were not making sense in the </a:t>
-            </a:r>
-            <a:r>
-              <a:rPr lang="en-US" dirty="0" err="1"/>
-              <a:t>the</a:t>
-            </a:r>
-            <a:r>
-              <a:rPr lang="en-US" dirty="0"/>
-              <a:t> data .this prompted for dropping them, for security reasons.</a:t>
-            </a:r>
-            <a:endParaRPr lang="en-US" dirty="0"/>
-          </a:p>
-          <a:p>
-            <a:r>
-              <a:rPr lang="en-US" dirty="0"/>
-              <a:t>Checking unique </a:t>
-            </a:r>
-            <a:r>
-              <a:rPr lang="en-US" dirty="0" err="1"/>
-              <a:t>values,null</a:t>
-            </a:r>
-            <a:r>
-              <a:rPr lang="en-US" dirty="0"/>
-              <a:t> values and logical consistency.</a:t>
-            </a:r>
-            <a:endParaRPr lang="en-US" dirty="0"/>
-          </a:p>
-          <a:p>
-            <a:r>
-              <a:rPr lang="en-US" dirty="0"/>
-              <a:t>Dropping irrelevant </a:t>
-            </a:r>
-            <a:r>
-              <a:rPr lang="en-US" dirty="0" err="1"/>
-              <a:t>columns;id</a:t>
-            </a:r>
-            <a:r>
-              <a:rPr lang="en-US" dirty="0"/>
-              <a:t>.</a:t>
-            </a:r>
-            <a:endParaRPr lang="en-US" dirty="0"/>
-          </a:p>
-          <a:p>
-            <a:r>
-              <a:rPr lang="en-US" dirty="0"/>
-              <a:t>Checking data uniformity.</a:t>
-            </a:r>
-            <a:endParaRPr lang="en-US" dirty="0"/>
-          </a:p>
-          <a:p>
-            <a:r>
-              <a:rPr lang="en-US" dirty="0"/>
-              <a:t>Imputing using the median and Q3.</a:t>
-            </a:r>
-            <a:endParaRPr lang="en-US" dirty="0"/>
-          </a:p>
-          <a:p>
-            <a:r>
-              <a:rPr lang="en-US" dirty="0"/>
-              <a:t>Checking categorical columns.</a:t>
-            </a:r>
-            <a:endParaRPr lang="en-US" dirty="0"/>
-          </a:p>
-          <a:p>
-            <a:r>
-              <a:rPr lang="en-US" dirty="0"/>
-              <a:t>Checking duplicates.(none).</a:t>
-            </a:r>
-            <a:endParaRPr lang="en-US" dirty="0"/>
-          </a:p>
-          <a:p>
-            <a:r>
-              <a:rPr lang="en-US" dirty="0"/>
-              <a:t>Checking for outliers.</a:t>
-            </a:r>
-            <a:endParaRPr lang="en-US" dirty="0"/>
-          </a:p>
-          <a:p>
-            <a:r>
-              <a:rPr lang="en-US" dirty="0"/>
-              <a:t>Convert names in ‘make’ to lower case</a:t>
-            </a:r>
-            <a:endParaRPr lang="en-US" dirty="0"/>
-          </a:p>
-          <a:p>
-            <a:r>
-              <a:rPr lang="en-US" dirty="0"/>
-              <a:t>Saving the clean data.</a:t>
-            </a:r>
-            <a:endParaRPr lang="en-US" dirty="0"/>
-          </a:p>
-          <a:p>
-            <a:r>
-              <a:rPr lang="en-US" dirty="0"/>
-              <a:t>Hypothesis testing and modeling.</a:t>
-            </a:r>
-            <a:endParaRPr lang="en-US" dirty="0"/>
-          </a:p>
-          <a:p>
-            <a:r>
-              <a:rPr lang="en-US" dirty="0"/>
-              <a:t>Connect clean data to tableau.</a:t>
-            </a:r>
-            <a:endParaRPr lang="en-US" dirty="0"/>
-          </a:p>
-          <a:p>
-            <a:r>
-              <a:rPr lang="en-US" dirty="0"/>
-              <a:t>Data </a:t>
-            </a:r>
-            <a:r>
-              <a:rPr lang="en-US" dirty="0" err="1"/>
-              <a:t>visualization,drawing</a:t>
-            </a:r>
-            <a:r>
-              <a:rPr lang="en-US" dirty="0"/>
-              <a:t> insights and </a:t>
-            </a:r>
-            <a:r>
-              <a:rPr lang="en-US" dirty="0" err="1"/>
-              <a:t>recommendatios</a:t>
-            </a:r>
-            <a:r>
-              <a:rPr lang="en-US" dirty="0"/>
-              <a:t>.</a:t>
-            </a:r>
-            <a:endParaRPr lang="en-US" dirty="0"/>
-          </a:p>
-          <a:p>
-            <a:r>
-              <a:rPr lang="en-US" dirty="0"/>
-              <a:t>Conclusion</a:t>
-            </a:r>
-            <a:endParaRPr lang="en-US" dirty="0"/>
-          </a:p>
-          <a:p>
-            <a:endParaRPr lang="en-US" dirty="0"/>
-          </a:p>
-          <a:p>
-            <a:endParaRPr lang="en-US" dirty="0"/>
-          </a:p>
-          <a:p>
-            <a:endParaRPr lang="en-US" dirty="0"/>
-          </a:p>
-          <a:p>
-            <a:endParaRPr lang="en-US" dirty="0"/>
-          </a:p>
-        </p:txBody>
-      </p:sp>
-      <p:sp>
-        <p:nvSpPr>
-          <p:cNvPr id="4" name="Footer Placeholder 3"/>
-          <p:cNvSpPr>
-            <a:spLocks noGrp="1"/>
-          </p:cNvSpPr>
-          <p:nvPr>
-            <p:ph type="ftr" sz="quarter" idx="11"/>
-          </p:nvPr>
-        </p:nvSpPr>
-        <p:spPr/>
-        <p:txBody>
-          <a:bodyPr/>
-          <a:lstStyle/>
-          <a:p>
-            <a:r>
-              <a:rPr lang="en-GB"/>
-              <a:t>GROUP ONE  PHASE TWO PROJECT</a:t>
-            </a:r>
-            <a:endParaRPr lang="en-US"/>
-          </a:p>
-        </p:txBody>
-      </p:sp>
-      <p:sp>
-        <p:nvSpPr>
-          <p:cNvPr id="5" name="Slide Number Placeholder 4"/>
-          <p:cNvSpPr>
-            <a:spLocks noGrp="1"/>
-          </p:cNvSpPr>
-          <p:nvPr>
-            <p:ph type="sldNum" sz="quarter" idx="12"/>
-          </p:nvPr>
-        </p:nvSpPr>
-        <p:spPr/>
-        <p:txBody>
-          <a:bodyPr/>
-          <a:lstStyle/>
-          <a:p>
-            <a:fld id="{C4C7283F-616F-4503-ABBD-21FFB2848302}" type="slidenum">
-              <a:rPr lang="en-US" smtClean="0"/>
+              <a:t>8</a:t>
             </a:fld>
             <a:endParaRPr lang="en-US"/>
           </a:p>
@@ -12091,7 +14607,13 @@
   <p:cSld>
     <p:spTree>
       <p:nvGrpSpPr>
-        <p:cNvPr id="1" name=""/>
+        <p:cNvPr id="1" name="">
+          <a:extLst>
+            <a:ext uri="{FF2B5EF4-FFF2-40B4-BE49-F238E27FC236}">
+              <a16:creationId xmlns:a16="http://schemas.microsoft.com/office/drawing/2014/main" id="{E339B129-2444-9A20-197F-DD016E41233B}"/>
+            </a:ext>
+          </a:extLst>
+        </p:cNvPr>
         <p:cNvGrpSpPr/>
         <p:nvPr/>
       </p:nvGrpSpPr>
@@ -12105,7 +14627,13 @@
       </p:grpSpPr>
       <p:sp>
         <p:nvSpPr>
-          <p:cNvPr id="2" name="Title 1"/>
+          <p:cNvPr id="2" name="Title 1">
+            <a:extLst>
+              <a:ext uri="{FF2B5EF4-FFF2-40B4-BE49-F238E27FC236}">
+                <a16:creationId xmlns:a16="http://schemas.microsoft.com/office/drawing/2014/main" id="{1DAFECB4-09DA-00A9-8FF3-0064F4F77340}"/>
+              </a:ext>
+            </a:extLst>
+          </p:cNvPr>
           <p:cNvSpPr>
             <a:spLocks noGrp="1"/>
           </p:cNvSpPr>
@@ -12113,29 +14641,41 @@
             <p:ph type="ctrTitle"/>
           </p:nvPr>
         </p:nvSpPr>
-        <p:spPr/>
-        <p:txBody>
-          <a:bodyPr/>
-          <a:lstStyle/>
-          <a:p>
+        <p:spPr>
+          <a:xfrm>
+            <a:off x="1640719" y="240697"/>
+            <a:ext cx="7974389" cy="1023955"/>
+          </a:xfrm>
+        </p:spPr>
+        <p:txBody>
+          <a:bodyPr/>
+          <a:lstStyle/>
+          <a:p>
+            <a:pPr algn="ctr"/>
             <a:r>
               <a:rPr lang="en-US" b="1" dirty="0"/>
-              <a:t>DATA CLEANING</a:t>
-            </a:r>
-            <a:br>
+              <a:t>OBJECTIVES (</a:t>
+            </a:r>
+            <a:r>
+              <a:rPr lang="en-US" b="1" dirty="0" err="1"/>
+              <a:t>cont</a:t>
+            </a:r>
+            <a:r>
               <a:rPr lang="en-US" b="1" dirty="0"/>
-            </a:br>
-            <a:r>
-              <a:rPr lang="en-US" b="1" dirty="0"/>
-              <a:t>REPORT</a:t>
-            </a:r>
-            <a:endParaRPr lang="en-US" b="1" dirty="0"/>
-          </a:p>
-        </p:txBody>
-      </p:sp>
-      <p:sp>
-        <p:nvSpPr>
-          <p:cNvPr id="3" name="Subtitle 2"/>
+              <a:t>…2)</a:t>
+            </a:r>
+          </a:p>
+        </p:txBody>
+      </p:sp>
+      <p:sp>
+        <p:nvSpPr>
+          <p:cNvPr id="3" name="Subtitle 2">
+            <a:extLst>
+              <a:ext uri="{FF2B5EF4-FFF2-40B4-BE49-F238E27FC236}">
+                <a16:creationId xmlns:a16="http://schemas.microsoft.com/office/drawing/2014/main" id="{5935E2C6-1DBC-636E-503A-6CCBC52FD376}"/>
+              </a:ext>
+            </a:extLst>
+          </p:cNvPr>
           <p:cNvSpPr>
             <a:spLocks noGrp="1"/>
           </p:cNvSpPr>
@@ -12143,16 +14683,136 @@
             <p:ph type="subTitle" idx="1"/>
           </p:nvPr>
         </p:nvSpPr>
-        <p:spPr/>
+        <p:spPr>
+          <a:xfrm>
+            <a:off x="1330477" y="773407"/>
+            <a:ext cx="8910562" cy="5506960"/>
+          </a:xfrm>
+        </p:spPr>
         <p:txBody>
           <a:bodyPr>
-            <a:normAutofit/>
+            <a:noAutofit/>
           </a:bodyPr>
           <a:lstStyle/>
           <a:p>
-            <a:r>
-              <a:rPr lang="en-US" dirty="0"/>
-              <a:t>The data cleaning involved: renaming of columns ,checking duplicates ,removing outliers , feature engineering and saving the datasets for re-use.</a:t>
+            <a:pPr algn="l"/>
+            <a:endParaRPr lang="en-GB" sz="2000" kern="100" dirty="0">
+              <a:effectLst/>
+              <a:ea typeface="Calibri" panose="020F0502020204030204" pitchFamily="34" charset="0"/>
+              <a:cs typeface="Times New Roman" panose="02020603050405020304" pitchFamily="18" charset="0"/>
+            </a:endParaRPr>
+          </a:p>
+          <a:p>
+            <a:pPr algn="l"/>
+            <a:r>
+              <a:rPr lang="en-GB" sz="3600" b="1" kern="100" dirty="0">
+                <a:solidFill>
+                  <a:schemeClr val="accent1"/>
+                </a:solidFill>
+                <a:effectLst/>
+                <a:ea typeface="Calibri" panose="020F0502020204030204" pitchFamily="34" charset="0"/>
+                <a:cs typeface="Times New Roman" panose="02020603050405020304" pitchFamily="18" charset="0"/>
+              </a:rPr>
+              <a:t>Specific Objectives</a:t>
+            </a:r>
+          </a:p>
+          <a:p>
+            <a:pPr algn="l"/>
+            <a:r>
+              <a:rPr lang="en-GB" sz="2200" kern="100" dirty="0">
+                <a:effectLst/>
+                <a:ea typeface="Calibri" panose="020F0502020204030204" pitchFamily="34" charset="0"/>
+                <a:cs typeface="Times New Roman" panose="02020603050405020304" pitchFamily="18" charset="0"/>
+              </a:rPr>
+              <a:t>1. Identify the movie genres that generate the highest revenue and analyse the factors contributing to their financial success.</a:t>
+            </a:r>
+          </a:p>
+          <a:p>
+            <a:pPr algn="l"/>
+            <a:r>
+              <a:rPr lang="en-GB" sz="2200" kern="100" dirty="0">
+                <a:effectLst/>
+                <a:ea typeface="Calibri" panose="020F0502020204030204" pitchFamily="34" charset="0"/>
+                <a:cs typeface="Times New Roman" panose="02020603050405020304" pitchFamily="18" charset="0"/>
+              </a:rPr>
+              <a:t>2. Explore audience preferences to uncover the most popular genres and the drivers behind their popularity.</a:t>
+            </a:r>
+          </a:p>
+          <a:p>
+            <a:pPr algn="l"/>
+            <a:r>
+              <a:rPr lang="en-GB" sz="2200" kern="100" dirty="0">
+                <a:effectLst/>
+                <a:ea typeface="Calibri" panose="020F0502020204030204" pitchFamily="34" charset="0"/>
+                <a:cs typeface="Times New Roman" panose="02020603050405020304" pitchFamily="18" charset="0"/>
+              </a:rPr>
+              <a:t>3. Evaluate the ratings of movies across genres to assess trends in critical and audience reception.</a:t>
+            </a:r>
+          </a:p>
+          <a:p>
+            <a:pPr algn="l"/>
+            <a:r>
+              <a:rPr lang="en-GB" sz="2200" kern="100" dirty="0">
+                <a:effectLst/>
+                <a:ea typeface="Calibri" panose="020F0502020204030204" pitchFamily="34" charset="0"/>
+                <a:cs typeface="Times New Roman" panose="02020603050405020304" pitchFamily="18" charset="0"/>
+              </a:rPr>
+              <a:t>4. Examine the role and impact of directors on the success of specific genres.</a:t>
+            </a:r>
+          </a:p>
+          <a:p>
+            <a:pPr algn="l"/>
+            <a:r>
+              <a:rPr lang="en-GB" sz="2200" kern="100" dirty="0">
+                <a:effectLst/>
+                <a:ea typeface="Calibri" panose="020F0502020204030204" pitchFamily="34" charset="0"/>
+                <a:cs typeface="Times New Roman" panose="02020603050405020304" pitchFamily="18" charset="0"/>
+              </a:rPr>
+              <a:t>5. Identify top-performing movies within their respective genres.</a:t>
+            </a:r>
+          </a:p>
+          <a:p>
+            <a:pPr algn="l"/>
+            <a:r>
+              <a:rPr lang="en-GB" sz="2200" kern="100" dirty="0">
+                <a:effectLst/>
+                <a:ea typeface="Calibri" panose="020F0502020204030204" pitchFamily="34" charset="0"/>
+                <a:cs typeface="Times New Roman" panose="02020603050405020304" pitchFamily="18" charset="0"/>
+              </a:rPr>
+              <a:t>6. Highlight the most successful and influential directors based on revenue and popularity.</a:t>
+            </a:r>
+          </a:p>
+        </p:txBody>
+      </p:sp>
+      <p:sp>
+        <p:nvSpPr>
+          <p:cNvPr id="4" name="Footer Placeholder 3">
+            <a:extLst>
+              <a:ext uri="{FF2B5EF4-FFF2-40B4-BE49-F238E27FC236}">
+                <a16:creationId xmlns:a16="http://schemas.microsoft.com/office/drawing/2014/main" id="{BDF402D0-90CD-9943-84DE-4528077D08A5}"/>
+              </a:ext>
+            </a:extLst>
+          </p:cNvPr>
+          <p:cNvSpPr>
+            <a:spLocks noGrp="1"/>
+          </p:cNvSpPr>
+          <p:nvPr>
+            <p:ph type="ftr" sz="quarter" idx="11"/>
+          </p:nvPr>
+        </p:nvSpPr>
+        <p:spPr>
+          <a:xfrm>
+            <a:off x="154820" y="6406487"/>
+            <a:ext cx="6297612" cy="365125"/>
+          </a:xfrm>
+        </p:spPr>
+        <p:txBody>
+          <a:bodyPr/>
+          <a:lstStyle/>
+          <a:p>
+            <a:r>
+              <a:rPr lang="en-GB" dirty="0"/>
+              <a:t>GROUP ONE  PHASE TWO PROJECT</a:t>
             </a:r>
             <a:endParaRPr lang="en-US" dirty="0"/>
           </a:p>
@@ -12160,30 +14820,13 @@
       </p:sp>
       <p:sp>
         <p:nvSpPr>
-          <p:cNvPr id="4" name="Footer Placeholder 3"/>
-          <p:cNvSpPr>
-            <a:spLocks noGrp="1"/>
-          </p:cNvSpPr>
-          <p:nvPr>
-            <p:ph type="ftr" sz="quarter" idx="11"/>
-          </p:nvPr>
-        </p:nvSpPr>
-        <p:spPr/>
-        <p:txBody>
-          <a:bodyPr/>
-          <a:lstStyle/>
-          <a:p>
-            <a:r>
-              <a:rPr lang="en-GB"/>
-              <a:t>GROUP ONE  PHASE TWO PROJECT</a:t>
-            </a:r>
-            <a:endParaRPr lang="en-US"/>
-          </a:p>
-        </p:txBody>
-      </p:sp>
-      <p:sp>
-        <p:nvSpPr>
-          <p:cNvPr id="5" name="Slide Number Placeholder 4"/>
+          <p:cNvPr id="5" name="Slide Number Placeholder 4">
+            <a:extLst>
+              <a:ext uri="{FF2B5EF4-FFF2-40B4-BE49-F238E27FC236}">
+                <a16:creationId xmlns:a16="http://schemas.microsoft.com/office/drawing/2014/main" id="{DB0D763D-CB8A-F87E-1622-4CBA4E1E241B}"/>
+              </a:ext>
+            </a:extLst>
+          </p:cNvPr>
           <p:cNvSpPr>
             <a:spLocks noGrp="1"/>
           </p:cNvSpPr>
@@ -12198,12 +14841,18 @@
           <a:p>
             <a:fld id="{C4C7283F-616F-4503-ABBD-21FFB2848302}" type="slidenum">
               <a:rPr lang="en-US" smtClean="0"/>
+              <a:t>9</a:t>
             </a:fld>
             <a:endParaRPr lang="en-US"/>
           </a:p>
         </p:txBody>
       </p:sp>
     </p:spTree>
+    <p:extLst>
+      <p:ext uri="{BB962C8B-B14F-4D97-AF65-F5344CB8AC3E}">
+        <p14:creationId xmlns:p14="http://schemas.microsoft.com/office/powerpoint/2010/main" val="1160217562"/>
+      </p:ext>
+    </p:extLst>
   </p:cSld>
   <p:clrMapOvr>
     <a:masterClrMapping/>
@@ -12458,6 +15107,8 @@
       </a:bgFillStyleLst>
     </a:fmtScheme>
   </a:themeElements>
+  <a:objectDefaults/>
+  <a:extraClrSchemeLst/>
   <a:extLst>
     <a:ext uri="{05A4C25C-085E-4340-85A3-A5531E510DB2}">
       <thm15:themeFamily xmlns:thm15="http://schemas.microsoft.com/office/thememl/2012/main" name="Office Theme" id="{62F939B6-93AF-4DB8-9C6B-D6C7DFDC589F}" vid="{4A3C46E8-61CC-4603-A589-7422A47A8E4A}"/>
@@ -12717,6 +15368,8 @@
       </a:bgFillStyleLst>
     </a:fmtScheme>
   </a:themeElements>
+  <a:objectDefaults/>
+  <a:extraClrSchemeLst/>
   <a:extLst>
     <a:ext uri="{05A4C25C-085E-4340-85A3-A5531E510DB2}">
       <thm15:themeFamily xmlns:thm15="http://schemas.microsoft.com/office/thememl/2012/main" name="Office Theme" id="{62F939B6-93AF-4DB8-9C6B-D6C7DFDC589F}" vid="{4A3C46E8-61CC-4603-A589-7422A47A8E4A}"/>

--- a/PHASE TWO NON _TECH.pptx
+++ b/PHASE TWO NON _TECH.pptx
@@ -5,39 +5,39 @@
     <p:sldMasterId id="2147483648" r:id="rId1"/>
   </p:sldMasterIdLst>
   <p:notesMasterIdLst>
-    <p:notesMasterId r:id="rId32"/>
+    <p:notesMasterId r:id="rId4"/>
   </p:notesMasterIdLst>
   <p:sldIdLst>
-    <p:sldId id="265" r:id="rId2"/>
-    <p:sldId id="260" r:id="rId3"/>
-    <p:sldId id="286" r:id="rId4"/>
-    <p:sldId id="302" r:id="rId5"/>
-    <p:sldId id="301" r:id="rId6"/>
-    <p:sldId id="307" r:id="rId7"/>
-    <p:sldId id="303" r:id="rId8"/>
-    <p:sldId id="263" r:id="rId9"/>
-    <p:sldId id="308" r:id="rId10"/>
-    <p:sldId id="294" r:id="rId11"/>
-    <p:sldId id="277" r:id="rId12"/>
-    <p:sldId id="309" r:id="rId13"/>
-    <p:sldId id="284" r:id="rId14"/>
-    <p:sldId id="281" r:id="rId15"/>
-    <p:sldId id="280" r:id="rId16"/>
-    <p:sldId id="258" r:id="rId17"/>
-    <p:sldId id="285" r:id="rId18"/>
-    <p:sldId id="275" r:id="rId19"/>
-    <p:sldId id="264" r:id="rId20"/>
-    <p:sldId id="305" r:id="rId21"/>
-    <p:sldId id="306" r:id="rId22"/>
-    <p:sldId id="300" r:id="rId23"/>
-    <p:sldId id="311" r:id="rId24"/>
-    <p:sldId id="312" r:id="rId25"/>
-    <p:sldId id="313" r:id="rId26"/>
-    <p:sldId id="314" r:id="rId27"/>
-    <p:sldId id="295" r:id="rId28"/>
-    <p:sldId id="304" r:id="rId29"/>
-    <p:sldId id="298" r:id="rId30"/>
-    <p:sldId id="297" r:id="rId31"/>
+    <p:sldId id="265" r:id="rId3"/>
+    <p:sldId id="260" r:id="rId5"/>
+    <p:sldId id="286" r:id="rId6"/>
+    <p:sldId id="302" r:id="rId7"/>
+    <p:sldId id="301" r:id="rId8"/>
+    <p:sldId id="307" r:id="rId9"/>
+    <p:sldId id="303" r:id="rId10"/>
+    <p:sldId id="263" r:id="rId11"/>
+    <p:sldId id="308" r:id="rId12"/>
+    <p:sldId id="294" r:id="rId13"/>
+    <p:sldId id="277" r:id="rId14"/>
+    <p:sldId id="309" r:id="rId15"/>
+    <p:sldId id="284" r:id="rId16"/>
+    <p:sldId id="281" r:id="rId17"/>
+    <p:sldId id="280" r:id="rId18"/>
+    <p:sldId id="258" r:id="rId19"/>
+    <p:sldId id="285" r:id="rId20"/>
+    <p:sldId id="275" r:id="rId21"/>
+    <p:sldId id="264" r:id="rId22"/>
+    <p:sldId id="305" r:id="rId23"/>
+    <p:sldId id="306" r:id="rId24"/>
+    <p:sldId id="300" r:id="rId25"/>
+    <p:sldId id="311" r:id="rId26"/>
+    <p:sldId id="312" r:id="rId27"/>
+    <p:sldId id="313" r:id="rId28"/>
+    <p:sldId id="314" r:id="rId29"/>
+    <p:sldId id="295" r:id="rId30"/>
+    <p:sldId id="304" r:id="rId31"/>
+    <p:sldId id="298" r:id="rId32"/>
+    <p:sldId id="297" r:id="rId33"/>
   </p:sldIdLst>
   <p:sldSz cx="12192000" cy="6858000"/>
   <p:notesSz cx="6858000" cy="9144000"/>
@@ -136,11 +136,6 @@
       </a:defRPr>
     </a:lvl9pPr>
   </p:defaultTextStyle>
-  <p:extLst>
-    <p:ext uri="{EFAFB233-063F-42B5-8137-9DF3F51BA10A}">
-      <p15:sldGuideLst xmlns:p15="http://schemas.microsoft.com/office/powerpoint/2012/main"/>
-    </p:ext>
-  </p:extLst>
 </p:presentation>
 </file>
 
@@ -226,7 +221,6 @@
           <a:p>
             <a:fld id="{3C8DC98E-0935-450B-8735-8E0C5EDF216B}" type="datetimeFigureOut">
               <a:rPr lang="en-US" smtClean="0"/>
-              <a:t>1/18/2025</a:t>
             </a:fld>
             <a:endParaRPr lang="en-US"/>
           </a:p>
@@ -293,6 +287,7 @@
               <a:rPr lang="en-US"/>
               <a:t>Click to edit Master text styles</a:t>
             </a:r>
+            <a:endParaRPr lang="en-US"/>
           </a:p>
           <a:p>
             <a:pPr lvl="1"/>
@@ -300,6 +295,7 @@
               <a:rPr lang="en-US"/>
               <a:t>Second level</a:t>
             </a:r>
+            <a:endParaRPr lang="en-US"/>
           </a:p>
           <a:p>
             <a:pPr lvl="2"/>
@@ -307,6 +303,7 @@
               <a:rPr lang="en-US"/>
               <a:t>Third level</a:t>
             </a:r>
+            <a:endParaRPr lang="en-US"/>
           </a:p>
           <a:p>
             <a:pPr lvl="3"/>
@@ -314,6 +311,7 @@
               <a:rPr lang="en-US"/>
               <a:t>Fourth level</a:t>
             </a:r>
+            <a:endParaRPr lang="en-US"/>
           </a:p>
           <a:p>
             <a:pPr lvl="4"/>
@@ -321,6 +319,7 @@
               <a:rPr lang="en-US"/>
               <a:t>Fifth level</a:t>
             </a:r>
+            <a:endParaRPr lang="en-US"/>
           </a:p>
         </p:txBody>
       </p:sp>
@@ -384,7 +383,6 @@
           <a:p>
             <a:fld id="{B6AC3967-BB65-4606-A24D-E6ADEBE089F7}" type="slidenum">
               <a:rPr lang="en-US" smtClean="0"/>
-              <a:t>‹#›</a:t>
             </a:fld>
             <a:endParaRPr lang="en-US"/>
           </a:p>
@@ -553,7 +551,6 @@
           <a:p>
             <a:fld id="{9268FF88-4020-46A2-AED2-9D5F0886B732}" type="slidenum">
               <a:rPr lang="en-US" smtClean="0"/>
-              <a:t>1</a:t>
             </a:fld>
             <a:endParaRPr lang="en-US"/>
           </a:p>
@@ -632,7 +629,6 @@
           <a:p>
             <a:fld id="{B6AC3967-BB65-4606-A24D-E6ADEBE089F7}" type="slidenum">
               <a:rPr lang="en-US" smtClean="0"/>
-              <a:t>19</a:t>
             </a:fld>
             <a:endParaRPr lang="en-US"/>
           </a:p>
@@ -711,7 +707,6 @@
           <a:p>
             <a:fld id="{B6AC3967-BB65-4606-A24D-E6ADEBE089F7}" type="slidenum">
               <a:rPr lang="en-US" smtClean="0"/>
-              <a:t>20</a:t>
             </a:fld>
             <a:endParaRPr lang="en-US"/>
           </a:p>
@@ -790,7 +785,6 @@
           <a:p>
             <a:fld id="{B6AC3967-BB65-4606-A24D-E6ADEBE089F7}" type="slidenum">
               <a:rPr lang="en-US" smtClean="0"/>
-              <a:t>21</a:t>
             </a:fld>
             <a:endParaRPr lang="en-US"/>
           </a:p>
@@ -809,13 +803,7 @@
   <p:cSld>
     <p:spTree>
       <p:nvGrpSpPr>
-        <p:cNvPr id="1" name="">
-          <a:extLst>
-            <a:ext uri="{FF2B5EF4-FFF2-40B4-BE49-F238E27FC236}">
-              <a16:creationId xmlns:a16="http://schemas.microsoft.com/office/drawing/2014/main" id="{27F6634D-EE06-B5D3-051F-D39F9EF166A4}"/>
-            </a:ext>
-          </a:extLst>
-        </p:cNvPr>
+        <p:cNvPr id="1" name=""/>
         <p:cNvGrpSpPr/>
         <p:nvPr/>
       </p:nvGrpSpPr>
@@ -829,13 +817,7 @@
       </p:grpSpPr>
       <p:sp>
         <p:nvSpPr>
-          <p:cNvPr id="2" name="Slide Image Placeholder 1">
-            <a:extLst>
-              <a:ext uri="{FF2B5EF4-FFF2-40B4-BE49-F238E27FC236}">
-                <a16:creationId xmlns:a16="http://schemas.microsoft.com/office/drawing/2014/main" id="{244EF6AA-8012-763E-AAA7-D341D140579E}"/>
-              </a:ext>
-            </a:extLst>
-          </p:cNvPr>
+          <p:cNvPr id="2" name="Slide Image Placeholder 1"/>
           <p:cNvSpPr>
             <a:spLocks noGrp="1" noRot="1" noChangeAspect="1"/>
           </p:cNvSpPr>
@@ -847,13 +829,7 @@
       </p:sp>
       <p:sp>
         <p:nvSpPr>
-          <p:cNvPr id="3" name="Notes Placeholder 2">
-            <a:extLst>
-              <a:ext uri="{FF2B5EF4-FFF2-40B4-BE49-F238E27FC236}">
-                <a16:creationId xmlns:a16="http://schemas.microsoft.com/office/drawing/2014/main" id="{F11A5544-4E41-0C9D-47FB-85CA5C177EB5}"/>
-              </a:ext>
-            </a:extLst>
-          </p:cNvPr>
+          <p:cNvPr id="3" name="Notes Placeholder 2"/>
           <p:cNvSpPr>
             <a:spLocks noGrp="1"/>
           </p:cNvSpPr>
@@ -872,13 +848,7 @@
       </p:sp>
       <p:sp>
         <p:nvSpPr>
-          <p:cNvPr id="4" name="Slide Number Placeholder 3">
-            <a:extLst>
-              <a:ext uri="{FF2B5EF4-FFF2-40B4-BE49-F238E27FC236}">
-                <a16:creationId xmlns:a16="http://schemas.microsoft.com/office/drawing/2014/main" id="{5D4B264F-7656-2E6C-FE5E-4E895E61672F}"/>
-              </a:ext>
-            </a:extLst>
-          </p:cNvPr>
+          <p:cNvPr id="4" name="Slide Number Placeholder 3"/>
           <p:cNvSpPr>
             <a:spLocks noGrp="1"/>
           </p:cNvSpPr>
@@ -893,18 +863,12 @@
           <a:p>
             <a:fld id="{B6AC3967-BB65-4606-A24D-E6ADEBE089F7}" type="slidenum">
               <a:rPr lang="en-US" smtClean="0"/>
-              <a:t>23</a:t>
             </a:fld>
             <a:endParaRPr lang="en-US"/>
           </a:p>
         </p:txBody>
       </p:sp>
     </p:spTree>
-    <p:extLst>
-      <p:ext uri="{BB962C8B-B14F-4D97-AF65-F5344CB8AC3E}">
-        <p14:creationId xmlns:p14="http://schemas.microsoft.com/office/powerpoint/2010/main" val="1942347624"/>
-      </p:ext>
-    </p:extLst>
   </p:cSld>
   <p:clrMapOvr>
     <a:masterClrMapping/>
@@ -917,13 +881,7 @@
   <p:cSld>
     <p:spTree>
       <p:nvGrpSpPr>
-        <p:cNvPr id="1" name="">
-          <a:extLst>
-            <a:ext uri="{FF2B5EF4-FFF2-40B4-BE49-F238E27FC236}">
-              <a16:creationId xmlns:a16="http://schemas.microsoft.com/office/drawing/2014/main" id="{0562A8CA-D482-1407-FE98-2FDBAE66EAE6}"/>
-            </a:ext>
-          </a:extLst>
-        </p:cNvPr>
+        <p:cNvPr id="1" name=""/>
         <p:cNvGrpSpPr/>
         <p:nvPr/>
       </p:nvGrpSpPr>
@@ -937,13 +895,7 @@
       </p:grpSpPr>
       <p:sp>
         <p:nvSpPr>
-          <p:cNvPr id="2" name="Slide Image Placeholder 1">
-            <a:extLst>
-              <a:ext uri="{FF2B5EF4-FFF2-40B4-BE49-F238E27FC236}">
-                <a16:creationId xmlns:a16="http://schemas.microsoft.com/office/drawing/2014/main" id="{819857A9-CF97-45BE-425E-C594B4C72EE2}"/>
-              </a:ext>
-            </a:extLst>
-          </p:cNvPr>
+          <p:cNvPr id="2" name="Slide Image Placeholder 1"/>
           <p:cNvSpPr>
             <a:spLocks noGrp="1" noRot="1" noChangeAspect="1"/>
           </p:cNvSpPr>
@@ -955,13 +907,7 @@
       </p:sp>
       <p:sp>
         <p:nvSpPr>
-          <p:cNvPr id="3" name="Notes Placeholder 2">
-            <a:extLst>
-              <a:ext uri="{FF2B5EF4-FFF2-40B4-BE49-F238E27FC236}">
-                <a16:creationId xmlns:a16="http://schemas.microsoft.com/office/drawing/2014/main" id="{8841AD49-291E-5B89-4865-0C2D77B7D1BB}"/>
-              </a:ext>
-            </a:extLst>
-          </p:cNvPr>
+          <p:cNvPr id="3" name="Notes Placeholder 2"/>
           <p:cNvSpPr>
             <a:spLocks noGrp="1"/>
           </p:cNvSpPr>
@@ -980,13 +926,7 @@
       </p:sp>
       <p:sp>
         <p:nvSpPr>
-          <p:cNvPr id="4" name="Slide Number Placeholder 3">
-            <a:extLst>
-              <a:ext uri="{FF2B5EF4-FFF2-40B4-BE49-F238E27FC236}">
-                <a16:creationId xmlns:a16="http://schemas.microsoft.com/office/drawing/2014/main" id="{3F78A475-40F9-A223-6065-F609B77FF4EC}"/>
-              </a:ext>
-            </a:extLst>
-          </p:cNvPr>
+          <p:cNvPr id="4" name="Slide Number Placeholder 3"/>
           <p:cNvSpPr>
             <a:spLocks noGrp="1"/>
           </p:cNvSpPr>
@@ -1001,18 +941,12 @@
           <a:p>
             <a:fld id="{B6AC3967-BB65-4606-A24D-E6ADEBE089F7}" type="slidenum">
               <a:rPr lang="en-US" smtClean="0"/>
-              <a:t>24</a:t>
             </a:fld>
             <a:endParaRPr lang="en-US"/>
           </a:p>
         </p:txBody>
       </p:sp>
     </p:spTree>
-    <p:extLst>
-      <p:ext uri="{BB962C8B-B14F-4D97-AF65-F5344CB8AC3E}">
-        <p14:creationId xmlns:p14="http://schemas.microsoft.com/office/powerpoint/2010/main" val="3766970320"/>
-      </p:ext>
-    </p:extLst>
   </p:cSld>
   <p:clrMapOvr>
     <a:masterClrMapping/>
@@ -1025,13 +959,7 @@
   <p:cSld>
     <p:spTree>
       <p:nvGrpSpPr>
-        <p:cNvPr id="1" name="">
-          <a:extLst>
-            <a:ext uri="{FF2B5EF4-FFF2-40B4-BE49-F238E27FC236}">
-              <a16:creationId xmlns:a16="http://schemas.microsoft.com/office/drawing/2014/main" id="{EBF8E403-6F23-0C9F-F4CF-67E697473AEC}"/>
-            </a:ext>
-          </a:extLst>
-        </p:cNvPr>
+        <p:cNvPr id="1" name=""/>
         <p:cNvGrpSpPr/>
         <p:nvPr/>
       </p:nvGrpSpPr>
@@ -1045,13 +973,7 @@
       </p:grpSpPr>
       <p:sp>
         <p:nvSpPr>
-          <p:cNvPr id="2" name="Slide Image Placeholder 1">
-            <a:extLst>
-              <a:ext uri="{FF2B5EF4-FFF2-40B4-BE49-F238E27FC236}">
-                <a16:creationId xmlns:a16="http://schemas.microsoft.com/office/drawing/2014/main" id="{7838735E-A275-E4D8-C04D-70EC53C4E765}"/>
-              </a:ext>
-            </a:extLst>
-          </p:cNvPr>
+          <p:cNvPr id="2" name="Slide Image Placeholder 1"/>
           <p:cNvSpPr>
             <a:spLocks noGrp="1" noRot="1" noChangeAspect="1"/>
           </p:cNvSpPr>
@@ -1063,13 +985,7 @@
       </p:sp>
       <p:sp>
         <p:nvSpPr>
-          <p:cNvPr id="3" name="Notes Placeholder 2">
-            <a:extLst>
-              <a:ext uri="{FF2B5EF4-FFF2-40B4-BE49-F238E27FC236}">
-                <a16:creationId xmlns:a16="http://schemas.microsoft.com/office/drawing/2014/main" id="{4ACF7705-8594-DB2F-B9EF-140042C08E40}"/>
-              </a:ext>
-            </a:extLst>
-          </p:cNvPr>
+          <p:cNvPr id="3" name="Notes Placeholder 2"/>
           <p:cNvSpPr>
             <a:spLocks noGrp="1"/>
           </p:cNvSpPr>
@@ -1088,13 +1004,7 @@
       </p:sp>
       <p:sp>
         <p:nvSpPr>
-          <p:cNvPr id="4" name="Slide Number Placeholder 3">
-            <a:extLst>
-              <a:ext uri="{FF2B5EF4-FFF2-40B4-BE49-F238E27FC236}">
-                <a16:creationId xmlns:a16="http://schemas.microsoft.com/office/drawing/2014/main" id="{94C29DC1-07E1-3B78-62EA-2EBE6F64D483}"/>
-              </a:ext>
-            </a:extLst>
-          </p:cNvPr>
+          <p:cNvPr id="4" name="Slide Number Placeholder 3"/>
           <p:cNvSpPr>
             <a:spLocks noGrp="1"/>
           </p:cNvSpPr>
@@ -1109,18 +1019,12 @@
           <a:p>
             <a:fld id="{B6AC3967-BB65-4606-A24D-E6ADEBE089F7}" type="slidenum">
               <a:rPr lang="en-US" smtClean="0"/>
-              <a:t>25</a:t>
             </a:fld>
             <a:endParaRPr lang="en-US"/>
           </a:p>
         </p:txBody>
       </p:sp>
     </p:spTree>
-    <p:extLst>
-      <p:ext uri="{BB962C8B-B14F-4D97-AF65-F5344CB8AC3E}">
-        <p14:creationId xmlns:p14="http://schemas.microsoft.com/office/powerpoint/2010/main" val="3284945310"/>
-      </p:ext>
-    </p:extLst>
   </p:cSld>
   <p:clrMapOvr>
     <a:masterClrMapping/>
@@ -1133,13 +1037,7 @@
   <p:cSld>
     <p:spTree>
       <p:nvGrpSpPr>
-        <p:cNvPr id="1" name="">
-          <a:extLst>
-            <a:ext uri="{FF2B5EF4-FFF2-40B4-BE49-F238E27FC236}">
-              <a16:creationId xmlns:a16="http://schemas.microsoft.com/office/drawing/2014/main" id="{6056EA2C-25F8-DCEC-8765-58C3DFF3C7B3}"/>
-            </a:ext>
-          </a:extLst>
-        </p:cNvPr>
+        <p:cNvPr id="1" name=""/>
         <p:cNvGrpSpPr/>
         <p:nvPr/>
       </p:nvGrpSpPr>
@@ -1153,13 +1051,7 @@
       </p:grpSpPr>
       <p:sp>
         <p:nvSpPr>
-          <p:cNvPr id="2" name="Slide Image Placeholder 1">
-            <a:extLst>
-              <a:ext uri="{FF2B5EF4-FFF2-40B4-BE49-F238E27FC236}">
-                <a16:creationId xmlns:a16="http://schemas.microsoft.com/office/drawing/2014/main" id="{00B043D0-BAF1-73F0-0057-899C8082CAE9}"/>
-              </a:ext>
-            </a:extLst>
-          </p:cNvPr>
+          <p:cNvPr id="2" name="Slide Image Placeholder 1"/>
           <p:cNvSpPr>
             <a:spLocks noGrp="1" noRot="1" noChangeAspect="1"/>
           </p:cNvSpPr>
@@ -1171,13 +1063,7 @@
       </p:sp>
       <p:sp>
         <p:nvSpPr>
-          <p:cNvPr id="3" name="Notes Placeholder 2">
-            <a:extLst>
-              <a:ext uri="{FF2B5EF4-FFF2-40B4-BE49-F238E27FC236}">
-                <a16:creationId xmlns:a16="http://schemas.microsoft.com/office/drawing/2014/main" id="{B5DC4187-4A82-CB61-FA31-14209C5F013D}"/>
-              </a:ext>
-            </a:extLst>
-          </p:cNvPr>
+          <p:cNvPr id="3" name="Notes Placeholder 2"/>
           <p:cNvSpPr>
             <a:spLocks noGrp="1"/>
           </p:cNvSpPr>
@@ -1196,13 +1082,7 @@
       </p:sp>
       <p:sp>
         <p:nvSpPr>
-          <p:cNvPr id="4" name="Slide Number Placeholder 3">
-            <a:extLst>
-              <a:ext uri="{FF2B5EF4-FFF2-40B4-BE49-F238E27FC236}">
-                <a16:creationId xmlns:a16="http://schemas.microsoft.com/office/drawing/2014/main" id="{508FD2C4-99FD-4FDC-B7C3-CC387D830FAA}"/>
-              </a:ext>
-            </a:extLst>
-          </p:cNvPr>
+          <p:cNvPr id="4" name="Slide Number Placeholder 3"/>
           <p:cNvSpPr>
             <a:spLocks noGrp="1"/>
           </p:cNvSpPr>
@@ -1217,18 +1097,12 @@
           <a:p>
             <a:fld id="{B6AC3967-BB65-4606-A24D-E6ADEBE089F7}" type="slidenum">
               <a:rPr lang="en-US" smtClean="0"/>
-              <a:t>26</a:t>
             </a:fld>
             <a:endParaRPr lang="en-US"/>
           </a:p>
         </p:txBody>
       </p:sp>
     </p:spTree>
-    <p:extLst>
-      <p:ext uri="{BB962C8B-B14F-4D97-AF65-F5344CB8AC3E}">
-        <p14:creationId xmlns:p14="http://schemas.microsoft.com/office/powerpoint/2010/main" val="1352218743"/>
-      </p:ext>
-    </p:extLst>
   </p:cSld>
   <p:clrMapOvr>
     <a:masterClrMapping/>
@@ -1284,6 +1158,7 @@
               <a:rPr lang="en-US" dirty="0"/>
               <a:t>fig1:The highly rated genre is drama.</a:t>
             </a:r>
+            <a:endParaRPr lang="en-US" dirty="0"/>
           </a:p>
         </p:txBody>
       </p:sp>
@@ -1304,7 +1179,6 @@
           <a:p>
             <a:fld id="{B6AC3967-BB65-4606-A24D-E6ADEBE089F7}" type="slidenum">
               <a:rPr lang="en-US" smtClean="0"/>
-              <a:t>11</a:t>
             </a:fld>
             <a:endParaRPr lang="en-US"/>
           </a:p>
@@ -1323,13 +1197,7 @@
   <p:cSld>
     <p:spTree>
       <p:nvGrpSpPr>
-        <p:cNvPr id="1" name="">
-          <a:extLst>
-            <a:ext uri="{FF2B5EF4-FFF2-40B4-BE49-F238E27FC236}">
-              <a16:creationId xmlns:a16="http://schemas.microsoft.com/office/drawing/2014/main" id="{E8F2403C-CA6D-0D4F-B4A8-BBFDA65241B2}"/>
-            </a:ext>
-          </a:extLst>
-        </p:cNvPr>
+        <p:cNvPr id="1" name=""/>
         <p:cNvGrpSpPr/>
         <p:nvPr/>
       </p:nvGrpSpPr>
@@ -1343,13 +1211,7 @@
       </p:grpSpPr>
       <p:sp>
         <p:nvSpPr>
-          <p:cNvPr id="2" name="Slide Image Placeholder 1">
-            <a:extLst>
-              <a:ext uri="{FF2B5EF4-FFF2-40B4-BE49-F238E27FC236}">
-                <a16:creationId xmlns:a16="http://schemas.microsoft.com/office/drawing/2014/main" id="{B85D1AA8-5BEA-B14F-7605-D00303FFD102}"/>
-              </a:ext>
-            </a:extLst>
-          </p:cNvPr>
+          <p:cNvPr id="2" name="Slide Image Placeholder 1"/>
           <p:cNvSpPr>
             <a:spLocks noGrp="1" noRot="1" noChangeAspect="1"/>
           </p:cNvSpPr>
@@ -1361,13 +1223,7 @@
       </p:sp>
       <p:sp>
         <p:nvSpPr>
-          <p:cNvPr id="3" name="Notes Placeholder 2">
-            <a:extLst>
-              <a:ext uri="{FF2B5EF4-FFF2-40B4-BE49-F238E27FC236}">
-                <a16:creationId xmlns:a16="http://schemas.microsoft.com/office/drawing/2014/main" id="{2D6763DC-880F-C079-08B2-D412DEB13CA7}"/>
-              </a:ext>
-            </a:extLst>
-          </p:cNvPr>
+          <p:cNvPr id="3" name="Notes Placeholder 2"/>
           <p:cNvSpPr>
             <a:spLocks noGrp="1"/>
           </p:cNvSpPr>
@@ -1384,18 +1240,13 @@
               <a:rPr lang="en-US" dirty="0"/>
               <a:t>fig1:The highly rated genre is drama.</a:t>
             </a:r>
-          </a:p>
-        </p:txBody>
-      </p:sp>
-      <p:sp>
-        <p:nvSpPr>
-          <p:cNvPr id="4" name="Slide Number Placeholder 3">
-            <a:extLst>
-              <a:ext uri="{FF2B5EF4-FFF2-40B4-BE49-F238E27FC236}">
-                <a16:creationId xmlns:a16="http://schemas.microsoft.com/office/drawing/2014/main" id="{FA5E6995-D32B-C2C5-3A20-1EAF6B65F540}"/>
-              </a:ext>
-            </a:extLst>
-          </p:cNvPr>
+            <a:endParaRPr lang="en-US" dirty="0"/>
+          </a:p>
+        </p:txBody>
+      </p:sp>
+      <p:sp>
+        <p:nvSpPr>
+          <p:cNvPr id="4" name="Slide Number Placeholder 3"/>
           <p:cNvSpPr>
             <a:spLocks noGrp="1"/>
           </p:cNvSpPr>
@@ -1410,18 +1261,12 @@
           <a:p>
             <a:fld id="{B6AC3967-BB65-4606-A24D-E6ADEBE089F7}" type="slidenum">
               <a:rPr lang="en-US" smtClean="0"/>
-              <a:t>12</a:t>
             </a:fld>
             <a:endParaRPr lang="en-US"/>
           </a:p>
         </p:txBody>
       </p:sp>
     </p:spTree>
-    <p:extLst>
-      <p:ext uri="{BB962C8B-B14F-4D97-AF65-F5344CB8AC3E}">
-        <p14:creationId xmlns:p14="http://schemas.microsoft.com/office/powerpoint/2010/main" val="1069777650"/>
-      </p:ext>
-    </p:extLst>
   </p:cSld>
   <p:clrMapOvr>
     <a:masterClrMapping/>
@@ -1477,6 +1322,7 @@
               <a:rPr lang="en-US" dirty="0"/>
               <a:t>Fig 3:movies and films from Jay roach made highest sales followed by Mel Gibson and Sam Mendes.</a:t>
             </a:r>
+            <a:endParaRPr lang="en-US" dirty="0"/>
           </a:p>
         </p:txBody>
       </p:sp>
@@ -1497,7 +1343,6 @@
           <a:p>
             <a:fld id="{B6AC3967-BB65-4606-A24D-E6ADEBE089F7}" type="slidenum">
               <a:rPr lang="en-US" smtClean="0"/>
-              <a:t>13</a:t>
             </a:fld>
             <a:endParaRPr lang="en-US"/>
           </a:p>
@@ -1567,6 +1412,7 @@
               <a:rPr lang="en-US" dirty="0"/>
               <a:t> from Eden Movies.</a:t>
             </a:r>
+            <a:endParaRPr lang="en-US" dirty="0"/>
           </a:p>
         </p:txBody>
       </p:sp>
@@ -1587,7 +1433,6 @@
           <a:p>
             <a:fld id="{B6AC3967-BB65-4606-A24D-E6ADEBE089F7}" type="slidenum">
               <a:rPr lang="en-US" smtClean="0"/>
-              <a:t>14</a:t>
             </a:fld>
             <a:endParaRPr lang="en-US"/>
           </a:p>
@@ -1649,6 +1494,7 @@
               <a:rPr lang="en-US" dirty="0"/>
               <a:t>Fig 5:Drama was the most popular genre doubling the other categories.</a:t>
             </a:r>
+            <a:endParaRPr lang="en-US" dirty="0"/>
           </a:p>
         </p:txBody>
       </p:sp>
@@ -1669,7 +1515,6 @@
           <a:p>
             <a:fld id="{B6AC3967-BB65-4606-A24D-E6ADEBE089F7}" type="slidenum">
               <a:rPr lang="en-US" smtClean="0"/>
-              <a:t>15</a:t>
             </a:fld>
             <a:endParaRPr lang="en-US"/>
           </a:p>
@@ -1748,7 +1593,6 @@
           <a:p>
             <a:fld id="{B6AC3967-BB65-4606-A24D-E6ADEBE089F7}" type="slidenum">
               <a:rPr lang="en-US" smtClean="0"/>
-              <a:t>16</a:t>
             </a:fld>
             <a:endParaRPr lang="en-US"/>
           </a:p>
@@ -1810,6 +1654,7 @@
               <a:rPr lang="en-US" dirty="0"/>
               <a:t>Fig 7:R,PG-13,PG IN Descending order of popularity.</a:t>
             </a:r>
+            <a:endParaRPr lang="en-US" dirty="0"/>
           </a:p>
         </p:txBody>
       </p:sp>
@@ -1830,7 +1675,6 @@
           <a:p>
             <a:fld id="{B6AC3967-BB65-4606-A24D-E6ADEBE089F7}" type="slidenum">
               <a:rPr lang="en-US" smtClean="0"/>
-              <a:t>17</a:t>
             </a:fld>
             <a:endParaRPr lang="en-US"/>
           </a:p>
@@ -1909,7 +1753,6 @@
           <a:p>
             <a:fld id="{B6AC3967-BB65-4606-A24D-E6ADEBE089F7}" type="slidenum">
               <a:rPr lang="en-US" smtClean="0"/>
-              <a:t>18</a:t>
             </a:fld>
             <a:endParaRPr lang="en-US"/>
           </a:p>
@@ -1924,7 +1767,7 @@
 </file>
 
 <file path=ppt/slideLayouts/slideLayout1.xml><?xml version="1.0" encoding="utf-8"?>
-<p:sldLayout xmlns:a="http://schemas.openxmlformats.org/drawingml/2006/main" xmlns:r="http://schemas.openxmlformats.org/officeDocument/2006/relationships" xmlns:p="http://schemas.openxmlformats.org/presentationml/2006/main" showMasterSp="0" type="title" preserve="1">
+<p:sldLayout xmlns:a="http://schemas.openxmlformats.org/drawingml/2006/main" xmlns:r="http://schemas.openxmlformats.org/officeDocument/2006/relationships" xmlns:p="http://schemas.openxmlformats.org/presentationml/2006/main" type="title" preserve="1" showMasterSp="0">
   <p:cSld name="Title Slide">
     <p:spTree>
       <p:nvGrpSpPr>
@@ -2668,7 +2511,6 @@
           <a:p>
             <a:fld id="{B6C044C0-9916-4112-8D28-631360530F20}" type="datetime8">
               <a:rPr lang="en-US" smtClean="0"/>
-              <a:t>1/18/2025 1:19 PM</a:t>
             </a:fld>
             <a:endParaRPr lang="en-US"/>
           </a:p>
@@ -2714,7 +2556,6 @@
           <a:p>
             <a:fld id="{C4C7283F-616F-4503-ABBD-21FFB2848302}" type="slidenum">
               <a:rPr lang="en-US" smtClean="0"/>
-              <a:t>‹#›</a:t>
             </a:fld>
             <a:endParaRPr lang="en-US"/>
           </a:p>
@@ -2898,6 +2739,7 @@
               <a:rPr lang="en-US"/>
               <a:t>Click to edit Master text styles</a:t>
             </a:r>
+            <a:endParaRPr lang="en-US"/>
           </a:p>
         </p:txBody>
       </p:sp>
@@ -2918,7 +2760,6 @@
           <a:p>
             <a:fld id="{D2102445-0A49-423B-9D83-53E1553DDBB8}" type="datetime8">
               <a:rPr lang="en-US" smtClean="0"/>
-              <a:t>1/18/2025 1:19 PM</a:t>
             </a:fld>
             <a:endParaRPr lang="en-US"/>
           </a:p>
@@ -2964,7 +2805,6 @@
           <a:p>
             <a:fld id="{C4C7283F-616F-4503-ABBD-21FFB2848302}" type="slidenum">
               <a:rPr lang="en-US" smtClean="0"/>
-              <a:t>‹#›</a:t>
             </a:fld>
             <a:endParaRPr lang="en-US"/>
           </a:p>
@@ -3089,6 +2929,7 @@
               <a:rPr lang="en-US"/>
               <a:t>Click to edit Master text styles</a:t>
             </a:r>
+            <a:endParaRPr lang="en-US"/>
           </a:p>
         </p:txBody>
       </p:sp>
@@ -3211,6 +3052,7 @@
               <a:rPr lang="en-US"/>
               <a:t>Click to edit Master text styles</a:t>
             </a:r>
+            <a:endParaRPr lang="en-US"/>
           </a:p>
         </p:txBody>
       </p:sp>
@@ -3231,7 +3073,6 @@
           <a:p>
             <a:fld id="{C3921CA2-459C-431F-9285-946548AA4FB4}" type="datetime8">
               <a:rPr lang="en-US" smtClean="0"/>
-              <a:t>1/18/2025 1:19 PM</a:t>
             </a:fld>
             <a:endParaRPr lang="en-US"/>
           </a:p>
@@ -3277,7 +3118,6 @@
           <a:p>
             <a:fld id="{C4C7283F-616F-4503-ABBD-21FFB2848302}" type="slidenum">
               <a:rPr lang="en-US" smtClean="0"/>
-              <a:t>‹#›</a:t>
             </a:fld>
             <a:endParaRPr lang="en-US"/>
           </a:p>
@@ -3321,6 +3161,19 @@
               </a:rPr>
               <a:t>“</a:t>
             </a:r>
+            <a:endParaRPr lang="en-US" sz="8000" baseline="0" dirty="0">
+              <a:ln w="3175" cmpd="sng">
+                <a:noFill/>
+              </a:ln>
+              <a:solidFill>
+                <a:schemeClr val="accent1">
+                  <a:lumMod val="60000"/>
+                  <a:lumOff val="40000"/>
+                </a:schemeClr>
+              </a:solidFill>
+              <a:effectLst/>
+              <a:latin typeface="Arial" panose="020B0604020202020204"/>
+            </a:endParaRPr>
           </a:p>
         </p:txBody>
       </p:sp>
@@ -3362,6 +3215,19 @@
               </a:rPr>
               <a:t>”</a:t>
             </a:r>
+            <a:endParaRPr lang="en-US" sz="8000" baseline="0" dirty="0">
+              <a:ln w="3175" cmpd="sng">
+                <a:noFill/>
+              </a:ln>
+              <a:solidFill>
+                <a:schemeClr val="accent1">
+                  <a:lumMod val="60000"/>
+                  <a:lumOff val="40000"/>
+                </a:schemeClr>
+              </a:solidFill>
+              <a:effectLst/>
+              <a:latin typeface="Arial" panose="020B0604020202020204"/>
+            </a:endParaRPr>
           </a:p>
         </p:txBody>
       </p:sp>
@@ -3543,6 +3409,7 @@
               <a:rPr lang="en-US"/>
               <a:t>Click to edit Master text styles</a:t>
             </a:r>
+            <a:endParaRPr lang="en-US"/>
           </a:p>
         </p:txBody>
       </p:sp>
@@ -3563,7 +3430,6 @@
           <a:p>
             <a:fld id="{E4BF1266-03E0-45A9-B1E3-D5422494BD60}" type="datetime8">
               <a:rPr lang="en-US" smtClean="0"/>
-              <a:t>1/18/2025 1:19 PM</a:t>
             </a:fld>
             <a:endParaRPr lang="en-US"/>
           </a:p>
@@ -3609,7 +3475,6 @@
           <a:p>
             <a:fld id="{C4C7283F-616F-4503-ABBD-21FFB2848302}" type="slidenum">
               <a:rPr lang="en-US" smtClean="0"/>
-              <a:t>‹#›</a:t>
             </a:fld>
             <a:endParaRPr lang="en-US"/>
           </a:p>
@@ -3734,6 +3599,7 @@
               <a:rPr lang="en-US"/>
               <a:t>Click to edit Master text styles</a:t>
             </a:r>
+            <a:endParaRPr lang="en-US"/>
           </a:p>
         </p:txBody>
       </p:sp>
@@ -3856,6 +3722,7 @@
               <a:rPr lang="en-US"/>
               <a:t>Click to edit Master text styles</a:t>
             </a:r>
+            <a:endParaRPr lang="en-US"/>
           </a:p>
         </p:txBody>
       </p:sp>
@@ -3876,7 +3743,6 @@
           <a:p>
             <a:fld id="{C8FADDD5-B153-4219-94B0-1FF50A6816A5}" type="datetime8">
               <a:rPr lang="en-US" smtClean="0"/>
-              <a:t>1/18/2025 1:19 PM</a:t>
             </a:fld>
             <a:endParaRPr lang="en-US"/>
           </a:p>
@@ -3922,7 +3788,6 @@
           <a:p>
             <a:fld id="{C4C7283F-616F-4503-ABBD-21FFB2848302}" type="slidenum">
               <a:rPr lang="en-US" smtClean="0"/>
-              <a:t>‹#›</a:t>
             </a:fld>
             <a:endParaRPr lang="en-US"/>
           </a:p>
@@ -3966,6 +3831,19 @@
               </a:rPr>
               <a:t>“</a:t>
             </a:r>
+            <a:endParaRPr lang="en-US" sz="8000" baseline="0" dirty="0">
+              <a:ln w="3175" cmpd="sng">
+                <a:noFill/>
+              </a:ln>
+              <a:solidFill>
+                <a:schemeClr val="accent1">
+                  <a:lumMod val="60000"/>
+                  <a:lumOff val="40000"/>
+                </a:schemeClr>
+              </a:solidFill>
+              <a:effectLst/>
+              <a:latin typeface="Arial" panose="020B0604020202020204"/>
+            </a:endParaRPr>
           </a:p>
         </p:txBody>
       </p:sp>
@@ -4007,6 +3885,19 @@
               </a:rPr>
               <a:t>”</a:t>
             </a:r>
+            <a:endParaRPr lang="en-US" sz="8000" baseline="0" dirty="0">
+              <a:ln w="3175" cmpd="sng">
+                <a:noFill/>
+              </a:ln>
+              <a:solidFill>
+                <a:schemeClr val="accent1">
+                  <a:lumMod val="60000"/>
+                  <a:lumOff val="40000"/>
+                </a:schemeClr>
+              </a:solidFill>
+              <a:effectLst/>
+              <a:latin typeface="Arial" panose="020B0604020202020204"/>
+            </a:endParaRPr>
           </a:p>
         </p:txBody>
       </p:sp>
@@ -4126,6 +4017,7 @@
               <a:rPr lang="en-US"/>
               <a:t>Click to edit Master text styles</a:t>
             </a:r>
+            <a:endParaRPr lang="en-US"/>
           </a:p>
         </p:txBody>
       </p:sp>
@@ -4248,6 +4140,7 @@
               <a:rPr lang="en-US"/>
               <a:t>Click to edit Master text styles</a:t>
             </a:r>
+            <a:endParaRPr lang="en-US"/>
           </a:p>
         </p:txBody>
       </p:sp>
@@ -4268,7 +4161,6 @@
           <a:p>
             <a:fld id="{FFBC6F1A-280C-41CB-A477-07CA795B893F}" type="datetime8">
               <a:rPr lang="en-US" smtClean="0"/>
-              <a:t>1/18/2025 1:19 PM</a:t>
             </a:fld>
             <a:endParaRPr lang="en-US"/>
           </a:p>
@@ -4314,7 +4206,6 @@
           <a:p>
             <a:fld id="{C4C7283F-616F-4503-ABBD-21FFB2848302}" type="slidenum">
               <a:rPr lang="en-US" smtClean="0"/>
-              <a:t>‹#›</a:t>
             </a:fld>
             <a:endParaRPr lang="en-US"/>
           </a:p>
@@ -4388,6 +4279,7 @@
               <a:rPr lang="en-US"/>
               <a:t>Click to edit Master text styles</a:t>
             </a:r>
+            <a:endParaRPr lang="en-US"/>
           </a:p>
           <a:p>
             <a:pPr lvl="1"/>
@@ -4395,6 +4287,7 @@
               <a:rPr lang="en-US"/>
               <a:t>Second level</a:t>
             </a:r>
+            <a:endParaRPr lang="en-US"/>
           </a:p>
           <a:p>
             <a:pPr lvl="2"/>
@@ -4402,6 +4295,7 @@
               <a:rPr lang="en-US"/>
               <a:t>Third level</a:t>
             </a:r>
+            <a:endParaRPr lang="en-US"/>
           </a:p>
           <a:p>
             <a:pPr lvl="3"/>
@@ -4409,6 +4303,7 @@
               <a:rPr lang="en-US"/>
               <a:t>Fourth level</a:t>
             </a:r>
+            <a:endParaRPr lang="en-US"/>
           </a:p>
           <a:p>
             <a:pPr lvl="4"/>
@@ -4437,7 +4332,6 @@
           <a:p>
             <a:fld id="{10D0E147-E127-4D87-84FF-83AF777D57B0}" type="datetime8">
               <a:rPr lang="en-US" smtClean="0"/>
-              <a:t>1/18/2025 1:19 PM</a:t>
             </a:fld>
             <a:endParaRPr lang="en-US"/>
           </a:p>
@@ -4483,7 +4377,6 @@
           <a:p>
             <a:fld id="{C4C7283F-616F-4503-ABBD-21FFB2848302}" type="slidenum">
               <a:rPr lang="en-US" smtClean="0"/>
-              <a:t>‹#›</a:t>
             </a:fld>
             <a:endParaRPr lang="en-US"/>
           </a:p>
@@ -4567,6 +4460,7 @@
               <a:rPr lang="en-US"/>
               <a:t>Click to edit Master text styles</a:t>
             </a:r>
+            <a:endParaRPr lang="en-US"/>
           </a:p>
           <a:p>
             <a:pPr lvl="1"/>
@@ -4574,6 +4468,7 @@
               <a:rPr lang="en-US"/>
               <a:t>Second level</a:t>
             </a:r>
+            <a:endParaRPr lang="en-US"/>
           </a:p>
           <a:p>
             <a:pPr lvl="2"/>
@@ -4581,6 +4476,7 @@
               <a:rPr lang="en-US"/>
               <a:t>Third level</a:t>
             </a:r>
+            <a:endParaRPr lang="en-US"/>
           </a:p>
           <a:p>
             <a:pPr lvl="3"/>
@@ -4588,6 +4484,7 @@
               <a:rPr lang="en-US"/>
               <a:t>Fourth level</a:t>
             </a:r>
+            <a:endParaRPr lang="en-US"/>
           </a:p>
           <a:p>
             <a:pPr lvl="4"/>
@@ -4616,7 +4513,6 @@
           <a:p>
             <a:fld id="{AE720A3F-507D-4EC9-B968-56BE774C5C3F}" type="datetime8">
               <a:rPr lang="en-US" smtClean="0"/>
-              <a:t>1/18/2025 1:19 PM</a:t>
             </a:fld>
             <a:endParaRPr lang="en-US"/>
           </a:p>
@@ -4662,7 +4558,6 @@
           <a:p>
             <a:fld id="{C4C7283F-616F-4503-ABBD-21FFB2848302}" type="slidenum">
               <a:rPr lang="en-US" smtClean="0"/>
-              <a:t>‹#›</a:t>
             </a:fld>
             <a:endParaRPr lang="en-US"/>
           </a:p>
@@ -4736,6 +4631,7 @@
               <a:rPr lang="en-US"/>
               <a:t>Click to edit Master text styles</a:t>
             </a:r>
+            <a:endParaRPr lang="en-US"/>
           </a:p>
           <a:p>
             <a:pPr lvl="1"/>
@@ -4743,6 +4639,7 @@
               <a:rPr lang="en-US"/>
               <a:t>Second level</a:t>
             </a:r>
+            <a:endParaRPr lang="en-US"/>
           </a:p>
           <a:p>
             <a:pPr lvl="2"/>
@@ -4750,6 +4647,7 @@
               <a:rPr lang="en-US"/>
               <a:t>Third level</a:t>
             </a:r>
+            <a:endParaRPr lang="en-US"/>
           </a:p>
           <a:p>
             <a:pPr lvl="3"/>
@@ -4757,6 +4655,7 @@
               <a:rPr lang="en-US"/>
               <a:t>Fourth level</a:t>
             </a:r>
+            <a:endParaRPr lang="en-US"/>
           </a:p>
           <a:p>
             <a:pPr lvl="4"/>
@@ -4785,7 +4684,6 @@
           <a:p>
             <a:fld id="{70EC282A-B492-45B7-A20C-B47B480682FB}" type="datetime8">
               <a:rPr lang="en-US" smtClean="0"/>
-              <a:t>1/18/2025 1:19 PM</a:t>
             </a:fld>
             <a:endParaRPr lang="en-US"/>
           </a:p>
@@ -4831,7 +4729,6 @@
           <a:p>
             <a:fld id="{C4C7283F-616F-4503-ABBD-21FFB2848302}" type="slidenum">
               <a:rPr lang="en-US" smtClean="0"/>
-              <a:t>‹#›</a:t>
             </a:fld>
             <a:endParaRPr lang="en-US"/>
           </a:p>
@@ -5011,6 +4908,7 @@
               <a:rPr lang="en-US"/>
               <a:t>Click to edit Master text styles</a:t>
             </a:r>
+            <a:endParaRPr lang="en-US"/>
           </a:p>
         </p:txBody>
       </p:sp>
@@ -5031,7 +4929,6 @@
           <a:p>
             <a:fld id="{22ED6867-56C6-420B-BF33-E2323BB11E2C}" type="datetime8">
               <a:rPr lang="en-US" smtClean="0"/>
-              <a:t>1/18/2025 1:19 PM</a:t>
             </a:fld>
             <a:endParaRPr lang="en-US"/>
           </a:p>
@@ -5077,7 +4974,6 @@
           <a:p>
             <a:fld id="{C4C7283F-616F-4503-ABBD-21FFB2848302}" type="slidenum">
               <a:rPr lang="en-US" smtClean="0"/>
-              <a:t>‹#›</a:t>
             </a:fld>
             <a:endParaRPr lang="en-US"/>
           </a:p>
@@ -5156,6 +5052,7 @@
               <a:rPr lang="en-US"/>
               <a:t>Click to edit Master text styles</a:t>
             </a:r>
+            <a:endParaRPr lang="en-US"/>
           </a:p>
           <a:p>
             <a:pPr lvl="1"/>
@@ -5163,6 +5060,7 @@
               <a:rPr lang="en-US"/>
               <a:t>Second level</a:t>
             </a:r>
+            <a:endParaRPr lang="en-US"/>
           </a:p>
           <a:p>
             <a:pPr lvl="2"/>
@@ -5170,6 +5068,7 @@
               <a:rPr lang="en-US"/>
               <a:t>Third level</a:t>
             </a:r>
+            <a:endParaRPr lang="en-US"/>
           </a:p>
           <a:p>
             <a:pPr lvl="3"/>
@@ -5177,6 +5076,7 @@
               <a:rPr lang="en-US"/>
               <a:t>Fourth level</a:t>
             </a:r>
+            <a:endParaRPr lang="en-US"/>
           </a:p>
           <a:p>
             <a:pPr lvl="4"/>
@@ -5213,6 +5113,7 @@
               <a:rPr lang="en-US"/>
               <a:t>Click to edit Master text styles</a:t>
             </a:r>
+            <a:endParaRPr lang="en-US"/>
           </a:p>
           <a:p>
             <a:pPr lvl="1"/>
@@ -5220,6 +5121,7 @@
               <a:rPr lang="en-US"/>
               <a:t>Second level</a:t>
             </a:r>
+            <a:endParaRPr lang="en-US"/>
           </a:p>
           <a:p>
             <a:pPr lvl="2"/>
@@ -5227,6 +5129,7 @@
               <a:rPr lang="en-US"/>
               <a:t>Third level</a:t>
             </a:r>
+            <a:endParaRPr lang="en-US"/>
           </a:p>
           <a:p>
             <a:pPr lvl="3"/>
@@ -5234,6 +5137,7 @@
               <a:rPr lang="en-US"/>
               <a:t>Fourth level</a:t>
             </a:r>
+            <a:endParaRPr lang="en-US"/>
           </a:p>
           <a:p>
             <a:pPr lvl="4"/>
@@ -5262,7 +5166,6 @@
           <a:p>
             <a:fld id="{A607E069-8BF9-4C5D-AE63-557D18EFCB98}" type="datetime8">
               <a:rPr lang="en-US" smtClean="0"/>
-              <a:t>1/18/2025 1:19 PM</a:t>
             </a:fld>
             <a:endParaRPr lang="en-US"/>
           </a:p>
@@ -5308,7 +5211,6 @@
           <a:p>
             <a:fld id="{C4C7283F-616F-4503-ABBD-21FFB2848302}" type="slidenum">
               <a:rPr lang="en-US" smtClean="0"/>
-              <a:t>‹#›</a:t>
             </a:fld>
             <a:endParaRPr lang="en-US"/>
           </a:p>
@@ -5430,6 +5332,7 @@
               <a:rPr lang="en-US"/>
               <a:t>Click to edit Master text styles</a:t>
             </a:r>
+            <a:endParaRPr lang="en-US"/>
           </a:p>
         </p:txBody>
       </p:sp>
@@ -5460,6 +5363,7 @@
               <a:rPr lang="en-US"/>
               <a:t>Click to edit Master text styles</a:t>
             </a:r>
+            <a:endParaRPr lang="en-US"/>
           </a:p>
           <a:p>
             <a:pPr lvl="1"/>
@@ -5467,6 +5371,7 @@
               <a:rPr lang="en-US"/>
               <a:t>Second level</a:t>
             </a:r>
+            <a:endParaRPr lang="en-US"/>
           </a:p>
           <a:p>
             <a:pPr lvl="2"/>
@@ -5474,6 +5379,7 @@
               <a:rPr lang="en-US"/>
               <a:t>Third level</a:t>
             </a:r>
+            <a:endParaRPr lang="en-US"/>
           </a:p>
           <a:p>
             <a:pPr lvl="3"/>
@@ -5481,6 +5387,7 @@
               <a:rPr lang="en-US"/>
               <a:t>Fourth level</a:t>
             </a:r>
+            <a:endParaRPr lang="en-US"/>
           </a:p>
           <a:p>
             <a:pPr lvl="4"/>
@@ -5556,6 +5463,7 @@
               <a:rPr lang="en-US"/>
               <a:t>Click to edit Master text styles</a:t>
             </a:r>
+            <a:endParaRPr lang="en-US"/>
           </a:p>
         </p:txBody>
       </p:sp>
@@ -5586,6 +5494,7 @@
               <a:rPr lang="en-US"/>
               <a:t>Click to edit Master text styles</a:t>
             </a:r>
+            <a:endParaRPr lang="en-US"/>
           </a:p>
           <a:p>
             <a:pPr lvl="1"/>
@@ -5593,6 +5502,7 @@
               <a:rPr lang="en-US"/>
               <a:t>Second level</a:t>
             </a:r>
+            <a:endParaRPr lang="en-US"/>
           </a:p>
           <a:p>
             <a:pPr lvl="2"/>
@@ -5600,6 +5510,7 @@
               <a:rPr lang="en-US"/>
               <a:t>Third level</a:t>
             </a:r>
+            <a:endParaRPr lang="en-US"/>
           </a:p>
           <a:p>
             <a:pPr lvl="3"/>
@@ -5607,6 +5518,7 @@
               <a:rPr lang="en-US"/>
               <a:t>Fourth level</a:t>
             </a:r>
+            <a:endParaRPr lang="en-US"/>
           </a:p>
           <a:p>
             <a:pPr lvl="4"/>
@@ -5635,7 +5547,6 @@
           <a:p>
             <a:fld id="{1E5FBD63-573C-4E06-9569-363F3C494C3D}" type="datetime8">
               <a:rPr lang="en-US" smtClean="0"/>
-              <a:t>1/18/2025 1:19 PM</a:t>
             </a:fld>
             <a:endParaRPr lang="en-US"/>
           </a:p>
@@ -5681,7 +5592,6 @@
           <a:p>
             <a:fld id="{C4C7283F-616F-4503-ABBD-21FFB2848302}" type="slidenum">
               <a:rPr lang="en-US" smtClean="0"/>
-              <a:t>‹#›</a:t>
             </a:fld>
             <a:endParaRPr lang="en-US"/>
           </a:p>
@@ -5757,7 +5667,6 @@
           <a:p>
             <a:fld id="{B6D13991-E6B6-4F87-BE91-DE86F2D18115}" type="datetime8">
               <a:rPr lang="en-US" smtClean="0"/>
-              <a:t>1/18/2025 1:19 PM</a:t>
             </a:fld>
             <a:endParaRPr lang="en-US"/>
           </a:p>
@@ -5803,7 +5712,6 @@
           <a:p>
             <a:fld id="{C4C7283F-616F-4503-ABBD-21FFB2848302}" type="slidenum">
               <a:rPr lang="en-US" smtClean="0"/>
-              <a:t>‹#›</a:t>
             </a:fld>
             <a:endParaRPr lang="en-US"/>
           </a:p>
@@ -5851,7 +5759,6 @@
           <a:p>
             <a:fld id="{E8E64E3B-1E9C-45AC-B5D2-2EB786A4C096}" type="datetime8">
               <a:rPr lang="en-US" smtClean="0"/>
-              <a:t>1/18/2025 1:19 PM</a:t>
             </a:fld>
             <a:endParaRPr lang="en-US"/>
           </a:p>
@@ -5897,7 +5804,6 @@
           <a:p>
             <a:fld id="{C4C7283F-616F-4503-ABBD-21FFB2848302}" type="slidenum">
               <a:rPr lang="en-US" smtClean="0"/>
-              <a:t>‹#›</a:t>
             </a:fld>
             <a:endParaRPr lang="en-US"/>
           </a:p>
@@ -5989,6 +5895,7 @@
               <a:rPr lang="en-US"/>
               <a:t>Click to edit Master text styles</a:t>
             </a:r>
+            <a:endParaRPr lang="en-US"/>
           </a:p>
           <a:p>
             <a:pPr lvl="1"/>
@@ -5996,6 +5903,7 @@
               <a:rPr lang="en-US"/>
               <a:t>Second level</a:t>
             </a:r>
+            <a:endParaRPr lang="en-US"/>
           </a:p>
           <a:p>
             <a:pPr lvl="2"/>
@@ -6003,6 +5911,7 @@
               <a:rPr lang="en-US"/>
               <a:t>Third level</a:t>
             </a:r>
+            <a:endParaRPr lang="en-US"/>
           </a:p>
           <a:p>
             <a:pPr lvl="3"/>
@@ -6010,6 +5919,7 @@
               <a:rPr lang="en-US"/>
               <a:t>Fourth level</a:t>
             </a:r>
+            <a:endParaRPr lang="en-US"/>
           </a:p>
           <a:p>
             <a:pPr lvl="4"/>
@@ -6085,6 +5995,7 @@
               <a:rPr lang="en-US"/>
               <a:t>Click to edit Master text styles</a:t>
             </a:r>
+            <a:endParaRPr lang="en-US"/>
           </a:p>
         </p:txBody>
       </p:sp>
@@ -6105,7 +6016,6 @@
           <a:p>
             <a:fld id="{ECA93773-089F-4535-A246-EBAAB41DAF3A}" type="datetime8">
               <a:rPr lang="en-US" smtClean="0"/>
-              <a:t>1/18/2025 1:19 PM</a:t>
             </a:fld>
             <a:endParaRPr lang="en-US"/>
           </a:p>
@@ -6151,7 +6061,6 @@
           <a:p>
             <a:fld id="{C4C7283F-616F-4503-ABBD-21FFB2848302}" type="slidenum">
               <a:rPr lang="en-US" smtClean="0"/>
-              <a:t>‹#›</a:t>
             </a:fld>
             <a:endParaRPr lang="en-US"/>
           </a:p>
@@ -6347,6 +6256,7 @@
               <a:rPr lang="en-US"/>
               <a:t>Click to edit Master text styles</a:t>
             </a:r>
+            <a:endParaRPr lang="en-US"/>
           </a:p>
         </p:txBody>
       </p:sp>
@@ -6390,7 +6300,6 @@
           <a:p>
             <a:fld id="{C4C7283F-616F-4503-ABBD-21FFB2848302}" type="slidenum">
               <a:rPr lang="en-US" smtClean="0"/>
-              <a:t>‹#›</a:t>
             </a:fld>
             <a:endParaRPr lang="en-US"/>
           </a:p>
@@ -6413,7 +6322,6 @@
           <a:p>
             <a:fld id="{509537D5-94C9-4CB2-9673-B6F009DE731B}" type="datetime8">
               <a:rPr lang="en-US" smtClean="0"/>
-              <a:t>1/18/2025 1:19 PM</a:t>
             </a:fld>
             <a:endParaRPr lang="en-US"/>
           </a:p>
@@ -7043,6 +6951,7 @@
               <a:rPr lang="en-US"/>
               <a:t>Click to edit Master text styles</a:t>
             </a:r>
+            <a:endParaRPr lang="en-US"/>
           </a:p>
           <a:p>
             <a:pPr lvl="1"/>
@@ -7050,6 +6959,7 @@
               <a:rPr lang="en-US"/>
               <a:t>Second level</a:t>
             </a:r>
+            <a:endParaRPr lang="en-US"/>
           </a:p>
           <a:p>
             <a:pPr lvl="2"/>
@@ -7057,6 +6967,7 @@
               <a:rPr lang="en-US"/>
               <a:t>Third level</a:t>
             </a:r>
+            <a:endParaRPr lang="en-US"/>
           </a:p>
           <a:p>
             <a:pPr lvl="3"/>
@@ -7064,6 +6975,7 @@
               <a:rPr lang="en-US"/>
               <a:t>Fourth level</a:t>
             </a:r>
+            <a:endParaRPr lang="en-US"/>
           </a:p>
           <a:p>
             <a:pPr lvl="4"/>
@@ -7110,7 +7022,6 @@
           <a:p>
             <a:fld id="{69D0E751-3CC6-4AC8-BFD8-B111550C4052}" type="datetime8">
               <a:rPr lang="en-US" smtClean="0"/>
-              <a:t>1/18/2025 1:19 PM</a:t>
             </a:fld>
             <a:endParaRPr lang="en-US"/>
           </a:p>
@@ -7190,7 +7101,6 @@
           <a:p>
             <a:fld id="{C4C7283F-616F-4503-ABBD-21FFB2848302}" type="slidenum">
               <a:rPr lang="en-US" smtClean="0"/>
-              <a:t>‹#›</a:t>
             </a:fld>
             <a:endParaRPr lang="en-US"/>
           </a:p>
@@ -7659,6 +7569,7 @@
               <a:rPr lang="en-US" sz="6000" b="1" dirty="0"/>
               <a:t>Movie Industry Analysis</a:t>
             </a:r>
+            <a:endParaRPr lang="en-US" sz="6000" b="1" dirty="0"/>
           </a:p>
         </p:txBody>
       </p:sp>
@@ -7688,6 +7599,7 @@
               <a:rPr lang="en-US" sz="4800" i="1" dirty="0"/>
               <a:t>GROUP 1 PHASE 2 PROJECT</a:t>
             </a:r>
+            <a:endParaRPr lang="en-US" sz="4800" i="1" dirty="0"/>
           </a:p>
         </p:txBody>
       </p:sp>
@@ -7731,7 +7643,6 @@
           <a:p>
             <a:fld id="{C4C7283F-616F-4503-ABBD-21FFB2848302}" type="slidenum">
               <a:rPr lang="en-US" smtClean="0"/>
-              <a:t>1</a:t>
             </a:fld>
             <a:endParaRPr lang="en-US"/>
           </a:p>
@@ -7787,6 +7698,7 @@
               <a:rPr lang="en-US" dirty="0"/>
               <a:t>METHODOLOGY</a:t>
             </a:r>
+            <a:endParaRPr lang="en-US" dirty="0"/>
           </a:p>
         </p:txBody>
       </p:sp>
@@ -7830,7 +7742,6 @@
           <a:p>
             <a:fld id="{C4C7283F-616F-4503-ABBD-21FFB2848302}" type="slidenum">
               <a:rPr lang="en-US" smtClean="0"/>
-              <a:t>10</a:t>
             </a:fld>
             <a:endParaRPr lang="en-US"/>
           </a:p>
@@ -7838,13 +7749,7 @@
       </p:sp>
       <p:sp>
         <p:nvSpPr>
-          <p:cNvPr id="6" name="Rectangle 5">
-            <a:extLst>
-              <a:ext uri="{FF2B5EF4-FFF2-40B4-BE49-F238E27FC236}">
-                <a16:creationId xmlns:a16="http://schemas.microsoft.com/office/drawing/2014/main" id="{6B4B7EDB-5BE2-0D2E-40F1-42711DBACD06}"/>
-              </a:ext>
-            </a:extLst>
-          </p:cNvPr>
+          <p:cNvPr id="6" name="Rectangle 5"/>
           <p:cNvSpPr/>
           <p:nvPr/>
         </p:nvSpPr>
@@ -7857,7 +7762,7 @@
             <a:avLst/>
           </a:prstGeom>
           <a:blipFill>
-            <a:blip r:embed="rId2"/>
+            <a:blip r:embed="rId1"/>
             <a:stretch>
               <a:fillRect/>
             </a:stretch>
@@ -7884,7 +7789,7 @@
           <a:lstStyle/>
           <a:p>
             <a:pPr algn="ctr"/>
-            <a:endParaRPr lang="en-KE" dirty="0"/>
+            <a:endParaRPr lang="en-US" dirty="0"/>
           </a:p>
         </p:txBody>
       </p:sp>
@@ -7940,6 +7845,9 @@
               </a:rPr>
               <a:t>Comparison between genre and rating</a:t>
             </a:r>
+            <a:endParaRPr lang="en-US" sz="4400" dirty="0">
+              <a:latin typeface="+mn-lt"/>
+            </a:endParaRPr>
           </a:p>
         </p:txBody>
       </p:sp>
@@ -7968,6 +7876,7 @@
               <a:rPr lang="en-US" sz="2400" dirty="0"/>
               <a:t>The highly rated genre is drama.</a:t>
             </a:r>
+            <a:endParaRPr lang="en-US" sz="2400" dirty="0"/>
           </a:p>
           <a:p>
             <a:pPr algn="l"/>
@@ -8015,7 +7924,6 @@
           <a:p>
             <a:fld id="{C4C7283F-616F-4503-ABBD-21FFB2848302}" type="slidenum">
               <a:rPr lang="en-US" smtClean="0"/>
-              <a:t>11</a:t>
             </a:fld>
             <a:endParaRPr lang="en-US"/>
           </a:p>
@@ -8023,13 +7931,7 @@
       </p:sp>
       <p:sp>
         <p:nvSpPr>
-          <p:cNvPr id="7" name="Rectangle 6">
-            <a:extLst>
-              <a:ext uri="{FF2B5EF4-FFF2-40B4-BE49-F238E27FC236}">
-                <a16:creationId xmlns:a16="http://schemas.microsoft.com/office/drawing/2014/main" id="{7A9840DF-A309-B090-8469-8B85A8CFCCBA}"/>
-              </a:ext>
-            </a:extLst>
-          </p:cNvPr>
+          <p:cNvPr id="7" name="Rectangle 6"/>
           <p:cNvSpPr/>
           <p:nvPr/>
         </p:nvSpPr>
@@ -8042,7 +7944,7 @@
             <a:avLst/>
           </a:prstGeom>
           <a:blipFill>
-            <a:blip r:embed="rId3"/>
+            <a:blip r:embed="rId1"/>
             <a:stretch>
               <a:fillRect/>
             </a:stretch>
@@ -8072,7 +7974,7 @@
           <a:lstStyle/>
           <a:p>
             <a:pPr algn="ctr"/>
-            <a:endParaRPr lang="en-KE"/>
+            <a:endParaRPr lang="en-US"/>
           </a:p>
         </p:txBody>
       </p:sp>
@@ -8089,13 +7991,7 @@
   <p:cSld>
     <p:spTree>
       <p:nvGrpSpPr>
-        <p:cNvPr id="1" name="">
-          <a:extLst>
-            <a:ext uri="{FF2B5EF4-FFF2-40B4-BE49-F238E27FC236}">
-              <a16:creationId xmlns:a16="http://schemas.microsoft.com/office/drawing/2014/main" id="{53F3754E-7C0F-585B-A755-120D502FAD9C}"/>
-            </a:ext>
-          </a:extLst>
-        </p:cNvPr>
+        <p:cNvPr id="1" name=""/>
         <p:cNvGrpSpPr/>
         <p:nvPr/>
       </p:nvGrpSpPr>
@@ -8109,13 +8005,7 @@
       </p:grpSpPr>
       <p:sp>
         <p:nvSpPr>
-          <p:cNvPr id="2" name="Title 1">
-            <a:extLst>
-              <a:ext uri="{FF2B5EF4-FFF2-40B4-BE49-F238E27FC236}">
-                <a16:creationId xmlns:a16="http://schemas.microsoft.com/office/drawing/2014/main" id="{67AB1856-9EF6-2FF9-D528-56FB29A1F04E}"/>
-              </a:ext>
-            </a:extLst>
-          </p:cNvPr>
+          <p:cNvPr id="2" name="Title 1"/>
           <p:cNvSpPr>
             <a:spLocks noGrp="1"/>
           </p:cNvSpPr>
@@ -8140,18 +8030,15 @@
               </a:rPr>
               <a:t>Comparison between genre and sales</a:t>
             </a:r>
-          </a:p>
-        </p:txBody>
-      </p:sp>
-      <p:sp>
-        <p:nvSpPr>
-          <p:cNvPr id="3" name="Subtitle 2">
-            <a:extLst>
-              <a:ext uri="{FF2B5EF4-FFF2-40B4-BE49-F238E27FC236}">
-                <a16:creationId xmlns:a16="http://schemas.microsoft.com/office/drawing/2014/main" id="{218F712E-AA46-17E1-6F58-EE61E6B52FE1}"/>
-              </a:ext>
-            </a:extLst>
-          </p:cNvPr>
+            <a:endParaRPr lang="en-US" sz="4400" dirty="0">
+              <a:latin typeface="+mn-lt"/>
+            </a:endParaRPr>
+          </a:p>
+        </p:txBody>
+      </p:sp>
+      <p:sp>
+        <p:nvSpPr>
+          <p:cNvPr id="3" name="Subtitle 2"/>
           <p:cNvSpPr>
             <a:spLocks noGrp="1"/>
           </p:cNvSpPr>
@@ -8176,18 +8063,13 @@
               <a:rPr lang="en-US" sz="2400" dirty="0"/>
               <a:t>Highest sales were from comedy, followed by drama.</a:t>
             </a:r>
-          </a:p>
-        </p:txBody>
-      </p:sp>
-      <p:sp>
-        <p:nvSpPr>
-          <p:cNvPr id="4" name="Footer Placeholder 3">
-            <a:extLst>
-              <a:ext uri="{FF2B5EF4-FFF2-40B4-BE49-F238E27FC236}">
-                <a16:creationId xmlns:a16="http://schemas.microsoft.com/office/drawing/2014/main" id="{DA30E88E-A9DA-DE55-9CA0-A17AD8C81538}"/>
-              </a:ext>
-            </a:extLst>
-          </p:cNvPr>
+            <a:endParaRPr lang="en-US" sz="2400" dirty="0"/>
+          </a:p>
+        </p:txBody>
+      </p:sp>
+      <p:sp>
+        <p:nvSpPr>
+          <p:cNvPr id="4" name="Footer Placeholder 3"/>
           <p:cNvSpPr>
             <a:spLocks noGrp="1"/>
           </p:cNvSpPr>
@@ -8210,13 +8092,7 @@
       </p:sp>
       <p:sp>
         <p:nvSpPr>
-          <p:cNvPr id="6" name="Slide Number Placeholder 5">
-            <a:extLst>
-              <a:ext uri="{FF2B5EF4-FFF2-40B4-BE49-F238E27FC236}">
-                <a16:creationId xmlns:a16="http://schemas.microsoft.com/office/drawing/2014/main" id="{463BB677-2E22-9987-822D-7541D8BE6D3E}"/>
-              </a:ext>
-            </a:extLst>
-          </p:cNvPr>
+          <p:cNvPr id="6" name="Slide Number Placeholder 5"/>
           <p:cNvSpPr>
             <a:spLocks noGrp="1"/>
           </p:cNvSpPr>
@@ -8231,7 +8107,6 @@
           <a:p>
             <a:fld id="{C4C7283F-616F-4503-ABBD-21FFB2848302}" type="slidenum">
               <a:rPr lang="en-US" smtClean="0"/>
-              <a:t>12</a:t>
             </a:fld>
             <a:endParaRPr lang="en-US"/>
           </a:p>
@@ -8239,13 +8114,7 @@
       </p:sp>
       <p:sp>
         <p:nvSpPr>
-          <p:cNvPr id="7" name="Rectangle 6">
-            <a:extLst>
-              <a:ext uri="{FF2B5EF4-FFF2-40B4-BE49-F238E27FC236}">
-                <a16:creationId xmlns:a16="http://schemas.microsoft.com/office/drawing/2014/main" id="{DE71FDC5-3C4F-1DF9-1DE5-0375023E6394}"/>
-              </a:ext>
-            </a:extLst>
-          </p:cNvPr>
+          <p:cNvPr id="7" name="Rectangle 6"/>
           <p:cNvSpPr/>
           <p:nvPr/>
         </p:nvSpPr>
@@ -8258,7 +8127,7 @@
             <a:avLst/>
           </a:prstGeom>
           <a:blipFill>
-            <a:blip r:embed="rId3"/>
+            <a:blip r:embed="rId1"/>
             <a:stretch>
               <a:fillRect/>
             </a:stretch>
@@ -8288,16 +8157,11 @@
           <a:lstStyle/>
           <a:p>
             <a:pPr algn="ctr"/>
-            <a:endParaRPr lang="en-KE" dirty="0"/>
+            <a:endParaRPr lang="en-US" dirty="0"/>
           </a:p>
         </p:txBody>
       </p:sp>
     </p:spTree>
-    <p:extLst>
-      <p:ext uri="{BB962C8B-B14F-4D97-AF65-F5344CB8AC3E}">
-        <p14:creationId xmlns:p14="http://schemas.microsoft.com/office/powerpoint/2010/main" val="4119880214"/>
-      </p:ext>
-    </p:extLst>
   </p:cSld>
   <p:clrMapOvr>
     <a:masterClrMapping/>
@@ -8349,6 +8213,7 @@
               <a:rPr lang="en-US" sz="2000" dirty="0"/>
               <a:t>Movies and films from Jay roach made highest sales followed by Mel Gibson and Sam Mendes.</a:t>
             </a:r>
+            <a:endParaRPr lang="en-US" sz="2000" dirty="0"/>
           </a:p>
         </p:txBody>
       </p:sp>
@@ -8392,7 +8257,6 @@
           <a:p>
             <a:fld id="{C4C7283F-616F-4503-ABBD-21FFB2848302}" type="slidenum">
               <a:rPr lang="en-US" smtClean="0"/>
-              <a:t>13</a:t>
             </a:fld>
             <a:endParaRPr lang="en-US"/>
           </a:p>
@@ -8400,16 +8264,8 @@
       </p:sp>
       <p:sp>
         <p:nvSpPr>
-          <p:cNvPr id="7" name="Title 1">
-            <a:extLst>
-              <a:ext uri="{FF2B5EF4-FFF2-40B4-BE49-F238E27FC236}">
-                <a16:creationId xmlns:a16="http://schemas.microsoft.com/office/drawing/2014/main" id="{0212021C-579C-6952-049C-DC3A5A74B0AF}"/>
-              </a:ext>
-            </a:extLst>
-          </p:cNvPr>
-          <p:cNvSpPr txBox="1">
-            <a:spLocks/>
-          </p:cNvSpPr>
+          <p:cNvPr id="7" name="Title 1"/>
+          <p:cNvSpPr txBox="1"/>
           <p:nvPr/>
         </p:nvSpPr>
         <p:spPr>
@@ -8505,25 +8361,22 @@
               </a:rPr>
               <a:t>Comparison between directors and sales</a:t>
             </a:r>
+            <a:endParaRPr lang="en-US" sz="4400" dirty="0">
+              <a:latin typeface="+mn-lt"/>
+            </a:endParaRPr>
           </a:p>
         </p:txBody>
       </p:sp>
       <p:pic>
         <p:nvPicPr>
-          <p:cNvPr id="13" name="Picture 12">
-            <a:extLst>
-              <a:ext uri="{FF2B5EF4-FFF2-40B4-BE49-F238E27FC236}">
-                <a16:creationId xmlns:a16="http://schemas.microsoft.com/office/drawing/2014/main" id="{D12ED098-D414-95E1-19CF-D4B4A01A1992}"/>
-              </a:ext>
-            </a:extLst>
-          </p:cNvPr>
+          <p:cNvPr id="13" name="Picture 12"/>
           <p:cNvPicPr>
             <a:picLocks noChangeAspect="1"/>
           </p:cNvPicPr>
           <p:nvPr/>
         </p:nvPicPr>
         <p:blipFill>
-          <a:blip r:embed="rId3"/>
+          <a:blip r:embed="rId1"/>
           <a:stretch>
             <a:fillRect/>
           </a:stretch>
@@ -8590,6 +8443,7 @@
               <a:rPr lang="en-US" sz="2000" dirty="0"/>
               <a:t>Dramas from Anna were the most popular as well as crime, drama, thriller from Eden Movies.</a:t>
             </a:r>
+            <a:endParaRPr lang="en-US" sz="2000" dirty="0"/>
           </a:p>
         </p:txBody>
       </p:sp>
@@ -8633,7 +8487,6 @@
           <a:p>
             <a:fld id="{C4C7283F-616F-4503-ABBD-21FFB2848302}" type="slidenum">
               <a:rPr lang="en-US" smtClean="0"/>
-              <a:t>14</a:t>
             </a:fld>
             <a:endParaRPr lang="en-US"/>
           </a:p>
@@ -8648,7 +8501,7 @@
           <p:nvPr/>
         </p:nvPicPr>
         <p:blipFill>
-          <a:blip r:embed="rId3">
+          <a:blip r:embed="rId1">
             <a:extLst>
               <a:ext uri="{28A0092B-C50C-407E-A947-70E740481C1C}">
                 <a14:useLocalDpi xmlns:a14="http://schemas.microsoft.com/office/drawing/2010/main" val="0"/>
@@ -8656,7 +8509,9 @@
             </a:extLst>
           </a:blip>
           <a:srcRect/>
-          <a:stretch/>
+          <a:stretch>
+            <a:fillRect/>
+          </a:stretch>
         </p:blipFill>
         <p:spPr>
           <a:xfrm>
@@ -8673,16 +8528,8 @@
       </p:pic>
       <p:sp>
         <p:nvSpPr>
-          <p:cNvPr id="9" name="Title 1">
-            <a:extLst>
-              <a:ext uri="{FF2B5EF4-FFF2-40B4-BE49-F238E27FC236}">
-                <a16:creationId xmlns:a16="http://schemas.microsoft.com/office/drawing/2014/main" id="{DAB27D95-4F06-45FD-D5E2-778DE3C72267}"/>
-              </a:ext>
-            </a:extLst>
-          </p:cNvPr>
-          <p:cNvSpPr txBox="1">
-            <a:spLocks/>
-          </p:cNvSpPr>
+          <p:cNvPr id="9" name="Title 1"/>
+          <p:cNvSpPr txBox="1"/>
           <p:nvPr/>
         </p:nvSpPr>
         <p:spPr>
@@ -8778,6 +8625,9 @@
               </a:rPr>
               <a:t>Top 3 movies with top 3 genres and popularity</a:t>
             </a:r>
+            <a:endParaRPr lang="en-US" sz="4400" dirty="0">
+              <a:latin typeface="+mn-lt"/>
+            </a:endParaRPr>
           </a:p>
         </p:txBody>
       </p:sp>
@@ -8832,6 +8682,7 @@
               <a:rPr lang="en-US" sz="2000" dirty="0"/>
               <a:t>Drama was the most popular genre doubling the other categories.</a:t>
             </a:r>
+            <a:endParaRPr lang="en-US" sz="2000" dirty="0"/>
           </a:p>
         </p:txBody>
       </p:sp>
@@ -8875,7 +8726,6 @@
           <a:p>
             <a:fld id="{C4C7283F-616F-4503-ABBD-21FFB2848302}" type="slidenum">
               <a:rPr lang="en-US" smtClean="0"/>
-              <a:t>15</a:t>
             </a:fld>
             <a:endParaRPr lang="en-US"/>
           </a:p>
@@ -8883,20 +8733,14 @@
       </p:sp>
       <p:pic>
         <p:nvPicPr>
-          <p:cNvPr id="8" name="Picture 7">
-            <a:extLst>
-              <a:ext uri="{FF2B5EF4-FFF2-40B4-BE49-F238E27FC236}">
-                <a16:creationId xmlns:a16="http://schemas.microsoft.com/office/drawing/2014/main" id="{D3886ADF-0BE8-2723-8374-876951300211}"/>
-              </a:ext>
-            </a:extLst>
-          </p:cNvPr>
+          <p:cNvPr id="8" name="Picture 7"/>
           <p:cNvPicPr>
             <a:picLocks noChangeAspect="1"/>
           </p:cNvPicPr>
           <p:nvPr/>
         </p:nvPicPr>
         <p:blipFill>
-          <a:blip r:embed="rId3"/>
+          <a:blip r:embed="rId1"/>
           <a:stretch>
             <a:fillRect/>
           </a:stretch>
@@ -8913,13 +8757,7 @@
       </p:pic>
       <p:sp>
         <p:nvSpPr>
-          <p:cNvPr id="10" name="Title 9">
-            <a:extLst>
-              <a:ext uri="{FF2B5EF4-FFF2-40B4-BE49-F238E27FC236}">
-                <a16:creationId xmlns:a16="http://schemas.microsoft.com/office/drawing/2014/main" id="{812ED197-C011-5F09-F52C-BC0B31DE5780}"/>
-              </a:ext>
-            </a:extLst>
-          </p:cNvPr>
+          <p:cNvPr id="10" name="Title 9"/>
           <p:cNvSpPr>
             <a:spLocks noGrp="1"/>
           </p:cNvSpPr>
@@ -8941,7 +8779,7 @@
               <a:rPr lang="en-GB" dirty="0"/>
               <a:t>Top 5 popular genres</a:t>
             </a:r>
-            <a:endParaRPr lang="en-KE" dirty="0"/>
+            <a:endParaRPr lang="en-US" dirty="0"/>
           </a:p>
         </p:txBody>
       </p:sp>
@@ -8996,6 +8834,7 @@
               <a:rPr lang="en-US" b="1" dirty="0"/>
               <a:t>Comparison between genre and production budget</a:t>
             </a:r>
+            <a:endParaRPr lang="en-US" b="1" dirty="0"/>
           </a:p>
         </p:txBody>
       </p:sp>
@@ -9025,6 +8864,7 @@
               <a:rPr lang="en-US" dirty="0"/>
               <a:t>Comedy ,drama  were costly in budget but gave the highest returns on investment.</a:t>
             </a:r>
+            <a:endParaRPr lang="en-US" dirty="0"/>
           </a:p>
         </p:txBody>
       </p:sp>
@@ -9068,7 +8908,6 @@
           <a:p>
             <a:fld id="{C4C7283F-616F-4503-ABBD-21FFB2848302}" type="slidenum">
               <a:rPr lang="en-US" smtClean="0"/>
-              <a:t>16</a:t>
             </a:fld>
             <a:endParaRPr lang="en-US"/>
           </a:p>
@@ -9083,7 +8922,7 @@
           <p:nvPr/>
         </p:nvPicPr>
         <p:blipFill>
-          <a:blip r:embed="rId3">
+          <a:blip r:embed="rId1">
             <a:extLst>
               <a:ext uri="{28A0092B-C50C-407E-A947-70E740481C1C}">
                 <a14:useLocalDpi xmlns:a14="http://schemas.microsoft.com/office/drawing/2010/main" val="0"/>
@@ -9091,7 +8930,9 @@
             </a:extLst>
           </a:blip>
           <a:srcRect/>
-          <a:stretch/>
+          <a:stretch>
+            <a:fillRect/>
+          </a:stretch>
         </p:blipFill>
         <p:spPr>
           <a:xfrm>
@@ -9153,6 +8994,7 @@
               <a:rPr lang="en-US" dirty="0"/>
               <a:t>Top 5 most popular movie rating</a:t>
             </a:r>
+            <a:endParaRPr lang="en-US" dirty="0"/>
           </a:p>
         </p:txBody>
       </p:sp>
@@ -9183,6 +9025,7 @@
               <a:rPr lang="en-US" sz="2400" dirty="0"/>
               <a:t>R,PG-13,PG IN Descending order of popularity.</a:t>
             </a:r>
+            <a:endParaRPr lang="en-US" sz="2400" dirty="0"/>
           </a:p>
         </p:txBody>
       </p:sp>
@@ -9226,7 +9069,6 @@
           <a:p>
             <a:fld id="{C4C7283F-616F-4503-ABBD-21FFB2848302}" type="slidenum">
               <a:rPr lang="en-US" smtClean="0"/>
-              <a:t>17</a:t>
             </a:fld>
             <a:endParaRPr lang="en-US"/>
           </a:p>
@@ -9241,7 +9083,7 @@
           <p:nvPr/>
         </p:nvPicPr>
         <p:blipFill>
-          <a:blip r:embed="rId3">
+          <a:blip r:embed="rId1">
             <a:extLst>
               <a:ext uri="{28A0092B-C50C-407E-A947-70E740481C1C}">
                 <a14:useLocalDpi xmlns:a14="http://schemas.microsoft.com/office/drawing/2010/main" val="0"/>
@@ -9249,7 +9091,9 @@
             </a:extLst>
           </a:blip>
           <a:srcRect/>
-          <a:stretch/>
+          <a:stretch>
+            <a:fillRect/>
+          </a:stretch>
         </p:blipFill>
         <p:spPr>
           <a:xfrm>
@@ -9310,6 +9154,7 @@
               <a:rPr lang="en-US" dirty="0"/>
               <a:t>Yearly release timing analysis</a:t>
             </a:r>
+            <a:endParaRPr lang="en-US" dirty="0"/>
           </a:p>
         </p:txBody>
       </p:sp>
@@ -9340,6 +9185,7 @@
               <a:rPr lang="en-US" sz="2400" dirty="0"/>
               <a:t>Time series showed an upward trend in terms of Rating worth investing.</a:t>
             </a:r>
+            <a:endParaRPr lang="en-US" sz="2400" dirty="0"/>
           </a:p>
         </p:txBody>
       </p:sp>
@@ -9383,7 +9229,6 @@
           <a:p>
             <a:fld id="{C4C7283F-616F-4503-ABBD-21FFB2848302}" type="slidenum">
               <a:rPr lang="en-US" smtClean="0"/>
-              <a:t>18</a:t>
             </a:fld>
             <a:endParaRPr lang="en-US"/>
           </a:p>
@@ -9398,7 +9243,7 @@
           <p:nvPr/>
         </p:nvPicPr>
         <p:blipFill>
-          <a:blip r:embed="rId3">
+          <a:blip r:embed="rId1">
             <a:extLst>
               <a:ext uri="{28A0092B-C50C-407E-A947-70E740481C1C}">
                 <a14:useLocalDpi xmlns:a14="http://schemas.microsoft.com/office/drawing/2010/main" val="0"/>
@@ -9406,7 +9251,9 @@
             </a:extLst>
           </a:blip>
           <a:srcRect/>
-          <a:stretch/>
+          <a:stretch>
+            <a:fillRect/>
+          </a:stretch>
         </p:blipFill>
         <p:spPr>
           <a:xfrm>
@@ -9468,6 +9315,7 @@
               <a:rPr lang="en-US" sz="4800" dirty="0"/>
               <a:t>Comparison between genres and total gross</a:t>
             </a:r>
+            <a:endParaRPr lang="en-US" sz="4800" dirty="0"/>
           </a:p>
         </p:txBody>
       </p:sp>
@@ -9498,6 +9346,7 @@
               <a:rPr lang="en-US" sz="2000" dirty="0"/>
               <a:t>Drama, action and adventure, comedy showed an increasing trend in terms of gross profits.</a:t>
             </a:r>
+            <a:endParaRPr lang="en-US" sz="2000" dirty="0"/>
           </a:p>
         </p:txBody>
       </p:sp>
@@ -9541,7 +9390,6 @@
           <a:p>
             <a:fld id="{C4C7283F-616F-4503-ABBD-21FFB2848302}" type="slidenum">
               <a:rPr lang="en-US" smtClean="0"/>
-              <a:t>19</a:t>
             </a:fld>
             <a:endParaRPr lang="en-US"/>
           </a:p>
@@ -9556,7 +9404,7 @@
           <p:nvPr/>
         </p:nvPicPr>
         <p:blipFill>
-          <a:blip r:embed="rId3">
+          <a:blip r:embed="rId1">
             <a:extLst>
               <a:ext uri="{28A0092B-C50C-407E-A947-70E740481C1C}">
                 <a14:useLocalDpi xmlns:a14="http://schemas.microsoft.com/office/drawing/2010/main" val="0"/>
@@ -9564,7 +9412,9 @@
             </a:extLst>
           </a:blip>
           <a:srcRect/>
-          <a:stretch/>
+          <a:stretch>
+            <a:fillRect/>
+          </a:stretch>
         </p:blipFill>
         <p:spPr>
           <a:xfrm>
@@ -9628,6 +9478,7 @@
               <a:rPr lang="en-US" b="1" dirty="0"/>
               <a:t>OVERVIEW OF THE PROJECT</a:t>
             </a:r>
+            <a:endParaRPr lang="en-US" b="1" dirty="0"/>
           </a:p>
         </p:txBody>
       </p:sp>
@@ -9661,6 +9512,7 @@
               <a:rPr lang="en-GB" sz="2400" dirty="0"/>
               <a:t>The project focuses on analysing movie datasets to provide actionable    insights for the creation of a new movie studio. </a:t>
             </a:r>
+            <a:endParaRPr lang="en-GB" sz="2400" dirty="0"/>
           </a:p>
           <a:p>
             <a:pPr algn="l">
@@ -9671,6 +9523,7 @@
               <a:rPr lang="en-GB" sz="2400" dirty="0"/>
               <a:t>Using data visualization and analysis tools, such as Tableau and models</a:t>
             </a:r>
+            <a:endParaRPr lang="en-GB" sz="2400" dirty="0"/>
           </a:p>
           <a:p>
             <a:pPr algn="l">
@@ -9732,7 +9585,6 @@
           <a:p>
             <a:fld id="{C4C7283F-616F-4503-ABBD-21FFB2848302}" type="slidenum">
               <a:rPr lang="en-US" smtClean="0"/>
-              <a:t>2</a:t>
             </a:fld>
             <a:endParaRPr lang="en-US"/>
           </a:p>
@@ -9789,6 +9641,7 @@
               <a:rPr lang="en-US" dirty="0"/>
               <a:t>				RESULTS/FINDINGS</a:t>
             </a:r>
+            <a:endParaRPr lang="en-US" dirty="0"/>
           </a:p>
         </p:txBody>
       </p:sp>
@@ -9822,6 +9675,7 @@
               <a:rPr lang="en-US" sz="8000" dirty="0"/>
               <a:t>ROI Leaders: Action and Adventure genres lead in return on investment (ROI), making them highly profitable.</a:t>
             </a:r>
+            <a:endParaRPr lang="en-US" sz="8000" dirty="0"/>
           </a:p>
           <a:p>
             <a:pPr lvl="0">
@@ -9832,6 +9686,7 @@
               <a:rPr lang="en-US" sz="8000" dirty="0"/>
               <a:t>Budget Allocation: Production budgets are highest for Comedy and Drama, reflecting their revenue potential.</a:t>
             </a:r>
+            <a:endParaRPr lang="en-US" sz="8000" dirty="0"/>
           </a:p>
           <a:p>
             <a:pPr lvl="0">
@@ -9842,6 +9697,7 @@
               <a:rPr lang="en-US" sz="8000" dirty="0"/>
               <a:t>Studio Performance: Universal Pictures has the highest average ratings, showcasing its strong audience appeal.</a:t>
             </a:r>
+            <a:endParaRPr lang="en-US" sz="8000" dirty="0"/>
           </a:p>
           <a:p>
             <a:pPr lvl="0">
@@ -9852,6 +9708,7 @@
               <a:rPr lang="en-US" sz="8000" dirty="0"/>
               <a:t>Release Timing: Average ratings peaked in recent years, suggesting growing audience satisfaction with newer movies. ROI Leaders: Action and Adventure genres lead in return on investment (ROI), making them highly profitable.</a:t>
             </a:r>
+            <a:endParaRPr lang="en-US" sz="8000" dirty="0"/>
           </a:p>
           <a:p>
             <a:pPr lvl="0">
@@ -9862,6 +9719,7 @@
               <a:rPr lang="en-US" sz="8000" dirty="0"/>
               <a:t>Budget Allocation: Production budgets are highest for Comedy and Drama, reflecting their revenue potential.</a:t>
             </a:r>
+            <a:endParaRPr lang="en-US" sz="8000" dirty="0"/>
           </a:p>
           <a:p>
             <a:pPr lvl="0">
@@ -9872,6 +9730,7 @@
               <a:rPr lang="en-US" sz="8000" dirty="0"/>
               <a:t>Studio Performance: Universal Pictures has the highest average ratings, showcasing its strong audience appeal.</a:t>
             </a:r>
+            <a:endParaRPr lang="en-US" sz="8000" dirty="0"/>
           </a:p>
           <a:p>
             <a:pPr lvl="0">
@@ -9882,6 +9741,7 @@
               <a:rPr lang="en-US" sz="8000" dirty="0"/>
               <a:t>Release Timing: Average ratings peaked in recent years, suggesting growing audience satisfaction with newer movies.</a:t>
             </a:r>
+            <a:endParaRPr lang="en-US" sz="8000" dirty="0"/>
           </a:p>
           <a:p>
             <a:pPr>
@@ -9949,7 +9809,6 @@
           <a:p>
             <a:fld id="{C4C7283F-616F-4503-ABBD-21FFB2848302}" type="slidenum">
               <a:rPr lang="en-US" smtClean="0"/>
-              <a:t>20</a:t>
             </a:fld>
             <a:endParaRPr lang="en-US"/>
           </a:p>
@@ -10029,6 +9888,7 @@
               <a:rPr lang="en-US" sz="2000" dirty="0"/>
               <a:t>We would like to acknowledge all the group one members for working tirelessly to contribute to this project:</a:t>
             </a:r>
+            <a:endParaRPr lang="en-US" sz="2000" dirty="0"/>
           </a:p>
           <a:p>
             <a:r>
@@ -10051,12 +9911,14 @@
               <a:rPr lang="en-US" sz="2000" dirty="0"/>
               <a:t> having shaped our journey of learning  data science. </a:t>
             </a:r>
+            <a:endParaRPr lang="en-US" sz="2000" dirty="0"/>
           </a:p>
           <a:p>
             <a:r>
               <a:rPr lang="en-US" sz="2000" dirty="0"/>
               <a:t>All our colleagues who have been helping us to debug whenever in need.</a:t>
             </a:r>
+            <a:endParaRPr lang="en-US" sz="2000" dirty="0"/>
           </a:p>
         </p:txBody>
       </p:sp>
@@ -10100,7 +9962,6 @@
           <a:p>
             <a:fld id="{C4C7283F-616F-4503-ABBD-21FFB2848302}" type="slidenum">
               <a:rPr lang="en-US" smtClean="0"/>
-              <a:t>21</a:t>
             </a:fld>
             <a:endParaRPr lang="en-US"/>
           </a:p>
@@ -10189,6 +10050,7 @@
               <a:rPr lang="en-US" sz="2400" dirty="0"/>
               <a:t>Testing the nature of the data.</a:t>
             </a:r>
+            <a:endParaRPr lang="en-US" sz="2400" dirty="0"/>
           </a:p>
           <a:p>
             <a:pPr marL="457200" indent="-457200">
@@ -10199,6 +10061,7 @@
               <a:rPr lang="en-US" sz="2400" dirty="0"/>
               <a:t>Setting confidence interval.</a:t>
             </a:r>
+            <a:endParaRPr lang="en-US" sz="2400" dirty="0"/>
           </a:p>
           <a:p>
             <a:pPr marL="457200" indent="-457200">
@@ -10209,6 +10072,7 @@
               <a:rPr lang="en-US" sz="2400" dirty="0"/>
               <a:t>Checking on the statistics of the average rating and total gross.</a:t>
             </a:r>
+            <a:endParaRPr lang="en-US" sz="2400" dirty="0"/>
           </a:p>
           <a:p>
             <a:pPr marL="457200" indent="-457200">
@@ -10219,6 +10083,7 @@
               <a:rPr lang="en-US" sz="2400" dirty="0"/>
               <a:t>Stating the Null and alternative hypothesis.</a:t>
             </a:r>
+            <a:endParaRPr lang="en-US" sz="2400" dirty="0"/>
           </a:p>
           <a:p>
             <a:pPr marL="457200" indent="-457200">
@@ -10229,6 +10094,7 @@
               <a:rPr lang="en-US" sz="2400" dirty="0"/>
               <a:t>Fail to reject the null hypothesis or not.</a:t>
             </a:r>
+            <a:endParaRPr lang="en-US" sz="2400" dirty="0"/>
           </a:p>
           <a:p>
             <a:pPr>
@@ -10292,7 +10158,6 @@
           <a:p>
             <a:fld id="{C4C7283F-616F-4503-ABBD-21FFB2848302}" type="slidenum">
               <a:rPr lang="en-US" smtClean="0"/>
-              <a:t>22</a:t>
             </a:fld>
             <a:endParaRPr lang="en-US"/>
           </a:p>
@@ -10311,13 +10176,7 @@
   <p:cSld>
     <p:spTree>
       <p:nvGrpSpPr>
-        <p:cNvPr id="1" name="">
-          <a:extLst>
-            <a:ext uri="{FF2B5EF4-FFF2-40B4-BE49-F238E27FC236}">
-              <a16:creationId xmlns:a16="http://schemas.microsoft.com/office/drawing/2014/main" id="{6FCC7B1A-BD10-40B4-FAB4-7C720FBD0FE0}"/>
-            </a:ext>
-          </a:extLst>
-        </p:cNvPr>
+        <p:cNvPr id="1" name=""/>
         <p:cNvGrpSpPr/>
         <p:nvPr/>
       </p:nvGrpSpPr>
@@ -10331,13 +10190,7 @@
       </p:grpSpPr>
       <p:sp>
         <p:nvSpPr>
-          <p:cNvPr id="2" name="Title 1">
-            <a:extLst>
-              <a:ext uri="{FF2B5EF4-FFF2-40B4-BE49-F238E27FC236}">
-                <a16:creationId xmlns:a16="http://schemas.microsoft.com/office/drawing/2014/main" id="{39DBFD59-DE29-5847-C150-23FA2BAE1D0B}"/>
-              </a:ext>
-            </a:extLst>
-          </p:cNvPr>
+          <p:cNvPr id="2" name="Title 1"/>
           <p:cNvSpPr>
             <a:spLocks noGrp="1"/>
           </p:cNvSpPr>
@@ -10360,18 +10213,13 @@
               <a:rPr lang="en-US" sz="4800" dirty="0"/>
               <a:t>		Testing the nature of the data	</a:t>
             </a:r>
-          </a:p>
-        </p:txBody>
-      </p:sp>
-      <p:sp>
-        <p:nvSpPr>
-          <p:cNvPr id="4" name="Footer Placeholder 3">
-            <a:extLst>
-              <a:ext uri="{FF2B5EF4-FFF2-40B4-BE49-F238E27FC236}">
-                <a16:creationId xmlns:a16="http://schemas.microsoft.com/office/drawing/2014/main" id="{68FDA7E6-C79D-203E-053A-719DFF8DC45E}"/>
-              </a:ext>
-            </a:extLst>
-          </p:cNvPr>
+            <a:endParaRPr lang="en-US" sz="4800" dirty="0"/>
+          </a:p>
+        </p:txBody>
+      </p:sp>
+      <p:sp>
+        <p:nvSpPr>
+          <p:cNvPr id="4" name="Footer Placeholder 3"/>
           <p:cNvSpPr>
             <a:spLocks noGrp="1"/>
           </p:cNvSpPr>
@@ -10394,13 +10242,7 @@
       </p:sp>
       <p:sp>
         <p:nvSpPr>
-          <p:cNvPr id="6" name="Slide Number Placeholder 5">
-            <a:extLst>
-              <a:ext uri="{FF2B5EF4-FFF2-40B4-BE49-F238E27FC236}">
-                <a16:creationId xmlns:a16="http://schemas.microsoft.com/office/drawing/2014/main" id="{348930E6-8F46-3891-A4EF-BA2BB960C11B}"/>
-              </a:ext>
-            </a:extLst>
-          </p:cNvPr>
+          <p:cNvPr id="6" name="Slide Number Placeholder 5"/>
           <p:cNvSpPr>
             <a:spLocks noGrp="1"/>
           </p:cNvSpPr>
@@ -10415,7 +10257,6 @@
           <a:p>
             <a:fld id="{C4C7283F-616F-4503-ABBD-21FFB2848302}" type="slidenum">
               <a:rPr lang="en-US" smtClean="0"/>
-              <a:t>23</a:t>
             </a:fld>
             <a:endParaRPr lang="en-US"/>
           </a:p>
@@ -10423,20 +10264,14 @@
       </p:sp>
       <p:pic>
         <p:nvPicPr>
-          <p:cNvPr id="5" name="Picture 4">
-            <a:extLst>
-              <a:ext uri="{FF2B5EF4-FFF2-40B4-BE49-F238E27FC236}">
-                <a16:creationId xmlns:a16="http://schemas.microsoft.com/office/drawing/2014/main" id="{80AEDBC8-073B-764A-D616-619F072FA8A6}"/>
-              </a:ext>
-            </a:extLst>
-          </p:cNvPr>
+          <p:cNvPr id="5" name="Picture 4"/>
           <p:cNvPicPr>
             <a:picLocks noChangeAspect="1"/>
           </p:cNvPicPr>
           <p:nvPr/>
         </p:nvPicPr>
         <p:blipFill>
-          <a:blip r:embed="rId3">
+          <a:blip r:embed="rId1">
             <a:extLst>
               <a:ext uri="{28A0092B-C50C-407E-A947-70E740481C1C}">
                 <a14:useLocalDpi xmlns:a14="http://schemas.microsoft.com/office/drawing/2010/main" val="0"/>
@@ -10444,7 +10279,9 @@
             </a:extLst>
           </a:blip>
           <a:srcRect/>
-          <a:stretch/>
+          <a:stretch>
+            <a:fillRect/>
+          </a:stretch>
         </p:blipFill>
         <p:spPr>
           <a:xfrm>
@@ -10458,13 +10295,7 @@
       </p:pic>
       <p:sp>
         <p:nvSpPr>
-          <p:cNvPr id="12" name="Subtitle 11">
-            <a:extLst>
-              <a:ext uri="{FF2B5EF4-FFF2-40B4-BE49-F238E27FC236}">
-                <a16:creationId xmlns:a16="http://schemas.microsoft.com/office/drawing/2014/main" id="{16A4AD93-23F9-2E81-6AAB-3667DD48C060}"/>
-              </a:ext>
-            </a:extLst>
-          </p:cNvPr>
+          <p:cNvPr id="12" name="Subtitle 11"/>
           <p:cNvSpPr>
             <a:spLocks noGrp="1"/>
           </p:cNvSpPr>
@@ -10477,16 +10308,11 @@
           <a:bodyPr/>
           <a:lstStyle/>
           <a:p>
-            <a:endParaRPr lang="en-KE"/>
+            <a:endParaRPr lang="en-US"/>
           </a:p>
         </p:txBody>
       </p:sp>
     </p:spTree>
-    <p:extLst>
-      <p:ext uri="{BB962C8B-B14F-4D97-AF65-F5344CB8AC3E}">
-        <p14:creationId xmlns:p14="http://schemas.microsoft.com/office/powerpoint/2010/main" val="3122496624"/>
-      </p:ext>
-    </p:extLst>
   </p:cSld>
   <p:clrMapOvr>
     <a:masterClrMapping/>
@@ -10499,13 +10325,7 @@
   <p:cSld>
     <p:spTree>
       <p:nvGrpSpPr>
-        <p:cNvPr id="1" name="">
-          <a:extLst>
-            <a:ext uri="{FF2B5EF4-FFF2-40B4-BE49-F238E27FC236}">
-              <a16:creationId xmlns:a16="http://schemas.microsoft.com/office/drawing/2014/main" id="{D635C11B-E14B-F8D8-C15C-8E8D4DB0A864}"/>
-            </a:ext>
-          </a:extLst>
-        </p:cNvPr>
+        <p:cNvPr id="1" name=""/>
         <p:cNvGrpSpPr/>
         <p:nvPr/>
       </p:nvGrpSpPr>
@@ -10519,13 +10339,7 @@
       </p:grpSpPr>
       <p:sp>
         <p:nvSpPr>
-          <p:cNvPr id="2" name="Title 1">
-            <a:extLst>
-              <a:ext uri="{FF2B5EF4-FFF2-40B4-BE49-F238E27FC236}">
-                <a16:creationId xmlns:a16="http://schemas.microsoft.com/office/drawing/2014/main" id="{8D6825A0-35AB-1BD1-BDA6-9EF48F673952}"/>
-              </a:ext>
-            </a:extLst>
-          </p:cNvPr>
+          <p:cNvPr id="2" name="Title 1"/>
           <p:cNvSpPr>
             <a:spLocks noGrp="1"/>
           </p:cNvSpPr>
@@ -10554,13 +10368,7 @@
       </p:sp>
       <p:sp>
         <p:nvSpPr>
-          <p:cNvPr id="4" name="Footer Placeholder 3">
-            <a:extLst>
-              <a:ext uri="{FF2B5EF4-FFF2-40B4-BE49-F238E27FC236}">
-                <a16:creationId xmlns:a16="http://schemas.microsoft.com/office/drawing/2014/main" id="{F6603DF3-C916-5C82-E5A2-1145C255B064}"/>
-              </a:ext>
-            </a:extLst>
-          </p:cNvPr>
+          <p:cNvPr id="4" name="Footer Placeholder 3"/>
           <p:cNvSpPr>
             <a:spLocks noGrp="1"/>
           </p:cNvSpPr>
@@ -10583,13 +10391,7 @@
       </p:sp>
       <p:sp>
         <p:nvSpPr>
-          <p:cNvPr id="6" name="Slide Number Placeholder 5">
-            <a:extLst>
-              <a:ext uri="{FF2B5EF4-FFF2-40B4-BE49-F238E27FC236}">
-                <a16:creationId xmlns:a16="http://schemas.microsoft.com/office/drawing/2014/main" id="{5BB945A2-7249-2759-D95C-3DF3AB5176F6}"/>
-              </a:ext>
-            </a:extLst>
-          </p:cNvPr>
+          <p:cNvPr id="6" name="Slide Number Placeholder 5"/>
           <p:cNvSpPr>
             <a:spLocks noGrp="1"/>
           </p:cNvSpPr>
@@ -10604,7 +10406,6 @@
           <a:p>
             <a:fld id="{C4C7283F-616F-4503-ABBD-21FFB2848302}" type="slidenum">
               <a:rPr lang="en-US" smtClean="0"/>
-              <a:t>24</a:t>
             </a:fld>
             <a:endParaRPr lang="en-US"/>
           </a:p>
@@ -10612,20 +10413,14 @@
       </p:sp>
       <p:pic>
         <p:nvPicPr>
-          <p:cNvPr id="5" name="Picture 4">
-            <a:extLst>
-              <a:ext uri="{FF2B5EF4-FFF2-40B4-BE49-F238E27FC236}">
-                <a16:creationId xmlns:a16="http://schemas.microsoft.com/office/drawing/2014/main" id="{F2101D8D-07EB-618C-2560-7F0E9BE616C9}"/>
-              </a:ext>
-            </a:extLst>
-          </p:cNvPr>
+          <p:cNvPr id="5" name="Picture 4"/>
           <p:cNvPicPr>
             <a:picLocks noChangeAspect="1"/>
           </p:cNvPicPr>
           <p:nvPr/>
         </p:nvPicPr>
         <p:blipFill>
-          <a:blip r:embed="rId3">
+          <a:blip r:embed="rId1">
             <a:extLst>
               <a:ext uri="{28A0092B-C50C-407E-A947-70E740481C1C}">
                 <a14:useLocalDpi xmlns:a14="http://schemas.microsoft.com/office/drawing/2010/main" val="0"/>
@@ -10633,7 +10428,9 @@
             </a:extLst>
           </a:blip>
           <a:srcRect/>
-          <a:stretch/>
+          <a:stretch>
+            <a:fillRect/>
+          </a:stretch>
         </p:blipFill>
         <p:spPr>
           <a:xfrm>
@@ -10647,13 +10444,7 @@
       </p:pic>
       <p:sp>
         <p:nvSpPr>
-          <p:cNvPr id="12" name="Subtitle 11">
-            <a:extLst>
-              <a:ext uri="{FF2B5EF4-FFF2-40B4-BE49-F238E27FC236}">
-                <a16:creationId xmlns:a16="http://schemas.microsoft.com/office/drawing/2014/main" id="{B1F122F1-4271-758C-4D14-D62DAE31E331}"/>
-              </a:ext>
-            </a:extLst>
-          </p:cNvPr>
+          <p:cNvPr id="12" name="Subtitle 11"/>
           <p:cNvSpPr>
             <a:spLocks noGrp="1"/>
           </p:cNvSpPr>
@@ -10678,26 +10469,20 @@
               <a:rPr lang="en-GB" sz="2000" b="1" dirty="0"/>
               <a:t>Average rating</a:t>
             </a:r>
-            <a:endParaRPr lang="en-KE" sz="2000" b="1" dirty="0"/>
+            <a:endParaRPr lang="en-US" sz="2000" b="1" dirty="0"/>
           </a:p>
         </p:txBody>
       </p:sp>
       <p:pic>
         <p:nvPicPr>
-          <p:cNvPr id="3" name="Picture 2">
-            <a:extLst>
-              <a:ext uri="{FF2B5EF4-FFF2-40B4-BE49-F238E27FC236}">
-                <a16:creationId xmlns:a16="http://schemas.microsoft.com/office/drawing/2014/main" id="{D91A44AE-F76D-70F6-232F-6F8E61EA425D}"/>
-              </a:ext>
-            </a:extLst>
-          </p:cNvPr>
+          <p:cNvPr id="3" name="Picture 2"/>
           <p:cNvPicPr>
             <a:picLocks noChangeAspect="1"/>
           </p:cNvPicPr>
           <p:nvPr/>
         </p:nvPicPr>
         <p:blipFill>
-          <a:blip r:embed="rId4">
+          <a:blip r:embed="rId2">
             <a:extLst>
               <a:ext uri="{28A0092B-C50C-407E-A947-70E740481C1C}">
                 <a14:useLocalDpi xmlns:a14="http://schemas.microsoft.com/office/drawing/2010/main" val="0"/>
@@ -10705,7 +10490,9 @@
             </a:extLst>
           </a:blip>
           <a:srcRect/>
-          <a:stretch/>
+          <a:stretch>
+            <a:fillRect/>
+          </a:stretch>
         </p:blipFill>
         <p:spPr>
           <a:xfrm>
@@ -10719,16 +10506,8 @@
       </p:pic>
       <p:sp>
         <p:nvSpPr>
-          <p:cNvPr id="7" name="Subtitle 11">
-            <a:extLst>
-              <a:ext uri="{FF2B5EF4-FFF2-40B4-BE49-F238E27FC236}">
-                <a16:creationId xmlns:a16="http://schemas.microsoft.com/office/drawing/2014/main" id="{AD491E7D-3582-501B-35B2-A4695D9A535D}"/>
-              </a:ext>
-            </a:extLst>
-          </p:cNvPr>
-          <p:cNvSpPr txBox="1">
-            <a:spLocks/>
-          </p:cNvSpPr>
+          <p:cNvPr id="7" name="Subtitle 11"/>
+          <p:cNvSpPr txBox="1"/>
           <p:nvPr/>
         </p:nvSpPr>
         <p:spPr>
@@ -10969,16 +10748,11 @@
               <a:rPr lang="en-GB" sz="2000" b="1" dirty="0"/>
               <a:t>Total gross</a:t>
             </a:r>
-            <a:endParaRPr lang="en-KE" sz="2000" b="1" dirty="0"/>
+            <a:endParaRPr lang="en-US" sz="2000" b="1" dirty="0"/>
           </a:p>
         </p:txBody>
       </p:sp>
     </p:spTree>
-    <p:extLst>
-      <p:ext uri="{BB962C8B-B14F-4D97-AF65-F5344CB8AC3E}">
-        <p14:creationId xmlns:p14="http://schemas.microsoft.com/office/powerpoint/2010/main" val="1898261849"/>
-      </p:ext>
-    </p:extLst>
   </p:cSld>
   <p:clrMapOvr>
     <a:masterClrMapping/>
@@ -10991,13 +10765,7 @@
   <p:cSld>
     <p:spTree>
       <p:nvGrpSpPr>
-        <p:cNvPr id="1" name="">
-          <a:extLst>
-            <a:ext uri="{FF2B5EF4-FFF2-40B4-BE49-F238E27FC236}">
-              <a16:creationId xmlns:a16="http://schemas.microsoft.com/office/drawing/2014/main" id="{B6E0B431-6B61-7B15-1C6C-80702A58CB9E}"/>
-            </a:ext>
-          </a:extLst>
-        </p:cNvPr>
+        <p:cNvPr id="1" name=""/>
         <p:cNvGrpSpPr/>
         <p:nvPr/>
       </p:nvGrpSpPr>
@@ -11011,13 +10779,7 @@
       </p:grpSpPr>
       <p:sp>
         <p:nvSpPr>
-          <p:cNvPr id="2" name="Title 1">
-            <a:extLst>
-              <a:ext uri="{FF2B5EF4-FFF2-40B4-BE49-F238E27FC236}">
-                <a16:creationId xmlns:a16="http://schemas.microsoft.com/office/drawing/2014/main" id="{403A5981-7DE9-5CBB-DBDB-DCF126C09711}"/>
-              </a:ext>
-            </a:extLst>
-          </p:cNvPr>
+          <p:cNvPr id="2" name="Title 1"/>
           <p:cNvSpPr>
             <a:spLocks noGrp="1"/>
           </p:cNvSpPr>
@@ -11046,13 +10808,7 @@
       </p:sp>
       <p:sp>
         <p:nvSpPr>
-          <p:cNvPr id="4" name="Footer Placeholder 3">
-            <a:extLst>
-              <a:ext uri="{FF2B5EF4-FFF2-40B4-BE49-F238E27FC236}">
-                <a16:creationId xmlns:a16="http://schemas.microsoft.com/office/drawing/2014/main" id="{E85CB493-109E-AD43-E865-6465594C58B6}"/>
-              </a:ext>
-            </a:extLst>
-          </p:cNvPr>
+          <p:cNvPr id="4" name="Footer Placeholder 3"/>
           <p:cNvSpPr>
             <a:spLocks noGrp="1"/>
           </p:cNvSpPr>
@@ -11075,13 +10831,7 @@
       </p:sp>
       <p:sp>
         <p:nvSpPr>
-          <p:cNvPr id="6" name="Slide Number Placeholder 5">
-            <a:extLst>
-              <a:ext uri="{FF2B5EF4-FFF2-40B4-BE49-F238E27FC236}">
-                <a16:creationId xmlns:a16="http://schemas.microsoft.com/office/drawing/2014/main" id="{A4C8C40D-AE18-E411-B225-9166410D8871}"/>
-              </a:ext>
-            </a:extLst>
-          </p:cNvPr>
+          <p:cNvPr id="6" name="Slide Number Placeholder 5"/>
           <p:cNvSpPr>
             <a:spLocks noGrp="1"/>
           </p:cNvSpPr>
@@ -11096,7 +10846,6 @@
           <a:p>
             <a:fld id="{C4C7283F-616F-4503-ABBD-21FFB2848302}" type="slidenum">
               <a:rPr lang="en-US" smtClean="0"/>
-              <a:t>25</a:t>
             </a:fld>
             <a:endParaRPr lang="en-US"/>
           </a:p>
@@ -11104,20 +10853,14 @@
       </p:sp>
       <p:pic>
         <p:nvPicPr>
-          <p:cNvPr id="5" name="Picture 4">
-            <a:extLst>
-              <a:ext uri="{FF2B5EF4-FFF2-40B4-BE49-F238E27FC236}">
-                <a16:creationId xmlns:a16="http://schemas.microsoft.com/office/drawing/2014/main" id="{9989903B-4539-7C4D-CFA4-C9C78F4D9A70}"/>
-              </a:ext>
-            </a:extLst>
-          </p:cNvPr>
+          <p:cNvPr id="5" name="Picture 4"/>
           <p:cNvPicPr>
             <a:picLocks noChangeAspect="1"/>
           </p:cNvPicPr>
           <p:nvPr/>
         </p:nvPicPr>
         <p:blipFill>
-          <a:blip r:embed="rId3">
+          <a:blip r:embed="rId1">
             <a:extLst>
               <a:ext uri="{28A0092B-C50C-407E-A947-70E740481C1C}">
                 <a14:useLocalDpi xmlns:a14="http://schemas.microsoft.com/office/drawing/2010/main" val="0"/>
@@ -11125,7 +10868,9 @@
             </a:extLst>
           </a:blip>
           <a:srcRect/>
-          <a:stretch/>
+          <a:stretch>
+            <a:fillRect/>
+          </a:stretch>
         </p:blipFill>
         <p:spPr>
           <a:xfrm>
@@ -11139,13 +10884,7 @@
       </p:pic>
       <p:sp>
         <p:nvSpPr>
-          <p:cNvPr id="12" name="Subtitle 11">
-            <a:extLst>
-              <a:ext uri="{FF2B5EF4-FFF2-40B4-BE49-F238E27FC236}">
-                <a16:creationId xmlns:a16="http://schemas.microsoft.com/office/drawing/2014/main" id="{36583669-E96D-FE3D-5EDD-3B72BEA2E5CD}"/>
-              </a:ext>
-            </a:extLst>
-          </p:cNvPr>
+          <p:cNvPr id="12" name="Subtitle 11"/>
           <p:cNvSpPr>
             <a:spLocks noGrp="1"/>
           </p:cNvSpPr>
@@ -11170,26 +10909,20 @@
               <a:rPr lang="en-GB" sz="2000" b="1" dirty="0"/>
               <a:t>Average rating</a:t>
             </a:r>
-            <a:endParaRPr lang="en-KE" sz="2000" b="1" dirty="0"/>
+            <a:endParaRPr lang="en-US" sz="2000" b="1" dirty="0"/>
           </a:p>
         </p:txBody>
       </p:sp>
       <p:pic>
         <p:nvPicPr>
-          <p:cNvPr id="3" name="Picture 2">
-            <a:extLst>
-              <a:ext uri="{FF2B5EF4-FFF2-40B4-BE49-F238E27FC236}">
-                <a16:creationId xmlns:a16="http://schemas.microsoft.com/office/drawing/2014/main" id="{551F6056-7BE0-23F9-B26B-45B66A046727}"/>
-              </a:ext>
-            </a:extLst>
-          </p:cNvPr>
+          <p:cNvPr id="3" name="Picture 2"/>
           <p:cNvPicPr>
             <a:picLocks noChangeAspect="1"/>
           </p:cNvPicPr>
           <p:nvPr/>
         </p:nvPicPr>
         <p:blipFill>
-          <a:blip r:embed="rId4">
+          <a:blip r:embed="rId2">
             <a:extLst>
               <a:ext uri="{28A0092B-C50C-407E-A947-70E740481C1C}">
                 <a14:useLocalDpi xmlns:a14="http://schemas.microsoft.com/office/drawing/2010/main" val="0"/>
@@ -11197,7 +10930,9 @@
             </a:extLst>
           </a:blip>
           <a:srcRect/>
-          <a:stretch/>
+          <a:stretch>
+            <a:fillRect/>
+          </a:stretch>
         </p:blipFill>
         <p:spPr>
           <a:xfrm>
@@ -11211,16 +10946,8 @@
       </p:pic>
       <p:sp>
         <p:nvSpPr>
-          <p:cNvPr id="7" name="Subtitle 11">
-            <a:extLst>
-              <a:ext uri="{FF2B5EF4-FFF2-40B4-BE49-F238E27FC236}">
-                <a16:creationId xmlns:a16="http://schemas.microsoft.com/office/drawing/2014/main" id="{A169F4A4-FC43-D8EA-D76B-E015BEBD5817}"/>
-              </a:ext>
-            </a:extLst>
-          </p:cNvPr>
-          <p:cNvSpPr txBox="1">
-            <a:spLocks/>
-          </p:cNvSpPr>
+          <p:cNvPr id="7" name="Subtitle 11"/>
+          <p:cNvSpPr txBox="1"/>
           <p:nvPr/>
         </p:nvSpPr>
         <p:spPr>
@@ -11461,16 +11188,11 @@
               <a:rPr lang="en-GB" sz="2000" b="1" dirty="0"/>
               <a:t>Total gross</a:t>
             </a:r>
-            <a:endParaRPr lang="en-KE" sz="2000" b="1" dirty="0"/>
+            <a:endParaRPr lang="en-US" sz="2000" b="1" dirty="0"/>
           </a:p>
         </p:txBody>
       </p:sp>
     </p:spTree>
-    <p:extLst>
-      <p:ext uri="{BB962C8B-B14F-4D97-AF65-F5344CB8AC3E}">
-        <p14:creationId xmlns:p14="http://schemas.microsoft.com/office/powerpoint/2010/main" val="1112941859"/>
-      </p:ext>
-    </p:extLst>
   </p:cSld>
   <p:clrMapOvr>
     <a:masterClrMapping/>
@@ -11483,13 +11205,7 @@
   <p:cSld>
     <p:spTree>
       <p:nvGrpSpPr>
-        <p:cNvPr id="1" name="">
-          <a:extLst>
-            <a:ext uri="{FF2B5EF4-FFF2-40B4-BE49-F238E27FC236}">
-              <a16:creationId xmlns:a16="http://schemas.microsoft.com/office/drawing/2014/main" id="{AB3DCAEE-A440-2448-7954-9D7C9BC762BF}"/>
-            </a:ext>
-          </a:extLst>
-        </p:cNvPr>
+        <p:cNvPr id="1" name=""/>
         <p:cNvGrpSpPr/>
         <p:nvPr/>
       </p:nvGrpSpPr>
@@ -11503,13 +11219,7 @@
       </p:grpSpPr>
       <p:sp>
         <p:nvSpPr>
-          <p:cNvPr id="2" name="Title 1">
-            <a:extLst>
-              <a:ext uri="{FF2B5EF4-FFF2-40B4-BE49-F238E27FC236}">
-                <a16:creationId xmlns:a16="http://schemas.microsoft.com/office/drawing/2014/main" id="{5301C2B0-D3E6-6911-239F-9F4229D1B78D}"/>
-              </a:ext>
-            </a:extLst>
-          </p:cNvPr>
+          <p:cNvPr id="2" name="Title 1"/>
           <p:cNvSpPr>
             <a:spLocks noGrp="1"/>
           </p:cNvSpPr>
@@ -11532,18 +11242,13 @@
               <a:rPr lang="en-US" sz="4800" dirty="0"/>
               <a:t>Null and alternative hypothesis.</a:t>
             </a:r>
-          </a:p>
-        </p:txBody>
-      </p:sp>
-      <p:sp>
-        <p:nvSpPr>
-          <p:cNvPr id="4" name="Footer Placeholder 3">
-            <a:extLst>
-              <a:ext uri="{FF2B5EF4-FFF2-40B4-BE49-F238E27FC236}">
-                <a16:creationId xmlns:a16="http://schemas.microsoft.com/office/drawing/2014/main" id="{BEFB2A7B-77B3-80D2-CDDB-985F1EA49DA6}"/>
-              </a:ext>
-            </a:extLst>
-          </p:cNvPr>
+            <a:endParaRPr lang="en-US" sz="4800" dirty="0"/>
+          </a:p>
+        </p:txBody>
+      </p:sp>
+      <p:sp>
+        <p:nvSpPr>
+          <p:cNvPr id="4" name="Footer Placeholder 3"/>
           <p:cNvSpPr>
             <a:spLocks noGrp="1"/>
           </p:cNvSpPr>
@@ -11566,13 +11271,7 @@
       </p:sp>
       <p:sp>
         <p:nvSpPr>
-          <p:cNvPr id="6" name="Slide Number Placeholder 5">
-            <a:extLst>
-              <a:ext uri="{FF2B5EF4-FFF2-40B4-BE49-F238E27FC236}">
-                <a16:creationId xmlns:a16="http://schemas.microsoft.com/office/drawing/2014/main" id="{FF07E8D6-486D-D165-8D7C-BE48310D1F53}"/>
-              </a:ext>
-            </a:extLst>
-          </p:cNvPr>
+          <p:cNvPr id="6" name="Slide Number Placeholder 5"/>
           <p:cNvSpPr>
             <a:spLocks noGrp="1"/>
           </p:cNvSpPr>
@@ -11587,7 +11286,6 @@
           <a:p>
             <a:fld id="{C4C7283F-616F-4503-ABBD-21FFB2848302}" type="slidenum">
               <a:rPr lang="en-US" smtClean="0"/>
-              <a:t>26</a:t>
             </a:fld>
             <a:endParaRPr lang="en-US"/>
           </a:p>
@@ -11595,13 +11293,7 @@
       </p:sp>
       <p:sp>
         <p:nvSpPr>
-          <p:cNvPr id="12" name="Subtitle 11">
-            <a:extLst>
-              <a:ext uri="{FF2B5EF4-FFF2-40B4-BE49-F238E27FC236}">
-                <a16:creationId xmlns:a16="http://schemas.microsoft.com/office/drawing/2014/main" id="{3A095314-98F7-857D-49F4-3E404B74FB87}"/>
-              </a:ext>
-            </a:extLst>
-          </p:cNvPr>
+          <p:cNvPr id="12" name="Subtitle 11"/>
           <p:cNvSpPr>
             <a:spLocks noGrp="1"/>
           </p:cNvSpPr>
@@ -11626,22 +11318,14 @@
               <a:rPr lang="en-GB" sz="2000" b="1" dirty="0"/>
               <a:t>Average rating</a:t>
             </a:r>
-            <a:endParaRPr lang="en-KE" sz="2000" b="1" dirty="0"/>
-          </a:p>
-        </p:txBody>
-      </p:sp>
-      <p:sp>
-        <p:nvSpPr>
-          <p:cNvPr id="7" name="Subtitle 11">
-            <a:extLst>
-              <a:ext uri="{FF2B5EF4-FFF2-40B4-BE49-F238E27FC236}">
-                <a16:creationId xmlns:a16="http://schemas.microsoft.com/office/drawing/2014/main" id="{197FF7F9-3536-D2FF-0438-4E3EF1021697}"/>
-              </a:ext>
-            </a:extLst>
-          </p:cNvPr>
-          <p:cNvSpPr txBox="1">
-            <a:spLocks/>
-          </p:cNvSpPr>
+            <a:endParaRPr lang="en-US" sz="2000" b="1" dirty="0"/>
+          </a:p>
+        </p:txBody>
+      </p:sp>
+      <p:sp>
+        <p:nvSpPr>
+          <p:cNvPr id="7" name="Subtitle 11"/>
+          <p:cNvSpPr txBox="1"/>
           <p:nvPr/>
         </p:nvSpPr>
         <p:spPr>
@@ -11882,26 +11566,20 @@
               <a:rPr lang="en-GB" sz="2000" b="1" dirty="0"/>
               <a:t>Total gross</a:t>
             </a:r>
-            <a:endParaRPr lang="en-KE" sz="2000" b="1" dirty="0"/>
+            <a:endParaRPr lang="en-US" sz="2000" b="1" dirty="0"/>
           </a:p>
         </p:txBody>
       </p:sp>
       <p:pic>
         <p:nvPicPr>
-          <p:cNvPr id="9" name="Picture 8">
-            <a:extLst>
-              <a:ext uri="{FF2B5EF4-FFF2-40B4-BE49-F238E27FC236}">
-                <a16:creationId xmlns:a16="http://schemas.microsoft.com/office/drawing/2014/main" id="{636D5011-537D-95DE-7799-91E782000C8F}"/>
-              </a:ext>
-            </a:extLst>
-          </p:cNvPr>
+          <p:cNvPr id="9" name="Picture 8"/>
           <p:cNvPicPr>
             <a:picLocks noChangeAspect="1"/>
           </p:cNvPicPr>
           <p:nvPr/>
         </p:nvPicPr>
         <p:blipFill>
-          <a:blip r:embed="rId3"/>
+          <a:blip r:embed="rId1"/>
           <a:stretch>
             <a:fillRect/>
           </a:stretch>
@@ -11918,20 +11596,14 @@
       </p:pic>
       <p:pic>
         <p:nvPicPr>
-          <p:cNvPr id="14" name="Picture 13">
-            <a:extLst>
-              <a:ext uri="{FF2B5EF4-FFF2-40B4-BE49-F238E27FC236}">
-                <a16:creationId xmlns:a16="http://schemas.microsoft.com/office/drawing/2014/main" id="{EC2ADFCD-39FC-B8EC-39DD-8FA0FB07F94E}"/>
-              </a:ext>
-            </a:extLst>
-          </p:cNvPr>
+          <p:cNvPr id="14" name="Picture 13"/>
           <p:cNvPicPr>
             <a:picLocks noChangeAspect="1"/>
           </p:cNvPicPr>
           <p:nvPr/>
         </p:nvPicPr>
         <p:blipFill>
-          <a:blip r:embed="rId4">
+          <a:blip r:embed="rId2">
             <a:extLst>
               <a:ext uri="{28A0092B-C50C-407E-A947-70E740481C1C}">
                 <a14:useLocalDpi xmlns:a14="http://schemas.microsoft.com/office/drawing/2010/main" val="0"/>
@@ -11939,7 +11611,9 @@
             </a:extLst>
           </a:blip>
           <a:srcRect/>
-          <a:stretch/>
+          <a:stretch>
+            <a:fillRect/>
+          </a:stretch>
         </p:blipFill>
         <p:spPr>
           <a:xfrm>
@@ -11953,20 +11627,14 @@
       </p:pic>
       <p:pic>
         <p:nvPicPr>
-          <p:cNvPr id="16" name="Picture 15">
-            <a:extLst>
-              <a:ext uri="{FF2B5EF4-FFF2-40B4-BE49-F238E27FC236}">
-                <a16:creationId xmlns:a16="http://schemas.microsoft.com/office/drawing/2014/main" id="{BBDD1A75-AA96-A37D-4D8A-6D7609F77ECF}"/>
-              </a:ext>
-            </a:extLst>
-          </p:cNvPr>
+          <p:cNvPr id="16" name="Picture 15"/>
           <p:cNvPicPr>
             <a:picLocks noChangeAspect="1"/>
           </p:cNvPicPr>
           <p:nvPr/>
         </p:nvPicPr>
         <p:blipFill>
-          <a:blip r:embed="rId5"/>
+          <a:blip r:embed="rId3"/>
           <a:stretch>
             <a:fillRect/>
           </a:stretch>
@@ -11983,20 +11651,14 @@
       </p:pic>
       <p:pic>
         <p:nvPicPr>
-          <p:cNvPr id="18" name="Picture 17">
-            <a:extLst>
-              <a:ext uri="{FF2B5EF4-FFF2-40B4-BE49-F238E27FC236}">
-                <a16:creationId xmlns:a16="http://schemas.microsoft.com/office/drawing/2014/main" id="{96DCC258-80AB-69F5-E57B-46C782C9862D}"/>
-              </a:ext>
-            </a:extLst>
-          </p:cNvPr>
+          <p:cNvPr id="18" name="Picture 17"/>
           <p:cNvPicPr>
             <a:picLocks noChangeAspect="1"/>
           </p:cNvPicPr>
           <p:nvPr/>
         </p:nvPicPr>
         <p:blipFill>
-          <a:blip r:embed="rId6"/>
+          <a:blip r:embed="rId4"/>
           <a:stretch>
             <a:fillRect/>
           </a:stretch>
@@ -12012,11 +11674,6 @@
         </p:spPr>
       </p:pic>
     </p:spTree>
-    <p:extLst>
-      <p:ext uri="{BB962C8B-B14F-4D97-AF65-F5344CB8AC3E}">
-        <p14:creationId xmlns:p14="http://schemas.microsoft.com/office/powerpoint/2010/main" val="3590778099"/>
-      </p:ext>
-    </p:extLst>
   </p:cSld>
   <p:clrMapOvr>
     <a:masterClrMapping/>
@@ -12066,6 +11723,7 @@
               <a:rPr lang="en-US" dirty="0"/>
               <a:t>MODELING REPORT</a:t>
             </a:r>
+            <a:endParaRPr lang="en-US" dirty="0"/>
           </a:p>
         </p:txBody>
       </p:sp>
@@ -12081,8 +11739,8 @@
         </p:nvSpPr>
         <p:spPr>
           <a:xfrm>
-            <a:off x="1339115" y="1911202"/>
-            <a:ext cx="8364721" cy="3015361"/>
+            <a:off x="1339215" y="1911350"/>
+            <a:ext cx="9119235" cy="3797935"/>
           </a:xfrm>
         </p:spPr>
         <p:txBody>
@@ -12093,39 +11751,58 @@
           <a:p>
             <a:pPr algn="l"/>
             <a:r>
-              <a:rPr lang="en-GB" sz="2400" b="0" i="0" dirty="0">
-                <a:effectLst/>
-              </a:rPr>
-              <a:t>1] R² is computed without centering (uncentered) since the model does not contain a constant.</a:t>
-            </a:r>
-          </a:p>
-          <a:p>
-            <a:pPr algn="l"/>
-            <a:r>
-              <a:rPr lang="en-GB" sz="2400" b="0" i="0" dirty="0">
-                <a:effectLst/>
-              </a:rPr>
-              <a:t>[2] Standard Errors assume that the covariance matrix of the errors is correctly specified.</a:t>
-            </a:r>
-            <a:br>
-              <a:rPr lang="en-GB" sz="2400" dirty="0"/>
-            </a:br>
-            <a:r>
-              <a:rPr lang="en-GB" sz="2400" b="0" i="0" dirty="0">
-                <a:effectLst/>
-              </a:rPr>
-              <a:t>[3] The condition number is large, 1.74e+04. This might indicate that there are</a:t>
-            </a:r>
-            <a:br>
-              <a:rPr lang="en-GB" sz="2400" dirty="0"/>
-            </a:br>
-            <a:r>
-              <a:rPr lang="en-GB" sz="2400" b="0" i="0" dirty="0">
-                <a:effectLst/>
-              </a:rPr>
-              <a:t>strong multicollinearity or other numerical problems.</a:t>
-            </a:r>
-            <a:endParaRPr lang="en-US" sz="2400" dirty="0"/>
+              <a:rPr lang="en-US" altLang="en-GB" sz="2200" dirty="0"/>
+              <a:t>The logistic regression model's performance is suboptimal, as reflected by the following key observations:</a:t>
+            </a:r>
+            <a:endParaRPr lang="en-US" altLang="en-GB" sz="2200" dirty="0"/>
+          </a:p>
+          <a:p>
+            <a:pPr marL="457200" indent="-457200" algn="l">
+              <a:buFont typeface="+mj-lt"/>
+              <a:buAutoNum type="arabicPeriod"/>
+            </a:pPr>
+            <a:r>
+              <a:rPr lang="en-US" altLang="en-GB" sz="2200" dirty="0"/>
+              <a:t>High Errors: The MAE (65.66), MSE (8101.98), and RMSE (90.01) indicate significant prediction errors on average.</a:t>
+            </a:r>
+            <a:endParaRPr lang="en-US" altLang="en-GB" sz="2200" dirty="0"/>
+          </a:p>
+          <a:p>
+            <a:pPr marL="457200" indent="-457200" algn="l">
+              <a:buFont typeface="+mj-lt"/>
+              <a:buAutoNum type="arabicPeriod"/>
+            </a:pPr>
+            <a:r>
+              <a:rPr lang="en-US" altLang="en-GB" sz="2200" dirty="0"/>
+              <a:t> Negative R</a:t>
+            </a:r>
+            <a:r>
+              <a:rPr lang="en-US" altLang="en-US" sz="2200" dirty="0"/>
+              <a:t>²</a:t>
+            </a:r>
+            <a:r>
+              <a:rPr lang="en-US" altLang="en-GB" sz="2200" dirty="0"/>
+              <a:t> (-0.378): The negative R</a:t>
+            </a:r>
+            <a:r>
+              <a:rPr lang="en-US" altLang="en-US" sz="2200" dirty="0"/>
+              <a:t>²</a:t>
+            </a:r>
+            <a:r>
+              <a:rPr lang="en-US" altLang="en-GB" sz="2200" dirty="0"/>
+              <a:t> suggests the model performs worse than simply predicting the mean of the target variable.</a:t>
+            </a:r>
+            <a:endParaRPr lang="en-US" altLang="en-GB" sz="2200" dirty="0"/>
+          </a:p>
+          <a:p>
+            <a:pPr algn="l">
+              <a:buFont typeface="+mj-lt"/>
+            </a:pPr>
+            <a:r>
+              <a:rPr lang="en-US" altLang="en-GB" sz="2200" dirty="0"/>
+              <a:t>Model Improvements Needed: The model likely requires better feature engineering, data preprocessing, and possibly a different model approach to improve accuracy and fit.</a:t>
+            </a:r>
+            <a:endParaRPr lang="en-US" altLang="en-GB" sz="2200" dirty="0"/>
           </a:p>
         </p:txBody>
       </p:sp>
@@ -12169,7 +11846,6 @@
           <a:p>
             <a:fld id="{C4C7283F-616F-4503-ABBD-21FFB2848302}" type="slidenum">
               <a:rPr lang="en-US" smtClean="0"/>
-              <a:t>27</a:t>
             </a:fld>
             <a:endParaRPr lang="en-US"/>
           </a:p>
@@ -12226,6 +11902,7 @@
               <a:rPr lang="en-US" sz="4400" dirty="0"/>
               <a:t>CONCLUSION</a:t>
             </a:r>
+            <a:endParaRPr lang="en-US" sz="4400" dirty="0"/>
           </a:p>
         </p:txBody>
       </p:sp>
@@ -12261,6 +11938,9 @@
               </a:rPr>
               <a:t>From the analysis, it is clear that the Drama genre enjoys the highest ratings, but its box office success fluctuates over time. While the Adventure, Comedy, and Sci-Fi genres remain the highest-selling genres, this is likely due to their broad appeal and entertainment value. </a:t>
             </a:r>
+            <a:endParaRPr lang="en-US" altLang="en-GB" sz="2000" dirty="0">
+              <a:cs typeface="+mj-lt"/>
+            </a:endParaRPr>
           </a:p>
           <a:p>
             <a:pPr algn="l">
@@ -12273,6 +11953,9 @@
               </a:rPr>
               <a:t>Directors like Clint Eastwood and Jay Roach contribute significantly to the sales, with their strong reputations and professional standards. The ratings analysis also highlights the R rating's popularity, reflecting the tastes of adult audiences. </a:t>
             </a:r>
+            <a:endParaRPr lang="en-US" altLang="en-GB" sz="2000" dirty="0">
+              <a:cs typeface="+mj-lt"/>
+            </a:endParaRPr>
           </a:p>
           <a:p>
             <a:pPr algn="l">
@@ -12285,6 +11968,9 @@
               </a:rPr>
               <a:t>Overall, the variability in movie sales and ratings over the years is likely driven by factors such as market dynamics, audience preferences, and the quality of direction and production.</a:t>
             </a:r>
+            <a:endParaRPr lang="en-US" altLang="en-GB" sz="2000" dirty="0">
+              <a:cs typeface="+mj-lt"/>
+            </a:endParaRPr>
           </a:p>
           <a:p>
             <a:pPr algn="l">
@@ -12354,7 +12040,6 @@
           <a:p>
             <a:fld id="{C4C7283F-616F-4503-ABBD-21FFB2848302}" type="slidenum">
               <a:rPr lang="en-US" smtClean="0"/>
-              <a:t>28</a:t>
             </a:fld>
             <a:endParaRPr lang="en-US"/>
           </a:p>
@@ -12459,6 +12144,11 @@
               </a:rPr>
               <a:t>Prioritize Action and Comedy genres for future productions, as they have proven to be the most lucrative and widely appreciated.</a:t>
             </a:r>
+            <a:endParaRPr lang="en-US" sz="2400" kern="100" dirty="0">
+              <a:effectLst/>
+              <a:ea typeface="Calibri" panose="020F0502020204030204" pitchFamily="34" charset="0"/>
+              <a:cs typeface="Times New Roman" panose="02020603050405020304" pitchFamily="18" charset="0"/>
+            </a:endParaRPr>
           </a:p>
           <a:p>
             <a:pPr marL="342900" lvl="0" indent="-342900">
@@ -12482,6 +12172,11 @@
               </a:rPr>
               <a:t>Partner with top-rated directors (e.g., Steven Spielberg, Clint Eastwood) and writers (e.g., Woody Allen) to enhance critical and audience reception.</a:t>
             </a:r>
+            <a:endParaRPr lang="en-US" sz="2400" kern="100" dirty="0">
+              <a:effectLst/>
+              <a:ea typeface="Calibri" panose="020F0502020204030204" pitchFamily="34" charset="0"/>
+              <a:cs typeface="Times New Roman" panose="02020603050405020304" pitchFamily="18" charset="0"/>
+            </a:endParaRPr>
           </a:p>
           <a:p>
             <a:pPr marL="342900" lvl="0" indent="-342900">
@@ -12505,6 +12200,11 @@
               </a:rPr>
               <a:t>Optimize movie runtimes based on audience preferences; longer runtimes for Action and Adventure, and shorter runtimes for genres like Animation.</a:t>
             </a:r>
+            <a:endParaRPr lang="en-US" sz="2400" kern="100" dirty="0">
+              <a:effectLst/>
+              <a:ea typeface="Calibri" panose="020F0502020204030204" pitchFamily="34" charset="0"/>
+              <a:cs typeface="Times New Roman" panose="02020603050405020304" pitchFamily="18" charset="0"/>
+            </a:endParaRPr>
           </a:p>
           <a:p>
             <a:pPr marL="342900" lvl="0" indent="-342900">
@@ -12528,6 +12228,11 @@
               </a:rPr>
               <a:t>Leverage Universal Pictures for distribution due to their strong track record in generating high ratings.</a:t>
             </a:r>
+            <a:endParaRPr lang="en-US" sz="2400" kern="100" dirty="0">
+              <a:effectLst/>
+              <a:ea typeface="Calibri" panose="020F0502020204030204" pitchFamily="34" charset="0"/>
+              <a:cs typeface="Times New Roman" panose="02020603050405020304" pitchFamily="18" charset="0"/>
+            </a:endParaRPr>
           </a:p>
           <a:p>
             <a:endParaRPr lang="en-US" dirty="0"/>
@@ -12574,7 +12279,6 @@
           <a:p>
             <a:fld id="{C4C7283F-616F-4503-ABBD-21FFB2848302}" type="slidenum">
               <a:rPr lang="en-US" smtClean="0"/>
-              <a:t>29</a:t>
             </a:fld>
             <a:endParaRPr lang="en-US"/>
           </a:p>
@@ -12640,6 +12344,7 @@
               <a:rPr lang="en-US" dirty="0"/>
               <a:t>BUSINESS UNDERSTANDING</a:t>
             </a:r>
+            <a:endParaRPr lang="en-US" dirty="0"/>
           </a:p>
         </p:txBody>
       </p:sp>
@@ -12679,6 +12384,9 @@
               </a:rPr>
               <a:t> company now sees all the big companies creating original video content and they want to get in on the fun. They have decided to create a new movie studio, but they don’t know anything about creating movies. </a:t>
             </a:r>
+            <a:endParaRPr lang="en-GB" sz="2400" b="0" i="0" dirty="0">
+              <a:effectLst/>
+            </a:endParaRPr>
           </a:p>
           <a:p>
             <a:pPr marL="342900" indent="-342900" algn="l">
@@ -12735,7 +12443,6 @@
           <a:p>
             <a:fld id="{C4C7283F-616F-4503-ABBD-21FFB2848302}" type="slidenum">
               <a:rPr lang="en-US" smtClean="0"/>
-              <a:t>3</a:t>
             </a:fld>
             <a:endParaRPr lang="en-US"/>
           </a:p>
@@ -12812,13 +12519,7 @@
                 <a:solidFill>
                   <a:schemeClr val="accent1"/>
                 </a:solidFill>
-                <a:hlinkClick r:id="rId2">
-                  <a:extLst>
-                    <a:ext uri="{A12FA001-AC4F-418D-AE19-62706E023703}">
-                      <ahyp:hlinkClr xmlns:ahyp="http://schemas.microsoft.com/office/drawing/2018/hyperlinkcolor" val="tx"/>
-                    </a:ext>
-                  </a:extLst>
-                </a:hlinkClick>
+                <a:hlinkClick r:id="rId1"/>
               </a:rPr>
               <a:t>catherine.kiptui@student.moringaschool.com</a:t>
             </a:r>
@@ -12837,13 +12538,7 @@
                 <a:solidFill>
                   <a:schemeClr val="accent1"/>
                 </a:solidFill>
-                <a:hlinkClick r:id="rId3">
-                  <a:extLst>
-                    <a:ext uri="{A12FA001-AC4F-418D-AE19-62706E023703}">
-                      <ahyp:hlinkClr xmlns:ahyp="http://schemas.microsoft.com/office/drawing/2018/hyperlinkcolor" val="tx"/>
-                    </a:ext>
-                  </a:extLst>
-                </a:hlinkClick>
+                <a:hlinkClick r:id="rId2"/>
               </a:rPr>
               <a:t>michellekavetza@gmail.com</a:t>
             </a:r>
@@ -12862,13 +12557,7 @@
                 <a:solidFill>
                   <a:schemeClr val="accent1"/>
                 </a:solidFill>
-                <a:hlinkClick r:id="rId4">
-                  <a:extLst>
-                    <a:ext uri="{A12FA001-AC4F-418D-AE19-62706E023703}">
-                      <ahyp:hlinkClr xmlns:ahyp="http://schemas.microsoft.com/office/drawing/2018/hyperlinkcolor" val="tx"/>
-                    </a:ext>
-                  </a:extLst>
-                </a:hlinkClick>
+                <a:hlinkClick r:id="rId3"/>
               </a:rPr>
               <a:t>gateromichael@gmail.com</a:t>
             </a:r>
@@ -12888,13 +12577,7 @@
                 <a:solidFill>
                   <a:schemeClr val="accent1"/>
                 </a:solidFill>
-                <a:hlinkClick r:id="rId5">
-                  <a:extLst>
-                    <a:ext uri="{A12FA001-AC4F-418D-AE19-62706E023703}">
-                      <ahyp:hlinkClr xmlns:ahyp="http://schemas.microsoft.com/office/drawing/2018/hyperlinkcolor" val="tx"/>
-                    </a:ext>
-                  </a:extLst>
-                </a:hlinkClick>
+                <a:hlinkClick r:id="rId4"/>
               </a:rPr>
               <a:t>noordinoordino470@gmail.com</a:t>
             </a:r>
@@ -12914,13 +12597,7 @@
                 <a:solidFill>
                   <a:schemeClr val="accent1"/>
                 </a:solidFill>
-                <a:hlinkClick r:id="rId6">
-                  <a:extLst>
-                    <a:ext uri="{A12FA001-AC4F-418D-AE19-62706E023703}">
-                      <ahyp:hlinkClr xmlns:ahyp="http://schemas.microsoft.com/office/drawing/2018/hyperlinkcolor" val="tx"/>
-                    </a:ext>
-                  </a:extLst>
-                </a:hlinkClick>
+                <a:hlinkClick r:id="rId5"/>
               </a:rPr>
               <a:t>kennethnyangweso99@gmail.com</a:t>
             </a:r>
@@ -12964,6 +12641,11 @@
               </a:rPr>
               <a:t>segomich227@gmail.com</a:t>
             </a:r>
+            <a:endParaRPr lang="en-US" u="sng" dirty="0">
+              <a:solidFill>
+                <a:schemeClr val="accent1"/>
+              </a:solidFill>
+            </a:endParaRPr>
           </a:p>
           <a:p>
             <a:pPr marL="342900" indent="-342900">
@@ -13016,7 +12698,6 @@
           <a:p>
             <a:fld id="{C4C7283F-616F-4503-ABBD-21FFB2848302}" type="slidenum">
               <a:rPr lang="en-US" smtClean="0"/>
-              <a:t>30</a:t>
             </a:fld>
             <a:endParaRPr lang="en-US"/>
           </a:p>
@@ -13068,6 +12749,7 @@
               <a:rPr lang="en-US" sz="4400" dirty="0"/>
               <a:t>DATA UNDERSTANDING</a:t>
             </a:r>
+            <a:endParaRPr lang="en-US" sz="4400" dirty="0"/>
           </a:p>
         </p:txBody>
       </p:sp>
@@ -13103,6 +12785,9 @@
               </a:rPr>
               <a:t>Here will need to understand our data. This involves getting the relevant information from each dataset crucial for our analysis.</a:t>
             </a:r>
+            <a:endParaRPr lang="en-GB" sz="2600" b="0" i="0" dirty="0">
+              <a:effectLst/>
+            </a:endParaRPr>
           </a:p>
           <a:p>
             <a:pPr algn="l">
@@ -13115,6 +12800,9 @@
               </a:rPr>
               <a:t>We start by loading the various datasets reviewing their various information based on the columns and check which information is necessary for our analysis before beginning the data cleaning.</a:t>
             </a:r>
+            <a:endParaRPr lang="en-GB" sz="2600" b="0" i="0" dirty="0">
+              <a:effectLst/>
+            </a:endParaRPr>
           </a:p>
           <a:p>
             <a:pPr marL="0" indent="0" algn="l">
@@ -13213,6 +12901,11 @@
               </a:rPr>
               <a:t> trends in revenue over time.</a:t>
             </a:r>
+            <a:endParaRPr lang="en-US" sz="2600" kern="100" dirty="0">
+              <a:effectLst/>
+              <a:ea typeface="Calibri" panose="020F0502020204030204" pitchFamily="34" charset="0"/>
+              <a:cs typeface="Times New Roman" panose="02020603050405020304" pitchFamily="18" charset="0"/>
+            </a:endParaRPr>
           </a:p>
           <a:p>
             <a:endParaRPr lang="en-US" dirty="0"/>
@@ -13259,7 +12952,6 @@
           <a:p>
             <a:fld id="{C4C7283F-616F-4503-ABBD-21FFB2848302}" type="slidenum">
               <a:rPr lang="en-US" smtClean="0"/>
-              <a:t>4</a:t>
             </a:fld>
             <a:endParaRPr lang="en-US"/>
           </a:p>
@@ -13375,6 +13067,12 @@
               </a:rPr>
               <a:t>: Aggregated weekend earnings, helpful for identifying peaks in movie viewership.</a:t>
             </a:r>
+            <a:endParaRPr lang="en-US" sz="2400" kern="100" dirty="0">
+              <a:effectLst/>
+              <a:latin typeface="Calibri" panose="020F0502020204030204" pitchFamily="34" charset="0"/>
+              <a:ea typeface="Calibri" panose="020F0502020204030204" pitchFamily="34" charset="0"/>
+              <a:cs typeface="Times New Roman" panose="02020603050405020304" pitchFamily="18" charset="0"/>
+            </a:endParaRPr>
           </a:p>
           <a:p>
             <a:pPr marL="342900" lvl="0" indent="-342900">
@@ -13409,6 +13107,12 @@
               </a:rPr>
               <a:t>: Total earnings over time for each movie.</a:t>
             </a:r>
+            <a:endParaRPr lang="en-US" sz="2400" kern="100" dirty="0">
+              <a:effectLst/>
+              <a:latin typeface="Calibri" panose="020F0502020204030204" pitchFamily="34" charset="0"/>
+              <a:ea typeface="Calibri" panose="020F0502020204030204" pitchFamily="34" charset="0"/>
+              <a:cs typeface="Times New Roman" panose="02020603050405020304" pitchFamily="18" charset="0"/>
+            </a:endParaRPr>
           </a:p>
           <a:p>
             <a:pPr>
@@ -13468,6 +13172,12 @@
               </a:rPr>
               <a:t>: Basic information about movies, such as title, genre, release date, and distributor.</a:t>
             </a:r>
+            <a:endParaRPr lang="en-US" sz="2400" kern="100" dirty="0">
+              <a:effectLst/>
+              <a:latin typeface="Calibri" panose="020F0502020204030204" pitchFamily="34" charset="0"/>
+              <a:ea typeface="Calibri" panose="020F0502020204030204" pitchFamily="34" charset="0"/>
+              <a:cs typeface="Times New Roman" panose="02020603050405020304" pitchFamily="18" charset="0"/>
+            </a:endParaRPr>
           </a:p>
           <a:p>
             <a:pPr marL="342900" lvl="0" indent="-342900">
@@ -13520,6 +13230,12 @@
               </a:rPr>
               <a:t> how genres or ratings affect performance</a:t>
             </a:r>
+            <a:endParaRPr lang="en-US" sz="2400" kern="100" dirty="0">
+              <a:effectLst/>
+              <a:latin typeface="Calibri" panose="020F0502020204030204" pitchFamily="34" charset="0"/>
+              <a:ea typeface="Calibri" panose="020F0502020204030204" pitchFamily="34" charset="0"/>
+              <a:cs typeface="Times New Roman" panose="02020603050405020304" pitchFamily="18" charset="0"/>
+            </a:endParaRPr>
           </a:p>
           <a:p>
             <a:pPr>
@@ -13597,6 +13313,12 @@
               </a:rPr>
               <a:t> revenue streams.</a:t>
             </a:r>
+            <a:endParaRPr lang="en-US" sz="2400" kern="100" dirty="0">
+              <a:effectLst/>
+              <a:latin typeface="Calibri" panose="020F0502020204030204" pitchFamily="34" charset="0"/>
+              <a:ea typeface="Calibri" panose="020F0502020204030204" pitchFamily="34" charset="0"/>
+              <a:cs typeface="Times New Roman" panose="02020603050405020304" pitchFamily="18" charset="0"/>
+            </a:endParaRPr>
           </a:p>
           <a:p>
             <a:pPr marL="342900" lvl="0" indent="-342900">
@@ -13631,6 +13353,12 @@
               </a:rPr>
               <a:t>: Can show trends in digital distribution.</a:t>
             </a:r>
+            <a:endParaRPr lang="en-US" sz="2400" kern="100" dirty="0">
+              <a:effectLst/>
+              <a:latin typeface="Calibri" panose="020F0502020204030204" pitchFamily="34" charset="0"/>
+              <a:ea typeface="Calibri" panose="020F0502020204030204" pitchFamily="34" charset="0"/>
+              <a:cs typeface="Times New Roman" panose="02020603050405020304" pitchFamily="18" charset="0"/>
+            </a:endParaRPr>
           </a:p>
           <a:p>
             <a:pPr>
@@ -13708,6 +13436,12 @@
               </a:rPr>
               <a:t> how different studios perform over time.</a:t>
             </a:r>
+            <a:endParaRPr lang="en-US" sz="2400" kern="100" dirty="0">
+              <a:effectLst/>
+              <a:latin typeface="Calibri" panose="020F0502020204030204" pitchFamily="34" charset="0"/>
+              <a:ea typeface="Calibri" panose="020F0502020204030204" pitchFamily="34" charset="0"/>
+              <a:cs typeface="Times New Roman" panose="02020603050405020304" pitchFamily="18" charset="0"/>
+            </a:endParaRPr>
           </a:p>
           <a:p>
             <a:pPr marL="342900" lvl="0" indent="-342900">
@@ -13742,6 +13476,12 @@
               </a:rPr>
               <a:t>: Useful for cross-region comparison and global trends.</a:t>
             </a:r>
+            <a:endParaRPr lang="en-US" sz="2400" kern="100" dirty="0">
+              <a:effectLst/>
+              <a:latin typeface="Calibri" panose="020F0502020204030204" pitchFamily="34" charset="0"/>
+              <a:ea typeface="Calibri" panose="020F0502020204030204" pitchFamily="34" charset="0"/>
+              <a:cs typeface="Times New Roman" panose="02020603050405020304" pitchFamily="18" charset="0"/>
+            </a:endParaRPr>
           </a:p>
           <a:p>
             <a:endParaRPr lang="en-US" sz="2400" dirty="0"/>
@@ -13788,7 +13528,6 @@
           <a:p>
             <a:fld id="{C4C7283F-616F-4503-ABBD-21FFB2848302}" type="slidenum">
               <a:rPr lang="en-US" smtClean="0"/>
-              <a:t>5</a:t>
             </a:fld>
             <a:endParaRPr lang="en-US"/>
           </a:p>
@@ -13807,13 +13546,7 @@
   <p:cSld>
     <p:spTree>
       <p:nvGrpSpPr>
-        <p:cNvPr id="1" name="">
-          <a:extLst>
-            <a:ext uri="{FF2B5EF4-FFF2-40B4-BE49-F238E27FC236}">
-              <a16:creationId xmlns:a16="http://schemas.microsoft.com/office/drawing/2014/main" id="{5F71A741-1866-BE9D-1689-526BF1377095}"/>
-            </a:ext>
-          </a:extLst>
-        </p:cNvPr>
+        <p:cNvPr id="1" name=""/>
         <p:cNvGrpSpPr/>
         <p:nvPr/>
       </p:nvGrpSpPr>
@@ -13827,13 +13560,7 @@
       </p:grpSpPr>
       <p:sp>
         <p:nvSpPr>
-          <p:cNvPr id="2" name="Title 1">
-            <a:extLst>
-              <a:ext uri="{FF2B5EF4-FFF2-40B4-BE49-F238E27FC236}">
-                <a16:creationId xmlns:a16="http://schemas.microsoft.com/office/drawing/2014/main" id="{D10063C4-F501-0181-0B08-31F22A1144E2}"/>
-              </a:ext>
-            </a:extLst>
-          </p:cNvPr>
+          <p:cNvPr id="2" name="Title 1"/>
           <p:cNvSpPr>
             <a:spLocks noGrp="1"/>
           </p:cNvSpPr>
@@ -13864,13 +13591,7 @@
       </p:sp>
       <p:sp>
         <p:nvSpPr>
-          <p:cNvPr id="3" name="Content Placeholder 2">
-            <a:extLst>
-              <a:ext uri="{FF2B5EF4-FFF2-40B4-BE49-F238E27FC236}">
-                <a16:creationId xmlns:a16="http://schemas.microsoft.com/office/drawing/2014/main" id="{F1D6CB4C-100B-13FD-D923-C26B3C28BEB1}"/>
-              </a:ext>
-            </a:extLst>
-          </p:cNvPr>
+          <p:cNvPr id="3" name="Content Placeholder 2"/>
           <p:cNvSpPr>
             <a:spLocks noGrp="1"/>
           </p:cNvSpPr>
@@ -13922,6 +13643,12 @@
               </a:rPr>
               <a:t>: Aggregated weekend earnings, helpful for identifying peaks in movie viewership.</a:t>
             </a:r>
+            <a:endParaRPr lang="en-US" sz="2400" kern="100" dirty="0">
+              <a:effectLst/>
+              <a:latin typeface="Calibri" panose="020F0502020204030204" pitchFamily="34" charset="0"/>
+              <a:ea typeface="Calibri" panose="020F0502020204030204" pitchFamily="34" charset="0"/>
+              <a:cs typeface="Times New Roman" panose="02020603050405020304" pitchFamily="18" charset="0"/>
+            </a:endParaRPr>
           </a:p>
           <a:p>
             <a:pPr marL="342900" lvl="0" indent="-342900">
@@ -13956,6 +13683,12 @@
               </a:rPr>
               <a:t>: Total earnings over time for each movie.</a:t>
             </a:r>
+            <a:endParaRPr lang="en-US" sz="2400" kern="100" dirty="0">
+              <a:effectLst/>
+              <a:latin typeface="Calibri" panose="020F0502020204030204" pitchFamily="34" charset="0"/>
+              <a:ea typeface="Calibri" panose="020F0502020204030204" pitchFamily="34" charset="0"/>
+              <a:cs typeface="Times New Roman" panose="02020603050405020304" pitchFamily="18" charset="0"/>
+            </a:endParaRPr>
           </a:p>
           <a:p>
             <a:pPr>
@@ -14015,6 +13748,12 @@
               </a:rPr>
               <a:t>: Basic information about movies, such as title, genre, release date, and distributor.</a:t>
             </a:r>
+            <a:endParaRPr lang="en-US" sz="2400" kern="100" dirty="0">
+              <a:effectLst/>
+              <a:latin typeface="Calibri" panose="020F0502020204030204" pitchFamily="34" charset="0"/>
+              <a:ea typeface="Calibri" panose="020F0502020204030204" pitchFamily="34" charset="0"/>
+              <a:cs typeface="Times New Roman" panose="02020603050405020304" pitchFamily="18" charset="0"/>
+            </a:endParaRPr>
           </a:p>
           <a:p>
             <a:pPr marL="342900" lvl="0" indent="-342900">
@@ -14067,6 +13806,12 @@
               </a:rPr>
               <a:t> how genres or ratings affect performance</a:t>
             </a:r>
+            <a:endParaRPr lang="en-US" sz="2400" kern="100" dirty="0">
+              <a:effectLst/>
+              <a:latin typeface="Calibri" panose="020F0502020204030204" pitchFamily="34" charset="0"/>
+              <a:ea typeface="Calibri" panose="020F0502020204030204" pitchFamily="34" charset="0"/>
+              <a:cs typeface="Times New Roman" panose="02020603050405020304" pitchFamily="18" charset="0"/>
+            </a:endParaRPr>
           </a:p>
           <a:p>
             <a:endParaRPr lang="en-US" sz="2400" dirty="0"/>
@@ -14075,13 +13820,7 @@
       </p:sp>
       <p:sp>
         <p:nvSpPr>
-          <p:cNvPr id="4" name="Footer Placeholder 3">
-            <a:extLst>
-              <a:ext uri="{FF2B5EF4-FFF2-40B4-BE49-F238E27FC236}">
-                <a16:creationId xmlns:a16="http://schemas.microsoft.com/office/drawing/2014/main" id="{05BC2521-0F80-F607-0DFE-36A91836D3CA}"/>
-              </a:ext>
-            </a:extLst>
-          </p:cNvPr>
+          <p:cNvPr id="4" name="Footer Placeholder 3"/>
           <p:cNvSpPr>
             <a:spLocks noGrp="1"/>
           </p:cNvSpPr>
@@ -14104,13 +13843,7 @@
       </p:sp>
       <p:sp>
         <p:nvSpPr>
-          <p:cNvPr id="5" name="Slide Number Placeholder 4">
-            <a:extLst>
-              <a:ext uri="{FF2B5EF4-FFF2-40B4-BE49-F238E27FC236}">
-                <a16:creationId xmlns:a16="http://schemas.microsoft.com/office/drawing/2014/main" id="{1305BB71-AAC0-0A93-BF4C-9EC17BEFDB2D}"/>
-              </a:ext>
-            </a:extLst>
-          </p:cNvPr>
+          <p:cNvPr id="5" name="Slide Number Placeholder 4"/>
           <p:cNvSpPr>
             <a:spLocks noGrp="1"/>
           </p:cNvSpPr>
@@ -14125,18 +13858,12 @@
           <a:p>
             <a:fld id="{C4C7283F-616F-4503-ABBD-21FFB2848302}" type="slidenum">
               <a:rPr lang="en-US" smtClean="0"/>
-              <a:t>6</a:t>
             </a:fld>
             <a:endParaRPr lang="en-US"/>
           </a:p>
         </p:txBody>
       </p:sp>
     </p:spTree>
-    <p:extLst>
-      <p:ext uri="{BB962C8B-B14F-4D97-AF65-F5344CB8AC3E}">
-        <p14:creationId xmlns:p14="http://schemas.microsoft.com/office/powerpoint/2010/main" val="3489385531"/>
-      </p:ext>
-    </p:extLst>
   </p:cSld>
   <p:clrMapOvr>
     <a:masterClrMapping/>
@@ -14180,6 +13907,7 @@
               <a:rPr lang="en-US" dirty="0"/>
               <a:t>DATA UNDERSTANDING  CONT…….2</a:t>
             </a:r>
+            <a:endParaRPr lang="en-US" dirty="0"/>
           </a:p>
         </p:txBody>
       </p:sp>
@@ -14258,6 +13986,11 @@
               </a:rPr>
               <a:t>: Useful for understanding post-theatre revenue streams.</a:t>
             </a:r>
+            <a:endParaRPr lang="en-US" sz="2200" kern="100" dirty="0">
+              <a:effectLst/>
+              <a:ea typeface="Calibri" panose="020F0502020204030204" pitchFamily="34" charset="0"/>
+              <a:cs typeface="Calibri" panose="020F0502020204030204" pitchFamily="34" charset="0"/>
+            </a:endParaRPr>
           </a:p>
           <a:p>
             <a:pPr marL="342900" lvl="0" indent="-342900">
@@ -14290,6 +14023,11 @@
               </a:rPr>
               <a:t>: Can show trends in digital distribution.</a:t>
             </a:r>
+            <a:endParaRPr lang="en-US" sz="2200" kern="100" dirty="0">
+              <a:effectLst/>
+              <a:ea typeface="Calibri" panose="020F0502020204030204" pitchFamily="34" charset="0"/>
+              <a:cs typeface="Calibri" panose="020F0502020204030204" pitchFamily="34" charset="0"/>
+            </a:endParaRPr>
           </a:p>
           <a:p>
             <a:pPr>
@@ -14345,6 +14083,11 @@
               </a:rPr>
               <a:t>: Helps analyse how different studios perform over time.</a:t>
             </a:r>
+            <a:endParaRPr lang="en-US" sz="2200" kern="100" dirty="0">
+              <a:effectLst/>
+              <a:ea typeface="Calibri" panose="020F0502020204030204" pitchFamily="34" charset="0"/>
+              <a:cs typeface="Calibri" panose="020F0502020204030204" pitchFamily="34" charset="0"/>
+            </a:endParaRPr>
           </a:p>
           <a:p>
             <a:pPr marL="342900" lvl="0" indent="-342900">
@@ -14377,6 +14120,11 @@
               </a:rPr>
               <a:t>: Useful for cross-region comparison and global trends.</a:t>
             </a:r>
+            <a:endParaRPr lang="en-US" sz="2200" kern="100" dirty="0">
+              <a:effectLst/>
+              <a:ea typeface="Calibri" panose="020F0502020204030204" pitchFamily="34" charset="0"/>
+              <a:cs typeface="Calibri" panose="020F0502020204030204" pitchFamily="34" charset="0"/>
+            </a:endParaRPr>
           </a:p>
           <a:p>
             <a:endParaRPr lang="en-US" dirty="0">
@@ -14426,7 +14174,6 @@
           <a:p>
             <a:fld id="{C4C7283F-616F-4503-ABBD-21FFB2848302}" type="slidenum">
               <a:rPr lang="en-US" smtClean="0"/>
-              <a:t>7</a:t>
             </a:fld>
             <a:endParaRPr lang="en-US"/>
           </a:p>
@@ -14481,6 +14228,7 @@
               <a:rPr lang="en-US" b="1" dirty="0"/>
               <a:t>OBJECTIVES/GOALS</a:t>
             </a:r>
+            <a:endParaRPr lang="en-US" b="1" dirty="0"/>
           </a:p>
         </p:txBody>
       </p:sp>
@@ -14518,6 +14266,14 @@
               </a:rPr>
               <a:t>Main Objective</a:t>
             </a:r>
+            <a:endParaRPr lang="en-GB" sz="3200" b="1" kern="100" dirty="0">
+              <a:solidFill>
+                <a:schemeClr val="accent1"/>
+              </a:solidFill>
+              <a:effectLst/>
+              <a:ea typeface="Calibri" panose="020F0502020204030204" pitchFamily="34" charset="0"/>
+              <a:cs typeface="Times New Roman" panose="02020603050405020304" pitchFamily="18" charset="0"/>
+            </a:endParaRPr>
           </a:p>
           <a:p>
             <a:pPr algn="l"/>
@@ -14529,6 +14285,11 @@
               </a:rPr>
               <a:t>- To analyse movie data and uncover key patterns in revenue, popularity, ratings, and director influence across genres, providing actionable insights for business growth and strategic decision-making.</a:t>
             </a:r>
+            <a:endParaRPr lang="en-GB" sz="2000" kern="100" dirty="0">
+              <a:effectLst/>
+              <a:ea typeface="Calibri" panose="020F0502020204030204" pitchFamily="34" charset="0"/>
+              <a:cs typeface="Times New Roman" panose="02020603050405020304" pitchFamily="18" charset="0"/>
+            </a:endParaRPr>
           </a:p>
           <a:p>
             <a:pPr algn="l"/>
@@ -14588,7 +14349,6 @@
           <a:p>
             <a:fld id="{C4C7283F-616F-4503-ABBD-21FFB2848302}" type="slidenum">
               <a:rPr lang="en-US" smtClean="0"/>
-              <a:t>8</a:t>
             </a:fld>
             <a:endParaRPr lang="en-US"/>
           </a:p>
@@ -14607,13 +14367,7 @@
   <p:cSld>
     <p:spTree>
       <p:nvGrpSpPr>
-        <p:cNvPr id="1" name="">
-          <a:extLst>
-            <a:ext uri="{FF2B5EF4-FFF2-40B4-BE49-F238E27FC236}">
-              <a16:creationId xmlns:a16="http://schemas.microsoft.com/office/drawing/2014/main" id="{E339B129-2444-9A20-197F-DD016E41233B}"/>
-            </a:ext>
-          </a:extLst>
-        </p:cNvPr>
+        <p:cNvPr id="1" name=""/>
         <p:cNvGrpSpPr/>
         <p:nvPr/>
       </p:nvGrpSpPr>
@@ -14627,13 +14381,7 @@
       </p:grpSpPr>
       <p:sp>
         <p:nvSpPr>
-          <p:cNvPr id="2" name="Title 1">
-            <a:extLst>
-              <a:ext uri="{FF2B5EF4-FFF2-40B4-BE49-F238E27FC236}">
-                <a16:creationId xmlns:a16="http://schemas.microsoft.com/office/drawing/2014/main" id="{1DAFECB4-09DA-00A9-8FF3-0064F4F77340}"/>
-              </a:ext>
-            </a:extLst>
-          </p:cNvPr>
+          <p:cNvPr id="2" name="Title 1"/>
           <p:cNvSpPr>
             <a:spLocks noGrp="1"/>
           </p:cNvSpPr>
@@ -14664,18 +14412,13 @@
               <a:rPr lang="en-US" b="1" dirty="0"/>
               <a:t>…2)</a:t>
             </a:r>
-          </a:p>
-        </p:txBody>
-      </p:sp>
-      <p:sp>
-        <p:nvSpPr>
-          <p:cNvPr id="3" name="Subtitle 2">
-            <a:extLst>
-              <a:ext uri="{FF2B5EF4-FFF2-40B4-BE49-F238E27FC236}">
-                <a16:creationId xmlns:a16="http://schemas.microsoft.com/office/drawing/2014/main" id="{5935E2C6-1DBC-636E-503A-6CCBC52FD376}"/>
-              </a:ext>
-            </a:extLst>
-          </p:cNvPr>
+            <a:endParaRPr lang="en-US" b="1" dirty="0"/>
+          </a:p>
+        </p:txBody>
+      </p:sp>
+      <p:sp>
+        <p:nvSpPr>
+          <p:cNvPr id="3" name="Subtitle 2"/>
           <p:cNvSpPr>
             <a:spLocks noGrp="1"/>
           </p:cNvSpPr>
@@ -14715,6 +14458,14 @@
               </a:rPr>
               <a:t>Specific Objectives</a:t>
             </a:r>
+            <a:endParaRPr lang="en-GB" sz="3600" b="1" kern="100" dirty="0">
+              <a:solidFill>
+                <a:schemeClr val="accent1"/>
+              </a:solidFill>
+              <a:effectLst/>
+              <a:ea typeface="Calibri" panose="020F0502020204030204" pitchFamily="34" charset="0"/>
+              <a:cs typeface="Times New Roman" panose="02020603050405020304" pitchFamily="18" charset="0"/>
+            </a:endParaRPr>
           </a:p>
           <a:p>
             <a:pPr algn="l"/>
@@ -14726,6 +14477,11 @@
               </a:rPr>
               <a:t>1. Identify the movie genres that generate the highest revenue and analyse the factors contributing to their financial success.</a:t>
             </a:r>
+            <a:endParaRPr lang="en-GB" sz="2200" kern="100" dirty="0">
+              <a:effectLst/>
+              <a:ea typeface="Calibri" panose="020F0502020204030204" pitchFamily="34" charset="0"/>
+              <a:cs typeface="Times New Roman" panose="02020603050405020304" pitchFamily="18" charset="0"/>
+            </a:endParaRPr>
           </a:p>
           <a:p>
             <a:pPr algn="l"/>
@@ -14737,6 +14493,11 @@
               </a:rPr>
               <a:t>2. Explore audience preferences to uncover the most popular genres and the drivers behind their popularity.</a:t>
             </a:r>
+            <a:endParaRPr lang="en-GB" sz="2200" kern="100" dirty="0">
+              <a:effectLst/>
+              <a:ea typeface="Calibri" panose="020F0502020204030204" pitchFamily="34" charset="0"/>
+              <a:cs typeface="Times New Roman" panose="02020603050405020304" pitchFamily="18" charset="0"/>
+            </a:endParaRPr>
           </a:p>
           <a:p>
             <a:pPr algn="l"/>
@@ -14748,6 +14509,11 @@
               </a:rPr>
               <a:t>3. Evaluate the ratings of movies across genres to assess trends in critical and audience reception.</a:t>
             </a:r>
+            <a:endParaRPr lang="en-GB" sz="2200" kern="100" dirty="0">
+              <a:effectLst/>
+              <a:ea typeface="Calibri" panose="020F0502020204030204" pitchFamily="34" charset="0"/>
+              <a:cs typeface="Times New Roman" panose="02020603050405020304" pitchFamily="18" charset="0"/>
+            </a:endParaRPr>
           </a:p>
           <a:p>
             <a:pPr algn="l"/>
@@ -14759,6 +14525,11 @@
               </a:rPr>
               <a:t>4. Examine the role and impact of directors on the success of specific genres.</a:t>
             </a:r>
+            <a:endParaRPr lang="en-GB" sz="2200" kern="100" dirty="0">
+              <a:effectLst/>
+              <a:ea typeface="Calibri" panose="020F0502020204030204" pitchFamily="34" charset="0"/>
+              <a:cs typeface="Times New Roman" panose="02020603050405020304" pitchFamily="18" charset="0"/>
+            </a:endParaRPr>
           </a:p>
           <a:p>
             <a:pPr algn="l"/>
@@ -14770,6 +14541,11 @@
               </a:rPr>
               <a:t>5. Identify top-performing movies within their respective genres.</a:t>
             </a:r>
+            <a:endParaRPr lang="en-GB" sz="2200" kern="100" dirty="0">
+              <a:effectLst/>
+              <a:ea typeface="Calibri" panose="020F0502020204030204" pitchFamily="34" charset="0"/>
+              <a:cs typeface="Times New Roman" panose="02020603050405020304" pitchFamily="18" charset="0"/>
+            </a:endParaRPr>
           </a:p>
           <a:p>
             <a:pPr algn="l"/>
@@ -14781,18 +14557,17 @@
               </a:rPr>
               <a:t>6. Highlight the most successful and influential directors based on revenue and popularity.</a:t>
             </a:r>
-          </a:p>
-        </p:txBody>
-      </p:sp>
-      <p:sp>
-        <p:nvSpPr>
-          <p:cNvPr id="4" name="Footer Placeholder 3">
-            <a:extLst>
-              <a:ext uri="{FF2B5EF4-FFF2-40B4-BE49-F238E27FC236}">
-                <a16:creationId xmlns:a16="http://schemas.microsoft.com/office/drawing/2014/main" id="{BDF402D0-90CD-9943-84DE-4528077D08A5}"/>
-              </a:ext>
-            </a:extLst>
-          </p:cNvPr>
+            <a:endParaRPr lang="en-GB" sz="2200" kern="100" dirty="0">
+              <a:effectLst/>
+              <a:ea typeface="Calibri" panose="020F0502020204030204" pitchFamily="34" charset="0"/>
+              <a:cs typeface="Times New Roman" panose="02020603050405020304" pitchFamily="18" charset="0"/>
+            </a:endParaRPr>
+          </a:p>
+        </p:txBody>
+      </p:sp>
+      <p:sp>
+        <p:nvSpPr>
+          <p:cNvPr id="4" name="Footer Placeholder 3"/>
           <p:cNvSpPr>
             <a:spLocks noGrp="1"/>
           </p:cNvSpPr>
@@ -14820,13 +14595,7 @@
       </p:sp>
       <p:sp>
         <p:nvSpPr>
-          <p:cNvPr id="5" name="Slide Number Placeholder 4">
-            <a:extLst>
-              <a:ext uri="{FF2B5EF4-FFF2-40B4-BE49-F238E27FC236}">
-                <a16:creationId xmlns:a16="http://schemas.microsoft.com/office/drawing/2014/main" id="{DB0D763D-CB8A-F87E-1622-4CBA4E1E241B}"/>
-              </a:ext>
-            </a:extLst>
-          </p:cNvPr>
+          <p:cNvPr id="5" name="Slide Number Placeholder 4"/>
           <p:cNvSpPr>
             <a:spLocks noGrp="1"/>
           </p:cNvSpPr>
@@ -14841,18 +14610,12 @@
           <a:p>
             <a:fld id="{C4C7283F-616F-4503-ABBD-21FFB2848302}" type="slidenum">
               <a:rPr lang="en-US" smtClean="0"/>
-              <a:t>9</a:t>
             </a:fld>
             <a:endParaRPr lang="en-US"/>
           </a:p>
         </p:txBody>
       </p:sp>
     </p:spTree>
-    <p:extLst>
-      <p:ext uri="{BB962C8B-B14F-4D97-AF65-F5344CB8AC3E}">
-        <p14:creationId xmlns:p14="http://schemas.microsoft.com/office/powerpoint/2010/main" val="1160217562"/>
-      </p:ext>
-    </p:extLst>
   </p:cSld>
   <p:clrMapOvr>
     <a:masterClrMapping/>
@@ -15107,8 +14870,6 @@
       </a:bgFillStyleLst>
     </a:fmtScheme>
   </a:themeElements>
-  <a:objectDefaults/>
-  <a:extraClrSchemeLst/>
   <a:extLst>
     <a:ext uri="{05A4C25C-085E-4340-85A3-A5531E510DB2}">
       <thm15:themeFamily xmlns:thm15="http://schemas.microsoft.com/office/thememl/2012/main" name="Office Theme" id="{62F939B6-93AF-4DB8-9C6B-D6C7DFDC589F}" vid="{4A3C46E8-61CC-4603-A589-7422A47A8E4A}"/>
@@ -15368,8 +15129,6 @@
       </a:bgFillStyleLst>
     </a:fmtScheme>
   </a:themeElements>
-  <a:objectDefaults/>
-  <a:extraClrSchemeLst/>
   <a:extLst>
     <a:ext uri="{05A4C25C-085E-4340-85A3-A5531E510DB2}">
       <thm15:themeFamily xmlns:thm15="http://schemas.microsoft.com/office/thememl/2012/main" name="Office Theme" id="{62F939B6-93AF-4DB8-9C6B-D6C7DFDC589F}" vid="{4A3C46E8-61CC-4603-A589-7422A47A8E4A}"/>

--- a/PHASE TWO NON _TECH.pptx
+++ b/PHASE TWO NON _TECH.pptx
@@ -5,39 +5,45 @@
     <p:sldMasterId id="2147483648" r:id="rId1"/>
   </p:sldMasterIdLst>
   <p:notesMasterIdLst>
-    <p:notesMasterId r:id="rId4"/>
+    <p:notesMasterId r:id="rId38"/>
   </p:notesMasterIdLst>
   <p:sldIdLst>
-    <p:sldId id="265" r:id="rId3"/>
-    <p:sldId id="260" r:id="rId5"/>
-    <p:sldId id="286" r:id="rId6"/>
-    <p:sldId id="302" r:id="rId7"/>
-    <p:sldId id="301" r:id="rId8"/>
-    <p:sldId id="307" r:id="rId9"/>
-    <p:sldId id="303" r:id="rId10"/>
-    <p:sldId id="263" r:id="rId11"/>
-    <p:sldId id="308" r:id="rId12"/>
-    <p:sldId id="294" r:id="rId13"/>
-    <p:sldId id="277" r:id="rId14"/>
-    <p:sldId id="309" r:id="rId15"/>
-    <p:sldId id="284" r:id="rId16"/>
-    <p:sldId id="281" r:id="rId17"/>
-    <p:sldId id="280" r:id="rId18"/>
-    <p:sldId id="258" r:id="rId19"/>
-    <p:sldId id="285" r:id="rId20"/>
-    <p:sldId id="275" r:id="rId21"/>
-    <p:sldId id="264" r:id="rId22"/>
-    <p:sldId id="305" r:id="rId23"/>
-    <p:sldId id="306" r:id="rId24"/>
+    <p:sldId id="265" r:id="rId2"/>
+    <p:sldId id="260" r:id="rId3"/>
+    <p:sldId id="286" r:id="rId4"/>
+    <p:sldId id="302" r:id="rId5"/>
+    <p:sldId id="301" r:id="rId6"/>
+    <p:sldId id="307" r:id="rId7"/>
+    <p:sldId id="303" r:id="rId8"/>
+    <p:sldId id="263" r:id="rId9"/>
+    <p:sldId id="308" r:id="rId10"/>
+    <p:sldId id="294" r:id="rId11"/>
+    <p:sldId id="347" r:id="rId12"/>
+    <p:sldId id="277" r:id="rId13"/>
+    <p:sldId id="309" r:id="rId14"/>
+    <p:sldId id="284" r:id="rId15"/>
+    <p:sldId id="281" r:id="rId16"/>
+    <p:sldId id="280" r:id="rId17"/>
+    <p:sldId id="258" r:id="rId18"/>
+    <p:sldId id="285" r:id="rId19"/>
+    <p:sldId id="275" r:id="rId20"/>
+    <p:sldId id="264" r:id="rId21"/>
+    <p:sldId id="305" r:id="rId22"/>
+    <p:sldId id="298" r:id="rId23"/>
+    <p:sldId id="295" r:id="rId24"/>
     <p:sldId id="300" r:id="rId25"/>
     <p:sldId id="311" r:id="rId26"/>
     <p:sldId id="312" r:id="rId27"/>
     <p:sldId id="313" r:id="rId28"/>
     <p:sldId id="314" r:id="rId29"/>
-    <p:sldId id="295" r:id="rId30"/>
-    <p:sldId id="304" r:id="rId31"/>
-    <p:sldId id="298" r:id="rId32"/>
-    <p:sldId id="297" r:id="rId33"/>
+    <p:sldId id="333" r:id="rId30"/>
+    <p:sldId id="340" r:id="rId31"/>
+    <p:sldId id="332" r:id="rId32"/>
+    <p:sldId id="304" r:id="rId33"/>
+    <p:sldId id="306" r:id="rId34"/>
+    <p:sldId id="335" r:id="rId35"/>
+    <p:sldId id="297" r:id="rId36"/>
+    <p:sldId id="336" r:id="rId37"/>
   </p:sldIdLst>
   <p:sldSz cx="12192000" cy="6858000"/>
   <p:notesSz cx="6858000" cy="9144000"/>
@@ -136,6 +142,11 @@
       </a:defRPr>
     </a:lvl9pPr>
   </p:defaultTextStyle>
+  <p:extLst>
+    <p:ext uri="{EFAFB233-063F-42B5-8137-9DF3F51BA10A}">
+      <p15:sldGuideLst xmlns:p15="http://schemas.microsoft.com/office/powerpoint/2012/main"/>
+    </p:ext>
+  </p:extLst>
 </p:presentation>
 </file>
 
@@ -221,6 +232,7 @@
           <a:p>
             <a:fld id="{3C8DC98E-0935-450B-8735-8E0C5EDF216B}" type="datetimeFigureOut">
               <a:rPr lang="en-US" smtClean="0"/>
+              <a:t>1/18/2025</a:t>
             </a:fld>
             <a:endParaRPr lang="en-US"/>
           </a:p>
@@ -287,7 +299,6 @@
               <a:rPr lang="en-US"/>
               <a:t>Click to edit Master text styles</a:t>
             </a:r>
-            <a:endParaRPr lang="en-US"/>
           </a:p>
           <a:p>
             <a:pPr lvl="1"/>
@@ -295,7 +306,6 @@
               <a:rPr lang="en-US"/>
               <a:t>Second level</a:t>
             </a:r>
-            <a:endParaRPr lang="en-US"/>
           </a:p>
           <a:p>
             <a:pPr lvl="2"/>
@@ -303,7 +313,6 @@
               <a:rPr lang="en-US"/>
               <a:t>Third level</a:t>
             </a:r>
-            <a:endParaRPr lang="en-US"/>
           </a:p>
           <a:p>
             <a:pPr lvl="3"/>
@@ -311,7 +320,6 @@
               <a:rPr lang="en-US"/>
               <a:t>Fourth level</a:t>
             </a:r>
-            <a:endParaRPr lang="en-US"/>
           </a:p>
           <a:p>
             <a:pPr lvl="4"/>
@@ -319,7 +327,6 @@
               <a:rPr lang="en-US"/>
               <a:t>Fifth level</a:t>
             </a:r>
-            <a:endParaRPr lang="en-US"/>
           </a:p>
         </p:txBody>
       </p:sp>
@@ -383,6 +390,7 @@
           <a:p>
             <a:fld id="{B6AC3967-BB65-4606-A24D-E6ADEBE089F7}" type="slidenum">
               <a:rPr lang="en-US" smtClean="0"/>
+              <a:t>‹#›</a:t>
             </a:fld>
             <a:endParaRPr lang="en-US"/>
           </a:p>
@@ -551,6 +559,7 @@
           <a:p>
             <a:fld id="{9268FF88-4020-46A2-AED2-9D5F0886B732}" type="slidenum">
               <a:rPr lang="en-US" smtClean="0"/>
+              <a:t>1</a:t>
             </a:fld>
             <a:endParaRPr lang="en-US"/>
           </a:p>
@@ -629,6 +638,7 @@
           <a:p>
             <a:fld id="{B6AC3967-BB65-4606-A24D-E6ADEBE089F7}" type="slidenum">
               <a:rPr lang="en-US" smtClean="0"/>
+              <a:t>20</a:t>
             </a:fld>
             <a:endParaRPr lang="en-US"/>
           </a:p>
@@ -707,6 +717,7 @@
           <a:p>
             <a:fld id="{B6AC3967-BB65-4606-A24D-E6ADEBE089F7}" type="slidenum">
               <a:rPr lang="en-US" smtClean="0"/>
+              <a:t>21</a:t>
             </a:fld>
             <a:endParaRPr lang="en-US"/>
           </a:p>
@@ -785,6 +796,7 @@
           <a:p>
             <a:fld id="{B6AC3967-BB65-4606-A24D-E6ADEBE089F7}" type="slidenum">
               <a:rPr lang="en-US" smtClean="0"/>
+              <a:t>25</a:t>
             </a:fld>
             <a:endParaRPr lang="en-US"/>
           </a:p>
@@ -863,6 +875,7 @@
           <a:p>
             <a:fld id="{B6AC3967-BB65-4606-A24D-E6ADEBE089F7}" type="slidenum">
               <a:rPr lang="en-US" smtClean="0"/>
+              <a:t>26</a:t>
             </a:fld>
             <a:endParaRPr lang="en-US"/>
           </a:p>
@@ -941,6 +954,7 @@
           <a:p>
             <a:fld id="{B6AC3967-BB65-4606-A24D-E6ADEBE089F7}" type="slidenum">
               <a:rPr lang="en-US" smtClean="0"/>
+              <a:t>27</a:t>
             </a:fld>
             <a:endParaRPr lang="en-US"/>
           </a:p>
@@ -1019,6 +1033,7 @@
           <a:p>
             <a:fld id="{B6AC3967-BB65-4606-A24D-E6ADEBE089F7}" type="slidenum">
               <a:rPr lang="en-US" smtClean="0"/>
+              <a:t>28</a:t>
             </a:fld>
             <a:endParaRPr lang="en-US"/>
           </a:p>
@@ -1097,6 +1112,7 @@
           <a:p>
             <a:fld id="{B6AC3967-BB65-4606-A24D-E6ADEBE089F7}" type="slidenum">
               <a:rPr lang="en-US" smtClean="0"/>
+              <a:t>33</a:t>
             </a:fld>
             <a:endParaRPr lang="en-US"/>
           </a:p>
@@ -1158,7 +1174,6 @@
               <a:rPr lang="en-US" dirty="0"/>
               <a:t>fig1:The highly rated genre is drama.</a:t>
             </a:r>
-            <a:endParaRPr lang="en-US" dirty="0"/>
           </a:p>
         </p:txBody>
       </p:sp>
@@ -1179,6 +1194,7 @@
           <a:p>
             <a:fld id="{B6AC3967-BB65-4606-A24D-E6ADEBE089F7}" type="slidenum">
               <a:rPr lang="en-US" smtClean="0"/>
+              <a:t>12</a:t>
             </a:fld>
             <a:endParaRPr lang="en-US"/>
           </a:p>
@@ -1240,7 +1256,6 @@
               <a:rPr lang="en-US" dirty="0"/>
               <a:t>fig1:The highly rated genre is drama.</a:t>
             </a:r>
-            <a:endParaRPr lang="en-US" dirty="0"/>
           </a:p>
         </p:txBody>
       </p:sp>
@@ -1261,6 +1276,7 @@
           <a:p>
             <a:fld id="{B6AC3967-BB65-4606-A24D-E6ADEBE089F7}" type="slidenum">
               <a:rPr lang="en-US" smtClean="0"/>
+              <a:t>13</a:t>
             </a:fld>
             <a:endParaRPr lang="en-US"/>
           </a:p>
@@ -1322,7 +1338,6 @@
               <a:rPr lang="en-US" dirty="0"/>
               <a:t>Fig 3:movies and films from Jay roach made highest sales followed by Mel Gibson and Sam Mendes.</a:t>
             </a:r>
-            <a:endParaRPr lang="en-US" dirty="0"/>
           </a:p>
         </p:txBody>
       </p:sp>
@@ -1343,6 +1358,7 @@
           <a:p>
             <a:fld id="{B6AC3967-BB65-4606-A24D-E6ADEBE089F7}" type="slidenum">
               <a:rPr lang="en-US" smtClean="0"/>
+              <a:t>14</a:t>
             </a:fld>
             <a:endParaRPr lang="en-US"/>
           </a:p>
@@ -1412,7 +1428,6 @@
               <a:rPr lang="en-US" dirty="0"/>
               <a:t> from Eden Movies.</a:t>
             </a:r>
-            <a:endParaRPr lang="en-US" dirty="0"/>
           </a:p>
         </p:txBody>
       </p:sp>
@@ -1433,6 +1448,7 @@
           <a:p>
             <a:fld id="{B6AC3967-BB65-4606-A24D-E6ADEBE089F7}" type="slidenum">
               <a:rPr lang="en-US" smtClean="0"/>
+              <a:t>15</a:t>
             </a:fld>
             <a:endParaRPr lang="en-US"/>
           </a:p>
@@ -1494,7 +1510,6 @@
               <a:rPr lang="en-US" dirty="0"/>
               <a:t>Fig 5:Drama was the most popular genre doubling the other categories.</a:t>
             </a:r>
-            <a:endParaRPr lang="en-US" dirty="0"/>
           </a:p>
         </p:txBody>
       </p:sp>
@@ -1515,6 +1530,7 @@
           <a:p>
             <a:fld id="{B6AC3967-BB65-4606-A24D-E6ADEBE089F7}" type="slidenum">
               <a:rPr lang="en-US" smtClean="0"/>
+              <a:t>16</a:t>
             </a:fld>
             <a:endParaRPr lang="en-US"/>
           </a:p>
@@ -1593,6 +1609,7 @@
           <a:p>
             <a:fld id="{B6AC3967-BB65-4606-A24D-E6ADEBE089F7}" type="slidenum">
               <a:rPr lang="en-US" smtClean="0"/>
+              <a:t>17</a:t>
             </a:fld>
             <a:endParaRPr lang="en-US"/>
           </a:p>
@@ -1654,7 +1671,6 @@
               <a:rPr lang="en-US" dirty="0"/>
               <a:t>Fig 7:R,PG-13,PG IN Descending order of popularity.</a:t>
             </a:r>
-            <a:endParaRPr lang="en-US" dirty="0"/>
           </a:p>
         </p:txBody>
       </p:sp>
@@ -1675,6 +1691,7 @@
           <a:p>
             <a:fld id="{B6AC3967-BB65-4606-A24D-E6ADEBE089F7}" type="slidenum">
               <a:rPr lang="en-US" smtClean="0"/>
+              <a:t>18</a:t>
             </a:fld>
             <a:endParaRPr lang="en-US"/>
           </a:p>
@@ -1753,6 +1770,7 @@
           <a:p>
             <a:fld id="{B6AC3967-BB65-4606-A24D-E6ADEBE089F7}" type="slidenum">
               <a:rPr lang="en-US" smtClean="0"/>
+              <a:t>19</a:t>
             </a:fld>
             <a:endParaRPr lang="en-US"/>
           </a:p>
@@ -1767,7 +1785,7 @@
 </file>
 
 <file path=ppt/slideLayouts/slideLayout1.xml><?xml version="1.0" encoding="utf-8"?>
-<p:sldLayout xmlns:a="http://schemas.openxmlformats.org/drawingml/2006/main" xmlns:r="http://schemas.openxmlformats.org/officeDocument/2006/relationships" xmlns:p="http://schemas.openxmlformats.org/presentationml/2006/main" type="title" preserve="1" showMasterSp="0">
+<p:sldLayout xmlns:a="http://schemas.openxmlformats.org/drawingml/2006/main" xmlns:r="http://schemas.openxmlformats.org/officeDocument/2006/relationships" xmlns:p="http://schemas.openxmlformats.org/presentationml/2006/main" showMasterSp="0" type="title" preserve="1">
   <p:cSld name="Title Slide">
     <p:spTree>
       <p:nvGrpSpPr>
@@ -2511,6 +2529,7 @@
           <a:p>
             <a:fld id="{B6C044C0-9916-4112-8D28-631360530F20}" type="datetime8">
               <a:rPr lang="en-US" smtClean="0"/>
+              <a:t>1/18/2025 7:59 PM</a:t>
             </a:fld>
             <a:endParaRPr lang="en-US"/>
           </a:p>
@@ -2556,6 +2575,7 @@
           <a:p>
             <a:fld id="{C4C7283F-616F-4503-ABBD-21FFB2848302}" type="slidenum">
               <a:rPr lang="en-US" smtClean="0"/>
+              <a:t>‹#›</a:t>
             </a:fld>
             <a:endParaRPr lang="en-US"/>
           </a:p>
@@ -2739,7 +2759,6 @@
               <a:rPr lang="en-US"/>
               <a:t>Click to edit Master text styles</a:t>
             </a:r>
-            <a:endParaRPr lang="en-US"/>
           </a:p>
         </p:txBody>
       </p:sp>
@@ -2760,6 +2779,7 @@
           <a:p>
             <a:fld id="{D2102445-0A49-423B-9D83-53E1553DDBB8}" type="datetime8">
               <a:rPr lang="en-US" smtClean="0"/>
+              <a:t>1/18/2025 7:59 PM</a:t>
             </a:fld>
             <a:endParaRPr lang="en-US"/>
           </a:p>
@@ -2805,6 +2825,7 @@
           <a:p>
             <a:fld id="{C4C7283F-616F-4503-ABBD-21FFB2848302}" type="slidenum">
               <a:rPr lang="en-US" smtClean="0"/>
+              <a:t>‹#›</a:t>
             </a:fld>
             <a:endParaRPr lang="en-US"/>
           </a:p>
@@ -2929,7 +2950,6 @@
               <a:rPr lang="en-US"/>
               <a:t>Click to edit Master text styles</a:t>
             </a:r>
-            <a:endParaRPr lang="en-US"/>
           </a:p>
         </p:txBody>
       </p:sp>
@@ -3052,7 +3072,6 @@
               <a:rPr lang="en-US"/>
               <a:t>Click to edit Master text styles</a:t>
             </a:r>
-            <a:endParaRPr lang="en-US"/>
           </a:p>
         </p:txBody>
       </p:sp>
@@ -3073,6 +3092,7 @@
           <a:p>
             <a:fld id="{C3921CA2-459C-431F-9285-946548AA4FB4}" type="datetime8">
               <a:rPr lang="en-US" smtClean="0"/>
+              <a:t>1/18/2025 7:59 PM</a:t>
             </a:fld>
             <a:endParaRPr lang="en-US"/>
           </a:p>
@@ -3118,6 +3138,7 @@
           <a:p>
             <a:fld id="{C4C7283F-616F-4503-ABBD-21FFB2848302}" type="slidenum">
               <a:rPr lang="en-US" smtClean="0"/>
+              <a:t>‹#›</a:t>
             </a:fld>
             <a:endParaRPr lang="en-US"/>
           </a:p>
@@ -3161,19 +3182,6 @@
               </a:rPr>
               <a:t>“</a:t>
             </a:r>
-            <a:endParaRPr lang="en-US" sz="8000" baseline="0" dirty="0">
-              <a:ln w="3175" cmpd="sng">
-                <a:noFill/>
-              </a:ln>
-              <a:solidFill>
-                <a:schemeClr val="accent1">
-                  <a:lumMod val="60000"/>
-                  <a:lumOff val="40000"/>
-                </a:schemeClr>
-              </a:solidFill>
-              <a:effectLst/>
-              <a:latin typeface="Arial" panose="020B0604020202020204"/>
-            </a:endParaRPr>
           </a:p>
         </p:txBody>
       </p:sp>
@@ -3215,19 +3223,6 @@
               </a:rPr>
               <a:t>”</a:t>
             </a:r>
-            <a:endParaRPr lang="en-US" sz="8000" baseline="0" dirty="0">
-              <a:ln w="3175" cmpd="sng">
-                <a:noFill/>
-              </a:ln>
-              <a:solidFill>
-                <a:schemeClr val="accent1">
-                  <a:lumMod val="60000"/>
-                  <a:lumOff val="40000"/>
-                </a:schemeClr>
-              </a:solidFill>
-              <a:effectLst/>
-              <a:latin typeface="Arial" panose="020B0604020202020204"/>
-            </a:endParaRPr>
           </a:p>
         </p:txBody>
       </p:sp>
@@ -3409,7 +3404,6 @@
               <a:rPr lang="en-US"/>
               <a:t>Click to edit Master text styles</a:t>
             </a:r>
-            <a:endParaRPr lang="en-US"/>
           </a:p>
         </p:txBody>
       </p:sp>
@@ -3430,6 +3424,7 @@
           <a:p>
             <a:fld id="{E4BF1266-03E0-45A9-B1E3-D5422494BD60}" type="datetime8">
               <a:rPr lang="en-US" smtClean="0"/>
+              <a:t>1/18/2025 7:59 PM</a:t>
             </a:fld>
             <a:endParaRPr lang="en-US"/>
           </a:p>
@@ -3475,6 +3470,7 @@
           <a:p>
             <a:fld id="{C4C7283F-616F-4503-ABBD-21FFB2848302}" type="slidenum">
               <a:rPr lang="en-US" smtClean="0"/>
+              <a:t>‹#›</a:t>
             </a:fld>
             <a:endParaRPr lang="en-US"/>
           </a:p>
@@ -3599,7 +3595,6 @@
               <a:rPr lang="en-US"/>
               <a:t>Click to edit Master text styles</a:t>
             </a:r>
-            <a:endParaRPr lang="en-US"/>
           </a:p>
         </p:txBody>
       </p:sp>
@@ -3722,7 +3717,6 @@
               <a:rPr lang="en-US"/>
               <a:t>Click to edit Master text styles</a:t>
             </a:r>
-            <a:endParaRPr lang="en-US"/>
           </a:p>
         </p:txBody>
       </p:sp>
@@ -3743,6 +3737,7 @@
           <a:p>
             <a:fld id="{C8FADDD5-B153-4219-94B0-1FF50A6816A5}" type="datetime8">
               <a:rPr lang="en-US" smtClean="0"/>
+              <a:t>1/18/2025 7:59 PM</a:t>
             </a:fld>
             <a:endParaRPr lang="en-US"/>
           </a:p>
@@ -3788,6 +3783,7 @@
           <a:p>
             <a:fld id="{C4C7283F-616F-4503-ABBD-21FFB2848302}" type="slidenum">
               <a:rPr lang="en-US" smtClean="0"/>
+              <a:t>‹#›</a:t>
             </a:fld>
             <a:endParaRPr lang="en-US"/>
           </a:p>
@@ -3831,19 +3827,6 @@
               </a:rPr>
               <a:t>“</a:t>
             </a:r>
-            <a:endParaRPr lang="en-US" sz="8000" baseline="0" dirty="0">
-              <a:ln w="3175" cmpd="sng">
-                <a:noFill/>
-              </a:ln>
-              <a:solidFill>
-                <a:schemeClr val="accent1">
-                  <a:lumMod val="60000"/>
-                  <a:lumOff val="40000"/>
-                </a:schemeClr>
-              </a:solidFill>
-              <a:effectLst/>
-              <a:latin typeface="Arial" panose="020B0604020202020204"/>
-            </a:endParaRPr>
           </a:p>
         </p:txBody>
       </p:sp>
@@ -3885,19 +3868,6 @@
               </a:rPr>
               <a:t>”</a:t>
             </a:r>
-            <a:endParaRPr lang="en-US" sz="8000" baseline="0" dirty="0">
-              <a:ln w="3175" cmpd="sng">
-                <a:noFill/>
-              </a:ln>
-              <a:solidFill>
-                <a:schemeClr val="accent1">
-                  <a:lumMod val="60000"/>
-                  <a:lumOff val="40000"/>
-                </a:schemeClr>
-              </a:solidFill>
-              <a:effectLst/>
-              <a:latin typeface="Arial" panose="020B0604020202020204"/>
-            </a:endParaRPr>
           </a:p>
         </p:txBody>
       </p:sp>
@@ -4017,7 +3987,6 @@
               <a:rPr lang="en-US"/>
               <a:t>Click to edit Master text styles</a:t>
             </a:r>
-            <a:endParaRPr lang="en-US"/>
           </a:p>
         </p:txBody>
       </p:sp>
@@ -4140,7 +4109,6 @@
               <a:rPr lang="en-US"/>
               <a:t>Click to edit Master text styles</a:t>
             </a:r>
-            <a:endParaRPr lang="en-US"/>
           </a:p>
         </p:txBody>
       </p:sp>
@@ -4161,6 +4129,7 @@
           <a:p>
             <a:fld id="{FFBC6F1A-280C-41CB-A477-07CA795B893F}" type="datetime8">
               <a:rPr lang="en-US" smtClean="0"/>
+              <a:t>1/18/2025 7:59 PM</a:t>
             </a:fld>
             <a:endParaRPr lang="en-US"/>
           </a:p>
@@ -4206,6 +4175,7 @@
           <a:p>
             <a:fld id="{C4C7283F-616F-4503-ABBD-21FFB2848302}" type="slidenum">
               <a:rPr lang="en-US" smtClean="0"/>
+              <a:t>‹#›</a:t>
             </a:fld>
             <a:endParaRPr lang="en-US"/>
           </a:p>
@@ -4279,7 +4249,6 @@
               <a:rPr lang="en-US"/>
               <a:t>Click to edit Master text styles</a:t>
             </a:r>
-            <a:endParaRPr lang="en-US"/>
           </a:p>
           <a:p>
             <a:pPr lvl="1"/>
@@ -4287,7 +4256,6 @@
               <a:rPr lang="en-US"/>
               <a:t>Second level</a:t>
             </a:r>
-            <a:endParaRPr lang="en-US"/>
           </a:p>
           <a:p>
             <a:pPr lvl="2"/>
@@ -4295,7 +4263,6 @@
               <a:rPr lang="en-US"/>
               <a:t>Third level</a:t>
             </a:r>
-            <a:endParaRPr lang="en-US"/>
           </a:p>
           <a:p>
             <a:pPr lvl="3"/>
@@ -4303,7 +4270,6 @@
               <a:rPr lang="en-US"/>
               <a:t>Fourth level</a:t>
             </a:r>
-            <a:endParaRPr lang="en-US"/>
           </a:p>
           <a:p>
             <a:pPr lvl="4"/>
@@ -4332,6 +4298,7 @@
           <a:p>
             <a:fld id="{10D0E147-E127-4D87-84FF-83AF777D57B0}" type="datetime8">
               <a:rPr lang="en-US" smtClean="0"/>
+              <a:t>1/18/2025 7:59 PM</a:t>
             </a:fld>
             <a:endParaRPr lang="en-US"/>
           </a:p>
@@ -4377,6 +4344,7 @@
           <a:p>
             <a:fld id="{C4C7283F-616F-4503-ABBD-21FFB2848302}" type="slidenum">
               <a:rPr lang="en-US" smtClean="0"/>
+              <a:t>‹#›</a:t>
             </a:fld>
             <a:endParaRPr lang="en-US"/>
           </a:p>
@@ -4460,7 +4428,6 @@
               <a:rPr lang="en-US"/>
               <a:t>Click to edit Master text styles</a:t>
             </a:r>
-            <a:endParaRPr lang="en-US"/>
           </a:p>
           <a:p>
             <a:pPr lvl="1"/>
@@ -4468,7 +4435,6 @@
               <a:rPr lang="en-US"/>
               <a:t>Second level</a:t>
             </a:r>
-            <a:endParaRPr lang="en-US"/>
           </a:p>
           <a:p>
             <a:pPr lvl="2"/>
@@ -4476,7 +4442,6 @@
               <a:rPr lang="en-US"/>
               <a:t>Third level</a:t>
             </a:r>
-            <a:endParaRPr lang="en-US"/>
           </a:p>
           <a:p>
             <a:pPr lvl="3"/>
@@ -4484,7 +4449,6 @@
               <a:rPr lang="en-US"/>
               <a:t>Fourth level</a:t>
             </a:r>
-            <a:endParaRPr lang="en-US"/>
           </a:p>
           <a:p>
             <a:pPr lvl="4"/>
@@ -4513,6 +4477,7 @@
           <a:p>
             <a:fld id="{AE720A3F-507D-4EC9-B968-56BE774C5C3F}" type="datetime8">
               <a:rPr lang="en-US" smtClean="0"/>
+              <a:t>1/18/2025 7:59 PM</a:t>
             </a:fld>
             <a:endParaRPr lang="en-US"/>
           </a:p>
@@ -4558,6 +4523,7 @@
           <a:p>
             <a:fld id="{C4C7283F-616F-4503-ABBD-21FFB2848302}" type="slidenum">
               <a:rPr lang="en-US" smtClean="0"/>
+              <a:t>‹#›</a:t>
             </a:fld>
             <a:endParaRPr lang="en-US"/>
           </a:p>
@@ -4631,7 +4597,6 @@
               <a:rPr lang="en-US"/>
               <a:t>Click to edit Master text styles</a:t>
             </a:r>
-            <a:endParaRPr lang="en-US"/>
           </a:p>
           <a:p>
             <a:pPr lvl="1"/>
@@ -4639,7 +4604,6 @@
               <a:rPr lang="en-US"/>
               <a:t>Second level</a:t>
             </a:r>
-            <a:endParaRPr lang="en-US"/>
           </a:p>
           <a:p>
             <a:pPr lvl="2"/>
@@ -4647,7 +4611,6 @@
               <a:rPr lang="en-US"/>
               <a:t>Third level</a:t>
             </a:r>
-            <a:endParaRPr lang="en-US"/>
           </a:p>
           <a:p>
             <a:pPr lvl="3"/>
@@ -4655,7 +4618,6 @@
               <a:rPr lang="en-US"/>
               <a:t>Fourth level</a:t>
             </a:r>
-            <a:endParaRPr lang="en-US"/>
           </a:p>
           <a:p>
             <a:pPr lvl="4"/>
@@ -4684,6 +4646,7 @@
           <a:p>
             <a:fld id="{70EC282A-B492-45B7-A20C-B47B480682FB}" type="datetime8">
               <a:rPr lang="en-US" smtClean="0"/>
+              <a:t>1/18/2025 7:59 PM</a:t>
             </a:fld>
             <a:endParaRPr lang="en-US"/>
           </a:p>
@@ -4729,6 +4692,7 @@
           <a:p>
             <a:fld id="{C4C7283F-616F-4503-ABBD-21FFB2848302}" type="slidenum">
               <a:rPr lang="en-US" smtClean="0"/>
+              <a:t>‹#›</a:t>
             </a:fld>
             <a:endParaRPr lang="en-US"/>
           </a:p>
@@ -4908,7 +4872,6 @@
               <a:rPr lang="en-US"/>
               <a:t>Click to edit Master text styles</a:t>
             </a:r>
-            <a:endParaRPr lang="en-US"/>
           </a:p>
         </p:txBody>
       </p:sp>
@@ -4929,6 +4892,7 @@
           <a:p>
             <a:fld id="{22ED6867-56C6-420B-BF33-E2323BB11E2C}" type="datetime8">
               <a:rPr lang="en-US" smtClean="0"/>
+              <a:t>1/18/2025 7:59 PM</a:t>
             </a:fld>
             <a:endParaRPr lang="en-US"/>
           </a:p>
@@ -4974,6 +4938,7 @@
           <a:p>
             <a:fld id="{C4C7283F-616F-4503-ABBD-21FFB2848302}" type="slidenum">
               <a:rPr lang="en-US" smtClean="0"/>
+              <a:t>‹#›</a:t>
             </a:fld>
             <a:endParaRPr lang="en-US"/>
           </a:p>
@@ -5052,7 +5017,6 @@
               <a:rPr lang="en-US"/>
               <a:t>Click to edit Master text styles</a:t>
             </a:r>
-            <a:endParaRPr lang="en-US"/>
           </a:p>
           <a:p>
             <a:pPr lvl="1"/>
@@ -5060,7 +5024,6 @@
               <a:rPr lang="en-US"/>
               <a:t>Second level</a:t>
             </a:r>
-            <a:endParaRPr lang="en-US"/>
           </a:p>
           <a:p>
             <a:pPr lvl="2"/>
@@ -5068,7 +5031,6 @@
               <a:rPr lang="en-US"/>
               <a:t>Third level</a:t>
             </a:r>
-            <a:endParaRPr lang="en-US"/>
           </a:p>
           <a:p>
             <a:pPr lvl="3"/>
@@ -5076,7 +5038,6 @@
               <a:rPr lang="en-US"/>
               <a:t>Fourth level</a:t>
             </a:r>
-            <a:endParaRPr lang="en-US"/>
           </a:p>
           <a:p>
             <a:pPr lvl="4"/>
@@ -5113,7 +5074,6 @@
               <a:rPr lang="en-US"/>
               <a:t>Click to edit Master text styles</a:t>
             </a:r>
-            <a:endParaRPr lang="en-US"/>
           </a:p>
           <a:p>
             <a:pPr lvl="1"/>
@@ -5121,7 +5081,6 @@
               <a:rPr lang="en-US"/>
               <a:t>Second level</a:t>
             </a:r>
-            <a:endParaRPr lang="en-US"/>
           </a:p>
           <a:p>
             <a:pPr lvl="2"/>
@@ -5129,7 +5088,6 @@
               <a:rPr lang="en-US"/>
               <a:t>Third level</a:t>
             </a:r>
-            <a:endParaRPr lang="en-US"/>
           </a:p>
           <a:p>
             <a:pPr lvl="3"/>
@@ -5137,7 +5095,6 @@
               <a:rPr lang="en-US"/>
               <a:t>Fourth level</a:t>
             </a:r>
-            <a:endParaRPr lang="en-US"/>
           </a:p>
           <a:p>
             <a:pPr lvl="4"/>
@@ -5166,6 +5123,7 @@
           <a:p>
             <a:fld id="{A607E069-8BF9-4C5D-AE63-557D18EFCB98}" type="datetime8">
               <a:rPr lang="en-US" smtClean="0"/>
+              <a:t>1/18/2025 7:59 PM</a:t>
             </a:fld>
             <a:endParaRPr lang="en-US"/>
           </a:p>
@@ -5211,6 +5169,7 @@
           <a:p>
             <a:fld id="{C4C7283F-616F-4503-ABBD-21FFB2848302}" type="slidenum">
               <a:rPr lang="en-US" smtClean="0"/>
+              <a:t>‹#›</a:t>
             </a:fld>
             <a:endParaRPr lang="en-US"/>
           </a:p>
@@ -5332,7 +5291,6 @@
               <a:rPr lang="en-US"/>
               <a:t>Click to edit Master text styles</a:t>
             </a:r>
-            <a:endParaRPr lang="en-US"/>
           </a:p>
         </p:txBody>
       </p:sp>
@@ -5363,7 +5321,6 @@
               <a:rPr lang="en-US"/>
               <a:t>Click to edit Master text styles</a:t>
             </a:r>
-            <a:endParaRPr lang="en-US"/>
           </a:p>
           <a:p>
             <a:pPr lvl="1"/>
@@ -5371,7 +5328,6 @@
               <a:rPr lang="en-US"/>
               <a:t>Second level</a:t>
             </a:r>
-            <a:endParaRPr lang="en-US"/>
           </a:p>
           <a:p>
             <a:pPr lvl="2"/>
@@ -5379,7 +5335,6 @@
               <a:rPr lang="en-US"/>
               <a:t>Third level</a:t>
             </a:r>
-            <a:endParaRPr lang="en-US"/>
           </a:p>
           <a:p>
             <a:pPr lvl="3"/>
@@ -5387,7 +5342,6 @@
               <a:rPr lang="en-US"/>
               <a:t>Fourth level</a:t>
             </a:r>
-            <a:endParaRPr lang="en-US"/>
           </a:p>
           <a:p>
             <a:pPr lvl="4"/>
@@ -5463,7 +5417,6 @@
               <a:rPr lang="en-US"/>
               <a:t>Click to edit Master text styles</a:t>
             </a:r>
-            <a:endParaRPr lang="en-US"/>
           </a:p>
         </p:txBody>
       </p:sp>
@@ -5494,7 +5447,6 @@
               <a:rPr lang="en-US"/>
               <a:t>Click to edit Master text styles</a:t>
             </a:r>
-            <a:endParaRPr lang="en-US"/>
           </a:p>
           <a:p>
             <a:pPr lvl="1"/>
@@ -5502,7 +5454,6 @@
               <a:rPr lang="en-US"/>
               <a:t>Second level</a:t>
             </a:r>
-            <a:endParaRPr lang="en-US"/>
           </a:p>
           <a:p>
             <a:pPr lvl="2"/>
@@ -5510,7 +5461,6 @@
               <a:rPr lang="en-US"/>
               <a:t>Third level</a:t>
             </a:r>
-            <a:endParaRPr lang="en-US"/>
           </a:p>
           <a:p>
             <a:pPr lvl="3"/>
@@ -5518,7 +5468,6 @@
               <a:rPr lang="en-US"/>
               <a:t>Fourth level</a:t>
             </a:r>
-            <a:endParaRPr lang="en-US"/>
           </a:p>
           <a:p>
             <a:pPr lvl="4"/>
@@ -5547,6 +5496,7 @@
           <a:p>
             <a:fld id="{1E5FBD63-573C-4E06-9569-363F3C494C3D}" type="datetime8">
               <a:rPr lang="en-US" smtClean="0"/>
+              <a:t>1/18/2025 7:59 PM</a:t>
             </a:fld>
             <a:endParaRPr lang="en-US"/>
           </a:p>
@@ -5592,6 +5542,7 @@
           <a:p>
             <a:fld id="{C4C7283F-616F-4503-ABBD-21FFB2848302}" type="slidenum">
               <a:rPr lang="en-US" smtClean="0"/>
+              <a:t>‹#›</a:t>
             </a:fld>
             <a:endParaRPr lang="en-US"/>
           </a:p>
@@ -5667,6 +5618,7 @@
           <a:p>
             <a:fld id="{B6D13991-E6B6-4F87-BE91-DE86F2D18115}" type="datetime8">
               <a:rPr lang="en-US" smtClean="0"/>
+              <a:t>1/18/2025 7:59 PM</a:t>
             </a:fld>
             <a:endParaRPr lang="en-US"/>
           </a:p>
@@ -5712,6 +5664,7 @@
           <a:p>
             <a:fld id="{C4C7283F-616F-4503-ABBD-21FFB2848302}" type="slidenum">
               <a:rPr lang="en-US" smtClean="0"/>
+              <a:t>‹#›</a:t>
             </a:fld>
             <a:endParaRPr lang="en-US"/>
           </a:p>
@@ -5759,6 +5712,7 @@
           <a:p>
             <a:fld id="{E8E64E3B-1E9C-45AC-B5D2-2EB786A4C096}" type="datetime8">
               <a:rPr lang="en-US" smtClean="0"/>
+              <a:t>1/18/2025 7:59 PM</a:t>
             </a:fld>
             <a:endParaRPr lang="en-US"/>
           </a:p>
@@ -5804,6 +5758,7 @@
           <a:p>
             <a:fld id="{C4C7283F-616F-4503-ABBD-21FFB2848302}" type="slidenum">
               <a:rPr lang="en-US" smtClean="0"/>
+              <a:t>‹#›</a:t>
             </a:fld>
             <a:endParaRPr lang="en-US"/>
           </a:p>
@@ -5895,7 +5850,6 @@
               <a:rPr lang="en-US"/>
               <a:t>Click to edit Master text styles</a:t>
             </a:r>
-            <a:endParaRPr lang="en-US"/>
           </a:p>
           <a:p>
             <a:pPr lvl="1"/>
@@ -5903,7 +5857,6 @@
               <a:rPr lang="en-US"/>
               <a:t>Second level</a:t>
             </a:r>
-            <a:endParaRPr lang="en-US"/>
           </a:p>
           <a:p>
             <a:pPr lvl="2"/>
@@ -5911,7 +5864,6 @@
               <a:rPr lang="en-US"/>
               <a:t>Third level</a:t>
             </a:r>
-            <a:endParaRPr lang="en-US"/>
           </a:p>
           <a:p>
             <a:pPr lvl="3"/>
@@ -5919,7 +5871,6 @@
               <a:rPr lang="en-US"/>
               <a:t>Fourth level</a:t>
             </a:r>
-            <a:endParaRPr lang="en-US"/>
           </a:p>
           <a:p>
             <a:pPr lvl="4"/>
@@ -5995,7 +5946,6 @@
               <a:rPr lang="en-US"/>
               <a:t>Click to edit Master text styles</a:t>
             </a:r>
-            <a:endParaRPr lang="en-US"/>
           </a:p>
         </p:txBody>
       </p:sp>
@@ -6016,6 +5966,7 @@
           <a:p>
             <a:fld id="{ECA93773-089F-4535-A246-EBAAB41DAF3A}" type="datetime8">
               <a:rPr lang="en-US" smtClean="0"/>
+              <a:t>1/18/2025 7:59 PM</a:t>
             </a:fld>
             <a:endParaRPr lang="en-US"/>
           </a:p>
@@ -6061,6 +6012,7 @@
           <a:p>
             <a:fld id="{C4C7283F-616F-4503-ABBD-21FFB2848302}" type="slidenum">
               <a:rPr lang="en-US" smtClean="0"/>
+              <a:t>‹#›</a:t>
             </a:fld>
             <a:endParaRPr lang="en-US"/>
           </a:p>
@@ -6256,7 +6208,6 @@
               <a:rPr lang="en-US"/>
               <a:t>Click to edit Master text styles</a:t>
             </a:r>
-            <a:endParaRPr lang="en-US"/>
           </a:p>
         </p:txBody>
       </p:sp>
@@ -6300,6 +6251,7 @@
           <a:p>
             <a:fld id="{C4C7283F-616F-4503-ABBD-21FFB2848302}" type="slidenum">
               <a:rPr lang="en-US" smtClean="0"/>
+              <a:t>‹#›</a:t>
             </a:fld>
             <a:endParaRPr lang="en-US"/>
           </a:p>
@@ -6322,6 +6274,7 @@
           <a:p>
             <a:fld id="{509537D5-94C9-4CB2-9673-B6F009DE731B}" type="datetime8">
               <a:rPr lang="en-US" smtClean="0"/>
+              <a:t>1/18/2025 7:59 PM</a:t>
             </a:fld>
             <a:endParaRPr lang="en-US"/>
           </a:p>
@@ -6951,7 +6904,6 @@
               <a:rPr lang="en-US"/>
               <a:t>Click to edit Master text styles</a:t>
             </a:r>
-            <a:endParaRPr lang="en-US"/>
           </a:p>
           <a:p>
             <a:pPr lvl="1"/>
@@ -6959,7 +6911,6 @@
               <a:rPr lang="en-US"/>
               <a:t>Second level</a:t>
             </a:r>
-            <a:endParaRPr lang="en-US"/>
           </a:p>
           <a:p>
             <a:pPr lvl="2"/>
@@ -6967,7 +6918,6 @@
               <a:rPr lang="en-US"/>
               <a:t>Third level</a:t>
             </a:r>
-            <a:endParaRPr lang="en-US"/>
           </a:p>
           <a:p>
             <a:pPr lvl="3"/>
@@ -6975,7 +6925,6 @@
               <a:rPr lang="en-US"/>
               <a:t>Fourth level</a:t>
             </a:r>
-            <a:endParaRPr lang="en-US"/>
           </a:p>
           <a:p>
             <a:pPr lvl="4"/>
@@ -7022,6 +6971,7 @@
           <a:p>
             <a:fld id="{69D0E751-3CC6-4AC8-BFD8-B111550C4052}" type="datetime8">
               <a:rPr lang="en-US" smtClean="0"/>
+              <a:t>1/18/2025 7:59 PM</a:t>
             </a:fld>
             <a:endParaRPr lang="en-US"/>
           </a:p>
@@ -7101,6 +7051,7 @@
           <a:p>
             <a:fld id="{C4C7283F-616F-4503-ABBD-21FFB2848302}" type="slidenum">
               <a:rPr lang="en-US" smtClean="0"/>
+              <a:t>‹#›</a:t>
             </a:fld>
             <a:endParaRPr lang="en-US"/>
           </a:p>
@@ -7530,6 +7481,34 @@
 <file path=ppt/slides/slide1.xml><?xml version="1.0" encoding="utf-8"?>
 <p:sld xmlns:a="http://schemas.openxmlformats.org/drawingml/2006/main" xmlns:r="http://schemas.openxmlformats.org/officeDocument/2006/relationships" xmlns:p="http://schemas.openxmlformats.org/presentationml/2006/main" showMasterSp="0">
   <p:cSld>
+    <p:bg>
+      <p:bgPr>
+        <a:blipFill dpi="0" rotWithShape="1">
+          <a:blip r:embed="rId3">
+            <a:alphaModFix amt="19000"/>
+            <a:extLst>
+              <a:ext uri="{BEBA8EAE-BF5A-486C-A8C5-ECC9F3942E4B}">
+                <a14:imgProps xmlns:a14="http://schemas.microsoft.com/office/drawing/2010/main">
+                  <a14:imgLayer r:embed="rId4">
+                    <a14:imgEffect>
+                      <a14:sharpenSoften amount="97000"/>
+                    </a14:imgEffect>
+                    <a14:imgEffect>
+                      <a14:brightnessContrast bright="3000" contrast="100000"/>
+                    </a14:imgEffect>
+                  </a14:imgLayer>
+                </a14:imgProps>
+              </a:ext>
+            </a:extLst>
+          </a:blip>
+          <a:srcRect/>
+          <a:stretch>
+            <a:fillRect t="-9000" b="-9000"/>
+          </a:stretch>
+        </a:blipFill>
+        <a:effectLst/>
+      </p:bgPr>
+    </p:bg>
     <p:spTree>
       <p:nvGrpSpPr>
         <p:cNvPr id="1" name=""/>
@@ -7556,8 +7535,8 @@
         </p:nvSpPr>
         <p:spPr>
           <a:xfrm>
-            <a:off x="1259174" y="1650307"/>
-            <a:ext cx="8739265" cy="1360100"/>
+            <a:off x="1259205" y="1650365"/>
+            <a:ext cx="9663430" cy="1360170"/>
           </a:xfrm>
         </p:spPr>
         <p:txBody>
@@ -7567,9 +7546,8 @@
             <a:pPr algn="ctr"/>
             <a:r>
               <a:rPr lang="en-US" sz="6000" b="1" dirty="0"/>
-              <a:t>Movie Industry Analysis</a:t>
-            </a:r>
-            <a:endParaRPr lang="en-US" sz="6000" b="1" dirty="0"/>
+              <a:t>MOVIE INDUSTRY ANALYSIS</a:t>
+            </a:r>
           </a:p>
         </p:txBody>
       </p:sp>
@@ -7599,7 +7577,6 @@
               <a:rPr lang="en-US" sz="4800" i="1" dirty="0"/>
               <a:t>GROUP 1 PHASE 2 PROJECT</a:t>
             </a:r>
-            <a:endParaRPr lang="en-US" sz="4800" i="1" dirty="0"/>
           </a:p>
         </p:txBody>
       </p:sp>
@@ -7643,6 +7620,7 @@
           <a:p>
             <a:fld id="{C4C7283F-616F-4503-ABBD-21FFB2848302}" type="slidenum">
               <a:rPr lang="en-US" smtClean="0"/>
+              <a:t>1</a:t>
             </a:fld>
             <a:endParaRPr lang="en-US"/>
           </a:p>
@@ -7698,7 +7676,6 @@
               <a:rPr lang="en-US" dirty="0"/>
               <a:t>METHODOLOGY</a:t>
             </a:r>
-            <a:endParaRPr lang="en-US" dirty="0"/>
           </a:p>
         </p:txBody>
       </p:sp>
@@ -7742,6 +7719,7 @@
           <a:p>
             <a:fld id="{C4C7283F-616F-4503-ABBD-21FFB2848302}" type="slidenum">
               <a:rPr lang="en-US" smtClean="0"/>
+              <a:t>10</a:t>
             </a:fld>
             <a:endParaRPr lang="en-US"/>
           </a:p>
@@ -7762,7 +7740,7 @@
             <a:avLst/>
           </a:prstGeom>
           <a:blipFill>
-            <a:blip r:embed="rId1"/>
+            <a:blip r:embed="rId2"/>
             <a:stretch>
               <a:fillRect/>
             </a:stretch>
@@ -7802,8 +7780,18 @@
 </file>
 
 <file path=ppt/slides/slide11.xml><?xml version="1.0" encoding="utf-8"?>
-<p:sld xmlns:a="http://schemas.openxmlformats.org/drawingml/2006/main" xmlns:r="http://schemas.openxmlformats.org/officeDocument/2006/relationships" xmlns:p="http://schemas.openxmlformats.org/presentationml/2006/main" showMasterSp="0">
+<p:sld xmlns:a="http://schemas.openxmlformats.org/drawingml/2006/main" xmlns:r="http://schemas.openxmlformats.org/officeDocument/2006/relationships" xmlns:p="http://schemas.openxmlformats.org/presentationml/2006/main">
   <p:cSld>
+    <p:bg>
+      <p:bgPr>
+        <a:solidFill>
+          <a:schemeClr val="bg1">
+            <a:alpha val="66000"/>
+          </a:schemeClr>
+        </a:solidFill>
+        <a:effectLst/>
+      </p:bgPr>
+    </p:bg>
     <p:spTree>
       <p:nvGrpSpPr>
         <p:cNvPr id="1" name=""/>
@@ -7830,8 +7818,8 @@
         </p:nvSpPr>
         <p:spPr>
           <a:xfrm>
-            <a:off x="677334" y="58953"/>
-            <a:ext cx="9813460" cy="785120"/>
+            <a:off x="1165396" y="451513"/>
+            <a:ext cx="8713390" cy="1646302"/>
           </a:xfrm>
         </p:spPr>
         <p:txBody>
@@ -7840,14 +7828,9 @@
           <a:p>
             <a:pPr algn="ctr"/>
             <a:r>
-              <a:rPr lang="en-US" sz="4400" dirty="0">
-                <a:latin typeface="+mn-lt"/>
-              </a:rPr>
-              <a:t>Comparison between genre and rating</a:t>
-            </a:r>
-            <a:endParaRPr lang="en-US" sz="4400" dirty="0">
-              <a:latin typeface="+mn-lt"/>
-            </a:endParaRPr>
+              <a:rPr lang="en-US" dirty="0"/>
+              <a:t>DATA CLEANING REPORT</a:t>
+            </a:r>
           </a:p>
         </p:txBody>
       </p:sp>
@@ -7863,24 +7846,74 @@
         </p:nvSpPr>
         <p:spPr>
           <a:xfrm>
-            <a:off x="1061357" y="5437204"/>
-            <a:ext cx="9429437" cy="604158"/>
+            <a:off x="1165395" y="2433735"/>
+            <a:ext cx="10166633" cy="3607627"/>
           </a:xfrm>
         </p:spPr>
         <p:txBody>
-          <a:bodyPr/>
-          <a:lstStyle/>
-          <a:p>
-            <a:pPr algn="l"/>
-            <a:r>
-              <a:rPr lang="en-US" sz="2400" dirty="0"/>
-              <a:t>The highly rated genre is drama.</a:t>
-            </a:r>
-            <a:endParaRPr lang="en-US" sz="2400" dirty="0"/>
-          </a:p>
-          <a:p>
-            <a:pPr algn="l"/>
-            <a:endParaRPr lang="en-US" dirty="0"/>
+          <a:bodyPr>
+            <a:noAutofit/>
+          </a:bodyPr>
+          <a:lstStyle/>
+          <a:p>
+            <a:pPr marL="342900" indent="-342900" algn="l">
+              <a:buFont typeface="Wingdings" panose="05000000000000000000" pitchFamily="2" charset="2"/>
+              <a:buChar char="v"/>
+            </a:pPr>
+            <a:r>
+              <a:rPr lang="en-US" altLang="en-GB" sz="2400" dirty="0"/>
+              <a:t>Modified columns names</a:t>
+            </a:r>
+          </a:p>
+          <a:p>
+            <a:pPr marL="342900" indent="-342900" algn="l">
+              <a:buFont typeface="Wingdings" panose="05000000000000000000" pitchFamily="2" charset="2"/>
+              <a:buChar char="v"/>
+            </a:pPr>
+            <a:r>
+              <a:rPr lang="en-US" altLang="en-GB" sz="2400" dirty="0"/>
+              <a:t>Changed column data types</a:t>
+            </a:r>
+          </a:p>
+          <a:p>
+            <a:pPr marL="342900" indent="-342900" algn="l">
+              <a:buFont typeface="Wingdings" panose="05000000000000000000" pitchFamily="2" charset="2"/>
+              <a:buChar char="v"/>
+            </a:pPr>
+            <a:r>
+              <a:rPr lang="en-US" altLang="en-GB" sz="2400" dirty="0"/>
+              <a:t>Removed duplicates</a:t>
+            </a:r>
+          </a:p>
+          <a:p>
+            <a:pPr marL="342900" indent="-342900" algn="l">
+              <a:buFont typeface="Wingdings" panose="05000000000000000000" pitchFamily="2" charset="2"/>
+              <a:buChar char="v"/>
+            </a:pPr>
+            <a:r>
+              <a:rPr lang="en-US" altLang="en-GB" sz="2400" dirty="0"/>
+              <a:t>Removed outliers</a:t>
+            </a:r>
+          </a:p>
+          <a:p>
+            <a:pPr marL="342900" indent="-342900" algn="l">
+              <a:buFont typeface="Wingdings" panose="05000000000000000000" pitchFamily="2" charset="2"/>
+              <a:buChar char="v"/>
+            </a:pPr>
+            <a:r>
+              <a:rPr lang="en-US" altLang="en-GB" sz="2400" dirty="0"/>
+              <a:t>Replaced/Drop null values</a:t>
+            </a:r>
+          </a:p>
+          <a:p>
+            <a:pPr marL="342900" indent="-342900" algn="l">
+              <a:buFont typeface="Wingdings" panose="05000000000000000000" pitchFamily="2" charset="2"/>
+              <a:buChar char="v"/>
+            </a:pPr>
+            <a:r>
+              <a:rPr lang="en-US" altLang="en-GB" sz="2400" dirty="0"/>
+              <a:t>Feature engineering</a:t>
+            </a:r>
           </a:p>
         </p:txBody>
       </p:sp>
@@ -7909,7 +7942,7 @@
       </p:sp>
       <p:sp>
         <p:nvSpPr>
-          <p:cNvPr id="6" name="Slide Number Placeholder 5"/>
+          <p:cNvPr id="5" name="Slide Number Placeholder 4"/>
           <p:cNvSpPr>
             <a:spLocks noGrp="1"/>
           </p:cNvSpPr>
@@ -7924,56 +7957,8 @@
           <a:p>
             <a:fld id="{C4C7283F-616F-4503-ABBD-21FFB2848302}" type="slidenum">
               <a:rPr lang="en-US" smtClean="0"/>
+              <a:t>11</a:t>
             </a:fld>
-            <a:endParaRPr lang="en-US"/>
-          </a:p>
-        </p:txBody>
-      </p:sp>
-      <p:sp>
-        <p:nvSpPr>
-          <p:cNvPr id="7" name="Rectangle 6"/>
-          <p:cNvSpPr/>
-          <p:nvPr/>
-        </p:nvSpPr>
-        <p:spPr>
-          <a:xfrm>
-            <a:off x="2071396" y="816638"/>
-            <a:ext cx="6848669" cy="4504243"/>
-          </a:xfrm>
-          <a:prstGeom prst="rect">
-            <a:avLst/>
-          </a:prstGeom>
-          <a:blipFill>
-            <a:blip r:embed="rId1"/>
-            <a:stretch>
-              <a:fillRect/>
-            </a:stretch>
-          </a:blipFill>
-          <a:ln>
-            <a:noFill/>
-          </a:ln>
-        </p:spPr>
-        <p:style>
-          <a:lnRef idx="2">
-            <a:schemeClr val="accent1">
-              <a:shade val="15000"/>
-            </a:schemeClr>
-          </a:lnRef>
-          <a:fillRef idx="1">
-            <a:schemeClr val="accent1"/>
-          </a:fillRef>
-          <a:effectRef idx="0">
-            <a:schemeClr val="accent1"/>
-          </a:effectRef>
-          <a:fontRef idx="minor">
-            <a:schemeClr val="lt1"/>
-          </a:fontRef>
-        </p:style>
-        <p:txBody>
-          <a:bodyPr rtlCol="0" anchor="ctr"/>
-          <a:lstStyle/>
-          <a:p>
-            <a:pPr algn="ctr"/>
             <a:endParaRPr lang="en-US"/>
           </a:p>
         </p:txBody>
@@ -8028,11 +8013,8 @@
               <a:rPr lang="en-US" sz="4400" dirty="0">
                 <a:latin typeface="+mn-lt"/>
               </a:rPr>
-              <a:t>Comparison between genre and sales</a:t>
-            </a:r>
-            <a:endParaRPr lang="en-US" sz="4400" dirty="0">
-              <a:latin typeface="+mn-lt"/>
-            </a:endParaRPr>
+              <a:t>Comparison between genre and rating</a:t>
+            </a:r>
           </a:p>
         </p:txBody>
       </p:sp>
@@ -8053,17 +8035,18 @@
           </a:xfrm>
         </p:spPr>
         <p:txBody>
-          <a:bodyPr>
-            <a:normAutofit/>
-          </a:bodyPr>
+          <a:bodyPr/>
           <a:lstStyle/>
           <a:p>
             <a:pPr algn="l"/>
             <a:r>
               <a:rPr lang="en-US" sz="2400" dirty="0"/>
-              <a:t>Highest sales were from comedy, followed by drama.</a:t>
-            </a:r>
-            <a:endParaRPr lang="en-US" sz="2400" dirty="0"/>
+              <a:t>The highly rated genre is drama.</a:t>
+            </a:r>
+          </a:p>
+          <a:p>
+            <a:pPr algn="l"/>
+            <a:endParaRPr lang="en-US" dirty="0"/>
           </a:p>
         </p:txBody>
       </p:sp>
@@ -8107,6 +8090,7 @@
           <a:p>
             <a:fld id="{C4C7283F-616F-4503-ABBD-21FFB2848302}" type="slidenum">
               <a:rPr lang="en-US" smtClean="0"/>
+              <a:t>12</a:t>
             </a:fld>
             <a:endParaRPr lang="en-US"/>
           </a:p>
@@ -8120,14 +8104,14 @@
         </p:nvSpPr>
         <p:spPr>
           <a:xfrm>
-            <a:off x="1701206" y="816638"/>
-            <a:ext cx="7797357" cy="4620566"/>
+            <a:off x="2071396" y="816638"/>
+            <a:ext cx="6848669" cy="4504243"/>
           </a:xfrm>
           <a:prstGeom prst="rect">
             <a:avLst/>
           </a:prstGeom>
           <a:blipFill>
-            <a:blip r:embed="rId1"/>
+            <a:blip r:embed="rId3"/>
             <a:stretch>
               <a:fillRect/>
             </a:stretch>
@@ -8157,7 +8141,7 @@
           <a:lstStyle/>
           <a:p>
             <a:pPr algn="ctr"/>
-            <a:endParaRPr lang="en-US" dirty="0"/>
+            <a:endParaRPr lang="en-US"/>
           </a:p>
         </p:txBody>
       </p:sp>
@@ -8188,6 +8172,186 @@
       </p:grpSpPr>
       <p:sp>
         <p:nvSpPr>
+          <p:cNvPr id="2" name="Title 1"/>
+          <p:cNvSpPr>
+            <a:spLocks noGrp="1"/>
+          </p:cNvSpPr>
+          <p:nvPr>
+            <p:ph type="ctrTitle"/>
+          </p:nvPr>
+        </p:nvSpPr>
+        <p:spPr>
+          <a:xfrm>
+            <a:off x="677334" y="58953"/>
+            <a:ext cx="9813460" cy="785120"/>
+          </a:xfrm>
+        </p:spPr>
+        <p:txBody>
+          <a:bodyPr/>
+          <a:lstStyle/>
+          <a:p>
+            <a:pPr algn="ctr"/>
+            <a:r>
+              <a:rPr lang="en-US" sz="4400" dirty="0">
+                <a:latin typeface="+mn-lt"/>
+              </a:rPr>
+              <a:t>Comparison between genre and sales</a:t>
+            </a:r>
+          </a:p>
+        </p:txBody>
+      </p:sp>
+      <p:sp>
+        <p:nvSpPr>
+          <p:cNvPr id="3" name="Subtitle 2"/>
+          <p:cNvSpPr>
+            <a:spLocks noGrp="1"/>
+          </p:cNvSpPr>
+          <p:nvPr>
+            <p:ph type="subTitle" idx="1"/>
+          </p:nvPr>
+        </p:nvSpPr>
+        <p:spPr>
+          <a:xfrm>
+            <a:off x="1061357" y="5437204"/>
+            <a:ext cx="9429437" cy="604158"/>
+          </a:xfrm>
+        </p:spPr>
+        <p:txBody>
+          <a:bodyPr>
+            <a:normAutofit/>
+          </a:bodyPr>
+          <a:lstStyle/>
+          <a:p>
+            <a:pPr algn="l"/>
+            <a:r>
+              <a:rPr lang="en-US" sz="2400" dirty="0"/>
+              <a:t>Highest sales were from comedy, followed by drama.</a:t>
+            </a:r>
+          </a:p>
+        </p:txBody>
+      </p:sp>
+      <p:sp>
+        <p:nvSpPr>
+          <p:cNvPr id="4" name="Footer Placeholder 3"/>
+          <p:cNvSpPr>
+            <a:spLocks noGrp="1"/>
+          </p:cNvSpPr>
+          <p:nvPr>
+            <p:ph type="ftr" sz="quarter" idx="11"/>
+          </p:nvPr>
+        </p:nvSpPr>
+        <p:spPr/>
+        <p:txBody>
+          <a:bodyPr/>
+          <a:lstStyle/>
+          <a:p>
+            <a:r>
+              <a:rPr lang="en-GB"/>
+              <a:t>GROUP ONE  PHASE TWO PROJECT</a:t>
+            </a:r>
+            <a:endParaRPr lang="en-US"/>
+          </a:p>
+        </p:txBody>
+      </p:sp>
+      <p:sp>
+        <p:nvSpPr>
+          <p:cNvPr id="6" name="Slide Number Placeholder 5"/>
+          <p:cNvSpPr>
+            <a:spLocks noGrp="1"/>
+          </p:cNvSpPr>
+          <p:nvPr>
+            <p:ph type="sldNum" sz="quarter" idx="12"/>
+          </p:nvPr>
+        </p:nvSpPr>
+        <p:spPr/>
+        <p:txBody>
+          <a:bodyPr/>
+          <a:lstStyle/>
+          <a:p>
+            <a:fld id="{C4C7283F-616F-4503-ABBD-21FFB2848302}" type="slidenum">
+              <a:rPr lang="en-US" smtClean="0"/>
+              <a:t>13</a:t>
+            </a:fld>
+            <a:endParaRPr lang="en-US"/>
+          </a:p>
+        </p:txBody>
+      </p:sp>
+      <p:sp>
+        <p:nvSpPr>
+          <p:cNvPr id="7" name="Rectangle 6"/>
+          <p:cNvSpPr/>
+          <p:nvPr/>
+        </p:nvSpPr>
+        <p:spPr>
+          <a:xfrm>
+            <a:off x="1701206" y="816638"/>
+            <a:ext cx="7797357" cy="4620566"/>
+          </a:xfrm>
+          <a:prstGeom prst="rect">
+            <a:avLst/>
+          </a:prstGeom>
+          <a:blipFill>
+            <a:blip r:embed="rId3"/>
+            <a:stretch>
+              <a:fillRect/>
+            </a:stretch>
+          </a:blipFill>
+          <a:ln>
+            <a:noFill/>
+          </a:ln>
+        </p:spPr>
+        <p:style>
+          <a:lnRef idx="2">
+            <a:schemeClr val="accent1">
+              <a:shade val="15000"/>
+            </a:schemeClr>
+          </a:lnRef>
+          <a:fillRef idx="1">
+            <a:schemeClr val="accent1"/>
+          </a:fillRef>
+          <a:effectRef idx="0">
+            <a:schemeClr val="accent1"/>
+          </a:effectRef>
+          <a:fontRef idx="minor">
+            <a:schemeClr val="lt1"/>
+          </a:fontRef>
+        </p:style>
+        <p:txBody>
+          <a:bodyPr rtlCol="0" anchor="ctr"/>
+          <a:lstStyle/>
+          <a:p>
+            <a:pPr algn="ctr"/>
+            <a:endParaRPr lang="en-US" dirty="0"/>
+          </a:p>
+        </p:txBody>
+      </p:sp>
+    </p:spTree>
+  </p:cSld>
+  <p:clrMapOvr>
+    <a:masterClrMapping/>
+  </p:clrMapOvr>
+</p:sld>
+</file>
+
+<file path=ppt/slides/slide14.xml><?xml version="1.0" encoding="utf-8"?>
+<p:sld xmlns:a="http://schemas.openxmlformats.org/drawingml/2006/main" xmlns:r="http://schemas.openxmlformats.org/officeDocument/2006/relationships" xmlns:p="http://schemas.openxmlformats.org/presentationml/2006/main" showMasterSp="0">
+  <p:cSld>
+    <p:spTree>
+      <p:nvGrpSpPr>
+        <p:cNvPr id="1" name=""/>
+        <p:cNvGrpSpPr/>
+        <p:nvPr/>
+      </p:nvGrpSpPr>
+      <p:grpSpPr>
+        <a:xfrm>
+          <a:off x="0" y="0"/>
+          <a:ext cx="0" cy="0"/>
+          <a:chOff x="0" y="0"/>
+          <a:chExt cx="0" cy="0"/>
+        </a:xfrm>
+      </p:grpSpPr>
+      <p:sp>
+        <p:nvSpPr>
           <p:cNvPr id="3" name="Subtitle 2"/>
           <p:cNvSpPr>
             <a:spLocks noGrp="1"/>
@@ -8213,7 +8377,6 @@
               <a:rPr lang="en-US" sz="2000" dirty="0"/>
               <a:t>Movies and films from Jay roach made highest sales followed by Mel Gibson and Sam Mendes.</a:t>
             </a:r>
-            <a:endParaRPr lang="en-US" sz="2000" dirty="0"/>
           </a:p>
         </p:txBody>
       </p:sp>
@@ -8257,6 +8420,7 @@
           <a:p>
             <a:fld id="{C4C7283F-616F-4503-ABBD-21FFB2848302}" type="slidenum">
               <a:rPr lang="en-US" smtClean="0"/>
+              <a:t>14</a:t>
             </a:fld>
             <a:endParaRPr lang="en-US"/>
           </a:p>
@@ -8361,9 +8525,6 @@
               </a:rPr>
               <a:t>Comparison between directors and sales</a:t>
             </a:r>
-            <a:endParaRPr lang="en-US" sz="4400" dirty="0">
-              <a:latin typeface="+mn-lt"/>
-            </a:endParaRPr>
           </a:p>
         </p:txBody>
       </p:sp>
@@ -8376,7 +8537,7 @@
           <p:nvPr/>
         </p:nvPicPr>
         <p:blipFill>
-          <a:blip r:embed="rId1"/>
+          <a:blip r:embed="rId3"/>
           <a:stretch>
             <a:fillRect/>
           </a:stretch>
@@ -8399,7 +8560,7 @@
 </p:sld>
 </file>
 
-<file path=ppt/slides/slide14.xml><?xml version="1.0" encoding="utf-8"?>
+<file path=ppt/slides/slide15.xml><?xml version="1.0" encoding="utf-8"?>
 <p:sld xmlns:a="http://schemas.openxmlformats.org/drawingml/2006/main" xmlns:r="http://schemas.openxmlformats.org/officeDocument/2006/relationships" xmlns:p="http://schemas.openxmlformats.org/presentationml/2006/main" showMasterSp="0">
   <p:cSld>
     <p:spTree>
@@ -8443,7 +8604,6 @@
               <a:rPr lang="en-US" sz="2000" dirty="0"/>
               <a:t>Dramas from Anna were the most popular as well as crime, drama, thriller from Eden Movies.</a:t>
             </a:r>
-            <a:endParaRPr lang="en-US" sz="2000" dirty="0"/>
           </a:p>
         </p:txBody>
       </p:sp>
@@ -8487,6 +8647,7 @@
           <a:p>
             <a:fld id="{C4C7283F-616F-4503-ABBD-21FFB2848302}" type="slidenum">
               <a:rPr lang="en-US" smtClean="0"/>
+              <a:t>15</a:t>
             </a:fld>
             <a:endParaRPr lang="en-US"/>
           </a:p>
@@ -8501,7 +8662,7 @@
           <p:nvPr/>
         </p:nvPicPr>
         <p:blipFill>
-          <a:blip r:embed="rId1">
+          <a:blip r:embed="rId3">
             <a:extLst>
               <a:ext uri="{28A0092B-C50C-407E-A947-70E740481C1C}">
                 <a14:useLocalDpi xmlns:a14="http://schemas.microsoft.com/office/drawing/2010/main" val="0"/>
@@ -8625,161 +8786,6 @@
               </a:rPr>
               <a:t>Top 3 movies with top 3 genres and popularity</a:t>
             </a:r>
-            <a:endParaRPr lang="en-US" sz="4400" dirty="0">
-              <a:latin typeface="+mn-lt"/>
-            </a:endParaRPr>
-          </a:p>
-        </p:txBody>
-      </p:sp>
-    </p:spTree>
-  </p:cSld>
-  <p:clrMapOvr>
-    <a:masterClrMapping/>
-  </p:clrMapOvr>
-</p:sld>
-</file>
-
-<file path=ppt/slides/slide15.xml><?xml version="1.0" encoding="utf-8"?>
-<p:sld xmlns:a="http://schemas.openxmlformats.org/drawingml/2006/main" xmlns:r="http://schemas.openxmlformats.org/officeDocument/2006/relationships" xmlns:p="http://schemas.openxmlformats.org/presentationml/2006/main" showMasterSp="0">
-  <p:cSld>
-    <p:spTree>
-      <p:nvGrpSpPr>
-        <p:cNvPr id="1" name=""/>
-        <p:cNvGrpSpPr/>
-        <p:nvPr/>
-      </p:nvGrpSpPr>
-      <p:grpSpPr>
-        <a:xfrm>
-          <a:off x="0" y="0"/>
-          <a:ext cx="0" cy="0"/>
-          <a:chOff x="0" y="0"/>
-          <a:chExt cx="0" cy="0"/>
-        </a:xfrm>
-      </p:grpSpPr>
-      <p:sp>
-        <p:nvSpPr>
-          <p:cNvPr id="3" name="Subtitle 2"/>
-          <p:cNvSpPr>
-            <a:spLocks noGrp="1"/>
-          </p:cNvSpPr>
-          <p:nvPr>
-            <p:ph type="subTitle" idx="1"/>
-          </p:nvPr>
-        </p:nvSpPr>
-        <p:spPr>
-          <a:xfrm>
-            <a:off x="1343608" y="5721847"/>
-            <a:ext cx="7766936" cy="319515"/>
-          </a:xfrm>
-        </p:spPr>
-        <p:txBody>
-          <a:bodyPr>
-            <a:noAutofit/>
-          </a:bodyPr>
-          <a:lstStyle/>
-          <a:p>
-            <a:r>
-              <a:rPr lang="en-US" sz="2000" dirty="0"/>
-              <a:t>Drama was the most popular genre doubling the other categories.</a:t>
-            </a:r>
-            <a:endParaRPr lang="en-US" sz="2000" dirty="0"/>
-          </a:p>
-        </p:txBody>
-      </p:sp>
-      <p:sp>
-        <p:nvSpPr>
-          <p:cNvPr id="4" name="Footer Placeholder 3"/>
-          <p:cNvSpPr>
-            <a:spLocks noGrp="1"/>
-          </p:cNvSpPr>
-          <p:nvPr>
-            <p:ph type="ftr" sz="quarter" idx="11"/>
-          </p:nvPr>
-        </p:nvSpPr>
-        <p:spPr/>
-        <p:txBody>
-          <a:bodyPr/>
-          <a:lstStyle/>
-          <a:p>
-            <a:r>
-              <a:rPr lang="en-GB"/>
-              <a:t>GROUP ONE  PHASE TWO PROJECT</a:t>
-            </a:r>
-            <a:endParaRPr lang="en-US"/>
-          </a:p>
-        </p:txBody>
-      </p:sp>
-      <p:sp>
-        <p:nvSpPr>
-          <p:cNvPr id="6" name="Slide Number Placeholder 5"/>
-          <p:cNvSpPr>
-            <a:spLocks noGrp="1"/>
-          </p:cNvSpPr>
-          <p:nvPr>
-            <p:ph type="sldNum" sz="quarter" idx="12"/>
-          </p:nvPr>
-        </p:nvSpPr>
-        <p:spPr/>
-        <p:txBody>
-          <a:bodyPr/>
-          <a:lstStyle/>
-          <a:p>
-            <a:fld id="{C4C7283F-616F-4503-ABBD-21FFB2848302}" type="slidenum">
-              <a:rPr lang="en-US" smtClean="0"/>
-            </a:fld>
-            <a:endParaRPr lang="en-US"/>
-          </a:p>
-        </p:txBody>
-      </p:sp>
-      <p:pic>
-        <p:nvPicPr>
-          <p:cNvPr id="8" name="Picture 7"/>
-          <p:cNvPicPr>
-            <a:picLocks noChangeAspect="1"/>
-          </p:cNvPicPr>
-          <p:nvPr/>
-        </p:nvPicPr>
-        <p:blipFill>
-          <a:blip r:embed="rId1"/>
-          <a:stretch>
-            <a:fillRect/>
-          </a:stretch>
-        </p:blipFill>
-        <p:spPr>
-          <a:xfrm>
-            <a:off x="1343608" y="751719"/>
-            <a:ext cx="7930394" cy="5035047"/>
-          </a:xfrm>
-          <a:prstGeom prst="rect">
-            <a:avLst/>
-          </a:prstGeom>
-        </p:spPr>
-      </p:pic>
-      <p:sp>
-        <p:nvSpPr>
-          <p:cNvPr id="10" name="Title 9"/>
-          <p:cNvSpPr>
-            <a:spLocks noGrp="1"/>
-          </p:cNvSpPr>
-          <p:nvPr>
-            <p:ph type="ctrTitle"/>
-          </p:nvPr>
-        </p:nvSpPr>
-        <p:spPr>
-          <a:xfrm>
-            <a:off x="1507066" y="130629"/>
-            <a:ext cx="7766936" cy="686008"/>
-          </a:xfrm>
-        </p:spPr>
-        <p:txBody>
-          <a:bodyPr/>
-          <a:lstStyle/>
-          <a:p>
-            <a:r>
-              <a:rPr lang="en-GB" dirty="0"/>
-              <a:t>Top 5 popular genres</a:t>
-            </a:r>
-            <a:endParaRPr lang="en-US" dirty="0"/>
           </a:p>
         </p:txBody>
       </p:sp>
@@ -8810,48 +8816,46 @@
       </p:grpSpPr>
       <p:sp>
         <p:nvSpPr>
-          <p:cNvPr id="2" name="Title 1"/>
-          <p:cNvSpPr>
-            <a:spLocks noGrp="1"/>
-          </p:cNvSpPr>
-          <p:nvPr>
-            <p:ph type="title"/>
+          <p:cNvPr id="10" name="Title 9"/>
+          <p:cNvSpPr>
+            <a:spLocks noGrp="1"/>
+          </p:cNvSpPr>
+          <p:nvPr>
+            <p:ph type="ctrTitle"/>
           </p:nvPr>
         </p:nvSpPr>
         <p:spPr>
           <a:xfrm>
-            <a:off x="335664" y="0"/>
-            <a:ext cx="11458230" cy="816638"/>
+            <a:off x="1507066" y="130629"/>
+            <a:ext cx="7766936" cy="686008"/>
           </a:xfrm>
         </p:spPr>
         <p:txBody>
-          <a:bodyPr>
-            <a:normAutofit fontScale="90000"/>
-          </a:bodyPr>
-          <a:lstStyle/>
-          <a:p>
-            <a:r>
-              <a:rPr lang="en-US" b="1" dirty="0"/>
-              <a:t>Comparison between genre and production budget</a:t>
-            </a:r>
-            <a:endParaRPr lang="en-US" b="1" dirty="0"/>
-          </a:p>
-        </p:txBody>
-      </p:sp>
-      <p:sp>
-        <p:nvSpPr>
-          <p:cNvPr id="3" name="Text Placeholder 2"/>
-          <p:cNvSpPr>
-            <a:spLocks noGrp="1"/>
-          </p:cNvSpPr>
-          <p:nvPr>
-            <p:ph type="body" idx="1"/>
+          <a:bodyPr/>
+          <a:lstStyle/>
+          <a:p>
+            <a:r>
+              <a:rPr lang="en-GB" dirty="0"/>
+              <a:t>Top 5 popular genres</a:t>
+            </a:r>
+            <a:endParaRPr lang="en-US" dirty="0"/>
+          </a:p>
+        </p:txBody>
+      </p:sp>
+      <p:sp>
+        <p:nvSpPr>
+          <p:cNvPr id="3" name="Subtitle 2"/>
+          <p:cNvSpPr>
+            <a:spLocks noGrp="1"/>
+          </p:cNvSpPr>
+          <p:nvPr>
+            <p:ph type="subTitle" idx="1"/>
           </p:nvPr>
         </p:nvSpPr>
         <p:spPr>
           <a:xfrm>
-            <a:off x="677334" y="5676236"/>
-            <a:ext cx="10519400" cy="365125"/>
+            <a:off x="1343608" y="5721847"/>
+            <a:ext cx="7766936" cy="319515"/>
           </a:xfrm>
         </p:spPr>
         <p:txBody>
@@ -8861,10 +8865,9 @@
           <a:lstStyle/>
           <a:p>
             <a:r>
-              <a:rPr lang="en-US" dirty="0"/>
-              <a:t>Comedy ,drama  were costly in budget but gave the highest returns on investment.</a:t>
-            </a:r>
-            <a:endParaRPr lang="en-US" dirty="0"/>
+              <a:rPr lang="en-US" sz="2000" dirty="0"/>
+              <a:t>Drama was the most popular genre doubling the other categories.</a:t>
+            </a:r>
           </a:p>
         </p:txBody>
       </p:sp>
@@ -8908,6 +8911,7 @@
           <a:p>
             <a:fld id="{C4C7283F-616F-4503-ABBD-21FFB2848302}" type="slidenum">
               <a:rPr lang="en-US" smtClean="0"/>
+              <a:t>16</a:t>
             </a:fld>
             <a:endParaRPr lang="en-US"/>
           </a:p>
@@ -8915,29 +8919,22 @@
       </p:sp>
       <p:pic>
         <p:nvPicPr>
-          <p:cNvPr id="5" name="Picture 4"/>
+          <p:cNvPr id="8" name="Picture 7"/>
           <p:cNvPicPr>
             <a:picLocks noChangeAspect="1"/>
           </p:cNvPicPr>
           <p:nvPr/>
         </p:nvPicPr>
         <p:blipFill>
-          <a:blip r:embed="rId1">
-            <a:extLst>
-              <a:ext uri="{28A0092B-C50C-407E-A947-70E740481C1C}">
-                <a14:useLocalDpi xmlns:a14="http://schemas.microsoft.com/office/drawing/2010/main" val="0"/>
-              </a:ext>
-            </a:extLst>
-          </a:blip>
-          <a:srcRect/>
+          <a:blip r:embed="rId3"/>
           <a:stretch>
             <a:fillRect/>
           </a:stretch>
         </p:blipFill>
         <p:spPr>
           <a:xfrm>
-            <a:off x="895739" y="816638"/>
-            <a:ext cx="10300995" cy="4725746"/>
+            <a:off x="1343608" y="751719"/>
+            <a:ext cx="7930394" cy="5035047"/>
           </a:xfrm>
           <a:prstGeom prst="rect">
             <a:avLst/>
@@ -8976,42 +8973,42 @@
             <a:spLocks noGrp="1"/>
           </p:cNvSpPr>
           <p:nvPr>
-            <p:ph type="ctrTitle"/>
+            <p:ph type="title"/>
           </p:nvPr>
         </p:nvSpPr>
         <p:spPr>
           <a:xfrm>
-            <a:off x="955311" y="55984"/>
-            <a:ext cx="10412963" cy="727788"/>
+            <a:off x="335664" y="0"/>
+            <a:ext cx="11458230" cy="816638"/>
           </a:xfrm>
         </p:spPr>
         <p:txBody>
-          <a:bodyPr/>
-          <a:lstStyle/>
-          <a:p>
-            <a:pPr algn="l"/>
-            <a:r>
-              <a:rPr lang="en-US" dirty="0"/>
-              <a:t>Top 5 most popular movie rating</a:t>
-            </a:r>
-            <a:endParaRPr lang="en-US" dirty="0"/>
-          </a:p>
-        </p:txBody>
-      </p:sp>
-      <p:sp>
-        <p:nvSpPr>
-          <p:cNvPr id="3" name="Subtitle 2"/>
-          <p:cNvSpPr>
-            <a:spLocks noGrp="1"/>
-          </p:cNvSpPr>
-          <p:nvPr>
-            <p:ph type="subTitle" idx="1"/>
+          <a:bodyPr>
+            <a:normAutofit fontScale="90000"/>
+          </a:bodyPr>
+          <a:lstStyle/>
+          <a:p>
+            <a:r>
+              <a:rPr lang="en-US" b="1" dirty="0"/>
+              <a:t>Comparison between genre and production budget</a:t>
+            </a:r>
+          </a:p>
+        </p:txBody>
+      </p:sp>
+      <p:sp>
+        <p:nvSpPr>
+          <p:cNvPr id="3" name="Text Placeholder 2"/>
+          <p:cNvSpPr>
+            <a:spLocks noGrp="1"/>
+          </p:cNvSpPr>
+          <p:nvPr>
+            <p:ph type="body" idx="1"/>
           </p:nvPr>
         </p:nvSpPr>
         <p:spPr>
           <a:xfrm>
-            <a:off x="1165396" y="5678699"/>
-            <a:ext cx="7766936" cy="451514"/>
+            <a:off x="677334" y="5676236"/>
+            <a:ext cx="10519400" cy="365125"/>
           </a:xfrm>
         </p:spPr>
         <p:txBody>
@@ -9020,12 +9017,10 @@
           </a:bodyPr>
           <a:lstStyle/>
           <a:p>
-            <a:pPr algn="l"/>
-            <a:r>
-              <a:rPr lang="en-US" sz="2400" dirty="0"/>
-              <a:t>R,PG-13,PG IN Descending order of popularity.</a:t>
-            </a:r>
-            <a:endParaRPr lang="en-US" sz="2400" dirty="0"/>
+            <a:r>
+              <a:rPr lang="en-US" dirty="0"/>
+              <a:t>Comedy ,drama  were costly in budget but gave the highest returns on investment.</a:t>
+            </a:r>
           </a:p>
         </p:txBody>
       </p:sp>
@@ -9069,6 +9064,7 @@
           <a:p>
             <a:fld id="{C4C7283F-616F-4503-ABBD-21FFB2848302}" type="slidenum">
               <a:rPr lang="en-US" smtClean="0"/>
+              <a:t>17</a:t>
             </a:fld>
             <a:endParaRPr lang="en-US"/>
           </a:p>
@@ -9083,7 +9079,7 @@
           <p:nvPr/>
         </p:nvPicPr>
         <p:blipFill>
-          <a:blip r:embed="rId1">
+          <a:blip r:embed="rId3">
             <a:extLst>
               <a:ext uri="{28A0092B-C50C-407E-A947-70E740481C1C}">
                 <a14:useLocalDpi xmlns:a14="http://schemas.microsoft.com/office/drawing/2010/main" val="0"/>
@@ -9097,8 +9093,8 @@
         </p:blipFill>
         <p:spPr>
           <a:xfrm>
-            <a:off x="823726" y="727787"/>
-            <a:ext cx="8108606" cy="5037301"/>
+            <a:off x="895739" y="816638"/>
+            <a:ext cx="10300995" cy="4725746"/>
           </a:xfrm>
           <a:prstGeom prst="rect">
             <a:avLst/>
@@ -9142,19 +9138,19 @@
         </p:nvSpPr>
         <p:spPr>
           <a:xfrm>
-            <a:off x="1133843" y="204399"/>
-            <a:ext cx="9559039" cy="858442"/>
+            <a:off x="955311" y="55984"/>
+            <a:ext cx="10412963" cy="727788"/>
           </a:xfrm>
         </p:spPr>
         <p:txBody>
           <a:bodyPr/>
           <a:lstStyle/>
           <a:p>
+            <a:pPr algn="l"/>
             <a:r>
               <a:rPr lang="en-US" dirty="0"/>
-              <a:t>Yearly release timing analysis</a:t>
-            </a:r>
-            <a:endParaRPr lang="en-US" dirty="0"/>
+              <a:t>Top 5 most popular movie rating</a:t>
+            </a:r>
           </a:p>
         </p:txBody>
       </p:sp>
@@ -9170,8 +9166,8 @@
         </p:nvSpPr>
         <p:spPr>
           <a:xfrm>
-            <a:off x="1165396" y="5594317"/>
-            <a:ext cx="10349270" cy="629607"/>
+            <a:off x="1165396" y="5678699"/>
+            <a:ext cx="7766936" cy="451514"/>
           </a:xfrm>
         </p:spPr>
         <p:txBody>
@@ -9183,9 +9179,8 @@
             <a:pPr algn="l"/>
             <a:r>
               <a:rPr lang="en-US" sz="2400" dirty="0"/>
-              <a:t>Time series showed an upward trend in terms of Rating worth investing.</a:t>
-            </a:r>
-            <a:endParaRPr lang="en-US" sz="2400" dirty="0"/>
+              <a:t>R,PG-13,PG IN Descending order of popularity.</a:t>
+            </a:r>
           </a:p>
         </p:txBody>
       </p:sp>
@@ -9229,6 +9224,7 @@
           <a:p>
             <a:fld id="{C4C7283F-616F-4503-ABBD-21FFB2848302}" type="slidenum">
               <a:rPr lang="en-US" smtClean="0"/>
+              <a:t>18</a:t>
             </a:fld>
             <a:endParaRPr lang="en-US"/>
           </a:p>
@@ -9243,7 +9239,7 @@
           <p:nvPr/>
         </p:nvPicPr>
         <p:blipFill>
-          <a:blip r:embed="rId1">
+          <a:blip r:embed="rId3">
             <a:extLst>
               <a:ext uri="{28A0092B-C50C-407E-A947-70E740481C1C}">
                 <a14:useLocalDpi xmlns:a14="http://schemas.microsoft.com/office/drawing/2010/main" val="0"/>
@@ -9257,8 +9253,8 @@
         </p:blipFill>
         <p:spPr>
           <a:xfrm>
-            <a:off x="1786985" y="1091632"/>
-            <a:ext cx="8905897" cy="4320123"/>
+            <a:off x="823726" y="727787"/>
+            <a:ext cx="8108606" cy="5037301"/>
           </a:xfrm>
           <a:prstGeom prst="rect">
             <a:avLst/>
@@ -9302,20 +9298,18 @@
         </p:nvSpPr>
         <p:spPr>
           <a:xfrm>
-            <a:off x="0" y="0"/>
-            <a:ext cx="12108025" cy="968466"/>
+            <a:off x="1133843" y="204399"/>
+            <a:ext cx="9559039" cy="858442"/>
           </a:xfrm>
         </p:spPr>
         <p:txBody>
           <a:bodyPr/>
           <a:lstStyle/>
           <a:p>
-            <a:pPr algn="l"/>
-            <a:r>
-              <a:rPr lang="en-US" sz="4800" dirty="0"/>
-              <a:t>Comparison between genres and total gross</a:t>
-            </a:r>
-            <a:endParaRPr lang="en-US" sz="4800" dirty="0"/>
+            <a:r>
+              <a:rPr lang="en-US" dirty="0"/>
+              <a:t>Yearly release timing analysis</a:t>
+            </a:r>
           </a:p>
         </p:txBody>
       </p:sp>
@@ -9331,8 +9325,8 @@
         </p:nvSpPr>
         <p:spPr>
           <a:xfrm>
-            <a:off x="922800" y="5682139"/>
-            <a:ext cx="10740465" cy="511051"/>
+            <a:off x="1165396" y="5594317"/>
+            <a:ext cx="10349270" cy="629607"/>
           </a:xfrm>
         </p:spPr>
         <p:txBody>
@@ -9343,10 +9337,9 @@
           <a:p>
             <a:pPr algn="l"/>
             <a:r>
-              <a:rPr lang="en-US" sz="2000" dirty="0"/>
-              <a:t>Drama, action and adventure, comedy showed an increasing trend in terms of gross profits.</a:t>
-            </a:r>
-            <a:endParaRPr lang="en-US" sz="2000" dirty="0"/>
+              <a:rPr lang="en-US" sz="2400" dirty="0"/>
+              <a:t>Time series showed an upward trend in terms of Rating worth investing.</a:t>
+            </a:r>
           </a:p>
         </p:txBody>
       </p:sp>
@@ -9390,6 +9383,7 @@
           <a:p>
             <a:fld id="{C4C7283F-616F-4503-ABBD-21FFB2848302}" type="slidenum">
               <a:rPr lang="en-US" smtClean="0"/>
+              <a:t>19</a:t>
             </a:fld>
             <a:endParaRPr lang="en-US"/>
           </a:p>
@@ -9404,7 +9398,7 @@
           <p:nvPr/>
         </p:nvPicPr>
         <p:blipFill>
-          <a:blip r:embed="rId1">
+          <a:blip r:embed="rId3">
             <a:extLst>
               <a:ext uri="{28A0092B-C50C-407E-A947-70E740481C1C}">
                 <a14:useLocalDpi xmlns:a14="http://schemas.microsoft.com/office/drawing/2010/main" val="0"/>
@@ -9418,8 +9412,8 @@
         </p:blipFill>
         <p:spPr>
           <a:xfrm>
-            <a:off x="1418254" y="1327689"/>
-            <a:ext cx="8938726" cy="4354450"/>
+            <a:off x="1786985" y="1091632"/>
+            <a:ext cx="8905897" cy="4320123"/>
           </a:xfrm>
           <a:prstGeom prst="rect">
             <a:avLst/>
@@ -9478,7 +9472,6 @@
               <a:rPr lang="en-US" b="1" dirty="0"/>
               <a:t>OVERVIEW OF THE PROJECT</a:t>
             </a:r>
-            <a:endParaRPr lang="en-US" b="1" dirty="0"/>
           </a:p>
         </p:txBody>
       </p:sp>
@@ -9512,7 +9505,6 @@
               <a:rPr lang="en-GB" sz="2400" dirty="0"/>
               <a:t>The project focuses on analysing movie datasets to provide actionable    insights for the creation of a new movie studio. </a:t>
             </a:r>
-            <a:endParaRPr lang="en-GB" sz="2400" dirty="0"/>
           </a:p>
           <a:p>
             <a:pPr algn="l">
@@ -9523,7 +9515,6 @@
               <a:rPr lang="en-GB" sz="2400" dirty="0"/>
               <a:t>Using data visualization and analysis tools, such as Tableau and models</a:t>
             </a:r>
-            <a:endParaRPr lang="en-GB" sz="2400" dirty="0"/>
           </a:p>
           <a:p>
             <a:pPr algn="l">
@@ -9585,6 +9576,7 @@
           <a:p>
             <a:fld id="{C4C7283F-616F-4503-ABBD-21FFB2848302}" type="slidenum">
               <a:rPr lang="en-US" smtClean="0"/>
+              <a:t>2</a:t>
             </a:fld>
             <a:endParaRPr lang="en-US"/>
           </a:p>
@@ -9599,7 +9591,7 @@
 </file>
 
 <file path=ppt/slides/slide20.xml><?xml version="1.0" encoding="utf-8"?>
-<p:sld xmlns:a="http://schemas.openxmlformats.org/drawingml/2006/main" xmlns:r="http://schemas.openxmlformats.org/officeDocument/2006/relationships" xmlns:p="http://schemas.openxmlformats.org/presentationml/2006/main">
+<p:sld xmlns:a="http://schemas.openxmlformats.org/drawingml/2006/main" xmlns:r="http://schemas.openxmlformats.org/officeDocument/2006/relationships" xmlns:p="http://schemas.openxmlformats.org/presentationml/2006/main" showMasterSp="0">
   <p:cSld>
     <p:spTree>
       <p:nvGrpSpPr>
@@ -9622,150 +9614,54 @@
             <a:spLocks noGrp="1"/>
           </p:cNvSpPr>
           <p:nvPr>
-            <p:ph type="title"/>
+            <p:ph type="ctrTitle"/>
           </p:nvPr>
         </p:nvSpPr>
         <p:spPr>
           <a:xfrm>
-            <a:off x="677334" y="213257"/>
-            <a:ext cx="8596668" cy="603380"/>
+            <a:off x="0" y="0"/>
+            <a:ext cx="12108025" cy="968466"/>
           </a:xfrm>
         </p:spPr>
         <p:txBody>
-          <a:bodyPr>
-            <a:normAutofit fontScale="90000"/>
-          </a:bodyPr>
-          <a:lstStyle/>
-          <a:p>
-            <a:r>
-              <a:rPr lang="en-US" dirty="0"/>
-              <a:t>				RESULTS/FINDINGS</a:t>
-            </a:r>
-            <a:endParaRPr lang="en-US" dirty="0"/>
-          </a:p>
-        </p:txBody>
-      </p:sp>
-      <p:sp>
-        <p:nvSpPr>
-          <p:cNvPr id="3" name="Content Placeholder 2"/>
-          <p:cNvSpPr>
-            <a:spLocks noGrp="1"/>
-          </p:cNvSpPr>
-          <p:nvPr>
-            <p:ph idx="1"/>
+          <a:bodyPr/>
+          <a:lstStyle/>
+          <a:p>
+            <a:pPr algn="l"/>
+            <a:r>
+              <a:rPr lang="en-US" sz="4800" dirty="0"/>
+              <a:t>Comparison between genres and total gross</a:t>
+            </a:r>
+          </a:p>
+        </p:txBody>
+      </p:sp>
+      <p:sp>
+        <p:nvSpPr>
+          <p:cNvPr id="3" name="Subtitle 2"/>
+          <p:cNvSpPr>
+            <a:spLocks noGrp="1"/>
+          </p:cNvSpPr>
+          <p:nvPr>
+            <p:ph type="subTitle" idx="1"/>
           </p:nvPr>
         </p:nvSpPr>
         <p:spPr>
           <a:xfrm>
-            <a:off x="563034" y="998756"/>
-            <a:ext cx="8596668" cy="4846873"/>
+            <a:off x="922800" y="5682139"/>
+            <a:ext cx="10740465" cy="511051"/>
           </a:xfrm>
         </p:spPr>
         <p:txBody>
           <a:bodyPr>
-            <a:normAutofit fontScale="25000" lnSpcReduction="20000"/>
+            <a:noAutofit/>
           </a:bodyPr>
           <a:lstStyle/>
           <a:p>
-            <a:pPr lvl="0">
-              <a:buFont typeface="Wingdings" panose="05000000000000000000" pitchFamily="2" charset="2"/>
-              <a:buChar char="v"/>
-            </a:pPr>
-            <a:r>
-              <a:rPr lang="en-US" sz="8000" dirty="0"/>
-              <a:t>ROI Leaders: Action and Adventure genres lead in return on investment (ROI), making them highly profitable.</a:t>
-            </a:r>
-            <a:endParaRPr lang="en-US" sz="8000" dirty="0"/>
-          </a:p>
-          <a:p>
-            <a:pPr lvl="0">
-              <a:buFont typeface="Wingdings" panose="05000000000000000000" pitchFamily="2" charset="2"/>
-              <a:buChar char="v"/>
-            </a:pPr>
-            <a:r>
-              <a:rPr lang="en-US" sz="8000" dirty="0"/>
-              <a:t>Budget Allocation: Production budgets are highest for Comedy and Drama, reflecting their revenue potential.</a:t>
-            </a:r>
-            <a:endParaRPr lang="en-US" sz="8000" dirty="0"/>
-          </a:p>
-          <a:p>
-            <a:pPr lvl="0">
-              <a:buFont typeface="Wingdings" panose="05000000000000000000" pitchFamily="2" charset="2"/>
-              <a:buChar char="v"/>
-            </a:pPr>
-            <a:r>
-              <a:rPr lang="en-US" sz="8000" dirty="0"/>
-              <a:t>Studio Performance: Universal Pictures has the highest average ratings, showcasing its strong audience appeal.</a:t>
-            </a:r>
-            <a:endParaRPr lang="en-US" sz="8000" dirty="0"/>
-          </a:p>
-          <a:p>
-            <a:pPr lvl="0">
-              <a:buFont typeface="Wingdings" panose="05000000000000000000" pitchFamily="2" charset="2"/>
-              <a:buChar char="v"/>
-            </a:pPr>
-            <a:r>
-              <a:rPr lang="en-US" sz="8000" dirty="0"/>
-              <a:t>Release Timing: Average ratings peaked in recent years, suggesting growing audience satisfaction with newer movies. ROI Leaders: Action and Adventure genres lead in return on investment (ROI), making them highly profitable.</a:t>
-            </a:r>
-            <a:endParaRPr lang="en-US" sz="8000" dirty="0"/>
-          </a:p>
-          <a:p>
-            <a:pPr lvl="0">
-              <a:buFont typeface="Wingdings" panose="05000000000000000000" pitchFamily="2" charset="2"/>
-              <a:buChar char="v"/>
-            </a:pPr>
-            <a:r>
-              <a:rPr lang="en-US" sz="8000" dirty="0"/>
-              <a:t>Budget Allocation: Production budgets are highest for Comedy and Drama, reflecting their revenue potential.</a:t>
-            </a:r>
-            <a:endParaRPr lang="en-US" sz="8000" dirty="0"/>
-          </a:p>
-          <a:p>
-            <a:pPr lvl="0">
-              <a:buFont typeface="Wingdings" panose="05000000000000000000" pitchFamily="2" charset="2"/>
-              <a:buChar char="v"/>
-            </a:pPr>
-            <a:r>
-              <a:rPr lang="en-US" sz="8000" dirty="0"/>
-              <a:t>Studio Performance: Universal Pictures has the highest average ratings, showcasing its strong audience appeal.</a:t>
-            </a:r>
-            <a:endParaRPr lang="en-US" sz="8000" dirty="0"/>
-          </a:p>
-          <a:p>
-            <a:pPr lvl="0">
-              <a:buFont typeface="Wingdings" panose="05000000000000000000" pitchFamily="2" charset="2"/>
-              <a:buChar char="v"/>
-            </a:pPr>
-            <a:r>
-              <a:rPr lang="en-US" sz="8000" dirty="0"/>
-              <a:t>Release Timing: Average ratings peaked in recent years, suggesting growing audience satisfaction with newer movies.</a:t>
-            </a:r>
-            <a:endParaRPr lang="en-US" sz="8000" dirty="0"/>
-          </a:p>
-          <a:p>
-            <a:pPr>
-              <a:buFont typeface="Wingdings" panose="05000000000000000000" pitchFamily="2" charset="2"/>
-              <a:buChar char="v"/>
-            </a:pPr>
-            <a:endParaRPr lang="en-US" sz="4400" dirty="0"/>
-          </a:p>
-          <a:p>
-            <a:pPr lvl="0">
-              <a:buFont typeface="Wingdings" panose="05000000000000000000" pitchFamily="2" charset="2"/>
-              <a:buChar char="v"/>
-            </a:pPr>
-            <a:endParaRPr lang="en-US" sz="4400" dirty="0"/>
-          </a:p>
-          <a:p>
-            <a:pPr>
-              <a:buFont typeface="Wingdings" panose="05000000000000000000" pitchFamily="2" charset="2"/>
-              <a:buChar char="v"/>
-            </a:pPr>
-            <a:endParaRPr lang="en-US" sz="4400" dirty="0"/>
-          </a:p>
-          <a:p>
-            <a:endParaRPr lang="en-US" dirty="0"/>
+            <a:pPr algn="l"/>
+            <a:r>
+              <a:rPr lang="en-US" sz="2000" dirty="0"/>
+              <a:t>Drama, action and adventure, comedy showed an increasing trend in terms of gross profits.</a:t>
+            </a:r>
           </a:p>
         </p:txBody>
       </p:sp>
@@ -9794,7 +9690,7 @@
       </p:sp>
       <p:sp>
         <p:nvSpPr>
-          <p:cNvPr id="5" name="Slide Number Placeholder 4"/>
+          <p:cNvPr id="6" name="Slide Number Placeholder 5"/>
           <p:cNvSpPr>
             <a:spLocks noGrp="1"/>
           </p:cNvSpPr>
@@ -9809,11 +9705,43 @@
           <a:p>
             <a:fld id="{C4C7283F-616F-4503-ABBD-21FFB2848302}" type="slidenum">
               <a:rPr lang="en-US" smtClean="0"/>
+              <a:t>20</a:t>
             </a:fld>
             <a:endParaRPr lang="en-US"/>
           </a:p>
         </p:txBody>
       </p:sp>
+      <p:pic>
+        <p:nvPicPr>
+          <p:cNvPr id="5" name="Picture 4"/>
+          <p:cNvPicPr>
+            <a:picLocks noChangeAspect="1"/>
+          </p:cNvPicPr>
+          <p:nvPr/>
+        </p:nvPicPr>
+        <p:blipFill>
+          <a:blip r:embed="rId3">
+            <a:extLst>
+              <a:ext uri="{28A0092B-C50C-407E-A947-70E740481C1C}">
+                <a14:useLocalDpi xmlns:a14="http://schemas.microsoft.com/office/drawing/2010/main" val="0"/>
+              </a:ext>
+            </a:extLst>
+          </a:blip>
+          <a:srcRect/>
+          <a:stretch>
+            <a:fillRect/>
+          </a:stretch>
+        </p:blipFill>
+        <p:spPr>
+          <a:xfrm>
+            <a:off x="1418254" y="1327689"/>
+            <a:ext cx="8938726" cy="4354450"/>
+          </a:xfrm>
+          <a:prstGeom prst="rect">
+            <a:avLst/>
+          </a:prstGeom>
+        </p:spPr>
+      </p:pic>
     </p:spTree>
   </p:cSld>
   <p:clrMapOvr>
@@ -9849,76 +9777,139 @@
             <p:ph type="title"/>
           </p:nvPr>
         </p:nvSpPr>
-        <p:spPr/>
-        <p:txBody>
-          <a:bodyPr/>
-          <a:lstStyle/>
-          <a:p>
-            <a:r>
-              <a:rPr lang="en-US" b="1" dirty="0"/>
-              <a:t>ACKNOWLEDGEMENT</a:t>
-            </a:r>
-            <a:endParaRPr lang="en-US" dirty="0"/>
-          </a:p>
-        </p:txBody>
-      </p:sp>
-      <p:sp>
-        <p:nvSpPr>
-          <p:cNvPr id="3" name="Content Placeholder 2"/>
-          <p:cNvSpPr>
-            <a:spLocks noGrp="1"/>
-          </p:cNvSpPr>
-          <p:nvPr>
-            <p:ph idx="1"/>
-          </p:nvPr>
-        </p:nvSpPr>
         <p:spPr>
           <a:xfrm>
-            <a:off x="677334" y="1270000"/>
-            <a:ext cx="8596668" cy="3880773"/>
+            <a:off x="677334" y="213257"/>
+            <a:ext cx="8596668" cy="603380"/>
           </a:xfrm>
         </p:spPr>
         <p:txBody>
           <a:bodyPr>
-            <a:normAutofit/>
+            <a:normAutofit fontScale="90000"/>
           </a:bodyPr>
           <a:lstStyle/>
           <a:p>
             <a:r>
-              <a:rPr lang="en-US" sz="2000" dirty="0"/>
-              <a:t>We would like to acknowledge all the group one members for working tirelessly to contribute to this project:</a:t>
-            </a:r>
-            <a:endParaRPr lang="en-US" sz="2000" dirty="0"/>
-          </a:p>
-          <a:p>
-            <a:r>
-              <a:rPr lang="en-US" sz="2000" dirty="0"/>
-              <a:t>We would also like to pass our regard tour technical mentor </a:t>
-            </a:r>
-            <a:r>
-              <a:rPr lang="en-US" sz="2000" dirty="0" err="1"/>
-              <a:t>MR.William</a:t>
-            </a:r>
-            <a:r>
-              <a:rPr lang="en-US" sz="2000" dirty="0"/>
-              <a:t> </a:t>
-            </a:r>
-            <a:r>
-              <a:rPr lang="en-US" sz="2000" dirty="0" err="1"/>
-              <a:t>Okomba</a:t>
-            </a:r>
-            <a:r>
-              <a:rPr lang="en-US" sz="2000" dirty="0"/>
-              <a:t> having shaped our journey of learning  data science. </a:t>
-            </a:r>
-            <a:endParaRPr lang="en-US" sz="2000" dirty="0"/>
-          </a:p>
-          <a:p>
-            <a:r>
-              <a:rPr lang="en-US" sz="2000" dirty="0"/>
-              <a:t>All our colleagues who have been helping us to debug whenever in need.</a:t>
-            </a:r>
-            <a:endParaRPr lang="en-US" sz="2000" dirty="0"/>
+              <a:rPr lang="en-US" dirty="0"/>
+              <a:t>				RESULTS/FINDINGS</a:t>
+            </a:r>
+          </a:p>
+        </p:txBody>
+      </p:sp>
+      <p:sp>
+        <p:nvSpPr>
+          <p:cNvPr id="3" name="Content Placeholder 2"/>
+          <p:cNvSpPr>
+            <a:spLocks noGrp="1"/>
+          </p:cNvSpPr>
+          <p:nvPr>
+            <p:ph idx="1"/>
+          </p:nvPr>
+        </p:nvSpPr>
+        <p:spPr>
+          <a:xfrm>
+            <a:off x="563034" y="998756"/>
+            <a:ext cx="8596668" cy="4846873"/>
+          </a:xfrm>
+        </p:spPr>
+        <p:txBody>
+          <a:bodyPr>
+            <a:normAutofit fontScale="25000" lnSpcReduction="20000"/>
+          </a:bodyPr>
+          <a:lstStyle/>
+          <a:p>
+            <a:pPr lvl="0">
+              <a:buFont typeface="Wingdings" panose="05000000000000000000" pitchFamily="2" charset="2"/>
+              <a:buChar char="v"/>
+            </a:pPr>
+            <a:r>
+              <a:rPr lang="en-US" sz="8000" dirty="0"/>
+              <a:t>ROI Leaders: Action and Adventure genres lead in return on investment (ROI), making them highly profitable.</a:t>
+            </a:r>
+          </a:p>
+          <a:p>
+            <a:pPr lvl="0">
+              <a:buFont typeface="Wingdings" panose="05000000000000000000" pitchFamily="2" charset="2"/>
+              <a:buChar char="v"/>
+            </a:pPr>
+            <a:r>
+              <a:rPr lang="en-US" sz="8000" dirty="0"/>
+              <a:t>Budget Allocation: Production budgets are highest for Comedy and Drama, reflecting their revenue potential.</a:t>
+            </a:r>
+          </a:p>
+          <a:p>
+            <a:pPr lvl="0">
+              <a:buFont typeface="Wingdings" panose="05000000000000000000" pitchFamily="2" charset="2"/>
+              <a:buChar char="v"/>
+            </a:pPr>
+            <a:r>
+              <a:rPr lang="en-US" sz="8000" dirty="0"/>
+              <a:t>Studio Performance: Universal Pictures has the highest average ratings, showcasing its strong audience appeal.</a:t>
+            </a:r>
+          </a:p>
+          <a:p>
+            <a:pPr lvl="0">
+              <a:buFont typeface="Wingdings" panose="05000000000000000000" pitchFamily="2" charset="2"/>
+              <a:buChar char="v"/>
+            </a:pPr>
+            <a:r>
+              <a:rPr lang="en-US" sz="8000" dirty="0"/>
+              <a:t>Release Timing: Average ratings peaked in recent years, suggesting growing audience satisfaction with newer movies. ROI Leaders: Action and Adventure genres lead in return on investment (ROI), making them highly profitable.</a:t>
+            </a:r>
+          </a:p>
+          <a:p>
+            <a:pPr lvl="0">
+              <a:buFont typeface="Wingdings" panose="05000000000000000000" pitchFamily="2" charset="2"/>
+              <a:buChar char="v"/>
+            </a:pPr>
+            <a:r>
+              <a:rPr lang="en-US" sz="8000" dirty="0"/>
+              <a:t>Budget Allocation: Production budgets are highest for Comedy and Drama, reflecting their revenue potential.</a:t>
+            </a:r>
+          </a:p>
+          <a:p>
+            <a:pPr lvl="0">
+              <a:buFont typeface="Wingdings" panose="05000000000000000000" pitchFamily="2" charset="2"/>
+              <a:buChar char="v"/>
+            </a:pPr>
+            <a:r>
+              <a:rPr lang="en-US" sz="8000" dirty="0"/>
+              <a:t>Studio Performance: Universal Pictures has the highest average ratings, showcasing its strong audience appeal.</a:t>
+            </a:r>
+          </a:p>
+          <a:p>
+            <a:pPr lvl="0">
+              <a:buFont typeface="Wingdings" panose="05000000000000000000" pitchFamily="2" charset="2"/>
+              <a:buChar char="v"/>
+            </a:pPr>
+            <a:r>
+              <a:rPr lang="en-US" sz="8000" dirty="0"/>
+              <a:t>Release Timing: Average ratings peaked in recent years, suggesting growing audience satisfaction with newer movies.</a:t>
+            </a:r>
+          </a:p>
+          <a:p>
+            <a:pPr>
+              <a:buFont typeface="Wingdings" panose="05000000000000000000" pitchFamily="2" charset="2"/>
+              <a:buChar char="v"/>
+            </a:pPr>
+            <a:endParaRPr lang="en-US" sz="4400" dirty="0"/>
+          </a:p>
+          <a:p>
+            <a:pPr lvl="0">
+              <a:buFont typeface="Wingdings" panose="05000000000000000000" pitchFamily="2" charset="2"/>
+              <a:buChar char="v"/>
+            </a:pPr>
+            <a:endParaRPr lang="en-US" sz="4400" dirty="0"/>
+          </a:p>
+          <a:p>
+            <a:pPr>
+              <a:buFont typeface="Wingdings" panose="05000000000000000000" pitchFamily="2" charset="2"/>
+              <a:buChar char="v"/>
+            </a:pPr>
+            <a:endParaRPr lang="en-US" sz="4400" dirty="0"/>
+          </a:p>
+          <a:p>
+            <a:endParaRPr lang="en-US" dirty="0"/>
           </a:p>
         </p:txBody>
       </p:sp>
@@ -9962,6 +9953,7 @@
           <a:p>
             <a:fld id="{C4C7283F-616F-4503-ABBD-21FFB2848302}" type="slidenum">
               <a:rPr lang="en-US" smtClean="0"/>
+              <a:t>21</a:t>
             </a:fld>
             <a:endParaRPr lang="en-US"/>
           </a:p>
@@ -10004,21 +9996,22 @@
         </p:nvSpPr>
         <p:spPr>
           <a:xfrm>
-            <a:off x="677334" y="609600"/>
-            <a:ext cx="8596668" cy="660400"/>
+            <a:off x="677334" y="451513"/>
+            <a:ext cx="8596668" cy="818487"/>
           </a:xfrm>
         </p:spPr>
         <p:txBody>
           <a:bodyPr>
-            <a:normAutofit fontScale="90000"/>
+            <a:normAutofit/>
           </a:bodyPr>
           <a:lstStyle/>
           <a:p>
-            <a:r>
-              <a:rPr lang="en-US" sz="4000" b="1" dirty="0"/>
-              <a:t>HYPOTHESIS TESTING REPORT</a:t>
-            </a:r>
-            <a:endParaRPr lang="en-US" sz="4000" dirty="0"/>
+            <a:pPr algn="ctr"/>
+            <a:r>
+              <a:rPr lang="en-US" sz="4400" b="1" dirty="0"/>
+              <a:t>RECOMMENDATIONS</a:t>
+            </a:r>
+            <a:endParaRPr lang="en-US" sz="4400" dirty="0"/>
           </a:p>
         </p:txBody>
       </p:sp>
@@ -10034,86 +10027,108 @@
         </p:nvSpPr>
         <p:spPr>
           <a:xfrm>
-            <a:off x="335663" y="1270000"/>
-            <a:ext cx="9281865" cy="3880773"/>
+            <a:off x="677334" y="1270000"/>
+            <a:ext cx="8596668" cy="3880773"/>
           </a:xfrm>
         </p:spPr>
         <p:txBody>
-          <a:bodyPr/>
-          <a:lstStyle/>
-          <a:p>
-            <a:pPr marL="457200" indent="-457200">
+          <a:bodyPr>
+            <a:normAutofit fontScale="85000" lnSpcReduction="10000"/>
+          </a:bodyPr>
+          <a:lstStyle/>
+          <a:p>
+            <a:pPr marL="342900" lvl="0" indent="-342900">
+              <a:lnSpc>
+                <a:spcPct val="107000"/>
+              </a:lnSpc>
+              <a:spcAft>
+                <a:spcPts val="800"/>
+              </a:spcAft>
               <a:buFont typeface="+mj-lt"/>
               <a:buAutoNum type="arabicPeriod"/>
+              <a:tabLst>
+                <a:tab pos="457200" algn="l"/>
+              </a:tabLst>
             </a:pPr>
             <a:r>
-              <a:rPr lang="en-US" sz="2400" dirty="0"/>
-              <a:t>Testing the nature of the data.</a:t>
-            </a:r>
-            <a:endParaRPr lang="en-US" sz="2400" dirty="0"/>
-          </a:p>
-          <a:p>
-            <a:pPr marL="457200" indent="-457200">
+              <a:rPr lang="en-US" sz="2400" kern="100" dirty="0">
+                <a:effectLst/>
+                <a:ea typeface="Calibri" panose="020F0502020204030204" pitchFamily="34" charset="0"/>
+                <a:cs typeface="Times New Roman" panose="02020603050405020304" pitchFamily="18" charset="0"/>
+              </a:rPr>
+              <a:t>Prioritize Action and Comedy genres for future productions, as they have proven to be the most lucrative and widely appreciated.</a:t>
+            </a:r>
+          </a:p>
+          <a:p>
+            <a:pPr marL="342900" lvl="0" indent="-342900">
+              <a:lnSpc>
+                <a:spcPct val="107000"/>
+              </a:lnSpc>
+              <a:spcAft>
+                <a:spcPts val="800"/>
+              </a:spcAft>
               <a:buFont typeface="+mj-lt"/>
               <a:buAutoNum type="arabicPeriod"/>
+              <a:tabLst>
+                <a:tab pos="457200" algn="l"/>
+              </a:tabLst>
             </a:pPr>
             <a:r>
-              <a:rPr lang="en-US" sz="2400" dirty="0"/>
-              <a:t>Setting confidence interval.</a:t>
-            </a:r>
-            <a:endParaRPr lang="en-US" sz="2400" dirty="0"/>
-          </a:p>
-          <a:p>
-            <a:pPr marL="457200" indent="-457200">
+              <a:rPr lang="en-US" sz="2400" kern="100" dirty="0">
+                <a:effectLst/>
+                <a:ea typeface="Calibri" panose="020F0502020204030204" pitchFamily="34" charset="0"/>
+                <a:cs typeface="Times New Roman" panose="02020603050405020304" pitchFamily="18" charset="0"/>
+              </a:rPr>
+              <a:t>Partner with top-rated directors (e.g., Steven Spielberg, Clint Eastwood) and writers (e.g., Woody Allen) to enhance critical and audience reception.</a:t>
+            </a:r>
+          </a:p>
+          <a:p>
+            <a:pPr marL="342900" lvl="0" indent="-342900">
+              <a:lnSpc>
+                <a:spcPct val="107000"/>
+              </a:lnSpc>
+              <a:spcAft>
+                <a:spcPts val="800"/>
+              </a:spcAft>
               <a:buFont typeface="+mj-lt"/>
               <a:buAutoNum type="arabicPeriod"/>
+              <a:tabLst>
+                <a:tab pos="457200" algn="l"/>
+              </a:tabLst>
             </a:pPr>
             <a:r>
-              <a:rPr lang="en-US" sz="2400" dirty="0"/>
-              <a:t>Checking on the statistics of the average rating and total gross.</a:t>
-            </a:r>
-            <a:endParaRPr lang="en-US" sz="2400" dirty="0"/>
-          </a:p>
-          <a:p>
-            <a:pPr marL="457200" indent="-457200">
+              <a:rPr lang="en-US" sz="2400" kern="100" dirty="0">
+                <a:effectLst/>
+                <a:ea typeface="Calibri" panose="020F0502020204030204" pitchFamily="34" charset="0"/>
+                <a:cs typeface="Times New Roman" panose="02020603050405020304" pitchFamily="18" charset="0"/>
+              </a:rPr>
+              <a:t>Optimize movie runtimes based on audience preferences; longer runtimes for Action and Adventure, and shorter runtimes for genres like Animation.</a:t>
+            </a:r>
+          </a:p>
+          <a:p>
+            <a:pPr marL="342900" lvl="0" indent="-342900">
+              <a:lnSpc>
+                <a:spcPct val="107000"/>
+              </a:lnSpc>
+              <a:spcAft>
+                <a:spcPts val="800"/>
+              </a:spcAft>
               <a:buFont typeface="+mj-lt"/>
               <a:buAutoNum type="arabicPeriod"/>
+              <a:tabLst>
+                <a:tab pos="457200" algn="l"/>
+              </a:tabLst>
             </a:pPr>
             <a:r>
-              <a:rPr lang="en-US" sz="2400" dirty="0"/>
-              <a:t>Stating the Null and alternative hypothesis.</a:t>
-            </a:r>
-            <a:endParaRPr lang="en-US" sz="2400" dirty="0"/>
-          </a:p>
-          <a:p>
-            <a:pPr marL="457200" indent="-457200">
-              <a:buFont typeface="+mj-lt"/>
-              <a:buAutoNum type="arabicPeriod"/>
-            </a:pPr>
-            <a:r>
-              <a:rPr lang="en-US" sz="2400" dirty="0"/>
-              <a:t>Fail to reject the null hypothesis or not.</a:t>
-            </a:r>
-            <a:endParaRPr lang="en-US" sz="2400" dirty="0"/>
-          </a:p>
-          <a:p>
-            <a:pPr>
-              <a:buFont typeface="Wingdings" panose="05000000000000000000" pitchFamily="2" charset="2"/>
-              <a:buChar char="v"/>
-            </a:pPr>
-            <a:endParaRPr lang="en-US" sz="2400" dirty="0"/>
-          </a:p>
-          <a:p>
-            <a:pPr>
-              <a:buFont typeface="Wingdings" panose="05000000000000000000" pitchFamily="2" charset="2"/>
-              <a:buChar char="v"/>
-            </a:pPr>
-            <a:endParaRPr lang="en-US" sz="2400" dirty="0"/>
-          </a:p>
-          <a:p>
-            <a:pPr marL="0" indent="0">
-              <a:buNone/>
-            </a:pPr>
+              <a:rPr lang="en-US" sz="2400" kern="100" dirty="0">
+                <a:effectLst/>
+                <a:ea typeface="Calibri" panose="020F0502020204030204" pitchFamily="34" charset="0"/>
+                <a:cs typeface="Times New Roman" panose="02020603050405020304" pitchFamily="18" charset="0"/>
+              </a:rPr>
+              <a:t>Leverage Universal Pictures for distribution due to their strong track record in generating high ratings.</a:t>
+            </a:r>
+          </a:p>
+          <a:p>
             <a:endParaRPr lang="en-US" dirty="0"/>
           </a:p>
         </p:txBody>
@@ -10134,10 +10149,10 @@
           <a:lstStyle/>
           <a:p>
             <a:r>
-              <a:rPr lang="en-GB"/>
+              <a:rPr lang="en-GB" dirty="0"/>
               <a:t>GROUP ONE  PHASE TWO PROJECT</a:t>
             </a:r>
-            <a:endParaRPr lang="en-US"/>
+            <a:endParaRPr lang="en-US" dirty="0"/>
           </a:p>
         </p:txBody>
       </p:sp>
@@ -10158,6 +10173,7 @@
           <a:p>
             <a:fld id="{C4C7283F-616F-4503-ABBD-21FFB2848302}" type="slidenum">
               <a:rPr lang="en-US" smtClean="0"/>
+              <a:t>22</a:t>
             </a:fld>
             <a:endParaRPr lang="en-US"/>
           </a:p>
@@ -10172,7 +10188,7 @@
 </file>
 
 <file path=ppt/slides/slide23.xml><?xml version="1.0" encoding="utf-8"?>
-<p:sld xmlns:a="http://schemas.openxmlformats.org/drawingml/2006/main" xmlns:r="http://schemas.openxmlformats.org/officeDocument/2006/relationships" xmlns:p="http://schemas.openxmlformats.org/presentationml/2006/main" showMasterSp="0">
+<p:sld xmlns:a="http://schemas.openxmlformats.org/drawingml/2006/main" xmlns:r="http://schemas.openxmlformats.org/officeDocument/2006/relationships" xmlns:p="http://schemas.openxmlformats.org/presentationml/2006/main">
   <p:cSld>
     <p:spTree>
       <p:nvGrpSpPr>
@@ -10200,20 +10216,88 @@
         </p:nvSpPr>
         <p:spPr>
           <a:xfrm>
-            <a:off x="0" y="0"/>
-            <a:ext cx="12108025" cy="968466"/>
+            <a:off x="518160" y="78105"/>
+            <a:ext cx="9650095" cy="1501140"/>
           </a:xfrm>
         </p:spPr>
         <p:txBody>
           <a:bodyPr/>
           <a:lstStyle/>
           <a:p>
-            <a:pPr algn="l"/>
-            <a:r>
-              <a:rPr lang="en-US" sz="4800" dirty="0"/>
-              <a:t>		Testing the nature of the data	</a:t>
-            </a:r>
-            <a:endParaRPr lang="en-US" sz="4800" dirty="0"/>
+            <a:pPr algn="ctr"/>
+            <a:r>
+              <a:rPr lang="en-US" dirty="0"/>
+              <a:t>DATA PREPROCESSING REPORT</a:t>
+            </a:r>
+          </a:p>
+        </p:txBody>
+      </p:sp>
+      <p:sp>
+        <p:nvSpPr>
+          <p:cNvPr id="3" name="Subtitle 2"/>
+          <p:cNvSpPr>
+            <a:spLocks noGrp="1"/>
+          </p:cNvSpPr>
+          <p:nvPr>
+            <p:ph type="subTitle" idx="1"/>
+          </p:nvPr>
+        </p:nvSpPr>
+        <p:spPr>
+          <a:xfrm>
+            <a:off x="1339215" y="1911350"/>
+            <a:ext cx="9119235" cy="3797935"/>
+          </a:xfrm>
+        </p:spPr>
+        <p:txBody>
+          <a:bodyPr>
+            <a:noAutofit/>
+          </a:bodyPr>
+          <a:lstStyle/>
+          <a:p>
+            <a:pPr marL="342900" indent="-342900" algn="l">
+              <a:buFont typeface="Wingdings" panose="05000000000000000000" charset="0"/>
+              <a:buChar char="v"/>
+            </a:pPr>
+            <a:r>
+              <a:rPr lang="en-US" altLang="en-GB" sz="2200" dirty="0"/>
+              <a:t>In this preprocessing step, the '</a:t>
+            </a:r>
+            <a:r>
+              <a:rPr lang="en-US" altLang="en-GB" sz="2200" i="1" dirty="0"/>
+              <a:t>genres'</a:t>
+            </a:r>
+            <a:r>
+              <a:rPr lang="en-US" altLang="en-GB" sz="2200" dirty="0"/>
+              <a:t> column, which contains categorical data representing movie genres, is label-encoded using the LabelEncoder from scikit-learn. </a:t>
+            </a:r>
+          </a:p>
+          <a:p>
+            <a:pPr marL="342900" indent="-342900" algn="l">
+              <a:buFont typeface="Wingdings" panose="05000000000000000000" charset="0"/>
+              <a:buChar char="v"/>
+            </a:pPr>
+            <a:r>
+              <a:rPr lang="en-US" altLang="en-GB" sz="2200" dirty="0"/>
+              <a:t>Used label encoding to transform into each unique genre into a numerical value. </a:t>
+            </a:r>
+          </a:p>
+          <a:p>
+            <a:pPr marL="342900" indent="-342900" algn="l">
+              <a:buFont typeface="Wingdings" panose="05000000000000000000" charset="0"/>
+              <a:buChar char="v"/>
+            </a:pPr>
+            <a:r>
+              <a:rPr lang="en-US" altLang="en-GB" sz="2200" dirty="0"/>
+              <a:t> The encoded values are stored in a new column, </a:t>
+            </a:r>
+            <a:r>
+              <a:rPr lang="en-US" altLang="en-GB" sz="2200" i="1" dirty="0"/>
+              <a:t>genres_encoded</a:t>
+            </a:r>
+            <a:r>
+              <a:rPr lang="en-US" altLang="en-GB" sz="2200" dirty="0"/>
+              <a:t>, within the dataframe. This step helps prepare the dataset for modeling by converting the categorical target variable into a format suitable for algorithmic processing.</a:t>
+            </a:r>
           </a:p>
         </p:txBody>
       </p:sp>
@@ -10242,7 +10326,7 @@
       </p:sp>
       <p:sp>
         <p:nvSpPr>
-          <p:cNvPr id="6" name="Slide Number Placeholder 5"/>
+          <p:cNvPr id="5" name="Slide Number Placeholder 4"/>
           <p:cNvSpPr>
             <a:spLocks noGrp="1"/>
           </p:cNvSpPr>
@@ -10257,57 +10341,8 @@
           <a:p>
             <a:fld id="{C4C7283F-616F-4503-ABBD-21FFB2848302}" type="slidenum">
               <a:rPr lang="en-US" smtClean="0"/>
+              <a:t>23</a:t>
             </a:fld>
-            <a:endParaRPr lang="en-US"/>
-          </a:p>
-        </p:txBody>
-      </p:sp>
-      <p:pic>
-        <p:nvPicPr>
-          <p:cNvPr id="5" name="Picture 4"/>
-          <p:cNvPicPr>
-            <a:picLocks noChangeAspect="1"/>
-          </p:cNvPicPr>
-          <p:nvPr/>
-        </p:nvPicPr>
-        <p:blipFill>
-          <a:blip r:embed="rId1">
-            <a:extLst>
-              <a:ext uri="{28A0092B-C50C-407E-A947-70E740481C1C}">
-                <a14:useLocalDpi xmlns:a14="http://schemas.microsoft.com/office/drawing/2010/main" val="0"/>
-              </a:ext>
-            </a:extLst>
-          </a:blip>
-          <a:srcRect/>
-          <a:stretch>
-            <a:fillRect/>
-          </a:stretch>
-        </p:blipFill>
-        <p:spPr>
-          <a:xfrm>
-            <a:off x="1734918" y="1327689"/>
-            <a:ext cx="8305397" cy="4354450"/>
-          </a:xfrm>
-          <a:prstGeom prst="rect">
-            <a:avLst/>
-          </a:prstGeom>
-        </p:spPr>
-      </p:pic>
-      <p:sp>
-        <p:nvSpPr>
-          <p:cNvPr id="12" name="Subtitle 11"/>
-          <p:cNvSpPr>
-            <a:spLocks noGrp="1"/>
-          </p:cNvSpPr>
-          <p:nvPr>
-            <p:ph type="subTitle" idx="1"/>
-          </p:nvPr>
-        </p:nvSpPr>
-        <p:spPr/>
-        <p:txBody>
-          <a:bodyPr/>
-          <a:lstStyle/>
-          <a:p>
             <a:endParaRPr lang="en-US"/>
           </a:p>
         </p:txBody>
@@ -10321,7 +10356,7 @@
 </file>
 
 <file path=ppt/slides/slide24.xml><?xml version="1.0" encoding="utf-8"?>
-<p:sld xmlns:a="http://schemas.openxmlformats.org/drawingml/2006/main" xmlns:r="http://schemas.openxmlformats.org/officeDocument/2006/relationships" xmlns:p="http://schemas.openxmlformats.org/presentationml/2006/main" showMasterSp="0">
+<p:sld xmlns:a="http://schemas.openxmlformats.org/drawingml/2006/main" xmlns:r="http://schemas.openxmlformats.org/officeDocument/2006/relationships" xmlns:p="http://schemas.openxmlformats.org/presentationml/2006/main">
   <p:cSld>
     <p:spTree>
       <p:nvGrpSpPr>
@@ -10344,25 +10379,117 @@
             <a:spLocks noGrp="1"/>
           </p:cNvSpPr>
           <p:nvPr>
-            <p:ph type="ctrTitle"/>
+            <p:ph type="title"/>
           </p:nvPr>
         </p:nvSpPr>
         <p:spPr>
           <a:xfrm>
-            <a:off x="163285" y="451513"/>
-            <a:ext cx="12311743" cy="365125"/>
+            <a:off x="677334" y="609600"/>
+            <a:ext cx="8596668" cy="660400"/>
           </a:xfrm>
         </p:spPr>
         <p:txBody>
-          <a:bodyPr/>
-          <a:lstStyle/>
-          <a:p>
-            <a:pPr algn="l"/>
-            <a:r>
-              <a:rPr lang="en-US" sz="4400" dirty="0"/>
-              <a:t>Statistics of the average rating and total gross.</a:t>
-            </a:r>
-            <a:endParaRPr lang="en-US" sz="4800" dirty="0"/>
+          <a:bodyPr>
+            <a:normAutofit fontScale="90000"/>
+          </a:bodyPr>
+          <a:lstStyle/>
+          <a:p>
+            <a:r>
+              <a:rPr lang="en-US" sz="4000" b="1" dirty="0"/>
+              <a:t>HYPOTHESIS TESTING REPORT</a:t>
+            </a:r>
+            <a:endParaRPr lang="en-US" sz="4000" dirty="0"/>
+          </a:p>
+        </p:txBody>
+      </p:sp>
+      <p:sp>
+        <p:nvSpPr>
+          <p:cNvPr id="3" name="Content Placeholder 2"/>
+          <p:cNvSpPr>
+            <a:spLocks noGrp="1"/>
+          </p:cNvSpPr>
+          <p:nvPr>
+            <p:ph idx="1"/>
+          </p:nvPr>
+        </p:nvSpPr>
+        <p:spPr>
+          <a:xfrm>
+            <a:off x="335663" y="1270000"/>
+            <a:ext cx="9281865" cy="3880773"/>
+          </a:xfrm>
+        </p:spPr>
+        <p:txBody>
+          <a:bodyPr/>
+          <a:lstStyle/>
+          <a:p>
+            <a:pPr marL="457200" indent="-457200">
+              <a:buFont typeface="+mj-lt"/>
+              <a:buAutoNum type="arabicPeriod"/>
+            </a:pPr>
+            <a:r>
+              <a:rPr lang="en-US" sz="2400" dirty="0"/>
+              <a:t>Testing the nature of the data.</a:t>
+            </a:r>
+          </a:p>
+          <a:p>
+            <a:pPr marL="457200" indent="-457200">
+              <a:buFont typeface="+mj-lt"/>
+              <a:buAutoNum type="arabicPeriod"/>
+            </a:pPr>
+            <a:r>
+              <a:rPr lang="en-US" sz="2400" dirty="0"/>
+              <a:t>Setting confidence interval.</a:t>
+            </a:r>
+          </a:p>
+          <a:p>
+            <a:pPr marL="457200" indent="-457200">
+              <a:buFont typeface="+mj-lt"/>
+              <a:buAutoNum type="arabicPeriod"/>
+            </a:pPr>
+            <a:r>
+              <a:rPr lang="en-US" sz="2400" dirty="0"/>
+              <a:t>Checking on the statistics of the average rating and total gross.</a:t>
+            </a:r>
+          </a:p>
+          <a:p>
+            <a:pPr marL="457200" indent="-457200">
+              <a:buFont typeface="+mj-lt"/>
+              <a:buAutoNum type="arabicPeriod"/>
+            </a:pPr>
+            <a:r>
+              <a:rPr lang="en-US" sz="2400" dirty="0"/>
+              <a:t>Stating the Null and alternative hypothesis.</a:t>
+            </a:r>
+          </a:p>
+          <a:p>
+            <a:pPr marL="457200" indent="-457200">
+              <a:buFont typeface="+mj-lt"/>
+              <a:buAutoNum type="arabicPeriod"/>
+            </a:pPr>
+            <a:r>
+              <a:rPr lang="en-US" sz="2400" dirty="0"/>
+              <a:t>Fail to reject the null hypothesis or not.</a:t>
+            </a:r>
+          </a:p>
+          <a:p>
+            <a:pPr>
+              <a:buFont typeface="Wingdings" panose="05000000000000000000" pitchFamily="2" charset="2"/>
+              <a:buChar char="v"/>
+            </a:pPr>
+            <a:endParaRPr lang="en-US" sz="2400" dirty="0"/>
+          </a:p>
+          <a:p>
+            <a:pPr>
+              <a:buFont typeface="Wingdings" panose="05000000000000000000" pitchFamily="2" charset="2"/>
+              <a:buChar char="v"/>
+            </a:pPr>
+            <a:endParaRPr lang="en-US" sz="2400" dirty="0"/>
+          </a:p>
+          <a:p>
+            <a:pPr marL="0" indent="0">
+              <a:buNone/>
+            </a:pPr>
+            <a:endParaRPr lang="en-US" dirty="0"/>
           </a:p>
         </p:txBody>
       </p:sp>
@@ -10391,7 +10518,7 @@
       </p:sp>
       <p:sp>
         <p:nvSpPr>
-          <p:cNvPr id="6" name="Slide Number Placeholder 5"/>
+          <p:cNvPr id="5" name="Slide Number Placeholder 4"/>
           <p:cNvSpPr>
             <a:spLocks noGrp="1"/>
           </p:cNvSpPr>
@@ -10406,349 +10533,9 @@
           <a:p>
             <a:fld id="{C4C7283F-616F-4503-ABBD-21FFB2848302}" type="slidenum">
               <a:rPr lang="en-US" smtClean="0"/>
+              <a:t>24</a:t>
             </a:fld>
             <a:endParaRPr lang="en-US"/>
-          </a:p>
-        </p:txBody>
-      </p:sp>
-      <p:pic>
-        <p:nvPicPr>
-          <p:cNvPr id="5" name="Picture 4"/>
-          <p:cNvPicPr>
-            <a:picLocks noChangeAspect="1"/>
-          </p:cNvPicPr>
-          <p:nvPr/>
-        </p:nvPicPr>
-        <p:blipFill>
-          <a:blip r:embed="rId1">
-            <a:extLst>
-              <a:ext uri="{28A0092B-C50C-407E-A947-70E740481C1C}">
-                <a14:useLocalDpi xmlns:a14="http://schemas.microsoft.com/office/drawing/2010/main" val="0"/>
-              </a:ext>
-            </a:extLst>
-          </a:blip>
-          <a:srcRect/>
-          <a:stretch>
-            <a:fillRect/>
-          </a:stretch>
-        </p:blipFill>
-        <p:spPr>
-          <a:xfrm>
-            <a:off x="335427" y="1986351"/>
-            <a:ext cx="5388428" cy="3755571"/>
-          </a:xfrm>
-          <a:prstGeom prst="rect">
-            <a:avLst/>
-          </a:prstGeom>
-        </p:spPr>
-      </p:pic>
-      <p:sp>
-        <p:nvSpPr>
-          <p:cNvPr id="12" name="Subtitle 11"/>
-          <p:cNvSpPr>
-            <a:spLocks noGrp="1"/>
-          </p:cNvSpPr>
-          <p:nvPr>
-            <p:ph type="subTitle" idx="1"/>
-          </p:nvPr>
-        </p:nvSpPr>
-        <p:spPr>
-          <a:xfrm>
-            <a:off x="163285" y="1077687"/>
-            <a:ext cx="5560570" cy="604658"/>
-          </a:xfrm>
-        </p:spPr>
-        <p:txBody>
-          <a:bodyPr>
-            <a:normAutofit/>
-          </a:bodyPr>
-          <a:lstStyle/>
-          <a:p>
-            <a:pPr algn="ctr"/>
-            <a:r>
-              <a:rPr lang="en-GB" sz="2000" b="1" dirty="0"/>
-              <a:t>Average rating</a:t>
-            </a:r>
-            <a:endParaRPr lang="en-US" sz="2000" b="1" dirty="0"/>
-          </a:p>
-        </p:txBody>
-      </p:sp>
-      <p:pic>
-        <p:nvPicPr>
-          <p:cNvPr id="3" name="Picture 2"/>
-          <p:cNvPicPr>
-            <a:picLocks noChangeAspect="1"/>
-          </p:cNvPicPr>
-          <p:nvPr/>
-        </p:nvPicPr>
-        <p:blipFill>
-          <a:blip r:embed="rId2">
-            <a:extLst>
-              <a:ext uri="{28A0092B-C50C-407E-A947-70E740481C1C}">
-                <a14:useLocalDpi xmlns:a14="http://schemas.microsoft.com/office/drawing/2010/main" val="0"/>
-              </a:ext>
-            </a:extLst>
-          </a:blip>
-          <a:srcRect/>
-          <a:stretch>
-            <a:fillRect/>
-          </a:stretch>
-        </p:blipFill>
-        <p:spPr>
-          <a:xfrm>
-            <a:off x="6065762" y="2006830"/>
-            <a:ext cx="5389331" cy="3710046"/>
-          </a:xfrm>
-          <a:prstGeom prst="rect">
-            <a:avLst/>
-          </a:prstGeom>
-        </p:spPr>
-      </p:pic>
-      <p:sp>
-        <p:nvSpPr>
-          <p:cNvPr id="7" name="Subtitle 11"/>
-          <p:cNvSpPr txBox="1"/>
-          <p:nvPr/>
-        </p:nvSpPr>
-        <p:spPr>
-          <a:xfrm>
-            <a:off x="5980142" y="1082254"/>
-            <a:ext cx="5560570" cy="604658"/>
-          </a:xfrm>
-          <a:prstGeom prst="rect">
-            <a:avLst/>
-          </a:prstGeom>
-        </p:spPr>
-        <p:txBody>
-          <a:bodyPr vert="horz" lIns="91440" tIns="45720" rIns="91440" bIns="45720" rtlCol="0" anchor="t">
-            <a:normAutofit/>
-          </a:bodyPr>
-          <a:lstStyle>
-            <a:lvl1pPr marL="0" indent="0" algn="r" defTabSz="457200" rtl="0" eaLnBrk="1" latinLnBrk="0" hangingPunct="1">
-              <a:spcBef>
-                <a:spcPts val="1000"/>
-              </a:spcBef>
-              <a:spcAft>
-                <a:spcPts val="0"/>
-              </a:spcAft>
-              <a:buClr>
-                <a:schemeClr val="accent1"/>
-              </a:buClr>
-              <a:buSzPct val="80000"/>
-              <a:buFont typeface="Wingdings 3" panose="05040102010807070707" charset="2"/>
-              <a:buNone/>
-              <a:defRPr sz="1800" kern="1200">
-                <a:solidFill>
-                  <a:schemeClr val="tx1">
-                    <a:lumMod val="50000"/>
-                    <a:lumOff val="50000"/>
-                  </a:schemeClr>
-                </a:solidFill>
-                <a:latin typeface="+mn-lt"/>
-                <a:ea typeface="+mn-ea"/>
-                <a:cs typeface="+mn-cs"/>
-              </a:defRPr>
-            </a:lvl1pPr>
-            <a:lvl2pPr marL="457200" indent="0" algn="ctr" defTabSz="457200" rtl="0" eaLnBrk="1" latinLnBrk="0" hangingPunct="1">
-              <a:spcBef>
-                <a:spcPts val="1000"/>
-              </a:spcBef>
-              <a:spcAft>
-                <a:spcPts val="0"/>
-              </a:spcAft>
-              <a:buClr>
-                <a:schemeClr val="accent1"/>
-              </a:buClr>
-              <a:buSzPct val="80000"/>
-              <a:buFont typeface="Wingdings 3" panose="05040102010807070707" charset="2"/>
-              <a:buNone/>
-              <a:defRPr sz="1600" kern="1200">
-                <a:solidFill>
-                  <a:schemeClr val="tx1">
-                    <a:tint val="75000"/>
-                  </a:schemeClr>
-                </a:solidFill>
-                <a:latin typeface="+mn-lt"/>
-                <a:ea typeface="+mn-ea"/>
-                <a:cs typeface="+mn-cs"/>
-              </a:defRPr>
-            </a:lvl2pPr>
-            <a:lvl3pPr marL="914400" indent="0" algn="ctr" defTabSz="457200" rtl="0" eaLnBrk="1" latinLnBrk="0" hangingPunct="1">
-              <a:spcBef>
-                <a:spcPts val="1000"/>
-              </a:spcBef>
-              <a:spcAft>
-                <a:spcPts val="0"/>
-              </a:spcAft>
-              <a:buClr>
-                <a:schemeClr val="accent1"/>
-              </a:buClr>
-              <a:buSzPct val="80000"/>
-              <a:buFont typeface="Wingdings 3" panose="05040102010807070707" charset="2"/>
-              <a:buNone/>
-              <a:defRPr sz="1400" kern="1200">
-                <a:solidFill>
-                  <a:schemeClr val="tx1">
-                    <a:tint val="75000"/>
-                  </a:schemeClr>
-                </a:solidFill>
-                <a:latin typeface="+mn-lt"/>
-                <a:ea typeface="+mn-ea"/>
-                <a:cs typeface="+mn-cs"/>
-              </a:defRPr>
-            </a:lvl3pPr>
-            <a:lvl4pPr marL="1371600" indent="0" algn="ctr" defTabSz="457200" rtl="0" eaLnBrk="1" latinLnBrk="0" hangingPunct="1">
-              <a:spcBef>
-                <a:spcPts val="1000"/>
-              </a:spcBef>
-              <a:spcAft>
-                <a:spcPts val="0"/>
-              </a:spcAft>
-              <a:buClr>
-                <a:schemeClr val="accent1"/>
-              </a:buClr>
-              <a:buSzPct val="80000"/>
-              <a:buFont typeface="Wingdings 3" panose="05040102010807070707" charset="2"/>
-              <a:buNone/>
-              <a:defRPr sz="1200" kern="1200">
-                <a:solidFill>
-                  <a:schemeClr val="tx1">
-                    <a:tint val="75000"/>
-                  </a:schemeClr>
-                </a:solidFill>
-                <a:latin typeface="+mn-lt"/>
-                <a:ea typeface="+mn-ea"/>
-                <a:cs typeface="+mn-cs"/>
-              </a:defRPr>
-            </a:lvl4pPr>
-            <a:lvl5pPr marL="1828800" indent="0" algn="ctr" defTabSz="457200" rtl="0" eaLnBrk="1" latinLnBrk="0" hangingPunct="1">
-              <a:spcBef>
-                <a:spcPts val="1000"/>
-              </a:spcBef>
-              <a:spcAft>
-                <a:spcPts val="0"/>
-              </a:spcAft>
-              <a:buClr>
-                <a:schemeClr val="accent1"/>
-              </a:buClr>
-              <a:buSzPct val="80000"/>
-              <a:buFont typeface="Wingdings 3" panose="05040102010807070707" charset="2"/>
-              <a:buNone/>
-              <a:defRPr sz="1200" kern="1200">
-                <a:solidFill>
-                  <a:schemeClr val="tx1">
-                    <a:tint val="75000"/>
-                  </a:schemeClr>
-                </a:solidFill>
-                <a:latin typeface="+mn-lt"/>
-                <a:ea typeface="+mn-ea"/>
-                <a:cs typeface="+mn-cs"/>
-              </a:defRPr>
-            </a:lvl5pPr>
-            <a:lvl6pPr marL="2286000" indent="0" algn="ctr" defTabSz="457200" rtl="0" eaLnBrk="1" latinLnBrk="0" hangingPunct="1">
-              <a:spcBef>
-                <a:spcPts val="1000"/>
-              </a:spcBef>
-              <a:spcAft>
-                <a:spcPts val="0"/>
-              </a:spcAft>
-              <a:buClr>
-                <a:schemeClr val="accent1"/>
-              </a:buClr>
-              <a:buSzPct val="80000"/>
-              <a:buFont typeface="Wingdings 3" panose="05040102010807070707" charset="2"/>
-              <a:buNone/>
-              <a:defRPr sz="1200" kern="1200">
-                <a:solidFill>
-                  <a:schemeClr val="tx1">
-                    <a:tint val="75000"/>
-                  </a:schemeClr>
-                </a:solidFill>
-                <a:latin typeface="+mn-lt"/>
-                <a:ea typeface="+mn-ea"/>
-                <a:cs typeface="+mn-cs"/>
-              </a:defRPr>
-            </a:lvl6pPr>
-            <a:lvl7pPr marL="2743200" indent="0" algn="ctr" defTabSz="457200" rtl="0" eaLnBrk="1" latinLnBrk="0" hangingPunct="1">
-              <a:spcBef>
-                <a:spcPts val="1000"/>
-              </a:spcBef>
-              <a:spcAft>
-                <a:spcPts val="0"/>
-              </a:spcAft>
-              <a:buClr>
-                <a:schemeClr val="accent1"/>
-              </a:buClr>
-              <a:buSzPct val="80000"/>
-              <a:buFont typeface="Wingdings 3" panose="05040102010807070707" charset="2"/>
-              <a:buNone/>
-              <a:defRPr sz="1200" kern="1200">
-                <a:solidFill>
-                  <a:schemeClr val="tx1">
-                    <a:tint val="75000"/>
-                  </a:schemeClr>
-                </a:solidFill>
-                <a:latin typeface="+mn-lt"/>
-                <a:ea typeface="+mn-ea"/>
-                <a:cs typeface="+mn-cs"/>
-              </a:defRPr>
-            </a:lvl7pPr>
-            <a:lvl8pPr marL="3200400" indent="0" algn="ctr" defTabSz="457200" rtl="0" eaLnBrk="1" latinLnBrk="0" hangingPunct="1">
-              <a:spcBef>
-                <a:spcPts val="1000"/>
-              </a:spcBef>
-              <a:spcAft>
-                <a:spcPts val="0"/>
-              </a:spcAft>
-              <a:buClr>
-                <a:schemeClr val="accent1"/>
-              </a:buClr>
-              <a:buSzPct val="80000"/>
-              <a:buFont typeface="Wingdings 3" panose="05040102010807070707" charset="2"/>
-              <a:buNone/>
-              <a:defRPr sz="1200" kern="1200">
-                <a:solidFill>
-                  <a:schemeClr val="tx1">
-                    <a:tint val="75000"/>
-                  </a:schemeClr>
-                </a:solidFill>
-                <a:latin typeface="+mn-lt"/>
-                <a:ea typeface="+mn-ea"/>
-                <a:cs typeface="+mn-cs"/>
-              </a:defRPr>
-            </a:lvl8pPr>
-            <a:lvl9pPr marL="3657600" indent="0" algn="ctr" defTabSz="457200" rtl="0" eaLnBrk="1" latinLnBrk="0" hangingPunct="1">
-              <a:spcBef>
-                <a:spcPts val="1000"/>
-              </a:spcBef>
-              <a:spcAft>
-                <a:spcPts val="0"/>
-              </a:spcAft>
-              <a:buClr>
-                <a:schemeClr val="accent1"/>
-              </a:buClr>
-              <a:buSzPct val="80000"/>
-              <a:buFont typeface="Wingdings 3" panose="05040102010807070707" charset="2"/>
-              <a:buNone/>
-              <a:defRPr sz="1200" kern="1200">
-                <a:solidFill>
-                  <a:schemeClr val="tx1">
-                    <a:tint val="75000"/>
-                  </a:schemeClr>
-                </a:solidFill>
-                <a:latin typeface="+mn-lt"/>
-                <a:ea typeface="+mn-ea"/>
-                <a:cs typeface="+mn-cs"/>
-              </a:defRPr>
-            </a:lvl9pPr>
-          </a:lstStyle>
-          <a:p>
-            <a:pPr algn="ctr"/>
-            <a:r>
-              <a:rPr lang="en-GB" sz="2000" b="1" dirty="0"/>
-              <a:t>Total gross</a:t>
-            </a:r>
-            <a:endParaRPr lang="en-US" sz="2000" b="1" dirty="0"/>
           </a:p>
         </p:txBody>
       </p:sp>
@@ -10789,8 +10576,8 @@
         </p:nvSpPr>
         <p:spPr>
           <a:xfrm>
-            <a:off x="335427" y="916668"/>
-            <a:ext cx="12311743" cy="365125"/>
+            <a:off x="0" y="0"/>
+            <a:ext cx="12108025" cy="968466"/>
           </a:xfrm>
         </p:spPr>
         <p:txBody>
@@ -10799,10 +10586,28 @@
           <a:p>
             <a:pPr algn="l"/>
             <a:r>
-              <a:rPr lang="en-US" sz="4400" dirty="0"/>
-              <a:t>Statistics of the average rating and total gross after log transformation and standardization.</a:t>
-            </a:r>
-            <a:endParaRPr lang="en-US" sz="4800" dirty="0"/>
+              <a:rPr lang="en-US" sz="4800" dirty="0"/>
+              <a:t>		Testing the nature of the data	</a:t>
+            </a:r>
+          </a:p>
+        </p:txBody>
+      </p:sp>
+      <p:sp>
+        <p:nvSpPr>
+          <p:cNvPr id="12" name="Subtitle 11"/>
+          <p:cNvSpPr>
+            <a:spLocks noGrp="1"/>
+          </p:cNvSpPr>
+          <p:nvPr>
+            <p:ph type="subTitle" idx="1"/>
+          </p:nvPr>
+        </p:nvSpPr>
+        <p:spPr/>
+        <p:txBody>
+          <a:bodyPr/>
+          <a:lstStyle/>
+          <a:p>
+            <a:endParaRPr lang="en-US"/>
           </a:p>
         </p:txBody>
       </p:sp>
@@ -10846,6 +10651,7 @@
           <a:p>
             <a:fld id="{C4C7283F-616F-4503-ABBD-21FFB2848302}" type="slidenum">
               <a:rPr lang="en-US" smtClean="0"/>
+              <a:t>25</a:t>
             </a:fld>
             <a:endParaRPr lang="en-US"/>
           </a:p>
@@ -10860,7 +10666,7 @@
           <p:nvPr/>
         </p:nvPicPr>
         <p:blipFill>
-          <a:blip r:embed="rId1">
+          <a:blip r:embed="rId3">
             <a:extLst>
               <a:ext uri="{28A0092B-C50C-407E-A947-70E740481C1C}">
                 <a14:useLocalDpi xmlns:a14="http://schemas.microsoft.com/office/drawing/2010/main" val="0"/>
@@ -10874,324 +10680,14 @@
         </p:blipFill>
         <p:spPr>
           <a:xfrm>
-            <a:off x="335427" y="1485900"/>
-            <a:ext cx="5388428" cy="4033931"/>
+            <a:off x="1734918" y="1327689"/>
+            <a:ext cx="8305397" cy="4354450"/>
           </a:xfrm>
           <a:prstGeom prst="rect">
             <a:avLst/>
           </a:prstGeom>
         </p:spPr>
       </p:pic>
-      <p:sp>
-        <p:nvSpPr>
-          <p:cNvPr id="12" name="Subtitle 11"/>
-          <p:cNvSpPr>
-            <a:spLocks noGrp="1"/>
-          </p:cNvSpPr>
-          <p:nvPr>
-            <p:ph type="subTitle" idx="1"/>
-          </p:nvPr>
-        </p:nvSpPr>
-        <p:spPr>
-          <a:xfrm>
-            <a:off x="163285" y="1077687"/>
-            <a:ext cx="5560570" cy="604658"/>
-          </a:xfrm>
-        </p:spPr>
-        <p:txBody>
-          <a:bodyPr>
-            <a:normAutofit/>
-          </a:bodyPr>
-          <a:lstStyle/>
-          <a:p>
-            <a:pPr algn="ctr"/>
-            <a:r>
-              <a:rPr lang="en-GB" sz="2000" b="1" dirty="0"/>
-              <a:t>Average rating</a:t>
-            </a:r>
-            <a:endParaRPr lang="en-US" sz="2000" b="1" dirty="0"/>
-          </a:p>
-        </p:txBody>
-      </p:sp>
-      <p:pic>
-        <p:nvPicPr>
-          <p:cNvPr id="3" name="Picture 2"/>
-          <p:cNvPicPr>
-            <a:picLocks noChangeAspect="1"/>
-          </p:cNvPicPr>
-          <p:nvPr/>
-        </p:nvPicPr>
-        <p:blipFill>
-          <a:blip r:embed="rId2">
-            <a:extLst>
-              <a:ext uri="{28A0092B-C50C-407E-A947-70E740481C1C}">
-                <a14:useLocalDpi xmlns:a14="http://schemas.microsoft.com/office/drawing/2010/main" val="0"/>
-              </a:ext>
-            </a:extLst>
-          </a:blip>
-          <a:srcRect/>
-          <a:stretch>
-            <a:fillRect/>
-          </a:stretch>
-        </p:blipFill>
-        <p:spPr>
-          <a:xfrm>
-            <a:off x="5980142" y="1485900"/>
-            <a:ext cx="5389331" cy="4033931"/>
-          </a:xfrm>
-          <a:prstGeom prst="rect">
-            <a:avLst/>
-          </a:prstGeom>
-        </p:spPr>
-      </p:pic>
-      <p:sp>
-        <p:nvSpPr>
-          <p:cNvPr id="7" name="Subtitle 11"/>
-          <p:cNvSpPr txBox="1"/>
-          <p:nvPr/>
-        </p:nvSpPr>
-        <p:spPr>
-          <a:xfrm>
-            <a:off x="5980142" y="1082254"/>
-            <a:ext cx="5560570" cy="604658"/>
-          </a:xfrm>
-          <a:prstGeom prst="rect">
-            <a:avLst/>
-          </a:prstGeom>
-        </p:spPr>
-        <p:txBody>
-          <a:bodyPr vert="horz" lIns="91440" tIns="45720" rIns="91440" bIns="45720" rtlCol="0" anchor="t">
-            <a:normAutofit/>
-          </a:bodyPr>
-          <a:lstStyle>
-            <a:lvl1pPr marL="0" indent="0" algn="r" defTabSz="457200" rtl="0" eaLnBrk="1" latinLnBrk="0" hangingPunct="1">
-              <a:spcBef>
-                <a:spcPts val="1000"/>
-              </a:spcBef>
-              <a:spcAft>
-                <a:spcPts val="0"/>
-              </a:spcAft>
-              <a:buClr>
-                <a:schemeClr val="accent1"/>
-              </a:buClr>
-              <a:buSzPct val="80000"/>
-              <a:buFont typeface="Wingdings 3" panose="05040102010807070707" charset="2"/>
-              <a:buNone/>
-              <a:defRPr sz="1800" kern="1200">
-                <a:solidFill>
-                  <a:schemeClr val="tx1">
-                    <a:lumMod val="50000"/>
-                    <a:lumOff val="50000"/>
-                  </a:schemeClr>
-                </a:solidFill>
-                <a:latin typeface="+mn-lt"/>
-                <a:ea typeface="+mn-ea"/>
-                <a:cs typeface="+mn-cs"/>
-              </a:defRPr>
-            </a:lvl1pPr>
-            <a:lvl2pPr marL="457200" indent="0" algn="ctr" defTabSz="457200" rtl="0" eaLnBrk="1" latinLnBrk="0" hangingPunct="1">
-              <a:spcBef>
-                <a:spcPts val="1000"/>
-              </a:spcBef>
-              <a:spcAft>
-                <a:spcPts val="0"/>
-              </a:spcAft>
-              <a:buClr>
-                <a:schemeClr val="accent1"/>
-              </a:buClr>
-              <a:buSzPct val="80000"/>
-              <a:buFont typeface="Wingdings 3" panose="05040102010807070707" charset="2"/>
-              <a:buNone/>
-              <a:defRPr sz="1600" kern="1200">
-                <a:solidFill>
-                  <a:schemeClr val="tx1">
-                    <a:tint val="75000"/>
-                  </a:schemeClr>
-                </a:solidFill>
-                <a:latin typeface="+mn-lt"/>
-                <a:ea typeface="+mn-ea"/>
-                <a:cs typeface="+mn-cs"/>
-              </a:defRPr>
-            </a:lvl2pPr>
-            <a:lvl3pPr marL="914400" indent="0" algn="ctr" defTabSz="457200" rtl="0" eaLnBrk="1" latinLnBrk="0" hangingPunct="1">
-              <a:spcBef>
-                <a:spcPts val="1000"/>
-              </a:spcBef>
-              <a:spcAft>
-                <a:spcPts val="0"/>
-              </a:spcAft>
-              <a:buClr>
-                <a:schemeClr val="accent1"/>
-              </a:buClr>
-              <a:buSzPct val="80000"/>
-              <a:buFont typeface="Wingdings 3" panose="05040102010807070707" charset="2"/>
-              <a:buNone/>
-              <a:defRPr sz="1400" kern="1200">
-                <a:solidFill>
-                  <a:schemeClr val="tx1">
-                    <a:tint val="75000"/>
-                  </a:schemeClr>
-                </a:solidFill>
-                <a:latin typeface="+mn-lt"/>
-                <a:ea typeface="+mn-ea"/>
-                <a:cs typeface="+mn-cs"/>
-              </a:defRPr>
-            </a:lvl3pPr>
-            <a:lvl4pPr marL="1371600" indent="0" algn="ctr" defTabSz="457200" rtl="0" eaLnBrk="1" latinLnBrk="0" hangingPunct="1">
-              <a:spcBef>
-                <a:spcPts val="1000"/>
-              </a:spcBef>
-              <a:spcAft>
-                <a:spcPts val="0"/>
-              </a:spcAft>
-              <a:buClr>
-                <a:schemeClr val="accent1"/>
-              </a:buClr>
-              <a:buSzPct val="80000"/>
-              <a:buFont typeface="Wingdings 3" panose="05040102010807070707" charset="2"/>
-              <a:buNone/>
-              <a:defRPr sz="1200" kern="1200">
-                <a:solidFill>
-                  <a:schemeClr val="tx1">
-                    <a:tint val="75000"/>
-                  </a:schemeClr>
-                </a:solidFill>
-                <a:latin typeface="+mn-lt"/>
-                <a:ea typeface="+mn-ea"/>
-                <a:cs typeface="+mn-cs"/>
-              </a:defRPr>
-            </a:lvl4pPr>
-            <a:lvl5pPr marL="1828800" indent="0" algn="ctr" defTabSz="457200" rtl="0" eaLnBrk="1" latinLnBrk="0" hangingPunct="1">
-              <a:spcBef>
-                <a:spcPts val="1000"/>
-              </a:spcBef>
-              <a:spcAft>
-                <a:spcPts val="0"/>
-              </a:spcAft>
-              <a:buClr>
-                <a:schemeClr val="accent1"/>
-              </a:buClr>
-              <a:buSzPct val="80000"/>
-              <a:buFont typeface="Wingdings 3" panose="05040102010807070707" charset="2"/>
-              <a:buNone/>
-              <a:defRPr sz="1200" kern="1200">
-                <a:solidFill>
-                  <a:schemeClr val="tx1">
-                    <a:tint val="75000"/>
-                  </a:schemeClr>
-                </a:solidFill>
-                <a:latin typeface="+mn-lt"/>
-                <a:ea typeface="+mn-ea"/>
-                <a:cs typeface="+mn-cs"/>
-              </a:defRPr>
-            </a:lvl5pPr>
-            <a:lvl6pPr marL="2286000" indent="0" algn="ctr" defTabSz="457200" rtl="0" eaLnBrk="1" latinLnBrk="0" hangingPunct="1">
-              <a:spcBef>
-                <a:spcPts val="1000"/>
-              </a:spcBef>
-              <a:spcAft>
-                <a:spcPts val="0"/>
-              </a:spcAft>
-              <a:buClr>
-                <a:schemeClr val="accent1"/>
-              </a:buClr>
-              <a:buSzPct val="80000"/>
-              <a:buFont typeface="Wingdings 3" panose="05040102010807070707" charset="2"/>
-              <a:buNone/>
-              <a:defRPr sz="1200" kern="1200">
-                <a:solidFill>
-                  <a:schemeClr val="tx1">
-                    <a:tint val="75000"/>
-                  </a:schemeClr>
-                </a:solidFill>
-                <a:latin typeface="+mn-lt"/>
-                <a:ea typeface="+mn-ea"/>
-                <a:cs typeface="+mn-cs"/>
-              </a:defRPr>
-            </a:lvl6pPr>
-            <a:lvl7pPr marL="2743200" indent="0" algn="ctr" defTabSz="457200" rtl="0" eaLnBrk="1" latinLnBrk="0" hangingPunct="1">
-              <a:spcBef>
-                <a:spcPts val="1000"/>
-              </a:spcBef>
-              <a:spcAft>
-                <a:spcPts val="0"/>
-              </a:spcAft>
-              <a:buClr>
-                <a:schemeClr val="accent1"/>
-              </a:buClr>
-              <a:buSzPct val="80000"/>
-              <a:buFont typeface="Wingdings 3" panose="05040102010807070707" charset="2"/>
-              <a:buNone/>
-              <a:defRPr sz="1200" kern="1200">
-                <a:solidFill>
-                  <a:schemeClr val="tx1">
-                    <a:tint val="75000"/>
-                  </a:schemeClr>
-                </a:solidFill>
-                <a:latin typeface="+mn-lt"/>
-                <a:ea typeface="+mn-ea"/>
-                <a:cs typeface="+mn-cs"/>
-              </a:defRPr>
-            </a:lvl7pPr>
-            <a:lvl8pPr marL="3200400" indent="0" algn="ctr" defTabSz="457200" rtl="0" eaLnBrk="1" latinLnBrk="0" hangingPunct="1">
-              <a:spcBef>
-                <a:spcPts val="1000"/>
-              </a:spcBef>
-              <a:spcAft>
-                <a:spcPts val="0"/>
-              </a:spcAft>
-              <a:buClr>
-                <a:schemeClr val="accent1"/>
-              </a:buClr>
-              <a:buSzPct val="80000"/>
-              <a:buFont typeface="Wingdings 3" panose="05040102010807070707" charset="2"/>
-              <a:buNone/>
-              <a:defRPr sz="1200" kern="1200">
-                <a:solidFill>
-                  <a:schemeClr val="tx1">
-                    <a:tint val="75000"/>
-                  </a:schemeClr>
-                </a:solidFill>
-                <a:latin typeface="+mn-lt"/>
-                <a:ea typeface="+mn-ea"/>
-                <a:cs typeface="+mn-cs"/>
-              </a:defRPr>
-            </a:lvl8pPr>
-            <a:lvl9pPr marL="3657600" indent="0" algn="ctr" defTabSz="457200" rtl="0" eaLnBrk="1" latinLnBrk="0" hangingPunct="1">
-              <a:spcBef>
-                <a:spcPts val="1000"/>
-              </a:spcBef>
-              <a:spcAft>
-                <a:spcPts val="0"/>
-              </a:spcAft>
-              <a:buClr>
-                <a:schemeClr val="accent1"/>
-              </a:buClr>
-              <a:buSzPct val="80000"/>
-              <a:buFont typeface="Wingdings 3" panose="05040102010807070707" charset="2"/>
-              <a:buNone/>
-              <a:defRPr sz="1200" kern="1200">
-                <a:solidFill>
-                  <a:schemeClr val="tx1">
-                    <a:tint val="75000"/>
-                  </a:schemeClr>
-                </a:solidFill>
-                <a:latin typeface="+mn-lt"/>
-                <a:ea typeface="+mn-ea"/>
-                <a:cs typeface="+mn-cs"/>
-              </a:defRPr>
-            </a:lvl9pPr>
-          </a:lstStyle>
-          <a:p>
-            <a:pPr algn="ctr"/>
-            <a:r>
-              <a:rPr lang="en-GB" sz="2000" b="1" dirty="0"/>
-              <a:t>Total gross</a:t>
-            </a:r>
-            <a:endParaRPr lang="en-US" sz="2000" b="1" dirty="0"/>
-          </a:p>
-        </p:txBody>
-      </p:sp>
     </p:spTree>
   </p:cSld>
   <p:clrMapOvr>
@@ -11229,8 +10725,8 @@
         </p:nvSpPr>
         <p:spPr>
           <a:xfrm>
-            <a:off x="498712" y="75956"/>
-            <a:ext cx="12311743" cy="830280"/>
+            <a:off x="163285" y="451513"/>
+            <a:ext cx="12311743" cy="365125"/>
           </a:xfrm>
         </p:spPr>
         <p:txBody>
@@ -11239,55 +10735,10 @@
           <a:p>
             <a:pPr algn="l"/>
             <a:r>
-              <a:rPr lang="en-US" sz="4800" dirty="0"/>
-              <a:t>Null and alternative hypothesis.</a:t>
+              <a:rPr lang="en-US" sz="4400" dirty="0"/>
+              <a:t>Statistics of the average rating and total gross.</a:t>
             </a:r>
             <a:endParaRPr lang="en-US" sz="4800" dirty="0"/>
-          </a:p>
-        </p:txBody>
-      </p:sp>
-      <p:sp>
-        <p:nvSpPr>
-          <p:cNvPr id="4" name="Footer Placeholder 3"/>
-          <p:cNvSpPr>
-            <a:spLocks noGrp="1"/>
-          </p:cNvSpPr>
-          <p:nvPr>
-            <p:ph type="ftr" sz="quarter" idx="11"/>
-          </p:nvPr>
-        </p:nvSpPr>
-        <p:spPr/>
-        <p:txBody>
-          <a:bodyPr/>
-          <a:lstStyle/>
-          <a:p>
-            <a:r>
-              <a:rPr lang="en-GB" dirty="0"/>
-              <a:t>GROUP ONE  PHASE TWO PROJECT</a:t>
-            </a:r>
-            <a:endParaRPr lang="en-US" dirty="0"/>
-          </a:p>
-        </p:txBody>
-      </p:sp>
-      <p:sp>
-        <p:nvSpPr>
-          <p:cNvPr id="6" name="Slide Number Placeholder 5"/>
-          <p:cNvSpPr>
-            <a:spLocks noGrp="1"/>
-          </p:cNvSpPr>
-          <p:nvPr>
-            <p:ph type="sldNum" sz="quarter" idx="12"/>
-          </p:nvPr>
-        </p:nvSpPr>
-        <p:spPr/>
-        <p:txBody>
-          <a:bodyPr/>
-          <a:lstStyle/>
-          <a:p>
-            <a:fld id="{C4C7283F-616F-4503-ABBD-21FFB2848302}" type="slidenum">
-              <a:rPr lang="en-US" smtClean="0"/>
-            </a:fld>
-            <a:endParaRPr lang="en-US"/>
           </a:p>
         </p:txBody>
       </p:sp>
@@ -11322,6 +10773,114 @@
           </a:p>
         </p:txBody>
       </p:sp>
+      <p:sp>
+        <p:nvSpPr>
+          <p:cNvPr id="4" name="Footer Placeholder 3"/>
+          <p:cNvSpPr>
+            <a:spLocks noGrp="1"/>
+          </p:cNvSpPr>
+          <p:nvPr>
+            <p:ph type="ftr" sz="quarter" idx="11"/>
+          </p:nvPr>
+        </p:nvSpPr>
+        <p:spPr/>
+        <p:txBody>
+          <a:bodyPr/>
+          <a:lstStyle/>
+          <a:p>
+            <a:r>
+              <a:rPr lang="en-GB"/>
+              <a:t>GROUP ONE  PHASE TWO PROJECT</a:t>
+            </a:r>
+            <a:endParaRPr lang="en-US"/>
+          </a:p>
+        </p:txBody>
+      </p:sp>
+      <p:sp>
+        <p:nvSpPr>
+          <p:cNvPr id="6" name="Slide Number Placeholder 5"/>
+          <p:cNvSpPr>
+            <a:spLocks noGrp="1"/>
+          </p:cNvSpPr>
+          <p:nvPr>
+            <p:ph type="sldNum" sz="quarter" idx="12"/>
+          </p:nvPr>
+        </p:nvSpPr>
+        <p:spPr/>
+        <p:txBody>
+          <a:bodyPr/>
+          <a:lstStyle/>
+          <a:p>
+            <a:fld id="{C4C7283F-616F-4503-ABBD-21FFB2848302}" type="slidenum">
+              <a:rPr lang="en-US" smtClean="0"/>
+              <a:t>26</a:t>
+            </a:fld>
+            <a:endParaRPr lang="en-US"/>
+          </a:p>
+        </p:txBody>
+      </p:sp>
+      <p:pic>
+        <p:nvPicPr>
+          <p:cNvPr id="5" name="Picture 4"/>
+          <p:cNvPicPr>
+            <a:picLocks noChangeAspect="1"/>
+          </p:cNvPicPr>
+          <p:nvPr/>
+        </p:nvPicPr>
+        <p:blipFill>
+          <a:blip r:embed="rId3">
+            <a:extLst>
+              <a:ext uri="{28A0092B-C50C-407E-A947-70E740481C1C}">
+                <a14:useLocalDpi xmlns:a14="http://schemas.microsoft.com/office/drawing/2010/main" val="0"/>
+              </a:ext>
+            </a:extLst>
+          </a:blip>
+          <a:srcRect/>
+          <a:stretch>
+            <a:fillRect/>
+          </a:stretch>
+        </p:blipFill>
+        <p:spPr>
+          <a:xfrm>
+            <a:off x="335427" y="1986351"/>
+            <a:ext cx="5388428" cy="3755571"/>
+          </a:xfrm>
+          <a:prstGeom prst="rect">
+            <a:avLst/>
+          </a:prstGeom>
+        </p:spPr>
+      </p:pic>
+      <p:pic>
+        <p:nvPicPr>
+          <p:cNvPr id="3" name="Picture 2"/>
+          <p:cNvPicPr>
+            <a:picLocks noChangeAspect="1"/>
+          </p:cNvPicPr>
+          <p:nvPr/>
+        </p:nvPicPr>
+        <p:blipFill>
+          <a:blip r:embed="rId4">
+            <a:extLst>
+              <a:ext uri="{28A0092B-C50C-407E-A947-70E740481C1C}">
+                <a14:useLocalDpi xmlns:a14="http://schemas.microsoft.com/office/drawing/2010/main" val="0"/>
+              </a:ext>
+            </a:extLst>
+          </a:blip>
+          <a:srcRect/>
+          <a:stretch>
+            <a:fillRect/>
+          </a:stretch>
+        </p:blipFill>
+        <p:spPr>
+          <a:xfrm>
+            <a:off x="6065762" y="2006830"/>
+            <a:ext cx="5389331" cy="3710046"/>
+          </a:xfrm>
+          <a:prstGeom prst="rect">
+            <a:avLst/>
+          </a:prstGeom>
+        </p:spPr>
+      </p:pic>
       <p:sp>
         <p:nvSpPr>
           <p:cNvPr id="7" name="Subtitle 11"/>
@@ -11570,6 +11129,825 @@
           </a:p>
         </p:txBody>
       </p:sp>
+    </p:spTree>
+  </p:cSld>
+  <p:clrMapOvr>
+    <a:masterClrMapping/>
+  </p:clrMapOvr>
+</p:sld>
+</file>
+
+<file path=ppt/slides/slide27.xml><?xml version="1.0" encoding="utf-8"?>
+<p:sld xmlns:a="http://schemas.openxmlformats.org/drawingml/2006/main" xmlns:r="http://schemas.openxmlformats.org/officeDocument/2006/relationships" xmlns:p="http://schemas.openxmlformats.org/presentationml/2006/main" showMasterSp="0">
+  <p:cSld>
+    <p:spTree>
+      <p:nvGrpSpPr>
+        <p:cNvPr id="1" name=""/>
+        <p:cNvGrpSpPr/>
+        <p:nvPr/>
+      </p:nvGrpSpPr>
+      <p:grpSpPr>
+        <a:xfrm>
+          <a:off x="0" y="0"/>
+          <a:ext cx="0" cy="0"/>
+          <a:chOff x="0" y="0"/>
+          <a:chExt cx="0" cy="0"/>
+        </a:xfrm>
+      </p:grpSpPr>
+      <p:sp>
+        <p:nvSpPr>
+          <p:cNvPr id="2" name="Title 1"/>
+          <p:cNvSpPr>
+            <a:spLocks noGrp="1"/>
+          </p:cNvSpPr>
+          <p:nvPr>
+            <p:ph type="ctrTitle"/>
+          </p:nvPr>
+        </p:nvSpPr>
+        <p:spPr>
+          <a:xfrm>
+            <a:off x="335427" y="916668"/>
+            <a:ext cx="12311743" cy="365125"/>
+          </a:xfrm>
+        </p:spPr>
+        <p:txBody>
+          <a:bodyPr/>
+          <a:lstStyle/>
+          <a:p>
+            <a:pPr algn="l"/>
+            <a:r>
+              <a:rPr lang="en-US" sz="4400" dirty="0"/>
+              <a:t>Statistics of the average rating and total gross after log transformation and standardization.</a:t>
+            </a:r>
+            <a:endParaRPr lang="en-US" sz="4800" dirty="0"/>
+          </a:p>
+        </p:txBody>
+      </p:sp>
+      <p:sp>
+        <p:nvSpPr>
+          <p:cNvPr id="12" name="Subtitle 11"/>
+          <p:cNvSpPr>
+            <a:spLocks noGrp="1"/>
+          </p:cNvSpPr>
+          <p:nvPr>
+            <p:ph type="subTitle" idx="1"/>
+          </p:nvPr>
+        </p:nvSpPr>
+        <p:spPr>
+          <a:xfrm>
+            <a:off x="163285" y="1077687"/>
+            <a:ext cx="5560570" cy="604658"/>
+          </a:xfrm>
+        </p:spPr>
+        <p:txBody>
+          <a:bodyPr>
+            <a:normAutofit/>
+          </a:bodyPr>
+          <a:lstStyle/>
+          <a:p>
+            <a:pPr algn="ctr"/>
+            <a:r>
+              <a:rPr lang="en-GB" sz="2000" b="1" dirty="0"/>
+              <a:t>Average rating</a:t>
+            </a:r>
+            <a:endParaRPr lang="en-US" sz="2000" b="1" dirty="0"/>
+          </a:p>
+        </p:txBody>
+      </p:sp>
+      <p:sp>
+        <p:nvSpPr>
+          <p:cNvPr id="4" name="Footer Placeholder 3"/>
+          <p:cNvSpPr>
+            <a:spLocks noGrp="1"/>
+          </p:cNvSpPr>
+          <p:nvPr>
+            <p:ph type="ftr" sz="quarter" idx="11"/>
+          </p:nvPr>
+        </p:nvSpPr>
+        <p:spPr/>
+        <p:txBody>
+          <a:bodyPr/>
+          <a:lstStyle/>
+          <a:p>
+            <a:r>
+              <a:rPr lang="en-GB"/>
+              <a:t>GROUP ONE  PHASE TWO PROJECT</a:t>
+            </a:r>
+            <a:endParaRPr lang="en-US"/>
+          </a:p>
+        </p:txBody>
+      </p:sp>
+      <p:sp>
+        <p:nvSpPr>
+          <p:cNvPr id="6" name="Slide Number Placeholder 5"/>
+          <p:cNvSpPr>
+            <a:spLocks noGrp="1"/>
+          </p:cNvSpPr>
+          <p:nvPr>
+            <p:ph type="sldNum" sz="quarter" idx="12"/>
+          </p:nvPr>
+        </p:nvSpPr>
+        <p:spPr/>
+        <p:txBody>
+          <a:bodyPr/>
+          <a:lstStyle/>
+          <a:p>
+            <a:fld id="{C4C7283F-616F-4503-ABBD-21FFB2848302}" type="slidenum">
+              <a:rPr lang="en-US" smtClean="0"/>
+              <a:t>27</a:t>
+            </a:fld>
+            <a:endParaRPr lang="en-US"/>
+          </a:p>
+        </p:txBody>
+      </p:sp>
+      <p:pic>
+        <p:nvPicPr>
+          <p:cNvPr id="5" name="Picture 4"/>
+          <p:cNvPicPr>
+            <a:picLocks noChangeAspect="1"/>
+          </p:cNvPicPr>
+          <p:nvPr/>
+        </p:nvPicPr>
+        <p:blipFill>
+          <a:blip r:embed="rId3">
+            <a:extLst>
+              <a:ext uri="{28A0092B-C50C-407E-A947-70E740481C1C}">
+                <a14:useLocalDpi xmlns:a14="http://schemas.microsoft.com/office/drawing/2010/main" val="0"/>
+              </a:ext>
+            </a:extLst>
+          </a:blip>
+          <a:srcRect/>
+          <a:stretch>
+            <a:fillRect/>
+          </a:stretch>
+        </p:blipFill>
+        <p:spPr>
+          <a:xfrm>
+            <a:off x="335427" y="1485900"/>
+            <a:ext cx="5388428" cy="4033931"/>
+          </a:xfrm>
+          <a:prstGeom prst="rect">
+            <a:avLst/>
+          </a:prstGeom>
+        </p:spPr>
+      </p:pic>
+      <p:pic>
+        <p:nvPicPr>
+          <p:cNvPr id="3" name="Picture 2"/>
+          <p:cNvPicPr>
+            <a:picLocks noChangeAspect="1"/>
+          </p:cNvPicPr>
+          <p:nvPr/>
+        </p:nvPicPr>
+        <p:blipFill>
+          <a:blip r:embed="rId4">
+            <a:extLst>
+              <a:ext uri="{28A0092B-C50C-407E-A947-70E740481C1C}">
+                <a14:useLocalDpi xmlns:a14="http://schemas.microsoft.com/office/drawing/2010/main" val="0"/>
+              </a:ext>
+            </a:extLst>
+          </a:blip>
+          <a:srcRect/>
+          <a:stretch>
+            <a:fillRect/>
+          </a:stretch>
+        </p:blipFill>
+        <p:spPr>
+          <a:xfrm>
+            <a:off x="5980142" y="1485900"/>
+            <a:ext cx="5389331" cy="4033931"/>
+          </a:xfrm>
+          <a:prstGeom prst="rect">
+            <a:avLst/>
+          </a:prstGeom>
+        </p:spPr>
+      </p:pic>
+      <p:sp>
+        <p:nvSpPr>
+          <p:cNvPr id="7" name="Subtitle 11"/>
+          <p:cNvSpPr txBox="1"/>
+          <p:nvPr/>
+        </p:nvSpPr>
+        <p:spPr>
+          <a:xfrm>
+            <a:off x="5980142" y="1082254"/>
+            <a:ext cx="5560570" cy="604658"/>
+          </a:xfrm>
+          <a:prstGeom prst="rect">
+            <a:avLst/>
+          </a:prstGeom>
+        </p:spPr>
+        <p:txBody>
+          <a:bodyPr vert="horz" lIns="91440" tIns="45720" rIns="91440" bIns="45720" rtlCol="0" anchor="t">
+            <a:normAutofit/>
+          </a:bodyPr>
+          <a:lstStyle>
+            <a:lvl1pPr marL="0" indent="0" algn="r" defTabSz="457200" rtl="0" eaLnBrk="1" latinLnBrk="0" hangingPunct="1">
+              <a:spcBef>
+                <a:spcPts val="1000"/>
+              </a:spcBef>
+              <a:spcAft>
+                <a:spcPts val="0"/>
+              </a:spcAft>
+              <a:buClr>
+                <a:schemeClr val="accent1"/>
+              </a:buClr>
+              <a:buSzPct val="80000"/>
+              <a:buFont typeface="Wingdings 3" panose="05040102010807070707" charset="2"/>
+              <a:buNone/>
+              <a:defRPr sz="1800" kern="1200">
+                <a:solidFill>
+                  <a:schemeClr val="tx1">
+                    <a:lumMod val="50000"/>
+                    <a:lumOff val="50000"/>
+                  </a:schemeClr>
+                </a:solidFill>
+                <a:latin typeface="+mn-lt"/>
+                <a:ea typeface="+mn-ea"/>
+                <a:cs typeface="+mn-cs"/>
+              </a:defRPr>
+            </a:lvl1pPr>
+            <a:lvl2pPr marL="457200" indent="0" algn="ctr" defTabSz="457200" rtl="0" eaLnBrk="1" latinLnBrk="0" hangingPunct="1">
+              <a:spcBef>
+                <a:spcPts val="1000"/>
+              </a:spcBef>
+              <a:spcAft>
+                <a:spcPts val="0"/>
+              </a:spcAft>
+              <a:buClr>
+                <a:schemeClr val="accent1"/>
+              </a:buClr>
+              <a:buSzPct val="80000"/>
+              <a:buFont typeface="Wingdings 3" panose="05040102010807070707" charset="2"/>
+              <a:buNone/>
+              <a:defRPr sz="1600" kern="1200">
+                <a:solidFill>
+                  <a:schemeClr val="tx1">
+                    <a:tint val="75000"/>
+                  </a:schemeClr>
+                </a:solidFill>
+                <a:latin typeface="+mn-lt"/>
+                <a:ea typeface="+mn-ea"/>
+                <a:cs typeface="+mn-cs"/>
+              </a:defRPr>
+            </a:lvl2pPr>
+            <a:lvl3pPr marL="914400" indent="0" algn="ctr" defTabSz="457200" rtl="0" eaLnBrk="1" latinLnBrk="0" hangingPunct="1">
+              <a:spcBef>
+                <a:spcPts val="1000"/>
+              </a:spcBef>
+              <a:spcAft>
+                <a:spcPts val="0"/>
+              </a:spcAft>
+              <a:buClr>
+                <a:schemeClr val="accent1"/>
+              </a:buClr>
+              <a:buSzPct val="80000"/>
+              <a:buFont typeface="Wingdings 3" panose="05040102010807070707" charset="2"/>
+              <a:buNone/>
+              <a:defRPr sz="1400" kern="1200">
+                <a:solidFill>
+                  <a:schemeClr val="tx1">
+                    <a:tint val="75000"/>
+                  </a:schemeClr>
+                </a:solidFill>
+                <a:latin typeface="+mn-lt"/>
+                <a:ea typeface="+mn-ea"/>
+                <a:cs typeface="+mn-cs"/>
+              </a:defRPr>
+            </a:lvl3pPr>
+            <a:lvl4pPr marL="1371600" indent="0" algn="ctr" defTabSz="457200" rtl="0" eaLnBrk="1" latinLnBrk="0" hangingPunct="1">
+              <a:spcBef>
+                <a:spcPts val="1000"/>
+              </a:spcBef>
+              <a:spcAft>
+                <a:spcPts val="0"/>
+              </a:spcAft>
+              <a:buClr>
+                <a:schemeClr val="accent1"/>
+              </a:buClr>
+              <a:buSzPct val="80000"/>
+              <a:buFont typeface="Wingdings 3" panose="05040102010807070707" charset="2"/>
+              <a:buNone/>
+              <a:defRPr sz="1200" kern="1200">
+                <a:solidFill>
+                  <a:schemeClr val="tx1">
+                    <a:tint val="75000"/>
+                  </a:schemeClr>
+                </a:solidFill>
+                <a:latin typeface="+mn-lt"/>
+                <a:ea typeface="+mn-ea"/>
+                <a:cs typeface="+mn-cs"/>
+              </a:defRPr>
+            </a:lvl4pPr>
+            <a:lvl5pPr marL="1828800" indent="0" algn="ctr" defTabSz="457200" rtl="0" eaLnBrk="1" latinLnBrk="0" hangingPunct="1">
+              <a:spcBef>
+                <a:spcPts val="1000"/>
+              </a:spcBef>
+              <a:spcAft>
+                <a:spcPts val="0"/>
+              </a:spcAft>
+              <a:buClr>
+                <a:schemeClr val="accent1"/>
+              </a:buClr>
+              <a:buSzPct val="80000"/>
+              <a:buFont typeface="Wingdings 3" panose="05040102010807070707" charset="2"/>
+              <a:buNone/>
+              <a:defRPr sz="1200" kern="1200">
+                <a:solidFill>
+                  <a:schemeClr val="tx1">
+                    <a:tint val="75000"/>
+                  </a:schemeClr>
+                </a:solidFill>
+                <a:latin typeface="+mn-lt"/>
+                <a:ea typeface="+mn-ea"/>
+                <a:cs typeface="+mn-cs"/>
+              </a:defRPr>
+            </a:lvl5pPr>
+            <a:lvl6pPr marL="2286000" indent="0" algn="ctr" defTabSz="457200" rtl="0" eaLnBrk="1" latinLnBrk="0" hangingPunct="1">
+              <a:spcBef>
+                <a:spcPts val="1000"/>
+              </a:spcBef>
+              <a:spcAft>
+                <a:spcPts val="0"/>
+              </a:spcAft>
+              <a:buClr>
+                <a:schemeClr val="accent1"/>
+              </a:buClr>
+              <a:buSzPct val="80000"/>
+              <a:buFont typeface="Wingdings 3" panose="05040102010807070707" charset="2"/>
+              <a:buNone/>
+              <a:defRPr sz="1200" kern="1200">
+                <a:solidFill>
+                  <a:schemeClr val="tx1">
+                    <a:tint val="75000"/>
+                  </a:schemeClr>
+                </a:solidFill>
+                <a:latin typeface="+mn-lt"/>
+                <a:ea typeface="+mn-ea"/>
+                <a:cs typeface="+mn-cs"/>
+              </a:defRPr>
+            </a:lvl6pPr>
+            <a:lvl7pPr marL="2743200" indent="0" algn="ctr" defTabSz="457200" rtl="0" eaLnBrk="1" latinLnBrk="0" hangingPunct="1">
+              <a:spcBef>
+                <a:spcPts val="1000"/>
+              </a:spcBef>
+              <a:spcAft>
+                <a:spcPts val="0"/>
+              </a:spcAft>
+              <a:buClr>
+                <a:schemeClr val="accent1"/>
+              </a:buClr>
+              <a:buSzPct val="80000"/>
+              <a:buFont typeface="Wingdings 3" panose="05040102010807070707" charset="2"/>
+              <a:buNone/>
+              <a:defRPr sz="1200" kern="1200">
+                <a:solidFill>
+                  <a:schemeClr val="tx1">
+                    <a:tint val="75000"/>
+                  </a:schemeClr>
+                </a:solidFill>
+                <a:latin typeface="+mn-lt"/>
+                <a:ea typeface="+mn-ea"/>
+                <a:cs typeface="+mn-cs"/>
+              </a:defRPr>
+            </a:lvl7pPr>
+            <a:lvl8pPr marL="3200400" indent="0" algn="ctr" defTabSz="457200" rtl="0" eaLnBrk="1" latinLnBrk="0" hangingPunct="1">
+              <a:spcBef>
+                <a:spcPts val="1000"/>
+              </a:spcBef>
+              <a:spcAft>
+                <a:spcPts val="0"/>
+              </a:spcAft>
+              <a:buClr>
+                <a:schemeClr val="accent1"/>
+              </a:buClr>
+              <a:buSzPct val="80000"/>
+              <a:buFont typeface="Wingdings 3" panose="05040102010807070707" charset="2"/>
+              <a:buNone/>
+              <a:defRPr sz="1200" kern="1200">
+                <a:solidFill>
+                  <a:schemeClr val="tx1">
+                    <a:tint val="75000"/>
+                  </a:schemeClr>
+                </a:solidFill>
+                <a:latin typeface="+mn-lt"/>
+                <a:ea typeface="+mn-ea"/>
+                <a:cs typeface="+mn-cs"/>
+              </a:defRPr>
+            </a:lvl8pPr>
+            <a:lvl9pPr marL="3657600" indent="0" algn="ctr" defTabSz="457200" rtl="0" eaLnBrk="1" latinLnBrk="0" hangingPunct="1">
+              <a:spcBef>
+                <a:spcPts val="1000"/>
+              </a:spcBef>
+              <a:spcAft>
+                <a:spcPts val="0"/>
+              </a:spcAft>
+              <a:buClr>
+                <a:schemeClr val="accent1"/>
+              </a:buClr>
+              <a:buSzPct val="80000"/>
+              <a:buFont typeface="Wingdings 3" panose="05040102010807070707" charset="2"/>
+              <a:buNone/>
+              <a:defRPr sz="1200" kern="1200">
+                <a:solidFill>
+                  <a:schemeClr val="tx1">
+                    <a:tint val="75000"/>
+                  </a:schemeClr>
+                </a:solidFill>
+                <a:latin typeface="+mn-lt"/>
+                <a:ea typeface="+mn-ea"/>
+                <a:cs typeface="+mn-cs"/>
+              </a:defRPr>
+            </a:lvl9pPr>
+          </a:lstStyle>
+          <a:p>
+            <a:pPr algn="ctr"/>
+            <a:r>
+              <a:rPr lang="en-GB" sz="2000" b="1" dirty="0"/>
+              <a:t>Total gross</a:t>
+            </a:r>
+            <a:endParaRPr lang="en-US" sz="2000" b="1" dirty="0"/>
+          </a:p>
+        </p:txBody>
+      </p:sp>
+    </p:spTree>
+  </p:cSld>
+  <p:clrMapOvr>
+    <a:masterClrMapping/>
+  </p:clrMapOvr>
+</p:sld>
+</file>
+
+<file path=ppt/slides/slide28.xml><?xml version="1.0" encoding="utf-8"?>
+<p:sld xmlns:a="http://schemas.openxmlformats.org/drawingml/2006/main" xmlns:r="http://schemas.openxmlformats.org/officeDocument/2006/relationships" xmlns:p="http://schemas.openxmlformats.org/presentationml/2006/main" showMasterSp="0">
+  <p:cSld>
+    <p:spTree>
+      <p:nvGrpSpPr>
+        <p:cNvPr id="1" name=""/>
+        <p:cNvGrpSpPr/>
+        <p:nvPr/>
+      </p:nvGrpSpPr>
+      <p:grpSpPr>
+        <a:xfrm>
+          <a:off x="0" y="0"/>
+          <a:ext cx="0" cy="0"/>
+          <a:chOff x="0" y="0"/>
+          <a:chExt cx="0" cy="0"/>
+        </a:xfrm>
+      </p:grpSpPr>
+      <p:sp>
+        <p:nvSpPr>
+          <p:cNvPr id="2" name="Title 1"/>
+          <p:cNvSpPr>
+            <a:spLocks noGrp="1"/>
+          </p:cNvSpPr>
+          <p:nvPr>
+            <p:ph type="ctrTitle"/>
+          </p:nvPr>
+        </p:nvSpPr>
+        <p:spPr>
+          <a:xfrm>
+            <a:off x="498712" y="75956"/>
+            <a:ext cx="12311743" cy="830280"/>
+          </a:xfrm>
+        </p:spPr>
+        <p:txBody>
+          <a:bodyPr/>
+          <a:lstStyle/>
+          <a:p>
+            <a:pPr algn="l"/>
+            <a:r>
+              <a:rPr lang="en-US" sz="4800" dirty="0"/>
+              <a:t>Null and alternative hypothesis.</a:t>
+            </a:r>
+          </a:p>
+        </p:txBody>
+      </p:sp>
+      <p:sp>
+        <p:nvSpPr>
+          <p:cNvPr id="12" name="Subtitle 11"/>
+          <p:cNvSpPr>
+            <a:spLocks noGrp="1"/>
+          </p:cNvSpPr>
+          <p:nvPr>
+            <p:ph type="subTitle" idx="1"/>
+          </p:nvPr>
+        </p:nvSpPr>
+        <p:spPr>
+          <a:xfrm>
+            <a:off x="163285" y="1077687"/>
+            <a:ext cx="5560570" cy="604658"/>
+          </a:xfrm>
+        </p:spPr>
+        <p:txBody>
+          <a:bodyPr>
+            <a:normAutofit/>
+          </a:bodyPr>
+          <a:lstStyle/>
+          <a:p>
+            <a:pPr algn="ctr"/>
+            <a:r>
+              <a:rPr lang="en-GB" sz="2000" b="1" dirty="0"/>
+              <a:t>Average rating</a:t>
+            </a:r>
+            <a:endParaRPr lang="en-US" sz="2000" b="1" dirty="0"/>
+          </a:p>
+        </p:txBody>
+      </p:sp>
+      <p:sp>
+        <p:nvSpPr>
+          <p:cNvPr id="4" name="Footer Placeholder 3"/>
+          <p:cNvSpPr>
+            <a:spLocks noGrp="1"/>
+          </p:cNvSpPr>
+          <p:nvPr>
+            <p:ph type="ftr" sz="quarter" idx="11"/>
+          </p:nvPr>
+        </p:nvSpPr>
+        <p:spPr/>
+        <p:txBody>
+          <a:bodyPr/>
+          <a:lstStyle/>
+          <a:p>
+            <a:r>
+              <a:rPr lang="en-GB" dirty="0"/>
+              <a:t>GROUP ONE  PHASE TWO PROJECT</a:t>
+            </a:r>
+            <a:endParaRPr lang="en-US" dirty="0"/>
+          </a:p>
+        </p:txBody>
+      </p:sp>
+      <p:sp>
+        <p:nvSpPr>
+          <p:cNvPr id="6" name="Slide Number Placeholder 5"/>
+          <p:cNvSpPr>
+            <a:spLocks noGrp="1"/>
+          </p:cNvSpPr>
+          <p:nvPr>
+            <p:ph type="sldNum" sz="quarter" idx="12"/>
+          </p:nvPr>
+        </p:nvSpPr>
+        <p:spPr/>
+        <p:txBody>
+          <a:bodyPr/>
+          <a:lstStyle/>
+          <a:p>
+            <a:fld id="{C4C7283F-616F-4503-ABBD-21FFB2848302}" type="slidenum">
+              <a:rPr lang="en-US" smtClean="0"/>
+              <a:t>28</a:t>
+            </a:fld>
+            <a:endParaRPr lang="en-US"/>
+          </a:p>
+        </p:txBody>
+      </p:sp>
+      <p:sp>
+        <p:nvSpPr>
+          <p:cNvPr id="7" name="Subtitle 11"/>
+          <p:cNvSpPr txBox="1"/>
+          <p:nvPr/>
+        </p:nvSpPr>
+        <p:spPr>
+          <a:xfrm>
+            <a:off x="5980142" y="1082254"/>
+            <a:ext cx="5560570" cy="604658"/>
+          </a:xfrm>
+          <a:prstGeom prst="rect">
+            <a:avLst/>
+          </a:prstGeom>
+        </p:spPr>
+        <p:txBody>
+          <a:bodyPr vert="horz" lIns="91440" tIns="45720" rIns="91440" bIns="45720" rtlCol="0" anchor="t">
+            <a:normAutofit/>
+          </a:bodyPr>
+          <a:lstStyle>
+            <a:lvl1pPr marL="0" indent="0" algn="r" defTabSz="457200" rtl="0" eaLnBrk="1" latinLnBrk="0" hangingPunct="1">
+              <a:spcBef>
+                <a:spcPts val="1000"/>
+              </a:spcBef>
+              <a:spcAft>
+                <a:spcPts val="0"/>
+              </a:spcAft>
+              <a:buClr>
+                <a:schemeClr val="accent1"/>
+              </a:buClr>
+              <a:buSzPct val="80000"/>
+              <a:buFont typeface="Wingdings 3" panose="05040102010807070707" charset="2"/>
+              <a:buNone/>
+              <a:defRPr sz="1800" kern="1200">
+                <a:solidFill>
+                  <a:schemeClr val="tx1">
+                    <a:lumMod val="50000"/>
+                    <a:lumOff val="50000"/>
+                  </a:schemeClr>
+                </a:solidFill>
+                <a:latin typeface="+mn-lt"/>
+                <a:ea typeface="+mn-ea"/>
+                <a:cs typeface="+mn-cs"/>
+              </a:defRPr>
+            </a:lvl1pPr>
+            <a:lvl2pPr marL="457200" indent="0" algn="ctr" defTabSz="457200" rtl="0" eaLnBrk="1" latinLnBrk="0" hangingPunct="1">
+              <a:spcBef>
+                <a:spcPts val="1000"/>
+              </a:spcBef>
+              <a:spcAft>
+                <a:spcPts val="0"/>
+              </a:spcAft>
+              <a:buClr>
+                <a:schemeClr val="accent1"/>
+              </a:buClr>
+              <a:buSzPct val="80000"/>
+              <a:buFont typeface="Wingdings 3" panose="05040102010807070707" charset="2"/>
+              <a:buNone/>
+              <a:defRPr sz="1600" kern="1200">
+                <a:solidFill>
+                  <a:schemeClr val="tx1">
+                    <a:tint val="75000"/>
+                  </a:schemeClr>
+                </a:solidFill>
+                <a:latin typeface="+mn-lt"/>
+                <a:ea typeface="+mn-ea"/>
+                <a:cs typeface="+mn-cs"/>
+              </a:defRPr>
+            </a:lvl2pPr>
+            <a:lvl3pPr marL="914400" indent="0" algn="ctr" defTabSz="457200" rtl="0" eaLnBrk="1" latinLnBrk="0" hangingPunct="1">
+              <a:spcBef>
+                <a:spcPts val="1000"/>
+              </a:spcBef>
+              <a:spcAft>
+                <a:spcPts val="0"/>
+              </a:spcAft>
+              <a:buClr>
+                <a:schemeClr val="accent1"/>
+              </a:buClr>
+              <a:buSzPct val="80000"/>
+              <a:buFont typeface="Wingdings 3" panose="05040102010807070707" charset="2"/>
+              <a:buNone/>
+              <a:defRPr sz="1400" kern="1200">
+                <a:solidFill>
+                  <a:schemeClr val="tx1">
+                    <a:tint val="75000"/>
+                  </a:schemeClr>
+                </a:solidFill>
+                <a:latin typeface="+mn-lt"/>
+                <a:ea typeface="+mn-ea"/>
+                <a:cs typeface="+mn-cs"/>
+              </a:defRPr>
+            </a:lvl3pPr>
+            <a:lvl4pPr marL="1371600" indent="0" algn="ctr" defTabSz="457200" rtl="0" eaLnBrk="1" latinLnBrk="0" hangingPunct="1">
+              <a:spcBef>
+                <a:spcPts val="1000"/>
+              </a:spcBef>
+              <a:spcAft>
+                <a:spcPts val="0"/>
+              </a:spcAft>
+              <a:buClr>
+                <a:schemeClr val="accent1"/>
+              </a:buClr>
+              <a:buSzPct val="80000"/>
+              <a:buFont typeface="Wingdings 3" panose="05040102010807070707" charset="2"/>
+              <a:buNone/>
+              <a:defRPr sz="1200" kern="1200">
+                <a:solidFill>
+                  <a:schemeClr val="tx1">
+                    <a:tint val="75000"/>
+                  </a:schemeClr>
+                </a:solidFill>
+                <a:latin typeface="+mn-lt"/>
+                <a:ea typeface="+mn-ea"/>
+                <a:cs typeface="+mn-cs"/>
+              </a:defRPr>
+            </a:lvl4pPr>
+            <a:lvl5pPr marL="1828800" indent="0" algn="ctr" defTabSz="457200" rtl="0" eaLnBrk="1" latinLnBrk="0" hangingPunct="1">
+              <a:spcBef>
+                <a:spcPts val="1000"/>
+              </a:spcBef>
+              <a:spcAft>
+                <a:spcPts val="0"/>
+              </a:spcAft>
+              <a:buClr>
+                <a:schemeClr val="accent1"/>
+              </a:buClr>
+              <a:buSzPct val="80000"/>
+              <a:buFont typeface="Wingdings 3" panose="05040102010807070707" charset="2"/>
+              <a:buNone/>
+              <a:defRPr sz="1200" kern="1200">
+                <a:solidFill>
+                  <a:schemeClr val="tx1">
+                    <a:tint val="75000"/>
+                  </a:schemeClr>
+                </a:solidFill>
+                <a:latin typeface="+mn-lt"/>
+                <a:ea typeface="+mn-ea"/>
+                <a:cs typeface="+mn-cs"/>
+              </a:defRPr>
+            </a:lvl5pPr>
+            <a:lvl6pPr marL="2286000" indent="0" algn="ctr" defTabSz="457200" rtl="0" eaLnBrk="1" latinLnBrk="0" hangingPunct="1">
+              <a:spcBef>
+                <a:spcPts val="1000"/>
+              </a:spcBef>
+              <a:spcAft>
+                <a:spcPts val="0"/>
+              </a:spcAft>
+              <a:buClr>
+                <a:schemeClr val="accent1"/>
+              </a:buClr>
+              <a:buSzPct val="80000"/>
+              <a:buFont typeface="Wingdings 3" panose="05040102010807070707" charset="2"/>
+              <a:buNone/>
+              <a:defRPr sz="1200" kern="1200">
+                <a:solidFill>
+                  <a:schemeClr val="tx1">
+                    <a:tint val="75000"/>
+                  </a:schemeClr>
+                </a:solidFill>
+                <a:latin typeface="+mn-lt"/>
+                <a:ea typeface="+mn-ea"/>
+                <a:cs typeface="+mn-cs"/>
+              </a:defRPr>
+            </a:lvl6pPr>
+            <a:lvl7pPr marL="2743200" indent="0" algn="ctr" defTabSz="457200" rtl="0" eaLnBrk="1" latinLnBrk="0" hangingPunct="1">
+              <a:spcBef>
+                <a:spcPts val="1000"/>
+              </a:spcBef>
+              <a:spcAft>
+                <a:spcPts val="0"/>
+              </a:spcAft>
+              <a:buClr>
+                <a:schemeClr val="accent1"/>
+              </a:buClr>
+              <a:buSzPct val="80000"/>
+              <a:buFont typeface="Wingdings 3" panose="05040102010807070707" charset="2"/>
+              <a:buNone/>
+              <a:defRPr sz="1200" kern="1200">
+                <a:solidFill>
+                  <a:schemeClr val="tx1">
+                    <a:tint val="75000"/>
+                  </a:schemeClr>
+                </a:solidFill>
+                <a:latin typeface="+mn-lt"/>
+                <a:ea typeface="+mn-ea"/>
+                <a:cs typeface="+mn-cs"/>
+              </a:defRPr>
+            </a:lvl7pPr>
+            <a:lvl8pPr marL="3200400" indent="0" algn="ctr" defTabSz="457200" rtl="0" eaLnBrk="1" latinLnBrk="0" hangingPunct="1">
+              <a:spcBef>
+                <a:spcPts val="1000"/>
+              </a:spcBef>
+              <a:spcAft>
+                <a:spcPts val="0"/>
+              </a:spcAft>
+              <a:buClr>
+                <a:schemeClr val="accent1"/>
+              </a:buClr>
+              <a:buSzPct val="80000"/>
+              <a:buFont typeface="Wingdings 3" panose="05040102010807070707" charset="2"/>
+              <a:buNone/>
+              <a:defRPr sz="1200" kern="1200">
+                <a:solidFill>
+                  <a:schemeClr val="tx1">
+                    <a:tint val="75000"/>
+                  </a:schemeClr>
+                </a:solidFill>
+                <a:latin typeface="+mn-lt"/>
+                <a:ea typeface="+mn-ea"/>
+                <a:cs typeface="+mn-cs"/>
+              </a:defRPr>
+            </a:lvl8pPr>
+            <a:lvl9pPr marL="3657600" indent="0" algn="ctr" defTabSz="457200" rtl="0" eaLnBrk="1" latinLnBrk="0" hangingPunct="1">
+              <a:spcBef>
+                <a:spcPts val="1000"/>
+              </a:spcBef>
+              <a:spcAft>
+                <a:spcPts val="0"/>
+              </a:spcAft>
+              <a:buClr>
+                <a:schemeClr val="accent1"/>
+              </a:buClr>
+              <a:buSzPct val="80000"/>
+              <a:buFont typeface="Wingdings 3" panose="05040102010807070707" charset="2"/>
+              <a:buNone/>
+              <a:defRPr sz="1200" kern="1200">
+                <a:solidFill>
+                  <a:schemeClr val="tx1">
+                    <a:tint val="75000"/>
+                  </a:schemeClr>
+                </a:solidFill>
+                <a:latin typeface="+mn-lt"/>
+                <a:ea typeface="+mn-ea"/>
+                <a:cs typeface="+mn-cs"/>
+              </a:defRPr>
+            </a:lvl9pPr>
+          </a:lstStyle>
+          <a:p>
+            <a:pPr algn="ctr"/>
+            <a:r>
+              <a:rPr lang="en-GB" sz="2000" b="1" dirty="0"/>
+              <a:t>Total gross</a:t>
+            </a:r>
+            <a:endParaRPr lang="en-US" sz="2000" b="1" dirty="0"/>
+          </a:p>
+        </p:txBody>
+      </p:sp>
       <p:pic>
         <p:nvPicPr>
           <p:cNvPr id="9" name="Picture 8"/>
@@ -11579,7 +11957,7 @@
           <p:nvPr/>
         </p:nvPicPr>
         <p:blipFill>
-          <a:blip r:embed="rId1"/>
+          <a:blip r:embed="rId3"/>
           <a:stretch>
             <a:fillRect/>
           </a:stretch>
@@ -11596,37 +11974,6 @@
       </p:pic>
       <p:pic>
         <p:nvPicPr>
-          <p:cNvPr id="14" name="Picture 13"/>
-          <p:cNvPicPr>
-            <a:picLocks noChangeAspect="1"/>
-          </p:cNvPicPr>
-          <p:nvPr/>
-        </p:nvPicPr>
-        <p:blipFill>
-          <a:blip r:embed="rId2">
-            <a:extLst>
-              <a:ext uri="{28A0092B-C50C-407E-A947-70E740481C1C}">
-                <a14:useLocalDpi xmlns:a14="http://schemas.microsoft.com/office/drawing/2010/main" val="0"/>
-              </a:ext>
-            </a:extLst>
-          </a:blip>
-          <a:srcRect/>
-          <a:stretch>
-            <a:fillRect/>
-          </a:stretch>
-        </p:blipFill>
-        <p:spPr>
-          <a:xfrm>
-            <a:off x="498712" y="3764209"/>
-            <a:ext cx="5037544" cy="1815724"/>
-          </a:xfrm>
-          <a:prstGeom prst="rect">
-            <a:avLst/>
-          </a:prstGeom>
-        </p:spPr>
-      </p:pic>
-      <p:pic>
-        <p:nvPicPr>
           <p:cNvPr id="16" name="Picture 15"/>
           <p:cNvPicPr>
             <a:picLocks noChangeAspect="1"/>
@@ -11634,7 +11981,7 @@
           <p:nvPr/>
         </p:nvPicPr>
         <p:blipFill>
-          <a:blip r:embed="rId3"/>
+          <a:blip r:embed="rId4"/>
           <a:stretch>
             <a:fillRect/>
           </a:stretch>
@@ -11651,400 +11998,52 @@
       </p:pic>
       <p:pic>
         <p:nvPicPr>
-          <p:cNvPr id="18" name="Picture 17"/>
+          <p:cNvPr id="3" name="Picture 2"/>
           <p:cNvPicPr>
             <a:picLocks noChangeAspect="1"/>
           </p:cNvPicPr>
           <p:nvPr/>
         </p:nvPicPr>
         <p:blipFill>
-          <a:blip r:embed="rId4"/>
+          <a:blip r:embed="rId5"/>
           <a:stretch>
             <a:fillRect/>
           </a:stretch>
         </p:blipFill>
         <p:spPr>
           <a:xfrm>
-            <a:off x="6392288" y="3764209"/>
-            <a:ext cx="5326868" cy="1815724"/>
+            <a:off x="163195" y="3663950"/>
+            <a:ext cx="5218430" cy="1795145"/>
           </a:xfrm>
           <a:prstGeom prst="rect">
             <a:avLst/>
           </a:prstGeom>
         </p:spPr>
       </p:pic>
-    </p:spTree>
-  </p:cSld>
-  <p:clrMapOvr>
-    <a:masterClrMapping/>
-  </p:clrMapOvr>
-</p:sld>
-</file>
-
-<file path=ppt/slides/slide27.xml><?xml version="1.0" encoding="utf-8"?>
-<p:sld xmlns:a="http://schemas.openxmlformats.org/drawingml/2006/main" xmlns:r="http://schemas.openxmlformats.org/officeDocument/2006/relationships" xmlns:p="http://schemas.openxmlformats.org/presentationml/2006/main">
-  <p:cSld>
-    <p:spTree>
-      <p:nvGrpSpPr>
-        <p:cNvPr id="1" name=""/>
-        <p:cNvGrpSpPr/>
-        <p:nvPr/>
-      </p:nvGrpSpPr>
-      <p:grpSpPr>
-        <a:xfrm>
-          <a:off x="0" y="0"/>
-          <a:ext cx="0" cy="0"/>
-          <a:chOff x="0" y="0"/>
-          <a:chExt cx="0" cy="0"/>
-        </a:xfrm>
-      </p:grpSpPr>
-      <p:sp>
-        <p:nvSpPr>
-          <p:cNvPr id="2" name="Title 1"/>
-          <p:cNvSpPr>
-            <a:spLocks noGrp="1"/>
-          </p:cNvSpPr>
-          <p:nvPr>
-            <p:ph type="ctrTitle"/>
-          </p:nvPr>
-        </p:nvSpPr>
+      <p:pic>
+        <p:nvPicPr>
+          <p:cNvPr id="5" name="Picture 4"/>
+          <p:cNvPicPr>
+            <a:picLocks noChangeAspect="1"/>
+          </p:cNvPicPr>
+          <p:nvPr/>
+        </p:nvPicPr>
+        <p:blipFill>
+          <a:blip r:embed="rId6"/>
+          <a:stretch>
+            <a:fillRect/>
+          </a:stretch>
+        </p:blipFill>
         <p:spPr>
           <a:xfrm>
-            <a:off x="518022" y="78289"/>
-            <a:ext cx="7766936" cy="1646302"/>
+            <a:off x="6392545" y="3518535"/>
+            <a:ext cx="5301615" cy="2014220"/>
           </a:xfrm>
+          <a:prstGeom prst="rect">
+            <a:avLst/>
+          </a:prstGeom>
         </p:spPr>
-        <p:txBody>
-          <a:bodyPr/>
-          <a:lstStyle/>
-          <a:p>
-            <a:pPr algn="ctr"/>
-            <a:r>
-              <a:rPr lang="en-US" dirty="0"/>
-              <a:t>MODELING REPORT</a:t>
-            </a:r>
-            <a:endParaRPr lang="en-US" dirty="0"/>
-          </a:p>
-        </p:txBody>
-      </p:sp>
-      <p:sp>
-        <p:nvSpPr>
-          <p:cNvPr id="3" name="Subtitle 2"/>
-          <p:cNvSpPr>
-            <a:spLocks noGrp="1"/>
-          </p:cNvSpPr>
-          <p:nvPr>
-            <p:ph type="subTitle" idx="1"/>
-          </p:nvPr>
-        </p:nvSpPr>
-        <p:spPr>
-          <a:xfrm>
-            <a:off x="1339215" y="1911350"/>
-            <a:ext cx="9119235" cy="3797935"/>
-          </a:xfrm>
-        </p:spPr>
-        <p:txBody>
-          <a:bodyPr>
-            <a:noAutofit/>
-          </a:bodyPr>
-          <a:lstStyle/>
-          <a:p>
-            <a:pPr algn="l"/>
-            <a:r>
-              <a:rPr lang="en-US" altLang="en-GB" sz="2200" dirty="0"/>
-              <a:t>The logistic regression model's performance is suboptimal, as reflected by the following key observations:</a:t>
-            </a:r>
-            <a:endParaRPr lang="en-US" altLang="en-GB" sz="2200" dirty="0"/>
-          </a:p>
-          <a:p>
-            <a:pPr marL="457200" indent="-457200" algn="l">
-              <a:buFont typeface="+mj-lt"/>
-              <a:buAutoNum type="arabicPeriod"/>
-            </a:pPr>
-            <a:r>
-              <a:rPr lang="en-US" altLang="en-GB" sz="2200" dirty="0"/>
-              <a:t>High Errors: The MAE (65.66), MSE (8101.98), and RMSE (90.01) indicate significant prediction errors on average.</a:t>
-            </a:r>
-            <a:endParaRPr lang="en-US" altLang="en-GB" sz="2200" dirty="0"/>
-          </a:p>
-          <a:p>
-            <a:pPr marL="457200" indent="-457200" algn="l">
-              <a:buFont typeface="+mj-lt"/>
-              <a:buAutoNum type="arabicPeriod"/>
-            </a:pPr>
-            <a:r>
-              <a:rPr lang="en-US" altLang="en-GB" sz="2200" dirty="0"/>
-              <a:t> Negative R</a:t>
-            </a:r>
-            <a:r>
-              <a:rPr lang="en-US" altLang="en-US" sz="2200" dirty="0"/>
-              <a:t>²</a:t>
-            </a:r>
-            <a:r>
-              <a:rPr lang="en-US" altLang="en-GB" sz="2200" dirty="0"/>
-              <a:t> (-0.378): The negative R</a:t>
-            </a:r>
-            <a:r>
-              <a:rPr lang="en-US" altLang="en-US" sz="2200" dirty="0"/>
-              <a:t>²</a:t>
-            </a:r>
-            <a:r>
-              <a:rPr lang="en-US" altLang="en-GB" sz="2200" dirty="0"/>
-              <a:t> suggests the model performs worse than simply predicting the mean of the target variable.</a:t>
-            </a:r>
-            <a:endParaRPr lang="en-US" altLang="en-GB" sz="2200" dirty="0"/>
-          </a:p>
-          <a:p>
-            <a:pPr algn="l">
-              <a:buFont typeface="+mj-lt"/>
-            </a:pPr>
-            <a:r>
-              <a:rPr lang="en-US" altLang="en-GB" sz="2200" dirty="0"/>
-              <a:t>Model Improvements Needed: The model likely requires better feature engineering, data preprocessing, and possibly a different model approach to improve accuracy and fit.</a:t>
-            </a:r>
-            <a:endParaRPr lang="en-US" altLang="en-GB" sz="2200" dirty="0"/>
-          </a:p>
-        </p:txBody>
-      </p:sp>
-      <p:sp>
-        <p:nvSpPr>
-          <p:cNvPr id="4" name="Footer Placeholder 3"/>
-          <p:cNvSpPr>
-            <a:spLocks noGrp="1"/>
-          </p:cNvSpPr>
-          <p:nvPr>
-            <p:ph type="ftr" sz="quarter" idx="11"/>
-          </p:nvPr>
-        </p:nvSpPr>
-        <p:spPr/>
-        <p:txBody>
-          <a:bodyPr/>
-          <a:lstStyle/>
-          <a:p>
-            <a:r>
-              <a:rPr lang="en-GB"/>
-              <a:t>GROUP ONE  PHASE TWO PROJECT</a:t>
-            </a:r>
-            <a:endParaRPr lang="en-US"/>
-          </a:p>
-        </p:txBody>
-      </p:sp>
-      <p:sp>
-        <p:nvSpPr>
-          <p:cNvPr id="5" name="Slide Number Placeholder 4"/>
-          <p:cNvSpPr>
-            <a:spLocks noGrp="1"/>
-          </p:cNvSpPr>
-          <p:nvPr>
-            <p:ph type="sldNum" sz="quarter" idx="12"/>
-          </p:nvPr>
-        </p:nvSpPr>
-        <p:spPr/>
-        <p:txBody>
-          <a:bodyPr/>
-          <a:lstStyle/>
-          <a:p>
-            <a:fld id="{C4C7283F-616F-4503-ABBD-21FFB2848302}" type="slidenum">
-              <a:rPr lang="en-US" smtClean="0"/>
-            </a:fld>
-            <a:endParaRPr lang="en-US"/>
-          </a:p>
-        </p:txBody>
-      </p:sp>
-    </p:spTree>
-  </p:cSld>
-  <p:clrMapOvr>
-    <a:masterClrMapping/>
-  </p:clrMapOvr>
-</p:sld>
-</file>
-
-<file path=ppt/slides/slide28.xml><?xml version="1.0" encoding="utf-8"?>
-<p:sld xmlns:a="http://schemas.openxmlformats.org/drawingml/2006/main" xmlns:r="http://schemas.openxmlformats.org/officeDocument/2006/relationships" xmlns:p="http://schemas.openxmlformats.org/presentationml/2006/main">
-  <p:cSld>
-    <p:spTree>
-      <p:nvGrpSpPr>
-        <p:cNvPr id="1" name=""/>
-        <p:cNvGrpSpPr/>
-        <p:nvPr/>
-      </p:nvGrpSpPr>
-      <p:grpSpPr>
-        <a:xfrm>
-          <a:off x="0" y="0"/>
-          <a:ext cx="0" cy="0"/>
-          <a:chOff x="0" y="0"/>
-          <a:chExt cx="0" cy="0"/>
-        </a:xfrm>
-      </p:grpSpPr>
-      <p:sp>
-        <p:nvSpPr>
-          <p:cNvPr id="2" name="Title 1"/>
-          <p:cNvSpPr>
-            <a:spLocks noGrp="1"/>
-          </p:cNvSpPr>
-          <p:nvPr>
-            <p:ph type="title"/>
-          </p:nvPr>
-        </p:nvSpPr>
-        <p:spPr>
-          <a:xfrm>
-            <a:off x="677334" y="609600"/>
-            <a:ext cx="8596668" cy="660400"/>
-          </a:xfrm>
-        </p:spPr>
-        <p:txBody>
-          <a:bodyPr>
-            <a:normAutofit fontScale="90000"/>
-          </a:bodyPr>
-          <a:lstStyle/>
-          <a:p>
-            <a:r>
-              <a:rPr lang="en-US" sz="4400" dirty="0"/>
-              <a:t>CONCLUSION</a:t>
-            </a:r>
-            <a:endParaRPr lang="en-US" sz="4400" dirty="0"/>
-          </a:p>
-        </p:txBody>
-      </p:sp>
-      <p:sp>
-        <p:nvSpPr>
-          <p:cNvPr id="3" name="Content Placeholder 2"/>
-          <p:cNvSpPr>
-            <a:spLocks noGrp="1"/>
-          </p:cNvSpPr>
-          <p:nvPr>
-            <p:ph idx="1"/>
-          </p:nvPr>
-        </p:nvSpPr>
-        <p:spPr>
-          <a:xfrm>
-            <a:off x="335664" y="1270000"/>
-            <a:ext cx="8453773" cy="3880773"/>
-          </a:xfrm>
-        </p:spPr>
-        <p:txBody>
-          <a:bodyPr>
-            <a:normAutofit lnSpcReduction="10000"/>
-          </a:bodyPr>
-          <a:lstStyle/>
-          <a:p>
-            <a:pPr algn="l">
-              <a:buFont typeface="Wingdings" panose="05000000000000000000" pitchFamily="2" charset="2"/>
-              <a:buChar char="v"/>
-            </a:pPr>
-            <a:r>
-              <a:rPr lang="en-US" altLang="en-GB" sz="2000" dirty="0">
-                <a:cs typeface="+mj-lt"/>
-              </a:rPr>
-              <a:t>From the analysis, it is clear that the Drama genre enjoys the highest ratings, but its box office success fluctuates over time. While the Adventure, Comedy, and Sci-Fi genres remain the highest-selling genres, this is likely due to their broad appeal and entertainment value. </a:t>
-            </a:r>
-            <a:endParaRPr lang="en-US" altLang="en-GB" sz="2000" dirty="0">
-              <a:cs typeface="+mj-lt"/>
-            </a:endParaRPr>
-          </a:p>
-          <a:p>
-            <a:pPr algn="l">
-              <a:buFont typeface="Wingdings" panose="05000000000000000000" pitchFamily="2" charset="2"/>
-              <a:buChar char="v"/>
-            </a:pPr>
-            <a:r>
-              <a:rPr lang="en-US" altLang="en-GB" sz="2000" dirty="0">
-                <a:cs typeface="+mj-lt"/>
-              </a:rPr>
-              <a:t>Directors like Clint Eastwood and Jay Roach contribute significantly to the sales, with their strong reputations and professional standards. The ratings analysis also highlights the R rating's popularity, reflecting the tastes of adult audiences. </a:t>
-            </a:r>
-            <a:endParaRPr lang="en-US" altLang="en-GB" sz="2000" dirty="0">
-              <a:cs typeface="+mj-lt"/>
-            </a:endParaRPr>
-          </a:p>
-          <a:p>
-            <a:pPr algn="l">
-              <a:buFont typeface="Wingdings" panose="05000000000000000000" pitchFamily="2" charset="2"/>
-              <a:buChar char="v"/>
-            </a:pPr>
-            <a:r>
-              <a:rPr lang="en-US" altLang="en-GB" sz="2000" dirty="0">
-                <a:cs typeface="+mj-lt"/>
-              </a:rPr>
-              <a:t>Overall, the variability in movie sales and ratings over the years is likely driven by factors such as market dynamics, audience preferences, and the quality of direction and production.</a:t>
-            </a:r>
-            <a:endParaRPr lang="en-US" altLang="en-GB" sz="2000" dirty="0">
-              <a:cs typeface="+mj-lt"/>
-            </a:endParaRPr>
-          </a:p>
-          <a:p>
-            <a:pPr algn="l">
-              <a:buFont typeface="+mj-lt"/>
-              <a:buAutoNum type="arabicPeriod"/>
-            </a:pPr>
-            <a:endParaRPr lang="en-GB" b="0" i="0" dirty="0">
-              <a:solidFill>
-                <a:srgbClr val="1F2328"/>
-              </a:solidFill>
-              <a:effectLst/>
-              <a:latin typeface="+mj-lt"/>
-              <a:cs typeface="+mj-lt"/>
-            </a:endParaRPr>
-          </a:p>
-          <a:p>
-            <a:endParaRPr lang="en-US" sz="4000" dirty="0">
-              <a:latin typeface="+mj-lt"/>
-              <a:cs typeface="+mj-lt"/>
-            </a:endParaRPr>
-          </a:p>
-          <a:p>
-            <a:endParaRPr lang="en-US" dirty="0">
-              <a:latin typeface="+mj-lt"/>
-              <a:cs typeface="+mj-lt"/>
-            </a:endParaRPr>
-          </a:p>
-        </p:txBody>
-      </p:sp>
-      <p:sp>
-        <p:nvSpPr>
-          <p:cNvPr id="4" name="Footer Placeholder 3"/>
-          <p:cNvSpPr>
-            <a:spLocks noGrp="1"/>
-          </p:cNvSpPr>
-          <p:nvPr>
-            <p:ph type="ftr" sz="quarter" idx="11"/>
-          </p:nvPr>
-        </p:nvSpPr>
-        <p:spPr/>
-        <p:txBody>
-          <a:bodyPr/>
-          <a:lstStyle/>
-          <a:p>
-            <a:r>
-              <a:rPr lang="en-GB"/>
-              <a:t>GROUP ONE  PHASE TWO PROJECT</a:t>
-            </a:r>
-            <a:endParaRPr lang="en-US"/>
-          </a:p>
-        </p:txBody>
-      </p:sp>
-      <p:sp>
-        <p:nvSpPr>
-          <p:cNvPr id="5" name="Slide Number Placeholder 4"/>
-          <p:cNvSpPr>
-            <a:spLocks noGrp="1"/>
-          </p:cNvSpPr>
-          <p:nvPr>
-            <p:ph type="sldNum" sz="quarter" idx="12"/>
-          </p:nvPr>
-        </p:nvSpPr>
-        <p:spPr/>
-        <p:txBody>
-          <a:bodyPr/>
-          <a:lstStyle/>
-          <a:p>
-            <a:fld id="{C4C7283F-616F-4503-ABBD-21FFB2848302}" type="slidenum">
-              <a:rPr lang="en-US" smtClean="0"/>
-            </a:fld>
-            <a:endParaRPr lang="en-US"/>
-          </a:p>
-        </p:txBody>
-      </p:sp>
+      </p:pic>
     </p:spTree>
   </p:cSld>
   <p:clrMapOvr>
@@ -12080,162 +12079,95 @@
             <p:ph type="title"/>
           </p:nvPr>
         </p:nvSpPr>
+        <p:spPr/>
+        <p:txBody>
+          <a:bodyPr/>
+          <a:lstStyle/>
+          <a:p>
+            <a:pPr algn="ctr"/>
+            <a:r>
+              <a:rPr lang="en-US" altLang="en-GB" sz="4400"/>
+              <a:t>MODELLING</a:t>
+            </a:r>
+          </a:p>
+        </p:txBody>
+      </p:sp>
+      <p:sp>
+        <p:nvSpPr>
+          <p:cNvPr id="3" name="Content Placeholder 2"/>
+          <p:cNvSpPr>
+            <a:spLocks noGrp="1"/>
+          </p:cNvSpPr>
+          <p:nvPr>
+            <p:ph idx="1"/>
+          </p:nvPr>
+        </p:nvSpPr>
         <p:spPr>
           <a:xfrm>
-            <a:off x="677334" y="451513"/>
-            <a:ext cx="8596668" cy="818487"/>
+            <a:off x="677545" y="1352550"/>
+            <a:ext cx="8596630" cy="4688840"/>
           </a:xfrm>
         </p:spPr>
         <p:txBody>
           <a:bodyPr>
-            <a:normAutofit/>
+            <a:normAutofit fontScale="92500"/>
           </a:bodyPr>
           <a:lstStyle/>
           <a:p>
-            <a:pPr algn="ctr"/>
-            <a:r>
-              <a:rPr lang="en-US" sz="4400" b="1" dirty="0"/>
-              <a:t>RECOMMENDATIONS</a:t>
-            </a:r>
-            <a:endParaRPr lang="en-US" sz="4400" dirty="0"/>
-          </a:p>
-        </p:txBody>
-      </p:sp>
-      <p:sp>
-        <p:nvSpPr>
-          <p:cNvPr id="3" name="Content Placeholder 2"/>
-          <p:cNvSpPr>
-            <a:spLocks noGrp="1"/>
-          </p:cNvSpPr>
-          <p:nvPr>
-            <p:ph idx="1"/>
-          </p:nvPr>
-        </p:nvSpPr>
-        <p:spPr>
-          <a:xfrm>
-            <a:off x="677334" y="1270000"/>
-            <a:ext cx="8596668" cy="3880773"/>
-          </a:xfrm>
-        </p:spPr>
-        <p:txBody>
-          <a:bodyPr>
-            <a:normAutofit fontScale="85000" lnSpcReduction="10000"/>
-          </a:bodyPr>
-          <a:lstStyle/>
-          <a:p>
-            <a:pPr marL="342900" lvl="0" indent="-342900">
-              <a:lnSpc>
-                <a:spcPct val="107000"/>
-              </a:lnSpc>
-              <a:spcAft>
-                <a:spcPts val="800"/>
-              </a:spcAft>
-              <a:buFont typeface="+mj-lt"/>
-              <a:buAutoNum type="arabicPeriod"/>
-              <a:tabLst>
-                <a:tab pos="457200" algn="l"/>
-              </a:tabLst>
+            <a:pPr marL="0" indent="0">
+              <a:buNone/>
             </a:pPr>
             <a:r>
-              <a:rPr lang="en-US" sz="2400" kern="100" dirty="0">
-                <a:effectLst/>
-                <a:ea typeface="Calibri" panose="020F0502020204030204" pitchFamily="34" charset="0"/>
-                <a:cs typeface="Times New Roman" panose="02020603050405020304" pitchFamily="18" charset="0"/>
+              <a:rPr lang="en-US" altLang="en-GB" b="1"/>
+              <a:t>Ordinary Least Squares (OLS) Regression</a:t>
+            </a:r>
+          </a:p>
+          <a:p>
+            <a:pPr marL="0" indent="0">
+              <a:buNone/>
+            </a:pPr>
+            <a:r>
+              <a:rPr lang="en-US" altLang="en-GB">
+                <a:sym typeface="+mn-ea"/>
               </a:rPr>
-              <a:t>Prioritize Action and Comedy genres for future productions, as they have proven to be the most lucrative and widely appreciated.</a:t>
-            </a:r>
-            <a:endParaRPr lang="en-US" sz="2400" kern="100" dirty="0">
-              <a:effectLst/>
-              <a:ea typeface="Calibri" panose="020F0502020204030204" pitchFamily="34" charset="0"/>
-              <a:cs typeface="Times New Roman" panose="02020603050405020304" pitchFamily="18" charset="0"/>
-            </a:endParaRPr>
-          </a:p>
-          <a:p>
-            <a:pPr marL="342900" lvl="0" indent="-342900">
-              <a:lnSpc>
-                <a:spcPct val="107000"/>
-              </a:lnSpc>
-              <a:spcAft>
-                <a:spcPts val="800"/>
-              </a:spcAft>
-              <a:buFont typeface="+mj-lt"/>
-              <a:buAutoNum type="arabicPeriod"/>
-              <a:tabLst>
-                <a:tab pos="457200" algn="l"/>
-              </a:tabLst>
+              <a:t>This is a linear regression model implemented using sm.OLS from the Statsmodels library. While OLS regression is generally used for continuous variables, it is applied here to the encoded categorical variable 'genres_encoded' to examine the relationship between the independent variables ('total_gross', 'average_rating', etc.) and the dependent variable. The result.summary() function generates a comprehensive statistical summary of the OLS regression, which includes key metrics such as coefficients, p-values, R-squared, and other diagnostic statistics to evaluate model performance.</a:t>
+            </a:r>
+          </a:p>
+          <a:p>
+            <a:pPr marL="0" indent="0">
+              <a:buNone/>
             </a:pPr>
             <a:r>
-              <a:rPr lang="en-US" sz="2400" kern="100" dirty="0">
-                <a:effectLst/>
-                <a:ea typeface="Calibri" panose="020F0502020204030204" pitchFamily="34" charset="0"/>
-                <a:cs typeface="Times New Roman" panose="02020603050405020304" pitchFamily="18" charset="0"/>
+              <a:rPr lang="en-US" altLang="en-GB" b="1">
+                <a:sym typeface="+mn-ea"/>
               </a:rPr>
-              <a:t>Partner with top-rated directors (e.g., Steven Spielberg, Clint Eastwood) and writers (e.g., Woody Allen) to enhance critical and audience reception.</a:t>
-            </a:r>
-            <a:endParaRPr lang="en-US" sz="2400" kern="100" dirty="0">
-              <a:effectLst/>
-              <a:ea typeface="Calibri" panose="020F0502020204030204" pitchFamily="34" charset="0"/>
-              <a:cs typeface="Times New Roman" panose="02020603050405020304" pitchFamily="18" charset="0"/>
-            </a:endParaRPr>
-          </a:p>
-          <a:p>
-            <a:pPr marL="342900" lvl="0" indent="-342900">
-              <a:lnSpc>
-                <a:spcPct val="107000"/>
-              </a:lnSpc>
-              <a:spcAft>
-                <a:spcPts val="800"/>
-              </a:spcAft>
-              <a:buFont typeface="+mj-lt"/>
-              <a:buAutoNum type="arabicPeriod"/>
-              <a:tabLst>
-                <a:tab pos="457200" algn="l"/>
-              </a:tabLst>
+              <a:t>Logistic Regression Model</a:t>
+            </a:r>
+            <a:endParaRPr lang="en-US" altLang="en-GB"/>
+          </a:p>
+          <a:p>
+            <a:pPr marL="0" indent="0">
+              <a:buNone/>
             </a:pPr>
             <a:r>
-              <a:rPr lang="en-US" sz="2400" kern="100" dirty="0">
-                <a:effectLst/>
-                <a:ea typeface="Calibri" panose="020F0502020204030204" pitchFamily="34" charset="0"/>
-                <a:cs typeface="Times New Roman" panose="02020603050405020304" pitchFamily="18" charset="0"/>
+              <a:rPr lang="en-US" altLang="en-GB">
+                <a:sym typeface="+mn-ea"/>
               </a:rPr>
-              <a:t>Optimize movie runtimes based on audience preferences; longer runtimes for Action and Adventure, and shorter runtimes for genres like Animation.</a:t>
-            </a:r>
-            <a:endParaRPr lang="en-US" sz="2400" kern="100" dirty="0">
-              <a:effectLst/>
-              <a:ea typeface="Calibri" panose="020F0502020204030204" pitchFamily="34" charset="0"/>
-              <a:cs typeface="Times New Roman" panose="02020603050405020304" pitchFamily="18" charset="0"/>
-            </a:endParaRPr>
-          </a:p>
-          <a:p>
-            <a:pPr marL="342900" lvl="0" indent="-342900">
-              <a:lnSpc>
-                <a:spcPct val="107000"/>
-              </a:lnSpc>
-              <a:spcAft>
-                <a:spcPts val="800"/>
-              </a:spcAft>
-              <a:buFont typeface="+mj-lt"/>
-              <a:buAutoNum type="arabicPeriod"/>
-              <a:tabLst>
-                <a:tab pos="457200" algn="l"/>
-              </a:tabLst>
+              <a:t>Logistic Regression is used for predicting categorical outcomes, making it suitable for multi-class classification. In this case, the model is trained on the features 'total_gross' and 'average_rating' to predict the encoded 'genres' variable.</a:t>
+            </a:r>
+            <a:endParaRPr lang="en-US" altLang="en-GB"/>
+          </a:p>
+          <a:p>
+            <a:pPr marL="0" indent="0">
+              <a:buNone/>
             </a:pPr>
             <a:r>
-              <a:rPr lang="en-US" sz="2400" kern="100" dirty="0">
-                <a:effectLst/>
-                <a:ea typeface="Calibri" panose="020F0502020204030204" pitchFamily="34" charset="0"/>
-                <a:cs typeface="Times New Roman" panose="02020603050405020304" pitchFamily="18" charset="0"/>
+              <a:rPr lang="en-US" altLang="en-GB">
+                <a:sym typeface="+mn-ea"/>
               </a:rPr>
-              <a:t>Leverage Universal Pictures for distribution due to their strong track record in generating high ratings.</a:t>
-            </a:r>
-            <a:endParaRPr lang="en-US" sz="2400" kern="100" dirty="0">
-              <a:effectLst/>
-              <a:ea typeface="Calibri" panose="020F0502020204030204" pitchFamily="34" charset="0"/>
-              <a:cs typeface="Times New Roman" panose="02020603050405020304" pitchFamily="18" charset="0"/>
-            </a:endParaRPr>
-          </a:p>
-          <a:p>
-            <a:endParaRPr lang="en-US" dirty="0"/>
+              <a:t>The data is split into training and testing sets (80% for training and 20% for testing), and the logistic regression model is fitted to the training data using model.fit(). This approach is typical for classification tasks where the goal is to estimate the probability of each class.</a:t>
+            </a:r>
+            <a:endParaRPr lang="en-US" altLang="en-GB"/>
           </a:p>
         </p:txBody>
       </p:sp>
@@ -12255,10 +12187,10 @@
           <a:lstStyle/>
           <a:p>
             <a:r>
-              <a:rPr lang="en-GB" dirty="0"/>
+              <a:rPr lang="en-GB"/>
               <a:t>GROUP ONE  PHASE TWO PROJECT</a:t>
             </a:r>
-            <a:endParaRPr lang="en-US" dirty="0"/>
+            <a:endParaRPr lang="en-US"/>
           </a:p>
         </p:txBody>
       </p:sp>
@@ -12279,6 +12211,7 @@
           <a:p>
             <a:fld id="{C4C7283F-616F-4503-ABBD-21FFB2848302}" type="slidenum">
               <a:rPr lang="en-US" smtClean="0"/>
+              <a:t>29</a:t>
             </a:fld>
             <a:endParaRPr lang="en-US"/>
           </a:p>
@@ -12344,7 +12277,6 @@
               <a:rPr lang="en-US" dirty="0"/>
               <a:t>BUSINESS UNDERSTANDING</a:t>
             </a:r>
-            <a:endParaRPr lang="en-US" dirty="0"/>
           </a:p>
         </p:txBody>
       </p:sp>
@@ -12384,9 +12316,6 @@
               </a:rPr>
               <a:t> company now sees all the big companies creating original video content and they want to get in on the fun. They have decided to create a new movie studio, but they don’t know anything about creating movies. </a:t>
             </a:r>
-            <a:endParaRPr lang="en-GB" sz="2400" b="0" i="0" dirty="0">
-              <a:effectLst/>
-            </a:endParaRPr>
           </a:p>
           <a:p>
             <a:pPr marL="342900" indent="-342900" algn="l">
@@ -12443,6 +12372,7 @@
           <a:p>
             <a:fld id="{C4C7283F-616F-4503-ABBD-21FFB2848302}" type="slidenum">
               <a:rPr lang="en-US" smtClean="0"/>
+              <a:t>3</a:t>
             </a:fld>
             <a:endParaRPr lang="en-US"/>
           </a:p>
@@ -12480,6 +12410,830 @@
             <a:spLocks noGrp="1"/>
           </p:cNvSpPr>
           <p:nvPr>
+            <p:ph type="ctrTitle"/>
+          </p:nvPr>
+        </p:nvSpPr>
+        <p:spPr>
+          <a:xfrm>
+            <a:off x="730250" y="193040"/>
+            <a:ext cx="7766685" cy="825500"/>
+          </a:xfrm>
+        </p:spPr>
+        <p:txBody>
+          <a:bodyPr/>
+          <a:lstStyle/>
+          <a:p>
+            <a:pPr algn="ctr"/>
+            <a:r>
+              <a:rPr lang="en-US" dirty="0"/>
+              <a:t>MODELING REPORT</a:t>
+            </a:r>
+          </a:p>
+        </p:txBody>
+      </p:sp>
+      <p:sp>
+        <p:nvSpPr>
+          <p:cNvPr id="3" name="Subtitle 2"/>
+          <p:cNvSpPr>
+            <a:spLocks noGrp="1"/>
+          </p:cNvSpPr>
+          <p:nvPr>
+            <p:ph type="subTitle" idx="1"/>
+          </p:nvPr>
+        </p:nvSpPr>
+        <p:spPr>
+          <a:xfrm>
+            <a:off x="1224915" y="957580"/>
+            <a:ext cx="9119235" cy="3797935"/>
+          </a:xfrm>
+        </p:spPr>
+        <p:txBody>
+          <a:bodyPr>
+            <a:noAutofit/>
+          </a:bodyPr>
+          <a:lstStyle/>
+          <a:p>
+            <a:pPr marL="0" indent="0" algn="l">
+              <a:buNone/>
+            </a:pPr>
+            <a:r>
+              <a:rPr lang="en-US" altLang="en-GB" sz="2200" b="1">
+                <a:sym typeface="+mn-ea"/>
+              </a:rPr>
+              <a:t>Ordinary Least Squares (OLS) Regression</a:t>
+            </a:r>
+            <a:endParaRPr lang="en-US" altLang="en-GB" sz="2200" dirty="0"/>
+          </a:p>
+        </p:txBody>
+      </p:sp>
+      <p:sp>
+        <p:nvSpPr>
+          <p:cNvPr id="4" name="Footer Placeholder 3"/>
+          <p:cNvSpPr>
+            <a:spLocks noGrp="1"/>
+          </p:cNvSpPr>
+          <p:nvPr>
+            <p:ph type="ftr" sz="quarter" idx="11"/>
+          </p:nvPr>
+        </p:nvSpPr>
+        <p:spPr/>
+        <p:txBody>
+          <a:bodyPr/>
+          <a:lstStyle/>
+          <a:p>
+            <a:r>
+              <a:rPr lang="en-GB"/>
+              <a:t>GROUP ONE  PHASE TWO PROJECT</a:t>
+            </a:r>
+            <a:endParaRPr lang="en-US"/>
+          </a:p>
+        </p:txBody>
+      </p:sp>
+      <p:sp>
+        <p:nvSpPr>
+          <p:cNvPr id="5" name="Slide Number Placeholder 4"/>
+          <p:cNvSpPr>
+            <a:spLocks noGrp="1"/>
+          </p:cNvSpPr>
+          <p:nvPr>
+            <p:ph type="sldNum" sz="quarter" idx="12"/>
+          </p:nvPr>
+        </p:nvSpPr>
+        <p:spPr/>
+        <p:txBody>
+          <a:bodyPr/>
+          <a:lstStyle/>
+          <a:p>
+            <a:fld id="{C4C7283F-616F-4503-ABBD-21FFB2848302}" type="slidenum">
+              <a:rPr lang="en-US" smtClean="0"/>
+              <a:t>30</a:t>
+            </a:fld>
+            <a:endParaRPr lang="en-US"/>
+          </a:p>
+        </p:txBody>
+      </p:sp>
+      <p:pic>
+        <p:nvPicPr>
+          <p:cNvPr id="6" name="Picture 5"/>
+          <p:cNvPicPr>
+            <a:picLocks noChangeAspect="1"/>
+          </p:cNvPicPr>
+          <p:nvPr/>
+        </p:nvPicPr>
+        <p:blipFill>
+          <a:blip r:embed="rId2"/>
+          <a:stretch>
+            <a:fillRect/>
+          </a:stretch>
+        </p:blipFill>
+        <p:spPr>
+          <a:xfrm>
+            <a:off x="1224280" y="1455420"/>
+            <a:ext cx="7693660" cy="4257675"/>
+          </a:xfrm>
+          <a:prstGeom prst="rect">
+            <a:avLst/>
+          </a:prstGeom>
+        </p:spPr>
+      </p:pic>
+    </p:spTree>
+  </p:cSld>
+  <p:clrMapOvr>
+    <a:masterClrMapping/>
+  </p:clrMapOvr>
+</p:sld>
+</file>
+
+<file path=ppt/slides/slide31.xml><?xml version="1.0" encoding="utf-8"?>
+<p:sld xmlns:a="http://schemas.openxmlformats.org/drawingml/2006/main" xmlns:r="http://schemas.openxmlformats.org/officeDocument/2006/relationships" xmlns:p="http://schemas.openxmlformats.org/presentationml/2006/main">
+  <p:cSld>
+    <p:spTree>
+      <p:nvGrpSpPr>
+        <p:cNvPr id="1" name=""/>
+        <p:cNvGrpSpPr/>
+        <p:nvPr/>
+      </p:nvGrpSpPr>
+      <p:grpSpPr>
+        <a:xfrm>
+          <a:off x="0" y="0"/>
+          <a:ext cx="0" cy="0"/>
+          <a:chOff x="0" y="0"/>
+          <a:chExt cx="0" cy="0"/>
+        </a:xfrm>
+      </p:grpSpPr>
+      <p:sp>
+        <p:nvSpPr>
+          <p:cNvPr id="2" name="Title 1"/>
+          <p:cNvSpPr>
+            <a:spLocks noGrp="1"/>
+          </p:cNvSpPr>
+          <p:nvPr>
+            <p:ph type="ctrTitle"/>
+          </p:nvPr>
+        </p:nvSpPr>
+        <p:spPr>
+          <a:xfrm>
+            <a:off x="518022" y="78289"/>
+            <a:ext cx="7766936" cy="1646302"/>
+          </a:xfrm>
+        </p:spPr>
+        <p:txBody>
+          <a:bodyPr/>
+          <a:lstStyle/>
+          <a:p>
+            <a:pPr algn="ctr"/>
+            <a:r>
+              <a:rPr lang="en-US" dirty="0"/>
+              <a:t>MODELING REPORT</a:t>
+            </a:r>
+          </a:p>
+        </p:txBody>
+      </p:sp>
+      <p:sp>
+        <p:nvSpPr>
+          <p:cNvPr id="3" name="Subtitle 2"/>
+          <p:cNvSpPr>
+            <a:spLocks noGrp="1"/>
+          </p:cNvSpPr>
+          <p:nvPr>
+            <p:ph type="subTitle" idx="1"/>
+          </p:nvPr>
+        </p:nvSpPr>
+        <p:spPr>
+          <a:xfrm>
+            <a:off x="1339215" y="1911350"/>
+            <a:ext cx="9119235" cy="3797935"/>
+          </a:xfrm>
+        </p:spPr>
+        <p:txBody>
+          <a:bodyPr>
+            <a:noAutofit/>
+          </a:bodyPr>
+          <a:lstStyle/>
+          <a:p>
+            <a:pPr marL="0" indent="0" algn="l">
+              <a:buNone/>
+            </a:pPr>
+            <a:r>
+              <a:rPr lang="en-US" altLang="en-GB" sz="2200" b="1">
+                <a:sym typeface="+mn-ea"/>
+              </a:rPr>
+              <a:t>Logistic Regression Model</a:t>
+            </a:r>
+          </a:p>
+          <a:p>
+            <a:pPr marL="0" indent="0" algn="l">
+              <a:buNone/>
+            </a:pPr>
+            <a:r>
+              <a:rPr lang="en-US" altLang="en-GB" sz="2200" dirty="0"/>
+              <a:t>The logistic regression model's performance is suboptimal, as reflected by the following key observations:</a:t>
+            </a:r>
+          </a:p>
+          <a:p>
+            <a:pPr marL="457200" indent="-457200" algn="l">
+              <a:buFont typeface="+mj-lt"/>
+              <a:buAutoNum type="arabicPeriod"/>
+            </a:pPr>
+            <a:r>
+              <a:rPr lang="en-US" altLang="en-GB" sz="2200" dirty="0"/>
+              <a:t>High Errors: The MAE (65.66), MSE (8101.98), and RMSE (90.01) indicate significant prediction errors on average.</a:t>
+            </a:r>
+          </a:p>
+          <a:p>
+            <a:pPr marL="457200" indent="-457200" algn="l">
+              <a:buFont typeface="+mj-lt"/>
+              <a:buAutoNum type="arabicPeriod"/>
+            </a:pPr>
+            <a:r>
+              <a:rPr lang="en-US" altLang="en-GB" sz="2200" dirty="0"/>
+              <a:t> Negative R</a:t>
+            </a:r>
+            <a:r>
+              <a:rPr lang="en-US" altLang="en-US" sz="2200" dirty="0"/>
+              <a:t>²</a:t>
+            </a:r>
+            <a:r>
+              <a:rPr lang="en-US" altLang="en-GB" sz="2200" dirty="0"/>
+              <a:t> (-0.378): The negative R</a:t>
+            </a:r>
+            <a:r>
+              <a:rPr lang="en-US" altLang="en-US" sz="2200" dirty="0"/>
+              <a:t>²</a:t>
+            </a:r>
+            <a:r>
+              <a:rPr lang="en-US" altLang="en-GB" sz="2200" dirty="0"/>
+              <a:t> suggests the model performs worse than simply predicting the mean of the target variable.</a:t>
+            </a:r>
+          </a:p>
+          <a:p>
+            <a:pPr algn="l">
+              <a:buFont typeface="+mj-lt"/>
+            </a:pPr>
+            <a:r>
+              <a:rPr lang="en-US" altLang="en-GB" sz="2200" dirty="0"/>
+              <a:t>Model Improvements Needed: The model likely requires better feature engineering, data preprocessing, and possibly a different model approach to improve accuracy and fit.</a:t>
+            </a:r>
+          </a:p>
+        </p:txBody>
+      </p:sp>
+      <p:sp>
+        <p:nvSpPr>
+          <p:cNvPr id="4" name="Footer Placeholder 3"/>
+          <p:cNvSpPr>
+            <a:spLocks noGrp="1"/>
+          </p:cNvSpPr>
+          <p:nvPr>
+            <p:ph type="ftr" sz="quarter" idx="11"/>
+          </p:nvPr>
+        </p:nvSpPr>
+        <p:spPr/>
+        <p:txBody>
+          <a:bodyPr/>
+          <a:lstStyle/>
+          <a:p>
+            <a:r>
+              <a:rPr lang="en-GB"/>
+              <a:t>GROUP ONE  PHASE TWO PROJECT</a:t>
+            </a:r>
+            <a:endParaRPr lang="en-US"/>
+          </a:p>
+        </p:txBody>
+      </p:sp>
+      <p:sp>
+        <p:nvSpPr>
+          <p:cNvPr id="5" name="Slide Number Placeholder 4"/>
+          <p:cNvSpPr>
+            <a:spLocks noGrp="1"/>
+          </p:cNvSpPr>
+          <p:nvPr>
+            <p:ph type="sldNum" sz="quarter" idx="12"/>
+          </p:nvPr>
+        </p:nvSpPr>
+        <p:spPr/>
+        <p:txBody>
+          <a:bodyPr/>
+          <a:lstStyle/>
+          <a:p>
+            <a:fld id="{C4C7283F-616F-4503-ABBD-21FFB2848302}" type="slidenum">
+              <a:rPr lang="en-US" smtClean="0"/>
+              <a:t>31</a:t>
+            </a:fld>
+            <a:endParaRPr lang="en-US"/>
+          </a:p>
+        </p:txBody>
+      </p:sp>
+    </p:spTree>
+  </p:cSld>
+  <p:clrMapOvr>
+    <a:masterClrMapping/>
+  </p:clrMapOvr>
+</p:sld>
+</file>
+
+<file path=ppt/slides/slide32.xml><?xml version="1.0" encoding="utf-8"?>
+<p:sld xmlns:a="http://schemas.openxmlformats.org/drawingml/2006/main" xmlns:r="http://schemas.openxmlformats.org/officeDocument/2006/relationships" xmlns:p="http://schemas.openxmlformats.org/presentationml/2006/main">
+  <p:cSld>
+    <p:spTree>
+      <p:nvGrpSpPr>
+        <p:cNvPr id="1" name=""/>
+        <p:cNvGrpSpPr/>
+        <p:nvPr/>
+      </p:nvGrpSpPr>
+      <p:grpSpPr>
+        <a:xfrm>
+          <a:off x="0" y="0"/>
+          <a:ext cx="0" cy="0"/>
+          <a:chOff x="0" y="0"/>
+          <a:chExt cx="0" cy="0"/>
+        </a:xfrm>
+      </p:grpSpPr>
+      <p:sp>
+        <p:nvSpPr>
+          <p:cNvPr id="2" name="Title 1"/>
+          <p:cNvSpPr>
+            <a:spLocks noGrp="1"/>
+          </p:cNvSpPr>
+          <p:nvPr>
+            <p:ph type="title"/>
+          </p:nvPr>
+        </p:nvSpPr>
+        <p:spPr>
+          <a:xfrm>
+            <a:off x="677334" y="609600"/>
+            <a:ext cx="8596668" cy="660400"/>
+          </a:xfrm>
+        </p:spPr>
+        <p:txBody>
+          <a:bodyPr>
+            <a:normAutofit fontScale="90000"/>
+          </a:bodyPr>
+          <a:lstStyle/>
+          <a:p>
+            <a:r>
+              <a:rPr lang="en-US" sz="4400" dirty="0"/>
+              <a:t>CONCLUSION</a:t>
+            </a:r>
+          </a:p>
+        </p:txBody>
+      </p:sp>
+      <p:sp>
+        <p:nvSpPr>
+          <p:cNvPr id="3" name="Content Placeholder 2"/>
+          <p:cNvSpPr>
+            <a:spLocks noGrp="1"/>
+          </p:cNvSpPr>
+          <p:nvPr>
+            <p:ph idx="1"/>
+          </p:nvPr>
+        </p:nvSpPr>
+        <p:spPr>
+          <a:xfrm>
+            <a:off x="335664" y="1270000"/>
+            <a:ext cx="8453773" cy="3880773"/>
+          </a:xfrm>
+        </p:spPr>
+        <p:txBody>
+          <a:bodyPr>
+            <a:normAutofit fontScale="92500"/>
+          </a:bodyPr>
+          <a:lstStyle/>
+          <a:p>
+            <a:pPr algn="l">
+              <a:buFont typeface="Wingdings" panose="05000000000000000000" pitchFamily="2" charset="2"/>
+              <a:buChar char="v"/>
+            </a:pPr>
+            <a:r>
+              <a:rPr lang="en-US" altLang="en-GB" sz="2000" dirty="0">
+                <a:cs typeface="+mj-lt"/>
+              </a:rPr>
+              <a:t>From the analysis, it is clear that the Drama genre enjoys the highest ratings, but its box office success fluctuates over time. While the Adventure, Comedy, and Sci-Fi genres remain the highest-selling genres, this is likely due to their broad appeal and entertainment value. </a:t>
+            </a:r>
+          </a:p>
+          <a:p>
+            <a:pPr algn="l">
+              <a:buFont typeface="Wingdings" panose="05000000000000000000" pitchFamily="2" charset="2"/>
+              <a:buChar char="v"/>
+            </a:pPr>
+            <a:r>
+              <a:rPr lang="en-US" altLang="en-GB" sz="2000" dirty="0">
+                <a:cs typeface="+mj-lt"/>
+              </a:rPr>
+              <a:t>Directors like Clint Eastwood(with strong  reputations) and Jay Roach(on sales) contribute significantly to the sales, with their strong reputations and professional standards. The ratings analysis also highlights the R rating's popularity, reflecting the tastes of adult audiences. </a:t>
+            </a:r>
+          </a:p>
+          <a:p>
+            <a:pPr algn="l">
+              <a:buFont typeface="Wingdings" panose="05000000000000000000" pitchFamily="2" charset="2"/>
+              <a:buChar char="v"/>
+            </a:pPr>
+            <a:r>
+              <a:rPr lang="en-US" altLang="en-GB" sz="2000" dirty="0">
+                <a:cs typeface="+mj-lt"/>
+              </a:rPr>
+              <a:t>Overall, the variability in movie sales and ratings over the years is likely driven by factors such as market dynamics, audience preferences, and the quality of direction and production.</a:t>
+            </a:r>
+          </a:p>
+          <a:p>
+            <a:pPr algn="l">
+              <a:buFont typeface="+mj-lt"/>
+              <a:buAutoNum type="arabicPeriod"/>
+            </a:pPr>
+            <a:endParaRPr lang="en-GB" b="0" i="0" dirty="0">
+              <a:solidFill>
+                <a:srgbClr val="1F2328"/>
+              </a:solidFill>
+              <a:effectLst/>
+              <a:latin typeface="+mj-lt"/>
+              <a:cs typeface="+mj-lt"/>
+            </a:endParaRPr>
+          </a:p>
+          <a:p>
+            <a:endParaRPr lang="en-US" sz="4000" dirty="0">
+              <a:latin typeface="+mj-lt"/>
+              <a:cs typeface="+mj-lt"/>
+            </a:endParaRPr>
+          </a:p>
+          <a:p>
+            <a:endParaRPr lang="en-US" dirty="0">
+              <a:latin typeface="+mj-lt"/>
+              <a:cs typeface="+mj-lt"/>
+            </a:endParaRPr>
+          </a:p>
+        </p:txBody>
+      </p:sp>
+      <p:sp>
+        <p:nvSpPr>
+          <p:cNvPr id="4" name="Footer Placeholder 3"/>
+          <p:cNvSpPr>
+            <a:spLocks noGrp="1"/>
+          </p:cNvSpPr>
+          <p:nvPr>
+            <p:ph type="ftr" sz="quarter" idx="11"/>
+          </p:nvPr>
+        </p:nvSpPr>
+        <p:spPr/>
+        <p:txBody>
+          <a:bodyPr/>
+          <a:lstStyle/>
+          <a:p>
+            <a:r>
+              <a:rPr lang="en-GB"/>
+              <a:t>GROUP ONE  PHASE TWO PROJECT</a:t>
+            </a:r>
+            <a:endParaRPr lang="en-US"/>
+          </a:p>
+        </p:txBody>
+      </p:sp>
+      <p:sp>
+        <p:nvSpPr>
+          <p:cNvPr id="5" name="Slide Number Placeholder 4"/>
+          <p:cNvSpPr>
+            <a:spLocks noGrp="1"/>
+          </p:cNvSpPr>
+          <p:nvPr>
+            <p:ph type="sldNum" sz="quarter" idx="12"/>
+          </p:nvPr>
+        </p:nvSpPr>
+        <p:spPr/>
+        <p:txBody>
+          <a:bodyPr/>
+          <a:lstStyle/>
+          <a:p>
+            <a:fld id="{C4C7283F-616F-4503-ABBD-21FFB2848302}" type="slidenum">
+              <a:rPr lang="en-US" smtClean="0"/>
+              <a:t>32</a:t>
+            </a:fld>
+            <a:endParaRPr lang="en-US"/>
+          </a:p>
+        </p:txBody>
+      </p:sp>
+    </p:spTree>
+  </p:cSld>
+  <p:clrMapOvr>
+    <a:masterClrMapping/>
+  </p:clrMapOvr>
+</p:sld>
+</file>
+
+<file path=ppt/slides/slide33.xml><?xml version="1.0" encoding="utf-8"?>
+<p:sld xmlns:a="http://schemas.openxmlformats.org/drawingml/2006/main" xmlns:r="http://schemas.openxmlformats.org/officeDocument/2006/relationships" xmlns:p="http://schemas.openxmlformats.org/presentationml/2006/main">
+  <p:cSld>
+    <p:spTree>
+      <p:nvGrpSpPr>
+        <p:cNvPr id="1" name=""/>
+        <p:cNvGrpSpPr/>
+        <p:nvPr/>
+      </p:nvGrpSpPr>
+      <p:grpSpPr>
+        <a:xfrm>
+          <a:off x="0" y="0"/>
+          <a:ext cx="0" cy="0"/>
+          <a:chOff x="0" y="0"/>
+          <a:chExt cx="0" cy="0"/>
+        </a:xfrm>
+      </p:grpSpPr>
+      <p:sp>
+        <p:nvSpPr>
+          <p:cNvPr id="2" name="Title 1"/>
+          <p:cNvSpPr>
+            <a:spLocks noGrp="1"/>
+          </p:cNvSpPr>
+          <p:nvPr>
+            <p:ph type="title"/>
+          </p:nvPr>
+        </p:nvSpPr>
+        <p:spPr/>
+        <p:txBody>
+          <a:bodyPr/>
+          <a:lstStyle/>
+          <a:p>
+            <a:r>
+              <a:rPr lang="en-US" b="1" dirty="0"/>
+              <a:t>ACKNOWLEDGEMENT</a:t>
+            </a:r>
+            <a:endParaRPr lang="en-US" dirty="0"/>
+          </a:p>
+        </p:txBody>
+      </p:sp>
+      <p:sp>
+        <p:nvSpPr>
+          <p:cNvPr id="3" name="Content Placeholder 2"/>
+          <p:cNvSpPr>
+            <a:spLocks noGrp="1"/>
+          </p:cNvSpPr>
+          <p:nvPr>
+            <p:ph idx="1"/>
+          </p:nvPr>
+        </p:nvSpPr>
+        <p:spPr>
+          <a:xfrm>
+            <a:off x="677334" y="1270000"/>
+            <a:ext cx="8596668" cy="3880773"/>
+          </a:xfrm>
+        </p:spPr>
+        <p:txBody>
+          <a:bodyPr>
+            <a:normAutofit/>
+          </a:bodyPr>
+          <a:lstStyle/>
+          <a:p>
+            <a:r>
+              <a:rPr lang="en-US" sz="2000" dirty="0"/>
+              <a:t>We would like to acknowledge all the group one members for working tirelessly to contribute to this project:</a:t>
+            </a:r>
+          </a:p>
+          <a:p>
+            <a:r>
+              <a:rPr lang="en-US" sz="2000" dirty="0"/>
+              <a:t>We would also like to pass our regard tour technical mentor </a:t>
+            </a:r>
+            <a:r>
+              <a:rPr lang="en-US" sz="2000" dirty="0" err="1"/>
+              <a:t>MR.William</a:t>
+            </a:r>
+            <a:r>
+              <a:rPr lang="en-US" sz="2000" dirty="0"/>
+              <a:t> </a:t>
+            </a:r>
+            <a:r>
+              <a:rPr lang="en-US" sz="2000" dirty="0" err="1"/>
+              <a:t>Okomba</a:t>
+            </a:r>
+            <a:r>
+              <a:rPr lang="en-US" sz="2000" dirty="0"/>
+              <a:t> having shaped our journey of learning  data science. </a:t>
+            </a:r>
+          </a:p>
+          <a:p>
+            <a:r>
+              <a:rPr lang="en-US" sz="2000" dirty="0"/>
+              <a:t>All our colleagues who have been helping us to debug whenever in need.</a:t>
+            </a:r>
+          </a:p>
+        </p:txBody>
+      </p:sp>
+      <p:sp>
+        <p:nvSpPr>
+          <p:cNvPr id="4" name="Footer Placeholder 3"/>
+          <p:cNvSpPr>
+            <a:spLocks noGrp="1"/>
+          </p:cNvSpPr>
+          <p:nvPr>
+            <p:ph type="ftr" sz="quarter" idx="11"/>
+          </p:nvPr>
+        </p:nvSpPr>
+        <p:spPr/>
+        <p:txBody>
+          <a:bodyPr/>
+          <a:lstStyle/>
+          <a:p>
+            <a:r>
+              <a:rPr lang="en-GB"/>
+              <a:t>GROUP ONE  PHASE TWO PROJECT</a:t>
+            </a:r>
+            <a:endParaRPr lang="en-US"/>
+          </a:p>
+        </p:txBody>
+      </p:sp>
+      <p:sp>
+        <p:nvSpPr>
+          <p:cNvPr id="5" name="Slide Number Placeholder 4"/>
+          <p:cNvSpPr>
+            <a:spLocks noGrp="1"/>
+          </p:cNvSpPr>
+          <p:nvPr>
+            <p:ph type="sldNum" sz="quarter" idx="12"/>
+          </p:nvPr>
+        </p:nvSpPr>
+        <p:spPr/>
+        <p:txBody>
+          <a:bodyPr/>
+          <a:lstStyle/>
+          <a:p>
+            <a:fld id="{C4C7283F-616F-4503-ABBD-21FFB2848302}" type="slidenum">
+              <a:rPr lang="en-US" smtClean="0"/>
+              <a:t>33</a:t>
+            </a:fld>
+            <a:endParaRPr lang="en-US"/>
+          </a:p>
+        </p:txBody>
+      </p:sp>
+    </p:spTree>
+  </p:cSld>
+  <p:clrMapOvr>
+    <a:masterClrMapping/>
+  </p:clrMapOvr>
+</p:sld>
+</file>
+
+<file path=ppt/slides/slide34.xml><?xml version="1.0" encoding="utf-8"?>
+<p:sld xmlns:a="http://schemas.openxmlformats.org/drawingml/2006/main" xmlns:r="http://schemas.openxmlformats.org/officeDocument/2006/relationships" xmlns:p="http://schemas.openxmlformats.org/presentationml/2006/main">
+  <p:cSld>
+    <p:spTree>
+      <p:nvGrpSpPr>
+        <p:cNvPr id="1" name=""/>
+        <p:cNvGrpSpPr/>
+        <p:nvPr/>
+      </p:nvGrpSpPr>
+      <p:grpSpPr>
+        <a:xfrm>
+          <a:off x="0" y="0"/>
+          <a:ext cx="0" cy="0"/>
+          <a:chOff x="0" y="0"/>
+          <a:chExt cx="0" cy="0"/>
+        </a:xfrm>
+      </p:grpSpPr>
+      <p:sp>
+        <p:nvSpPr>
+          <p:cNvPr id="2" name="Title 1"/>
+          <p:cNvSpPr>
+            <a:spLocks noGrp="1"/>
+          </p:cNvSpPr>
+          <p:nvPr>
+            <p:ph type="title"/>
+          </p:nvPr>
+        </p:nvSpPr>
+        <p:spPr>
+          <a:xfrm>
+            <a:off x="677334" y="451513"/>
+            <a:ext cx="8596668" cy="818487"/>
+          </a:xfrm>
+        </p:spPr>
+        <p:txBody>
+          <a:bodyPr>
+            <a:normAutofit/>
+          </a:bodyPr>
+          <a:lstStyle/>
+          <a:p>
+            <a:pPr algn="ctr"/>
+            <a:r>
+              <a:rPr lang="en-US" sz="4400" dirty="0"/>
+              <a:t>The Future?</a:t>
+            </a:r>
+          </a:p>
+        </p:txBody>
+      </p:sp>
+      <p:sp>
+        <p:nvSpPr>
+          <p:cNvPr id="3" name="Content Placeholder 2"/>
+          <p:cNvSpPr>
+            <a:spLocks noGrp="1"/>
+          </p:cNvSpPr>
+          <p:nvPr>
+            <p:ph idx="1"/>
+          </p:nvPr>
+        </p:nvSpPr>
+        <p:spPr>
+          <a:xfrm>
+            <a:off x="677334" y="1270000"/>
+            <a:ext cx="8596668" cy="3880773"/>
+          </a:xfrm>
+        </p:spPr>
+        <p:txBody>
+          <a:bodyPr>
+            <a:normAutofit/>
+          </a:bodyPr>
+          <a:lstStyle/>
+          <a:p>
+            <a:pPr marL="0" lvl="0" indent="0">
+              <a:lnSpc>
+                <a:spcPct val="107000"/>
+              </a:lnSpc>
+              <a:spcAft>
+                <a:spcPts val="800"/>
+              </a:spcAft>
+              <a:buFont typeface="+mj-lt"/>
+              <a:buNone/>
+              <a:tabLst>
+                <a:tab pos="457200" algn="l"/>
+              </a:tabLst>
+            </a:pPr>
+            <a:r>
+              <a:rPr lang="en-US" altLang="en-GB" sz="2200" dirty="0"/>
+              <a:t>We are certain that these insights would go along way to have an impact on the business ;In future think of partnering with me for further insightful analysis for impactful data driven strategies bridging the gap between numbers and meaningful decisions.</a:t>
+            </a:r>
+          </a:p>
+        </p:txBody>
+      </p:sp>
+      <p:sp>
+        <p:nvSpPr>
+          <p:cNvPr id="4" name="Footer Placeholder 3"/>
+          <p:cNvSpPr>
+            <a:spLocks noGrp="1"/>
+          </p:cNvSpPr>
+          <p:nvPr>
+            <p:ph type="ftr" sz="quarter" idx="11"/>
+          </p:nvPr>
+        </p:nvSpPr>
+        <p:spPr/>
+        <p:txBody>
+          <a:bodyPr/>
+          <a:lstStyle/>
+          <a:p>
+            <a:r>
+              <a:rPr lang="en-GB" dirty="0"/>
+              <a:t>GROUP ONE  PHASE TWO PROJECT</a:t>
+            </a:r>
+            <a:endParaRPr lang="en-US" dirty="0"/>
+          </a:p>
+        </p:txBody>
+      </p:sp>
+      <p:sp>
+        <p:nvSpPr>
+          <p:cNvPr id="5" name="Slide Number Placeholder 4"/>
+          <p:cNvSpPr>
+            <a:spLocks noGrp="1"/>
+          </p:cNvSpPr>
+          <p:nvPr>
+            <p:ph type="sldNum" sz="quarter" idx="12"/>
+          </p:nvPr>
+        </p:nvSpPr>
+        <p:spPr/>
+        <p:txBody>
+          <a:bodyPr/>
+          <a:lstStyle/>
+          <a:p>
+            <a:fld id="{C4C7283F-616F-4503-ABBD-21FFB2848302}" type="slidenum">
+              <a:rPr lang="en-US" smtClean="0"/>
+              <a:t>34</a:t>
+            </a:fld>
+            <a:endParaRPr lang="en-US"/>
+          </a:p>
+        </p:txBody>
+      </p:sp>
+    </p:spTree>
+  </p:cSld>
+  <p:clrMapOvr>
+    <a:masterClrMapping/>
+  </p:clrMapOvr>
+</p:sld>
+</file>
+
+<file path=ppt/slides/slide35.xml><?xml version="1.0" encoding="utf-8"?>
+<p:sld xmlns:a="http://schemas.openxmlformats.org/drawingml/2006/main" xmlns:r="http://schemas.openxmlformats.org/officeDocument/2006/relationships" xmlns:p="http://schemas.openxmlformats.org/presentationml/2006/main">
+  <p:cSld>
+    <p:spTree>
+      <p:nvGrpSpPr>
+        <p:cNvPr id="1" name=""/>
+        <p:cNvGrpSpPr/>
+        <p:nvPr/>
+      </p:nvGrpSpPr>
+      <p:grpSpPr>
+        <a:xfrm>
+          <a:off x="0" y="0"/>
+          <a:ext cx="0" cy="0"/>
+          <a:chOff x="0" y="0"/>
+          <a:chExt cx="0" cy="0"/>
+        </a:xfrm>
+      </p:grpSpPr>
+      <p:sp>
+        <p:nvSpPr>
+          <p:cNvPr id="2" name="Title 1"/>
+          <p:cNvSpPr>
+            <a:spLocks noGrp="1"/>
+          </p:cNvSpPr>
+          <p:nvPr>
             <p:ph type="title"/>
           </p:nvPr>
         </p:nvSpPr>
@@ -12510,25 +13264,6 @@
         <p:txBody>
           <a:bodyPr/>
           <a:lstStyle/>
-          <a:p>
-            <a:pPr marL="342900" indent="-342900">
-              <a:buAutoNum type="arabicPeriod"/>
-            </a:pPr>
-            <a:r>
-              <a:rPr lang="en-US" u="sng" dirty="0">
-                <a:solidFill>
-                  <a:schemeClr val="accent1"/>
-                </a:solidFill>
-                <a:hlinkClick r:id="rId1"/>
-              </a:rPr>
-              <a:t>catherine.kiptui@student.moringaschool.com</a:t>
-            </a:r>
-            <a:endParaRPr lang="en-US" u="sng" dirty="0">
-              <a:solidFill>
-                <a:schemeClr val="accent1"/>
-              </a:solidFill>
-            </a:endParaRPr>
-          </a:p>
           <a:p>
             <a:pPr marL="342900" indent="-342900">
               <a:buAutoNum type="arabicPeriod"/>
@@ -12540,7 +13275,7 @@
                 </a:solidFill>
                 <a:hlinkClick r:id="rId2"/>
               </a:rPr>
-              <a:t>michellekavetza@gmail.com</a:t>
+              <a:t>catherine.kiptui@student.moringaschool.com</a:t>
             </a:r>
             <a:endParaRPr lang="en-US" u="sng" dirty="0">
               <a:solidFill>
@@ -12559,7 +13294,7 @@
                 </a:solidFill>
                 <a:hlinkClick r:id="rId3"/>
               </a:rPr>
-              <a:t>gateromichael@gmail.com</a:t>
+              <a:t>michellekavetza@gmail.com</a:t>
             </a:r>
             <a:endParaRPr lang="en-US" u="sng" dirty="0">
               <a:solidFill>
@@ -12568,8 +13303,7 @@
             </a:endParaRPr>
           </a:p>
           <a:p>
-            <a:pPr>
-              <a:buFont typeface="+mj-lt"/>
+            <a:pPr marL="342900" indent="-342900">
               <a:buAutoNum type="arabicPeriod"/>
             </a:pPr>
             <a:r>
@@ -12579,7 +13313,7 @@
                 </a:solidFill>
                 <a:hlinkClick r:id="rId4"/>
               </a:rPr>
-              <a:t>noordinoordino470@gmail.com</a:t>
+              <a:t>gateromichael@gmail.com</a:t>
             </a:r>
             <a:endParaRPr lang="en-US" u="sng" dirty="0">
               <a:solidFill>
@@ -12598,6 +13332,26 @@
                   <a:schemeClr val="accent1"/>
                 </a:solidFill>
                 <a:hlinkClick r:id="rId5"/>
+              </a:rPr>
+              <a:t>noordinoordino470@gmail.com</a:t>
+            </a:r>
+            <a:endParaRPr lang="en-US" u="sng" dirty="0">
+              <a:solidFill>
+                <a:schemeClr val="accent1"/>
+              </a:solidFill>
+            </a:endParaRPr>
+          </a:p>
+          <a:p>
+            <a:pPr>
+              <a:buFont typeface="+mj-lt"/>
+              <a:buAutoNum type="arabicPeriod"/>
+            </a:pPr>
+            <a:r>
+              <a:rPr lang="en-US" u="sng" dirty="0">
+                <a:solidFill>
+                  <a:schemeClr val="accent1"/>
+                </a:solidFill>
+                <a:hlinkClick r:id="rId6"/>
               </a:rPr>
               <a:t>kennethnyangweso99@gmail.com</a:t>
             </a:r>
@@ -12641,11 +13395,6 @@
               </a:rPr>
               <a:t>segomich227@gmail.com</a:t>
             </a:r>
-            <a:endParaRPr lang="en-US" u="sng" dirty="0">
-              <a:solidFill>
-                <a:schemeClr val="accent1"/>
-              </a:solidFill>
-            </a:endParaRPr>
           </a:p>
           <a:p>
             <a:pPr marL="342900" indent="-342900">
@@ -12698,6 +13447,108 @@
           <a:p>
             <a:fld id="{C4C7283F-616F-4503-ABBD-21FFB2848302}" type="slidenum">
               <a:rPr lang="en-US" smtClean="0"/>
+              <a:t>35</a:t>
+            </a:fld>
+            <a:endParaRPr lang="en-US"/>
+          </a:p>
+        </p:txBody>
+      </p:sp>
+    </p:spTree>
+  </p:cSld>
+  <p:clrMapOvr>
+    <a:masterClrMapping/>
+  </p:clrMapOvr>
+</p:sld>
+</file>
+
+<file path=ppt/slides/slide36.xml><?xml version="1.0" encoding="utf-8"?>
+<p:sld xmlns:a="http://schemas.openxmlformats.org/drawingml/2006/main" xmlns:r="http://schemas.openxmlformats.org/officeDocument/2006/relationships" xmlns:p="http://schemas.openxmlformats.org/presentationml/2006/main">
+  <p:cSld>
+    <p:spTree>
+      <p:nvGrpSpPr>
+        <p:cNvPr id="1" name=""/>
+        <p:cNvGrpSpPr/>
+        <p:nvPr/>
+      </p:nvGrpSpPr>
+      <p:grpSpPr>
+        <a:xfrm>
+          <a:off x="0" y="0"/>
+          <a:ext cx="0" cy="0"/>
+          <a:chOff x="0" y="0"/>
+          <a:chExt cx="0" cy="0"/>
+        </a:xfrm>
+      </p:grpSpPr>
+      <p:sp>
+        <p:nvSpPr>
+          <p:cNvPr id="2" name="Title 1"/>
+          <p:cNvSpPr>
+            <a:spLocks noGrp="1"/>
+          </p:cNvSpPr>
+          <p:nvPr>
+            <p:ph type="title"/>
+          </p:nvPr>
+        </p:nvSpPr>
+        <p:spPr>
+          <a:xfrm>
+            <a:off x="970915" y="1668145"/>
+            <a:ext cx="8596630" cy="2008505"/>
+          </a:xfrm>
+        </p:spPr>
+        <p:txBody>
+          <a:bodyPr>
+            <a:normAutofit/>
+          </a:bodyPr>
+          <a:lstStyle/>
+          <a:p>
+            <a:pPr algn="ctr"/>
+            <a:r>
+              <a:rPr lang="en-US" sz="11500" dirty="0"/>
+              <a:t>Questions?</a:t>
+            </a:r>
+          </a:p>
+        </p:txBody>
+      </p:sp>
+      <p:sp>
+        <p:nvSpPr>
+          <p:cNvPr id="4" name="Footer Placeholder 3"/>
+          <p:cNvSpPr>
+            <a:spLocks noGrp="1"/>
+          </p:cNvSpPr>
+          <p:nvPr>
+            <p:ph type="ftr" sz="quarter" idx="11"/>
+          </p:nvPr>
+        </p:nvSpPr>
+        <p:spPr/>
+        <p:txBody>
+          <a:bodyPr/>
+          <a:lstStyle/>
+          <a:p>
+            <a:r>
+              <a:rPr lang="en-GB" dirty="0"/>
+              <a:t>GROUP ONE  PHASE TWO PROJECT</a:t>
+            </a:r>
+            <a:endParaRPr lang="en-US" dirty="0"/>
+          </a:p>
+        </p:txBody>
+      </p:sp>
+      <p:sp>
+        <p:nvSpPr>
+          <p:cNvPr id="5" name="Slide Number Placeholder 4"/>
+          <p:cNvSpPr>
+            <a:spLocks noGrp="1"/>
+          </p:cNvSpPr>
+          <p:nvPr>
+            <p:ph type="sldNum" sz="quarter" idx="12"/>
+          </p:nvPr>
+        </p:nvSpPr>
+        <p:spPr/>
+        <p:txBody>
+          <a:bodyPr/>
+          <a:lstStyle/>
+          <a:p>
+            <a:fld id="{C4C7283F-616F-4503-ABBD-21FFB2848302}" type="slidenum">
+              <a:rPr lang="en-US" smtClean="0"/>
+              <a:t>36</a:t>
             </a:fld>
             <a:endParaRPr lang="en-US"/>
           </a:p>
@@ -12749,7 +13600,6 @@
               <a:rPr lang="en-US" sz="4400" dirty="0"/>
               <a:t>DATA UNDERSTANDING</a:t>
             </a:r>
-            <a:endParaRPr lang="en-US" sz="4400" dirty="0"/>
           </a:p>
         </p:txBody>
       </p:sp>
@@ -12785,9 +13635,6 @@
               </a:rPr>
               <a:t>Here will need to understand our data. This involves getting the relevant information from each dataset crucial for our analysis.</a:t>
             </a:r>
-            <a:endParaRPr lang="en-GB" sz="2600" b="0" i="0" dirty="0">
-              <a:effectLst/>
-            </a:endParaRPr>
           </a:p>
           <a:p>
             <a:pPr algn="l">
@@ -12800,9 +13647,6 @@
               </a:rPr>
               <a:t>We start by loading the various datasets reviewing their various information based on the columns and check which information is necessary for our analysis before beginning the data cleaning.</a:t>
             </a:r>
-            <a:endParaRPr lang="en-GB" sz="2600" b="0" i="0" dirty="0">
-              <a:effectLst/>
-            </a:endParaRPr>
           </a:p>
           <a:p>
             <a:pPr marL="0" indent="0" algn="l">
@@ -12901,11 +13745,6 @@
               </a:rPr>
               <a:t> trends in revenue over time.</a:t>
             </a:r>
-            <a:endParaRPr lang="en-US" sz="2600" kern="100" dirty="0">
-              <a:effectLst/>
-              <a:ea typeface="Calibri" panose="020F0502020204030204" pitchFamily="34" charset="0"/>
-              <a:cs typeface="Times New Roman" panose="02020603050405020304" pitchFamily="18" charset="0"/>
-            </a:endParaRPr>
           </a:p>
           <a:p>
             <a:endParaRPr lang="en-US" dirty="0"/>
@@ -12952,6 +13791,7 @@
           <a:p>
             <a:fld id="{C4C7283F-616F-4503-ABBD-21FFB2848302}" type="slidenum">
               <a:rPr lang="en-US" smtClean="0"/>
+              <a:t>4</a:t>
             </a:fld>
             <a:endParaRPr lang="en-US"/>
           </a:p>
@@ -13067,12 +13907,6 @@
               </a:rPr>
               <a:t>: Aggregated weekend earnings, helpful for identifying peaks in movie viewership.</a:t>
             </a:r>
-            <a:endParaRPr lang="en-US" sz="2400" kern="100" dirty="0">
-              <a:effectLst/>
-              <a:latin typeface="Calibri" panose="020F0502020204030204" pitchFamily="34" charset="0"/>
-              <a:ea typeface="Calibri" panose="020F0502020204030204" pitchFamily="34" charset="0"/>
-              <a:cs typeface="Times New Roman" panose="02020603050405020304" pitchFamily="18" charset="0"/>
-            </a:endParaRPr>
           </a:p>
           <a:p>
             <a:pPr marL="342900" lvl="0" indent="-342900">
@@ -13107,12 +13941,6 @@
               </a:rPr>
               <a:t>: Total earnings over time for each movie.</a:t>
             </a:r>
-            <a:endParaRPr lang="en-US" sz="2400" kern="100" dirty="0">
-              <a:effectLst/>
-              <a:latin typeface="Calibri" panose="020F0502020204030204" pitchFamily="34" charset="0"/>
-              <a:ea typeface="Calibri" panose="020F0502020204030204" pitchFamily="34" charset="0"/>
-              <a:cs typeface="Times New Roman" panose="02020603050405020304" pitchFamily="18" charset="0"/>
-            </a:endParaRPr>
           </a:p>
           <a:p>
             <a:pPr>
@@ -13172,12 +14000,6 @@
               </a:rPr>
               <a:t>: Basic information about movies, such as title, genre, release date, and distributor.</a:t>
             </a:r>
-            <a:endParaRPr lang="en-US" sz="2400" kern="100" dirty="0">
-              <a:effectLst/>
-              <a:latin typeface="Calibri" panose="020F0502020204030204" pitchFamily="34" charset="0"/>
-              <a:ea typeface="Calibri" panose="020F0502020204030204" pitchFamily="34" charset="0"/>
-              <a:cs typeface="Times New Roman" panose="02020603050405020304" pitchFamily="18" charset="0"/>
-            </a:endParaRPr>
           </a:p>
           <a:p>
             <a:pPr marL="342900" lvl="0" indent="-342900">
@@ -13230,12 +14052,6 @@
               </a:rPr>
               <a:t> how genres or ratings affect performance</a:t>
             </a:r>
-            <a:endParaRPr lang="en-US" sz="2400" kern="100" dirty="0">
-              <a:effectLst/>
-              <a:latin typeface="Calibri" panose="020F0502020204030204" pitchFamily="34" charset="0"/>
-              <a:ea typeface="Calibri" panose="020F0502020204030204" pitchFamily="34" charset="0"/>
-              <a:cs typeface="Times New Roman" panose="02020603050405020304" pitchFamily="18" charset="0"/>
-            </a:endParaRPr>
           </a:p>
           <a:p>
             <a:pPr>
@@ -13313,12 +14129,6 @@
               </a:rPr>
               <a:t> revenue streams.</a:t>
             </a:r>
-            <a:endParaRPr lang="en-US" sz="2400" kern="100" dirty="0">
-              <a:effectLst/>
-              <a:latin typeface="Calibri" panose="020F0502020204030204" pitchFamily="34" charset="0"/>
-              <a:ea typeface="Calibri" panose="020F0502020204030204" pitchFamily="34" charset="0"/>
-              <a:cs typeface="Times New Roman" panose="02020603050405020304" pitchFamily="18" charset="0"/>
-            </a:endParaRPr>
           </a:p>
           <a:p>
             <a:pPr marL="342900" lvl="0" indent="-342900">
@@ -13353,12 +14163,6 @@
               </a:rPr>
               <a:t>: Can show trends in digital distribution.</a:t>
             </a:r>
-            <a:endParaRPr lang="en-US" sz="2400" kern="100" dirty="0">
-              <a:effectLst/>
-              <a:latin typeface="Calibri" panose="020F0502020204030204" pitchFamily="34" charset="0"/>
-              <a:ea typeface="Calibri" panose="020F0502020204030204" pitchFamily="34" charset="0"/>
-              <a:cs typeface="Times New Roman" panose="02020603050405020304" pitchFamily="18" charset="0"/>
-            </a:endParaRPr>
           </a:p>
           <a:p>
             <a:pPr>
@@ -13436,12 +14240,6 @@
               </a:rPr>
               <a:t> how different studios perform over time.</a:t>
             </a:r>
-            <a:endParaRPr lang="en-US" sz="2400" kern="100" dirty="0">
-              <a:effectLst/>
-              <a:latin typeface="Calibri" panose="020F0502020204030204" pitchFamily="34" charset="0"/>
-              <a:ea typeface="Calibri" panose="020F0502020204030204" pitchFamily="34" charset="0"/>
-              <a:cs typeface="Times New Roman" panose="02020603050405020304" pitchFamily="18" charset="0"/>
-            </a:endParaRPr>
           </a:p>
           <a:p>
             <a:pPr marL="342900" lvl="0" indent="-342900">
@@ -13476,12 +14274,6 @@
               </a:rPr>
               <a:t>: Useful for cross-region comparison and global trends.</a:t>
             </a:r>
-            <a:endParaRPr lang="en-US" sz="2400" kern="100" dirty="0">
-              <a:effectLst/>
-              <a:latin typeface="Calibri" panose="020F0502020204030204" pitchFamily="34" charset="0"/>
-              <a:ea typeface="Calibri" panose="020F0502020204030204" pitchFamily="34" charset="0"/>
-              <a:cs typeface="Times New Roman" panose="02020603050405020304" pitchFamily="18" charset="0"/>
-            </a:endParaRPr>
           </a:p>
           <a:p>
             <a:endParaRPr lang="en-US" sz="2400" dirty="0"/>
@@ -13528,6 +14320,7 @@
           <a:p>
             <a:fld id="{C4C7283F-616F-4503-ABBD-21FFB2848302}" type="slidenum">
               <a:rPr lang="en-US" smtClean="0"/>
+              <a:t>5</a:t>
             </a:fld>
             <a:endParaRPr lang="en-US"/>
           </a:p>
@@ -13643,12 +14436,6 @@
               </a:rPr>
               <a:t>: Aggregated weekend earnings, helpful for identifying peaks in movie viewership.</a:t>
             </a:r>
-            <a:endParaRPr lang="en-US" sz="2400" kern="100" dirty="0">
-              <a:effectLst/>
-              <a:latin typeface="Calibri" panose="020F0502020204030204" pitchFamily="34" charset="0"/>
-              <a:ea typeface="Calibri" panose="020F0502020204030204" pitchFamily="34" charset="0"/>
-              <a:cs typeface="Times New Roman" panose="02020603050405020304" pitchFamily="18" charset="0"/>
-            </a:endParaRPr>
           </a:p>
           <a:p>
             <a:pPr marL="342900" lvl="0" indent="-342900">
@@ -13683,12 +14470,6 @@
               </a:rPr>
               <a:t>: Total earnings over time for each movie.</a:t>
             </a:r>
-            <a:endParaRPr lang="en-US" sz="2400" kern="100" dirty="0">
-              <a:effectLst/>
-              <a:latin typeface="Calibri" panose="020F0502020204030204" pitchFamily="34" charset="0"/>
-              <a:ea typeface="Calibri" panose="020F0502020204030204" pitchFamily="34" charset="0"/>
-              <a:cs typeface="Times New Roman" panose="02020603050405020304" pitchFamily="18" charset="0"/>
-            </a:endParaRPr>
           </a:p>
           <a:p>
             <a:pPr>
@@ -13748,12 +14529,6 @@
               </a:rPr>
               <a:t>: Basic information about movies, such as title, genre, release date, and distributor.</a:t>
             </a:r>
-            <a:endParaRPr lang="en-US" sz="2400" kern="100" dirty="0">
-              <a:effectLst/>
-              <a:latin typeface="Calibri" panose="020F0502020204030204" pitchFamily="34" charset="0"/>
-              <a:ea typeface="Calibri" panose="020F0502020204030204" pitchFamily="34" charset="0"/>
-              <a:cs typeface="Times New Roman" panose="02020603050405020304" pitchFamily="18" charset="0"/>
-            </a:endParaRPr>
           </a:p>
           <a:p>
             <a:pPr marL="342900" lvl="0" indent="-342900">
@@ -13806,12 +14581,6 @@
               </a:rPr>
               <a:t> how genres or ratings affect performance</a:t>
             </a:r>
-            <a:endParaRPr lang="en-US" sz="2400" kern="100" dirty="0">
-              <a:effectLst/>
-              <a:latin typeface="Calibri" panose="020F0502020204030204" pitchFamily="34" charset="0"/>
-              <a:ea typeface="Calibri" panose="020F0502020204030204" pitchFamily="34" charset="0"/>
-              <a:cs typeface="Times New Roman" panose="02020603050405020304" pitchFamily="18" charset="0"/>
-            </a:endParaRPr>
           </a:p>
           <a:p>
             <a:endParaRPr lang="en-US" sz="2400" dirty="0"/>
@@ -13858,6 +14627,7 @@
           <a:p>
             <a:fld id="{C4C7283F-616F-4503-ABBD-21FFB2848302}" type="slidenum">
               <a:rPr lang="en-US" smtClean="0"/>
+              <a:t>6</a:t>
             </a:fld>
             <a:endParaRPr lang="en-US"/>
           </a:p>
@@ -13907,7 +14677,6 @@
               <a:rPr lang="en-US" dirty="0"/>
               <a:t>DATA UNDERSTANDING  CONT…….2</a:t>
             </a:r>
-            <a:endParaRPr lang="en-US" dirty="0"/>
           </a:p>
         </p:txBody>
       </p:sp>
@@ -13986,11 +14755,6 @@
               </a:rPr>
               <a:t>: Useful for understanding post-theatre revenue streams.</a:t>
             </a:r>
-            <a:endParaRPr lang="en-US" sz="2200" kern="100" dirty="0">
-              <a:effectLst/>
-              <a:ea typeface="Calibri" panose="020F0502020204030204" pitchFamily="34" charset="0"/>
-              <a:cs typeface="Calibri" panose="020F0502020204030204" pitchFamily="34" charset="0"/>
-            </a:endParaRPr>
           </a:p>
           <a:p>
             <a:pPr marL="342900" lvl="0" indent="-342900">
@@ -14023,11 +14787,6 @@
               </a:rPr>
               <a:t>: Can show trends in digital distribution.</a:t>
             </a:r>
-            <a:endParaRPr lang="en-US" sz="2200" kern="100" dirty="0">
-              <a:effectLst/>
-              <a:ea typeface="Calibri" panose="020F0502020204030204" pitchFamily="34" charset="0"/>
-              <a:cs typeface="Calibri" panose="020F0502020204030204" pitchFamily="34" charset="0"/>
-            </a:endParaRPr>
           </a:p>
           <a:p>
             <a:pPr>
@@ -14083,11 +14842,6 @@
               </a:rPr>
               <a:t>: Helps analyse how different studios perform over time.</a:t>
             </a:r>
-            <a:endParaRPr lang="en-US" sz="2200" kern="100" dirty="0">
-              <a:effectLst/>
-              <a:ea typeface="Calibri" panose="020F0502020204030204" pitchFamily="34" charset="0"/>
-              <a:cs typeface="Calibri" panose="020F0502020204030204" pitchFamily="34" charset="0"/>
-            </a:endParaRPr>
           </a:p>
           <a:p>
             <a:pPr marL="342900" lvl="0" indent="-342900">
@@ -14120,11 +14874,6 @@
               </a:rPr>
               <a:t>: Useful for cross-region comparison and global trends.</a:t>
             </a:r>
-            <a:endParaRPr lang="en-US" sz="2200" kern="100" dirty="0">
-              <a:effectLst/>
-              <a:ea typeface="Calibri" panose="020F0502020204030204" pitchFamily="34" charset="0"/>
-              <a:cs typeface="Calibri" panose="020F0502020204030204" pitchFamily="34" charset="0"/>
-            </a:endParaRPr>
           </a:p>
           <a:p>
             <a:endParaRPr lang="en-US" dirty="0">
@@ -14174,6 +14923,7 @@
           <a:p>
             <a:fld id="{C4C7283F-616F-4503-ABBD-21FFB2848302}" type="slidenum">
               <a:rPr lang="en-US" smtClean="0"/>
+              <a:t>7</a:t>
             </a:fld>
             <a:endParaRPr lang="en-US"/>
           </a:p>
@@ -14228,7 +14978,6 @@
               <a:rPr lang="en-US" b="1" dirty="0"/>
               <a:t>OBJECTIVES/GOALS</a:t>
             </a:r>
-            <a:endParaRPr lang="en-US" b="1" dirty="0"/>
           </a:p>
         </p:txBody>
       </p:sp>
@@ -14266,14 +15015,6 @@
               </a:rPr>
               <a:t>Main Objective</a:t>
             </a:r>
-            <a:endParaRPr lang="en-GB" sz="3200" b="1" kern="100" dirty="0">
-              <a:solidFill>
-                <a:schemeClr val="accent1"/>
-              </a:solidFill>
-              <a:effectLst/>
-              <a:ea typeface="Calibri" panose="020F0502020204030204" pitchFamily="34" charset="0"/>
-              <a:cs typeface="Times New Roman" panose="02020603050405020304" pitchFamily="18" charset="0"/>
-            </a:endParaRPr>
           </a:p>
           <a:p>
             <a:pPr algn="l"/>
@@ -14285,11 +15026,6 @@
               </a:rPr>
               <a:t>- To analyse movie data and uncover key patterns in revenue, popularity, ratings, and director influence across genres, providing actionable insights for business growth and strategic decision-making.</a:t>
             </a:r>
-            <a:endParaRPr lang="en-GB" sz="2000" kern="100" dirty="0">
-              <a:effectLst/>
-              <a:ea typeface="Calibri" panose="020F0502020204030204" pitchFamily="34" charset="0"/>
-              <a:cs typeface="Times New Roman" panose="02020603050405020304" pitchFamily="18" charset="0"/>
-            </a:endParaRPr>
           </a:p>
           <a:p>
             <a:pPr algn="l"/>
@@ -14349,6 +15085,7 @@
           <a:p>
             <a:fld id="{C4C7283F-616F-4503-ABBD-21FFB2848302}" type="slidenum">
               <a:rPr lang="en-US" smtClean="0"/>
+              <a:t>8</a:t>
             </a:fld>
             <a:endParaRPr lang="en-US"/>
           </a:p>
@@ -14412,7 +15149,6 @@
               <a:rPr lang="en-US" b="1" dirty="0"/>
               <a:t>…2)</a:t>
             </a:r>
-            <a:endParaRPr lang="en-US" b="1" dirty="0"/>
           </a:p>
         </p:txBody>
       </p:sp>
@@ -14458,14 +15194,6 @@
               </a:rPr>
               <a:t>Specific Objectives</a:t>
             </a:r>
-            <a:endParaRPr lang="en-GB" sz="3600" b="1" kern="100" dirty="0">
-              <a:solidFill>
-                <a:schemeClr val="accent1"/>
-              </a:solidFill>
-              <a:effectLst/>
-              <a:ea typeface="Calibri" panose="020F0502020204030204" pitchFamily="34" charset="0"/>
-              <a:cs typeface="Times New Roman" panose="02020603050405020304" pitchFamily="18" charset="0"/>
-            </a:endParaRPr>
           </a:p>
           <a:p>
             <a:pPr algn="l"/>
@@ -14477,11 +15205,6 @@
               </a:rPr>
               <a:t>1. Identify the movie genres that generate the highest revenue and analyse the factors contributing to their financial success.</a:t>
             </a:r>
-            <a:endParaRPr lang="en-GB" sz="2200" kern="100" dirty="0">
-              <a:effectLst/>
-              <a:ea typeface="Calibri" panose="020F0502020204030204" pitchFamily="34" charset="0"/>
-              <a:cs typeface="Times New Roman" panose="02020603050405020304" pitchFamily="18" charset="0"/>
-            </a:endParaRPr>
           </a:p>
           <a:p>
             <a:pPr algn="l"/>
@@ -14493,11 +15216,6 @@
               </a:rPr>
               <a:t>2. Explore audience preferences to uncover the most popular genres and the drivers behind their popularity.</a:t>
             </a:r>
-            <a:endParaRPr lang="en-GB" sz="2200" kern="100" dirty="0">
-              <a:effectLst/>
-              <a:ea typeface="Calibri" panose="020F0502020204030204" pitchFamily="34" charset="0"/>
-              <a:cs typeface="Times New Roman" panose="02020603050405020304" pitchFamily="18" charset="0"/>
-            </a:endParaRPr>
           </a:p>
           <a:p>
             <a:pPr algn="l"/>
@@ -14509,11 +15227,6 @@
               </a:rPr>
               <a:t>3. Evaluate the ratings of movies across genres to assess trends in critical and audience reception.</a:t>
             </a:r>
-            <a:endParaRPr lang="en-GB" sz="2200" kern="100" dirty="0">
-              <a:effectLst/>
-              <a:ea typeface="Calibri" panose="020F0502020204030204" pitchFamily="34" charset="0"/>
-              <a:cs typeface="Times New Roman" panose="02020603050405020304" pitchFamily="18" charset="0"/>
-            </a:endParaRPr>
           </a:p>
           <a:p>
             <a:pPr algn="l"/>
@@ -14525,11 +15238,6 @@
               </a:rPr>
               <a:t>4. Examine the role and impact of directors on the success of specific genres.</a:t>
             </a:r>
-            <a:endParaRPr lang="en-GB" sz="2200" kern="100" dirty="0">
-              <a:effectLst/>
-              <a:ea typeface="Calibri" panose="020F0502020204030204" pitchFamily="34" charset="0"/>
-              <a:cs typeface="Times New Roman" panose="02020603050405020304" pitchFamily="18" charset="0"/>
-            </a:endParaRPr>
           </a:p>
           <a:p>
             <a:pPr algn="l"/>
@@ -14541,11 +15249,6 @@
               </a:rPr>
               <a:t>5. Identify top-performing movies within their respective genres.</a:t>
             </a:r>
-            <a:endParaRPr lang="en-GB" sz="2200" kern="100" dirty="0">
-              <a:effectLst/>
-              <a:ea typeface="Calibri" panose="020F0502020204030204" pitchFamily="34" charset="0"/>
-              <a:cs typeface="Times New Roman" panose="02020603050405020304" pitchFamily="18" charset="0"/>
-            </a:endParaRPr>
           </a:p>
           <a:p>
             <a:pPr algn="l"/>
@@ -14557,11 +15260,6 @@
               </a:rPr>
               <a:t>6. Highlight the most successful and influential directors based on revenue and popularity.</a:t>
             </a:r>
-            <a:endParaRPr lang="en-GB" sz="2200" kern="100" dirty="0">
-              <a:effectLst/>
-              <a:ea typeface="Calibri" panose="020F0502020204030204" pitchFamily="34" charset="0"/>
-              <a:cs typeface="Times New Roman" panose="02020603050405020304" pitchFamily="18" charset="0"/>
-            </a:endParaRPr>
           </a:p>
         </p:txBody>
       </p:sp>
@@ -14610,6 +15308,7 @@
           <a:p>
             <a:fld id="{C4C7283F-616F-4503-ABBD-21FFB2848302}" type="slidenum">
               <a:rPr lang="en-US" smtClean="0"/>
+              <a:t>9</a:t>
             </a:fld>
             <a:endParaRPr lang="en-US"/>
           </a:p>
@@ -14870,6 +15569,8 @@
       </a:bgFillStyleLst>
     </a:fmtScheme>
   </a:themeElements>
+  <a:objectDefaults/>
+  <a:extraClrSchemeLst/>
   <a:extLst>
     <a:ext uri="{05A4C25C-085E-4340-85A3-A5531E510DB2}">
       <thm15:themeFamily xmlns:thm15="http://schemas.microsoft.com/office/thememl/2012/main" name="Office Theme" id="{62F939B6-93AF-4DB8-9C6B-D6C7DFDC589F}" vid="{4A3C46E8-61CC-4603-A589-7422A47A8E4A}"/>
@@ -15129,6 +15830,8 @@
       </a:bgFillStyleLst>
     </a:fmtScheme>
   </a:themeElements>
+  <a:objectDefaults/>
+  <a:extraClrSchemeLst/>
   <a:extLst>
     <a:ext uri="{05A4C25C-085E-4340-85A3-A5531E510DB2}">
       <thm15:themeFamily xmlns:thm15="http://schemas.microsoft.com/office/thememl/2012/main" name="Office Theme" id="{62F939B6-93AF-4DB8-9C6B-D6C7DFDC589F}" vid="{4A3C46E8-61CC-4603-A589-7422A47A8E4A}"/>
